--- a/Paper/Finale Presentatie/presentatie.pptx
+++ b/Paper/Finale Presentatie/presentatie.pptx
@@ -6,10 +6,10 @@
     <p:sldMasterId id="2147483710" r:id="rId2"/>
   </p:sldMasterIdLst>
   <p:notesMasterIdLst>
-    <p:notesMasterId r:id="rId27"/>
+    <p:notesMasterId r:id="rId28"/>
   </p:notesMasterIdLst>
   <p:handoutMasterIdLst>
-    <p:handoutMasterId r:id="rId28"/>
+    <p:handoutMasterId r:id="rId29"/>
   </p:handoutMasterIdLst>
   <p:sldIdLst>
     <p:sldId id="256" r:id="rId3"/>
@@ -30,12 +30,13 @@
     <p:sldId id="278" r:id="rId18"/>
     <p:sldId id="267" r:id="rId19"/>
     <p:sldId id="280" r:id="rId20"/>
-    <p:sldId id="272" r:id="rId21"/>
-    <p:sldId id="271" r:id="rId22"/>
-    <p:sldId id="276" r:id="rId23"/>
-    <p:sldId id="273" r:id="rId24"/>
-    <p:sldId id="275" r:id="rId25"/>
-    <p:sldId id="274" r:id="rId26"/>
+    <p:sldId id="281" r:id="rId21"/>
+    <p:sldId id="272" r:id="rId22"/>
+    <p:sldId id="271" r:id="rId23"/>
+    <p:sldId id="276" r:id="rId24"/>
+    <p:sldId id="273" r:id="rId25"/>
+    <p:sldId id="275" r:id="rId26"/>
+    <p:sldId id="274" r:id="rId27"/>
   </p:sldIdLst>
   <p:sldSz cx="9144000" cy="6858000" type="screen4x3"/>
   <p:notesSz cx="6858000" cy="9144000"/>
@@ -151,7 +152,51 @@
     </mc:Fallback>
   </mc:AlternateContent>
   <c:chart>
-    <c:autoTitleDeleted val="1"/>
+    <c:title>
+      <c:tx>
+        <c:rich>
+          <a:bodyPr/>
+          <a:lstStyle/>
+          <a:p>
+            <a:pPr>
+              <a:defRPr/>
+            </a:pPr>
+            <a:r>
+              <a:rPr lang="en-US" dirty="0" smtClean="0"/>
+              <a:t>Het </a:t>
+            </a:r>
+            <a:r>
+              <a:rPr lang="en-US" dirty="0" err="1" smtClean="0"/>
+              <a:t>aantal</a:t>
+            </a:r>
+            <a:r>
+              <a:rPr lang="en-US" dirty="0" smtClean="0"/>
+              <a:t> </a:t>
+            </a:r>
+            <a:r>
+              <a:rPr lang="en-US" dirty="0" err="1" smtClean="0"/>
+              <a:t>knopen</a:t>
+            </a:r>
+            <a:r>
+              <a:rPr lang="en-US" dirty="0" smtClean="0"/>
+              <a:t> </a:t>
+            </a:r>
+            <a:r>
+              <a:rPr lang="en-US" dirty="0" err="1" smtClean="0"/>
+              <a:t>na</a:t>
+            </a:r>
+            <a:r>
+              <a:rPr lang="en-US" dirty="0" smtClean="0"/>
+              <a:t> pruning</a:t>
+            </a:r>
+            <a:endParaRPr lang="en-US" dirty="0"/>
+          </a:p>
+        </c:rich>
+      </c:tx>
+      <c:layout/>
+      <c:overlay val="0"/>
+    </c:title>
+    <c:autoTitleDeleted val="0"/>
     <c:plotArea>
       <c:layout/>
       <c:barChart>
@@ -249,11 +294,11 @@
           <c:showBubbleSize val="0"/>
         </c:dLbls>
         <c:gapWidth val="150"/>
-        <c:axId val="-2128405256"/>
-        <c:axId val="-2127773656"/>
+        <c:axId val="2101701464"/>
+        <c:axId val="2101707304"/>
       </c:barChart>
       <c:catAx>
-        <c:axId val="-2128405256"/>
+        <c:axId val="2101701464"/>
         <c:scaling>
           <c:orientation val="minMax"/>
         </c:scaling>
@@ -287,7 +332,7 @@
         <c:majorTickMark val="out"/>
         <c:minorTickMark val="none"/>
         <c:tickLblPos val="nextTo"/>
-        <c:crossAx val="-2127773656"/>
+        <c:crossAx val="2101707304"/>
         <c:crosses val="autoZero"/>
         <c:auto val="1"/>
         <c:lblAlgn val="ctr"/>
@@ -295,7 +340,7 @@
         <c:noMultiLvlLbl val="0"/>
       </c:catAx>
       <c:valAx>
-        <c:axId val="-2127773656"/>
+        <c:axId val="2101707304"/>
         <c:scaling>
           <c:orientation val="minMax"/>
           <c:max val="100.0"/>
@@ -327,7 +372,207 @@
         <c:majorTickMark val="out"/>
         <c:minorTickMark val="none"/>
         <c:tickLblPos val="nextTo"/>
-        <c:crossAx val="-2128405256"/>
+        <c:crossAx val="2101701464"/>
+        <c:crosses val="autoZero"/>
+        <c:crossBetween val="between"/>
+      </c:valAx>
+    </c:plotArea>
+    <c:plotVisOnly val="1"/>
+    <c:dispBlanksAs val="gap"/>
+    <c:showDLblsOverMax val="0"/>
+  </c:chart>
+  <c:txPr>
+    <a:bodyPr/>
+    <a:lstStyle/>
+    <a:p>
+      <a:pPr>
+        <a:defRPr sz="1800"/>
+      </a:pPr>
+      <a:endParaRPr lang="en-US"/>
+    </a:p>
+  </c:txPr>
+  <c:externalData r:id="rId1">
+    <c:autoUpdate val="0"/>
+  </c:externalData>
+</c:chartSpace>
+</file>
+
+<file path=ppt/charts/chart2.xml><?xml version="1.0" encoding="utf-8"?>
+<c:chartSpace xmlns:c="http://schemas.openxmlformats.org/drawingml/2006/chart" xmlns:a="http://schemas.openxmlformats.org/drawingml/2006/main" xmlns:r="http://schemas.openxmlformats.org/officeDocument/2006/relationships">
+  <c:date1904 val="0"/>
+  <c:lang val="en-US"/>
+  <c:roundedCorners val="0"/>
+  <mc:AlternateContent xmlns:mc="http://schemas.openxmlformats.org/markup-compatibility/2006">
+    <mc:Choice xmlns:c14="http://schemas.microsoft.com/office/drawing/2007/8/2/chart" Requires="c14">
+      <c14:style val="114"/>
+    </mc:Choice>
+    <mc:Fallback>
+      <c:style val="14"/>
+    </mc:Fallback>
+  </mc:AlternateContent>
+  <c:chart>
+    <c:title>
+      <c:tx>
+        <c:rich>
+          <a:bodyPr/>
+          <a:lstStyle/>
+          <a:p>
+            <a:pPr>
+              <a:defRPr/>
+            </a:pPr>
+            <a:r>
+              <a:rPr lang="en-US" dirty="0" err="1" smtClean="0"/>
+              <a:t>Vergelijking</a:t>
+            </a:r>
+            <a:r>
+              <a:rPr lang="en-US" baseline="0" dirty="0" smtClean="0"/>
+              <a:t> </a:t>
+            </a:r>
+            <a:r>
+              <a:rPr lang="en-US" baseline="0" dirty="0" err="1" smtClean="0"/>
+              <a:t>randomgeneratoren</a:t>
+            </a:r>
+            <a:endParaRPr lang="en-US" dirty="0"/>
+          </a:p>
+        </c:rich>
+      </c:tx>
+      <c:layout/>
+      <c:overlay val="0"/>
+    </c:title>
+    <c:autoTitleDeleted val="0"/>
+    <c:plotArea>
+      <c:layout/>
+      <c:barChart>
+        <c:barDir val="col"/>
+        <c:grouping val="clustered"/>
+        <c:varyColors val="0"/>
+        <c:ser>
+          <c:idx val="0"/>
+          <c:order val="0"/>
+          <c:tx>
+            <c:strRef>
+              <c:f>Sheet1!$B$1</c:f>
+              <c:strCache>
+                <c:ptCount val="1"/>
+                <c:pt idx="0">
+                  <c:v>Solutions</c:v>
+                </c:pt>
+              </c:strCache>
+            </c:strRef>
+          </c:tx>
+          <c:invertIfNegative val="0"/>
+          <c:cat>
+            <c:strRef>
+              <c:f>Sheet1!$A$2:$A$4</c:f>
+              <c:strCache>
+                <c:ptCount val="3"/>
+                <c:pt idx="0">
+                  <c:v>realRandom</c:v>
+                </c:pt>
+                <c:pt idx="1">
+                  <c:v>easyRandom</c:v>
+                </c:pt>
+                <c:pt idx="2">
+                  <c:v>complexRandom</c:v>
+                </c:pt>
+              </c:strCache>
+            </c:strRef>
+          </c:cat>
+          <c:val>
+            <c:numRef>
+              <c:f>Sheet1!$B$2:$B$4</c:f>
+              <c:numCache>
+                <c:formatCode>General</c:formatCode>
+                <c:ptCount val="3"/>
+                <c:pt idx="0">
+                  <c:v>8.0</c:v>
+                </c:pt>
+                <c:pt idx="1">
+                  <c:v>97.0</c:v>
+                </c:pt>
+                <c:pt idx="2">
+                  <c:v>93.0</c:v>
+                </c:pt>
+              </c:numCache>
+            </c:numRef>
+          </c:val>
+        </c:ser>
+        <c:dLbls>
+          <c:showLegendKey val="0"/>
+          <c:showVal val="0"/>
+          <c:showCatName val="0"/>
+          <c:showSerName val="0"/>
+          <c:showPercent val="0"/>
+          <c:showBubbleSize val="0"/>
+        </c:dLbls>
+        <c:gapWidth val="150"/>
+        <c:axId val="2104805320"/>
+        <c:axId val="2103415432"/>
+      </c:barChart>
+      <c:catAx>
+        <c:axId val="2104805320"/>
+        <c:scaling>
+          <c:orientation val="minMax"/>
+        </c:scaling>
+        <c:delete val="0"/>
+        <c:axPos val="b"/>
+        <c:numFmt formatCode="General" sourceLinked="1"/>
+        <c:majorTickMark val="out"/>
+        <c:minorTickMark val="none"/>
+        <c:tickLblPos val="nextTo"/>
+        <c:crossAx val="2103415432"/>
+        <c:crosses val="autoZero"/>
+        <c:auto val="1"/>
+        <c:lblAlgn val="ctr"/>
+        <c:lblOffset val="100"/>
+        <c:noMultiLvlLbl val="0"/>
+      </c:catAx>
+      <c:valAx>
+        <c:axId val="2103415432"/>
+        <c:scaling>
+          <c:orientation val="minMax"/>
+          <c:max val="100.0"/>
+        </c:scaling>
+        <c:delete val="0"/>
+        <c:axPos val="l"/>
+        <c:majorGridlines/>
+        <c:title>
+          <c:tx>
+            <c:rich>
+              <a:bodyPr rot="-5400000" vert="horz"/>
+              <a:lstStyle/>
+              <a:p>
+                <a:pPr>
+                  <a:defRPr/>
+                </a:pPr>
+                <a:r>
+                  <a:rPr lang="en-US" baseline="0" dirty="0" err="1" smtClean="0"/>
+                  <a:t>Oplossingsgraad</a:t>
+                </a:r>
+                <a:r>
+                  <a:rPr lang="en-US" baseline="0" dirty="0" smtClean="0"/>
+                  <a:t> </a:t>
+                </a:r>
+                <a:r>
+                  <a:rPr lang="en-US" dirty="0" smtClean="0"/>
+                  <a:t>(</a:t>
+                </a:r>
+                <a:r>
+                  <a:rPr lang="en-US" dirty="0" smtClean="0"/>
+                  <a:t>%)</a:t>
+                </a:r>
+                <a:endParaRPr lang="en-US" dirty="0"/>
+              </a:p>
+            </c:rich>
+          </c:tx>
+          <c:layout/>
+          <c:overlay val="0"/>
+        </c:title>
+        <c:numFmt formatCode="General" sourceLinked="1"/>
+        <c:majorTickMark val="out"/>
+        <c:minorTickMark val="none"/>
+        <c:tickLblPos val="nextTo"/>
+        <c:crossAx val="2104805320"/>
         <c:crosses val="autoZero"/>
         <c:crossBetween val="between"/>
       </c:valAx>
@@ -3537,6 +3782,13 @@
         </dgm:presLayoutVars>
       </dgm:prSet>
       <dgm:spPr/>
+      <dgm:t>
+        <a:bodyPr/>
+        <a:lstStyle/>
+        <a:p>
+          <a:endParaRPr lang="en-US"/>
+        </a:p>
+      </dgm:t>
     </dgm:pt>
     <dgm:pt modelId="{B6A53276-9D3E-EA46-9422-098F1513B535}" type="pres">
       <dgm:prSet presAssocID="{3C6EFF4E-FD32-D04F-B144-9BDCFBE2895C}" presName="diamond" presStyleLbl="bgShp" presStyleIdx="0" presStyleCnt="1" custScaleX="132941"/>
@@ -3616,8 +3868,8 @@
     <dgm:cxn modelId="{0D05CA19-3125-8648-BC80-FD2ECF88ED34}" type="presOf" srcId="{40E33F3A-2E79-4D4D-81A4-E3ED1345B996}" destId="{C210B818-4175-464B-AE3C-BF936A845BC7}" srcOrd="0" destOrd="0" presId="urn:microsoft.com/office/officeart/2005/8/layout/matrix3"/>
     <dgm:cxn modelId="{0411C20C-9695-F14F-823F-0A11573769CF}" type="presOf" srcId="{ECC118F2-C106-8C45-8D99-C18F317D98E1}" destId="{388E1EC5-025A-1A4F-949B-AC30BD904780}" srcOrd="0" destOrd="0" presId="urn:microsoft.com/office/officeart/2005/8/layout/matrix3"/>
     <dgm:cxn modelId="{3785FAAC-7F08-6141-A26B-2448153F9C02}" srcId="{3C6EFF4E-FD32-D04F-B144-9BDCFBE2895C}" destId="{ECC118F2-C106-8C45-8D99-C18F317D98E1}" srcOrd="3" destOrd="0" parTransId="{C5801798-1BF1-5A49-B457-B310BD5FC2FC}" sibTransId="{402E0F4F-FD91-554A-B102-A625FF215A1B}"/>
+    <dgm:cxn modelId="{7820B543-90FB-644F-9EEE-9AFDD1154B40}" srcId="{3C6EFF4E-FD32-D04F-B144-9BDCFBE2895C}" destId="{C3BEC5E6-A24F-1D46-B698-1C9CA25EFE58}" srcOrd="4" destOrd="0" parTransId="{5D6C91A8-EC4E-6D47-ABF6-CD9810BBD0D2}" sibTransId="{35917805-E591-C748-A62F-2CEAD06EA408}"/>
     <dgm:cxn modelId="{582B8E05-03CD-4F49-A4AD-0DAA94A7FF04}" srcId="{3C6EFF4E-FD32-D04F-B144-9BDCFBE2895C}" destId="{E6333DBF-978C-FC40-B03F-FA4E17F8E2C6}" srcOrd="1" destOrd="0" parTransId="{43D1A966-5234-0041-94F6-2636A025819D}" sibTransId="{E8EF61D9-5B3D-6346-BF45-ECC9B51E1A18}"/>
-    <dgm:cxn modelId="{7820B543-90FB-644F-9EEE-9AFDD1154B40}" srcId="{3C6EFF4E-FD32-D04F-B144-9BDCFBE2895C}" destId="{C3BEC5E6-A24F-1D46-B698-1C9CA25EFE58}" srcOrd="4" destOrd="0" parTransId="{5D6C91A8-EC4E-6D47-ABF6-CD9810BBD0D2}" sibTransId="{35917805-E591-C748-A62F-2CEAD06EA408}"/>
     <dgm:cxn modelId="{6C2EF654-62A2-3846-80AD-FB4096805DC1}" type="presOf" srcId="{5DB04D1C-2BBE-DE46-A720-627829D235DF}" destId="{9A113BE4-233E-6C42-8E46-82B7C7925864}" srcOrd="0" destOrd="0" presId="urn:microsoft.com/office/officeart/2005/8/layout/matrix3"/>
     <dgm:cxn modelId="{68F6E5A1-B139-B149-BDD7-475BD02F8E60}" srcId="{3C6EFF4E-FD32-D04F-B144-9BDCFBE2895C}" destId="{40E33F3A-2E79-4D4D-81A4-E3ED1345B996}" srcOrd="2" destOrd="0" parTransId="{F2AD1743-7220-0349-BA32-587B17F13A59}" sibTransId="{13820D15-6AFD-A945-B6BA-027610C76114}"/>
     <dgm:cxn modelId="{2C2FA239-C0CB-D74D-A988-291FD4ADE97D}" type="presOf" srcId="{E6333DBF-978C-FC40-B03F-FA4E17F8E2C6}" destId="{E264A485-F2F6-254A-8852-F925B0BD37BB}" srcOrd="0" destOrd="0" presId="urn:microsoft.com/office/officeart/2005/8/layout/matrix3"/>
@@ -3835,6 +4087,13 @@
         </dgm:presLayoutVars>
       </dgm:prSet>
       <dgm:spPr/>
+      <dgm:t>
+        <a:bodyPr/>
+        <a:lstStyle/>
+        <a:p>
+          <a:endParaRPr lang="en-US"/>
+        </a:p>
+      </dgm:t>
     </dgm:pt>
     <dgm:pt modelId="{B6A53276-9D3E-EA46-9422-098F1513B535}" type="pres">
       <dgm:prSet presAssocID="{3C6EFF4E-FD32-D04F-B144-9BDCFBE2895C}" presName="diamond" presStyleLbl="bgShp" presStyleIdx="0" presStyleCnt="1" custScaleX="132941"/>
@@ -3916,8 +4175,8 @@
     <dgm:cxn modelId="{7820B543-90FB-644F-9EEE-9AFDD1154B40}" srcId="{3C6EFF4E-FD32-D04F-B144-9BDCFBE2895C}" destId="{C3BEC5E6-A24F-1D46-B698-1C9CA25EFE58}" srcOrd="4" destOrd="0" parTransId="{5D6C91A8-EC4E-6D47-ABF6-CD9810BBD0D2}" sibTransId="{35917805-E591-C748-A62F-2CEAD06EA408}"/>
     <dgm:cxn modelId="{A3FFDB93-6FC3-A047-8D7A-30E473798FA9}" type="presOf" srcId="{5DB04D1C-2BBE-DE46-A720-627829D235DF}" destId="{9A113BE4-233E-6C42-8E46-82B7C7925864}" srcOrd="0" destOrd="0" presId="urn:microsoft.com/office/officeart/2005/8/layout/matrix3"/>
     <dgm:cxn modelId="{2C5EFBDB-858D-1242-8CEB-27AA8A2BB183}" type="presOf" srcId="{ECC118F2-C106-8C45-8D99-C18F317D98E1}" destId="{388E1EC5-025A-1A4F-949B-AC30BD904780}" srcOrd="0" destOrd="0" presId="urn:microsoft.com/office/officeart/2005/8/layout/matrix3"/>
+    <dgm:cxn modelId="{1379086B-8E1F-6A49-89CF-90444898E1EA}" type="presOf" srcId="{3C6EFF4E-FD32-D04F-B144-9BDCFBE2895C}" destId="{3AA7EB84-FE66-7D49-8A07-07AFFDFBBF65}" srcOrd="0" destOrd="0" presId="urn:microsoft.com/office/officeart/2005/8/layout/matrix3"/>
     <dgm:cxn modelId="{2F152398-2D79-9543-84DC-41FA8A92DBAF}" type="presOf" srcId="{E6333DBF-978C-FC40-B03F-FA4E17F8E2C6}" destId="{E264A485-F2F6-254A-8852-F925B0BD37BB}" srcOrd="0" destOrd="0" presId="urn:microsoft.com/office/officeart/2005/8/layout/matrix3"/>
-    <dgm:cxn modelId="{1379086B-8E1F-6A49-89CF-90444898E1EA}" type="presOf" srcId="{3C6EFF4E-FD32-D04F-B144-9BDCFBE2895C}" destId="{3AA7EB84-FE66-7D49-8A07-07AFFDFBBF65}" srcOrd="0" destOrd="0" presId="urn:microsoft.com/office/officeart/2005/8/layout/matrix3"/>
     <dgm:cxn modelId="{8E148F99-6F41-8640-AF50-A1E6392AB100}" type="presOf" srcId="{40E33F3A-2E79-4D4D-81A4-E3ED1345B996}" destId="{C210B818-4175-464B-AE3C-BF936A845BC7}" srcOrd="0" destOrd="0" presId="urn:microsoft.com/office/officeart/2005/8/layout/matrix3"/>
     <dgm:cxn modelId="{68F6E5A1-B139-B149-BDD7-475BD02F8E60}" srcId="{3C6EFF4E-FD32-D04F-B144-9BDCFBE2895C}" destId="{40E33F3A-2E79-4D4D-81A4-E3ED1345B996}" srcOrd="2" destOrd="0" parTransId="{F2AD1743-7220-0349-BA32-587B17F13A59}" sibTransId="{13820D15-6AFD-A945-B6BA-027610C76114}"/>
     <dgm:cxn modelId="{32C7273E-0E45-0847-9342-715CE77F03B0}" type="presParOf" srcId="{3AA7EB84-FE66-7D49-8A07-07AFFDFBBF65}" destId="{B6A53276-9D3E-EA46-9422-098F1513B535}" srcOrd="0" destOrd="0" presId="urn:microsoft.com/office/officeart/2005/8/layout/matrix3"/>
@@ -4208,6 +4467,13 @@
         </dgm:presLayoutVars>
       </dgm:prSet>
       <dgm:spPr/>
+      <dgm:t>
+        <a:bodyPr/>
+        <a:lstStyle/>
+        <a:p>
+          <a:endParaRPr lang="en-US"/>
+        </a:p>
+      </dgm:t>
     </dgm:pt>
     <dgm:pt modelId="{D38C4822-5EA9-064B-8944-89C0A442ED98}" type="pres">
       <dgm:prSet presAssocID="{EE5621F5-D3D0-8A4B-BBB3-18DDFC4961F6}" presName="cycle" presStyleCnt="0"/>
@@ -4231,6 +4497,13 @@
     <dgm:pt modelId="{ECD6E261-5965-9545-A3D9-1F4060635496}" type="pres">
       <dgm:prSet presAssocID="{5286684A-2838-DA4B-9F9B-3BF50DFB6A52}" presName="sibTransFirstNode" presStyleLbl="bgShp" presStyleIdx="0" presStyleCnt="1" custScaleX="112503"/>
       <dgm:spPr/>
+      <dgm:t>
+        <a:bodyPr/>
+        <a:lstStyle/>
+        <a:p>
+          <a:endParaRPr lang="en-US"/>
+        </a:p>
+      </dgm:t>
     </dgm:pt>
     <dgm:pt modelId="{E5DE6A9E-920F-3341-89E7-1B5E8A40D6CA}" type="pres">
       <dgm:prSet presAssocID="{044DDA8A-06B8-924E-86DF-59C2A3D59365}" presName="nodeFollowingNodes" presStyleLbl="node1" presStyleIdx="1" presStyleCnt="6" custRadScaleRad="114863" custRadScaleInc="8158">
@@ -4254,6 +4527,13 @@
         </dgm:presLayoutVars>
       </dgm:prSet>
       <dgm:spPr/>
+      <dgm:t>
+        <a:bodyPr/>
+        <a:lstStyle/>
+        <a:p>
+          <a:endParaRPr lang="en-US"/>
+        </a:p>
+      </dgm:t>
     </dgm:pt>
     <dgm:pt modelId="{C83FF513-1828-5942-8E66-D72525E5F1B4}" type="pres">
       <dgm:prSet presAssocID="{57CB1F47-846C-2F44-9148-892B165E654D}" presName="nodeFollowingNodes" presStyleLbl="node1" presStyleIdx="3" presStyleCnt="6">
@@ -4277,6 +4557,13 @@
         </dgm:presLayoutVars>
       </dgm:prSet>
       <dgm:spPr/>
+      <dgm:t>
+        <a:bodyPr/>
+        <a:lstStyle/>
+        <a:p>
+          <a:endParaRPr lang="en-US"/>
+        </a:p>
+      </dgm:t>
     </dgm:pt>
     <dgm:pt modelId="{B4A11C20-9B1C-964B-864F-DCA00D5098C5}" type="pres">
       <dgm:prSet presAssocID="{E299359A-8E52-B94C-AC1A-C43DAD185B70}" presName="nodeFollowingNodes" presStyleLbl="node1" presStyleIdx="5" presStyleCnt="6" custRadScaleRad="114863" custRadScaleInc="-8158">
@@ -4285,6 +4572,13 @@
         </dgm:presLayoutVars>
       </dgm:prSet>
       <dgm:spPr/>
+      <dgm:t>
+        <a:bodyPr/>
+        <a:lstStyle/>
+        <a:p>
+          <a:endParaRPr lang="en-US"/>
+        </a:p>
+      </dgm:t>
     </dgm:pt>
   </dgm:ptLst>
   <dgm:cxnLst>
@@ -4601,6 +4895,13 @@
         </dgm:presLayoutVars>
       </dgm:prSet>
       <dgm:spPr/>
+      <dgm:t>
+        <a:bodyPr/>
+        <a:lstStyle/>
+        <a:p>
+          <a:endParaRPr lang="en-US"/>
+        </a:p>
+      </dgm:t>
     </dgm:pt>
     <dgm:pt modelId="{D38C4822-5EA9-064B-8944-89C0A442ED98}" type="pres">
       <dgm:prSet presAssocID="{EE5621F5-D3D0-8A4B-BBB3-18DDFC4961F6}" presName="cycle" presStyleCnt="0"/>
@@ -4624,6 +4925,13 @@
     <dgm:pt modelId="{ECD6E261-5965-9545-A3D9-1F4060635496}" type="pres">
       <dgm:prSet presAssocID="{5286684A-2838-DA4B-9F9B-3BF50DFB6A52}" presName="sibTransFirstNode" presStyleLbl="bgShp" presStyleIdx="0" presStyleCnt="1" custScaleX="112503"/>
       <dgm:spPr/>
+      <dgm:t>
+        <a:bodyPr/>
+        <a:lstStyle/>
+        <a:p>
+          <a:endParaRPr lang="en-US"/>
+        </a:p>
+      </dgm:t>
     </dgm:pt>
     <dgm:pt modelId="{E5DE6A9E-920F-3341-89E7-1B5E8A40D6CA}" type="pres">
       <dgm:prSet presAssocID="{044DDA8A-06B8-924E-86DF-59C2A3D59365}" presName="nodeFollowingNodes" presStyleLbl="node1" presStyleIdx="1" presStyleCnt="6" custRadScaleRad="114863" custRadScaleInc="8158">
@@ -4647,6 +4955,13 @@
         </dgm:presLayoutVars>
       </dgm:prSet>
       <dgm:spPr/>
+      <dgm:t>
+        <a:bodyPr/>
+        <a:lstStyle/>
+        <a:p>
+          <a:endParaRPr lang="en-US"/>
+        </a:p>
+      </dgm:t>
     </dgm:pt>
     <dgm:pt modelId="{C83FF513-1828-5942-8E66-D72525E5F1B4}" type="pres">
       <dgm:prSet presAssocID="{57CB1F47-846C-2F44-9148-892B165E654D}" presName="nodeFollowingNodes" presStyleLbl="node1" presStyleIdx="3" presStyleCnt="6">
@@ -4670,6 +4985,13 @@
         </dgm:presLayoutVars>
       </dgm:prSet>
       <dgm:spPr/>
+      <dgm:t>
+        <a:bodyPr/>
+        <a:lstStyle/>
+        <a:p>
+          <a:endParaRPr lang="en-US"/>
+        </a:p>
+      </dgm:t>
     </dgm:pt>
     <dgm:pt modelId="{B4A11C20-9B1C-964B-864F-DCA00D5098C5}" type="pres">
       <dgm:prSet presAssocID="{E299359A-8E52-B94C-AC1A-C43DAD185B70}" presName="nodeFollowingNodes" presStyleLbl="node1" presStyleIdx="5" presStyleCnt="6" custRadScaleRad="114863" custRadScaleInc="-8158">
@@ -4678,6 +5000,13 @@
         </dgm:presLayoutVars>
       </dgm:prSet>
       <dgm:spPr/>
+      <dgm:t>
+        <a:bodyPr/>
+        <a:lstStyle/>
+        <a:p>
+          <a:endParaRPr lang="en-US"/>
+        </a:p>
+      </dgm:t>
     </dgm:pt>
   </dgm:ptLst>
   <dgm:cxnLst>
@@ -12007,7 +12336,7 @@
                 <a:cs typeface="Arial" pitchFamily="34" charset="0"/>
               </a:rPr>
               <a:pPr/>
-              <a:t>25/04/15</a:t>
+              <a:t>29/04/15</a:t>
             </a:fld>
             <a:endParaRPr lang="nl-BE" sz="1000">
               <a:latin typeface="Arial" pitchFamily="34" charset="0"/>
@@ -12187,7 +12516,7 @@
             <a:fld id="{7AF0A2F9-EF49-41B3-9E69-7CDBDC14786A}" type="datetimeFigureOut">
               <a:rPr lang="nl-BE" smtClean="0"/>
               <a:pPr/>
-              <a:t>25/04/15</a:t>
+              <a:t>29/04/15</a:t>
             </a:fld>
             <a:endParaRPr lang="nl-BE"/>
           </a:p>
@@ -20342,7 +20671,7 @@
             <p:ph idx="1"/>
             <p:extLst>
               <p:ext uri="{D42A27DB-BD31-4B8C-83A1-F6EECF244321}">
-                <p14:modId xmlns:p14="http://schemas.microsoft.com/office/powerpoint/2010/main" val="2761342443"/>
+                <p14:modId xmlns:p14="http://schemas.microsoft.com/office/powerpoint/2010/main" val="756536483"/>
               </p:ext>
             </p:extLst>
           </p:nvPr>
@@ -20394,7 +20723,7 @@
             <a:spLocks noGrp="1"/>
           </p:cNvSpPr>
           <p:nvPr>
-            <p:ph type="ctrTitle"/>
+            <p:ph type="title"/>
           </p:nvPr>
         </p:nvSpPr>
         <p:spPr/>
@@ -20404,35 +20733,45 @@
           <a:p>
             <a:r>
               <a:rPr lang="en-US" dirty="0" smtClean="0"/>
-              <a:t>Conclusie</a:t>
+              <a:t>Experiment </a:t>
+            </a:r>
+            <a:r>
+              <a:rPr lang="en-US" dirty="0" smtClean="0"/>
+              <a:t>2</a:t>
             </a:r>
             <a:endParaRPr lang="en-US" dirty="0"/>
           </a:p>
         </p:txBody>
       </p:sp>
-      <p:sp>
-        <p:nvSpPr>
-          <p:cNvPr id="3" name="Subtitle 2"/>
-          <p:cNvSpPr>
-            <a:spLocks noGrp="1"/>
-          </p:cNvSpPr>
+      <p:graphicFrame>
+        <p:nvGraphicFramePr>
+          <p:cNvPr id="5" name="Content Placeholder 3"/>
+          <p:cNvGraphicFramePr>
+            <a:graphicFrameLocks noGrp="1"/>
+          </p:cNvGraphicFramePr>
           <p:nvPr>
-            <p:ph type="subTitle" idx="1"/>
+            <p:ph idx="1"/>
+            <p:extLst>
+              <p:ext uri="{D42A27DB-BD31-4B8C-83A1-F6EECF244321}">
+                <p14:modId xmlns:p14="http://schemas.microsoft.com/office/powerpoint/2010/main" val="3054887133"/>
+              </p:ext>
+            </p:extLst>
           </p:nvPr>
-        </p:nvSpPr>
-        <p:spPr/>
-        <p:txBody>
-          <a:bodyPr/>
-          <a:lstStyle/>
-          <a:p>
-            <a:endParaRPr lang="en-US" dirty="0"/>
-          </a:p>
-        </p:txBody>
-      </p:sp>
+        </p:nvGraphicFramePr>
+        <p:xfrm>
+          <a:off x="251520" y="1349375"/>
+          <a:ext cx="8622605" cy="4887937"/>
+        </p:xfrm>
+        <a:graphic>
+          <a:graphicData uri="http://schemas.openxmlformats.org/drawingml/2006/chart">
+            <c:chart xmlns:c="http://schemas.openxmlformats.org/drawingml/2006/chart" xmlns:r="http://schemas.openxmlformats.org/officeDocument/2006/relationships" r:id="rId2"/>
+          </a:graphicData>
+        </a:graphic>
+      </p:graphicFrame>
     </p:spTree>
     <p:extLst>
       <p:ext uri="{BB962C8B-B14F-4D97-AF65-F5344CB8AC3E}">
-        <p14:creationId xmlns:p14="http://schemas.microsoft.com/office/powerpoint/2010/main" val="2579041775"/>
+        <p14:creationId xmlns:p14="http://schemas.microsoft.com/office/powerpoint/2010/main" val="1023159551"/>
       </p:ext>
     </p:extLst>
   </p:cSld>
@@ -20634,14 +20973,7 @@
           <a:p>
             <a:r>
               <a:rPr lang="en-US" dirty="0" smtClean="0"/>
-              <a:t>Toekomstig </a:t>
-            </a:r>
-            <a:br>
-              <a:rPr lang="en-US" dirty="0" smtClean="0"/>
-            </a:br>
-            <a:r>
-              <a:rPr lang="en-US" dirty="0" smtClean="0"/>
-              <a:t>onderzoek</a:t>
+              <a:t>Conclusie</a:t>
             </a:r>
             <a:endParaRPr lang="en-US" dirty="0"/>
           </a:p>
@@ -20662,10 +20994,6 @@
           <a:bodyPr/>
           <a:lstStyle/>
           <a:p>
-            <a:r>
-              <a:rPr lang="en-US" dirty="0" smtClean="0"/>
-              <a:t>Mogelijkheden tot verder onderzoek binnen het onderzoeksdomein</a:t>
-            </a:r>
             <a:endParaRPr lang="en-US" dirty="0"/>
           </a:p>
         </p:txBody>
@@ -20707,7 +21035,7 @@
             <a:spLocks noGrp="1"/>
           </p:cNvSpPr>
           <p:nvPr>
-            <p:ph type="title"/>
+            <p:ph type="ctrTitle"/>
           </p:nvPr>
         </p:nvSpPr>
         <p:spPr/>
@@ -20717,7 +21045,14 @@
           <a:p>
             <a:r>
               <a:rPr lang="en-US" dirty="0" smtClean="0"/>
-              <a:t>Toekomstig onderzoek</a:t>
+              <a:t>Toekomstig </a:t>
+            </a:r>
+            <a:br>
+              <a:rPr lang="en-US" dirty="0" smtClean="0"/>
+            </a:br>
+            <a:r>
+              <a:rPr lang="en-US" dirty="0" smtClean="0"/>
+              <a:t>onderzoek</a:t>
             </a:r>
             <a:endParaRPr lang="en-US" dirty="0"/>
           </a:p>
@@ -20725,12 +21060,12 @@
       </p:sp>
       <p:sp>
         <p:nvSpPr>
-          <p:cNvPr id="3" name="Content Placeholder 2"/>
+          <p:cNvPr id="3" name="Subtitle 2"/>
           <p:cNvSpPr>
             <a:spLocks noGrp="1"/>
           </p:cNvSpPr>
           <p:nvPr>
-            <p:ph idx="1"/>
+            <p:ph type="subTitle" idx="1"/>
           </p:nvPr>
         </p:nvSpPr>
         <p:spPr/>
@@ -20740,28 +21075,8 @@
           <a:p>
             <a:r>
               <a:rPr lang="en-US" dirty="0" smtClean="0"/>
-              <a:t>Zoeken naar een geschikte heuristiek</a:t>
+              <a:t>Mogelijkheden tot verder onderzoek binnen het onderzoeksdomein</a:t>
             </a:r>
-          </a:p>
-          <a:p>
-            <a:r>
-              <a:rPr lang="en-US" dirty="0" smtClean="0"/>
-              <a:t>De implementatie van haakjes</a:t>
-            </a:r>
-          </a:p>
-          <a:p>
-            <a:r>
-              <a:rPr lang="en-US" dirty="0" smtClean="0"/>
-              <a:t>Verdere optimalisaties in het opstellen van de bewerkingsboom</a:t>
-            </a:r>
-          </a:p>
-          <a:p>
-            <a:endParaRPr lang="en-US" dirty="0" smtClean="0"/>
-          </a:p>
-          <a:p>
-            <a:endParaRPr lang="en-US" dirty="0"/>
-          </a:p>
-          <a:p>
             <a:endParaRPr lang="en-US" dirty="0"/>
           </a:p>
         </p:txBody>
@@ -20769,7 +21084,7 @@
     </p:spTree>
     <p:extLst>
       <p:ext uri="{BB962C8B-B14F-4D97-AF65-F5344CB8AC3E}">
-        <p14:creationId xmlns:p14="http://schemas.microsoft.com/office/powerpoint/2010/main" val="972025637"/>
+        <p14:creationId xmlns:p14="http://schemas.microsoft.com/office/powerpoint/2010/main" val="2579041775"/>
       </p:ext>
     </p:extLst>
   </p:cSld>
@@ -20803,7 +21118,7 @@
             <a:spLocks noGrp="1"/>
           </p:cNvSpPr>
           <p:nvPr>
-            <p:ph type="ctrTitle"/>
+            <p:ph type="title"/>
           </p:nvPr>
         </p:nvSpPr>
         <p:spPr/>
@@ -20813,7 +21128,7 @@
           <a:p>
             <a:r>
               <a:rPr lang="en-US" dirty="0" smtClean="0"/>
-              <a:t>Demo</a:t>
+              <a:t>Toekomstig onderzoek</a:t>
             </a:r>
             <a:endParaRPr lang="en-US" dirty="0"/>
           </a:p>
@@ -20821,12 +21136,12 @@
       </p:sp>
       <p:sp>
         <p:nvSpPr>
-          <p:cNvPr id="3" name="Subtitle 2"/>
+          <p:cNvPr id="3" name="Content Placeholder 2"/>
           <p:cNvSpPr>
             <a:spLocks noGrp="1"/>
           </p:cNvSpPr>
           <p:nvPr>
-            <p:ph type="subTitle" idx="1"/>
+            <p:ph idx="1"/>
           </p:nvPr>
         </p:nvSpPr>
         <p:spPr/>
@@ -20836,15 +21151,28 @@
           <a:p>
             <a:r>
               <a:rPr lang="en-US" dirty="0" smtClean="0"/>
-              <a:t>Een korte demonstratie </a:t>
+              <a:t>Zoeken naar een geschikte heuristiek</a:t>
             </a:r>
-            <a:br>
-              <a:rPr lang="en-US" dirty="0" smtClean="0"/>
-            </a:br>
+          </a:p>
+          <a:p>
             <a:r>
               <a:rPr lang="en-US" dirty="0" smtClean="0"/>
-              <a:t>van de applicatie</a:t>
+              <a:t>De implementatie van haakjes</a:t>
             </a:r>
+          </a:p>
+          <a:p>
+            <a:r>
+              <a:rPr lang="en-US" dirty="0" smtClean="0"/>
+              <a:t>Verdere optimalisaties in het opstellen van de bewerkingsboom</a:t>
+            </a:r>
+          </a:p>
+          <a:p>
+            <a:endParaRPr lang="en-US" dirty="0" smtClean="0"/>
+          </a:p>
+          <a:p>
+            <a:endParaRPr lang="en-US" dirty="0"/>
+          </a:p>
+          <a:p>
             <a:endParaRPr lang="en-US" dirty="0"/>
           </a:p>
         </p:txBody>
@@ -20852,7 +21180,7 @@
     </p:spTree>
     <p:extLst>
       <p:ext uri="{BB962C8B-B14F-4D97-AF65-F5344CB8AC3E}">
-        <p14:creationId xmlns:p14="http://schemas.microsoft.com/office/powerpoint/2010/main" val="3184497847"/>
+        <p14:creationId xmlns:p14="http://schemas.microsoft.com/office/powerpoint/2010/main" val="972025637"/>
       </p:ext>
     </p:extLst>
   </p:cSld>
@@ -20886,6 +21214,89 @@
             <a:spLocks noGrp="1"/>
           </p:cNvSpPr>
           <p:nvPr>
+            <p:ph type="ctrTitle"/>
+          </p:nvPr>
+        </p:nvSpPr>
+        <p:spPr/>
+        <p:txBody>
+          <a:bodyPr/>
+          <a:lstStyle/>
+          <a:p>
+            <a:r>
+              <a:rPr lang="en-US" dirty="0" smtClean="0"/>
+              <a:t>Demo</a:t>
+            </a:r>
+            <a:endParaRPr lang="en-US" dirty="0"/>
+          </a:p>
+        </p:txBody>
+      </p:sp>
+      <p:sp>
+        <p:nvSpPr>
+          <p:cNvPr id="3" name="Subtitle 2"/>
+          <p:cNvSpPr>
+            <a:spLocks noGrp="1"/>
+          </p:cNvSpPr>
+          <p:nvPr>
+            <p:ph type="subTitle" idx="1"/>
+          </p:nvPr>
+        </p:nvSpPr>
+        <p:spPr/>
+        <p:txBody>
+          <a:bodyPr/>
+          <a:lstStyle/>
+          <a:p>
+            <a:r>
+              <a:rPr lang="en-US" dirty="0" smtClean="0"/>
+              <a:t>Een korte demonstratie </a:t>
+            </a:r>
+            <a:br>
+              <a:rPr lang="en-US" dirty="0" smtClean="0"/>
+            </a:br>
+            <a:r>
+              <a:rPr lang="en-US" dirty="0" smtClean="0"/>
+              <a:t>van de applicatie</a:t>
+            </a:r>
+            <a:endParaRPr lang="en-US" dirty="0"/>
+          </a:p>
+        </p:txBody>
+      </p:sp>
+    </p:spTree>
+    <p:extLst>
+      <p:ext uri="{BB962C8B-B14F-4D97-AF65-F5344CB8AC3E}">
+        <p14:creationId xmlns:p14="http://schemas.microsoft.com/office/powerpoint/2010/main" val="3184497847"/>
+      </p:ext>
+    </p:extLst>
+  </p:cSld>
+  <p:clrMapOvr>
+    <a:masterClrMapping/>
+  </p:clrMapOvr>
+</p:sld>
+</file>
+
+<file path=ppt/slides/slide24.xml><?xml version="1.0" encoding="utf-8"?>
+<p:sld xmlns:a="http://schemas.openxmlformats.org/drawingml/2006/main" xmlns:r="http://schemas.openxmlformats.org/officeDocument/2006/relationships" xmlns:p="http://schemas.openxmlformats.org/presentationml/2006/main">
+  <p:cSld>
+    <p:spTree>
+      <p:nvGrpSpPr>
+        <p:cNvPr id="1" name=""/>
+        <p:cNvGrpSpPr/>
+        <p:nvPr/>
+      </p:nvGrpSpPr>
+      <p:grpSpPr>
+        <a:xfrm>
+          <a:off x="0" y="0"/>
+          <a:ext cx="0" cy="0"/>
+          <a:chOff x="0" y="0"/>
+          <a:chExt cx="0" cy="0"/>
+        </a:xfrm>
+      </p:grpSpPr>
+      <p:sp>
+        <p:nvSpPr>
+          <p:cNvPr id="2" name="Title 1"/>
+          <p:cNvSpPr>
+            <a:spLocks noGrp="1"/>
+          </p:cNvSpPr>
+          <p:nvPr>
             <p:ph type="title"/>
           </p:nvPr>
         </p:nvSpPr>
@@ -20938,7 +21349,7 @@
 </p:sld>
 </file>
 
-<file path=ppt/slides/slide24.xml><?xml version="1.0" encoding="utf-8"?>
+<file path=ppt/slides/slide25.xml><?xml version="1.0" encoding="utf-8"?>
 <p:sld xmlns:a="http://schemas.openxmlformats.org/drawingml/2006/main" xmlns:r="http://schemas.openxmlformats.org/officeDocument/2006/relationships" xmlns:p="http://schemas.openxmlformats.org/presentationml/2006/main">
   <p:cSld>
     <p:spTree>

--- a/Paper/Finale Presentatie/presentatie.pptx
+++ b/Paper/Finale Presentatie/presentatie.pptx
@@ -294,11 +294,11 @@
           <c:showBubbleSize val="0"/>
         </c:dLbls>
         <c:gapWidth val="150"/>
-        <c:axId val="2101701464"/>
-        <c:axId val="2101707304"/>
+        <c:axId val="2054286648"/>
+        <c:axId val="2054290904"/>
       </c:barChart>
       <c:catAx>
-        <c:axId val="2101701464"/>
+        <c:axId val="2054286648"/>
         <c:scaling>
           <c:orientation val="minMax"/>
         </c:scaling>
@@ -332,7 +332,7 @@
         <c:majorTickMark val="out"/>
         <c:minorTickMark val="none"/>
         <c:tickLblPos val="nextTo"/>
-        <c:crossAx val="2101707304"/>
+        <c:crossAx val="2054290904"/>
         <c:crosses val="autoZero"/>
         <c:auto val="1"/>
         <c:lblAlgn val="ctr"/>
@@ -340,7 +340,7 @@
         <c:noMultiLvlLbl val="0"/>
       </c:catAx>
       <c:valAx>
-        <c:axId val="2101707304"/>
+        <c:axId val="2054290904"/>
         <c:scaling>
           <c:orientation val="minMax"/>
           <c:max val="100.0"/>
@@ -372,7 +372,7 @@
         <c:majorTickMark val="out"/>
         <c:minorTickMark val="none"/>
         <c:tickLblPos val="nextTo"/>
-        <c:crossAx val="2101701464"/>
+        <c:crossAx val="2054286648"/>
         <c:crosses val="autoZero"/>
         <c:crossBetween val="between"/>
       </c:valAx>
@@ -506,11 +506,11 @@
           <c:showBubbleSize val="0"/>
         </c:dLbls>
         <c:gapWidth val="150"/>
-        <c:axId val="2104805320"/>
-        <c:axId val="2103415432"/>
+        <c:axId val="2073414552"/>
+        <c:axId val="2054438088"/>
       </c:barChart>
       <c:catAx>
-        <c:axId val="2104805320"/>
+        <c:axId val="2073414552"/>
         <c:scaling>
           <c:orientation val="minMax"/>
         </c:scaling>
@@ -520,7 +520,7 @@
         <c:majorTickMark val="out"/>
         <c:minorTickMark val="none"/>
         <c:tickLblPos val="nextTo"/>
-        <c:crossAx val="2103415432"/>
+        <c:crossAx val="2054438088"/>
         <c:crosses val="autoZero"/>
         <c:auto val="1"/>
         <c:lblAlgn val="ctr"/>
@@ -528,7 +528,7 @@
         <c:noMultiLvlLbl val="0"/>
       </c:catAx>
       <c:valAx>
-        <c:axId val="2103415432"/>
+        <c:axId val="2054438088"/>
         <c:scaling>
           <c:orientation val="minMax"/>
           <c:max val="100.0"/>
@@ -555,11 +555,7 @@
                 </a:r>
                 <a:r>
                   <a:rPr lang="en-US" dirty="0" smtClean="0"/>
-                  <a:t>(</a:t>
-                </a:r>
-                <a:r>
-                  <a:rPr lang="en-US" dirty="0" smtClean="0"/>
-                  <a:t>%)</a:t>
+                  <a:t>(%)</a:t>
                 </a:r>
                 <a:endParaRPr lang="en-US" dirty="0"/>
               </a:p>
@@ -572,7 +568,7 @@
         <c:majorTickMark val="out"/>
         <c:minorTickMark val="none"/>
         <c:tickLblPos val="nextTo"/>
-        <c:crossAx val="2104805320"/>
+        <c:crossAx val="2073414552"/>
         <c:crosses val="autoZero"/>
         <c:crossBetween val="between"/>
       </c:valAx>
@@ -12336,7 +12332,7 @@
                 <a:cs typeface="Arial" pitchFamily="34" charset="0"/>
               </a:rPr>
               <a:pPr/>
-              <a:t>29/04/15</a:t>
+              <a:t>03/05/15</a:t>
             </a:fld>
             <a:endParaRPr lang="nl-BE" sz="1000">
               <a:latin typeface="Arial" pitchFamily="34" charset="0"/>
@@ -12516,7 +12512,7 @@
             <a:fld id="{7AF0A2F9-EF49-41B3-9E69-7CDBDC14786A}" type="datetimeFigureOut">
               <a:rPr lang="nl-BE" smtClean="0"/>
               <a:pPr/>
-              <a:t>29/04/15</a:t>
+              <a:t>03/05/15</a:t>
             </a:fld>
             <a:endParaRPr lang="nl-BE"/>
           </a:p>
@@ -20733,11 +20729,7 @@
           <a:p>
             <a:r>
               <a:rPr lang="en-US" dirty="0" smtClean="0"/>
-              <a:t>Experiment </a:t>
-            </a:r>
-            <a:r>
-              <a:rPr lang="en-US" dirty="0" smtClean="0"/>
-              <a:t>2</a:t>
+              <a:t>Experiment 2</a:t>
             </a:r>
             <a:endParaRPr lang="en-US" dirty="0"/>
           </a:p>
@@ -21313,29 +21305,35 @@
           </a:p>
         </p:txBody>
       </p:sp>
-      <p:sp>
-        <p:nvSpPr>
-          <p:cNvPr id="3" name="Content Placeholder 2"/>
-          <p:cNvSpPr>
-            <a:spLocks noGrp="1"/>
-          </p:cNvSpPr>
-          <p:nvPr>
-            <p:ph idx="1"/>
-          </p:nvPr>
-        </p:nvSpPr>
-        <p:spPr/>
-        <p:txBody>
-          <a:bodyPr/>
-          <a:lstStyle/>
-          <a:p>
-            <a:r>
-              <a:rPr lang="en-US" dirty="0" smtClean="0"/>
-              <a:t>Afbeelding van de GUI met daarin link naar de .jar file?</a:t>
-            </a:r>
-            <a:endParaRPr lang="en-US" dirty="0"/>
-          </a:p>
-        </p:txBody>
-      </p:sp>
+      <p:pic>
+        <p:nvPicPr>
+          <p:cNvPr id="4" name="Picture 3" descr="Screen Shot 2015-05-03 at 12.02.28.png"/>
+          <p:cNvPicPr>
+            <a:picLocks noChangeAspect="1"/>
+          </p:cNvPicPr>
+          <p:nvPr/>
+        </p:nvPicPr>
+        <p:blipFill rotWithShape="1">
+          <a:blip r:embed="rId2">
+            <a:extLst>
+              <a:ext uri="{28A0092B-C50C-407E-A947-70E740481C1C}">
+                <a14:useLocalDpi xmlns:a14="http://schemas.microsoft.com/office/drawing/2010/main" val="0"/>
+              </a:ext>
+            </a:extLst>
+          </a:blip>
+          <a:srcRect l="1231" r="1246"/>
+          <a:stretch/>
+        </p:blipFill>
+        <p:spPr>
+          <a:xfrm>
+            <a:off x="1187624" y="1080000"/>
+            <a:ext cx="6849140" cy="4914900"/>
+          </a:xfrm>
+          <a:prstGeom prst="rect">
+            <a:avLst/>
+          </a:prstGeom>
+        </p:spPr>
+      </p:pic>
     </p:spTree>
     <p:extLst>
       <p:ext uri="{BB962C8B-B14F-4D97-AF65-F5344CB8AC3E}">

--- a/Paper/Finale Presentatie/presentatie.pptx
+++ b/Paper/Finale Presentatie/presentatie.pptx
@@ -6,24 +6,24 @@
     <p:sldMasterId id="2147483710" r:id="rId2"/>
   </p:sldMasterIdLst>
   <p:notesMasterIdLst>
-    <p:notesMasterId r:id="rId28"/>
+    <p:notesMasterId r:id="rId30"/>
   </p:notesMasterIdLst>
   <p:handoutMasterIdLst>
-    <p:handoutMasterId r:id="rId29"/>
+    <p:handoutMasterId r:id="rId31"/>
   </p:handoutMasterIdLst>
   <p:sldIdLst>
     <p:sldId id="256" r:id="rId3"/>
     <p:sldId id="257" r:id="rId4"/>
     <p:sldId id="258" r:id="rId5"/>
     <p:sldId id="270" r:id="rId6"/>
-    <p:sldId id="269" r:id="rId7"/>
-    <p:sldId id="262" r:id="rId8"/>
-    <p:sldId id="260" r:id="rId9"/>
-    <p:sldId id="261" r:id="rId10"/>
-    <p:sldId id="263" r:id="rId11"/>
-    <p:sldId id="268" r:id="rId12"/>
-    <p:sldId id="264" r:id="rId13"/>
-    <p:sldId id="265" r:id="rId14"/>
+    <p:sldId id="282" r:id="rId7"/>
+    <p:sldId id="269" r:id="rId8"/>
+    <p:sldId id="262" r:id="rId9"/>
+    <p:sldId id="260" r:id="rId10"/>
+    <p:sldId id="261" r:id="rId11"/>
+    <p:sldId id="263" r:id="rId12"/>
+    <p:sldId id="268" r:id="rId13"/>
+    <p:sldId id="264" r:id="rId14"/>
     <p:sldId id="266" r:id="rId15"/>
     <p:sldId id="277" r:id="rId16"/>
     <p:sldId id="279" r:id="rId17"/>
@@ -31,12 +31,14 @@
     <p:sldId id="267" r:id="rId19"/>
     <p:sldId id="280" r:id="rId20"/>
     <p:sldId id="281" r:id="rId21"/>
-    <p:sldId id="272" r:id="rId22"/>
-    <p:sldId id="271" r:id="rId23"/>
-    <p:sldId id="276" r:id="rId24"/>
-    <p:sldId id="273" r:id="rId25"/>
-    <p:sldId id="275" r:id="rId26"/>
-    <p:sldId id="274" r:id="rId27"/>
+    <p:sldId id="283" r:id="rId22"/>
+    <p:sldId id="272" r:id="rId23"/>
+    <p:sldId id="271" r:id="rId24"/>
+    <p:sldId id="276" r:id="rId25"/>
+    <p:sldId id="273" r:id="rId26"/>
+    <p:sldId id="275" r:id="rId27"/>
+    <p:sldId id="274" r:id="rId28"/>
+    <p:sldId id="284" r:id="rId29"/>
   </p:sldIdLst>
   <p:sldSz cx="9144000" cy="6858000" type="screen4x3"/>
   <p:notesSz cx="6858000" cy="9144000"/>
@@ -294,11 +296,11 @@
           <c:showBubbleSize val="0"/>
         </c:dLbls>
         <c:gapWidth val="150"/>
-        <c:axId val="2054286648"/>
-        <c:axId val="2054290904"/>
+        <c:axId val="2124195336"/>
+        <c:axId val="2124185416"/>
       </c:barChart>
       <c:catAx>
-        <c:axId val="2054286648"/>
+        <c:axId val="2124195336"/>
         <c:scaling>
           <c:orientation val="minMax"/>
         </c:scaling>
@@ -332,7 +334,7 @@
         <c:majorTickMark val="out"/>
         <c:minorTickMark val="none"/>
         <c:tickLblPos val="nextTo"/>
-        <c:crossAx val="2054290904"/>
+        <c:crossAx val="2124185416"/>
         <c:crosses val="autoZero"/>
         <c:auto val="1"/>
         <c:lblAlgn val="ctr"/>
@@ -340,7 +342,7 @@
         <c:noMultiLvlLbl val="0"/>
       </c:catAx>
       <c:valAx>
-        <c:axId val="2054290904"/>
+        <c:axId val="2124185416"/>
         <c:scaling>
           <c:orientation val="minMax"/>
           <c:max val="100.0"/>
@@ -372,7 +374,7 @@
         <c:majorTickMark val="out"/>
         <c:minorTickMark val="none"/>
         <c:tickLblPos val="nextTo"/>
-        <c:crossAx val="2054286648"/>
+        <c:crossAx val="2124195336"/>
         <c:crosses val="autoZero"/>
         <c:crossBetween val="between"/>
       </c:valAx>
@@ -506,11 +508,11 @@
           <c:showBubbleSize val="0"/>
         </c:dLbls>
         <c:gapWidth val="150"/>
-        <c:axId val="2073414552"/>
-        <c:axId val="2054438088"/>
+        <c:axId val="2126264216"/>
+        <c:axId val="2126267160"/>
       </c:barChart>
       <c:catAx>
-        <c:axId val="2073414552"/>
+        <c:axId val="2126264216"/>
         <c:scaling>
           <c:orientation val="minMax"/>
         </c:scaling>
@@ -520,7 +522,7 @@
         <c:majorTickMark val="out"/>
         <c:minorTickMark val="none"/>
         <c:tickLblPos val="nextTo"/>
-        <c:crossAx val="2054438088"/>
+        <c:crossAx val="2126267160"/>
         <c:crosses val="autoZero"/>
         <c:auto val="1"/>
         <c:lblAlgn val="ctr"/>
@@ -528,7 +530,7 @@
         <c:noMultiLvlLbl val="0"/>
       </c:catAx>
       <c:valAx>
-        <c:axId val="2054438088"/>
+        <c:axId val="2126267160"/>
         <c:scaling>
           <c:orientation val="minMax"/>
           <c:max val="100.0"/>
@@ -568,7 +570,7 @@
         <c:majorTickMark val="out"/>
         <c:minorTickMark val="none"/>
         <c:tickLblPos val="nextTo"/>
-        <c:crossAx val="2073414552"/>
+        <c:crossAx val="2126264216"/>
         <c:crosses val="autoZero"/>
         <c:crossBetween val="between"/>
       </c:valAx>
@@ -3598,6 +3600,13 @@
     <dgm:pt modelId="{C3BEC5E6-A24F-1D46-B698-1C9CA25EFE58}">
       <dgm:prSet phldrT="[Text]"/>
       <dgm:spPr/>
+      <dgm:t>
+        <a:bodyPr/>
+        <a:lstStyle/>
+        <a:p>
+          <a:endParaRPr lang="en-US"/>
+        </a:p>
+      </dgm:t>
     </dgm:pt>
     <dgm:pt modelId="{5D6C91A8-EC4E-6D47-ABF6-CD9810BBD0D2}" type="parTrans" cxnId="{7820B543-90FB-644F-9EEE-9AFDD1154B40}">
       <dgm:prSet/>
@@ -3887,311 +3896,6 @@
 </file>
 
 <file path=ppt/diagrams/data2.xml><?xml version="1.0" encoding="utf-8"?>
-<dgm:dataModel xmlns:dgm="http://schemas.openxmlformats.org/drawingml/2006/diagram" xmlns:a="http://schemas.openxmlformats.org/drawingml/2006/main">
-  <dgm:ptLst>
-    <dgm:pt modelId="{3C6EFF4E-FD32-D04F-B144-9BDCFBE2895C}" type="doc">
-      <dgm:prSet loTypeId="urn:microsoft.com/office/officeart/2005/8/layout/matrix3" loCatId="" qsTypeId="urn:microsoft.com/office/officeart/2005/8/quickstyle/simple1" qsCatId="simple" csTypeId="urn:microsoft.com/office/officeart/2005/8/colors/accent1_2" csCatId="accent1" phldr="1"/>
-      <dgm:spPr/>
-      <dgm:t>
-        <a:bodyPr/>
-        <a:lstStyle/>
-        <a:p>
-          <a:endParaRPr lang="en-US"/>
-        </a:p>
-      </dgm:t>
-    </dgm:pt>
-    <dgm:pt modelId="{C3BEC5E6-A24F-1D46-B698-1C9CA25EFE58}">
-      <dgm:prSet phldrT="[Text]"/>
-      <dgm:spPr/>
-    </dgm:pt>
-    <dgm:pt modelId="{5D6C91A8-EC4E-6D47-ABF6-CD9810BBD0D2}" type="parTrans" cxnId="{7820B543-90FB-644F-9EEE-9AFDD1154B40}">
-      <dgm:prSet/>
-      <dgm:spPr/>
-      <dgm:t>
-        <a:bodyPr/>
-        <a:lstStyle/>
-        <a:p>
-          <a:endParaRPr lang="en-US"/>
-        </a:p>
-      </dgm:t>
-    </dgm:pt>
-    <dgm:pt modelId="{35917805-E591-C748-A62F-2CEAD06EA408}" type="sibTrans" cxnId="{7820B543-90FB-644F-9EEE-9AFDD1154B40}">
-      <dgm:prSet/>
-      <dgm:spPr/>
-      <dgm:t>
-        <a:bodyPr/>
-        <a:lstStyle/>
-        <a:p>
-          <a:endParaRPr lang="en-US"/>
-        </a:p>
-      </dgm:t>
-    </dgm:pt>
-    <dgm:pt modelId="{5DB04D1C-2BBE-DE46-A720-627829D235DF}">
-      <dgm:prSet phldrT="[Text]"/>
-      <dgm:spPr/>
-      <dgm:t>
-        <a:bodyPr/>
-        <a:lstStyle/>
-        <a:p>
-          <a:r>
-            <a:rPr lang="en-US" dirty="0" smtClean="0"/>
-            <a:t>Correctheid</a:t>
-          </a:r>
-          <a:endParaRPr lang="en-US" dirty="0"/>
-        </a:p>
-      </dgm:t>
-    </dgm:pt>
-    <dgm:pt modelId="{D63B15F3-E1DB-1C40-B0FE-709E9F4AF089}" type="sibTrans" cxnId="{C84109C5-8147-CE46-ADE7-91BB3DB667C9}">
-      <dgm:prSet/>
-      <dgm:spPr/>
-      <dgm:t>
-        <a:bodyPr/>
-        <a:lstStyle/>
-        <a:p>
-          <a:endParaRPr lang="en-US"/>
-        </a:p>
-      </dgm:t>
-    </dgm:pt>
-    <dgm:pt modelId="{6D9CB726-0F74-8C49-A68C-17C5A1A9472B}" type="parTrans" cxnId="{C84109C5-8147-CE46-ADE7-91BB3DB667C9}">
-      <dgm:prSet/>
-      <dgm:spPr/>
-      <dgm:t>
-        <a:bodyPr/>
-        <a:lstStyle/>
-        <a:p>
-          <a:endParaRPr lang="en-US"/>
-        </a:p>
-      </dgm:t>
-    </dgm:pt>
-    <dgm:pt modelId="{E6333DBF-978C-FC40-B03F-FA4E17F8E2C6}">
-      <dgm:prSet phldrT="[Text]"/>
-      <dgm:spPr/>
-      <dgm:t>
-        <a:bodyPr/>
-        <a:lstStyle/>
-        <a:p>
-          <a:r>
-            <a:rPr lang="en-US" dirty="0" smtClean="0"/>
-            <a:t>Snelheid</a:t>
-          </a:r>
-          <a:endParaRPr lang="en-US" dirty="0"/>
-        </a:p>
-      </dgm:t>
-    </dgm:pt>
-    <dgm:pt modelId="{43D1A966-5234-0041-94F6-2636A025819D}" type="parTrans" cxnId="{582B8E05-03CD-4F49-A4AD-0DAA94A7FF04}">
-      <dgm:prSet/>
-      <dgm:spPr/>
-      <dgm:t>
-        <a:bodyPr/>
-        <a:lstStyle/>
-        <a:p>
-          <a:endParaRPr lang="en-US"/>
-        </a:p>
-      </dgm:t>
-    </dgm:pt>
-    <dgm:pt modelId="{E8EF61D9-5B3D-6346-BF45-ECC9B51E1A18}" type="sibTrans" cxnId="{582B8E05-03CD-4F49-A4AD-0DAA94A7FF04}">
-      <dgm:prSet/>
-      <dgm:spPr/>
-      <dgm:t>
-        <a:bodyPr/>
-        <a:lstStyle/>
-        <a:p>
-          <a:endParaRPr lang="en-US"/>
-        </a:p>
-      </dgm:t>
-    </dgm:pt>
-    <dgm:pt modelId="{ECC118F2-C106-8C45-8D99-C18F317D98E1}">
-      <dgm:prSet phldrT="[Text]"/>
-      <dgm:spPr/>
-      <dgm:t>
-        <a:bodyPr/>
-        <a:lstStyle/>
-        <a:p>
-          <a:r>
-            <a:rPr lang="en-US" dirty="0" smtClean="0"/>
-            <a:t>Uitbreidbaarheid</a:t>
-          </a:r>
-          <a:endParaRPr lang="en-US" dirty="0"/>
-        </a:p>
-      </dgm:t>
-    </dgm:pt>
-    <dgm:pt modelId="{C5801798-1BF1-5A49-B457-B310BD5FC2FC}" type="parTrans" cxnId="{3785FAAC-7F08-6141-A26B-2448153F9C02}">
-      <dgm:prSet/>
-      <dgm:spPr/>
-      <dgm:t>
-        <a:bodyPr/>
-        <a:lstStyle/>
-        <a:p>
-          <a:endParaRPr lang="en-US"/>
-        </a:p>
-      </dgm:t>
-    </dgm:pt>
-    <dgm:pt modelId="{402E0F4F-FD91-554A-B102-A625FF215A1B}" type="sibTrans" cxnId="{3785FAAC-7F08-6141-A26B-2448153F9C02}">
-      <dgm:prSet/>
-      <dgm:spPr/>
-      <dgm:t>
-        <a:bodyPr/>
-        <a:lstStyle/>
-        <a:p>
-          <a:endParaRPr lang="en-US"/>
-        </a:p>
-      </dgm:t>
-    </dgm:pt>
-    <dgm:pt modelId="{40E33F3A-2E79-4D4D-81A4-E3ED1345B996}">
-      <dgm:prSet phldrT="[Text]"/>
-      <dgm:spPr/>
-      <dgm:t>
-        <a:bodyPr/>
-        <a:lstStyle/>
-        <a:p>
-          <a:r>
-            <a:rPr lang="en-US" dirty="0" smtClean="0"/>
-            <a:t>Gebruiks-vriendelijk</a:t>
-          </a:r>
-          <a:endParaRPr lang="en-US" dirty="0"/>
-        </a:p>
-      </dgm:t>
-    </dgm:pt>
-    <dgm:pt modelId="{F2AD1743-7220-0349-BA32-587B17F13A59}" type="parTrans" cxnId="{68F6E5A1-B139-B149-BDD7-475BD02F8E60}">
-      <dgm:prSet/>
-      <dgm:spPr/>
-      <dgm:t>
-        <a:bodyPr/>
-        <a:lstStyle/>
-        <a:p>
-          <a:endParaRPr lang="en-US"/>
-        </a:p>
-      </dgm:t>
-    </dgm:pt>
-    <dgm:pt modelId="{13820D15-6AFD-A945-B6BA-027610C76114}" type="sibTrans" cxnId="{68F6E5A1-B139-B149-BDD7-475BD02F8E60}">
-      <dgm:prSet/>
-      <dgm:spPr/>
-      <dgm:t>
-        <a:bodyPr/>
-        <a:lstStyle/>
-        <a:p>
-          <a:endParaRPr lang="en-US"/>
-        </a:p>
-      </dgm:t>
-    </dgm:pt>
-    <dgm:pt modelId="{3AA7EB84-FE66-7D49-8A07-07AFFDFBBF65}" type="pres">
-      <dgm:prSet presAssocID="{3C6EFF4E-FD32-D04F-B144-9BDCFBE2895C}" presName="matrix" presStyleCnt="0">
-        <dgm:presLayoutVars>
-          <dgm:chMax val="1"/>
-          <dgm:dir/>
-          <dgm:resizeHandles val="exact"/>
-        </dgm:presLayoutVars>
-      </dgm:prSet>
-      <dgm:spPr/>
-      <dgm:t>
-        <a:bodyPr/>
-        <a:lstStyle/>
-        <a:p>
-          <a:endParaRPr lang="en-US"/>
-        </a:p>
-      </dgm:t>
-    </dgm:pt>
-    <dgm:pt modelId="{B6A53276-9D3E-EA46-9422-098F1513B535}" type="pres">
-      <dgm:prSet presAssocID="{3C6EFF4E-FD32-D04F-B144-9BDCFBE2895C}" presName="diamond" presStyleLbl="bgShp" presStyleIdx="0" presStyleCnt="1" custScaleX="132941"/>
-      <dgm:spPr/>
-    </dgm:pt>
-    <dgm:pt modelId="{9A113BE4-233E-6C42-8E46-82B7C7925864}" type="pres">
-      <dgm:prSet presAssocID="{3C6EFF4E-FD32-D04F-B144-9BDCFBE2895C}" presName="quad1" presStyleLbl="node1" presStyleIdx="0" presStyleCnt="4" custScaleX="149787" custLinFactNeighborX="-24695" custLinFactNeighborY="125">
-        <dgm:presLayoutVars>
-          <dgm:chMax val="0"/>
-          <dgm:chPref val="0"/>
-          <dgm:bulletEnabled val="1"/>
-        </dgm:presLayoutVars>
-      </dgm:prSet>
-      <dgm:spPr/>
-      <dgm:t>
-        <a:bodyPr/>
-        <a:lstStyle/>
-        <a:p>
-          <a:endParaRPr lang="en-US"/>
-        </a:p>
-      </dgm:t>
-    </dgm:pt>
-    <dgm:pt modelId="{E264A485-F2F6-254A-8852-F925B0BD37BB}" type="pres">
-      <dgm:prSet presAssocID="{3C6EFF4E-FD32-D04F-B144-9BDCFBE2895C}" presName="quad2" presStyleLbl="node1" presStyleIdx="1" presStyleCnt="4" custScaleX="149787" custLinFactNeighborX="25739" custLinFactNeighborY="199">
-        <dgm:presLayoutVars>
-          <dgm:chMax val="0"/>
-          <dgm:chPref val="0"/>
-          <dgm:bulletEnabled val="1"/>
-        </dgm:presLayoutVars>
-      </dgm:prSet>
-      <dgm:spPr/>
-      <dgm:t>
-        <a:bodyPr/>
-        <a:lstStyle/>
-        <a:p>
-          <a:endParaRPr lang="en-US"/>
-        </a:p>
-      </dgm:t>
-    </dgm:pt>
-    <dgm:pt modelId="{C210B818-4175-464B-AE3C-BF936A845BC7}" type="pres">
-      <dgm:prSet presAssocID="{3C6EFF4E-FD32-D04F-B144-9BDCFBE2895C}" presName="quad3" presStyleLbl="node1" presStyleIdx="2" presStyleCnt="4" custScaleX="149787" custLinFactNeighborX="-25018" custLinFactNeighborY="846">
-        <dgm:presLayoutVars>
-          <dgm:chMax val="0"/>
-          <dgm:chPref val="0"/>
-          <dgm:bulletEnabled val="1"/>
-        </dgm:presLayoutVars>
-      </dgm:prSet>
-      <dgm:spPr/>
-      <dgm:t>
-        <a:bodyPr/>
-        <a:lstStyle/>
-        <a:p>
-          <a:endParaRPr lang="en-US"/>
-        </a:p>
-      </dgm:t>
-    </dgm:pt>
-    <dgm:pt modelId="{388E1EC5-025A-1A4F-949B-AC30BD904780}" type="pres">
-      <dgm:prSet presAssocID="{3C6EFF4E-FD32-D04F-B144-9BDCFBE2895C}" presName="quad4" presStyleLbl="node1" presStyleIdx="3" presStyleCnt="4" custScaleX="149787" custLinFactNeighborX="26063" custLinFactNeighborY="125">
-        <dgm:presLayoutVars>
-          <dgm:chMax val="0"/>
-          <dgm:chPref val="0"/>
-          <dgm:bulletEnabled val="1"/>
-        </dgm:presLayoutVars>
-      </dgm:prSet>
-      <dgm:spPr/>
-      <dgm:t>
-        <a:bodyPr/>
-        <a:lstStyle/>
-        <a:p>
-          <a:endParaRPr lang="en-US"/>
-        </a:p>
-      </dgm:t>
-    </dgm:pt>
-  </dgm:ptLst>
-  <dgm:cxnLst>
-    <dgm:cxn modelId="{C84109C5-8147-CE46-ADE7-91BB3DB667C9}" srcId="{3C6EFF4E-FD32-D04F-B144-9BDCFBE2895C}" destId="{5DB04D1C-2BBE-DE46-A720-627829D235DF}" srcOrd="0" destOrd="0" parTransId="{6D9CB726-0F74-8C49-A68C-17C5A1A9472B}" sibTransId="{D63B15F3-E1DB-1C40-B0FE-709E9F4AF089}"/>
-    <dgm:cxn modelId="{3785FAAC-7F08-6141-A26B-2448153F9C02}" srcId="{3C6EFF4E-FD32-D04F-B144-9BDCFBE2895C}" destId="{ECC118F2-C106-8C45-8D99-C18F317D98E1}" srcOrd="3" destOrd="0" parTransId="{C5801798-1BF1-5A49-B457-B310BD5FC2FC}" sibTransId="{402E0F4F-FD91-554A-B102-A625FF215A1B}"/>
-    <dgm:cxn modelId="{582B8E05-03CD-4F49-A4AD-0DAA94A7FF04}" srcId="{3C6EFF4E-FD32-D04F-B144-9BDCFBE2895C}" destId="{E6333DBF-978C-FC40-B03F-FA4E17F8E2C6}" srcOrd="1" destOrd="0" parTransId="{43D1A966-5234-0041-94F6-2636A025819D}" sibTransId="{E8EF61D9-5B3D-6346-BF45-ECC9B51E1A18}"/>
-    <dgm:cxn modelId="{7820B543-90FB-644F-9EEE-9AFDD1154B40}" srcId="{3C6EFF4E-FD32-D04F-B144-9BDCFBE2895C}" destId="{C3BEC5E6-A24F-1D46-B698-1C9CA25EFE58}" srcOrd="4" destOrd="0" parTransId="{5D6C91A8-EC4E-6D47-ABF6-CD9810BBD0D2}" sibTransId="{35917805-E591-C748-A62F-2CEAD06EA408}"/>
-    <dgm:cxn modelId="{A3FFDB93-6FC3-A047-8D7A-30E473798FA9}" type="presOf" srcId="{5DB04D1C-2BBE-DE46-A720-627829D235DF}" destId="{9A113BE4-233E-6C42-8E46-82B7C7925864}" srcOrd="0" destOrd="0" presId="urn:microsoft.com/office/officeart/2005/8/layout/matrix3"/>
-    <dgm:cxn modelId="{2C5EFBDB-858D-1242-8CEB-27AA8A2BB183}" type="presOf" srcId="{ECC118F2-C106-8C45-8D99-C18F317D98E1}" destId="{388E1EC5-025A-1A4F-949B-AC30BD904780}" srcOrd="0" destOrd="0" presId="urn:microsoft.com/office/officeart/2005/8/layout/matrix3"/>
-    <dgm:cxn modelId="{1379086B-8E1F-6A49-89CF-90444898E1EA}" type="presOf" srcId="{3C6EFF4E-FD32-D04F-B144-9BDCFBE2895C}" destId="{3AA7EB84-FE66-7D49-8A07-07AFFDFBBF65}" srcOrd="0" destOrd="0" presId="urn:microsoft.com/office/officeart/2005/8/layout/matrix3"/>
-    <dgm:cxn modelId="{2F152398-2D79-9543-84DC-41FA8A92DBAF}" type="presOf" srcId="{E6333DBF-978C-FC40-B03F-FA4E17F8E2C6}" destId="{E264A485-F2F6-254A-8852-F925B0BD37BB}" srcOrd="0" destOrd="0" presId="urn:microsoft.com/office/officeart/2005/8/layout/matrix3"/>
-    <dgm:cxn modelId="{8E148F99-6F41-8640-AF50-A1E6392AB100}" type="presOf" srcId="{40E33F3A-2E79-4D4D-81A4-E3ED1345B996}" destId="{C210B818-4175-464B-AE3C-BF936A845BC7}" srcOrd="0" destOrd="0" presId="urn:microsoft.com/office/officeart/2005/8/layout/matrix3"/>
-    <dgm:cxn modelId="{68F6E5A1-B139-B149-BDD7-475BD02F8E60}" srcId="{3C6EFF4E-FD32-D04F-B144-9BDCFBE2895C}" destId="{40E33F3A-2E79-4D4D-81A4-E3ED1345B996}" srcOrd="2" destOrd="0" parTransId="{F2AD1743-7220-0349-BA32-587B17F13A59}" sibTransId="{13820D15-6AFD-A945-B6BA-027610C76114}"/>
-    <dgm:cxn modelId="{32C7273E-0E45-0847-9342-715CE77F03B0}" type="presParOf" srcId="{3AA7EB84-FE66-7D49-8A07-07AFFDFBBF65}" destId="{B6A53276-9D3E-EA46-9422-098F1513B535}" srcOrd="0" destOrd="0" presId="urn:microsoft.com/office/officeart/2005/8/layout/matrix3"/>
-    <dgm:cxn modelId="{D65E9086-628D-2943-8378-BF791D66A102}" type="presParOf" srcId="{3AA7EB84-FE66-7D49-8A07-07AFFDFBBF65}" destId="{9A113BE4-233E-6C42-8E46-82B7C7925864}" srcOrd="1" destOrd="0" presId="urn:microsoft.com/office/officeart/2005/8/layout/matrix3"/>
-    <dgm:cxn modelId="{3862E9A6-1210-4244-83A0-10A7032BCE74}" type="presParOf" srcId="{3AA7EB84-FE66-7D49-8A07-07AFFDFBBF65}" destId="{E264A485-F2F6-254A-8852-F925B0BD37BB}" srcOrd="2" destOrd="0" presId="urn:microsoft.com/office/officeart/2005/8/layout/matrix3"/>
-    <dgm:cxn modelId="{6B29C9D9-306E-E342-BF5E-9854961409A0}" type="presParOf" srcId="{3AA7EB84-FE66-7D49-8A07-07AFFDFBBF65}" destId="{C210B818-4175-464B-AE3C-BF936A845BC7}" srcOrd="3" destOrd="0" presId="urn:microsoft.com/office/officeart/2005/8/layout/matrix3"/>
-    <dgm:cxn modelId="{6AE75768-1D5B-2145-9E2D-3140F2F646FD}" type="presParOf" srcId="{3AA7EB84-FE66-7D49-8A07-07AFFDFBBF65}" destId="{388E1EC5-025A-1A4F-949B-AC30BD904780}" srcOrd="4" destOrd="0" presId="urn:microsoft.com/office/officeart/2005/8/layout/matrix3"/>
-  </dgm:cxnLst>
-  <dgm:bg/>
-  <dgm:whole/>
-  <dgm:extLst>
-    <a:ext uri="http://schemas.microsoft.com/office/drawing/2008/diagram">
-      <dsp:dataModelExt xmlns:dsp="http://schemas.microsoft.com/office/drawing/2008/diagram" relId="rId6" minVer="http://schemas.openxmlformats.org/drawingml/2006/diagram"/>
-    </a:ext>
-  </dgm:extLst>
-</dgm:dataModel>
-</file>
-
-<file path=ppt/diagrams/data3.xml><?xml version="1.0" encoding="utf-8"?>
 <dgm:dataModel xmlns:dgm="http://schemas.openxmlformats.org/drawingml/2006/diagram" xmlns:a="http://schemas.openxmlformats.org/drawingml/2006/main">
   <dgm:ptLst>
     <dgm:pt modelId="{EE5621F5-D3D0-8A4B-BBB3-18DDFC4961F6}" type="doc">
@@ -4578,19 +4282,19 @@
     </dgm:pt>
   </dgm:ptLst>
   <dgm:cxnLst>
+    <dgm:cxn modelId="{AF1811B6-7CF7-6E42-850B-B391963F719C}" srcId="{EE5621F5-D3D0-8A4B-BBB3-18DDFC4961F6}" destId="{044DDA8A-06B8-924E-86DF-59C2A3D59365}" srcOrd="1" destOrd="0" parTransId="{61D2BACB-E4E1-A64E-ADEA-2D563B4903B1}" sibTransId="{D8EC2DEF-DCAC-4E4D-8A91-E2A62023778B}"/>
     <dgm:cxn modelId="{55BA9C01-8A2A-A447-A178-DCCCBF0E4222}" srcId="{EE5621F5-D3D0-8A4B-BBB3-18DDFC4961F6}" destId="{E299359A-8E52-B94C-AC1A-C43DAD185B70}" srcOrd="5" destOrd="0" parTransId="{CA1ACE5E-2C15-0647-9AE6-AC1879D922B7}" sibTransId="{054A276C-45A8-784A-857C-5D7853540210}"/>
+    <dgm:cxn modelId="{ABC8C94F-516C-AA41-97CD-78F138669DA8}" type="presOf" srcId="{E299359A-8E52-B94C-AC1A-C43DAD185B70}" destId="{B4A11C20-9B1C-964B-864F-DCA00D5098C5}" srcOrd="0" destOrd="0" presId="urn:microsoft.com/office/officeart/2005/8/layout/cycle3"/>
+    <dgm:cxn modelId="{5E8892D4-C13A-3B4C-9BAA-93E04D2988D7}" type="presOf" srcId="{57CB1F47-846C-2F44-9148-892B165E654D}" destId="{C83FF513-1828-5942-8E66-D72525E5F1B4}" srcOrd="0" destOrd="0" presId="urn:microsoft.com/office/officeart/2005/8/layout/cycle3"/>
+    <dgm:cxn modelId="{DDBD3998-EBA1-AA40-8BB0-586C1C4C0A6C}" srcId="{EE5621F5-D3D0-8A4B-BBB3-18DDFC4961F6}" destId="{126EF0F9-53C0-FF42-B00B-34F77F6C97D9}" srcOrd="2" destOrd="0" parTransId="{38E9F39C-9A4F-684F-8A95-DC998CD8A20F}" sibTransId="{26F828FE-D536-244E-846D-1ADFAD46BB6B}"/>
+    <dgm:cxn modelId="{CFFADFD8-BA27-CA40-ADA5-48A6A851E08C}" type="presOf" srcId="{126EF0F9-53C0-FF42-B00B-34F77F6C97D9}" destId="{EFEDE47D-D20C-ED41-BF3A-97BBB4D965AA}" srcOrd="0" destOrd="0" presId="urn:microsoft.com/office/officeart/2005/8/layout/cycle3"/>
+    <dgm:cxn modelId="{3450A335-1B68-184E-8A77-E71FBA6B7DA7}" type="presOf" srcId="{044DDA8A-06B8-924E-86DF-59C2A3D59365}" destId="{E5DE6A9E-920F-3341-89E7-1B5E8A40D6CA}" srcOrd="0" destOrd="0" presId="urn:microsoft.com/office/officeart/2005/8/layout/cycle3"/>
+    <dgm:cxn modelId="{59D9CAB5-B41A-7D47-8C57-B48C7D20DB6F}" srcId="{EE5621F5-D3D0-8A4B-BBB3-18DDFC4961F6}" destId="{57CB1F47-846C-2F44-9148-892B165E654D}" srcOrd="3" destOrd="0" parTransId="{48FFE526-360A-654D-BA4C-CDE1B493CB32}" sibTransId="{02D22CBC-E1F6-1343-88C7-B4CC1055E5F2}"/>
+    <dgm:cxn modelId="{28620401-3794-734E-B069-5500EDFC13E5}" type="presOf" srcId="{5286684A-2838-DA4B-9F9B-3BF50DFB6A52}" destId="{ECD6E261-5965-9545-A3D9-1F4060635496}" srcOrd="0" destOrd="0" presId="urn:microsoft.com/office/officeart/2005/8/layout/cycle3"/>
     <dgm:cxn modelId="{9528BB3E-D702-474A-B55A-C36450AA371F}" type="presOf" srcId="{266B314D-A514-084C-8BD0-F6306A2549E9}" destId="{07B0719F-5044-0446-8C71-9084D3B60B0B}" srcOrd="0" destOrd="0" presId="urn:microsoft.com/office/officeart/2005/8/layout/cycle3"/>
     <dgm:cxn modelId="{8CCF8041-FD3E-2447-9658-9A161C4D01E3}" type="presOf" srcId="{969662E6-715B-0144-95FD-90FCC8806276}" destId="{1544E92F-9B24-5D48-917E-5B9EB93C24BA}" srcOrd="0" destOrd="0" presId="urn:microsoft.com/office/officeart/2005/8/layout/cycle3"/>
-    <dgm:cxn modelId="{5E8892D4-C13A-3B4C-9BAA-93E04D2988D7}" type="presOf" srcId="{57CB1F47-846C-2F44-9148-892B165E654D}" destId="{C83FF513-1828-5942-8E66-D72525E5F1B4}" srcOrd="0" destOrd="0" presId="urn:microsoft.com/office/officeart/2005/8/layout/cycle3"/>
-    <dgm:cxn modelId="{CFFADFD8-BA27-CA40-ADA5-48A6A851E08C}" type="presOf" srcId="{126EF0F9-53C0-FF42-B00B-34F77F6C97D9}" destId="{EFEDE47D-D20C-ED41-BF3A-97BBB4D965AA}" srcOrd="0" destOrd="0" presId="urn:microsoft.com/office/officeart/2005/8/layout/cycle3"/>
+    <dgm:cxn modelId="{9FC6488D-113C-2341-BFE2-CD60DA74B1BD}" srcId="{EE5621F5-D3D0-8A4B-BBB3-18DDFC4961F6}" destId="{266B314D-A514-084C-8BD0-F6306A2549E9}" srcOrd="4" destOrd="0" parTransId="{E650DC2A-9B02-FD41-ACF5-9E881D152F3B}" sibTransId="{29B9791F-4F62-2B49-95E2-B060CDB9E23B}"/>
     <dgm:cxn modelId="{B094E3BD-6438-584C-AAE7-197D44B31835}" type="presOf" srcId="{EE5621F5-D3D0-8A4B-BBB3-18DDFC4961F6}" destId="{45588A59-4CA8-674D-BE17-47FFBCFC8C6C}" srcOrd="0" destOrd="0" presId="urn:microsoft.com/office/officeart/2005/8/layout/cycle3"/>
-    <dgm:cxn modelId="{28620401-3794-734E-B069-5500EDFC13E5}" type="presOf" srcId="{5286684A-2838-DA4B-9F9B-3BF50DFB6A52}" destId="{ECD6E261-5965-9545-A3D9-1F4060635496}" srcOrd="0" destOrd="0" presId="urn:microsoft.com/office/officeart/2005/8/layout/cycle3"/>
-    <dgm:cxn modelId="{ABC8C94F-516C-AA41-97CD-78F138669DA8}" type="presOf" srcId="{E299359A-8E52-B94C-AC1A-C43DAD185B70}" destId="{B4A11C20-9B1C-964B-864F-DCA00D5098C5}" srcOrd="0" destOrd="0" presId="urn:microsoft.com/office/officeart/2005/8/layout/cycle3"/>
-    <dgm:cxn modelId="{3450A335-1B68-184E-8A77-E71FBA6B7DA7}" type="presOf" srcId="{044DDA8A-06B8-924E-86DF-59C2A3D59365}" destId="{E5DE6A9E-920F-3341-89E7-1B5E8A40D6CA}" srcOrd="0" destOrd="0" presId="urn:microsoft.com/office/officeart/2005/8/layout/cycle3"/>
-    <dgm:cxn modelId="{AF1811B6-7CF7-6E42-850B-B391963F719C}" srcId="{EE5621F5-D3D0-8A4B-BBB3-18DDFC4961F6}" destId="{044DDA8A-06B8-924E-86DF-59C2A3D59365}" srcOrd="1" destOrd="0" parTransId="{61D2BACB-E4E1-A64E-ADEA-2D563B4903B1}" sibTransId="{D8EC2DEF-DCAC-4E4D-8A91-E2A62023778B}"/>
-    <dgm:cxn modelId="{DDBD3998-EBA1-AA40-8BB0-586C1C4C0A6C}" srcId="{EE5621F5-D3D0-8A4B-BBB3-18DDFC4961F6}" destId="{126EF0F9-53C0-FF42-B00B-34F77F6C97D9}" srcOrd="2" destOrd="0" parTransId="{38E9F39C-9A4F-684F-8A95-DC998CD8A20F}" sibTransId="{26F828FE-D536-244E-846D-1ADFAD46BB6B}"/>
-    <dgm:cxn modelId="{9FC6488D-113C-2341-BFE2-CD60DA74B1BD}" srcId="{EE5621F5-D3D0-8A4B-BBB3-18DDFC4961F6}" destId="{266B314D-A514-084C-8BD0-F6306A2549E9}" srcOrd="4" destOrd="0" parTransId="{E650DC2A-9B02-FD41-ACF5-9E881D152F3B}" sibTransId="{29B9791F-4F62-2B49-95E2-B060CDB9E23B}"/>
-    <dgm:cxn modelId="{59D9CAB5-B41A-7D47-8C57-B48C7D20DB6F}" srcId="{EE5621F5-D3D0-8A4B-BBB3-18DDFC4961F6}" destId="{57CB1F47-846C-2F44-9148-892B165E654D}" srcOrd="3" destOrd="0" parTransId="{48FFE526-360A-654D-BA4C-CDE1B493CB32}" sibTransId="{02D22CBC-E1F6-1343-88C7-B4CC1055E5F2}"/>
     <dgm:cxn modelId="{6CEA2885-2FF7-A84D-92EE-96FB720359EE}" srcId="{EE5621F5-D3D0-8A4B-BBB3-18DDFC4961F6}" destId="{969662E6-715B-0144-95FD-90FCC8806276}" srcOrd="0" destOrd="0" parTransId="{9BB52A8C-F01E-5641-A3B8-A7FFD958FDCD}" sibTransId="{5286684A-2838-DA4B-9F9B-3BF50DFB6A52}"/>
     <dgm:cxn modelId="{1E4232A0-3ADD-E04E-8E8D-CA229766D808}" type="presParOf" srcId="{45588A59-4CA8-674D-BE17-47FFBCFC8C6C}" destId="{D38C4822-5EA9-064B-8944-89C0A442ED98}" srcOrd="0" destOrd="0" presId="urn:microsoft.com/office/officeart/2005/8/layout/cycle3"/>
     <dgm:cxn modelId="{46A22FB4-F77A-9A4F-BFD2-32E0C37BFCD9}" type="presParOf" srcId="{D38C4822-5EA9-064B-8944-89C0A442ED98}" destId="{1544E92F-9B24-5D48-917E-5B9EB93C24BA}" srcOrd="0" destOrd="0" presId="urn:microsoft.com/office/officeart/2005/8/layout/cycle3"/>
@@ -4611,7 +4315,7 @@
 </dgm:dataModel>
 </file>
 
-<file path=ppt/diagrams/data4.xml><?xml version="1.0" encoding="utf-8"?>
+<file path=ppt/diagrams/data3.xml><?xml version="1.0" encoding="utf-8"?>
 <dgm:dataModel xmlns:dgm="http://schemas.openxmlformats.org/drawingml/2006/diagram" xmlns:a="http://schemas.openxmlformats.org/drawingml/2006/main">
   <dgm:ptLst>
     <dgm:pt modelId="{EE5621F5-D3D0-8A4B-BBB3-18DDFC4961F6}" type="doc">
@@ -5039,6 +4743,334 @@
 </dgm:dataModel>
 </file>
 
+<file path=ppt/diagrams/data4.xml><?xml version="1.0" encoding="utf-8"?>
+<dgm:dataModel xmlns:dgm="http://schemas.openxmlformats.org/drawingml/2006/diagram" xmlns:a="http://schemas.openxmlformats.org/drawingml/2006/main">
+  <dgm:ptLst>
+    <dgm:pt modelId="{3C6EFF4E-FD32-D04F-B144-9BDCFBE2895C}" type="doc">
+      <dgm:prSet loTypeId="urn:microsoft.com/office/officeart/2005/8/layout/matrix3" loCatId="" qsTypeId="urn:microsoft.com/office/officeart/2005/8/quickstyle/simple1" qsCatId="simple" csTypeId="urn:microsoft.com/office/officeart/2005/8/colors/accent1_2" csCatId="accent1" phldr="1"/>
+      <dgm:spPr/>
+      <dgm:t>
+        <a:bodyPr/>
+        <a:lstStyle/>
+        <a:p>
+          <a:endParaRPr lang="en-US"/>
+        </a:p>
+      </dgm:t>
+    </dgm:pt>
+    <dgm:pt modelId="{C3BEC5E6-A24F-1D46-B698-1C9CA25EFE58}">
+      <dgm:prSet phldrT="[Text]"/>
+      <dgm:spPr/>
+      <dgm:t>
+        <a:bodyPr/>
+        <a:lstStyle/>
+        <a:p>
+          <a:endParaRPr lang="en-US"/>
+        </a:p>
+      </dgm:t>
+    </dgm:pt>
+    <dgm:pt modelId="{5D6C91A8-EC4E-6D47-ABF6-CD9810BBD0D2}" type="parTrans" cxnId="{7820B543-90FB-644F-9EEE-9AFDD1154B40}">
+      <dgm:prSet/>
+      <dgm:spPr/>
+      <dgm:t>
+        <a:bodyPr/>
+        <a:lstStyle/>
+        <a:p>
+          <a:endParaRPr lang="en-US"/>
+        </a:p>
+      </dgm:t>
+    </dgm:pt>
+    <dgm:pt modelId="{35917805-E591-C748-A62F-2CEAD06EA408}" type="sibTrans" cxnId="{7820B543-90FB-644F-9EEE-9AFDD1154B40}">
+      <dgm:prSet/>
+      <dgm:spPr/>
+      <dgm:t>
+        <a:bodyPr/>
+        <a:lstStyle/>
+        <a:p>
+          <a:endParaRPr lang="en-US"/>
+        </a:p>
+      </dgm:t>
+    </dgm:pt>
+    <dgm:pt modelId="{5DB04D1C-2BBE-DE46-A720-627829D235DF}">
+      <dgm:prSet phldrT="[Text]"/>
+      <dgm:spPr>
+        <a:solidFill>
+          <a:srgbClr val="FF6600"/>
+        </a:solidFill>
+      </dgm:spPr>
+      <dgm:t>
+        <a:bodyPr/>
+        <a:lstStyle/>
+        <a:p>
+          <a:r>
+            <a:rPr lang="en-US" dirty="0" smtClean="0"/>
+            <a:t>Correctheid</a:t>
+          </a:r>
+          <a:endParaRPr lang="en-US" dirty="0"/>
+        </a:p>
+      </dgm:t>
+    </dgm:pt>
+    <dgm:pt modelId="{D63B15F3-E1DB-1C40-B0FE-709E9F4AF089}" type="sibTrans" cxnId="{C84109C5-8147-CE46-ADE7-91BB3DB667C9}">
+      <dgm:prSet/>
+      <dgm:spPr/>
+      <dgm:t>
+        <a:bodyPr/>
+        <a:lstStyle/>
+        <a:p>
+          <a:endParaRPr lang="en-US"/>
+        </a:p>
+      </dgm:t>
+    </dgm:pt>
+    <dgm:pt modelId="{6D9CB726-0F74-8C49-A68C-17C5A1A9472B}" type="parTrans" cxnId="{C84109C5-8147-CE46-ADE7-91BB3DB667C9}">
+      <dgm:prSet/>
+      <dgm:spPr/>
+      <dgm:t>
+        <a:bodyPr/>
+        <a:lstStyle/>
+        <a:p>
+          <a:endParaRPr lang="en-US"/>
+        </a:p>
+      </dgm:t>
+    </dgm:pt>
+    <dgm:pt modelId="{E6333DBF-978C-FC40-B03F-FA4E17F8E2C6}">
+      <dgm:prSet phldrT="[Text]"/>
+      <dgm:spPr>
+        <a:solidFill>
+          <a:srgbClr val="00DD00"/>
+        </a:solidFill>
+      </dgm:spPr>
+      <dgm:t>
+        <a:bodyPr/>
+        <a:lstStyle/>
+        <a:p>
+          <a:r>
+            <a:rPr lang="en-US" dirty="0" smtClean="0"/>
+            <a:t>Snelheid</a:t>
+          </a:r>
+          <a:endParaRPr lang="en-US" dirty="0"/>
+        </a:p>
+      </dgm:t>
+    </dgm:pt>
+    <dgm:pt modelId="{43D1A966-5234-0041-94F6-2636A025819D}" type="parTrans" cxnId="{582B8E05-03CD-4F49-A4AD-0DAA94A7FF04}">
+      <dgm:prSet/>
+      <dgm:spPr/>
+      <dgm:t>
+        <a:bodyPr/>
+        <a:lstStyle/>
+        <a:p>
+          <a:endParaRPr lang="en-US"/>
+        </a:p>
+      </dgm:t>
+    </dgm:pt>
+    <dgm:pt modelId="{E8EF61D9-5B3D-6346-BF45-ECC9B51E1A18}" type="sibTrans" cxnId="{582B8E05-03CD-4F49-A4AD-0DAA94A7FF04}">
+      <dgm:prSet/>
+      <dgm:spPr/>
+      <dgm:t>
+        <a:bodyPr/>
+        <a:lstStyle/>
+        <a:p>
+          <a:endParaRPr lang="en-US"/>
+        </a:p>
+      </dgm:t>
+    </dgm:pt>
+    <dgm:pt modelId="{ECC118F2-C106-8C45-8D99-C18F317D98E1}">
+      <dgm:prSet phldrT="[Text]"/>
+      <dgm:spPr>
+        <a:solidFill>
+          <a:srgbClr val="00DD00"/>
+        </a:solidFill>
+      </dgm:spPr>
+      <dgm:t>
+        <a:bodyPr/>
+        <a:lstStyle/>
+        <a:p>
+          <a:r>
+            <a:rPr lang="en-US" dirty="0" smtClean="0"/>
+            <a:t>Uitbreidbaarheid</a:t>
+          </a:r>
+          <a:endParaRPr lang="en-US" dirty="0"/>
+        </a:p>
+      </dgm:t>
+    </dgm:pt>
+    <dgm:pt modelId="{C5801798-1BF1-5A49-B457-B310BD5FC2FC}" type="parTrans" cxnId="{3785FAAC-7F08-6141-A26B-2448153F9C02}">
+      <dgm:prSet/>
+      <dgm:spPr/>
+      <dgm:t>
+        <a:bodyPr/>
+        <a:lstStyle/>
+        <a:p>
+          <a:endParaRPr lang="en-US"/>
+        </a:p>
+      </dgm:t>
+    </dgm:pt>
+    <dgm:pt modelId="{402E0F4F-FD91-554A-B102-A625FF215A1B}" type="sibTrans" cxnId="{3785FAAC-7F08-6141-A26B-2448153F9C02}">
+      <dgm:prSet/>
+      <dgm:spPr/>
+      <dgm:t>
+        <a:bodyPr/>
+        <a:lstStyle/>
+        <a:p>
+          <a:endParaRPr lang="en-US"/>
+        </a:p>
+      </dgm:t>
+    </dgm:pt>
+    <dgm:pt modelId="{40E33F3A-2E79-4D4D-81A4-E3ED1345B996}">
+      <dgm:prSet phldrT="[Text]"/>
+      <dgm:spPr>
+        <a:solidFill>
+          <a:srgbClr val="00DD00"/>
+        </a:solidFill>
+      </dgm:spPr>
+      <dgm:t>
+        <a:bodyPr/>
+        <a:lstStyle/>
+        <a:p>
+          <a:r>
+            <a:rPr lang="en-US" dirty="0" smtClean="0"/>
+            <a:t>Gebruiks-vriendelijk</a:t>
+          </a:r>
+          <a:endParaRPr lang="en-US" dirty="0"/>
+        </a:p>
+      </dgm:t>
+    </dgm:pt>
+    <dgm:pt modelId="{F2AD1743-7220-0349-BA32-587B17F13A59}" type="parTrans" cxnId="{68F6E5A1-B139-B149-BDD7-475BD02F8E60}">
+      <dgm:prSet/>
+      <dgm:spPr/>
+      <dgm:t>
+        <a:bodyPr/>
+        <a:lstStyle/>
+        <a:p>
+          <a:endParaRPr lang="en-US"/>
+        </a:p>
+      </dgm:t>
+    </dgm:pt>
+    <dgm:pt modelId="{13820D15-6AFD-A945-B6BA-027610C76114}" type="sibTrans" cxnId="{68F6E5A1-B139-B149-BDD7-475BD02F8E60}">
+      <dgm:prSet/>
+      <dgm:spPr/>
+      <dgm:t>
+        <a:bodyPr/>
+        <a:lstStyle/>
+        <a:p>
+          <a:endParaRPr lang="en-US"/>
+        </a:p>
+      </dgm:t>
+    </dgm:pt>
+    <dgm:pt modelId="{3AA7EB84-FE66-7D49-8A07-07AFFDFBBF65}" type="pres">
+      <dgm:prSet presAssocID="{3C6EFF4E-FD32-D04F-B144-9BDCFBE2895C}" presName="matrix" presStyleCnt="0">
+        <dgm:presLayoutVars>
+          <dgm:chMax val="1"/>
+          <dgm:dir/>
+          <dgm:resizeHandles val="exact"/>
+        </dgm:presLayoutVars>
+      </dgm:prSet>
+      <dgm:spPr/>
+      <dgm:t>
+        <a:bodyPr/>
+        <a:lstStyle/>
+        <a:p>
+          <a:endParaRPr lang="en-US"/>
+        </a:p>
+      </dgm:t>
+    </dgm:pt>
+    <dgm:pt modelId="{B6A53276-9D3E-EA46-9422-098F1513B535}" type="pres">
+      <dgm:prSet presAssocID="{3C6EFF4E-FD32-D04F-B144-9BDCFBE2895C}" presName="diamond" presStyleLbl="bgShp" presStyleIdx="0" presStyleCnt="1" custScaleX="132941" custLinFactNeighborX="289" custLinFactNeighborY="12801"/>
+      <dgm:spPr/>
+    </dgm:pt>
+    <dgm:pt modelId="{9A113BE4-233E-6C42-8E46-82B7C7925864}" type="pres">
+      <dgm:prSet presAssocID="{3C6EFF4E-FD32-D04F-B144-9BDCFBE2895C}" presName="quad1" presStyleLbl="node1" presStyleIdx="0" presStyleCnt="4" custScaleX="149787" custLinFactNeighborX="-24695" custLinFactNeighborY="125">
+        <dgm:presLayoutVars>
+          <dgm:chMax val="0"/>
+          <dgm:chPref val="0"/>
+          <dgm:bulletEnabled val="1"/>
+        </dgm:presLayoutVars>
+      </dgm:prSet>
+      <dgm:spPr/>
+      <dgm:t>
+        <a:bodyPr/>
+        <a:lstStyle/>
+        <a:p>
+          <a:endParaRPr lang="en-US"/>
+        </a:p>
+      </dgm:t>
+    </dgm:pt>
+    <dgm:pt modelId="{E264A485-F2F6-254A-8852-F925B0BD37BB}" type="pres">
+      <dgm:prSet presAssocID="{3C6EFF4E-FD32-D04F-B144-9BDCFBE2895C}" presName="quad2" presStyleLbl="node1" presStyleIdx="1" presStyleCnt="4" custScaleX="149787" custLinFactNeighborX="25739" custLinFactNeighborY="199">
+        <dgm:presLayoutVars>
+          <dgm:chMax val="0"/>
+          <dgm:chPref val="0"/>
+          <dgm:bulletEnabled val="1"/>
+        </dgm:presLayoutVars>
+      </dgm:prSet>
+      <dgm:spPr/>
+      <dgm:t>
+        <a:bodyPr/>
+        <a:lstStyle/>
+        <a:p>
+          <a:endParaRPr lang="en-US"/>
+        </a:p>
+      </dgm:t>
+    </dgm:pt>
+    <dgm:pt modelId="{C210B818-4175-464B-AE3C-BF936A845BC7}" type="pres">
+      <dgm:prSet presAssocID="{3C6EFF4E-FD32-D04F-B144-9BDCFBE2895C}" presName="quad3" presStyleLbl="node1" presStyleIdx="2" presStyleCnt="4" custScaleX="149787" custLinFactNeighborX="-25018" custLinFactNeighborY="846">
+        <dgm:presLayoutVars>
+          <dgm:chMax val="0"/>
+          <dgm:chPref val="0"/>
+          <dgm:bulletEnabled val="1"/>
+        </dgm:presLayoutVars>
+      </dgm:prSet>
+      <dgm:spPr/>
+      <dgm:t>
+        <a:bodyPr/>
+        <a:lstStyle/>
+        <a:p>
+          <a:endParaRPr lang="en-US"/>
+        </a:p>
+      </dgm:t>
+    </dgm:pt>
+    <dgm:pt modelId="{388E1EC5-025A-1A4F-949B-AC30BD904780}" type="pres">
+      <dgm:prSet presAssocID="{3C6EFF4E-FD32-D04F-B144-9BDCFBE2895C}" presName="quad4" presStyleLbl="node1" presStyleIdx="3" presStyleCnt="4" custScaleX="149787" custLinFactNeighborX="26063" custLinFactNeighborY="125">
+        <dgm:presLayoutVars>
+          <dgm:chMax val="0"/>
+          <dgm:chPref val="0"/>
+          <dgm:bulletEnabled val="1"/>
+        </dgm:presLayoutVars>
+      </dgm:prSet>
+      <dgm:spPr/>
+      <dgm:t>
+        <a:bodyPr/>
+        <a:lstStyle/>
+        <a:p>
+          <a:endParaRPr lang="en-US"/>
+        </a:p>
+      </dgm:t>
+    </dgm:pt>
+  </dgm:ptLst>
+  <dgm:cxnLst>
+    <dgm:cxn modelId="{B6569F2D-80A7-2F45-B848-886550F022DA}" type="presOf" srcId="{5DB04D1C-2BBE-DE46-A720-627829D235DF}" destId="{9A113BE4-233E-6C42-8E46-82B7C7925864}" srcOrd="0" destOrd="0" presId="urn:microsoft.com/office/officeart/2005/8/layout/matrix3"/>
+    <dgm:cxn modelId="{68F6E5A1-B139-B149-BDD7-475BD02F8E60}" srcId="{3C6EFF4E-FD32-D04F-B144-9BDCFBE2895C}" destId="{40E33F3A-2E79-4D4D-81A4-E3ED1345B996}" srcOrd="2" destOrd="0" parTransId="{F2AD1743-7220-0349-BA32-587B17F13A59}" sibTransId="{13820D15-6AFD-A945-B6BA-027610C76114}"/>
+    <dgm:cxn modelId="{F4B4A9F3-42E3-2F49-8B13-363B32513DA6}" type="presOf" srcId="{ECC118F2-C106-8C45-8D99-C18F317D98E1}" destId="{388E1EC5-025A-1A4F-949B-AC30BD904780}" srcOrd="0" destOrd="0" presId="urn:microsoft.com/office/officeart/2005/8/layout/matrix3"/>
+    <dgm:cxn modelId="{42D03D82-A8A2-5B4C-8488-1AFC1791B9E1}" type="presOf" srcId="{3C6EFF4E-FD32-D04F-B144-9BDCFBE2895C}" destId="{3AA7EB84-FE66-7D49-8A07-07AFFDFBBF65}" srcOrd="0" destOrd="0" presId="urn:microsoft.com/office/officeart/2005/8/layout/matrix3"/>
+    <dgm:cxn modelId="{3785FAAC-7F08-6141-A26B-2448153F9C02}" srcId="{3C6EFF4E-FD32-D04F-B144-9BDCFBE2895C}" destId="{ECC118F2-C106-8C45-8D99-C18F317D98E1}" srcOrd="3" destOrd="0" parTransId="{C5801798-1BF1-5A49-B457-B310BD5FC2FC}" sibTransId="{402E0F4F-FD91-554A-B102-A625FF215A1B}"/>
+    <dgm:cxn modelId="{582B8E05-03CD-4F49-A4AD-0DAA94A7FF04}" srcId="{3C6EFF4E-FD32-D04F-B144-9BDCFBE2895C}" destId="{E6333DBF-978C-FC40-B03F-FA4E17F8E2C6}" srcOrd="1" destOrd="0" parTransId="{43D1A966-5234-0041-94F6-2636A025819D}" sibTransId="{E8EF61D9-5B3D-6346-BF45-ECC9B51E1A18}"/>
+    <dgm:cxn modelId="{4F7662BC-8C80-F84C-9910-2803C9934657}" type="presOf" srcId="{E6333DBF-978C-FC40-B03F-FA4E17F8E2C6}" destId="{E264A485-F2F6-254A-8852-F925B0BD37BB}" srcOrd="0" destOrd="0" presId="urn:microsoft.com/office/officeart/2005/8/layout/matrix3"/>
+    <dgm:cxn modelId="{7820B543-90FB-644F-9EEE-9AFDD1154B40}" srcId="{3C6EFF4E-FD32-D04F-B144-9BDCFBE2895C}" destId="{C3BEC5E6-A24F-1D46-B698-1C9CA25EFE58}" srcOrd="4" destOrd="0" parTransId="{5D6C91A8-EC4E-6D47-ABF6-CD9810BBD0D2}" sibTransId="{35917805-E591-C748-A62F-2CEAD06EA408}"/>
+    <dgm:cxn modelId="{C84109C5-8147-CE46-ADE7-91BB3DB667C9}" srcId="{3C6EFF4E-FD32-D04F-B144-9BDCFBE2895C}" destId="{5DB04D1C-2BBE-DE46-A720-627829D235DF}" srcOrd="0" destOrd="0" parTransId="{6D9CB726-0F74-8C49-A68C-17C5A1A9472B}" sibTransId="{D63B15F3-E1DB-1C40-B0FE-709E9F4AF089}"/>
+    <dgm:cxn modelId="{E3561575-AE16-0D4C-83E3-91AEA32BAAE5}" type="presOf" srcId="{40E33F3A-2E79-4D4D-81A4-E3ED1345B996}" destId="{C210B818-4175-464B-AE3C-BF936A845BC7}" srcOrd="0" destOrd="0" presId="urn:microsoft.com/office/officeart/2005/8/layout/matrix3"/>
+    <dgm:cxn modelId="{22B530F0-6FDB-5841-9C81-6876D456E8E0}" type="presParOf" srcId="{3AA7EB84-FE66-7D49-8A07-07AFFDFBBF65}" destId="{B6A53276-9D3E-EA46-9422-098F1513B535}" srcOrd="0" destOrd="0" presId="urn:microsoft.com/office/officeart/2005/8/layout/matrix3"/>
+    <dgm:cxn modelId="{4184ED0F-3ADF-204D-A89A-76F1B862B3F7}" type="presParOf" srcId="{3AA7EB84-FE66-7D49-8A07-07AFFDFBBF65}" destId="{9A113BE4-233E-6C42-8E46-82B7C7925864}" srcOrd="1" destOrd="0" presId="urn:microsoft.com/office/officeart/2005/8/layout/matrix3"/>
+    <dgm:cxn modelId="{68B8E6AC-EC92-5541-A06F-5689DF93A1F0}" type="presParOf" srcId="{3AA7EB84-FE66-7D49-8A07-07AFFDFBBF65}" destId="{E264A485-F2F6-254A-8852-F925B0BD37BB}" srcOrd="2" destOrd="0" presId="urn:microsoft.com/office/officeart/2005/8/layout/matrix3"/>
+    <dgm:cxn modelId="{3C9A1B07-6391-5946-980E-E044EA3D0EA1}" type="presParOf" srcId="{3AA7EB84-FE66-7D49-8A07-07AFFDFBBF65}" destId="{C210B818-4175-464B-AE3C-BF936A845BC7}" srcOrd="3" destOrd="0" presId="urn:microsoft.com/office/officeart/2005/8/layout/matrix3"/>
+    <dgm:cxn modelId="{516EFC3B-420D-E240-BCED-24773B4E95AA}" type="presParOf" srcId="{3AA7EB84-FE66-7D49-8A07-07AFFDFBBF65}" destId="{388E1EC5-025A-1A4F-949B-AC30BD904780}" srcOrd="4" destOrd="0" presId="urn:microsoft.com/office/officeart/2005/8/layout/matrix3"/>
+  </dgm:cxnLst>
+  <dgm:bg/>
+  <dgm:whole/>
+  <dgm:extLst>
+    <a:ext uri="http://schemas.microsoft.com/office/drawing/2008/diagram">
+      <dsp:dataModelExt xmlns:dsp="http://schemas.microsoft.com/office/drawing/2008/diagram" relId="rId6" minVer="http://schemas.openxmlformats.org/drawingml/2006/diagram"/>
+    </a:ext>
+  </dgm:extLst>
+</dgm:dataModel>
+</file>
+
 <file path=ppt/diagrams/drawing1.xml><?xml version="1.0" encoding="utf-8"?>
 <dsp:drawing xmlns:dgm="http://schemas.openxmlformats.org/drawingml/2006/diagram" xmlns:dsp="http://schemas.microsoft.com/office/drawing/2008/diagram" xmlns:a="http://schemas.openxmlformats.org/drawingml/2006/main">
   <dsp:spTree>
@@ -5400,366 +5432,6 @@
 </file>
 
 <file path=ppt/diagrams/drawing2.xml><?xml version="1.0" encoding="utf-8"?>
-<dsp:drawing xmlns:dgm="http://schemas.openxmlformats.org/drawingml/2006/diagram" xmlns:dsp="http://schemas.microsoft.com/office/drawing/2008/diagram" xmlns:a="http://schemas.openxmlformats.org/drawingml/2006/main">
-  <dsp:spTree>
-    <dsp:nvGrpSpPr>
-      <dsp:cNvPr id="0" name=""/>
-      <dsp:cNvGrpSpPr/>
-    </dsp:nvGrpSpPr>
-    <dsp:grpSpPr/>
-    <dsp:sp modelId="{B6A53276-9D3E-EA46-9422-098F1513B535}">
-      <dsp:nvSpPr>
-        <dsp:cNvPr id="0" name=""/>
-        <dsp:cNvSpPr/>
-      </dsp:nvSpPr>
-      <dsp:spPr>
-        <a:xfrm>
-          <a:off x="1223686" y="0"/>
-          <a:ext cx="5886627" cy="4428000"/>
-        </a:xfrm>
-        <a:prstGeom prst="diamond">
-          <a:avLst/>
-        </a:prstGeom>
-        <a:solidFill>
-          <a:schemeClr val="accent1">
-            <a:tint val="40000"/>
-            <a:hueOff val="0"/>
-            <a:satOff val="0"/>
-            <a:lumOff val="0"/>
-            <a:alphaOff val="0"/>
-          </a:schemeClr>
-        </a:solidFill>
-        <a:ln>
-          <a:noFill/>
-        </a:ln>
-        <a:effectLst/>
-      </dsp:spPr>
-      <dsp:style>
-        <a:lnRef idx="0">
-          <a:scrgbClr r="0" g="0" b="0"/>
-        </a:lnRef>
-        <a:fillRef idx="1">
-          <a:scrgbClr r="0" g="0" b="0"/>
-        </a:fillRef>
-        <a:effectRef idx="0">
-          <a:scrgbClr r="0" g="0" b="0"/>
-        </a:effectRef>
-        <a:fontRef idx="minor"/>
-      </dsp:style>
-    </dsp:sp>
-    <dsp:sp modelId="{9A113BE4-233E-6C42-8E46-82B7C7925864}">
-      <dsp:nvSpPr>
-        <dsp:cNvPr id="0" name=""/>
-        <dsp:cNvSpPr/>
-      </dsp:nvSpPr>
-      <dsp:spPr>
-        <a:xfrm>
-          <a:off x="1517306" y="422818"/>
-          <a:ext cx="2586701" cy="1726920"/>
-        </a:xfrm>
-        <a:prstGeom prst="roundRect">
-          <a:avLst/>
-        </a:prstGeom>
-        <a:solidFill>
-          <a:schemeClr val="accent1">
-            <a:hueOff val="0"/>
-            <a:satOff val="0"/>
-            <a:lumOff val="0"/>
-            <a:alphaOff val="0"/>
-          </a:schemeClr>
-        </a:solidFill>
-        <a:ln w="25400" cap="flat" cmpd="sng" algn="ctr">
-          <a:solidFill>
-            <a:schemeClr val="lt1">
-              <a:hueOff val="0"/>
-              <a:satOff val="0"/>
-              <a:lumOff val="0"/>
-              <a:alphaOff val="0"/>
-            </a:schemeClr>
-          </a:solidFill>
-          <a:prstDash val="solid"/>
-        </a:ln>
-        <a:effectLst/>
-      </dsp:spPr>
-      <dsp:style>
-        <a:lnRef idx="2">
-          <a:scrgbClr r="0" g="0" b="0"/>
-        </a:lnRef>
-        <a:fillRef idx="1">
-          <a:scrgbClr r="0" g="0" b="0"/>
-        </a:fillRef>
-        <a:effectRef idx="0">
-          <a:scrgbClr r="0" g="0" b="0"/>
-        </a:effectRef>
-        <a:fontRef idx="minor">
-          <a:schemeClr val="lt1"/>
-        </a:fontRef>
-      </dsp:style>
-      <dsp:txBody>
-        <a:bodyPr spcFirstLastPara="0" vert="horz" wrap="square" lIns="87630" tIns="87630" rIns="87630" bIns="87630" numCol="1" spcCol="1270" anchor="ctr" anchorCtr="0">
-          <a:noAutofit/>
-        </a:bodyPr>
-        <a:lstStyle/>
-        <a:p>
-          <a:pPr lvl="0" algn="ctr" defTabSz="1022350">
-            <a:lnSpc>
-              <a:spcPct val="90000"/>
-            </a:lnSpc>
-            <a:spcBef>
-              <a:spcPct val="0"/>
-            </a:spcBef>
-            <a:spcAft>
-              <a:spcPct val="35000"/>
-            </a:spcAft>
-          </a:pPr>
-          <a:r>
-            <a:rPr lang="en-US" sz="2300" kern="1200" dirty="0" smtClean="0"/>
-            <a:t>Correctheid</a:t>
-          </a:r>
-          <a:endParaRPr lang="en-US" sz="2300" kern="1200" dirty="0"/>
-        </a:p>
-      </dsp:txBody>
-      <dsp:txXfrm>
-        <a:off x="1601607" y="507119"/>
-        <a:ext cx="2418099" cy="1558318"/>
-      </dsp:txXfrm>
-    </dsp:sp>
-    <dsp:sp modelId="{E264A485-F2F6-254A-8852-F925B0BD37BB}">
-      <dsp:nvSpPr>
-        <dsp:cNvPr id="0" name=""/>
-        <dsp:cNvSpPr/>
-      </dsp:nvSpPr>
-      <dsp:spPr>
-        <a:xfrm>
-          <a:off x="4248021" y="424096"/>
-          <a:ext cx="2586701" cy="1726920"/>
-        </a:xfrm>
-        <a:prstGeom prst="roundRect">
-          <a:avLst/>
-        </a:prstGeom>
-        <a:solidFill>
-          <a:schemeClr val="accent1">
-            <a:hueOff val="0"/>
-            <a:satOff val="0"/>
-            <a:lumOff val="0"/>
-            <a:alphaOff val="0"/>
-          </a:schemeClr>
-        </a:solidFill>
-        <a:ln w="25400" cap="flat" cmpd="sng" algn="ctr">
-          <a:solidFill>
-            <a:schemeClr val="lt1">
-              <a:hueOff val="0"/>
-              <a:satOff val="0"/>
-              <a:lumOff val="0"/>
-              <a:alphaOff val="0"/>
-            </a:schemeClr>
-          </a:solidFill>
-          <a:prstDash val="solid"/>
-        </a:ln>
-        <a:effectLst/>
-      </dsp:spPr>
-      <dsp:style>
-        <a:lnRef idx="2">
-          <a:scrgbClr r="0" g="0" b="0"/>
-        </a:lnRef>
-        <a:fillRef idx="1">
-          <a:scrgbClr r="0" g="0" b="0"/>
-        </a:fillRef>
-        <a:effectRef idx="0">
-          <a:scrgbClr r="0" g="0" b="0"/>
-        </a:effectRef>
-        <a:fontRef idx="minor">
-          <a:schemeClr val="lt1"/>
-        </a:fontRef>
-      </dsp:style>
-      <dsp:txBody>
-        <a:bodyPr spcFirstLastPara="0" vert="horz" wrap="square" lIns="87630" tIns="87630" rIns="87630" bIns="87630" numCol="1" spcCol="1270" anchor="ctr" anchorCtr="0">
-          <a:noAutofit/>
-        </a:bodyPr>
-        <a:lstStyle/>
-        <a:p>
-          <a:pPr lvl="0" algn="ctr" defTabSz="1022350">
-            <a:lnSpc>
-              <a:spcPct val="90000"/>
-            </a:lnSpc>
-            <a:spcBef>
-              <a:spcPct val="0"/>
-            </a:spcBef>
-            <a:spcAft>
-              <a:spcPct val="35000"/>
-            </a:spcAft>
-          </a:pPr>
-          <a:r>
-            <a:rPr lang="en-US" sz="2300" kern="1200" dirty="0" smtClean="0"/>
-            <a:t>Snelheid</a:t>
-          </a:r>
-          <a:endParaRPr lang="en-US" sz="2300" kern="1200" dirty="0"/>
-        </a:p>
-      </dsp:txBody>
-      <dsp:txXfrm>
-        <a:off x="4332322" y="508397"/>
-        <a:ext cx="2418099" cy="1558318"/>
-      </dsp:txXfrm>
-    </dsp:sp>
-    <dsp:sp modelId="{C210B818-4175-464B-AE3C-BF936A845BC7}">
-      <dsp:nvSpPr>
-        <dsp:cNvPr id="0" name=""/>
-        <dsp:cNvSpPr/>
-      </dsp:nvSpPr>
-      <dsp:spPr>
-        <a:xfrm>
-          <a:off x="1511728" y="2295029"/>
-          <a:ext cx="2586701" cy="1726920"/>
-        </a:xfrm>
-        <a:prstGeom prst="roundRect">
-          <a:avLst/>
-        </a:prstGeom>
-        <a:solidFill>
-          <a:schemeClr val="accent1">
-            <a:hueOff val="0"/>
-            <a:satOff val="0"/>
-            <a:lumOff val="0"/>
-            <a:alphaOff val="0"/>
-          </a:schemeClr>
-        </a:solidFill>
-        <a:ln w="25400" cap="flat" cmpd="sng" algn="ctr">
-          <a:solidFill>
-            <a:schemeClr val="lt1">
-              <a:hueOff val="0"/>
-              <a:satOff val="0"/>
-              <a:lumOff val="0"/>
-              <a:alphaOff val="0"/>
-            </a:schemeClr>
-          </a:solidFill>
-          <a:prstDash val="solid"/>
-        </a:ln>
-        <a:effectLst/>
-      </dsp:spPr>
-      <dsp:style>
-        <a:lnRef idx="2">
-          <a:scrgbClr r="0" g="0" b="0"/>
-        </a:lnRef>
-        <a:fillRef idx="1">
-          <a:scrgbClr r="0" g="0" b="0"/>
-        </a:fillRef>
-        <a:effectRef idx="0">
-          <a:scrgbClr r="0" g="0" b="0"/>
-        </a:effectRef>
-        <a:fontRef idx="minor">
-          <a:schemeClr val="lt1"/>
-        </a:fontRef>
-      </dsp:style>
-      <dsp:txBody>
-        <a:bodyPr spcFirstLastPara="0" vert="horz" wrap="square" lIns="87630" tIns="87630" rIns="87630" bIns="87630" numCol="1" spcCol="1270" anchor="ctr" anchorCtr="0">
-          <a:noAutofit/>
-        </a:bodyPr>
-        <a:lstStyle/>
-        <a:p>
-          <a:pPr lvl="0" algn="ctr" defTabSz="1022350">
-            <a:lnSpc>
-              <a:spcPct val="90000"/>
-            </a:lnSpc>
-            <a:spcBef>
-              <a:spcPct val="0"/>
-            </a:spcBef>
-            <a:spcAft>
-              <a:spcPct val="35000"/>
-            </a:spcAft>
-          </a:pPr>
-          <a:r>
-            <a:rPr lang="en-US" sz="2300" kern="1200" dirty="0" smtClean="0"/>
-            <a:t>Gebruiks-vriendelijk</a:t>
-          </a:r>
-          <a:endParaRPr lang="en-US" sz="2300" kern="1200" dirty="0"/>
-        </a:p>
-      </dsp:txBody>
-      <dsp:txXfrm>
-        <a:off x="1596029" y="2379330"/>
-        <a:ext cx="2418099" cy="1558318"/>
-      </dsp:txXfrm>
-    </dsp:sp>
-    <dsp:sp modelId="{388E1EC5-025A-1A4F-949B-AC30BD904780}">
-      <dsp:nvSpPr>
-        <dsp:cNvPr id="0" name=""/>
-        <dsp:cNvSpPr/>
-      </dsp:nvSpPr>
-      <dsp:spPr>
-        <a:xfrm>
-          <a:off x="4253616" y="2282578"/>
-          <a:ext cx="2586701" cy="1726920"/>
-        </a:xfrm>
-        <a:prstGeom prst="roundRect">
-          <a:avLst/>
-        </a:prstGeom>
-        <a:solidFill>
-          <a:schemeClr val="accent1">
-            <a:hueOff val="0"/>
-            <a:satOff val="0"/>
-            <a:lumOff val="0"/>
-            <a:alphaOff val="0"/>
-          </a:schemeClr>
-        </a:solidFill>
-        <a:ln w="25400" cap="flat" cmpd="sng" algn="ctr">
-          <a:solidFill>
-            <a:schemeClr val="lt1">
-              <a:hueOff val="0"/>
-              <a:satOff val="0"/>
-              <a:lumOff val="0"/>
-              <a:alphaOff val="0"/>
-            </a:schemeClr>
-          </a:solidFill>
-          <a:prstDash val="solid"/>
-        </a:ln>
-        <a:effectLst/>
-      </dsp:spPr>
-      <dsp:style>
-        <a:lnRef idx="2">
-          <a:scrgbClr r="0" g="0" b="0"/>
-        </a:lnRef>
-        <a:fillRef idx="1">
-          <a:scrgbClr r="0" g="0" b="0"/>
-        </a:fillRef>
-        <a:effectRef idx="0">
-          <a:scrgbClr r="0" g="0" b="0"/>
-        </a:effectRef>
-        <a:fontRef idx="minor">
-          <a:schemeClr val="lt1"/>
-        </a:fontRef>
-      </dsp:style>
-      <dsp:txBody>
-        <a:bodyPr spcFirstLastPara="0" vert="horz" wrap="square" lIns="87630" tIns="87630" rIns="87630" bIns="87630" numCol="1" spcCol="1270" anchor="ctr" anchorCtr="0">
-          <a:noAutofit/>
-        </a:bodyPr>
-        <a:lstStyle/>
-        <a:p>
-          <a:pPr lvl="0" algn="ctr" defTabSz="1022350">
-            <a:lnSpc>
-              <a:spcPct val="90000"/>
-            </a:lnSpc>
-            <a:spcBef>
-              <a:spcPct val="0"/>
-            </a:spcBef>
-            <a:spcAft>
-              <a:spcPct val="35000"/>
-            </a:spcAft>
-          </a:pPr>
-          <a:r>
-            <a:rPr lang="en-US" sz="2300" kern="1200" dirty="0" smtClean="0"/>
-            <a:t>Uitbreidbaarheid</a:t>
-          </a:r>
-          <a:endParaRPr lang="en-US" sz="2300" kern="1200" dirty="0"/>
-        </a:p>
-      </dsp:txBody>
-      <dsp:txXfrm>
-        <a:off x="4337917" y="2366879"/>
-        <a:ext cx="2418099" cy="1558318"/>
-      </dsp:txXfrm>
-    </dsp:sp>
-  </dsp:spTree>
-</dsp:drawing>
-</file>
-
-<file path=ppt/diagrams/drawing3.xml><?xml version="1.0" encoding="utf-8"?>
 <dsp:drawing xmlns:dgm="http://schemas.openxmlformats.org/drawingml/2006/diagram" xmlns:dsp="http://schemas.microsoft.com/office/drawing/2008/diagram" xmlns:a="http://schemas.openxmlformats.org/drawingml/2006/main">
   <dsp:spTree>
     <dsp:nvGrpSpPr>
@@ -6307,7 +5979,7 @@
 </dsp:drawing>
 </file>
 
-<file path=ppt/diagrams/drawing4.xml><?xml version="1.0" encoding="utf-8"?>
+<file path=ppt/diagrams/drawing3.xml><?xml version="1.0" encoding="utf-8"?>
 <dsp:drawing xmlns:dgm="http://schemas.openxmlformats.org/drawingml/2006/diagram" xmlns:dsp="http://schemas.microsoft.com/office/drawing/2008/diagram" xmlns:a="http://schemas.openxmlformats.org/drawingml/2006/main">
   <dsp:spTree>
     <dsp:nvGrpSpPr>
@@ -6863,6 +6535,346 @@
 </dsp:drawing>
 </file>
 
+<file path=ppt/diagrams/drawing4.xml><?xml version="1.0" encoding="utf-8"?>
+<dsp:drawing xmlns:dgm="http://schemas.openxmlformats.org/drawingml/2006/diagram" xmlns:dsp="http://schemas.microsoft.com/office/drawing/2008/diagram" xmlns:a="http://schemas.openxmlformats.org/drawingml/2006/main">
+  <dsp:spTree>
+    <dsp:nvGrpSpPr>
+      <dsp:cNvPr id="0" name=""/>
+      <dsp:cNvGrpSpPr/>
+    </dsp:nvGrpSpPr>
+    <dsp:grpSpPr/>
+    <dsp:sp modelId="{B6A53276-9D3E-EA46-9422-098F1513B535}">
+      <dsp:nvSpPr>
+        <dsp:cNvPr id="0" name=""/>
+        <dsp:cNvSpPr/>
+      </dsp:nvSpPr>
+      <dsp:spPr>
+        <a:xfrm>
+          <a:off x="1236483" y="0"/>
+          <a:ext cx="5886627" cy="4428000"/>
+        </a:xfrm>
+        <a:prstGeom prst="diamond">
+          <a:avLst/>
+        </a:prstGeom>
+        <a:solidFill>
+          <a:schemeClr val="accent1">
+            <a:tint val="40000"/>
+            <a:hueOff val="0"/>
+            <a:satOff val="0"/>
+            <a:lumOff val="0"/>
+            <a:alphaOff val="0"/>
+          </a:schemeClr>
+        </a:solidFill>
+        <a:ln>
+          <a:noFill/>
+        </a:ln>
+        <a:effectLst/>
+      </dsp:spPr>
+      <dsp:style>
+        <a:lnRef idx="0">
+          <a:scrgbClr r="0" g="0" b="0"/>
+        </a:lnRef>
+        <a:fillRef idx="1">
+          <a:scrgbClr r="0" g="0" b="0"/>
+        </a:fillRef>
+        <a:effectRef idx="0">
+          <a:scrgbClr r="0" g="0" b="0"/>
+        </a:effectRef>
+        <a:fontRef idx="minor"/>
+      </dsp:style>
+    </dsp:sp>
+    <dsp:sp modelId="{9A113BE4-233E-6C42-8E46-82B7C7925864}">
+      <dsp:nvSpPr>
+        <dsp:cNvPr id="0" name=""/>
+        <dsp:cNvSpPr/>
+      </dsp:nvSpPr>
+      <dsp:spPr>
+        <a:xfrm>
+          <a:off x="1517306" y="422818"/>
+          <a:ext cx="2586701" cy="1726920"/>
+        </a:xfrm>
+        <a:prstGeom prst="roundRect">
+          <a:avLst/>
+        </a:prstGeom>
+        <a:solidFill>
+          <a:srgbClr val="FF6600"/>
+        </a:solidFill>
+        <a:ln w="25400" cap="flat" cmpd="sng" algn="ctr">
+          <a:solidFill>
+            <a:schemeClr val="lt1">
+              <a:hueOff val="0"/>
+              <a:satOff val="0"/>
+              <a:lumOff val="0"/>
+              <a:alphaOff val="0"/>
+            </a:schemeClr>
+          </a:solidFill>
+          <a:prstDash val="solid"/>
+        </a:ln>
+        <a:effectLst/>
+      </dsp:spPr>
+      <dsp:style>
+        <a:lnRef idx="2">
+          <a:scrgbClr r="0" g="0" b="0"/>
+        </a:lnRef>
+        <a:fillRef idx="1">
+          <a:scrgbClr r="0" g="0" b="0"/>
+        </a:fillRef>
+        <a:effectRef idx="0">
+          <a:scrgbClr r="0" g="0" b="0"/>
+        </a:effectRef>
+        <a:fontRef idx="minor">
+          <a:schemeClr val="lt1"/>
+        </a:fontRef>
+      </dsp:style>
+      <dsp:txBody>
+        <a:bodyPr spcFirstLastPara="0" vert="horz" wrap="square" lIns="87630" tIns="87630" rIns="87630" bIns="87630" numCol="1" spcCol="1270" anchor="ctr" anchorCtr="0">
+          <a:noAutofit/>
+        </a:bodyPr>
+        <a:lstStyle/>
+        <a:p>
+          <a:pPr lvl="0" algn="ctr" defTabSz="1022350">
+            <a:lnSpc>
+              <a:spcPct val="90000"/>
+            </a:lnSpc>
+            <a:spcBef>
+              <a:spcPct val="0"/>
+            </a:spcBef>
+            <a:spcAft>
+              <a:spcPct val="35000"/>
+            </a:spcAft>
+          </a:pPr>
+          <a:r>
+            <a:rPr lang="en-US" sz="2300" kern="1200" dirty="0" smtClean="0"/>
+            <a:t>Correctheid</a:t>
+          </a:r>
+          <a:endParaRPr lang="en-US" sz="2300" kern="1200" dirty="0"/>
+        </a:p>
+      </dsp:txBody>
+      <dsp:txXfrm>
+        <a:off x="1601607" y="507119"/>
+        <a:ext cx="2418099" cy="1558318"/>
+      </dsp:txXfrm>
+    </dsp:sp>
+    <dsp:sp modelId="{E264A485-F2F6-254A-8852-F925B0BD37BB}">
+      <dsp:nvSpPr>
+        <dsp:cNvPr id="0" name=""/>
+        <dsp:cNvSpPr/>
+      </dsp:nvSpPr>
+      <dsp:spPr>
+        <a:xfrm>
+          <a:off x="4248021" y="424096"/>
+          <a:ext cx="2586701" cy="1726920"/>
+        </a:xfrm>
+        <a:prstGeom prst="roundRect">
+          <a:avLst/>
+        </a:prstGeom>
+        <a:solidFill>
+          <a:srgbClr val="00DD00"/>
+        </a:solidFill>
+        <a:ln w="25400" cap="flat" cmpd="sng" algn="ctr">
+          <a:solidFill>
+            <a:schemeClr val="lt1">
+              <a:hueOff val="0"/>
+              <a:satOff val="0"/>
+              <a:lumOff val="0"/>
+              <a:alphaOff val="0"/>
+            </a:schemeClr>
+          </a:solidFill>
+          <a:prstDash val="solid"/>
+        </a:ln>
+        <a:effectLst/>
+      </dsp:spPr>
+      <dsp:style>
+        <a:lnRef idx="2">
+          <a:scrgbClr r="0" g="0" b="0"/>
+        </a:lnRef>
+        <a:fillRef idx="1">
+          <a:scrgbClr r="0" g="0" b="0"/>
+        </a:fillRef>
+        <a:effectRef idx="0">
+          <a:scrgbClr r="0" g="0" b="0"/>
+        </a:effectRef>
+        <a:fontRef idx="minor">
+          <a:schemeClr val="lt1"/>
+        </a:fontRef>
+      </dsp:style>
+      <dsp:txBody>
+        <a:bodyPr spcFirstLastPara="0" vert="horz" wrap="square" lIns="87630" tIns="87630" rIns="87630" bIns="87630" numCol="1" spcCol="1270" anchor="ctr" anchorCtr="0">
+          <a:noAutofit/>
+        </a:bodyPr>
+        <a:lstStyle/>
+        <a:p>
+          <a:pPr lvl="0" algn="ctr" defTabSz="1022350">
+            <a:lnSpc>
+              <a:spcPct val="90000"/>
+            </a:lnSpc>
+            <a:spcBef>
+              <a:spcPct val="0"/>
+            </a:spcBef>
+            <a:spcAft>
+              <a:spcPct val="35000"/>
+            </a:spcAft>
+          </a:pPr>
+          <a:r>
+            <a:rPr lang="en-US" sz="2300" kern="1200" dirty="0" smtClean="0"/>
+            <a:t>Snelheid</a:t>
+          </a:r>
+          <a:endParaRPr lang="en-US" sz="2300" kern="1200" dirty="0"/>
+        </a:p>
+      </dsp:txBody>
+      <dsp:txXfrm>
+        <a:off x="4332322" y="508397"/>
+        <a:ext cx="2418099" cy="1558318"/>
+      </dsp:txXfrm>
+    </dsp:sp>
+    <dsp:sp modelId="{C210B818-4175-464B-AE3C-BF936A845BC7}">
+      <dsp:nvSpPr>
+        <dsp:cNvPr id="0" name=""/>
+        <dsp:cNvSpPr/>
+      </dsp:nvSpPr>
+      <dsp:spPr>
+        <a:xfrm>
+          <a:off x="1511728" y="2295029"/>
+          <a:ext cx="2586701" cy="1726920"/>
+        </a:xfrm>
+        <a:prstGeom prst="roundRect">
+          <a:avLst/>
+        </a:prstGeom>
+        <a:solidFill>
+          <a:srgbClr val="00DD00"/>
+        </a:solidFill>
+        <a:ln w="25400" cap="flat" cmpd="sng" algn="ctr">
+          <a:solidFill>
+            <a:schemeClr val="lt1">
+              <a:hueOff val="0"/>
+              <a:satOff val="0"/>
+              <a:lumOff val="0"/>
+              <a:alphaOff val="0"/>
+            </a:schemeClr>
+          </a:solidFill>
+          <a:prstDash val="solid"/>
+        </a:ln>
+        <a:effectLst/>
+      </dsp:spPr>
+      <dsp:style>
+        <a:lnRef idx="2">
+          <a:scrgbClr r="0" g="0" b="0"/>
+        </a:lnRef>
+        <a:fillRef idx="1">
+          <a:scrgbClr r="0" g="0" b="0"/>
+        </a:fillRef>
+        <a:effectRef idx="0">
+          <a:scrgbClr r="0" g="0" b="0"/>
+        </a:effectRef>
+        <a:fontRef idx="minor">
+          <a:schemeClr val="lt1"/>
+        </a:fontRef>
+      </dsp:style>
+      <dsp:txBody>
+        <a:bodyPr spcFirstLastPara="0" vert="horz" wrap="square" lIns="87630" tIns="87630" rIns="87630" bIns="87630" numCol="1" spcCol="1270" anchor="ctr" anchorCtr="0">
+          <a:noAutofit/>
+        </a:bodyPr>
+        <a:lstStyle/>
+        <a:p>
+          <a:pPr lvl="0" algn="ctr" defTabSz="1022350">
+            <a:lnSpc>
+              <a:spcPct val="90000"/>
+            </a:lnSpc>
+            <a:spcBef>
+              <a:spcPct val="0"/>
+            </a:spcBef>
+            <a:spcAft>
+              <a:spcPct val="35000"/>
+            </a:spcAft>
+          </a:pPr>
+          <a:r>
+            <a:rPr lang="en-US" sz="2300" kern="1200" dirty="0" smtClean="0"/>
+            <a:t>Gebruiks-vriendelijk</a:t>
+          </a:r>
+          <a:endParaRPr lang="en-US" sz="2300" kern="1200" dirty="0"/>
+        </a:p>
+      </dsp:txBody>
+      <dsp:txXfrm>
+        <a:off x="1596029" y="2379330"/>
+        <a:ext cx="2418099" cy="1558318"/>
+      </dsp:txXfrm>
+    </dsp:sp>
+    <dsp:sp modelId="{388E1EC5-025A-1A4F-949B-AC30BD904780}">
+      <dsp:nvSpPr>
+        <dsp:cNvPr id="0" name=""/>
+        <dsp:cNvSpPr/>
+      </dsp:nvSpPr>
+      <dsp:spPr>
+        <a:xfrm>
+          <a:off x="4253616" y="2282578"/>
+          <a:ext cx="2586701" cy="1726920"/>
+        </a:xfrm>
+        <a:prstGeom prst="roundRect">
+          <a:avLst/>
+        </a:prstGeom>
+        <a:solidFill>
+          <a:srgbClr val="00DD00"/>
+        </a:solidFill>
+        <a:ln w="25400" cap="flat" cmpd="sng" algn="ctr">
+          <a:solidFill>
+            <a:schemeClr val="lt1">
+              <a:hueOff val="0"/>
+              <a:satOff val="0"/>
+              <a:lumOff val="0"/>
+              <a:alphaOff val="0"/>
+            </a:schemeClr>
+          </a:solidFill>
+          <a:prstDash val="solid"/>
+        </a:ln>
+        <a:effectLst/>
+      </dsp:spPr>
+      <dsp:style>
+        <a:lnRef idx="2">
+          <a:scrgbClr r="0" g="0" b="0"/>
+        </a:lnRef>
+        <a:fillRef idx="1">
+          <a:scrgbClr r="0" g="0" b="0"/>
+        </a:fillRef>
+        <a:effectRef idx="0">
+          <a:scrgbClr r="0" g="0" b="0"/>
+        </a:effectRef>
+        <a:fontRef idx="minor">
+          <a:schemeClr val="lt1"/>
+        </a:fontRef>
+      </dsp:style>
+      <dsp:txBody>
+        <a:bodyPr spcFirstLastPara="0" vert="horz" wrap="square" lIns="87630" tIns="87630" rIns="87630" bIns="87630" numCol="1" spcCol="1270" anchor="ctr" anchorCtr="0">
+          <a:noAutofit/>
+        </a:bodyPr>
+        <a:lstStyle/>
+        <a:p>
+          <a:pPr lvl="0" algn="ctr" defTabSz="1022350">
+            <a:lnSpc>
+              <a:spcPct val="90000"/>
+            </a:lnSpc>
+            <a:spcBef>
+              <a:spcPct val="0"/>
+            </a:spcBef>
+            <a:spcAft>
+              <a:spcPct val="35000"/>
+            </a:spcAft>
+          </a:pPr>
+          <a:r>
+            <a:rPr lang="en-US" sz="2300" kern="1200" dirty="0" smtClean="0"/>
+            <a:t>Uitbreidbaarheid</a:t>
+          </a:r>
+          <a:endParaRPr lang="en-US" sz="2300" kern="1200" dirty="0"/>
+        </a:p>
+      </dsp:txBody>
+      <dsp:txXfrm>
+        <a:off x="4337917" y="2366879"/>
+        <a:ext cx="2418099" cy="1558318"/>
+      </dsp:txXfrm>
+    </dsp:sp>
+  </dsp:spTree>
+</dsp:drawing>
+</file>
+
 <file path=ppt/diagrams/layout1.xml><?xml version="1.0" encoding="utf-8"?>
 <dgm:layoutDef xmlns:dgm="http://schemas.openxmlformats.org/drawingml/2006/diagram" xmlns:a="http://schemas.openxmlformats.org/drawingml/2006/main" uniqueId="urn:microsoft.com/office/officeart/2005/8/layout/matrix3">
   <dgm:title val=""/>
@@ -7083,12 +7095,11 @@
 </file>
 
 <file path=ppt/diagrams/layout2.xml><?xml version="1.0" encoding="utf-8"?>
-<dgm:layoutDef xmlns:dgm="http://schemas.openxmlformats.org/drawingml/2006/diagram" xmlns:a="http://schemas.openxmlformats.org/drawingml/2006/main" uniqueId="urn:microsoft.com/office/officeart/2005/8/layout/matrix3">
+<dgm:layoutDef xmlns:dgm="http://schemas.openxmlformats.org/drawingml/2006/diagram" xmlns:a="http://schemas.openxmlformats.org/drawingml/2006/main" uniqueId="urn:microsoft.com/office/officeart/2005/8/layout/cycle3">
   <dgm:title val=""/>
   <dgm:desc val=""/>
   <dgm:catLst>
-    <dgm:cat type="matrix" pri="1000"/>
-    <dgm:cat type="convert" pri="18000"/>
+    <dgm:cat type="cycle" pri="5000"/>
   </dgm:catLst>
   <dgm:sampData>
     <dgm:dataModel>
@@ -7106,110 +7117,117 @@
         <dgm:pt modelId="4">
           <dgm:prSet phldr="1"/>
         </dgm:pt>
+        <dgm:pt modelId="5">
+          <dgm:prSet phldr="1"/>
+        </dgm:pt>
       </dgm:ptLst>
       <dgm:cxnLst>
-        <dgm:cxn modelId="5" srcId="0" destId="1" srcOrd="0" destOrd="0"/>
-        <dgm:cxn modelId="6" srcId="0" destId="2" srcOrd="1" destOrd="0"/>
-        <dgm:cxn modelId="7" srcId="0" destId="3" srcOrd="0" destOrd="0"/>
-        <dgm:cxn modelId="8" srcId="0" destId="4" srcOrd="1" destOrd="0"/>
+        <dgm:cxn modelId="6" srcId="0" destId="1" srcOrd="0" destOrd="0"/>
+        <dgm:cxn modelId="7" srcId="0" destId="2" srcOrd="1" destOrd="0"/>
+        <dgm:cxn modelId="8" srcId="0" destId="3" srcOrd="2" destOrd="0"/>
+        <dgm:cxn modelId="9" srcId="0" destId="4" srcOrd="3" destOrd="0"/>
+        <dgm:cxn modelId="10" srcId="0" destId="5" srcOrd="4" destOrd="0"/>
       </dgm:cxnLst>
       <dgm:bg/>
       <dgm:whole/>
     </dgm:dataModel>
   </dgm:sampData>
-  <dgm:styleData useDef="1">
+  <dgm:styleData>
     <dgm:dataModel>
-      <dgm:ptLst/>
+      <dgm:ptLst>
+        <dgm:pt modelId="0" type="doc"/>
+        <dgm:pt modelId="1"/>
+        <dgm:pt modelId="2"/>
+        <dgm:pt modelId="3"/>
+      </dgm:ptLst>
+      <dgm:cxnLst>
+        <dgm:cxn modelId="4" srcId="0" destId="1" srcOrd="0" destOrd="0"/>
+        <dgm:cxn modelId="5" srcId="0" destId="2" srcOrd="1" destOrd="0"/>
+        <dgm:cxn modelId="6" srcId="0" destId="3" srcOrd="2" destOrd="0"/>
+      </dgm:cxnLst>
       <dgm:bg/>
       <dgm:whole/>
     </dgm:dataModel>
   </dgm:styleData>
-  <dgm:clrData useDef="1">
+  <dgm:clrData>
     <dgm:dataModel>
-      <dgm:ptLst/>
+      <dgm:ptLst>
+        <dgm:pt modelId="0" type="doc"/>
+        <dgm:pt modelId="1"/>
+        <dgm:pt modelId="2"/>
+        <dgm:pt modelId="3"/>
+        <dgm:pt modelId="4"/>
+        <dgm:pt modelId="5"/>
+        <dgm:pt modelId="6"/>
+      </dgm:ptLst>
+      <dgm:cxnLst>
+        <dgm:cxn modelId="7" srcId="0" destId="1" srcOrd="0" destOrd="0"/>
+        <dgm:cxn modelId="8" srcId="0" destId="2" srcOrd="1" destOrd="0"/>
+        <dgm:cxn modelId="9" srcId="0" destId="3" srcOrd="2" destOrd="0"/>
+        <dgm:cxn modelId="10" srcId="0" destId="4" srcOrd="3" destOrd="0"/>
+        <dgm:cxn modelId="11" srcId="0" destId="5" srcOrd="4" destOrd="0"/>
+        <dgm:cxn modelId="12" srcId="0" destId="6" srcOrd="5" destOrd="0"/>
+      </dgm:cxnLst>
       <dgm:bg/>
       <dgm:whole/>
     </dgm:dataModel>
   </dgm:clrData>
-  <dgm:layoutNode name="matrix">
+  <dgm:layoutNode name="Name0">
     <dgm:varLst>
-      <dgm:chMax val="1"/>
       <dgm:dir/>
       <dgm:resizeHandles val="exact"/>
     </dgm:varLst>
-    <dgm:alg type="composite">
-      <dgm:param type="ar" val="1"/>
-    </dgm:alg>
-    <dgm:shape xmlns:r="http://schemas.openxmlformats.org/officeDocument/2006/relationships" r:blip="">
-      <dgm:adjLst/>
-    </dgm:shape>
-    <dgm:presOf/>
-    <dgm:choose name="Name0">
-      <dgm:if name="Name1" func="var" arg="dir" op="equ" val="norm">
+    <dgm:choose name="Name1">
+      <dgm:if name="Name2" axis="ch" ptType="node" func="cnt" op="equ" val="2">
+        <dgm:alg type="composite">
+          <dgm:param type="ar" val="0.9"/>
+        </dgm:alg>
+        <dgm:shape xmlns:r="http://schemas.openxmlformats.org/officeDocument/2006/relationships" r:blip="">
+          <dgm:adjLst/>
+        </dgm:shape>
+        <dgm:presOf/>
         <dgm:constrLst>
-          <dgm:constr type="w" for="ch" forName="diamond" refType="w"/>
-          <dgm:constr type="h" for="ch" forName="diamond" refType="h"/>
-          <dgm:constr type="w" for="ch" forName="quad1" refType="w" fact="0.39"/>
-          <dgm:constr type="h" for="ch" forName="quad1" refType="h" fact="0.39"/>
-          <dgm:constr type="ctrX" for="ch" forName="quad1" refType="w" fact="0.29"/>
-          <dgm:constr type="ctrY" for="ch" forName="quad1" refType="h" fact="0.29"/>
-          <dgm:constr type="w" for="ch" forName="quad2" refType="w" fact="0.39"/>
-          <dgm:constr type="h" for="ch" forName="quad2" refType="h" fact="0.39"/>
-          <dgm:constr type="ctrX" for="ch" forName="quad2" refType="w" fact="0.71"/>
-          <dgm:constr type="ctrY" for="ch" forName="quad2" refType="h" fact="0.29"/>
-          <dgm:constr type="w" for="ch" forName="quad3" refType="w" fact="0.39"/>
-          <dgm:constr type="h" for="ch" forName="quad3" refType="h" fact="0.39"/>
-          <dgm:constr type="ctrX" for="ch" forName="quad3" refType="w" fact="0.29"/>
-          <dgm:constr type="ctrY" for="ch" forName="quad3" refType="h" fact="0.71"/>
-          <dgm:constr type="w" for="ch" forName="quad4" refType="w" fact="0.39"/>
-          <dgm:constr type="h" for="ch" forName="quad4" refType="h" fact="0.39"/>
-          <dgm:constr type="ctrX" for="ch" forName="quad4" refType="w" fact="0.71"/>
-          <dgm:constr type="ctrY" for="ch" forName="quad4" refType="h" fact="0.71"/>
-          <dgm:constr type="primFontSz" for="des" ptType="node" op="equ" val="65"/>
+          <dgm:constr type="primFontSz" for="ch" ptType="node" op="equ" val="65"/>
+          <dgm:constr type="ctrX" for="ch" forName="node1" refType="w" fact="0.5"/>
+          <dgm:constr type="t" for="ch" forName="node1"/>
+          <dgm:constr type="w" for="ch" forName="node1" refType="w" fact="0.8"/>
+          <dgm:constr type="h" for="ch" forName="node1" refType="w" refFor="ch" refForName="node1" fact="0.5"/>
+          <dgm:constr type="ctrX" for="ch" forName="sibTrans" refType="w" fact="0.5"/>
+          <dgm:constr type="t" for="ch" forName="sibTrans"/>
+          <dgm:constr type="w" for="ch" forName="sibTrans" refType="w" fact="0.8"/>
+          <dgm:constr type="h" for="ch" forName="sibTrans" refType="w" refFor="ch" refForName="node1" fact="0.5"/>
+          <dgm:constr type="userA" for="ch" forName="sibTrans" refType="w" fact="1.07"/>
+          <dgm:constr type="ctrX" for="ch" forName="node2" refType="w" fact="0.5"/>
+          <dgm:constr type="b" for="ch" forName="node2" refType="h"/>
+          <dgm:constr type="w" for="ch" forName="node2" refType="w" fact="0.8"/>
+          <dgm:constr type="h" for="ch" forName="node2" refType="w" refFor="ch" refForName="node1" fact="0.5"/>
+          <dgm:constr type="l" for="ch" forName="sp1"/>
+          <dgm:constr type="t" for="ch" forName="sp1" refType="h" fact="0.5"/>
+          <dgm:constr type="w" for="ch" forName="sp1" val="1"/>
+          <dgm:constr type="h" for="ch" forName="sp1" val="1"/>
+          <dgm:constr type="r" for="ch" forName="sp2" refType="w"/>
+          <dgm:constr type="t" for="ch" forName="sp2" refType="h" fact="0.5"/>
+          <dgm:constr type="w" for="ch" forName="sp2" val="1"/>
+          <dgm:constr type="h" for="ch" forName="sp2" val="1"/>
         </dgm:constrLst>
+        <dgm:ruleLst/>
       </dgm:if>
-      <dgm:else name="Name2">
+      <dgm:else name="Name3">
+        <dgm:alg type="composite"/>
+        <dgm:shape xmlns:r="http://schemas.openxmlformats.org/officeDocument/2006/relationships" r:blip="">
+          <dgm:adjLst/>
+        </dgm:shape>
+        <dgm:presOf/>
         <dgm:constrLst>
-          <dgm:constr type="w" for="ch" forName="diamond" refType="w"/>
-          <dgm:constr type="h" for="ch" forName="diamond" refType="h"/>
-          <dgm:constr type="w" for="ch" forName="quad1" refType="w" fact="0.39"/>
-          <dgm:constr type="h" for="ch" forName="quad1" refType="h" fact="0.39"/>
-          <dgm:constr type="ctrX" for="ch" forName="quad1" refType="w" fact="0.71"/>
-          <dgm:constr type="ctrY" for="ch" forName="quad1" refType="h" fact="0.29"/>
-          <dgm:constr type="w" for="ch" forName="quad2" refType="w" fact="0.39"/>
-          <dgm:constr type="h" for="ch" forName="quad2" refType="h" fact="0.39"/>
-          <dgm:constr type="ctrX" for="ch" forName="quad2" refType="w" fact="0.29"/>
-          <dgm:constr type="ctrY" for="ch" forName="quad2" refType="h" fact="0.29"/>
-          <dgm:constr type="w" for="ch" forName="quad3" refType="w" fact="0.39"/>
-          <dgm:constr type="h" for="ch" forName="quad3" refType="h" fact="0.39"/>
-          <dgm:constr type="ctrX" for="ch" forName="quad3" refType="w" fact="0.71"/>
-          <dgm:constr type="ctrY" for="ch" forName="quad3" refType="h" fact="0.71"/>
-          <dgm:constr type="w" for="ch" forName="quad4" refType="w" fact="0.39"/>
-          <dgm:constr type="h" for="ch" forName="quad4" refType="h" fact="0.39"/>
-          <dgm:constr type="ctrX" for="ch" forName="quad4" refType="w" fact="0.29"/>
-          <dgm:constr type="ctrY" for="ch" forName="quad4" refType="h" fact="0.71"/>
-          <dgm:constr type="primFontSz" for="des" ptType="node" op="equ" val="65"/>
+          <dgm:constr type="primFontSz" for="ch" ptType="node" op="equ" val="65"/>
         </dgm:constrLst>
+        <dgm:ruleLst/>
       </dgm:else>
     </dgm:choose>
-    <dgm:ruleLst/>
-    <dgm:choose name="Name3">
-      <dgm:if name="Name4" axis="ch" ptType="node" func="cnt" op="gte" val="1">
-        <dgm:layoutNode name="diamond" styleLbl="bgShp">
-          <dgm:alg type="sp"/>
-          <dgm:shape xmlns:r="http://schemas.openxmlformats.org/officeDocument/2006/relationships" type="diamond" r:blip="">
-            <dgm:adjLst/>
-          </dgm:shape>
-          <dgm:presOf/>
-          <dgm:constrLst>
-            <dgm:constr type="w" refType="h" op="equ"/>
-          </dgm:constrLst>
-          <dgm:ruleLst/>
-        </dgm:layoutNode>
-        <dgm:layoutNode name="quad1">
+    <dgm:choose name="Name4">
+      <dgm:if name="Name5" axis="ch" ptType="node" func="cnt" op="equ" val="2">
+        <dgm:layoutNode name="node1">
           <dgm:varLst>
-            <dgm:chMax val="0"/>
-            <dgm:chPref val="0"/>
             <dgm:bulletEnabled val="1"/>
           </dgm:varLst>
           <dgm:alg type="tx"/>
@@ -7218,7 +7236,6 @@
           </dgm:shape>
           <dgm:presOf axis="ch desOrSelf" ptType="node node" st="1 1" cnt="1 0"/>
           <dgm:constrLst>
-            <dgm:constr type="w" refType="h" op="equ"/>
             <dgm:constr type="tMarg" refType="primFontSz" fact="0.3"/>
             <dgm:constr type="bMarg" refType="primFontSz" fact="0.3"/>
             <dgm:constr type="lMarg" refType="primFontSz" fact="0.3"/>
@@ -7228,10 +7245,55 @@
             <dgm:rule type="primFontSz" val="5" fact="NaN" max="NaN"/>
           </dgm:ruleLst>
         </dgm:layoutNode>
-        <dgm:layoutNode name="quad2">
+        <dgm:layoutNode name="sibTrans" styleLbl="bgShp">
+          <dgm:choose name="Name6">
+            <dgm:if name="Name7" func="var" arg="dir" op="equ" val="norm">
+              <dgm:alg type="conn">
+                <dgm:param type="connRout" val="longCurve"/>
+                <dgm:param type="begPts" val="midR"/>
+                <dgm:param type="endPts" val="midL"/>
+                <dgm:param type="dstNode" val="node1"/>
+              </dgm:alg>
+              <dgm:shape xmlns:r="http://schemas.openxmlformats.org/officeDocument/2006/relationships" type="conn" r:blip="" zOrderOff="-2">
+                <dgm:adjLst/>
+              </dgm:shape>
+              <dgm:presOf axis="ch" ptType="sibTrans"/>
+              <dgm:constrLst>
+                <dgm:constr type="userA"/>
+                <dgm:constr type="diam" refType="userA" fact="-1"/>
+                <dgm:constr type="wArH" refType="userA" fact="0.05"/>
+                <dgm:constr type="hArH" refType="userA" fact="0.1"/>
+                <dgm:constr type="stemThick" refType="userA" fact="0.06"/>
+                <dgm:constr type="begPad" refType="connDist" fact="-0.2"/>
+                <dgm:constr type="endPad" refType="connDist" fact="0.05"/>
+              </dgm:constrLst>
+            </dgm:if>
+            <dgm:else name="Name8">
+              <dgm:alg type="conn">
+                <dgm:param type="connRout" val="longCurve"/>
+                <dgm:param type="begPts" val="midL"/>
+                <dgm:param type="endPts" val="midR"/>
+                <dgm:param type="dstNode" val="node1"/>
+              </dgm:alg>
+              <dgm:shape xmlns:r="http://schemas.openxmlformats.org/officeDocument/2006/relationships" type="conn" r:blip="" zOrderOff="-2">
+                <dgm:adjLst/>
+              </dgm:shape>
+              <dgm:presOf axis="ch" ptType="sibTrans"/>
+              <dgm:constrLst>
+                <dgm:constr type="userA"/>
+                <dgm:constr type="diam" refType="userA"/>
+                <dgm:constr type="wArH" refType="userA" fact="0.05"/>
+                <dgm:constr type="hArH" refType="userA" fact="0.1"/>
+                <dgm:constr type="stemThick" refType="userA" fact="0.06"/>
+                <dgm:constr type="begPad" refType="connDist" fact="-0.2"/>
+                <dgm:constr type="endPad" refType="connDist" fact="0.05"/>
+              </dgm:constrLst>
+            </dgm:else>
+          </dgm:choose>
+          <dgm:ruleLst/>
+        </dgm:layoutNode>
+        <dgm:layoutNode name="node2">
           <dgm:varLst>
-            <dgm:chMax val="0"/>
-            <dgm:chPref val="0"/>
             <dgm:bulletEnabled val="1"/>
           </dgm:varLst>
           <dgm:alg type="tx"/>
@@ -7240,7 +7302,6 @@
           </dgm:shape>
           <dgm:presOf axis="ch desOrSelf" ptType="node node" st="2 1" cnt="1 0"/>
           <dgm:constrLst>
-            <dgm:constr type="w" refType="h" op="equ"/>
             <dgm:constr type="tMarg" refType="primFontSz" fact="0.3"/>
             <dgm:constr type="bMarg" refType="primFontSz" fact="0.3"/>
             <dgm:constr type="lMarg" refType="primFontSz" fact="0.3"/>
@@ -7250,52 +7311,187 @@
             <dgm:rule type="primFontSz" val="5" fact="NaN" max="NaN"/>
           </dgm:ruleLst>
         </dgm:layoutNode>
-        <dgm:layoutNode name="quad3">
-          <dgm:varLst>
-            <dgm:chMax val="0"/>
-            <dgm:chPref val="0"/>
-            <dgm:bulletEnabled val="1"/>
-          </dgm:varLst>
-          <dgm:alg type="tx"/>
-          <dgm:shape xmlns:r="http://schemas.openxmlformats.org/officeDocument/2006/relationships" type="roundRect" r:blip="">
+        <dgm:layoutNode name="sp1">
+          <dgm:alg type="sp"/>
+          <dgm:shape xmlns:r="http://schemas.openxmlformats.org/officeDocument/2006/relationships" r:blip="">
             <dgm:adjLst/>
           </dgm:shape>
-          <dgm:presOf axis="ch desOrSelf" ptType="node node" st="3 1" cnt="1 0"/>
-          <dgm:constrLst>
-            <dgm:constr type="w" refType="h" op="equ"/>
-            <dgm:constr type="tMarg" refType="primFontSz" fact="0.3"/>
-            <dgm:constr type="bMarg" refType="primFontSz" fact="0.3"/>
-            <dgm:constr type="lMarg" refType="primFontSz" fact="0.3"/>
-            <dgm:constr type="rMarg" refType="primFontSz" fact="0.3"/>
-          </dgm:constrLst>
-          <dgm:ruleLst>
-            <dgm:rule type="primFontSz" val="5" fact="NaN" max="NaN"/>
-          </dgm:ruleLst>
+          <dgm:presOf/>
+          <dgm:constrLst/>
+          <dgm:ruleLst/>
         </dgm:layoutNode>
-        <dgm:layoutNode name="quad4">
-          <dgm:varLst>
-            <dgm:chMax val="0"/>
-            <dgm:chPref val="0"/>
-            <dgm:bulletEnabled val="1"/>
-          </dgm:varLst>
-          <dgm:alg type="tx"/>
-          <dgm:shape xmlns:r="http://schemas.openxmlformats.org/officeDocument/2006/relationships" type="roundRect" r:blip="">
+        <dgm:layoutNode name="sp2">
+          <dgm:alg type="sp"/>
+          <dgm:shape xmlns:r="http://schemas.openxmlformats.org/officeDocument/2006/relationships" r:blip="">
             <dgm:adjLst/>
           </dgm:shape>
-          <dgm:presOf axis="ch desOrSelf" ptType="node node" st="4 1" cnt="1 0"/>
-          <dgm:constrLst>
-            <dgm:constr type="w" refType="h" op="equ"/>
-            <dgm:constr type="tMarg" refType="primFontSz" fact="0.3"/>
-            <dgm:constr type="bMarg" refType="primFontSz" fact="0.3"/>
-            <dgm:constr type="lMarg" refType="primFontSz" fact="0.3"/>
-            <dgm:constr type="rMarg" refType="primFontSz" fact="0.3"/>
-          </dgm:constrLst>
-          <dgm:ruleLst>
-            <dgm:rule type="primFontSz" val="5" fact="NaN" max="NaN"/>
-          </dgm:ruleLst>
+          <dgm:presOf/>
+          <dgm:constrLst/>
+          <dgm:ruleLst/>
         </dgm:layoutNode>
       </dgm:if>
-      <dgm:else name="Name5"/>
+      <dgm:else name="Name9">
+        <dgm:layoutNode name="cycle">
+          <dgm:choose name="Name10">
+            <dgm:if name="Name11" func="var" arg="dir" op="equ" val="norm">
+              <dgm:alg type="cycle">
+                <dgm:param type="stAng" val="0"/>
+                <dgm:param type="spanAng" val="360"/>
+              </dgm:alg>
+              <dgm:shape xmlns:r="http://schemas.openxmlformats.org/officeDocument/2006/relationships" r:blip="">
+                <dgm:adjLst/>
+              </dgm:shape>
+              <dgm:presOf/>
+              <dgm:constrLst>
+                <dgm:constr type="diam" refType="w"/>
+                <dgm:constr type="w" for="ch" ptType="node" refType="w"/>
+                <dgm:constr type="sibSp" val="15"/>
+                <dgm:constr type="userA" for="ch" ptType="sibTrans" refType="diam" op="equ" fact="-1"/>
+                <dgm:constr type="wArH" for="ch" ptType="sibTrans" refType="diam" op="equ" fact="0.05"/>
+                <dgm:constr type="hArH" for="ch" ptType="sibTrans" refType="diam" op="equ" fact="0.1"/>
+                <dgm:constr type="stemThick" for="ch" ptType="sibTrans" refType="diam" op="equ" fact="0.065"/>
+                <dgm:constr type="primFontSz" for="ch" ptType="node" op="equ"/>
+              </dgm:constrLst>
+            </dgm:if>
+            <dgm:else name="Name12">
+              <dgm:alg type="cycle">
+                <dgm:param type="stAng" val="0"/>
+                <dgm:param type="spanAng" val="-360"/>
+              </dgm:alg>
+              <dgm:shape xmlns:r="http://schemas.openxmlformats.org/officeDocument/2006/relationships" r:blip="">
+                <dgm:adjLst/>
+              </dgm:shape>
+              <dgm:presOf/>
+              <dgm:constrLst>
+                <dgm:constr type="diam" refType="w"/>
+                <dgm:constr type="w" for="ch" ptType="node" refType="w"/>
+                <dgm:constr type="sibSp" val="15"/>
+                <dgm:constr type="userA" for="ch" ptType="sibTrans" refType="diam" op="equ"/>
+                <dgm:constr type="wArH" for="ch" ptType="sibTrans" refType="diam" op="equ" fact="0.05"/>
+                <dgm:constr type="hArH" for="ch" ptType="sibTrans" refType="diam" op="equ" fact="0.1"/>
+                <dgm:constr type="stemThick" for="ch" ptType="sibTrans" refType="diam" op="equ" fact="0.065"/>
+                <dgm:constr type="primFontSz" for="ch" ptType="node" op="equ"/>
+              </dgm:constrLst>
+            </dgm:else>
+          </dgm:choose>
+          <dgm:ruleLst/>
+          <dgm:forEach name="nodesFirstNodeForEach" axis="ch" ptType="node" cnt="1">
+            <dgm:layoutNode name="nodeFirstNode">
+              <dgm:varLst>
+                <dgm:bulletEnabled val="1"/>
+              </dgm:varLst>
+              <dgm:alg type="tx"/>
+              <dgm:shape xmlns:r="http://schemas.openxmlformats.org/officeDocument/2006/relationships" type="roundRect" r:blip="">
+                <dgm:adjLst/>
+              </dgm:shape>
+              <dgm:presOf axis="desOrSelf" ptType="node"/>
+              <dgm:constrLst>
+                <dgm:constr type="h" refType="w" fact="0.5"/>
+                <dgm:constr type="primFontSz" val="65"/>
+                <dgm:constr type="tMarg" refType="primFontSz" fact="0.3"/>
+                <dgm:constr type="bMarg" refType="primFontSz" fact="0.3"/>
+                <dgm:constr type="lMarg" refType="primFontSz" fact="0.3"/>
+                <dgm:constr type="rMarg" refType="primFontSz" fact="0.3"/>
+              </dgm:constrLst>
+              <dgm:ruleLst>
+                <dgm:rule type="primFontSz" val="5" fact="NaN" max="NaN"/>
+              </dgm:ruleLst>
+            </dgm:layoutNode>
+            <dgm:forEach name="sibTransForEach" axis="followSib" ptType="sibTrans" cnt="1">
+              <dgm:layoutNode name="sibTransFirstNode" styleLbl="bgShp">
+                <dgm:choose name="Name13">
+                  <dgm:if name="Name14" func="var" arg="dir" op="equ" val="norm">
+                    <dgm:alg type="conn">
+                      <dgm:param type="connRout" val="longCurve"/>
+                      <dgm:param type="begPts" val="midR"/>
+                      <dgm:param type="endPts" val="midL"/>
+                      <dgm:param type="dstNode" val="nodeFirstNode"/>
+                    </dgm:alg>
+                  </dgm:if>
+                  <dgm:else name="Name15">
+                    <dgm:alg type="conn">
+                      <dgm:param type="connRout" val="longCurve"/>
+                      <dgm:param type="begPts" val="midL"/>
+                      <dgm:param type="endPts" val="midR"/>
+                      <dgm:param type="dstNode" val="nodeFirstNode"/>
+                    </dgm:alg>
+                  </dgm:else>
+                </dgm:choose>
+                <dgm:shape xmlns:r="http://schemas.openxmlformats.org/officeDocument/2006/relationships" type="conn" r:blip="" zOrderOff="-2">
+                  <dgm:adjLst/>
+                </dgm:shape>
+                <dgm:presOf axis="self"/>
+                <dgm:choose name="Name16">
+                  <dgm:if name="Name17" axis="par ch" ptType="doc node" func="cnt" op="equ" val="3">
+                    <dgm:constrLst>
+                      <dgm:constr type="userA"/>
+                      <dgm:constr type="diam" refType="userA" fact="1.01"/>
+                      <dgm:constr type="begPad" refType="connDist" fact="-0.2"/>
+                      <dgm:constr type="endPad" refType="connDist" fact="0.05"/>
+                    </dgm:constrLst>
+                  </dgm:if>
+                  <dgm:if name="Name18" axis="par ch" ptType="doc node" func="cnt" op="equ" val="4">
+                    <dgm:constrLst>
+                      <dgm:constr type="userA"/>
+                      <dgm:constr type="diam" refType="userA" fact="1.26"/>
+                      <dgm:constr type="begPad" refType="connDist" fact="-0.2"/>
+                      <dgm:constr type="endPad" refType="connDist" fact="0.05"/>
+                    </dgm:constrLst>
+                  </dgm:if>
+                  <dgm:if name="Name19" axis="par ch" ptType="doc node" func="cnt" op="equ" val="5">
+                    <dgm:constrLst>
+                      <dgm:constr type="userA"/>
+                      <dgm:constr type="diam" refType="userA" fact="1.04"/>
+                      <dgm:constr type="begPad" refType="connDist" fact="-0.2"/>
+                      <dgm:constr type="endPad" refType="connDist" fact="0.05"/>
+                    </dgm:constrLst>
+                  </dgm:if>
+                  <dgm:if name="Name20" axis="par ch" ptType="doc node" func="cnt" op="equ" val="6">
+                    <dgm:constrLst>
+                      <dgm:constr type="userA"/>
+                      <dgm:constr type="diam" refType="userA" fact="1.1"/>
+                      <dgm:constr type="begPad" refType="connDist" fact="-0.2"/>
+                      <dgm:constr type="endPad" refType="connDist" fact="0.05"/>
+                    </dgm:constrLst>
+                  </dgm:if>
+                  <dgm:else name="Name21">
+                    <dgm:constrLst>
+                      <dgm:constr type="userA"/>
+                      <dgm:constr type="diam" refType="userA" fact="1.04"/>
+                      <dgm:constr type="begPad" refType="connDist" fact="-0.2"/>
+                      <dgm:constr type="endPad" refType="connDist" fact="0.05"/>
+                    </dgm:constrLst>
+                  </dgm:else>
+                </dgm:choose>
+                <dgm:ruleLst/>
+              </dgm:layoutNode>
+            </dgm:forEach>
+          </dgm:forEach>
+          <dgm:forEach name="followingNodesForEach" axis="ch" ptType="node" st="2">
+            <dgm:layoutNode name="nodeFollowingNodes">
+              <dgm:varLst>
+                <dgm:bulletEnabled val="1"/>
+              </dgm:varLst>
+              <dgm:alg type="tx"/>
+              <dgm:shape xmlns:r="http://schemas.openxmlformats.org/officeDocument/2006/relationships" type="roundRect" r:blip="">
+                <dgm:adjLst/>
+              </dgm:shape>
+              <dgm:presOf axis="desOrSelf" ptType="node"/>
+              <dgm:constrLst>
+                <dgm:constr type="h" refType="w" fact="0.5"/>
+                <dgm:constr type="primFontSz" val="65"/>
+                <dgm:constr type="tMarg" refType="primFontSz" fact="0.3"/>
+                <dgm:constr type="bMarg" refType="primFontSz" fact="0.3"/>
+                <dgm:constr type="lMarg" refType="primFontSz" fact="0.3"/>
+                <dgm:constr type="rMarg" refType="primFontSz" fact="0.3"/>
+              </dgm:constrLst>
+              <dgm:ruleLst>
+                <dgm:rule type="primFontSz" val="5" fact="NaN" max="NaN"/>
+              </dgm:ruleLst>
+            </dgm:layoutNode>
+          </dgm:forEach>
+        </dgm:layoutNode>
+      </dgm:else>
     </dgm:choose>
   </dgm:layoutNode>
 </dgm:layoutDef>
@@ -7705,11 +7901,12 @@
 </file>
 
 <file path=ppt/diagrams/layout4.xml><?xml version="1.0" encoding="utf-8"?>
-<dgm:layoutDef xmlns:dgm="http://schemas.openxmlformats.org/drawingml/2006/diagram" xmlns:a="http://schemas.openxmlformats.org/drawingml/2006/main" uniqueId="urn:microsoft.com/office/officeart/2005/8/layout/cycle3">
+<dgm:layoutDef xmlns:dgm="http://schemas.openxmlformats.org/drawingml/2006/diagram" xmlns:a="http://schemas.openxmlformats.org/drawingml/2006/main" uniqueId="urn:microsoft.com/office/officeart/2005/8/layout/matrix3">
   <dgm:title val=""/>
   <dgm:desc val=""/>
   <dgm:catLst>
-    <dgm:cat type="cycle" pri="5000"/>
+    <dgm:cat type="matrix" pri="1000"/>
+    <dgm:cat type="convert" pri="18000"/>
   </dgm:catLst>
   <dgm:sampData>
     <dgm:dataModel>
@@ -7727,117 +7924,110 @@
         <dgm:pt modelId="4">
           <dgm:prSet phldr="1"/>
         </dgm:pt>
-        <dgm:pt modelId="5">
-          <dgm:prSet phldr="1"/>
-        </dgm:pt>
       </dgm:ptLst>
       <dgm:cxnLst>
-        <dgm:cxn modelId="6" srcId="0" destId="1" srcOrd="0" destOrd="0"/>
-        <dgm:cxn modelId="7" srcId="0" destId="2" srcOrd="1" destOrd="0"/>
-        <dgm:cxn modelId="8" srcId="0" destId="3" srcOrd="2" destOrd="0"/>
-        <dgm:cxn modelId="9" srcId="0" destId="4" srcOrd="3" destOrd="0"/>
-        <dgm:cxn modelId="10" srcId="0" destId="5" srcOrd="4" destOrd="0"/>
+        <dgm:cxn modelId="5" srcId="0" destId="1" srcOrd="0" destOrd="0"/>
+        <dgm:cxn modelId="6" srcId="0" destId="2" srcOrd="1" destOrd="0"/>
+        <dgm:cxn modelId="7" srcId="0" destId="3" srcOrd="0" destOrd="0"/>
+        <dgm:cxn modelId="8" srcId="0" destId="4" srcOrd="1" destOrd="0"/>
       </dgm:cxnLst>
       <dgm:bg/>
       <dgm:whole/>
     </dgm:dataModel>
   </dgm:sampData>
-  <dgm:styleData>
+  <dgm:styleData useDef="1">
     <dgm:dataModel>
-      <dgm:ptLst>
-        <dgm:pt modelId="0" type="doc"/>
-        <dgm:pt modelId="1"/>
-        <dgm:pt modelId="2"/>
-        <dgm:pt modelId="3"/>
-      </dgm:ptLst>
-      <dgm:cxnLst>
-        <dgm:cxn modelId="4" srcId="0" destId="1" srcOrd="0" destOrd="0"/>
-        <dgm:cxn modelId="5" srcId="0" destId="2" srcOrd="1" destOrd="0"/>
-        <dgm:cxn modelId="6" srcId="0" destId="3" srcOrd="2" destOrd="0"/>
-      </dgm:cxnLst>
+      <dgm:ptLst/>
       <dgm:bg/>
       <dgm:whole/>
     </dgm:dataModel>
   </dgm:styleData>
-  <dgm:clrData>
+  <dgm:clrData useDef="1">
     <dgm:dataModel>
-      <dgm:ptLst>
-        <dgm:pt modelId="0" type="doc"/>
-        <dgm:pt modelId="1"/>
-        <dgm:pt modelId="2"/>
-        <dgm:pt modelId="3"/>
-        <dgm:pt modelId="4"/>
-        <dgm:pt modelId="5"/>
-        <dgm:pt modelId="6"/>
-      </dgm:ptLst>
-      <dgm:cxnLst>
-        <dgm:cxn modelId="7" srcId="0" destId="1" srcOrd="0" destOrd="0"/>
-        <dgm:cxn modelId="8" srcId="0" destId="2" srcOrd="1" destOrd="0"/>
-        <dgm:cxn modelId="9" srcId="0" destId="3" srcOrd="2" destOrd="0"/>
-        <dgm:cxn modelId="10" srcId="0" destId="4" srcOrd="3" destOrd="0"/>
-        <dgm:cxn modelId="11" srcId="0" destId="5" srcOrd="4" destOrd="0"/>
-        <dgm:cxn modelId="12" srcId="0" destId="6" srcOrd="5" destOrd="0"/>
-      </dgm:cxnLst>
+      <dgm:ptLst/>
       <dgm:bg/>
       <dgm:whole/>
     </dgm:dataModel>
   </dgm:clrData>
-  <dgm:layoutNode name="Name0">
+  <dgm:layoutNode name="matrix">
     <dgm:varLst>
+      <dgm:chMax val="1"/>
       <dgm:dir/>
       <dgm:resizeHandles val="exact"/>
     </dgm:varLst>
-    <dgm:choose name="Name1">
-      <dgm:if name="Name2" axis="ch" ptType="node" func="cnt" op="equ" val="2">
-        <dgm:alg type="composite">
-          <dgm:param type="ar" val="0.9"/>
-        </dgm:alg>
-        <dgm:shape xmlns:r="http://schemas.openxmlformats.org/officeDocument/2006/relationships" r:blip="">
-          <dgm:adjLst/>
-        </dgm:shape>
-        <dgm:presOf/>
+    <dgm:alg type="composite">
+      <dgm:param type="ar" val="1"/>
+    </dgm:alg>
+    <dgm:shape xmlns:r="http://schemas.openxmlformats.org/officeDocument/2006/relationships" r:blip="">
+      <dgm:adjLst/>
+    </dgm:shape>
+    <dgm:presOf/>
+    <dgm:choose name="Name0">
+      <dgm:if name="Name1" func="var" arg="dir" op="equ" val="norm">
         <dgm:constrLst>
-          <dgm:constr type="primFontSz" for="ch" ptType="node" op="equ" val="65"/>
-          <dgm:constr type="ctrX" for="ch" forName="node1" refType="w" fact="0.5"/>
-          <dgm:constr type="t" for="ch" forName="node1"/>
-          <dgm:constr type="w" for="ch" forName="node1" refType="w" fact="0.8"/>
-          <dgm:constr type="h" for="ch" forName="node1" refType="w" refFor="ch" refForName="node1" fact="0.5"/>
-          <dgm:constr type="ctrX" for="ch" forName="sibTrans" refType="w" fact="0.5"/>
-          <dgm:constr type="t" for="ch" forName="sibTrans"/>
-          <dgm:constr type="w" for="ch" forName="sibTrans" refType="w" fact="0.8"/>
-          <dgm:constr type="h" for="ch" forName="sibTrans" refType="w" refFor="ch" refForName="node1" fact="0.5"/>
-          <dgm:constr type="userA" for="ch" forName="sibTrans" refType="w" fact="1.07"/>
-          <dgm:constr type="ctrX" for="ch" forName="node2" refType="w" fact="0.5"/>
-          <dgm:constr type="b" for="ch" forName="node2" refType="h"/>
-          <dgm:constr type="w" for="ch" forName="node2" refType="w" fact="0.8"/>
-          <dgm:constr type="h" for="ch" forName="node2" refType="w" refFor="ch" refForName="node1" fact="0.5"/>
-          <dgm:constr type="l" for="ch" forName="sp1"/>
-          <dgm:constr type="t" for="ch" forName="sp1" refType="h" fact="0.5"/>
-          <dgm:constr type="w" for="ch" forName="sp1" val="1"/>
-          <dgm:constr type="h" for="ch" forName="sp1" val="1"/>
-          <dgm:constr type="r" for="ch" forName="sp2" refType="w"/>
-          <dgm:constr type="t" for="ch" forName="sp2" refType="h" fact="0.5"/>
-          <dgm:constr type="w" for="ch" forName="sp2" val="1"/>
-          <dgm:constr type="h" for="ch" forName="sp2" val="1"/>
+          <dgm:constr type="w" for="ch" forName="diamond" refType="w"/>
+          <dgm:constr type="h" for="ch" forName="diamond" refType="h"/>
+          <dgm:constr type="w" for="ch" forName="quad1" refType="w" fact="0.39"/>
+          <dgm:constr type="h" for="ch" forName="quad1" refType="h" fact="0.39"/>
+          <dgm:constr type="ctrX" for="ch" forName="quad1" refType="w" fact="0.29"/>
+          <dgm:constr type="ctrY" for="ch" forName="quad1" refType="h" fact="0.29"/>
+          <dgm:constr type="w" for="ch" forName="quad2" refType="w" fact="0.39"/>
+          <dgm:constr type="h" for="ch" forName="quad2" refType="h" fact="0.39"/>
+          <dgm:constr type="ctrX" for="ch" forName="quad2" refType="w" fact="0.71"/>
+          <dgm:constr type="ctrY" for="ch" forName="quad2" refType="h" fact="0.29"/>
+          <dgm:constr type="w" for="ch" forName="quad3" refType="w" fact="0.39"/>
+          <dgm:constr type="h" for="ch" forName="quad3" refType="h" fact="0.39"/>
+          <dgm:constr type="ctrX" for="ch" forName="quad3" refType="w" fact="0.29"/>
+          <dgm:constr type="ctrY" for="ch" forName="quad3" refType="h" fact="0.71"/>
+          <dgm:constr type="w" for="ch" forName="quad4" refType="w" fact="0.39"/>
+          <dgm:constr type="h" for="ch" forName="quad4" refType="h" fact="0.39"/>
+          <dgm:constr type="ctrX" for="ch" forName="quad4" refType="w" fact="0.71"/>
+          <dgm:constr type="ctrY" for="ch" forName="quad4" refType="h" fact="0.71"/>
+          <dgm:constr type="primFontSz" for="des" ptType="node" op="equ" val="65"/>
         </dgm:constrLst>
-        <dgm:ruleLst/>
       </dgm:if>
-      <dgm:else name="Name3">
-        <dgm:alg type="composite"/>
-        <dgm:shape xmlns:r="http://schemas.openxmlformats.org/officeDocument/2006/relationships" r:blip="">
-          <dgm:adjLst/>
-        </dgm:shape>
-        <dgm:presOf/>
+      <dgm:else name="Name2">
         <dgm:constrLst>
-          <dgm:constr type="primFontSz" for="ch" ptType="node" op="equ" val="65"/>
+          <dgm:constr type="w" for="ch" forName="diamond" refType="w"/>
+          <dgm:constr type="h" for="ch" forName="diamond" refType="h"/>
+          <dgm:constr type="w" for="ch" forName="quad1" refType="w" fact="0.39"/>
+          <dgm:constr type="h" for="ch" forName="quad1" refType="h" fact="0.39"/>
+          <dgm:constr type="ctrX" for="ch" forName="quad1" refType="w" fact="0.71"/>
+          <dgm:constr type="ctrY" for="ch" forName="quad1" refType="h" fact="0.29"/>
+          <dgm:constr type="w" for="ch" forName="quad2" refType="w" fact="0.39"/>
+          <dgm:constr type="h" for="ch" forName="quad2" refType="h" fact="0.39"/>
+          <dgm:constr type="ctrX" for="ch" forName="quad2" refType="w" fact="0.29"/>
+          <dgm:constr type="ctrY" for="ch" forName="quad2" refType="h" fact="0.29"/>
+          <dgm:constr type="w" for="ch" forName="quad3" refType="w" fact="0.39"/>
+          <dgm:constr type="h" for="ch" forName="quad3" refType="h" fact="0.39"/>
+          <dgm:constr type="ctrX" for="ch" forName="quad3" refType="w" fact="0.71"/>
+          <dgm:constr type="ctrY" for="ch" forName="quad3" refType="h" fact="0.71"/>
+          <dgm:constr type="w" for="ch" forName="quad4" refType="w" fact="0.39"/>
+          <dgm:constr type="h" for="ch" forName="quad4" refType="h" fact="0.39"/>
+          <dgm:constr type="ctrX" for="ch" forName="quad4" refType="w" fact="0.29"/>
+          <dgm:constr type="ctrY" for="ch" forName="quad4" refType="h" fact="0.71"/>
+          <dgm:constr type="primFontSz" for="des" ptType="node" op="equ" val="65"/>
         </dgm:constrLst>
-        <dgm:ruleLst/>
       </dgm:else>
     </dgm:choose>
-    <dgm:choose name="Name4">
-      <dgm:if name="Name5" axis="ch" ptType="node" func="cnt" op="equ" val="2">
-        <dgm:layoutNode name="node1">
+    <dgm:ruleLst/>
+    <dgm:choose name="Name3">
+      <dgm:if name="Name4" axis="ch" ptType="node" func="cnt" op="gte" val="1">
+        <dgm:layoutNode name="diamond" styleLbl="bgShp">
+          <dgm:alg type="sp"/>
+          <dgm:shape xmlns:r="http://schemas.openxmlformats.org/officeDocument/2006/relationships" type="diamond" r:blip="">
+            <dgm:adjLst/>
+          </dgm:shape>
+          <dgm:presOf/>
+          <dgm:constrLst>
+            <dgm:constr type="w" refType="h" op="equ"/>
+          </dgm:constrLst>
+          <dgm:ruleLst/>
+        </dgm:layoutNode>
+        <dgm:layoutNode name="quad1">
           <dgm:varLst>
+            <dgm:chMax val="0"/>
+            <dgm:chPref val="0"/>
             <dgm:bulletEnabled val="1"/>
           </dgm:varLst>
           <dgm:alg type="tx"/>
@@ -7846,6 +8036,7 @@
           </dgm:shape>
           <dgm:presOf axis="ch desOrSelf" ptType="node node" st="1 1" cnt="1 0"/>
           <dgm:constrLst>
+            <dgm:constr type="w" refType="h" op="equ"/>
             <dgm:constr type="tMarg" refType="primFontSz" fact="0.3"/>
             <dgm:constr type="bMarg" refType="primFontSz" fact="0.3"/>
             <dgm:constr type="lMarg" refType="primFontSz" fact="0.3"/>
@@ -7855,55 +8046,10 @@
             <dgm:rule type="primFontSz" val="5" fact="NaN" max="NaN"/>
           </dgm:ruleLst>
         </dgm:layoutNode>
-        <dgm:layoutNode name="sibTrans" styleLbl="bgShp">
-          <dgm:choose name="Name6">
-            <dgm:if name="Name7" func="var" arg="dir" op="equ" val="norm">
-              <dgm:alg type="conn">
-                <dgm:param type="connRout" val="longCurve"/>
-                <dgm:param type="begPts" val="midR"/>
-                <dgm:param type="endPts" val="midL"/>
-                <dgm:param type="dstNode" val="node1"/>
-              </dgm:alg>
-              <dgm:shape xmlns:r="http://schemas.openxmlformats.org/officeDocument/2006/relationships" type="conn" r:blip="" zOrderOff="-2">
-                <dgm:adjLst/>
-              </dgm:shape>
-              <dgm:presOf axis="ch" ptType="sibTrans"/>
-              <dgm:constrLst>
-                <dgm:constr type="userA"/>
-                <dgm:constr type="diam" refType="userA" fact="-1"/>
-                <dgm:constr type="wArH" refType="userA" fact="0.05"/>
-                <dgm:constr type="hArH" refType="userA" fact="0.1"/>
-                <dgm:constr type="stemThick" refType="userA" fact="0.06"/>
-                <dgm:constr type="begPad" refType="connDist" fact="-0.2"/>
-                <dgm:constr type="endPad" refType="connDist" fact="0.05"/>
-              </dgm:constrLst>
-            </dgm:if>
-            <dgm:else name="Name8">
-              <dgm:alg type="conn">
-                <dgm:param type="connRout" val="longCurve"/>
-                <dgm:param type="begPts" val="midL"/>
-                <dgm:param type="endPts" val="midR"/>
-                <dgm:param type="dstNode" val="node1"/>
-              </dgm:alg>
-              <dgm:shape xmlns:r="http://schemas.openxmlformats.org/officeDocument/2006/relationships" type="conn" r:blip="" zOrderOff="-2">
-                <dgm:adjLst/>
-              </dgm:shape>
-              <dgm:presOf axis="ch" ptType="sibTrans"/>
-              <dgm:constrLst>
-                <dgm:constr type="userA"/>
-                <dgm:constr type="diam" refType="userA"/>
-                <dgm:constr type="wArH" refType="userA" fact="0.05"/>
-                <dgm:constr type="hArH" refType="userA" fact="0.1"/>
-                <dgm:constr type="stemThick" refType="userA" fact="0.06"/>
-                <dgm:constr type="begPad" refType="connDist" fact="-0.2"/>
-                <dgm:constr type="endPad" refType="connDist" fact="0.05"/>
-              </dgm:constrLst>
-            </dgm:else>
-          </dgm:choose>
-          <dgm:ruleLst/>
-        </dgm:layoutNode>
-        <dgm:layoutNode name="node2">
+        <dgm:layoutNode name="quad2">
           <dgm:varLst>
+            <dgm:chMax val="0"/>
+            <dgm:chPref val="0"/>
             <dgm:bulletEnabled val="1"/>
           </dgm:varLst>
           <dgm:alg type="tx"/>
@@ -7912,6 +8058,7 @@
           </dgm:shape>
           <dgm:presOf axis="ch desOrSelf" ptType="node node" st="2 1" cnt="1 0"/>
           <dgm:constrLst>
+            <dgm:constr type="w" refType="h" op="equ"/>
             <dgm:constr type="tMarg" refType="primFontSz" fact="0.3"/>
             <dgm:constr type="bMarg" refType="primFontSz" fact="0.3"/>
             <dgm:constr type="lMarg" refType="primFontSz" fact="0.3"/>
@@ -7921,187 +8068,52 @@
             <dgm:rule type="primFontSz" val="5" fact="NaN" max="NaN"/>
           </dgm:ruleLst>
         </dgm:layoutNode>
-        <dgm:layoutNode name="sp1">
-          <dgm:alg type="sp"/>
-          <dgm:shape xmlns:r="http://schemas.openxmlformats.org/officeDocument/2006/relationships" r:blip="">
+        <dgm:layoutNode name="quad3">
+          <dgm:varLst>
+            <dgm:chMax val="0"/>
+            <dgm:chPref val="0"/>
+            <dgm:bulletEnabled val="1"/>
+          </dgm:varLst>
+          <dgm:alg type="tx"/>
+          <dgm:shape xmlns:r="http://schemas.openxmlformats.org/officeDocument/2006/relationships" type="roundRect" r:blip="">
             <dgm:adjLst/>
           </dgm:shape>
-          <dgm:presOf/>
-          <dgm:constrLst/>
-          <dgm:ruleLst/>
+          <dgm:presOf axis="ch desOrSelf" ptType="node node" st="3 1" cnt="1 0"/>
+          <dgm:constrLst>
+            <dgm:constr type="w" refType="h" op="equ"/>
+            <dgm:constr type="tMarg" refType="primFontSz" fact="0.3"/>
+            <dgm:constr type="bMarg" refType="primFontSz" fact="0.3"/>
+            <dgm:constr type="lMarg" refType="primFontSz" fact="0.3"/>
+            <dgm:constr type="rMarg" refType="primFontSz" fact="0.3"/>
+          </dgm:constrLst>
+          <dgm:ruleLst>
+            <dgm:rule type="primFontSz" val="5" fact="NaN" max="NaN"/>
+          </dgm:ruleLst>
         </dgm:layoutNode>
-        <dgm:layoutNode name="sp2">
-          <dgm:alg type="sp"/>
-          <dgm:shape xmlns:r="http://schemas.openxmlformats.org/officeDocument/2006/relationships" r:blip="">
+        <dgm:layoutNode name="quad4">
+          <dgm:varLst>
+            <dgm:chMax val="0"/>
+            <dgm:chPref val="0"/>
+            <dgm:bulletEnabled val="1"/>
+          </dgm:varLst>
+          <dgm:alg type="tx"/>
+          <dgm:shape xmlns:r="http://schemas.openxmlformats.org/officeDocument/2006/relationships" type="roundRect" r:blip="">
             <dgm:adjLst/>
           </dgm:shape>
-          <dgm:presOf/>
-          <dgm:constrLst/>
-          <dgm:ruleLst/>
+          <dgm:presOf axis="ch desOrSelf" ptType="node node" st="4 1" cnt="1 0"/>
+          <dgm:constrLst>
+            <dgm:constr type="w" refType="h" op="equ"/>
+            <dgm:constr type="tMarg" refType="primFontSz" fact="0.3"/>
+            <dgm:constr type="bMarg" refType="primFontSz" fact="0.3"/>
+            <dgm:constr type="lMarg" refType="primFontSz" fact="0.3"/>
+            <dgm:constr type="rMarg" refType="primFontSz" fact="0.3"/>
+          </dgm:constrLst>
+          <dgm:ruleLst>
+            <dgm:rule type="primFontSz" val="5" fact="NaN" max="NaN"/>
+          </dgm:ruleLst>
         </dgm:layoutNode>
       </dgm:if>
-      <dgm:else name="Name9">
-        <dgm:layoutNode name="cycle">
-          <dgm:choose name="Name10">
-            <dgm:if name="Name11" func="var" arg="dir" op="equ" val="norm">
-              <dgm:alg type="cycle">
-                <dgm:param type="stAng" val="0"/>
-                <dgm:param type="spanAng" val="360"/>
-              </dgm:alg>
-              <dgm:shape xmlns:r="http://schemas.openxmlformats.org/officeDocument/2006/relationships" r:blip="">
-                <dgm:adjLst/>
-              </dgm:shape>
-              <dgm:presOf/>
-              <dgm:constrLst>
-                <dgm:constr type="diam" refType="w"/>
-                <dgm:constr type="w" for="ch" ptType="node" refType="w"/>
-                <dgm:constr type="sibSp" val="15"/>
-                <dgm:constr type="userA" for="ch" ptType="sibTrans" refType="diam" op="equ" fact="-1"/>
-                <dgm:constr type="wArH" for="ch" ptType="sibTrans" refType="diam" op="equ" fact="0.05"/>
-                <dgm:constr type="hArH" for="ch" ptType="sibTrans" refType="diam" op="equ" fact="0.1"/>
-                <dgm:constr type="stemThick" for="ch" ptType="sibTrans" refType="diam" op="equ" fact="0.065"/>
-                <dgm:constr type="primFontSz" for="ch" ptType="node" op="equ"/>
-              </dgm:constrLst>
-            </dgm:if>
-            <dgm:else name="Name12">
-              <dgm:alg type="cycle">
-                <dgm:param type="stAng" val="0"/>
-                <dgm:param type="spanAng" val="-360"/>
-              </dgm:alg>
-              <dgm:shape xmlns:r="http://schemas.openxmlformats.org/officeDocument/2006/relationships" r:blip="">
-                <dgm:adjLst/>
-              </dgm:shape>
-              <dgm:presOf/>
-              <dgm:constrLst>
-                <dgm:constr type="diam" refType="w"/>
-                <dgm:constr type="w" for="ch" ptType="node" refType="w"/>
-                <dgm:constr type="sibSp" val="15"/>
-                <dgm:constr type="userA" for="ch" ptType="sibTrans" refType="diam" op="equ"/>
-                <dgm:constr type="wArH" for="ch" ptType="sibTrans" refType="diam" op="equ" fact="0.05"/>
-                <dgm:constr type="hArH" for="ch" ptType="sibTrans" refType="diam" op="equ" fact="0.1"/>
-                <dgm:constr type="stemThick" for="ch" ptType="sibTrans" refType="diam" op="equ" fact="0.065"/>
-                <dgm:constr type="primFontSz" for="ch" ptType="node" op="equ"/>
-              </dgm:constrLst>
-            </dgm:else>
-          </dgm:choose>
-          <dgm:ruleLst/>
-          <dgm:forEach name="nodesFirstNodeForEach" axis="ch" ptType="node" cnt="1">
-            <dgm:layoutNode name="nodeFirstNode">
-              <dgm:varLst>
-                <dgm:bulletEnabled val="1"/>
-              </dgm:varLst>
-              <dgm:alg type="tx"/>
-              <dgm:shape xmlns:r="http://schemas.openxmlformats.org/officeDocument/2006/relationships" type="roundRect" r:blip="">
-                <dgm:adjLst/>
-              </dgm:shape>
-              <dgm:presOf axis="desOrSelf" ptType="node"/>
-              <dgm:constrLst>
-                <dgm:constr type="h" refType="w" fact="0.5"/>
-                <dgm:constr type="primFontSz" val="65"/>
-                <dgm:constr type="tMarg" refType="primFontSz" fact="0.3"/>
-                <dgm:constr type="bMarg" refType="primFontSz" fact="0.3"/>
-                <dgm:constr type="lMarg" refType="primFontSz" fact="0.3"/>
-                <dgm:constr type="rMarg" refType="primFontSz" fact="0.3"/>
-              </dgm:constrLst>
-              <dgm:ruleLst>
-                <dgm:rule type="primFontSz" val="5" fact="NaN" max="NaN"/>
-              </dgm:ruleLst>
-            </dgm:layoutNode>
-            <dgm:forEach name="sibTransForEach" axis="followSib" ptType="sibTrans" cnt="1">
-              <dgm:layoutNode name="sibTransFirstNode" styleLbl="bgShp">
-                <dgm:choose name="Name13">
-                  <dgm:if name="Name14" func="var" arg="dir" op="equ" val="norm">
-                    <dgm:alg type="conn">
-                      <dgm:param type="connRout" val="longCurve"/>
-                      <dgm:param type="begPts" val="midR"/>
-                      <dgm:param type="endPts" val="midL"/>
-                      <dgm:param type="dstNode" val="nodeFirstNode"/>
-                    </dgm:alg>
-                  </dgm:if>
-                  <dgm:else name="Name15">
-                    <dgm:alg type="conn">
-                      <dgm:param type="connRout" val="longCurve"/>
-                      <dgm:param type="begPts" val="midL"/>
-                      <dgm:param type="endPts" val="midR"/>
-                      <dgm:param type="dstNode" val="nodeFirstNode"/>
-                    </dgm:alg>
-                  </dgm:else>
-                </dgm:choose>
-                <dgm:shape xmlns:r="http://schemas.openxmlformats.org/officeDocument/2006/relationships" type="conn" r:blip="" zOrderOff="-2">
-                  <dgm:adjLst/>
-                </dgm:shape>
-                <dgm:presOf axis="self"/>
-                <dgm:choose name="Name16">
-                  <dgm:if name="Name17" axis="par ch" ptType="doc node" func="cnt" op="equ" val="3">
-                    <dgm:constrLst>
-                      <dgm:constr type="userA"/>
-                      <dgm:constr type="diam" refType="userA" fact="1.01"/>
-                      <dgm:constr type="begPad" refType="connDist" fact="-0.2"/>
-                      <dgm:constr type="endPad" refType="connDist" fact="0.05"/>
-                    </dgm:constrLst>
-                  </dgm:if>
-                  <dgm:if name="Name18" axis="par ch" ptType="doc node" func="cnt" op="equ" val="4">
-                    <dgm:constrLst>
-                      <dgm:constr type="userA"/>
-                      <dgm:constr type="diam" refType="userA" fact="1.26"/>
-                      <dgm:constr type="begPad" refType="connDist" fact="-0.2"/>
-                      <dgm:constr type="endPad" refType="connDist" fact="0.05"/>
-                    </dgm:constrLst>
-                  </dgm:if>
-                  <dgm:if name="Name19" axis="par ch" ptType="doc node" func="cnt" op="equ" val="5">
-                    <dgm:constrLst>
-                      <dgm:constr type="userA"/>
-                      <dgm:constr type="diam" refType="userA" fact="1.04"/>
-                      <dgm:constr type="begPad" refType="connDist" fact="-0.2"/>
-                      <dgm:constr type="endPad" refType="connDist" fact="0.05"/>
-                    </dgm:constrLst>
-                  </dgm:if>
-                  <dgm:if name="Name20" axis="par ch" ptType="doc node" func="cnt" op="equ" val="6">
-                    <dgm:constrLst>
-                      <dgm:constr type="userA"/>
-                      <dgm:constr type="diam" refType="userA" fact="1.1"/>
-                      <dgm:constr type="begPad" refType="connDist" fact="-0.2"/>
-                      <dgm:constr type="endPad" refType="connDist" fact="0.05"/>
-                    </dgm:constrLst>
-                  </dgm:if>
-                  <dgm:else name="Name21">
-                    <dgm:constrLst>
-                      <dgm:constr type="userA"/>
-                      <dgm:constr type="diam" refType="userA" fact="1.04"/>
-                      <dgm:constr type="begPad" refType="connDist" fact="-0.2"/>
-                      <dgm:constr type="endPad" refType="connDist" fact="0.05"/>
-                    </dgm:constrLst>
-                  </dgm:else>
-                </dgm:choose>
-                <dgm:ruleLst/>
-              </dgm:layoutNode>
-            </dgm:forEach>
-          </dgm:forEach>
-          <dgm:forEach name="followingNodesForEach" axis="ch" ptType="node" st="2">
-            <dgm:layoutNode name="nodeFollowingNodes">
-              <dgm:varLst>
-                <dgm:bulletEnabled val="1"/>
-              </dgm:varLst>
-              <dgm:alg type="tx"/>
-              <dgm:shape xmlns:r="http://schemas.openxmlformats.org/officeDocument/2006/relationships" type="roundRect" r:blip="">
-                <dgm:adjLst/>
-              </dgm:shape>
-              <dgm:presOf axis="desOrSelf" ptType="node"/>
-              <dgm:constrLst>
-                <dgm:constr type="h" refType="w" fact="0.5"/>
-                <dgm:constr type="primFontSz" val="65"/>
-                <dgm:constr type="tMarg" refType="primFontSz" fact="0.3"/>
-                <dgm:constr type="bMarg" refType="primFontSz" fact="0.3"/>
-                <dgm:constr type="lMarg" refType="primFontSz" fact="0.3"/>
-                <dgm:constr type="rMarg" refType="primFontSz" fact="0.3"/>
-              </dgm:constrLst>
-              <dgm:ruleLst>
-                <dgm:rule type="primFontSz" val="5" fact="NaN" max="NaN"/>
-              </dgm:ruleLst>
-            </dgm:layoutNode>
-          </dgm:forEach>
-        </dgm:layoutNode>
-      </dgm:else>
+      <dgm:else name="Name5"/>
     </dgm:choose>
   </dgm:layoutNode>
 </dgm:layoutDef>
@@ -12939,7 +12951,7 @@
             <a:fld id="{17C257C2-8D60-4760-88CB-024AF3EEC641}" type="slidenum">
               <a:rPr lang="nl-BE" smtClean="0"/>
               <a:pPr/>
-              <a:t>5</a:t>
+              <a:t>6</a:t>
             </a:fld>
             <a:endParaRPr lang="nl-BE"/>
           </a:p>
@@ -19394,6 +19406,914 @@
       </p:grpSpPr>
       <p:sp>
         <p:nvSpPr>
+          <p:cNvPr id="12" name="Rounded Rectangle 11"/>
+          <p:cNvSpPr/>
+          <p:nvPr/>
+        </p:nvSpPr>
+        <p:spPr>
+          <a:xfrm>
+            <a:off x="390452" y="1184897"/>
+            <a:ext cx="8352928" cy="1740047"/>
+          </a:xfrm>
+          <a:prstGeom prst="roundRect">
+            <a:avLst/>
+          </a:prstGeom>
+          <a:solidFill>
+            <a:srgbClr val="116E8A"/>
+          </a:solidFill>
+          <a:ln>
+            <a:noFill/>
+          </a:ln>
+        </p:spPr>
+        <p:style>
+          <a:lnRef idx="2">
+            <a:schemeClr val="accent1">
+              <a:shade val="50000"/>
+            </a:schemeClr>
+          </a:lnRef>
+          <a:fillRef idx="1">
+            <a:schemeClr val="accent1"/>
+          </a:fillRef>
+          <a:effectRef idx="0">
+            <a:schemeClr val="accent1"/>
+          </a:effectRef>
+          <a:fontRef idx="minor">
+            <a:schemeClr val="lt1"/>
+          </a:fontRef>
+        </p:style>
+        <p:txBody>
+          <a:bodyPr rtlCol="0" anchor="ctr"/>
+          <a:lstStyle/>
+          <a:p>
+            <a:pPr algn="ctr"/>
+            <a:endParaRPr lang="en-US" dirty="0"/>
+          </a:p>
+        </p:txBody>
+      </p:sp>
+      <p:sp>
+        <p:nvSpPr>
+          <p:cNvPr id="2" name="Title 1"/>
+          <p:cNvSpPr>
+            <a:spLocks noGrp="1"/>
+          </p:cNvSpPr>
+          <p:nvPr>
+            <p:ph type="title"/>
+          </p:nvPr>
+        </p:nvSpPr>
+        <p:spPr/>
+        <p:txBody>
+          <a:bodyPr/>
+          <a:lstStyle/>
+          <a:p>
+            <a:r>
+              <a:rPr lang="en-US" dirty="0" smtClean="0"/>
+              <a:t>Onderzoekshypothese (1)</a:t>
+            </a:r>
+            <a:endParaRPr lang="en-US" dirty="0"/>
+          </a:p>
+        </p:txBody>
+      </p:sp>
+      <p:graphicFrame>
+        <p:nvGraphicFramePr>
+          <p:cNvPr id="6" name="Table 5"/>
+          <p:cNvGraphicFramePr>
+            <a:graphicFrameLocks noGrp="1"/>
+          </p:cNvGraphicFramePr>
+          <p:nvPr>
+            <p:extLst>
+              <p:ext uri="{D42A27DB-BD31-4B8C-83A1-F6EECF244321}">
+                <p14:modId xmlns:p14="http://schemas.microsoft.com/office/powerpoint/2010/main" val="322804356"/>
+              </p:ext>
+            </p:extLst>
+          </p:nvPr>
+        </p:nvGraphicFramePr>
+        <p:xfrm>
+          <a:off x="1524000" y="1668408"/>
+          <a:ext cx="6096000" cy="1112520"/>
+        </p:xfrm>
+        <a:graphic>
+          <a:graphicData uri="http://schemas.openxmlformats.org/drawingml/2006/table">
+            <a:tbl>
+              <a:tblPr firstRow="1" bandRow="1">
+                <a:tableStyleId>{3C2FFA5D-87B4-456A-9821-1D502468CF0F}</a:tableStyleId>
+              </a:tblPr>
+              <a:tblGrid>
+                <a:gridCol w="1524000"/>
+                <a:gridCol w="1524000"/>
+                <a:gridCol w="1524000"/>
+                <a:gridCol w="1524000"/>
+              </a:tblGrid>
+              <a:tr h="370840">
+                <a:tc>
+                  <a:txBody>
+                    <a:bodyPr/>
+                    <a:lstStyle/>
+                    <a:p>
+                      <a:pPr algn="ctr"/>
+                      <a:r>
+                        <a:rPr lang="en-US" dirty="0" smtClean="0"/>
+                        <a:t>A</a:t>
+                      </a:r>
+                      <a:endParaRPr lang="en-US" dirty="0"/>
+                    </a:p>
+                  </a:txBody>
+                  <a:tcPr/>
+                </a:tc>
+                <a:tc>
+                  <a:txBody>
+                    <a:bodyPr/>
+                    <a:lstStyle/>
+                    <a:p>
+                      <a:pPr algn="ctr"/>
+                      <a:r>
+                        <a:rPr lang="en-US" dirty="0" smtClean="0"/>
+                        <a:t>B</a:t>
+                      </a:r>
+                      <a:endParaRPr lang="en-US" dirty="0"/>
+                    </a:p>
+                  </a:txBody>
+                  <a:tcPr/>
+                </a:tc>
+                <a:tc>
+                  <a:txBody>
+                    <a:bodyPr/>
+                    <a:lstStyle/>
+                    <a:p>
+                      <a:pPr algn="ctr"/>
+                      <a:r>
+                        <a:rPr lang="en-US" dirty="0" smtClean="0"/>
+                        <a:t>C</a:t>
+                      </a:r>
+                      <a:endParaRPr lang="en-US" dirty="0"/>
+                    </a:p>
+                  </a:txBody>
+                  <a:tcPr/>
+                </a:tc>
+                <a:tc>
+                  <a:txBody>
+                    <a:bodyPr/>
+                    <a:lstStyle/>
+                    <a:p>
+                      <a:pPr algn="ctr"/>
+                      <a:r>
+                        <a:rPr lang="en-US" dirty="0" smtClean="0"/>
+                        <a:t>D</a:t>
+                      </a:r>
+                      <a:endParaRPr lang="en-US" dirty="0"/>
+                    </a:p>
+                  </a:txBody>
+                  <a:tcPr/>
+                </a:tc>
+              </a:tr>
+              <a:tr h="370840">
+                <a:tc>
+                  <a:txBody>
+                    <a:bodyPr/>
+                    <a:lstStyle/>
+                    <a:p>
+                      <a:pPr algn="ctr"/>
+                      <a:r>
+                        <a:rPr lang="en-US" dirty="0" smtClean="0"/>
+                        <a:t>3</a:t>
+                      </a:r>
+                      <a:endParaRPr lang="en-US" dirty="0"/>
+                    </a:p>
+                  </a:txBody>
+                  <a:tcPr/>
+                </a:tc>
+                <a:tc>
+                  <a:txBody>
+                    <a:bodyPr/>
+                    <a:lstStyle/>
+                    <a:p>
+                      <a:pPr algn="ctr"/>
+                      <a:r>
+                        <a:rPr lang="en-US" dirty="0" smtClean="0"/>
+                        <a:t>6</a:t>
+                      </a:r>
+                      <a:endParaRPr lang="en-US" dirty="0"/>
+                    </a:p>
+                  </a:txBody>
+                  <a:tcPr/>
+                </a:tc>
+                <a:tc>
+                  <a:txBody>
+                    <a:bodyPr/>
+                    <a:lstStyle/>
+                    <a:p>
+                      <a:pPr algn="ctr"/>
+                      <a:r>
+                        <a:rPr lang="en-US" dirty="0" smtClean="0"/>
+                        <a:t>5</a:t>
+                      </a:r>
+                      <a:endParaRPr lang="en-US" dirty="0"/>
+                    </a:p>
+                  </a:txBody>
+                  <a:tcPr/>
+                </a:tc>
+                <a:tc>
+                  <a:txBody>
+                    <a:bodyPr/>
+                    <a:lstStyle/>
+                    <a:p>
+                      <a:pPr algn="ctr"/>
+                      <a:r>
+                        <a:rPr lang="en-US" dirty="0" smtClean="0"/>
+                        <a:t>21</a:t>
+                      </a:r>
+                      <a:endParaRPr lang="en-US" dirty="0"/>
+                    </a:p>
+                  </a:txBody>
+                  <a:tcPr/>
+                </a:tc>
+              </a:tr>
+              <a:tr h="370840">
+                <a:tc>
+                  <a:txBody>
+                    <a:bodyPr/>
+                    <a:lstStyle/>
+                    <a:p>
+                      <a:pPr algn="ctr"/>
+                      <a:r>
+                        <a:rPr lang="en-US" dirty="0" smtClean="0"/>
+                        <a:t>4</a:t>
+                      </a:r>
+                      <a:endParaRPr lang="en-US" dirty="0"/>
+                    </a:p>
+                  </a:txBody>
+                  <a:tcPr/>
+                </a:tc>
+                <a:tc>
+                  <a:txBody>
+                    <a:bodyPr/>
+                    <a:lstStyle/>
+                    <a:p>
+                      <a:pPr algn="ctr"/>
+                      <a:r>
+                        <a:rPr lang="en-US" dirty="0" smtClean="0"/>
+                        <a:t>5</a:t>
+                      </a:r>
+                      <a:endParaRPr lang="en-US" dirty="0"/>
+                    </a:p>
+                  </a:txBody>
+                  <a:tcPr/>
+                </a:tc>
+                <a:tc>
+                  <a:txBody>
+                    <a:bodyPr/>
+                    <a:lstStyle/>
+                    <a:p>
+                      <a:pPr algn="ctr"/>
+                      <a:r>
+                        <a:rPr lang="en-US" dirty="0" smtClean="0"/>
+                        <a:t>2</a:t>
+                      </a:r>
+                      <a:endParaRPr lang="en-US" dirty="0"/>
+                    </a:p>
+                  </a:txBody>
+                  <a:tcPr/>
+                </a:tc>
+                <a:tc>
+                  <a:txBody>
+                    <a:bodyPr/>
+                    <a:lstStyle/>
+                    <a:p>
+                      <a:pPr algn="ctr"/>
+                      <a:r>
+                        <a:rPr lang="en-US" dirty="0" smtClean="0"/>
+                        <a:t>17</a:t>
+                      </a:r>
+                      <a:endParaRPr lang="en-US" dirty="0"/>
+                    </a:p>
+                  </a:txBody>
+                  <a:tcPr/>
+                </a:tc>
+              </a:tr>
+            </a:tbl>
+          </a:graphicData>
+        </a:graphic>
+      </p:graphicFrame>
+      <p:sp>
+        <p:nvSpPr>
+          <p:cNvPr id="9" name="Rectangle 8"/>
+          <p:cNvSpPr/>
+          <p:nvPr/>
+        </p:nvSpPr>
+        <p:spPr>
+          <a:xfrm>
+            <a:off x="540000" y="1239143"/>
+            <a:ext cx="1519316" cy="461665"/>
+          </a:xfrm>
+          <a:prstGeom prst="rect">
+            <a:avLst/>
+          </a:prstGeom>
+        </p:spPr>
+        <p:txBody>
+          <a:bodyPr wrap="none">
+            <a:spAutoFit/>
+          </a:bodyPr>
+          <a:lstStyle/>
+          <a:p>
+            <a:r>
+              <a:rPr lang="en-US" sz="2400" dirty="0" smtClean="0">
+                <a:solidFill>
+                  <a:schemeClr val="bg1"/>
+                </a:solidFill>
+                <a:ea typeface="ＭＳ ゴシック"/>
+                <a:cs typeface="ＭＳ ゴシック"/>
+              </a:rPr>
+              <a:t>Gegeven:</a:t>
+            </a:r>
+          </a:p>
+        </p:txBody>
+      </p:sp>
+      <p:grpSp>
+        <p:nvGrpSpPr>
+          <p:cNvPr id="4" name="Group 3"/>
+          <p:cNvGrpSpPr/>
+          <p:nvPr/>
+        </p:nvGrpSpPr>
+        <p:grpSpPr>
+          <a:xfrm>
+            <a:off x="389933" y="4149080"/>
+            <a:ext cx="8353967" cy="1800200"/>
+            <a:chOff x="389933" y="4149080"/>
+            <a:chExt cx="8353967" cy="1800200"/>
+          </a:xfrm>
+        </p:grpSpPr>
+        <p:sp>
+          <p:nvSpPr>
+            <p:cNvPr id="14" name="Rounded Rectangle 13"/>
+            <p:cNvSpPr/>
+            <p:nvPr/>
+          </p:nvSpPr>
+          <p:spPr>
+            <a:xfrm>
+              <a:off x="389933" y="4509120"/>
+              <a:ext cx="8353967" cy="1440160"/>
+            </a:xfrm>
+            <a:prstGeom prst="roundRect">
+              <a:avLst/>
+            </a:prstGeom>
+            <a:solidFill>
+              <a:srgbClr val="116E8A"/>
+            </a:solidFill>
+            <a:ln>
+              <a:noFill/>
+            </a:ln>
+          </p:spPr>
+          <p:style>
+            <a:lnRef idx="2">
+              <a:schemeClr val="accent1">
+                <a:shade val="50000"/>
+              </a:schemeClr>
+            </a:lnRef>
+            <a:fillRef idx="1">
+              <a:schemeClr val="accent1"/>
+            </a:fillRef>
+            <a:effectRef idx="0">
+              <a:schemeClr val="accent1"/>
+            </a:effectRef>
+            <a:fontRef idx="minor">
+              <a:schemeClr val="lt1"/>
+            </a:fontRef>
+          </p:style>
+          <p:txBody>
+            <a:bodyPr rtlCol="0" anchor="ctr"/>
+            <a:lstStyle/>
+            <a:p>
+              <a:pPr algn="ctr"/>
+              <a:endParaRPr lang="en-US" dirty="0"/>
+            </a:p>
+          </p:txBody>
+        </p:sp>
+        <p:sp>
+          <p:nvSpPr>
+            <p:cNvPr id="11" name="Rectangle 10"/>
+            <p:cNvSpPr/>
+            <p:nvPr/>
+          </p:nvSpPr>
+          <p:spPr>
+            <a:xfrm>
+              <a:off x="534692" y="4653136"/>
+              <a:ext cx="8064448" cy="1200328"/>
+            </a:xfrm>
+            <a:prstGeom prst="rect">
+              <a:avLst/>
+            </a:prstGeom>
+          </p:spPr>
+          <p:txBody>
+            <a:bodyPr wrap="square">
+              <a:spAutoFit/>
+            </a:bodyPr>
+            <a:lstStyle/>
+            <a:p>
+              <a:r>
+                <a:rPr lang="en-US" sz="2400" dirty="0" smtClean="0">
+                  <a:solidFill>
+                    <a:srgbClr val="FFFFFF"/>
+                  </a:solidFill>
+                  <a:ea typeface="ＭＳ ゴシック"/>
+                  <a:cs typeface="ＭＳ ゴシック"/>
+                </a:rPr>
+                <a:t>Hypothese: </a:t>
+              </a:r>
+              <a:br>
+                <a:rPr lang="en-US" sz="2400" dirty="0" smtClean="0">
+                  <a:solidFill>
+                    <a:srgbClr val="FFFFFF"/>
+                  </a:solidFill>
+                  <a:ea typeface="ＭＳ ゴシック"/>
+                  <a:cs typeface="ＭＳ ゴシック"/>
+                </a:rPr>
+              </a:br>
+              <a:r>
+                <a:rPr lang="en-US" sz="2400" dirty="0" smtClean="0">
+                  <a:solidFill>
+                    <a:srgbClr val="FFFFFF"/>
+                  </a:solidFill>
+                  <a:ea typeface="ＭＳ ゴシック"/>
+                  <a:cs typeface="ＭＳ ゴシック"/>
+                </a:rPr>
+                <a:t>Er kan een passende vergelijking gevonden worden binnen een beperkte tijdspanne. </a:t>
+              </a:r>
+            </a:p>
+          </p:txBody>
+        </p:sp>
+        <p:sp>
+          <p:nvSpPr>
+            <p:cNvPr id="15" name="Down Arrow 14"/>
+            <p:cNvSpPr/>
+            <p:nvPr/>
+          </p:nvSpPr>
+          <p:spPr>
+            <a:xfrm>
+              <a:off x="3845591" y="4149080"/>
+              <a:ext cx="1452818" cy="303596"/>
+            </a:xfrm>
+            <a:prstGeom prst="downArrow">
+              <a:avLst/>
+            </a:prstGeom>
+            <a:solidFill>
+              <a:schemeClr val="accent1">
+                <a:lumMod val="60000"/>
+                <a:lumOff val="40000"/>
+              </a:schemeClr>
+            </a:solidFill>
+            <a:ln>
+              <a:noFill/>
+            </a:ln>
+          </p:spPr>
+          <p:style>
+            <a:lnRef idx="2">
+              <a:schemeClr val="accent1">
+                <a:shade val="50000"/>
+              </a:schemeClr>
+            </a:lnRef>
+            <a:fillRef idx="1">
+              <a:schemeClr val="accent1"/>
+            </a:fillRef>
+            <a:effectRef idx="0">
+              <a:schemeClr val="accent1"/>
+            </a:effectRef>
+            <a:fontRef idx="minor">
+              <a:schemeClr val="lt1"/>
+            </a:fontRef>
+          </p:style>
+          <p:txBody>
+            <a:bodyPr rtlCol="0" anchor="ctr"/>
+            <a:lstStyle/>
+            <a:p>
+              <a:pPr algn="ctr"/>
+              <a:endParaRPr lang="en-US" dirty="0"/>
+            </a:p>
+          </p:txBody>
+        </p:sp>
+      </p:grpSp>
+      <p:grpSp>
+        <p:nvGrpSpPr>
+          <p:cNvPr id="3" name="Group 2"/>
+          <p:cNvGrpSpPr/>
+          <p:nvPr/>
+        </p:nvGrpSpPr>
+        <p:grpSpPr>
+          <a:xfrm>
+            <a:off x="389933" y="2981388"/>
+            <a:ext cx="8353967" cy="1111249"/>
+            <a:chOff x="389933" y="2981388"/>
+            <a:chExt cx="8353967" cy="1111249"/>
+          </a:xfrm>
+        </p:grpSpPr>
+        <p:sp>
+          <p:nvSpPr>
+            <p:cNvPr id="13" name="Rounded Rectangle 12"/>
+            <p:cNvSpPr/>
+            <p:nvPr/>
+          </p:nvSpPr>
+          <p:spPr>
+            <a:xfrm>
+              <a:off x="389933" y="3338629"/>
+              <a:ext cx="8353967" cy="754008"/>
+            </a:xfrm>
+            <a:prstGeom prst="roundRect">
+              <a:avLst/>
+            </a:prstGeom>
+            <a:solidFill>
+              <a:srgbClr val="116E8A"/>
+            </a:solidFill>
+            <a:ln>
+              <a:noFill/>
+            </a:ln>
+          </p:spPr>
+          <p:style>
+            <a:lnRef idx="2">
+              <a:schemeClr val="accent1">
+                <a:shade val="50000"/>
+              </a:schemeClr>
+            </a:lnRef>
+            <a:fillRef idx="1">
+              <a:schemeClr val="accent1"/>
+            </a:fillRef>
+            <a:effectRef idx="0">
+              <a:schemeClr val="accent1"/>
+            </a:effectRef>
+            <a:fontRef idx="minor">
+              <a:schemeClr val="lt1"/>
+            </a:fontRef>
+          </p:style>
+          <p:txBody>
+            <a:bodyPr rtlCol="0" anchor="ctr"/>
+            <a:lstStyle/>
+            <a:p>
+              <a:pPr algn="ctr"/>
+              <a:endParaRPr lang="en-US" dirty="0"/>
+            </a:p>
+          </p:txBody>
+        </p:sp>
+        <p:sp>
+          <p:nvSpPr>
+            <p:cNvPr id="10" name="Rectangle 9"/>
+            <p:cNvSpPr/>
+            <p:nvPr/>
+          </p:nvSpPr>
+          <p:spPr>
+            <a:xfrm>
+              <a:off x="534692" y="3457222"/>
+              <a:ext cx="8064448" cy="461665"/>
+            </a:xfrm>
+            <a:prstGeom prst="rect">
+              <a:avLst/>
+            </a:prstGeom>
+          </p:spPr>
+          <p:txBody>
+            <a:bodyPr wrap="square">
+              <a:spAutoFit/>
+            </a:bodyPr>
+            <a:lstStyle/>
+            <a:p>
+              <a:r>
+                <a:rPr lang="en-US" sz="2400" dirty="0" smtClean="0">
+                  <a:solidFill>
+                    <a:srgbClr val="FFFFFF"/>
+                  </a:solidFill>
+                  <a:ea typeface="ＭＳ ゴシック"/>
+                  <a:cs typeface="ＭＳ ゴシック"/>
+                </a:rPr>
+                <a:t>Gezocht: D = B</a:t>
+              </a:r>
+              <a:r>
+                <a:rPr lang="en-US" sz="2400" baseline="30000" dirty="0" smtClean="0">
+                  <a:solidFill>
+                    <a:srgbClr val="FFFFFF"/>
+                  </a:solidFill>
+                  <a:ea typeface="ＭＳ ゴシック"/>
+                  <a:cs typeface="ＭＳ ゴシック"/>
+                </a:rPr>
+                <a:t>2</a:t>
+              </a:r>
+              <a:r>
+                <a:rPr lang="en-US" sz="2400" dirty="0" smtClean="0">
+                  <a:solidFill>
+                    <a:srgbClr val="FFFFFF"/>
+                  </a:solidFill>
+                  <a:ea typeface="ＭＳ ゴシック"/>
+                  <a:cs typeface="ＭＳ ゴシック"/>
+                </a:rPr>
+                <a:t>−AC</a:t>
+              </a:r>
+              <a:endParaRPr lang="en-US" sz="2400" dirty="0">
+                <a:solidFill>
+                  <a:srgbClr val="FFFFFF"/>
+                </a:solidFill>
+              </a:endParaRPr>
+            </a:p>
+          </p:txBody>
+        </p:sp>
+        <p:sp>
+          <p:nvSpPr>
+            <p:cNvPr id="16" name="Down Arrow 15"/>
+            <p:cNvSpPr/>
+            <p:nvPr/>
+          </p:nvSpPr>
+          <p:spPr>
+            <a:xfrm>
+              <a:off x="3845591" y="2981388"/>
+              <a:ext cx="1452818" cy="303596"/>
+            </a:xfrm>
+            <a:prstGeom prst="downArrow">
+              <a:avLst/>
+            </a:prstGeom>
+            <a:solidFill>
+              <a:schemeClr val="accent1">
+                <a:lumMod val="60000"/>
+                <a:lumOff val="40000"/>
+              </a:schemeClr>
+            </a:solidFill>
+            <a:ln>
+              <a:noFill/>
+            </a:ln>
+          </p:spPr>
+          <p:style>
+            <a:lnRef idx="2">
+              <a:schemeClr val="accent1">
+                <a:shade val="50000"/>
+              </a:schemeClr>
+            </a:lnRef>
+            <a:fillRef idx="1">
+              <a:schemeClr val="accent1"/>
+            </a:fillRef>
+            <a:effectRef idx="0">
+              <a:schemeClr val="accent1"/>
+            </a:effectRef>
+            <a:fontRef idx="minor">
+              <a:schemeClr val="lt1"/>
+            </a:fontRef>
+          </p:style>
+          <p:txBody>
+            <a:bodyPr rtlCol="0" anchor="ctr"/>
+            <a:lstStyle/>
+            <a:p>
+              <a:pPr algn="ctr"/>
+              <a:endParaRPr lang="en-US" dirty="0"/>
+            </a:p>
+          </p:txBody>
+        </p:sp>
+      </p:grpSp>
+    </p:spTree>
+    <p:extLst>
+      <p:ext uri="{BB962C8B-B14F-4D97-AF65-F5344CB8AC3E}">
+        <p14:creationId xmlns:p14="http://schemas.microsoft.com/office/powerpoint/2010/main" val="1369673478"/>
+      </p:ext>
+    </p:extLst>
+  </p:cSld>
+  <p:clrMapOvr>
+    <a:masterClrMapping/>
+  </p:clrMapOvr>
+  <p:timing>
+    <p:tnLst>
+      <p:par>
+        <p:cTn xmlns:p14="http://schemas.microsoft.com/office/powerpoint/2010/main" id="1" dur="indefinite" restart="never" nodeType="tmRoot">
+          <p:childTnLst>
+            <p:seq concurrent="1" nextAc="seek">
+              <p:cTn id="2" dur="indefinite" nodeType="mainSeq">
+                <p:childTnLst>
+                  <p:par>
+                    <p:cTn id="3" fill="hold">
+                      <p:stCondLst>
+                        <p:cond delay="indefinite"/>
+                      </p:stCondLst>
+                      <p:childTnLst>
+                        <p:par>
+                          <p:cTn id="4" fill="hold">
+                            <p:stCondLst>
+                              <p:cond delay="0"/>
+                            </p:stCondLst>
+                            <p:childTnLst>
+                              <p:par>
+                                <p:cTn id="5" presetID="1" presetClass="entr" presetSubtype="0" fill="hold" grpId="0" nodeType="clickEffect">
+                                  <p:stCondLst>
+                                    <p:cond delay="0"/>
+                                  </p:stCondLst>
+                                  <p:childTnLst>
+                                    <p:set>
+                                      <p:cBhvr>
+                                        <p:cTn id="6" dur="1" fill="hold">
+                                          <p:stCondLst>
+                                            <p:cond delay="0"/>
+                                          </p:stCondLst>
+                                        </p:cTn>
+                                        <p:tgtEl>
+                                          <p:spTgt spid="12"/>
+                                        </p:tgtEl>
+                                        <p:attrNameLst>
+                                          <p:attrName>style.visibility</p:attrName>
+                                        </p:attrNameLst>
+                                      </p:cBhvr>
+                                      <p:to>
+                                        <p:strVal val="visible"/>
+                                      </p:to>
+                                    </p:set>
+                                  </p:childTnLst>
+                                </p:cTn>
+                              </p:par>
+                              <p:par>
+                                <p:cTn id="7" presetID="1" presetClass="entr" presetSubtype="0" fill="hold" nodeType="withEffect">
+                                  <p:stCondLst>
+                                    <p:cond delay="0"/>
+                                  </p:stCondLst>
+                                  <p:childTnLst>
+                                    <p:set>
+                                      <p:cBhvr>
+                                        <p:cTn id="8" dur="1" fill="hold">
+                                          <p:stCondLst>
+                                            <p:cond delay="0"/>
+                                          </p:stCondLst>
+                                        </p:cTn>
+                                        <p:tgtEl>
+                                          <p:spTgt spid="6"/>
+                                        </p:tgtEl>
+                                        <p:attrNameLst>
+                                          <p:attrName>style.visibility</p:attrName>
+                                        </p:attrNameLst>
+                                      </p:cBhvr>
+                                      <p:to>
+                                        <p:strVal val="visible"/>
+                                      </p:to>
+                                    </p:set>
+                                  </p:childTnLst>
+                                </p:cTn>
+                              </p:par>
+                              <p:par>
+                                <p:cTn id="9" presetID="1" presetClass="entr" presetSubtype="0" fill="hold" grpId="0" nodeType="withEffect">
+                                  <p:stCondLst>
+                                    <p:cond delay="0"/>
+                                  </p:stCondLst>
+                                  <p:childTnLst>
+                                    <p:set>
+                                      <p:cBhvr>
+                                        <p:cTn id="10" dur="1" fill="hold">
+                                          <p:stCondLst>
+                                            <p:cond delay="0"/>
+                                          </p:stCondLst>
+                                        </p:cTn>
+                                        <p:tgtEl>
+                                          <p:spTgt spid="9"/>
+                                        </p:tgtEl>
+                                        <p:attrNameLst>
+                                          <p:attrName>style.visibility</p:attrName>
+                                        </p:attrNameLst>
+                                      </p:cBhvr>
+                                      <p:to>
+                                        <p:strVal val="visible"/>
+                                      </p:to>
+                                    </p:set>
+                                  </p:childTnLst>
+                                </p:cTn>
+                              </p:par>
+                            </p:childTnLst>
+                          </p:cTn>
+                        </p:par>
+                      </p:childTnLst>
+                    </p:cTn>
+                  </p:par>
+                  <p:par>
+                    <p:cTn id="11" fill="hold">
+                      <p:stCondLst>
+                        <p:cond delay="indefinite"/>
+                      </p:stCondLst>
+                      <p:childTnLst>
+                        <p:par>
+                          <p:cTn id="12" fill="hold">
+                            <p:stCondLst>
+                              <p:cond delay="0"/>
+                            </p:stCondLst>
+                            <p:childTnLst>
+                              <p:par>
+                                <p:cTn id="13" presetID="1" presetClass="entr" presetSubtype="0" fill="hold" nodeType="clickEffect">
+                                  <p:stCondLst>
+                                    <p:cond delay="0"/>
+                                  </p:stCondLst>
+                                  <p:childTnLst>
+                                    <p:set>
+                                      <p:cBhvr>
+                                        <p:cTn id="14" dur="1" fill="hold">
+                                          <p:stCondLst>
+                                            <p:cond delay="0"/>
+                                          </p:stCondLst>
+                                        </p:cTn>
+                                        <p:tgtEl>
+                                          <p:spTgt spid="3"/>
+                                        </p:tgtEl>
+                                        <p:attrNameLst>
+                                          <p:attrName>style.visibility</p:attrName>
+                                        </p:attrNameLst>
+                                      </p:cBhvr>
+                                      <p:to>
+                                        <p:strVal val="visible"/>
+                                      </p:to>
+                                    </p:set>
+                                  </p:childTnLst>
+                                </p:cTn>
+                              </p:par>
+                            </p:childTnLst>
+                          </p:cTn>
+                        </p:par>
+                      </p:childTnLst>
+                    </p:cTn>
+                  </p:par>
+                  <p:par>
+                    <p:cTn id="15" fill="hold">
+                      <p:stCondLst>
+                        <p:cond delay="indefinite"/>
+                      </p:stCondLst>
+                      <p:childTnLst>
+                        <p:par>
+                          <p:cTn id="16" fill="hold">
+                            <p:stCondLst>
+                              <p:cond delay="0"/>
+                            </p:stCondLst>
+                            <p:childTnLst>
+                              <p:par>
+                                <p:cTn id="17" presetID="1" presetClass="entr" presetSubtype="0" fill="hold" nodeType="clickEffect">
+                                  <p:stCondLst>
+                                    <p:cond delay="0"/>
+                                  </p:stCondLst>
+                                  <p:childTnLst>
+                                    <p:set>
+                                      <p:cBhvr>
+                                        <p:cTn id="18" dur="1" fill="hold">
+                                          <p:stCondLst>
+                                            <p:cond delay="0"/>
+                                          </p:stCondLst>
+                                        </p:cTn>
+                                        <p:tgtEl>
+                                          <p:spTgt spid="4"/>
+                                        </p:tgtEl>
+                                        <p:attrNameLst>
+                                          <p:attrName>style.visibility</p:attrName>
+                                        </p:attrNameLst>
+                                      </p:cBhvr>
+                                      <p:to>
+                                        <p:strVal val="visible"/>
+                                      </p:to>
+                                    </p:set>
+                                  </p:childTnLst>
+                                </p:cTn>
+                              </p:par>
+                            </p:childTnLst>
+                          </p:cTn>
+                        </p:par>
+                      </p:childTnLst>
+                    </p:cTn>
+                  </p:par>
+                </p:childTnLst>
+              </p:cTn>
+              <p:prevCondLst>
+                <p:cond evt="onPrev" delay="0">
+                  <p:tgtEl>
+                    <p:sldTgt/>
+                  </p:tgtEl>
+                </p:cond>
+              </p:prevCondLst>
+              <p:nextCondLst>
+                <p:cond evt="onNext" delay="0">
+                  <p:tgtEl>
+                    <p:sldTgt/>
+                  </p:tgtEl>
+                </p:cond>
+              </p:nextCondLst>
+            </p:seq>
+          </p:childTnLst>
+        </p:cTn>
+      </p:par>
+    </p:tnLst>
+    <p:bldLst>
+      <p:bldP spid="12" grpId="0" animBg="1"/>
+      <p:bldP spid="9" grpId="0"/>
+    </p:bldLst>
+  </p:timing>
+</p:sld>
+</file>
+
+<file path=ppt/slides/slide11.xml><?xml version="1.0" encoding="utf-8"?>
+<p:sld xmlns:a="http://schemas.openxmlformats.org/drawingml/2006/main" xmlns:r="http://schemas.openxmlformats.org/officeDocument/2006/relationships" xmlns:p="http://schemas.openxmlformats.org/presentationml/2006/main">
+  <p:cSld>
+    <p:spTree>
+      <p:nvGrpSpPr>
+        <p:cNvPr id="1" name=""/>
+        <p:cNvGrpSpPr/>
+        <p:nvPr/>
+      </p:nvGrpSpPr>
+      <p:grpSpPr>
+        <a:xfrm>
+          <a:off x="0" y="0"/>
+          <a:ext cx="0" cy="0"/>
+          <a:chOff x="0" y="0"/>
+          <a:chExt cx="0" cy="0"/>
+        </a:xfrm>
+      </p:grpSpPr>
+      <p:sp>
+        <p:nvSpPr>
           <p:cNvPr id="2" name="Title 1"/>
           <p:cNvSpPr>
             <a:spLocks noGrp="1"/>
@@ -19516,16 +20436,16 @@
       </p:sp>
       <p:grpSp>
         <p:nvGrpSpPr>
-          <p:cNvPr id="33" name="Group 32"/>
+          <p:cNvPr id="6" name="Group 5"/>
           <p:cNvGrpSpPr/>
           <p:nvPr/>
         </p:nvGrpSpPr>
         <p:grpSpPr>
           <a:xfrm>
-            <a:off x="380481" y="2828464"/>
-            <a:ext cx="8358694" cy="2952328"/>
-            <a:chOff x="385208" y="2780928"/>
-            <a:chExt cx="8358694" cy="2552697"/>
+            <a:off x="381523" y="2828464"/>
+            <a:ext cx="8357650" cy="620458"/>
+            <a:chOff x="381523" y="2828464"/>
+            <a:chExt cx="8357650" cy="620458"/>
           </a:xfrm>
         </p:grpSpPr>
         <p:sp>
@@ -19536,8 +20456,8 @@
           </p:nvSpPr>
           <p:spPr>
             <a:xfrm>
-              <a:off x="389933" y="2780928"/>
-              <a:ext cx="8353967" cy="536472"/>
+              <a:off x="385206" y="2828464"/>
+              <a:ext cx="8353967" cy="620458"/>
             </a:xfrm>
             <a:prstGeom prst="roundRect">
               <a:avLst/>
@@ -19586,8 +20506,8 @@
           </p:nvSpPr>
           <p:spPr>
             <a:xfrm rot="16200000">
-              <a:off x="445679" y="2723154"/>
-              <a:ext cx="534816" cy="653675"/>
+              <a:off x="399089" y="2812813"/>
+              <a:ext cx="618543" cy="653675"/>
             </a:xfrm>
             <a:prstGeom prst="round2SameRect">
               <a:avLst/>
@@ -19647,6 +20567,21 @@
             </a:p>
           </p:txBody>
         </p:sp>
+      </p:grpSp>
+      <p:grpSp>
+        <p:nvGrpSpPr>
+          <p:cNvPr id="5" name="Group 4"/>
+          <p:cNvGrpSpPr/>
+          <p:nvPr/>
+        </p:nvGrpSpPr>
+        <p:grpSpPr>
+          <a:xfrm>
+            <a:off x="385207" y="3587689"/>
+            <a:ext cx="8353967" cy="620459"/>
+            <a:chOff x="385207" y="3587689"/>
+            <a:chExt cx="8353967" cy="620459"/>
+          </a:xfrm>
+        </p:grpSpPr>
         <p:sp>
           <p:nvSpPr>
             <p:cNvPr id="25" name="Rounded Rectangle 24"/>
@@ -19655,8 +20590,8 @@
           </p:nvSpPr>
           <p:spPr>
             <a:xfrm>
-              <a:off x="389934" y="3437384"/>
-              <a:ext cx="8353967" cy="536472"/>
+              <a:off x="385207" y="3587690"/>
+              <a:ext cx="8353967" cy="620458"/>
             </a:xfrm>
             <a:prstGeom prst="roundRect">
               <a:avLst/>
@@ -19705,8 +20640,8 @@
           </p:nvSpPr>
           <p:spPr>
             <a:xfrm rot="16200000">
-              <a:off x="449365" y="3377954"/>
-              <a:ext cx="534816" cy="653675"/>
+              <a:off x="402775" y="3570123"/>
+              <a:ext cx="618543" cy="653675"/>
             </a:xfrm>
             <a:prstGeom prst="round2SameRect">
               <a:avLst/>
@@ -19766,6 +20701,21 @@
             </a:p>
           </p:txBody>
         </p:sp>
+      </p:grpSp>
+      <p:grpSp>
+        <p:nvGrpSpPr>
+          <p:cNvPr id="4" name="Group 3"/>
+          <p:cNvGrpSpPr/>
+          <p:nvPr/>
+        </p:nvGrpSpPr>
+        <p:grpSpPr>
+          <a:xfrm>
+            <a:off x="385208" y="4373312"/>
+            <a:ext cx="8353967" cy="620459"/>
+            <a:chOff x="385208" y="4373312"/>
+            <a:chExt cx="8353967" cy="620459"/>
+          </a:xfrm>
+        </p:grpSpPr>
         <p:sp>
           <p:nvSpPr>
             <p:cNvPr id="27" name="Rounded Rectangle 26"/>
@@ -19774,8 +20724,8 @@
           </p:nvSpPr>
           <p:spPr>
             <a:xfrm>
-              <a:off x="389935" y="4116664"/>
-              <a:ext cx="8353967" cy="536472"/>
+              <a:off x="385208" y="4373313"/>
+              <a:ext cx="8353967" cy="620458"/>
             </a:xfrm>
             <a:prstGeom prst="roundRect">
               <a:avLst/>
@@ -19824,8 +20774,8 @@
           </p:nvSpPr>
           <p:spPr>
             <a:xfrm rot="16200000">
-              <a:off x="449366" y="4057234"/>
-              <a:ext cx="534816" cy="653675"/>
+              <a:off x="402776" y="4355746"/>
+              <a:ext cx="618543" cy="653675"/>
             </a:xfrm>
             <a:prstGeom prst="round2SameRect">
               <a:avLst/>
@@ -19885,6 +20835,21 @@
             </a:p>
           </p:txBody>
         </p:sp>
+      </p:grpSp>
+      <p:grpSp>
+        <p:nvGrpSpPr>
+          <p:cNvPr id="3" name="Group 2"/>
+          <p:cNvGrpSpPr/>
+          <p:nvPr/>
+        </p:nvGrpSpPr>
+        <p:grpSpPr>
+          <a:xfrm>
+            <a:off x="380481" y="5160333"/>
+            <a:ext cx="8353967" cy="620459"/>
+            <a:chOff x="380481" y="5160333"/>
+            <a:chExt cx="8353967" cy="620459"/>
+          </a:xfrm>
+        </p:grpSpPr>
         <p:sp>
           <p:nvSpPr>
             <p:cNvPr id="31" name="Rounded Rectangle 30"/>
@@ -19893,8 +20858,8 @@
           </p:nvSpPr>
           <p:spPr>
             <a:xfrm>
-              <a:off x="385208" y="4797153"/>
-              <a:ext cx="8353967" cy="536472"/>
+              <a:off x="380481" y="5160334"/>
+              <a:ext cx="8353967" cy="620458"/>
             </a:xfrm>
             <a:prstGeom prst="roundRect">
               <a:avLst/>
@@ -19943,8 +20908,8 @@
           </p:nvSpPr>
           <p:spPr>
             <a:xfrm rot="16200000">
-              <a:off x="444639" y="4737723"/>
-              <a:ext cx="534816" cy="653675"/>
+              <a:off x="398049" y="5142767"/>
+              <a:ext cx="618543" cy="653675"/>
             </a:xfrm>
             <a:prstGeom prst="round2SameRect">
               <a:avLst/>
@@ -20015,10 +20980,220 @@
   <p:clrMapOvr>
     <a:masterClrMapping/>
   </p:clrMapOvr>
+  <p:timing>
+    <p:tnLst>
+      <p:par>
+        <p:cTn xmlns:p14="http://schemas.microsoft.com/office/powerpoint/2010/main" id="1" dur="indefinite" restart="never" nodeType="tmRoot">
+          <p:childTnLst>
+            <p:seq concurrent="1" nextAc="seek">
+              <p:cTn id="2" dur="indefinite" nodeType="mainSeq">
+                <p:childTnLst>
+                  <p:par>
+                    <p:cTn id="3" fill="hold">
+                      <p:stCondLst>
+                        <p:cond delay="indefinite"/>
+                      </p:stCondLst>
+                      <p:childTnLst>
+                        <p:par>
+                          <p:cTn id="4" fill="hold">
+                            <p:stCondLst>
+                              <p:cond delay="0"/>
+                            </p:stCondLst>
+                            <p:childTnLst>
+                              <p:par>
+                                <p:cTn id="5" presetID="1" presetClass="entr" presetSubtype="0" fill="hold" nodeType="clickEffect">
+                                  <p:stCondLst>
+                                    <p:cond delay="0"/>
+                                  </p:stCondLst>
+                                  <p:childTnLst>
+                                    <p:set>
+                                      <p:cBhvr>
+                                        <p:cTn id="6" dur="1" fill="hold">
+                                          <p:stCondLst>
+                                            <p:cond delay="0"/>
+                                          </p:stCondLst>
+                                        </p:cTn>
+                                        <p:tgtEl>
+                                          <p:spTgt spid="6"/>
+                                        </p:tgtEl>
+                                        <p:attrNameLst>
+                                          <p:attrName>style.visibility</p:attrName>
+                                        </p:attrNameLst>
+                                      </p:cBhvr>
+                                      <p:to>
+                                        <p:strVal val="visible"/>
+                                      </p:to>
+                                    </p:set>
+                                  </p:childTnLst>
+                                </p:cTn>
+                              </p:par>
+                            </p:childTnLst>
+                          </p:cTn>
+                        </p:par>
+                      </p:childTnLst>
+                    </p:cTn>
+                  </p:par>
+                  <p:par>
+                    <p:cTn id="7" fill="hold">
+                      <p:stCondLst>
+                        <p:cond delay="indefinite"/>
+                      </p:stCondLst>
+                      <p:childTnLst>
+                        <p:par>
+                          <p:cTn id="8" fill="hold">
+                            <p:stCondLst>
+                              <p:cond delay="0"/>
+                            </p:stCondLst>
+                            <p:childTnLst>
+                              <p:par>
+                                <p:cTn id="9" presetID="1" presetClass="entr" presetSubtype="0" fill="hold" nodeType="clickEffect">
+                                  <p:stCondLst>
+                                    <p:cond delay="0"/>
+                                  </p:stCondLst>
+                                  <p:childTnLst>
+                                    <p:set>
+                                      <p:cBhvr>
+                                        <p:cTn id="10" dur="1" fill="hold">
+                                          <p:stCondLst>
+                                            <p:cond delay="0"/>
+                                          </p:stCondLst>
+                                        </p:cTn>
+                                        <p:tgtEl>
+                                          <p:spTgt spid="5"/>
+                                        </p:tgtEl>
+                                        <p:attrNameLst>
+                                          <p:attrName>style.visibility</p:attrName>
+                                        </p:attrNameLst>
+                                      </p:cBhvr>
+                                      <p:to>
+                                        <p:strVal val="visible"/>
+                                      </p:to>
+                                    </p:set>
+                                  </p:childTnLst>
+                                </p:cTn>
+                              </p:par>
+                            </p:childTnLst>
+                          </p:cTn>
+                        </p:par>
+                      </p:childTnLst>
+                    </p:cTn>
+                  </p:par>
+                  <p:par>
+                    <p:cTn id="11" fill="hold">
+                      <p:stCondLst>
+                        <p:cond delay="indefinite"/>
+                      </p:stCondLst>
+                      <p:childTnLst>
+                        <p:par>
+                          <p:cTn id="12" fill="hold">
+                            <p:stCondLst>
+                              <p:cond delay="0"/>
+                            </p:stCondLst>
+                            <p:childTnLst>
+                              <p:par>
+                                <p:cTn id="13" presetID="1" presetClass="entr" presetSubtype="0" fill="hold" nodeType="clickEffect">
+                                  <p:stCondLst>
+                                    <p:cond delay="0"/>
+                                  </p:stCondLst>
+                                  <p:childTnLst>
+                                    <p:set>
+                                      <p:cBhvr>
+                                        <p:cTn id="14" dur="1" fill="hold">
+                                          <p:stCondLst>
+                                            <p:cond delay="0"/>
+                                          </p:stCondLst>
+                                        </p:cTn>
+                                        <p:tgtEl>
+                                          <p:spTgt spid="4"/>
+                                        </p:tgtEl>
+                                        <p:attrNameLst>
+                                          <p:attrName>style.visibility</p:attrName>
+                                        </p:attrNameLst>
+                                      </p:cBhvr>
+                                      <p:to>
+                                        <p:strVal val="visible"/>
+                                      </p:to>
+                                    </p:set>
+                                  </p:childTnLst>
+                                </p:cTn>
+                              </p:par>
+                            </p:childTnLst>
+                          </p:cTn>
+                        </p:par>
+                      </p:childTnLst>
+                    </p:cTn>
+                  </p:par>
+                  <p:par>
+                    <p:cTn id="15" fill="hold">
+                      <p:stCondLst>
+                        <p:cond delay="indefinite"/>
+                      </p:stCondLst>
+                      <p:childTnLst>
+                        <p:par>
+                          <p:cTn id="16" fill="hold">
+                            <p:stCondLst>
+                              <p:cond delay="0"/>
+                            </p:stCondLst>
+                            <p:childTnLst>
+                              <p:par>
+                                <p:cTn id="17" presetID="1" presetClass="entr" presetSubtype="0" fill="hold" nodeType="clickEffect">
+                                  <p:stCondLst>
+                                    <p:cond delay="0"/>
+                                  </p:stCondLst>
+                                  <p:childTnLst>
+                                    <p:set>
+                                      <p:cBhvr>
+                                        <p:cTn id="18" dur="1" fill="hold">
+                                          <p:stCondLst>
+                                            <p:cond delay="0"/>
+                                          </p:stCondLst>
+                                        </p:cTn>
+                                        <p:tgtEl>
+                                          <p:spTgt spid="3"/>
+                                        </p:tgtEl>
+                                        <p:attrNameLst>
+                                          <p:attrName>style.visibility</p:attrName>
+                                        </p:attrNameLst>
+                                      </p:cBhvr>
+                                      <p:to>
+                                        <p:strVal val="visible"/>
+                                      </p:to>
+                                    </p:set>
+                                  </p:childTnLst>
+                                </p:cTn>
+                              </p:par>
+                            </p:childTnLst>
+                          </p:cTn>
+                        </p:par>
+                      </p:childTnLst>
+                    </p:cTn>
+                  </p:par>
+                </p:childTnLst>
+              </p:cTn>
+              <p:prevCondLst>
+                <p:cond evt="onPrev" delay="0">
+                  <p:tgtEl>
+                    <p:sldTgt/>
+                  </p:tgtEl>
+                </p:cond>
+              </p:prevCondLst>
+              <p:nextCondLst>
+                <p:cond evt="onNext" delay="0">
+                  <p:tgtEl>
+                    <p:sldTgt/>
+                  </p:tgtEl>
+                </p:cond>
+              </p:nextCondLst>
+            </p:seq>
+          </p:childTnLst>
+        </p:cTn>
+      </p:par>
+    </p:tnLst>
+  </p:timing>
 </p:sld>
 </file>
 
-<file path=ppt/slides/slide11.xml><?xml version="1.0" encoding="utf-8"?>
+<file path=ppt/slides/slide12.xml><?xml version="1.0" encoding="utf-8"?>
 <p:sld xmlns:a="http://schemas.openxmlformats.org/drawingml/2006/main" xmlns:r="http://schemas.openxmlformats.org/officeDocument/2006/relationships" xmlns:p="http://schemas.openxmlformats.org/presentationml/2006/main">
   <p:cSld>
     <p:spTree>
@@ -20083,87 +21258,9 @@
           </a:graphicData>
         </a:graphic>
       </p:graphicFrame>
-    </p:spTree>
-    <p:extLst>
-      <p:ext uri="{BB962C8B-B14F-4D97-AF65-F5344CB8AC3E}">
-        <p14:creationId xmlns:p14="http://schemas.microsoft.com/office/powerpoint/2010/main" val="3196132209"/>
-      </p:ext>
-    </p:extLst>
-  </p:cSld>
-  <p:clrMapOvr>
-    <a:masterClrMapping/>
-  </p:clrMapOvr>
-</p:sld>
-</file>
-
-<file path=ppt/slides/slide12.xml><?xml version="1.0" encoding="utf-8"?>
-<p:sld xmlns:a="http://schemas.openxmlformats.org/drawingml/2006/main" xmlns:r="http://schemas.openxmlformats.org/officeDocument/2006/relationships" xmlns:p="http://schemas.openxmlformats.org/presentationml/2006/main">
-  <p:cSld>
-    <p:spTree>
-      <p:nvGrpSpPr>
-        <p:cNvPr id="1" name=""/>
-        <p:cNvGrpSpPr/>
-        <p:nvPr/>
-      </p:nvGrpSpPr>
-      <p:grpSpPr>
-        <a:xfrm>
-          <a:off x="0" y="0"/>
-          <a:ext cx="0" cy="0"/>
-          <a:chOff x="0" y="0"/>
-          <a:chExt cx="0" cy="0"/>
-        </a:xfrm>
-      </p:grpSpPr>
       <p:sp>
         <p:nvSpPr>
-          <p:cNvPr id="2" name="Title 1"/>
-          <p:cNvSpPr>
-            <a:spLocks noGrp="1"/>
-          </p:cNvSpPr>
-          <p:nvPr>
-            <p:ph type="title"/>
-          </p:nvPr>
-        </p:nvSpPr>
-        <p:spPr/>
-        <p:txBody>
-          <a:bodyPr/>
-          <a:lstStyle/>
-          <a:p>
-            <a:r>
-              <a:rPr lang="en-US" dirty="0" smtClean="0"/>
-              <a:t>Succescriteria</a:t>
-            </a:r>
-            <a:endParaRPr lang="en-US" dirty="0"/>
-          </a:p>
-        </p:txBody>
-      </p:sp>
-      <p:graphicFrame>
-        <p:nvGraphicFramePr>
-          <p:cNvPr id="5" name="Content Placeholder 4"/>
-          <p:cNvGraphicFramePr>
-            <a:graphicFrameLocks noGrp="1"/>
-          </p:cNvGraphicFramePr>
-          <p:nvPr>
-            <p:ph idx="1"/>
-            <p:extLst>
-              <p:ext uri="{D42A27DB-BD31-4B8C-83A1-F6EECF244321}">
-                <p14:modId xmlns:p14="http://schemas.microsoft.com/office/powerpoint/2010/main" val="1771612566"/>
-              </p:ext>
-            </p:extLst>
-          </p:nvPr>
-        </p:nvGraphicFramePr>
-        <p:xfrm>
-          <a:off x="540000" y="1349999"/>
-          <a:ext cx="8334000" cy="4428000"/>
-        </p:xfrm>
-        <a:graphic>
-          <a:graphicData uri="http://schemas.openxmlformats.org/drawingml/2006/diagram">
-            <dgm:relIds xmlns:dgm="http://schemas.openxmlformats.org/drawingml/2006/diagram" xmlns:r="http://schemas.openxmlformats.org/officeDocument/2006/relationships" r:dm="rId2" r:lo="rId3" r:qs="rId4" r:cs="rId5"/>
-          </a:graphicData>
-        </a:graphic>
-      </p:graphicFrame>
-      <p:sp>
-        <p:nvSpPr>
-          <p:cNvPr id="10" name="Diamond 9"/>
+          <p:cNvPr id="4" name="Diamond 3"/>
           <p:cNvSpPr/>
           <p:nvPr/>
         </p:nvSpPr>
@@ -20214,13 +21311,292 @@
     </p:spTree>
     <p:extLst>
       <p:ext uri="{BB962C8B-B14F-4D97-AF65-F5344CB8AC3E}">
-        <p14:creationId xmlns:p14="http://schemas.microsoft.com/office/powerpoint/2010/main" val="2659194815"/>
+        <p14:creationId xmlns:p14="http://schemas.microsoft.com/office/powerpoint/2010/main" val="3196132209"/>
       </p:ext>
     </p:extLst>
   </p:cSld>
   <p:clrMapOvr>
     <a:masterClrMapping/>
   </p:clrMapOvr>
+  <p:timing>
+    <p:tnLst>
+      <p:par>
+        <p:cTn xmlns:p14="http://schemas.microsoft.com/office/powerpoint/2010/main" id="1" dur="indefinite" restart="never" nodeType="tmRoot">
+          <p:childTnLst>
+            <p:seq concurrent="1" nextAc="seek">
+              <p:cTn id="2" dur="indefinite" nodeType="mainSeq">
+                <p:childTnLst>
+                  <p:par>
+                    <p:cTn id="3" fill="hold">
+                      <p:stCondLst>
+                        <p:cond delay="indefinite"/>
+                      </p:stCondLst>
+                      <p:childTnLst>
+                        <p:par>
+                          <p:cTn id="4" fill="hold">
+                            <p:stCondLst>
+                              <p:cond delay="0"/>
+                            </p:stCondLst>
+                            <p:childTnLst>
+                              <p:par>
+                                <p:cTn id="5" presetID="1" presetClass="entr" presetSubtype="0" fill="hold" grpId="0" nodeType="clickEffect">
+                                  <p:stCondLst>
+                                    <p:cond delay="0"/>
+                                  </p:stCondLst>
+                                  <p:childTnLst>
+                                    <p:set>
+                                      <p:cBhvr>
+                                        <p:cTn id="6" dur="1" fill="hold">
+                                          <p:stCondLst>
+                                            <p:cond delay="0"/>
+                                          </p:stCondLst>
+                                        </p:cTn>
+                                        <p:tgtEl>
+                                          <p:spTgt spid="5">
+                                            <p:graphicEl>
+                                              <a:dgm id="{9A113BE4-233E-6C42-8E46-82B7C7925864}"/>
+                                            </p:graphicEl>
+                                          </p:spTgt>
+                                        </p:tgtEl>
+                                        <p:attrNameLst>
+                                          <p:attrName>style.visibility</p:attrName>
+                                        </p:attrNameLst>
+                                      </p:cBhvr>
+                                      <p:to>
+                                        <p:strVal val="visible"/>
+                                      </p:to>
+                                    </p:set>
+                                  </p:childTnLst>
+                                </p:cTn>
+                              </p:par>
+                            </p:childTnLst>
+                          </p:cTn>
+                        </p:par>
+                      </p:childTnLst>
+                    </p:cTn>
+                  </p:par>
+                  <p:par>
+                    <p:cTn id="7" fill="hold">
+                      <p:stCondLst>
+                        <p:cond delay="indefinite"/>
+                      </p:stCondLst>
+                      <p:childTnLst>
+                        <p:par>
+                          <p:cTn id="8" fill="hold">
+                            <p:stCondLst>
+                              <p:cond delay="0"/>
+                            </p:stCondLst>
+                            <p:childTnLst>
+                              <p:par>
+                                <p:cTn id="9" presetID="1" presetClass="entr" presetSubtype="0" fill="hold" grpId="0" nodeType="clickEffect">
+                                  <p:stCondLst>
+                                    <p:cond delay="0"/>
+                                  </p:stCondLst>
+                                  <p:childTnLst>
+                                    <p:set>
+                                      <p:cBhvr>
+                                        <p:cTn id="10" dur="1" fill="hold">
+                                          <p:stCondLst>
+                                            <p:cond delay="0"/>
+                                          </p:stCondLst>
+                                        </p:cTn>
+                                        <p:tgtEl>
+                                          <p:spTgt spid="5">
+                                            <p:graphicEl>
+                                              <a:dgm id="{E264A485-F2F6-254A-8852-F925B0BD37BB}"/>
+                                            </p:graphicEl>
+                                          </p:spTgt>
+                                        </p:tgtEl>
+                                        <p:attrNameLst>
+                                          <p:attrName>style.visibility</p:attrName>
+                                        </p:attrNameLst>
+                                      </p:cBhvr>
+                                      <p:to>
+                                        <p:strVal val="visible"/>
+                                      </p:to>
+                                    </p:set>
+                                  </p:childTnLst>
+                                </p:cTn>
+                              </p:par>
+                            </p:childTnLst>
+                          </p:cTn>
+                        </p:par>
+                      </p:childTnLst>
+                    </p:cTn>
+                  </p:par>
+                  <p:par>
+                    <p:cTn id="11" fill="hold">
+                      <p:stCondLst>
+                        <p:cond delay="indefinite"/>
+                      </p:stCondLst>
+                      <p:childTnLst>
+                        <p:par>
+                          <p:cTn id="12" fill="hold">
+                            <p:stCondLst>
+                              <p:cond delay="0"/>
+                            </p:stCondLst>
+                            <p:childTnLst>
+                              <p:par>
+                                <p:cTn id="13" presetID="1" presetClass="entr" presetSubtype="0" fill="hold" grpId="0" nodeType="clickEffect">
+                                  <p:stCondLst>
+                                    <p:cond delay="0"/>
+                                  </p:stCondLst>
+                                  <p:childTnLst>
+                                    <p:set>
+                                      <p:cBhvr>
+                                        <p:cTn id="14" dur="1" fill="hold">
+                                          <p:stCondLst>
+                                            <p:cond delay="0"/>
+                                          </p:stCondLst>
+                                        </p:cTn>
+                                        <p:tgtEl>
+                                          <p:spTgt spid="5">
+                                            <p:graphicEl>
+                                              <a:dgm id="{C210B818-4175-464B-AE3C-BF936A845BC7}"/>
+                                            </p:graphicEl>
+                                          </p:spTgt>
+                                        </p:tgtEl>
+                                        <p:attrNameLst>
+                                          <p:attrName>style.visibility</p:attrName>
+                                        </p:attrNameLst>
+                                      </p:cBhvr>
+                                      <p:to>
+                                        <p:strVal val="visible"/>
+                                      </p:to>
+                                    </p:set>
+                                  </p:childTnLst>
+                                </p:cTn>
+                              </p:par>
+                            </p:childTnLst>
+                          </p:cTn>
+                        </p:par>
+                      </p:childTnLst>
+                    </p:cTn>
+                  </p:par>
+                  <p:par>
+                    <p:cTn id="15" fill="hold">
+                      <p:stCondLst>
+                        <p:cond delay="indefinite"/>
+                      </p:stCondLst>
+                      <p:childTnLst>
+                        <p:par>
+                          <p:cTn id="16" fill="hold">
+                            <p:stCondLst>
+                              <p:cond delay="0"/>
+                            </p:stCondLst>
+                            <p:childTnLst>
+                              <p:par>
+                                <p:cTn id="17" presetID="1" presetClass="entr" presetSubtype="0" fill="hold" grpId="0" nodeType="clickEffect">
+                                  <p:stCondLst>
+                                    <p:cond delay="0"/>
+                                  </p:stCondLst>
+                                  <p:childTnLst>
+                                    <p:set>
+                                      <p:cBhvr>
+                                        <p:cTn id="18" dur="1" fill="hold">
+                                          <p:stCondLst>
+                                            <p:cond delay="0"/>
+                                          </p:stCondLst>
+                                        </p:cTn>
+                                        <p:tgtEl>
+                                          <p:spTgt spid="5">
+                                            <p:graphicEl>
+                                              <a:dgm id="{388E1EC5-025A-1A4F-949B-AC30BD904780}"/>
+                                            </p:graphicEl>
+                                          </p:spTgt>
+                                        </p:tgtEl>
+                                        <p:attrNameLst>
+                                          <p:attrName>style.visibility</p:attrName>
+                                        </p:attrNameLst>
+                                      </p:cBhvr>
+                                      <p:to>
+                                        <p:strVal val="visible"/>
+                                      </p:to>
+                                    </p:set>
+                                  </p:childTnLst>
+                                </p:cTn>
+                              </p:par>
+                            </p:childTnLst>
+                          </p:cTn>
+                        </p:par>
+                      </p:childTnLst>
+                    </p:cTn>
+                  </p:par>
+                  <p:par>
+                    <p:cTn id="19" fill="hold">
+                      <p:stCondLst>
+                        <p:cond delay="indefinite"/>
+                      </p:stCondLst>
+                      <p:childTnLst>
+                        <p:par>
+                          <p:cTn id="20" fill="hold">
+                            <p:stCondLst>
+                              <p:cond delay="0"/>
+                            </p:stCondLst>
+                            <p:childTnLst>
+                              <p:par>
+                                <p:cTn id="21" presetID="1" presetClass="entr" presetSubtype="0" fill="hold" grpId="0" nodeType="clickEffect">
+                                  <p:stCondLst>
+                                    <p:cond delay="0"/>
+                                  </p:stCondLst>
+                                  <p:childTnLst>
+                                    <p:set>
+                                      <p:cBhvr>
+                                        <p:cTn id="22" dur="1" fill="hold">
+                                          <p:stCondLst>
+                                            <p:cond delay="0"/>
+                                          </p:stCondLst>
+                                        </p:cTn>
+                                        <p:tgtEl>
+                                          <p:spTgt spid="4"/>
+                                        </p:tgtEl>
+                                        <p:attrNameLst>
+                                          <p:attrName>style.visibility</p:attrName>
+                                        </p:attrNameLst>
+                                      </p:cBhvr>
+                                      <p:to>
+                                        <p:strVal val="visible"/>
+                                      </p:to>
+                                    </p:set>
+                                  </p:childTnLst>
+                                </p:cTn>
+                              </p:par>
+                            </p:childTnLst>
+                          </p:cTn>
+                        </p:par>
+                      </p:childTnLst>
+                    </p:cTn>
+                  </p:par>
+                </p:childTnLst>
+              </p:cTn>
+              <p:prevCondLst>
+                <p:cond evt="onPrev" delay="0">
+                  <p:tgtEl>
+                    <p:sldTgt/>
+                  </p:tgtEl>
+                </p:cond>
+              </p:prevCondLst>
+              <p:nextCondLst>
+                <p:cond evt="onNext" delay="0">
+                  <p:tgtEl>
+                    <p:sldTgt/>
+                  </p:tgtEl>
+                </p:cond>
+              </p:nextCondLst>
+            </p:seq>
+          </p:childTnLst>
+        </p:cTn>
+      </p:par>
+    </p:tnLst>
+    <p:bldLst>
+      <p:bldGraphic spid="5" grpId="0">
+        <p:bldSub>
+          <a:bldDgm bld="one"/>
+        </p:bldSub>
+      </p:bldGraphic>
+      <p:bldP spid="4" grpId="0" animBg="1"/>
+    </p:bldLst>
+  </p:timing>
 </p:sld>
 </file>
 
@@ -20293,6 +21669,13 @@
   <p:clrMapOvr>
     <a:masterClrMapping/>
   </p:clrMapOvr>
+  <p:timing>
+    <p:tnLst>
+      <p:par>
+        <p:cTn xmlns:p14="http://schemas.microsoft.com/office/powerpoint/2010/main" id="1" dur="indefinite" restart="never" nodeType="tmRoot"/>
+      </p:par>
+    </p:tnLst>
+  </p:timing>
 </p:sld>
 </file>
 
@@ -20358,6 +21741,52 @@
           </a:graphicData>
         </a:graphic>
       </p:graphicFrame>
+      <p:sp>
+        <p:nvSpPr>
+          <p:cNvPr id="5" name="Rectangle 4"/>
+          <p:cNvSpPr/>
+          <p:nvPr/>
+        </p:nvSpPr>
+        <p:spPr>
+          <a:xfrm>
+            <a:off x="1547664" y="1268760"/>
+            <a:ext cx="2088232" cy="936104"/>
+          </a:xfrm>
+          <a:prstGeom prst="rect">
+            <a:avLst/>
+          </a:prstGeom>
+          <a:solidFill>
+            <a:schemeClr val="bg1"/>
+          </a:solidFill>
+          <a:ln>
+            <a:noFill/>
+          </a:ln>
+        </p:spPr>
+        <p:style>
+          <a:lnRef idx="2">
+            <a:schemeClr val="accent1">
+              <a:shade val="50000"/>
+            </a:schemeClr>
+          </a:lnRef>
+          <a:fillRef idx="1">
+            <a:schemeClr val="accent1"/>
+          </a:fillRef>
+          <a:effectRef idx="0">
+            <a:schemeClr val="accent1"/>
+          </a:effectRef>
+          <a:fontRef idx="minor">
+            <a:schemeClr val="lt1"/>
+          </a:fontRef>
+        </p:style>
+        <p:txBody>
+          <a:bodyPr rtlCol="0" anchor="ctr"/>
+          <a:lstStyle/>
+          <a:p>
+            <a:pPr algn="ctr"/>
+            <a:endParaRPr lang="en-US"/>
+          </a:p>
+        </p:txBody>
+      </p:sp>
     </p:spTree>
     <p:extLst>
       <p:ext uri="{BB962C8B-B14F-4D97-AF65-F5344CB8AC3E}">
@@ -20368,6 +21797,13 @@
   <p:clrMapOvr>
     <a:masterClrMapping/>
   </p:clrMapOvr>
+  <p:timing>
+    <p:tnLst>
+      <p:par>
+        <p:cTn xmlns:p14="http://schemas.microsoft.com/office/powerpoint/2010/main" id="1" dur="indefinite" restart="never" nodeType="tmRoot"/>
+      </p:par>
+    </p:tnLst>
+  </p:timing>
 </p:sld>
 </file>
 
@@ -20415,40 +21851,137 @@
           </a:p>
         </p:txBody>
       </p:sp>
-      <p:sp>
-        <p:nvSpPr>
-          <p:cNvPr id="3" name="Content Placeholder 2"/>
-          <p:cNvSpPr>
-            <a:spLocks noGrp="1"/>
-          </p:cNvSpPr>
-          <p:nvPr>
-            <p:ph idx="1"/>
-          </p:nvPr>
-        </p:nvSpPr>
-        <p:spPr/>
-        <p:txBody>
-          <a:bodyPr anchor="ctr"/>
-          <a:lstStyle/>
-          <a:p>
-            <a:pPr marL="0" indent="0" algn="ctr">
-              <a:buNone/>
-            </a:pPr>
-            <a:r>
-              <a:rPr lang="en-US" dirty="0" smtClean="0"/>
-              <a:t>FIGUUR BOOM (2e </a:t>
-            </a:r>
-            <a:r>
-              <a:rPr lang="en-US" dirty="0" err="1" smtClean="0"/>
-              <a:t>manier</a:t>
-            </a:r>
-            <a:r>
-              <a:rPr lang="en-US" dirty="0" smtClean="0"/>
-              <a:t>)</a:t>
-            </a:r>
-            <a:endParaRPr lang="en-US" dirty="0"/>
-          </a:p>
-        </p:txBody>
-      </p:sp>
+      <p:grpSp>
+        <p:nvGrpSpPr>
+          <p:cNvPr id="12" name="Group 11"/>
+          <p:cNvGrpSpPr/>
+          <p:nvPr/>
+        </p:nvGrpSpPr>
+        <p:grpSpPr>
+          <a:xfrm>
+            <a:off x="1498640" y="1170410"/>
+            <a:ext cx="6480720" cy="4608512"/>
+            <a:chOff x="2296916" y="1844824"/>
+            <a:chExt cx="4461334" cy="3317526"/>
+          </a:xfrm>
+        </p:grpSpPr>
+        <p:pic>
+          <p:nvPicPr>
+            <p:cNvPr id="7" name="Picture 6" descr="Screen Shot 2015-05-03 at 17.09.11.png"/>
+            <p:cNvPicPr>
+              <a:picLocks noChangeAspect="1"/>
+            </p:cNvPicPr>
+            <p:nvPr/>
+          </p:nvPicPr>
+          <p:blipFill rotWithShape="1">
+            <a:blip r:embed="rId2">
+              <a:extLst>
+                <a:ext uri="{28A0092B-C50C-407E-A947-70E740481C1C}">
+                  <a14:useLocalDpi xmlns:a14="http://schemas.microsoft.com/office/drawing/2010/main" val="0"/>
+                </a:ext>
+              </a:extLst>
+            </a:blip>
+            <a:srcRect l="1756" t="9293" r="2184" b="11570"/>
+            <a:stretch/>
+          </p:blipFill>
+          <p:spPr>
+            <a:xfrm>
+              <a:off x="2356042" y="1844824"/>
+              <a:ext cx="4343082" cy="793982"/>
+            </a:xfrm>
+            <a:prstGeom prst="rect">
+              <a:avLst/>
+            </a:prstGeom>
+          </p:spPr>
+        </p:pic>
+        <p:pic>
+          <p:nvPicPr>
+            <p:cNvPr id="8" name="Picture 7" descr="Screen Shot 2015-05-03 at 17.10.57.png"/>
+            <p:cNvPicPr>
+              <a:picLocks noChangeAspect="1"/>
+            </p:cNvPicPr>
+            <p:nvPr/>
+          </p:nvPicPr>
+          <p:blipFill rotWithShape="1">
+            <a:blip r:embed="rId3">
+              <a:extLst>
+                <a:ext uri="{28A0092B-C50C-407E-A947-70E740481C1C}">
+                  <a14:useLocalDpi xmlns:a14="http://schemas.microsoft.com/office/drawing/2010/main" val="0"/>
+                </a:ext>
+              </a:extLst>
+            </a:blip>
+            <a:srcRect l="1398" t="4842" r="1932" b="15007"/>
+            <a:stretch/>
+          </p:blipFill>
+          <p:spPr>
+            <a:xfrm>
+              <a:off x="2342275" y="2638806"/>
+              <a:ext cx="4370617" cy="793982"/>
+            </a:xfrm>
+            <a:prstGeom prst="rect">
+              <a:avLst/>
+            </a:prstGeom>
+          </p:spPr>
+        </p:pic>
+        <p:pic>
+          <p:nvPicPr>
+            <p:cNvPr id="9" name="Picture 8" descr="Screen Shot 2015-05-03 at 17.11.21.png"/>
+            <p:cNvPicPr>
+              <a:picLocks noChangeAspect="1"/>
+            </p:cNvPicPr>
+            <p:nvPr/>
+          </p:nvPicPr>
+          <p:blipFill rotWithShape="1">
+            <a:blip r:embed="rId4">
+              <a:extLst>
+                <a:ext uri="{28A0092B-C50C-407E-A947-70E740481C1C}">
+                  <a14:useLocalDpi xmlns:a14="http://schemas.microsoft.com/office/drawing/2010/main" val="0"/>
+                </a:ext>
+              </a:extLst>
+            </a:blip>
+            <a:srcRect l="2231" t="8843" r="2103" b="8914"/>
+            <a:stretch/>
+          </p:blipFill>
+          <p:spPr>
+            <a:xfrm>
+              <a:off x="2316354" y="3432788"/>
+              <a:ext cx="4422459" cy="793815"/>
+            </a:xfrm>
+            <a:prstGeom prst="rect">
+              <a:avLst/>
+            </a:prstGeom>
+          </p:spPr>
+        </p:pic>
+        <p:pic>
+          <p:nvPicPr>
+            <p:cNvPr id="10" name="Picture 9" descr="Screen Shot 2015-05-03 at 17.11.46.png"/>
+            <p:cNvPicPr>
+              <a:picLocks noChangeAspect="1"/>
+            </p:cNvPicPr>
+            <p:nvPr/>
+          </p:nvPicPr>
+          <p:blipFill rotWithShape="1">
+            <a:blip r:embed="rId5">
+              <a:extLst>
+                <a:ext uri="{28A0092B-C50C-407E-A947-70E740481C1C}">
+                  <a14:useLocalDpi xmlns:a14="http://schemas.microsoft.com/office/drawing/2010/main" val="0"/>
+                </a:ext>
+              </a:extLst>
+            </a:blip>
+            <a:srcRect l="1684" t="9078" r="1809" b="8411"/>
+            <a:stretch/>
+          </p:blipFill>
+          <p:spPr>
+            <a:xfrm>
+              <a:off x="2296916" y="4334513"/>
+              <a:ext cx="4461334" cy="827837"/>
+            </a:xfrm>
+            <a:prstGeom prst="rect">
+              <a:avLst/>
+            </a:prstGeom>
+          </p:spPr>
+        </p:pic>
+      </p:grpSp>
     </p:spTree>
     <p:extLst>
       <p:ext uri="{BB962C8B-B14F-4D97-AF65-F5344CB8AC3E}">
@@ -20459,6 +21992,13 @@
   <p:clrMapOvr>
     <a:masterClrMapping/>
   </p:clrMapOvr>
+  <p:timing>
+    <p:tnLst>
+      <p:par>
+        <p:cTn xmlns:p14="http://schemas.microsoft.com/office/powerpoint/2010/main" id="1" dur="indefinite" restart="never" nodeType="tmRoot"/>
+      </p:par>
+    </p:tnLst>
+  </p:timing>
 </p:sld>
 </file>
 
@@ -20692,6 +22232,13 @@
   <p:clrMapOvr>
     <a:masterClrMapping/>
   </p:clrMapOvr>
+  <p:timing>
+    <p:tnLst>
+      <p:par>
+        <p:cTn xmlns:p14="http://schemas.microsoft.com/office/powerpoint/2010/main" id="1" dur="indefinite" restart="never" nodeType="tmRoot"/>
+      </p:par>
+    </p:tnLst>
+  </p:timing>
 </p:sld>
 </file>
 
@@ -20745,14 +22292,14 @@
             <p:ph idx="1"/>
             <p:extLst>
               <p:ext uri="{D42A27DB-BD31-4B8C-83A1-F6EECF244321}">
-                <p14:modId xmlns:p14="http://schemas.microsoft.com/office/powerpoint/2010/main" val="3054887133"/>
+                <p14:modId xmlns:p14="http://schemas.microsoft.com/office/powerpoint/2010/main" val="2352460180"/>
               </p:ext>
             </p:extLst>
           </p:nvPr>
         </p:nvGraphicFramePr>
         <p:xfrm>
-          <a:off x="251520" y="1349375"/>
-          <a:ext cx="8622605" cy="4887937"/>
+          <a:off x="251395" y="1268760"/>
+          <a:ext cx="8622605" cy="4743921"/>
         </p:xfrm>
         <a:graphic>
           <a:graphicData uri="http://schemas.openxmlformats.org/drawingml/2006/chart">
@@ -20770,6 +22317,13 @@
   <p:clrMapOvr>
     <a:masterClrMapping/>
   </p:clrMapOvr>
+  <p:timing>
+    <p:tnLst>
+      <p:par>
+        <p:cTn xmlns:p14="http://schemas.microsoft.com/office/powerpoint/2010/main" id="1" dur="indefinite" restart="never" nodeType="tmRoot"/>
+      </p:par>
+    </p:tnLst>
+  </p:timing>
 </p:sld>
 </file>
 
@@ -20955,6 +22509,413 @@
             <a:spLocks noGrp="1"/>
           </p:cNvSpPr>
           <p:nvPr>
+            <p:ph type="title"/>
+          </p:nvPr>
+        </p:nvSpPr>
+        <p:spPr/>
+        <p:txBody>
+          <a:bodyPr/>
+          <a:lstStyle/>
+          <a:p>
+            <a:r>
+              <a:rPr lang="en-US" dirty="0" smtClean="0"/>
+              <a:t>Succescriteria</a:t>
+            </a:r>
+            <a:endParaRPr lang="en-US" dirty="0"/>
+          </a:p>
+        </p:txBody>
+      </p:sp>
+      <p:graphicFrame>
+        <p:nvGraphicFramePr>
+          <p:cNvPr id="5" name="Content Placeholder 4"/>
+          <p:cNvGraphicFramePr>
+            <a:graphicFrameLocks noGrp="1"/>
+          </p:cNvGraphicFramePr>
+          <p:nvPr>
+            <p:ph idx="1"/>
+            <p:extLst>
+              <p:ext uri="{D42A27DB-BD31-4B8C-83A1-F6EECF244321}">
+                <p14:modId xmlns:p14="http://schemas.microsoft.com/office/powerpoint/2010/main" val="320051976"/>
+              </p:ext>
+            </p:extLst>
+          </p:nvPr>
+        </p:nvGraphicFramePr>
+        <p:xfrm>
+          <a:off x="505981" y="1281957"/>
+          <a:ext cx="8334000" cy="4428000"/>
+        </p:xfrm>
+        <a:graphic>
+          <a:graphicData uri="http://schemas.openxmlformats.org/drawingml/2006/diagram">
+            <dgm:relIds xmlns:dgm="http://schemas.openxmlformats.org/drawingml/2006/diagram" xmlns:r="http://schemas.openxmlformats.org/officeDocument/2006/relationships" r:dm="rId2" r:lo="rId3" r:qs="rId4" r:cs="rId5"/>
+          </a:graphicData>
+        </a:graphic>
+      </p:graphicFrame>
+      <p:sp>
+        <p:nvSpPr>
+          <p:cNvPr id="4" name="Diamond 3"/>
+          <p:cNvSpPr/>
+          <p:nvPr/>
+        </p:nvSpPr>
+        <p:spPr>
+          <a:xfrm>
+            <a:off x="1691680" y="1296025"/>
+            <a:ext cx="5976664" cy="4509239"/>
+          </a:xfrm>
+          <a:prstGeom prst="diamond">
+            <a:avLst/>
+          </a:prstGeom>
+          <a:solidFill>
+            <a:srgbClr val="00DD00"/>
+          </a:solidFill>
+          <a:ln>
+            <a:noFill/>
+          </a:ln>
+        </p:spPr>
+        <p:style>
+          <a:lnRef idx="2">
+            <a:schemeClr val="accent1">
+              <a:shade val="50000"/>
+            </a:schemeClr>
+          </a:lnRef>
+          <a:fillRef idx="1">
+            <a:schemeClr val="accent1"/>
+          </a:fillRef>
+          <a:effectRef idx="0">
+            <a:schemeClr val="accent1"/>
+          </a:effectRef>
+          <a:fontRef idx="minor">
+            <a:schemeClr val="lt1"/>
+          </a:fontRef>
+        </p:style>
+        <p:txBody>
+          <a:bodyPr rtlCol="0" anchor="ctr"/>
+          <a:lstStyle/>
+          <a:p>
+            <a:pPr algn="ctr"/>
+            <a:r>
+              <a:rPr lang="en-US" sz="4800" b="1" dirty="0" smtClean="0"/>
+              <a:t>SUCCES</a:t>
+            </a:r>
+            <a:endParaRPr lang="en-US" b="1" dirty="0"/>
+          </a:p>
+        </p:txBody>
+      </p:sp>
+    </p:spTree>
+    <p:extLst>
+      <p:ext uri="{BB962C8B-B14F-4D97-AF65-F5344CB8AC3E}">
+        <p14:creationId xmlns:p14="http://schemas.microsoft.com/office/powerpoint/2010/main" val="2240761709"/>
+      </p:ext>
+    </p:extLst>
+  </p:cSld>
+  <p:clrMapOvr>
+    <a:masterClrMapping/>
+  </p:clrMapOvr>
+  <p:timing>
+    <p:tnLst>
+      <p:par>
+        <p:cTn xmlns:p14="http://schemas.microsoft.com/office/powerpoint/2010/main" id="1" dur="indefinite" restart="never" nodeType="tmRoot">
+          <p:childTnLst>
+            <p:seq concurrent="1" nextAc="seek">
+              <p:cTn id="2" dur="indefinite" nodeType="mainSeq">
+                <p:childTnLst>
+                  <p:par>
+                    <p:cTn id="3" fill="hold">
+                      <p:stCondLst>
+                        <p:cond delay="indefinite"/>
+                      </p:stCondLst>
+                      <p:childTnLst>
+                        <p:par>
+                          <p:cTn id="4" fill="hold">
+                            <p:stCondLst>
+                              <p:cond delay="0"/>
+                            </p:stCondLst>
+                            <p:childTnLst>
+                              <p:par>
+                                <p:cTn id="5" presetID="1" presetClass="entr" presetSubtype="0" fill="hold" grpId="0" nodeType="clickEffect">
+                                  <p:stCondLst>
+                                    <p:cond delay="0"/>
+                                  </p:stCondLst>
+                                  <p:childTnLst>
+                                    <p:set>
+                                      <p:cBhvr>
+                                        <p:cTn id="6" dur="1" fill="hold">
+                                          <p:stCondLst>
+                                            <p:cond delay="0"/>
+                                          </p:stCondLst>
+                                        </p:cTn>
+                                        <p:tgtEl>
+                                          <p:spTgt spid="5">
+                                            <p:graphicEl>
+                                              <a:dgm id="{9A113BE4-233E-6C42-8E46-82B7C7925864}"/>
+                                            </p:graphicEl>
+                                          </p:spTgt>
+                                        </p:tgtEl>
+                                        <p:attrNameLst>
+                                          <p:attrName>style.visibility</p:attrName>
+                                        </p:attrNameLst>
+                                      </p:cBhvr>
+                                      <p:to>
+                                        <p:strVal val="visible"/>
+                                      </p:to>
+                                    </p:set>
+                                  </p:childTnLst>
+                                </p:cTn>
+                              </p:par>
+                            </p:childTnLst>
+                          </p:cTn>
+                        </p:par>
+                      </p:childTnLst>
+                    </p:cTn>
+                  </p:par>
+                  <p:par>
+                    <p:cTn id="7" fill="hold">
+                      <p:stCondLst>
+                        <p:cond delay="indefinite"/>
+                      </p:stCondLst>
+                      <p:childTnLst>
+                        <p:par>
+                          <p:cTn id="8" fill="hold">
+                            <p:stCondLst>
+                              <p:cond delay="0"/>
+                            </p:stCondLst>
+                            <p:childTnLst>
+                              <p:par>
+                                <p:cTn id="9" presetID="1" presetClass="entr" presetSubtype="0" fill="hold" grpId="0" nodeType="clickEffect">
+                                  <p:stCondLst>
+                                    <p:cond delay="0"/>
+                                  </p:stCondLst>
+                                  <p:childTnLst>
+                                    <p:set>
+                                      <p:cBhvr>
+                                        <p:cTn id="10" dur="1" fill="hold">
+                                          <p:stCondLst>
+                                            <p:cond delay="0"/>
+                                          </p:stCondLst>
+                                        </p:cTn>
+                                        <p:tgtEl>
+                                          <p:spTgt spid="5">
+                                            <p:graphicEl>
+                                              <a:dgm id="{E264A485-F2F6-254A-8852-F925B0BD37BB}"/>
+                                            </p:graphicEl>
+                                          </p:spTgt>
+                                        </p:tgtEl>
+                                        <p:attrNameLst>
+                                          <p:attrName>style.visibility</p:attrName>
+                                        </p:attrNameLst>
+                                      </p:cBhvr>
+                                      <p:to>
+                                        <p:strVal val="visible"/>
+                                      </p:to>
+                                    </p:set>
+                                  </p:childTnLst>
+                                </p:cTn>
+                              </p:par>
+                            </p:childTnLst>
+                          </p:cTn>
+                        </p:par>
+                      </p:childTnLst>
+                    </p:cTn>
+                  </p:par>
+                  <p:par>
+                    <p:cTn id="11" fill="hold">
+                      <p:stCondLst>
+                        <p:cond delay="indefinite"/>
+                      </p:stCondLst>
+                      <p:childTnLst>
+                        <p:par>
+                          <p:cTn id="12" fill="hold">
+                            <p:stCondLst>
+                              <p:cond delay="0"/>
+                            </p:stCondLst>
+                            <p:childTnLst>
+                              <p:par>
+                                <p:cTn id="13" presetID="1" presetClass="entr" presetSubtype="0" fill="hold" grpId="0" nodeType="clickEffect">
+                                  <p:stCondLst>
+                                    <p:cond delay="0"/>
+                                  </p:stCondLst>
+                                  <p:childTnLst>
+                                    <p:set>
+                                      <p:cBhvr>
+                                        <p:cTn id="14" dur="1" fill="hold">
+                                          <p:stCondLst>
+                                            <p:cond delay="0"/>
+                                          </p:stCondLst>
+                                        </p:cTn>
+                                        <p:tgtEl>
+                                          <p:spTgt spid="5">
+                                            <p:graphicEl>
+                                              <a:dgm id="{C210B818-4175-464B-AE3C-BF936A845BC7}"/>
+                                            </p:graphicEl>
+                                          </p:spTgt>
+                                        </p:tgtEl>
+                                        <p:attrNameLst>
+                                          <p:attrName>style.visibility</p:attrName>
+                                        </p:attrNameLst>
+                                      </p:cBhvr>
+                                      <p:to>
+                                        <p:strVal val="visible"/>
+                                      </p:to>
+                                    </p:set>
+                                  </p:childTnLst>
+                                </p:cTn>
+                              </p:par>
+                            </p:childTnLst>
+                          </p:cTn>
+                        </p:par>
+                      </p:childTnLst>
+                    </p:cTn>
+                  </p:par>
+                  <p:par>
+                    <p:cTn id="15" fill="hold">
+                      <p:stCondLst>
+                        <p:cond delay="indefinite"/>
+                      </p:stCondLst>
+                      <p:childTnLst>
+                        <p:par>
+                          <p:cTn id="16" fill="hold">
+                            <p:stCondLst>
+                              <p:cond delay="0"/>
+                            </p:stCondLst>
+                            <p:childTnLst>
+                              <p:par>
+                                <p:cTn id="17" presetID="1" presetClass="entr" presetSubtype="0" fill="hold" grpId="0" nodeType="clickEffect">
+                                  <p:stCondLst>
+                                    <p:cond delay="0"/>
+                                  </p:stCondLst>
+                                  <p:childTnLst>
+                                    <p:set>
+                                      <p:cBhvr>
+                                        <p:cTn id="18" dur="1" fill="hold">
+                                          <p:stCondLst>
+                                            <p:cond delay="0"/>
+                                          </p:stCondLst>
+                                        </p:cTn>
+                                        <p:tgtEl>
+                                          <p:spTgt spid="5">
+                                            <p:graphicEl>
+                                              <a:dgm id="{388E1EC5-025A-1A4F-949B-AC30BD904780}"/>
+                                            </p:graphicEl>
+                                          </p:spTgt>
+                                        </p:tgtEl>
+                                        <p:attrNameLst>
+                                          <p:attrName>style.visibility</p:attrName>
+                                        </p:attrNameLst>
+                                      </p:cBhvr>
+                                      <p:to>
+                                        <p:strVal val="visible"/>
+                                      </p:to>
+                                    </p:set>
+                                  </p:childTnLst>
+                                </p:cTn>
+                              </p:par>
+                            </p:childTnLst>
+                          </p:cTn>
+                        </p:par>
+                      </p:childTnLst>
+                    </p:cTn>
+                  </p:par>
+                  <p:par>
+                    <p:cTn id="19" fill="hold">
+                      <p:stCondLst>
+                        <p:cond delay="indefinite"/>
+                      </p:stCondLst>
+                      <p:childTnLst>
+                        <p:par>
+                          <p:cTn id="20" fill="hold">
+                            <p:stCondLst>
+                              <p:cond delay="0"/>
+                            </p:stCondLst>
+                            <p:childTnLst>
+                              <p:par>
+                                <p:cTn id="21" presetID="1" presetClass="entr" presetSubtype="0" fill="hold" grpId="0" nodeType="clickEffect">
+                                  <p:stCondLst>
+                                    <p:cond delay="0"/>
+                                  </p:stCondLst>
+                                  <p:childTnLst>
+                                    <p:set>
+                                      <p:cBhvr>
+                                        <p:cTn id="22" dur="1" fill="hold">
+                                          <p:stCondLst>
+                                            <p:cond delay="0"/>
+                                          </p:stCondLst>
+                                        </p:cTn>
+                                        <p:tgtEl>
+                                          <p:spTgt spid="4"/>
+                                        </p:tgtEl>
+                                        <p:attrNameLst>
+                                          <p:attrName>style.visibility</p:attrName>
+                                        </p:attrNameLst>
+                                      </p:cBhvr>
+                                      <p:to>
+                                        <p:strVal val="visible"/>
+                                      </p:to>
+                                    </p:set>
+                                  </p:childTnLst>
+                                </p:cTn>
+                              </p:par>
+                            </p:childTnLst>
+                          </p:cTn>
+                        </p:par>
+                      </p:childTnLst>
+                    </p:cTn>
+                  </p:par>
+                </p:childTnLst>
+              </p:cTn>
+              <p:prevCondLst>
+                <p:cond evt="onPrev" delay="0">
+                  <p:tgtEl>
+                    <p:sldTgt/>
+                  </p:tgtEl>
+                </p:cond>
+              </p:prevCondLst>
+              <p:nextCondLst>
+                <p:cond evt="onNext" delay="0">
+                  <p:tgtEl>
+                    <p:sldTgt/>
+                  </p:tgtEl>
+                </p:cond>
+              </p:nextCondLst>
+            </p:seq>
+          </p:childTnLst>
+        </p:cTn>
+      </p:par>
+    </p:tnLst>
+    <p:bldLst>
+      <p:bldGraphic spid="5" grpId="0">
+        <p:bldSub>
+          <a:bldDgm bld="one"/>
+        </p:bldSub>
+      </p:bldGraphic>
+      <p:bldP spid="4" grpId="0" animBg="1"/>
+    </p:bldLst>
+  </p:timing>
+</p:sld>
+</file>
+
+<file path=ppt/slides/slide21.xml><?xml version="1.0" encoding="utf-8"?>
+<p:sld xmlns:a="http://schemas.openxmlformats.org/drawingml/2006/main" xmlns:r="http://schemas.openxmlformats.org/officeDocument/2006/relationships" xmlns:p="http://schemas.openxmlformats.org/presentationml/2006/main">
+  <p:cSld>
+    <p:spTree>
+      <p:nvGrpSpPr>
+        <p:cNvPr id="1" name=""/>
+        <p:cNvGrpSpPr/>
+        <p:nvPr/>
+      </p:nvGrpSpPr>
+      <p:grpSpPr>
+        <a:xfrm>
+          <a:off x="0" y="0"/>
+          <a:ext cx="0" cy="0"/>
+          <a:chOff x="0" y="0"/>
+          <a:chExt cx="0" cy="0"/>
+        </a:xfrm>
+      </p:grpSpPr>
+      <p:sp>
+        <p:nvSpPr>
+          <p:cNvPr id="2" name="Title 1"/>
+          <p:cNvSpPr>
+            <a:spLocks noGrp="1"/>
+          </p:cNvSpPr>
+          <p:nvPr>
             <p:ph type="ctrTitle"/>
           </p:nvPr>
         </p:nvSpPr>
@@ -21000,10 +22961,17 @@
   <p:clrMapOvr>
     <a:masterClrMapping/>
   </p:clrMapOvr>
+  <p:timing>
+    <p:tnLst>
+      <p:par>
+        <p:cTn xmlns:p14="http://schemas.microsoft.com/office/powerpoint/2010/main" id="1" dur="indefinite" restart="never" nodeType="tmRoot"/>
+      </p:par>
+    </p:tnLst>
+  </p:timing>
 </p:sld>
 </file>
 
-<file path=ppt/slides/slide21.xml><?xml version="1.0" encoding="utf-8"?>
+<file path=ppt/slides/slide22.xml><?xml version="1.0" encoding="utf-8"?>
 <p:sld xmlns:a="http://schemas.openxmlformats.org/drawingml/2006/main" xmlns:r="http://schemas.openxmlformats.org/officeDocument/2006/relationships" xmlns:p="http://schemas.openxmlformats.org/presentationml/2006/main">
   <p:cSld>
     <p:spTree>
@@ -21083,10 +23051,17 @@
   <p:clrMapOvr>
     <a:masterClrMapping/>
   </p:clrMapOvr>
+  <p:timing>
+    <p:tnLst>
+      <p:par>
+        <p:cTn xmlns:p14="http://schemas.microsoft.com/office/powerpoint/2010/main" id="1" dur="indefinite" restart="never" nodeType="tmRoot"/>
+      </p:par>
+    </p:tnLst>
+  </p:timing>
 </p:sld>
 </file>
 
-<file path=ppt/slides/slide22.xml><?xml version="1.0" encoding="utf-8"?>
+<file path=ppt/slides/slide23.xml><?xml version="1.0" encoding="utf-8"?>
 <p:sld xmlns:a="http://schemas.openxmlformats.org/drawingml/2006/main" xmlns:r="http://schemas.openxmlformats.org/officeDocument/2006/relationships" xmlns:p="http://schemas.openxmlformats.org/presentationml/2006/main">
   <p:cSld>
     <p:spTree>
@@ -21179,10 +23154,17 @@
   <p:clrMapOvr>
     <a:masterClrMapping/>
   </p:clrMapOvr>
+  <p:timing>
+    <p:tnLst>
+      <p:par>
+        <p:cTn xmlns:p14="http://schemas.microsoft.com/office/powerpoint/2010/main" id="1" dur="indefinite" restart="never" nodeType="tmRoot"/>
+      </p:par>
+    </p:tnLst>
+  </p:timing>
 </p:sld>
 </file>
 
-<file path=ppt/slides/slide23.xml><?xml version="1.0" encoding="utf-8"?>
+<file path=ppt/slides/slide24.xml><?xml version="1.0" encoding="utf-8"?>
 <p:sld xmlns:a="http://schemas.openxmlformats.org/drawingml/2006/main" xmlns:r="http://schemas.openxmlformats.org/officeDocument/2006/relationships" xmlns:p="http://schemas.openxmlformats.org/presentationml/2006/main">
   <p:cSld>
     <p:spTree>
@@ -21262,10 +23244,17 @@
   <p:clrMapOvr>
     <a:masterClrMapping/>
   </p:clrMapOvr>
+  <p:timing>
+    <p:tnLst>
+      <p:par>
+        <p:cTn xmlns:p14="http://schemas.microsoft.com/office/powerpoint/2010/main" id="1" dur="indefinite" restart="never" nodeType="tmRoot"/>
+      </p:par>
+    </p:tnLst>
+  </p:timing>
 </p:sld>
 </file>
 
-<file path=ppt/slides/slide24.xml><?xml version="1.0" encoding="utf-8"?>
+<file path=ppt/slides/slide25.xml><?xml version="1.0" encoding="utf-8"?>
 <p:sld xmlns:a="http://schemas.openxmlformats.org/drawingml/2006/main" xmlns:r="http://schemas.openxmlformats.org/officeDocument/2006/relationships" xmlns:p="http://schemas.openxmlformats.org/presentationml/2006/main">
   <p:cSld>
     <p:spTree>
@@ -21347,7 +23336,7 @@
 </p:sld>
 </file>
 
-<file path=ppt/slides/slide25.xml><?xml version="1.0" encoding="utf-8"?>
+<file path=ppt/slides/slide26.xml><?xml version="1.0" encoding="utf-8"?>
 <p:sld xmlns:a="http://schemas.openxmlformats.org/drawingml/2006/main" xmlns:r="http://schemas.openxmlformats.org/officeDocument/2006/relationships" xmlns:p="http://schemas.openxmlformats.org/presentationml/2006/main">
   <p:cSld>
     <p:spTree>
@@ -21410,6 +23399,94 @@
     <p:extLst>
       <p:ext uri="{BB962C8B-B14F-4D97-AF65-F5344CB8AC3E}">
         <p14:creationId xmlns:p14="http://schemas.microsoft.com/office/powerpoint/2010/main" val="184649616"/>
+      </p:ext>
+    </p:extLst>
+  </p:cSld>
+  <p:clrMapOvr>
+    <a:masterClrMapping/>
+  </p:clrMapOvr>
+</p:sld>
+</file>
+
+<file path=ppt/slides/slide27.xml><?xml version="1.0" encoding="utf-8"?>
+<p:sld xmlns:a="http://schemas.openxmlformats.org/drawingml/2006/main" xmlns:r="http://schemas.openxmlformats.org/officeDocument/2006/relationships" xmlns:p="http://schemas.openxmlformats.org/presentationml/2006/main">
+  <p:cSld>
+    <p:spTree>
+      <p:nvGrpSpPr>
+        <p:cNvPr id="1" name=""/>
+        <p:cNvGrpSpPr/>
+        <p:nvPr/>
+      </p:nvGrpSpPr>
+      <p:grpSpPr>
+        <a:xfrm>
+          <a:off x="0" y="0"/>
+          <a:ext cx="0" cy="0"/>
+          <a:chOff x="0" y="0"/>
+          <a:chExt cx="0" cy="0"/>
+        </a:xfrm>
+      </p:grpSpPr>
+      <p:sp>
+        <p:nvSpPr>
+          <p:cNvPr id="2" name="Title 1"/>
+          <p:cNvSpPr>
+            <a:spLocks noGrp="1"/>
+          </p:cNvSpPr>
+          <p:nvPr>
+            <p:ph type="ctrTitle"/>
+          </p:nvPr>
+        </p:nvSpPr>
+        <p:spPr/>
+        <p:txBody>
+          <a:bodyPr/>
+          <a:lstStyle/>
+          <a:p>
+            <a:r>
+              <a:rPr lang="en-US" dirty="0" err="1" smtClean="0"/>
+              <a:t>Bedankt</a:t>
+            </a:r>
+            <a:r>
+              <a:rPr lang="en-US" dirty="0" smtClean="0"/>
+              <a:t> </a:t>
+            </a:r>
+            <a:r>
+              <a:rPr lang="en-US" dirty="0" err="1" smtClean="0"/>
+              <a:t>voor</a:t>
+            </a:r>
+            <a:r>
+              <a:rPr lang="en-US" dirty="0" smtClean="0"/>
+              <a:t> de </a:t>
+            </a:r>
+            <a:r>
+              <a:rPr lang="en-US" dirty="0" err="1" smtClean="0"/>
+              <a:t>aandacht</a:t>
+            </a:r>
+            <a:endParaRPr lang="en-US" dirty="0"/>
+          </a:p>
+        </p:txBody>
+      </p:sp>
+      <p:sp>
+        <p:nvSpPr>
+          <p:cNvPr id="3" name="Subtitle 2"/>
+          <p:cNvSpPr>
+            <a:spLocks noGrp="1"/>
+          </p:cNvSpPr>
+          <p:nvPr>
+            <p:ph type="subTitle" idx="1"/>
+          </p:nvPr>
+        </p:nvSpPr>
+        <p:spPr/>
+        <p:txBody>
+          <a:bodyPr/>
+          <a:lstStyle/>
+          <a:p>
+            <a:endParaRPr lang="en-US" dirty="0"/>
+          </a:p>
+        </p:txBody>
+      </p:sp>
+    </p:spTree>
+    <p:extLst>
+      <p:ext uri="{BB962C8B-B14F-4D97-AF65-F5344CB8AC3E}">
+        <p14:creationId xmlns:p14="http://schemas.microsoft.com/office/powerpoint/2010/main" val="1063625407"/>
       </p:ext>
     </p:extLst>
   </p:cSld>
@@ -21608,37 +23685,36 @@
           </a:p>
         </p:txBody>
       </p:sp>
-      <p:sp>
-        <p:nvSpPr>
-          <p:cNvPr id="8" name="Content Placeholder 7"/>
-          <p:cNvSpPr>
-            <a:spLocks noGrp="1"/>
-          </p:cNvSpPr>
+      <p:pic>
+        <p:nvPicPr>
+          <p:cNvPr id="3" name="Content Placeholder 2" descr="Screen Shot 2015-05-03 at 16.28.18.png"/>
+          <p:cNvPicPr>
+            <a:picLocks noGrp="1" noChangeAspect="1"/>
+          </p:cNvPicPr>
           <p:nvPr>
             <p:ph idx="1"/>
           </p:nvPr>
-        </p:nvSpPr>
+        </p:nvPicPr>
+        <p:blipFill>
+          <a:blip r:embed="rId2">
+            <a:extLst>
+              <a:ext uri="{28A0092B-C50C-407E-A947-70E740481C1C}">
+                <a14:useLocalDpi xmlns:a14="http://schemas.microsoft.com/office/drawing/2010/main" val="0"/>
+              </a:ext>
+            </a:extLst>
+          </a:blip>
+          <a:srcRect t="-131725" b="-131725"/>
+          <a:stretch>
+            <a:fillRect/>
+          </a:stretch>
+        </p:blipFill>
         <p:spPr>
           <a:xfrm>
-            <a:off x="3761909" y="1435100"/>
-            <a:ext cx="5105139" cy="4360900"/>
+            <a:off x="3275129" y="1040785"/>
+            <a:ext cx="5591919" cy="4776431"/>
           </a:xfrm>
         </p:spPr>
-        <p:txBody>
-          <a:bodyPr anchor="ctr"/>
-          <a:lstStyle/>
-          <a:p>
-            <a:pPr marL="0" indent="0" algn="ctr">
-              <a:buNone/>
-            </a:pPr>
-            <a:r>
-              <a:rPr lang="en-US" dirty="0" smtClean="0"/>
-              <a:t>FIGUUR BOOM</a:t>
-            </a:r>
-            <a:endParaRPr lang="en-US" dirty="0"/>
-          </a:p>
-        </p:txBody>
-      </p:sp>
+      </p:pic>
     </p:spTree>
     <p:extLst>
       <p:ext uri="{BB962C8B-B14F-4D97-AF65-F5344CB8AC3E}">
@@ -21660,6 +23736,108 @@
 </file>
 
 <file path=ppt/slides/slide5.xml><?xml version="1.0" encoding="utf-8"?>
+<p:sld xmlns:a="http://schemas.openxmlformats.org/drawingml/2006/main" xmlns:r="http://schemas.openxmlformats.org/officeDocument/2006/relationships" xmlns:p="http://schemas.openxmlformats.org/presentationml/2006/main">
+  <p:cSld>
+    <p:spTree>
+      <p:nvGrpSpPr>
+        <p:cNvPr id="1" name=""/>
+        <p:cNvGrpSpPr/>
+        <p:nvPr/>
+      </p:nvGrpSpPr>
+      <p:grpSpPr>
+        <a:xfrm>
+          <a:off x="0" y="0"/>
+          <a:ext cx="0" cy="0"/>
+          <a:chOff x="0" y="0"/>
+          <a:chExt cx="0" cy="0"/>
+        </a:xfrm>
+      </p:grpSpPr>
+      <p:sp>
+        <p:nvSpPr>
+          <p:cNvPr id="2" name="Title 1"/>
+          <p:cNvSpPr>
+            <a:spLocks noGrp="1"/>
+          </p:cNvSpPr>
+          <p:nvPr>
+            <p:ph type="title"/>
+          </p:nvPr>
+        </p:nvSpPr>
+        <p:spPr/>
+        <p:txBody>
+          <a:bodyPr>
+            <a:normAutofit/>
+          </a:bodyPr>
+          <a:lstStyle/>
+          <a:p>
+            <a:r>
+              <a:rPr lang="en-US" sz="3600" b="0" dirty="0" err="1" smtClean="0"/>
+              <a:t>Boomstructuur</a:t>
+            </a:r>
+            <a:endParaRPr lang="en-US" sz="3600" b="0" dirty="0"/>
+          </a:p>
+        </p:txBody>
+      </p:sp>
+      <p:pic>
+        <p:nvPicPr>
+          <p:cNvPr id="6" name="Content Placeholder 5" descr="Screen Shot 2015-05-03 at 16.34.13.png"/>
+          <p:cNvPicPr>
+            <a:picLocks noGrp="1" noChangeAspect="1"/>
+          </p:cNvPicPr>
+          <p:nvPr>
+            <p:ph idx="1"/>
+          </p:nvPr>
+        </p:nvPicPr>
+        <p:blipFill>
+          <a:blip r:embed="rId2">
+            <a:biLevel thresh="75000"/>
+            <a:extLst>
+              <a:ext uri="{BEBA8EAE-BF5A-486C-A8C5-ECC9F3942E4B}">
+                <a14:imgProps xmlns:a14="http://schemas.microsoft.com/office/drawing/2010/main">
+                  <a14:imgLayer r:embed="rId3">
+                    <a14:imgEffect>
+                      <a14:saturation sat="0"/>
+                    </a14:imgEffect>
+                  </a14:imgLayer>
+                </a14:imgProps>
+              </a:ext>
+              <a:ext uri="{28A0092B-C50C-407E-A947-70E740481C1C}">
+                <a14:useLocalDpi xmlns:a14="http://schemas.microsoft.com/office/drawing/2010/main" val="0"/>
+              </a:ext>
+            </a:extLst>
+          </a:blip>
+          <a:srcRect t="-167654" b="-167654"/>
+          <a:stretch>
+            <a:fillRect/>
+          </a:stretch>
+        </p:blipFill>
+        <p:spPr>
+          <a:xfrm>
+            <a:off x="1" y="-5154"/>
+            <a:ext cx="9144000" cy="6840759"/>
+          </a:xfrm>
+        </p:spPr>
+      </p:pic>
+    </p:spTree>
+    <p:extLst>
+      <p:ext uri="{BB962C8B-B14F-4D97-AF65-F5344CB8AC3E}">
+        <p14:creationId xmlns:p14="http://schemas.microsoft.com/office/powerpoint/2010/main" val="2607945612"/>
+      </p:ext>
+    </p:extLst>
+  </p:cSld>
+  <p:clrMapOvr>
+    <a:masterClrMapping/>
+  </p:clrMapOvr>
+  <p:timing>
+    <p:tnLst>
+      <p:par>
+        <p:cTn xmlns:p14="http://schemas.microsoft.com/office/powerpoint/2010/main" id="1" dur="indefinite" restart="never" nodeType="tmRoot"/>
+      </p:par>
+    </p:tnLst>
+  </p:timing>
+</p:sld>
+</file>
+
+<file path=ppt/slides/slide6.xml><?xml version="1.0" encoding="utf-8"?>
 <p:sld xmlns:a="http://schemas.openxmlformats.org/drawingml/2006/main" xmlns:r="http://schemas.openxmlformats.org/officeDocument/2006/relationships" xmlns:p="http://schemas.openxmlformats.org/presentationml/2006/main">
   <p:cSld>
     <p:spTree>
@@ -21748,7 +23926,7 @@
 </p:sld>
 </file>
 
-<file path=ppt/slides/slide6.xml><?xml version="1.0" encoding="utf-8"?>
+<file path=ppt/slides/slide7.xml><?xml version="1.0" encoding="utf-8"?>
 <p:sld xmlns:a="http://schemas.openxmlformats.org/drawingml/2006/main" xmlns:r="http://schemas.openxmlformats.org/officeDocument/2006/relationships" xmlns:p="http://schemas.openxmlformats.org/presentationml/2006/main">
   <p:cSld>
     <p:spTree>
@@ -21920,14 +24098,187 @@
   <p:timing>
     <p:tnLst>
       <p:par>
-        <p:cTn xmlns:p14="http://schemas.microsoft.com/office/powerpoint/2010/main" id="1" dur="indefinite" restart="never" nodeType="tmRoot"/>
+        <p:cTn xmlns:p14="http://schemas.microsoft.com/office/powerpoint/2010/main" id="1" dur="indefinite" restart="never" nodeType="tmRoot">
+          <p:childTnLst>
+            <p:seq concurrent="1" nextAc="seek">
+              <p:cTn id="2" dur="indefinite" nodeType="mainSeq">
+                <p:childTnLst>
+                  <p:par>
+                    <p:cTn id="3" fill="hold">
+                      <p:stCondLst>
+                        <p:cond delay="indefinite"/>
+                      </p:stCondLst>
+                      <p:childTnLst>
+                        <p:par>
+                          <p:cTn id="4" fill="hold">
+                            <p:stCondLst>
+                              <p:cond delay="0"/>
+                            </p:stCondLst>
+                            <p:childTnLst>
+                              <p:par>
+                                <p:cTn id="5" presetID="1" presetClass="entr" presetSubtype="0" fill="hold" grpId="0" nodeType="clickEffect">
+                                  <p:stCondLst>
+                                    <p:cond delay="0"/>
+                                  </p:stCondLst>
+                                  <p:childTnLst>
+                                    <p:set>
+                                      <p:cBhvr>
+                                        <p:cTn id="6" dur="1" fill="hold">
+                                          <p:stCondLst>
+                                            <p:cond delay="0"/>
+                                          </p:stCondLst>
+                                        </p:cTn>
+                                        <p:tgtEl>
+                                          <p:spTgt spid="5">
+                                            <p:txEl>
+                                              <p:pRg st="0" end="0"/>
+                                            </p:txEl>
+                                          </p:spTgt>
+                                        </p:tgtEl>
+                                        <p:attrNameLst>
+                                          <p:attrName>style.visibility</p:attrName>
+                                        </p:attrNameLst>
+                                      </p:cBhvr>
+                                      <p:to>
+                                        <p:strVal val="visible"/>
+                                      </p:to>
+                                    </p:set>
+                                  </p:childTnLst>
+                                </p:cTn>
+                              </p:par>
+                            </p:childTnLst>
+                          </p:cTn>
+                        </p:par>
+                      </p:childTnLst>
+                    </p:cTn>
+                  </p:par>
+                  <p:par>
+                    <p:cTn id="7" fill="hold">
+                      <p:stCondLst>
+                        <p:cond delay="indefinite"/>
+                      </p:stCondLst>
+                      <p:childTnLst>
+                        <p:par>
+                          <p:cTn id="8" fill="hold">
+                            <p:stCondLst>
+                              <p:cond delay="0"/>
+                            </p:stCondLst>
+                            <p:childTnLst>
+                              <p:par>
+                                <p:cTn id="9" presetID="1" presetClass="entr" presetSubtype="0" fill="hold" grpId="0" nodeType="clickEffect">
+                                  <p:stCondLst>
+                                    <p:cond delay="0"/>
+                                  </p:stCondLst>
+                                  <p:childTnLst>
+                                    <p:set>
+                                      <p:cBhvr>
+                                        <p:cTn id="10" dur="1" fill="hold">
+                                          <p:stCondLst>
+                                            <p:cond delay="0"/>
+                                          </p:stCondLst>
+                                        </p:cTn>
+                                        <p:tgtEl>
+                                          <p:spTgt spid="5">
+                                            <p:txEl>
+                                              <p:pRg st="1" end="1"/>
+                                            </p:txEl>
+                                          </p:spTgt>
+                                        </p:tgtEl>
+                                        <p:attrNameLst>
+                                          <p:attrName>style.visibility</p:attrName>
+                                        </p:attrNameLst>
+                                      </p:cBhvr>
+                                      <p:to>
+                                        <p:strVal val="visible"/>
+                                      </p:to>
+                                    </p:set>
+                                  </p:childTnLst>
+                                </p:cTn>
+                              </p:par>
+                            </p:childTnLst>
+                          </p:cTn>
+                        </p:par>
+                      </p:childTnLst>
+                    </p:cTn>
+                  </p:par>
+                  <p:par>
+                    <p:cTn id="11" fill="hold">
+                      <p:stCondLst>
+                        <p:cond delay="indefinite"/>
+                      </p:stCondLst>
+                      <p:childTnLst>
+                        <p:par>
+                          <p:cTn id="12" fill="hold">
+                            <p:stCondLst>
+                              <p:cond delay="0"/>
+                            </p:stCondLst>
+                            <p:childTnLst>
+                              <p:par>
+                                <p:cTn id="13" presetID="1" presetClass="entr" presetSubtype="0" fill="hold" grpId="0" nodeType="clickEffect">
+                                  <p:stCondLst>
+                                    <p:cond delay="0"/>
+                                  </p:stCondLst>
+                                  <p:childTnLst>
+                                    <p:set>
+                                      <p:cBhvr>
+                                        <p:cTn id="14" dur="1" fill="hold">
+                                          <p:stCondLst>
+                                            <p:cond delay="0"/>
+                                          </p:stCondLst>
+                                        </p:cTn>
+                                        <p:tgtEl>
+                                          <p:spTgt spid="5">
+                                            <p:txEl>
+                                              <p:pRg st="3" end="3"/>
+                                            </p:txEl>
+                                          </p:spTgt>
+                                        </p:tgtEl>
+                                        <p:attrNameLst>
+                                          <p:attrName>style.visibility</p:attrName>
+                                        </p:attrNameLst>
+                                      </p:cBhvr>
+                                      <p:to>
+                                        <p:strVal val="visible"/>
+                                      </p:to>
+                                    </p:set>
+                                  </p:childTnLst>
+                                </p:cTn>
+                              </p:par>
+                            </p:childTnLst>
+                          </p:cTn>
+                        </p:par>
+                      </p:childTnLst>
+                    </p:cTn>
+                  </p:par>
+                </p:childTnLst>
+              </p:cTn>
+              <p:prevCondLst>
+                <p:cond evt="onPrev" delay="0">
+                  <p:tgtEl>
+                    <p:sldTgt/>
+                  </p:tgtEl>
+                </p:cond>
+              </p:prevCondLst>
+              <p:nextCondLst>
+                <p:cond evt="onNext" delay="0">
+                  <p:tgtEl>
+                    <p:sldTgt/>
+                  </p:tgtEl>
+                </p:cond>
+              </p:nextCondLst>
+            </p:seq>
+          </p:childTnLst>
+        </p:cTn>
       </p:par>
     </p:tnLst>
+    <p:bldLst>
+      <p:bldP spid="5" grpId="0" build="p"/>
+    </p:bldLst>
   </p:timing>
 </p:sld>
 </file>
 
-<file path=ppt/slides/slide7.xml><?xml version="1.0" encoding="utf-8"?>
+<file path=ppt/slides/slide8.xml><?xml version="1.0" encoding="utf-8"?>
 <p:sld xmlns:a="http://schemas.openxmlformats.org/drawingml/2006/main" xmlns:r="http://schemas.openxmlformats.org/officeDocument/2006/relationships" xmlns:p="http://schemas.openxmlformats.org/presentationml/2006/main">
   <p:cSld>
     <p:spTree>
@@ -22041,14 +24392,89 @@
   <p:timing>
     <p:tnLst>
       <p:par>
-        <p:cTn xmlns:p14="http://schemas.microsoft.com/office/powerpoint/2010/main" id="1" dur="indefinite" restart="never" nodeType="tmRoot"/>
+        <p:cTn xmlns:p14="http://schemas.microsoft.com/office/powerpoint/2010/main" id="1" dur="indefinite" restart="never" nodeType="tmRoot">
+          <p:childTnLst>
+            <p:seq concurrent="1" nextAc="seek">
+              <p:cTn id="2" dur="indefinite" nodeType="mainSeq">
+                <p:childTnLst>
+                  <p:par>
+                    <p:cTn id="3" fill="hold">
+                      <p:stCondLst>
+                        <p:cond delay="indefinite"/>
+                      </p:stCondLst>
+                      <p:childTnLst>
+                        <p:par>
+                          <p:cTn id="4" fill="hold">
+                            <p:stCondLst>
+                              <p:cond delay="0"/>
+                            </p:stCondLst>
+                            <p:childTnLst>
+                              <p:par>
+                                <p:cTn id="5" presetID="1" presetClass="entr" presetSubtype="0" fill="hold" grpId="0" nodeType="clickEffect">
+                                  <p:stCondLst>
+                                    <p:cond delay="0"/>
+                                  </p:stCondLst>
+                                  <p:childTnLst>
+                                    <p:set>
+                                      <p:cBhvr>
+                                        <p:cTn id="6" dur="1" fill="hold">
+                                          <p:stCondLst>
+                                            <p:cond delay="0"/>
+                                          </p:stCondLst>
+                                        </p:cTn>
+                                        <p:tgtEl>
+                                          <p:spTgt spid="8">
+                                            <p:txEl>
+                                              <p:pRg st="0" end="0"/>
+                                            </p:txEl>
+                                          </p:spTgt>
+                                        </p:tgtEl>
+                                        <p:attrNameLst>
+                                          <p:attrName>style.visibility</p:attrName>
+                                        </p:attrNameLst>
+                                      </p:cBhvr>
+                                      <p:to>
+                                        <p:strVal val="visible"/>
+                                      </p:to>
+                                    </p:set>
+                                  </p:childTnLst>
+                                </p:cTn>
+                              </p:par>
+                            </p:childTnLst>
+                          </p:cTn>
+                        </p:par>
+                      </p:childTnLst>
+                    </p:cTn>
+                  </p:par>
+                </p:childTnLst>
+              </p:cTn>
+              <p:prevCondLst>
+                <p:cond evt="onPrev" delay="0">
+                  <p:tgtEl>
+                    <p:sldTgt/>
+                  </p:tgtEl>
+                </p:cond>
+              </p:prevCondLst>
+              <p:nextCondLst>
+                <p:cond evt="onNext" delay="0">
+                  <p:tgtEl>
+                    <p:sldTgt/>
+                  </p:tgtEl>
+                </p:cond>
+              </p:nextCondLst>
+            </p:seq>
+          </p:childTnLst>
+        </p:cTn>
       </p:par>
     </p:tnLst>
+    <p:bldLst>
+      <p:bldP spid="8" grpId="0" build="p"/>
+    </p:bldLst>
   </p:timing>
 </p:sld>
 </file>
 
-<file path=ppt/slides/slide8.xml><?xml version="1.0" encoding="utf-8"?>
+<file path=ppt/slides/slide9.xml><?xml version="1.0" encoding="utf-8"?>
 <p:sld xmlns:a="http://schemas.openxmlformats.org/drawingml/2006/main" xmlns:r="http://schemas.openxmlformats.org/officeDocument/2006/relationships" xmlns:p="http://schemas.openxmlformats.org/presentationml/2006/main">
   <p:cSld>
     <p:spTree>
@@ -22134,671 +24560,6 @@
       </p:par>
     </p:tnLst>
   </p:timing>
-</p:sld>
-</file>
-
-<file path=ppt/slides/slide9.xml><?xml version="1.0" encoding="utf-8"?>
-<p:sld xmlns:a="http://schemas.openxmlformats.org/drawingml/2006/main" xmlns:r="http://schemas.openxmlformats.org/officeDocument/2006/relationships" xmlns:p="http://schemas.openxmlformats.org/presentationml/2006/main">
-  <p:cSld>
-    <p:spTree>
-      <p:nvGrpSpPr>
-        <p:cNvPr id="1" name=""/>
-        <p:cNvGrpSpPr/>
-        <p:nvPr/>
-      </p:nvGrpSpPr>
-      <p:grpSpPr>
-        <a:xfrm>
-          <a:off x="0" y="0"/>
-          <a:ext cx="0" cy="0"/>
-          <a:chOff x="0" y="0"/>
-          <a:chExt cx="0" cy="0"/>
-        </a:xfrm>
-      </p:grpSpPr>
-      <p:sp>
-        <p:nvSpPr>
-          <p:cNvPr id="14" name="Rounded Rectangle 13"/>
-          <p:cNvSpPr/>
-          <p:nvPr/>
-        </p:nvSpPr>
-        <p:spPr>
-          <a:xfrm>
-            <a:off x="389933" y="4509120"/>
-            <a:ext cx="8353967" cy="1440160"/>
-          </a:xfrm>
-          <a:prstGeom prst="roundRect">
-            <a:avLst/>
-          </a:prstGeom>
-          <a:solidFill>
-            <a:srgbClr val="116E8A"/>
-          </a:solidFill>
-          <a:ln>
-            <a:noFill/>
-          </a:ln>
-        </p:spPr>
-        <p:style>
-          <a:lnRef idx="2">
-            <a:schemeClr val="accent1">
-              <a:shade val="50000"/>
-            </a:schemeClr>
-          </a:lnRef>
-          <a:fillRef idx="1">
-            <a:schemeClr val="accent1"/>
-          </a:fillRef>
-          <a:effectRef idx="0">
-            <a:schemeClr val="accent1"/>
-          </a:effectRef>
-          <a:fontRef idx="minor">
-            <a:schemeClr val="lt1"/>
-          </a:fontRef>
-        </p:style>
-        <p:txBody>
-          <a:bodyPr rtlCol="0" anchor="ctr"/>
-          <a:lstStyle/>
-          <a:p>
-            <a:pPr algn="ctr"/>
-            <a:endParaRPr lang="en-US" dirty="0"/>
-          </a:p>
-        </p:txBody>
-      </p:sp>
-      <p:sp>
-        <p:nvSpPr>
-          <p:cNvPr id="13" name="Rounded Rectangle 12"/>
-          <p:cNvSpPr/>
-          <p:nvPr/>
-        </p:nvSpPr>
-        <p:spPr>
-          <a:xfrm>
-            <a:off x="389933" y="3338629"/>
-            <a:ext cx="8353967" cy="754008"/>
-          </a:xfrm>
-          <a:prstGeom prst="roundRect">
-            <a:avLst/>
-          </a:prstGeom>
-          <a:solidFill>
-            <a:srgbClr val="116E8A"/>
-          </a:solidFill>
-          <a:ln>
-            <a:noFill/>
-          </a:ln>
-        </p:spPr>
-        <p:style>
-          <a:lnRef idx="2">
-            <a:schemeClr val="accent1">
-              <a:shade val="50000"/>
-            </a:schemeClr>
-          </a:lnRef>
-          <a:fillRef idx="1">
-            <a:schemeClr val="accent1"/>
-          </a:fillRef>
-          <a:effectRef idx="0">
-            <a:schemeClr val="accent1"/>
-          </a:effectRef>
-          <a:fontRef idx="minor">
-            <a:schemeClr val="lt1"/>
-          </a:fontRef>
-        </p:style>
-        <p:txBody>
-          <a:bodyPr rtlCol="0" anchor="ctr"/>
-          <a:lstStyle/>
-          <a:p>
-            <a:pPr algn="ctr"/>
-            <a:endParaRPr lang="en-US" dirty="0"/>
-          </a:p>
-        </p:txBody>
-      </p:sp>
-      <p:sp>
-        <p:nvSpPr>
-          <p:cNvPr id="12" name="Rounded Rectangle 11"/>
-          <p:cNvSpPr/>
-          <p:nvPr/>
-        </p:nvSpPr>
-        <p:spPr>
-          <a:xfrm>
-            <a:off x="390452" y="1184897"/>
-            <a:ext cx="8352928" cy="1740047"/>
-          </a:xfrm>
-          <a:prstGeom prst="roundRect">
-            <a:avLst/>
-          </a:prstGeom>
-          <a:solidFill>
-            <a:srgbClr val="116E8A"/>
-          </a:solidFill>
-          <a:ln>
-            <a:noFill/>
-          </a:ln>
-        </p:spPr>
-        <p:style>
-          <a:lnRef idx="2">
-            <a:schemeClr val="accent1">
-              <a:shade val="50000"/>
-            </a:schemeClr>
-          </a:lnRef>
-          <a:fillRef idx="1">
-            <a:schemeClr val="accent1"/>
-          </a:fillRef>
-          <a:effectRef idx="0">
-            <a:schemeClr val="accent1"/>
-          </a:effectRef>
-          <a:fontRef idx="minor">
-            <a:schemeClr val="lt1"/>
-          </a:fontRef>
-        </p:style>
-        <p:txBody>
-          <a:bodyPr rtlCol="0" anchor="ctr"/>
-          <a:lstStyle/>
-          <a:p>
-            <a:pPr algn="ctr"/>
-            <a:endParaRPr lang="en-US" dirty="0"/>
-          </a:p>
-        </p:txBody>
-      </p:sp>
-      <p:sp>
-        <p:nvSpPr>
-          <p:cNvPr id="2" name="Title 1"/>
-          <p:cNvSpPr>
-            <a:spLocks noGrp="1"/>
-          </p:cNvSpPr>
-          <p:nvPr>
-            <p:ph type="title"/>
-          </p:nvPr>
-        </p:nvSpPr>
-        <p:spPr/>
-        <p:txBody>
-          <a:bodyPr/>
-          <a:lstStyle/>
-          <a:p>
-            <a:r>
-              <a:rPr lang="en-US" dirty="0" smtClean="0"/>
-              <a:t>Onderzoekshypothese (1)</a:t>
-            </a:r>
-            <a:endParaRPr lang="en-US" dirty="0"/>
-          </a:p>
-        </p:txBody>
-      </p:sp>
-      <p:graphicFrame>
-        <p:nvGraphicFramePr>
-          <p:cNvPr id="6" name="Table 5"/>
-          <p:cNvGraphicFramePr>
-            <a:graphicFrameLocks noGrp="1"/>
-          </p:cNvGraphicFramePr>
-          <p:nvPr>
-            <p:extLst>
-              <p:ext uri="{D42A27DB-BD31-4B8C-83A1-F6EECF244321}">
-                <p14:modId xmlns:p14="http://schemas.microsoft.com/office/powerpoint/2010/main" val="4266280481"/>
-              </p:ext>
-            </p:extLst>
-          </p:nvPr>
-        </p:nvGraphicFramePr>
-        <p:xfrm>
-          <a:off x="1524000" y="1668408"/>
-          <a:ext cx="6096000" cy="1112520"/>
-        </p:xfrm>
-        <a:graphic>
-          <a:graphicData uri="http://schemas.openxmlformats.org/drawingml/2006/table">
-            <a:tbl>
-              <a:tblPr firstRow="1" bandRow="1">
-                <a:tableStyleId>{3C2FFA5D-87B4-456A-9821-1D502468CF0F}</a:tableStyleId>
-              </a:tblPr>
-              <a:tblGrid>
-                <a:gridCol w="1524000"/>
-                <a:gridCol w="1524000"/>
-                <a:gridCol w="1524000"/>
-                <a:gridCol w="1524000"/>
-              </a:tblGrid>
-              <a:tr h="370840">
-                <a:tc>
-                  <a:txBody>
-                    <a:bodyPr/>
-                    <a:lstStyle/>
-                    <a:p>
-                      <a:pPr algn="ctr"/>
-                      <a:r>
-                        <a:rPr lang="en-US" dirty="0" smtClean="0"/>
-                        <a:t>A</a:t>
-                      </a:r>
-                      <a:endParaRPr lang="en-US" dirty="0"/>
-                    </a:p>
-                  </a:txBody>
-                  <a:tcPr/>
-                </a:tc>
-                <a:tc>
-                  <a:txBody>
-                    <a:bodyPr/>
-                    <a:lstStyle/>
-                    <a:p>
-                      <a:pPr algn="ctr"/>
-                      <a:r>
-                        <a:rPr lang="en-US" dirty="0" smtClean="0"/>
-                        <a:t>B</a:t>
-                      </a:r>
-                      <a:endParaRPr lang="en-US" dirty="0"/>
-                    </a:p>
-                  </a:txBody>
-                  <a:tcPr/>
-                </a:tc>
-                <a:tc>
-                  <a:txBody>
-                    <a:bodyPr/>
-                    <a:lstStyle/>
-                    <a:p>
-                      <a:pPr algn="ctr"/>
-                      <a:r>
-                        <a:rPr lang="en-US" dirty="0" smtClean="0"/>
-                        <a:t>C</a:t>
-                      </a:r>
-                      <a:endParaRPr lang="en-US" dirty="0"/>
-                    </a:p>
-                  </a:txBody>
-                  <a:tcPr/>
-                </a:tc>
-                <a:tc>
-                  <a:txBody>
-                    <a:bodyPr/>
-                    <a:lstStyle/>
-                    <a:p>
-                      <a:pPr algn="ctr"/>
-                      <a:r>
-                        <a:rPr lang="en-US" dirty="0" smtClean="0"/>
-                        <a:t>D</a:t>
-                      </a:r>
-                      <a:endParaRPr lang="en-US" dirty="0"/>
-                    </a:p>
-                  </a:txBody>
-                  <a:tcPr/>
-                </a:tc>
-              </a:tr>
-              <a:tr h="370840">
-                <a:tc>
-                  <a:txBody>
-                    <a:bodyPr/>
-                    <a:lstStyle/>
-                    <a:p>
-                      <a:pPr algn="ctr"/>
-                      <a:r>
-                        <a:rPr lang="en-US" dirty="0" smtClean="0"/>
-                        <a:t>3</a:t>
-                      </a:r>
-                      <a:endParaRPr lang="en-US" dirty="0"/>
-                    </a:p>
-                  </a:txBody>
-                  <a:tcPr/>
-                </a:tc>
-                <a:tc>
-                  <a:txBody>
-                    <a:bodyPr/>
-                    <a:lstStyle/>
-                    <a:p>
-                      <a:pPr algn="ctr"/>
-                      <a:r>
-                        <a:rPr lang="en-US" dirty="0" smtClean="0"/>
-                        <a:t>9</a:t>
-                      </a:r>
-                      <a:endParaRPr lang="en-US" dirty="0"/>
-                    </a:p>
-                  </a:txBody>
-                  <a:tcPr/>
-                </a:tc>
-                <a:tc>
-                  <a:txBody>
-                    <a:bodyPr/>
-                    <a:lstStyle/>
-                    <a:p>
-                      <a:pPr algn="ctr"/>
-                      <a:r>
-                        <a:rPr lang="en-US" dirty="0" smtClean="0"/>
-                        <a:t>5</a:t>
-                      </a:r>
-                      <a:endParaRPr lang="en-US" dirty="0"/>
-                    </a:p>
-                  </a:txBody>
-                  <a:tcPr/>
-                </a:tc>
-                <a:tc>
-                  <a:txBody>
-                    <a:bodyPr/>
-                    <a:lstStyle/>
-                    <a:p>
-                      <a:pPr algn="ctr"/>
-                      <a:r>
-                        <a:rPr lang="en-US" dirty="0" smtClean="0"/>
-                        <a:t>21</a:t>
-                      </a:r>
-                      <a:endParaRPr lang="en-US" dirty="0"/>
-                    </a:p>
-                  </a:txBody>
-                  <a:tcPr/>
-                </a:tc>
-              </a:tr>
-              <a:tr h="370840">
-                <a:tc>
-                  <a:txBody>
-                    <a:bodyPr/>
-                    <a:lstStyle/>
-                    <a:p>
-                      <a:pPr algn="ctr"/>
-                      <a:r>
-                        <a:rPr lang="en-US" dirty="0" smtClean="0"/>
-                        <a:t>4</a:t>
-                      </a:r>
-                      <a:endParaRPr lang="en-US" dirty="0"/>
-                    </a:p>
-                  </a:txBody>
-                  <a:tcPr/>
-                </a:tc>
-                <a:tc>
-                  <a:txBody>
-                    <a:bodyPr/>
-                    <a:lstStyle/>
-                    <a:p>
-                      <a:pPr algn="ctr"/>
-                      <a:r>
-                        <a:rPr lang="en-US" dirty="0" smtClean="0"/>
-                        <a:t>5</a:t>
-                      </a:r>
-                      <a:endParaRPr lang="en-US" dirty="0"/>
-                    </a:p>
-                  </a:txBody>
-                  <a:tcPr/>
-                </a:tc>
-                <a:tc>
-                  <a:txBody>
-                    <a:bodyPr/>
-                    <a:lstStyle/>
-                    <a:p>
-                      <a:pPr algn="ctr"/>
-                      <a:r>
-                        <a:rPr lang="en-US" dirty="0" smtClean="0"/>
-                        <a:t>2</a:t>
-                      </a:r>
-                      <a:endParaRPr lang="en-US" dirty="0"/>
-                    </a:p>
-                  </a:txBody>
-                  <a:tcPr/>
-                </a:tc>
-                <a:tc>
-                  <a:txBody>
-                    <a:bodyPr/>
-                    <a:lstStyle/>
-                    <a:p>
-                      <a:pPr algn="ctr"/>
-                      <a:r>
-                        <a:rPr lang="en-US" dirty="0" smtClean="0"/>
-                        <a:t>1</a:t>
-                      </a:r>
-                      <a:endParaRPr lang="en-US" dirty="0"/>
-                    </a:p>
-                  </a:txBody>
-                  <a:tcPr/>
-                </a:tc>
-              </a:tr>
-            </a:tbl>
-          </a:graphicData>
-        </a:graphic>
-      </p:graphicFrame>
-      <p:sp>
-        <p:nvSpPr>
-          <p:cNvPr id="9" name="Rectangle 8"/>
-          <p:cNvSpPr/>
-          <p:nvPr/>
-        </p:nvSpPr>
-        <p:spPr>
-          <a:xfrm>
-            <a:off x="540000" y="1239143"/>
-            <a:ext cx="1519316" cy="461665"/>
-          </a:xfrm>
-          <a:prstGeom prst="rect">
-            <a:avLst/>
-          </a:prstGeom>
-        </p:spPr>
-        <p:txBody>
-          <a:bodyPr wrap="none">
-            <a:spAutoFit/>
-          </a:bodyPr>
-          <a:lstStyle/>
-          <a:p>
-            <a:r>
-              <a:rPr lang="en-US" sz="2400" dirty="0" smtClean="0">
-                <a:solidFill>
-                  <a:schemeClr val="bg1"/>
-                </a:solidFill>
-                <a:ea typeface="ＭＳ ゴシック"/>
-                <a:cs typeface="ＭＳ ゴシック"/>
-              </a:rPr>
-              <a:t>Gegeven:</a:t>
-            </a:r>
-          </a:p>
-        </p:txBody>
-      </p:sp>
-      <p:sp>
-        <p:nvSpPr>
-          <p:cNvPr id="10" name="Rectangle 9"/>
-          <p:cNvSpPr/>
-          <p:nvPr/>
-        </p:nvSpPr>
-        <p:spPr>
-          <a:xfrm>
-            <a:off x="534692" y="3457222"/>
-            <a:ext cx="8064448" cy="461665"/>
-          </a:xfrm>
-          <a:prstGeom prst="rect">
-            <a:avLst/>
-          </a:prstGeom>
-        </p:spPr>
-        <p:txBody>
-          <a:bodyPr wrap="square">
-            <a:spAutoFit/>
-          </a:bodyPr>
-          <a:lstStyle/>
-          <a:p>
-            <a:r>
-              <a:rPr lang="en-US" sz="2400" dirty="0" smtClean="0">
-                <a:solidFill>
-                  <a:srgbClr val="FFFFFF"/>
-                </a:solidFill>
-                <a:ea typeface="ＭＳ ゴシック"/>
-                <a:cs typeface="ＭＳ ゴシック"/>
-              </a:rPr>
-              <a:t>Gezocht: D = B</a:t>
-            </a:r>
-            <a:r>
-              <a:rPr lang="en-US" sz="2400" baseline="30000" dirty="0" smtClean="0">
-                <a:solidFill>
-                  <a:srgbClr val="FFFFFF"/>
-                </a:solidFill>
-                <a:ea typeface="ＭＳ ゴシック"/>
-                <a:cs typeface="ＭＳ ゴシック"/>
-              </a:rPr>
-              <a:t>2</a:t>
-            </a:r>
-            <a:r>
-              <a:rPr lang="en-US" sz="2400" dirty="0">
-                <a:solidFill>
-                  <a:srgbClr val="FFFFFF"/>
-                </a:solidFill>
-                <a:ea typeface="ＭＳ ゴシック"/>
-                <a:cs typeface="ＭＳ ゴシック"/>
-              </a:rPr>
-              <a:t>−</a:t>
-            </a:r>
-            <a:r>
-              <a:rPr lang="en-US" sz="2400" dirty="0" smtClean="0">
-                <a:solidFill>
-                  <a:srgbClr val="FFFFFF"/>
-                </a:solidFill>
-                <a:ea typeface="ＭＳ ゴシック"/>
-                <a:cs typeface="ＭＳ ゴシック"/>
-              </a:rPr>
-              <a:t>4AC</a:t>
-            </a:r>
-            <a:endParaRPr lang="en-US" sz="2400" dirty="0">
-              <a:solidFill>
-                <a:srgbClr val="FFFFFF"/>
-              </a:solidFill>
-            </a:endParaRPr>
-          </a:p>
-        </p:txBody>
-      </p:sp>
-      <p:sp>
-        <p:nvSpPr>
-          <p:cNvPr id="11" name="Rectangle 10"/>
-          <p:cNvSpPr/>
-          <p:nvPr/>
-        </p:nvSpPr>
-        <p:spPr>
-          <a:xfrm>
-            <a:off x="534692" y="4653136"/>
-            <a:ext cx="8064448" cy="1200328"/>
-          </a:xfrm>
-          <a:prstGeom prst="rect">
-            <a:avLst/>
-          </a:prstGeom>
-        </p:spPr>
-        <p:txBody>
-          <a:bodyPr wrap="square">
-            <a:spAutoFit/>
-          </a:bodyPr>
-          <a:lstStyle/>
-          <a:p>
-            <a:r>
-              <a:rPr lang="en-US" sz="2400" dirty="0" smtClean="0">
-                <a:solidFill>
-                  <a:srgbClr val="FFFFFF"/>
-                </a:solidFill>
-                <a:ea typeface="ＭＳ ゴシック"/>
-                <a:cs typeface="ＭＳ ゴシック"/>
-              </a:rPr>
-              <a:t>Hypothese: </a:t>
-            </a:r>
-            <a:br>
-              <a:rPr lang="en-US" sz="2400" dirty="0" smtClean="0">
-                <a:solidFill>
-                  <a:srgbClr val="FFFFFF"/>
-                </a:solidFill>
-                <a:ea typeface="ＭＳ ゴシック"/>
-                <a:cs typeface="ＭＳ ゴシック"/>
-              </a:rPr>
-            </a:br>
-            <a:r>
-              <a:rPr lang="en-US" sz="2400" dirty="0" smtClean="0">
-                <a:solidFill>
-                  <a:srgbClr val="FFFFFF"/>
-                </a:solidFill>
-                <a:ea typeface="ＭＳ ゴシック"/>
-                <a:cs typeface="ＭＳ ゴシック"/>
-              </a:rPr>
-              <a:t>Er kan een passende vergelijking gevonden worden binnen een beperkte tijdspanne. </a:t>
-            </a:r>
-          </a:p>
-        </p:txBody>
-      </p:sp>
-      <p:sp>
-        <p:nvSpPr>
-          <p:cNvPr id="15" name="Down Arrow 14"/>
-          <p:cNvSpPr/>
-          <p:nvPr/>
-        </p:nvSpPr>
-        <p:spPr>
-          <a:xfrm>
-            <a:off x="3845591" y="4149080"/>
-            <a:ext cx="1452818" cy="303596"/>
-          </a:xfrm>
-          <a:prstGeom prst="downArrow">
-            <a:avLst/>
-          </a:prstGeom>
-          <a:solidFill>
-            <a:schemeClr val="accent1">
-              <a:lumMod val="60000"/>
-              <a:lumOff val="40000"/>
-            </a:schemeClr>
-          </a:solidFill>
-          <a:ln>
-            <a:noFill/>
-          </a:ln>
-        </p:spPr>
-        <p:style>
-          <a:lnRef idx="2">
-            <a:schemeClr val="accent1">
-              <a:shade val="50000"/>
-            </a:schemeClr>
-          </a:lnRef>
-          <a:fillRef idx="1">
-            <a:schemeClr val="accent1"/>
-          </a:fillRef>
-          <a:effectRef idx="0">
-            <a:schemeClr val="accent1"/>
-          </a:effectRef>
-          <a:fontRef idx="minor">
-            <a:schemeClr val="lt1"/>
-          </a:fontRef>
-        </p:style>
-        <p:txBody>
-          <a:bodyPr rtlCol="0" anchor="ctr"/>
-          <a:lstStyle/>
-          <a:p>
-            <a:pPr algn="ctr"/>
-            <a:endParaRPr lang="en-US" dirty="0"/>
-          </a:p>
-        </p:txBody>
-      </p:sp>
-      <p:sp>
-        <p:nvSpPr>
-          <p:cNvPr id="16" name="Down Arrow 15"/>
-          <p:cNvSpPr/>
-          <p:nvPr/>
-        </p:nvSpPr>
-        <p:spPr>
-          <a:xfrm>
-            <a:off x="3845591" y="2981388"/>
-            <a:ext cx="1452818" cy="303596"/>
-          </a:xfrm>
-          <a:prstGeom prst="downArrow">
-            <a:avLst/>
-          </a:prstGeom>
-          <a:solidFill>
-            <a:schemeClr val="accent1">
-              <a:lumMod val="60000"/>
-              <a:lumOff val="40000"/>
-            </a:schemeClr>
-          </a:solidFill>
-          <a:ln>
-            <a:noFill/>
-          </a:ln>
-        </p:spPr>
-        <p:style>
-          <a:lnRef idx="2">
-            <a:schemeClr val="accent1">
-              <a:shade val="50000"/>
-            </a:schemeClr>
-          </a:lnRef>
-          <a:fillRef idx="1">
-            <a:schemeClr val="accent1"/>
-          </a:fillRef>
-          <a:effectRef idx="0">
-            <a:schemeClr val="accent1"/>
-          </a:effectRef>
-          <a:fontRef idx="minor">
-            <a:schemeClr val="lt1"/>
-          </a:fontRef>
-        </p:style>
-        <p:txBody>
-          <a:bodyPr rtlCol="0" anchor="ctr"/>
-          <a:lstStyle/>
-          <a:p>
-            <a:pPr algn="ctr"/>
-            <a:endParaRPr lang="en-US" dirty="0"/>
-          </a:p>
-        </p:txBody>
-      </p:sp>
-    </p:spTree>
-    <p:extLst>
-      <p:ext uri="{BB962C8B-B14F-4D97-AF65-F5344CB8AC3E}">
-        <p14:creationId xmlns:p14="http://schemas.microsoft.com/office/powerpoint/2010/main" val="1369673478"/>
-      </p:ext>
-    </p:extLst>
-  </p:cSld>
-  <p:clrMapOvr>
-    <a:masterClrMapping/>
-  </p:clrMapOvr>
 </p:sld>
 </file>
 

--- a/Paper/Finale Presentatie/presentatie.pptx
+++ b/Paper/Finale Presentatie/presentatie.pptx
@@ -6,10 +6,10 @@
     <p:sldMasterId id="2147483710" r:id="rId2"/>
   </p:sldMasterIdLst>
   <p:notesMasterIdLst>
-    <p:notesMasterId r:id="rId30"/>
+    <p:notesMasterId r:id="rId34"/>
   </p:notesMasterIdLst>
   <p:handoutMasterIdLst>
-    <p:handoutMasterId r:id="rId31"/>
+    <p:handoutMasterId r:id="rId35"/>
   </p:handoutMasterIdLst>
   <p:sldIdLst>
     <p:sldId id="256" r:id="rId3"/>
@@ -31,14 +31,18 @@
     <p:sldId id="267" r:id="rId19"/>
     <p:sldId id="280" r:id="rId20"/>
     <p:sldId id="281" r:id="rId21"/>
-    <p:sldId id="283" r:id="rId22"/>
-    <p:sldId id="272" r:id="rId23"/>
-    <p:sldId id="271" r:id="rId24"/>
-    <p:sldId id="276" r:id="rId25"/>
-    <p:sldId id="273" r:id="rId26"/>
-    <p:sldId id="275" r:id="rId27"/>
-    <p:sldId id="274" r:id="rId28"/>
-    <p:sldId id="284" r:id="rId29"/>
+    <p:sldId id="285" r:id="rId22"/>
+    <p:sldId id="286" r:id="rId23"/>
+    <p:sldId id="287" r:id="rId24"/>
+    <p:sldId id="283" r:id="rId25"/>
+    <p:sldId id="272" r:id="rId26"/>
+    <p:sldId id="288" r:id="rId27"/>
+    <p:sldId id="271" r:id="rId28"/>
+    <p:sldId id="276" r:id="rId29"/>
+    <p:sldId id="273" r:id="rId30"/>
+    <p:sldId id="275" r:id="rId31"/>
+    <p:sldId id="274" r:id="rId32"/>
+    <p:sldId id="284" r:id="rId33"/>
   </p:sldIdLst>
   <p:sldSz cx="9144000" cy="6858000" type="screen4x3"/>
   <p:notesSz cx="6858000" cy="9144000"/>
@@ -20491,8 +20495,44 @@
             <a:p>
               <a:pPr algn="ctr"/>
               <a:r>
+                <a:rPr lang="en-US" dirty="0" err="1" smtClean="0"/>
+                <a:t>Er</a:t>
+              </a:r>
+              <a:r>
                 <a:rPr lang="en-US" dirty="0" smtClean="0"/>
-                <a:t>Reductiemogelijkheden in de boom (#Aantal knopen)</a:t>
+                <a:t> </a:t>
+              </a:r>
+              <a:r>
+                <a:rPr lang="en-US" dirty="0" err="1" smtClean="0"/>
+                <a:t>zijn</a:t>
+              </a:r>
+              <a:r>
+                <a:rPr lang="en-US" dirty="0" smtClean="0"/>
+                <a:t> </a:t>
+              </a:r>
+              <a:r>
+                <a:rPr lang="en-US" dirty="0" err="1" smtClean="0"/>
+                <a:t>redundante</a:t>
+              </a:r>
+              <a:r>
+                <a:rPr lang="en-US" dirty="0" smtClean="0"/>
+                <a:t> </a:t>
+              </a:r>
+              <a:r>
+                <a:rPr lang="en-US" dirty="0" err="1" smtClean="0"/>
+                <a:t>knopen</a:t>
+              </a:r>
+              <a:r>
+                <a:rPr lang="en-US" dirty="0" smtClean="0"/>
+                <a:t> in de </a:t>
+              </a:r>
+              <a:r>
+                <a:rPr lang="en-US" dirty="0" err="1" smtClean="0"/>
+                <a:t>originele</a:t>
+              </a:r>
+              <a:r>
+                <a:rPr lang="en-US" dirty="0" smtClean="0"/>
+                <a:t> boom</a:t>
               </a:r>
               <a:endParaRPr lang="en-US" dirty="0"/>
             </a:p>
@@ -20625,8 +20665,48 @@
             <a:p>
               <a:pPr algn="ctr"/>
               <a:r>
+                <a:rPr lang="en-US" dirty="0" err="1" smtClean="0"/>
+                <a:t>Toevoeging</a:t>
+              </a:r>
+              <a:r>
                 <a:rPr lang="en-US" dirty="0" smtClean="0"/>
-                <a:t>Invloed van de boomreductie op de performance</a:t>
+                <a:t> van </a:t>
+              </a:r>
+              <a:r>
+                <a:rPr lang="en-US" dirty="0" err="1" smtClean="0"/>
+                <a:t>constanten</a:t>
+              </a:r>
+              <a:r>
+                <a:rPr lang="en-US" dirty="0" smtClean="0"/>
+                <a:t> </a:t>
+              </a:r>
+              <a:r>
+                <a:rPr lang="en-US" dirty="0" err="1" smtClean="0"/>
+                <a:t>heeft</a:t>
+              </a:r>
+              <a:r>
+                <a:rPr lang="en-US" dirty="0" smtClean="0"/>
+                <a:t> </a:t>
+              </a:r>
+              <a:r>
+                <a:rPr lang="en-US" dirty="0" err="1" smtClean="0"/>
+                <a:t>een</a:t>
+              </a:r>
+              <a:r>
+                <a:rPr lang="en-US" dirty="0" smtClean="0"/>
+                <a:t> </a:t>
+              </a:r>
+              <a:r>
+                <a:rPr lang="en-US" dirty="0" err="1" smtClean="0"/>
+                <a:t>postieve</a:t>
+              </a:r>
+              <a:r>
+                <a:rPr lang="en-US" dirty="0" smtClean="0"/>
+                <a:t> </a:t>
+              </a:r>
+              <a:r>
+                <a:rPr lang="en-US" dirty="0" err="1" smtClean="0"/>
+                <a:t>invloed</a:t>
               </a:r>
               <a:endParaRPr lang="en-US" dirty="0"/>
             </a:p>
@@ -20711,7 +20791,7 @@
         <p:grpSpPr>
           <a:xfrm>
             <a:off x="385208" y="4373312"/>
-            <a:ext cx="8353967" cy="620459"/>
+            <a:ext cx="8353967" cy="783880"/>
             <a:chOff x="385208" y="4373312"/>
             <a:chExt cx="8353967" cy="620459"/>
           </a:xfrm>
@@ -20759,8 +20839,103 @@
             <a:p>
               <a:pPr algn="ctr"/>
               <a:r>
+                <a:rPr lang="en-US" dirty="0" err="1" smtClean="0"/>
+                <a:t>Er</a:t>
+              </a:r>
+              <a:r>
                 <a:rPr lang="en-US" dirty="0" smtClean="0"/>
-                <a:t>[TEXT]</a:t>
+                <a:t> </a:t>
+              </a:r>
+              <a:r>
+                <a:rPr lang="en-US" dirty="0" err="1" smtClean="0"/>
+                <a:t>bestaat</a:t>
+              </a:r>
+              <a:r>
+                <a:rPr lang="en-US" dirty="0" smtClean="0"/>
+                <a:t> </a:t>
+              </a:r>
+              <a:r>
+                <a:rPr lang="en-US" dirty="0" err="1" smtClean="0"/>
+                <a:t>een</a:t>
+              </a:r>
+              <a:r>
+                <a:rPr lang="en-US" dirty="0" smtClean="0"/>
+                <a:t> </a:t>
+              </a:r>
+              <a:r>
+                <a:rPr lang="en-US" dirty="0" err="1" smtClean="0"/>
+                <a:t>goede</a:t>
+              </a:r>
+              <a:r>
+                <a:rPr lang="en-US" dirty="0" smtClean="0"/>
+                <a:t> </a:t>
+              </a:r>
+              <a:r>
+                <a:rPr lang="en-US" dirty="0" err="1" smtClean="0"/>
+                <a:t>afweging</a:t>
+              </a:r>
+              <a:r>
+                <a:rPr lang="en-US" dirty="0" smtClean="0"/>
+                <a:t> </a:t>
+              </a:r>
+              <a:r>
+                <a:rPr lang="en-US" dirty="0" err="1" smtClean="0"/>
+                <a:t>tussen</a:t>
+              </a:r>
+              <a:r>
+                <a:rPr lang="en-US" dirty="0" smtClean="0"/>
+                <a:t> het </a:t>
+              </a:r>
+              <a:r>
+                <a:rPr lang="en-US" dirty="0" err="1" smtClean="0"/>
+                <a:t>oplossings</a:t>
+              </a:r>
+              <a:r>
+                <a:rPr lang="en-US" dirty="0" smtClean="0"/>
+                <a:t>% en </a:t>
+              </a:r>
+              <a:br>
+                <a:rPr lang="en-US" dirty="0" smtClean="0"/>
+              </a:br>
+              <a:r>
+                <a:rPr lang="en-US" dirty="0" smtClean="0"/>
+                <a:t>de </a:t>
+              </a:r>
+              <a:r>
+                <a:rPr lang="en-US" dirty="0" err="1" smtClean="0"/>
+                <a:t>benodigde</a:t>
+              </a:r>
+              <a:r>
+                <a:rPr lang="en-US" dirty="0" smtClean="0"/>
+                <a:t> </a:t>
+              </a:r>
+              <a:r>
+                <a:rPr lang="en-US" dirty="0" err="1" smtClean="0"/>
+                <a:t>tijd</a:t>
+              </a:r>
+              <a:r>
+                <a:rPr lang="en-US" dirty="0" smtClean="0"/>
+                <a:t> </a:t>
+              </a:r>
+              <a:r>
+                <a:rPr lang="en-US" dirty="0" err="1" smtClean="0"/>
+                <a:t>bij</a:t>
+              </a:r>
+              <a:r>
+                <a:rPr lang="en-US" dirty="0" smtClean="0"/>
+                <a:t> het </a:t>
+              </a:r>
+              <a:r>
+                <a:rPr lang="en-US" dirty="0" err="1" smtClean="0"/>
+                <a:t>toevoegen</a:t>
+              </a:r>
+              <a:r>
+                <a:rPr lang="en-US" dirty="0" smtClean="0"/>
+                <a:t> van </a:t>
+              </a:r>
+              <a:r>
+                <a:rPr lang="en-US" dirty="0" err="1" smtClean="0"/>
+                <a:t>constanten</a:t>
               </a:r>
               <a:endParaRPr lang="en-US" dirty="0"/>
             </a:p>
@@ -20844,7 +21019,7 @@
         </p:nvGrpSpPr>
         <p:grpSpPr>
           <a:xfrm>
-            <a:off x="380481" y="5160333"/>
+            <a:off x="389933" y="5301208"/>
             <a:ext cx="8353967" cy="620459"/>
             <a:chOff x="380481" y="5160333"/>
             <a:chExt cx="8353967" cy="620459"/>
@@ -20894,7 +21069,67 @@
               <a:pPr algn="ctr"/>
               <a:r>
                 <a:rPr lang="en-US" dirty="0" smtClean="0"/>
-                <a:t>Optimaliseren van de constanten</a:t>
+                <a:t>       Het </a:t>
+              </a:r>
+              <a:r>
+                <a:rPr lang="en-US" dirty="0" err="1" smtClean="0"/>
+                <a:t>vermijden</a:t>
+              </a:r>
+              <a:r>
+                <a:rPr lang="en-US" dirty="0"/>
+                <a:t> </a:t>
+              </a:r>
+              <a:r>
+                <a:rPr lang="en-US" dirty="0" smtClean="0"/>
+                <a:t>van </a:t>
+              </a:r>
+              <a:r>
+                <a:rPr lang="en-US" dirty="0" err="1" smtClean="0"/>
+                <a:t>redundante</a:t>
+              </a:r>
+              <a:r>
+                <a:rPr lang="en-US" dirty="0" smtClean="0"/>
+                <a:t> </a:t>
+              </a:r>
+              <a:r>
+                <a:rPr lang="en-US" dirty="0" err="1" smtClean="0"/>
+                <a:t>uitwerkingen</a:t>
+              </a:r>
+              <a:r>
+                <a:rPr lang="en-US" dirty="0" smtClean="0"/>
+                <a:t> </a:t>
+              </a:r>
+              <a:r>
+                <a:rPr lang="en-US" dirty="0" err="1" smtClean="0"/>
+                <a:t>heeft</a:t>
+              </a:r>
+              <a:r>
+                <a:rPr lang="en-US" dirty="0" smtClean="0"/>
+                <a:t> </a:t>
+              </a:r>
+              <a:r>
+                <a:rPr lang="en-US" dirty="0" err="1" smtClean="0"/>
+                <a:t>een</a:t>
+              </a:r>
+              <a:r>
+                <a:rPr lang="en-US" dirty="0" smtClean="0"/>
+                <a:t> </a:t>
+              </a:r>
+              <a:r>
+                <a:rPr lang="en-US" dirty="0" err="1" smtClean="0"/>
+                <a:t>invloed</a:t>
+              </a:r>
+              <a:r>
+                <a:rPr lang="en-US" dirty="0" smtClean="0"/>
+                <a:t> op de </a:t>
+              </a:r>
+              <a:r>
+                <a:rPr lang="en-US" dirty="0" err="1" smtClean="0"/>
+                <a:t>tijd</a:t>
+              </a:r>
+              <a:r>
+                <a:rPr lang="en-US" dirty="0" smtClean="0"/>
+                <a:t> </a:t>
               </a:r>
               <a:endParaRPr lang="en-US" dirty="0"/>
             </a:p>
@@ -22078,6 +22313,13 @@
   <p:clrMapOvr>
     <a:masterClrMapping/>
   </p:clrMapOvr>
+  <p:timing>
+    <p:tnLst>
+      <p:par>
+        <p:cTn xmlns:p14="http://schemas.microsoft.com/office/powerpoint/2010/main" id="1" dur="indefinite" restart="never" nodeType="tmRoot"/>
+      </p:par>
+    </p:tnLst>
+  </p:timing>
 </p:sld>
 </file>
 
@@ -22154,6 +22396,13 @@
   <p:clrMapOvr>
     <a:masterClrMapping/>
   </p:clrMapOvr>
+  <p:timing>
+    <p:tnLst>
+      <p:par>
+        <p:cTn xmlns:p14="http://schemas.microsoft.com/office/powerpoint/2010/main" id="1" dur="indefinite" restart="never" nodeType="tmRoot"/>
+      </p:par>
+    </p:tnLst>
+  </p:timing>
 </p:sld>
 </file>
 
@@ -22419,13 +22668,10 @@
           </a:p>
           <a:p>
             <a:r>
-              <a:rPr lang="nl-BE" dirty="0"/>
-              <a:t>Verder </a:t>
+              <a:rPr lang="nl-BE" dirty="0" smtClean="0"/>
+              <a:t>Toekomstig onderzoek</a:t>
             </a:r>
-            <a:r>
-              <a:rPr lang="nl-BE" dirty="0" smtClean="0"/>
-              <a:t>werk (NIP)</a:t>
-            </a:r>
+            <a:endParaRPr lang="nl-BE" dirty="0" smtClean="0"/>
           </a:p>
           <a:p>
             <a:r>
@@ -22519,6 +22765,291 @@
           <a:p>
             <a:r>
               <a:rPr lang="en-US" dirty="0" smtClean="0"/>
+              <a:t>Experiment </a:t>
+            </a:r>
+            <a:r>
+              <a:rPr lang="en-US" dirty="0" smtClean="0"/>
+              <a:t>3: </a:t>
+            </a:r>
+            <a:r>
+              <a:rPr lang="en-US" dirty="0" err="1" smtClean="0"/>
+              <a:t>Gewichten</a:t>
+            </a:r>
+            <a:r>
+              <a:rPr lang="en-US" dirty="0" smtClean="0"/>
+              <a:t> </a:t>
+            </a:r>
+            <a:r>
+              <a:rPr lang="en-US" dirty="0" err="1" smtClean="0"/>
+              <a:t>opl</a:t>
+            </a:r>
+            <a:r>
+              <a:rPr lang="en-US" dirty="0" smtClean="0"/>
+              <a:t>%</a:t>
+            </a:r>
+            <a:endParaRPr lang="en-US" dirty="0"/>
+          </a:p>
+        </p:txBody>
+      </p:sp>
+      <p:sp>
+        <p:nvSpPr>
+          <p:cNvPr id="3" name="Content Placeholder 2"/>
+          <p:cNvSpPr>
+            <a:spLocks noGrp="1"/>
+          </p:cNvSpPr>
+          <p:nvPr>
+            <p:ph idx="1"/>
+          </p:nvPr>
+        </p:nvSpPr>
+        <p:spPr/>
+        <p:txBody>
+          <a:bodyPr/>
+          <a:lstStyle/>
+          <a:p>
+            <a:endParaRPr lang="en-US"/>
+          </a:p>
+        </p:txBody>
+      </p:sp>
+    </p:spTree>
+    <p:extLst>
+      <p:ext uri="{BB962C8B-B14F-4D97-AF65-F5344CB8AC3E}">
+        <p14:creationId xmlns:p14="http://schemas.microsoft.com/office/powerpoint/2010/main" val="2335274681"/>
+      </p:ext>
+    </p:extLst>
+  </p:cSld>
+  <p:clrMapOvr>
+    <a:masterClrMapping/>
+  </p:clrMapOvr>
+  <p:timing>
+    <p:tnLst>
+      <p:par>
+        <p:cTn xmlns:p14="http://schemas.microsoft.com/office/powerpoint/2010/main" id="1" dur="indefinite" restart="never" nodeType="tmRoot"/>
+      </p:par>
+    </p:tnLst>
+  </p:timing>
+</p:sld>
+</file>
+
+<file path=ppt/slides/slide21.xml><?xml version="1.0" encoding="utf-8"?>
+<p:sld xmlns:a="http://schemas.openxmlformats.org/drawingml/2006/main" xmlns:r="http://schemas.openxmlformats.org/officeDocument/2006/relationships" xmlns:p="http://schemas.openxmlformats.org/presentationml/2006/main">
+  <p:cSld>
+    <p:spTree>
+      <p:nvGrpSpPr>
+        <p:cNvPr id="1" name=""/>
+        <p:cNvGrpSpPr/>
+        <p:nvPr/>
+      </p:nvGrpSpPr>
+      <p:grpSpPr>
+        <a:xfrm>
+          <a:off x="0" y="0"/>
+          <a:ext cx="0" cy="0"/>
+          <a:chOff x="0" y="0"/>
+          <a:chExt cx="0" cy="0"/>
+        </a:xfrm>
+      </p:grpSpPr>
+      <p:sp>
+        <p:nvSpPr>
+          <p:cNvPr id="2" name="Title 1"/>
+          <p:cNvSpPr>
+            <a:spLocks noGrp="1"/>
+          </p:cNvSpPr>
+          <p:nvPr>
+            <p:ph type="title"/>
+          </p:nvPr>
+        </p:nvSpPr>
+        <p:spPr/>
+        <p:txBody>
+          <a:bodyPr/>
+          <a:lstStyle/>
+          <a:p>
+            <a:r>
+              <a:rPr lang="en-US" dirty="0" smtClean="0"/>
+              <a:t>Experiment </a:t>
+            </a:r>
+            <a:r>
+              <a:rPr lang="en-US" dirty="0" smtClean="0"/>
+              <a:t>4: </a:t>
+            </a:r>
+            <a:r>
+              <a:rPr lang="en-US" dirty="0" err="1" smtClean="0"/>
+              <a:t>Gewichten</a:t>
+            </a:r>
+            <a:r>
+              <a:rPr lang="en-US" dirty="0" smtClean="0"/>
+              <a:t> </a:t>
+            </a:r>
+            <a:r>
+              <a:rPr lang="en-US" dirty="0" err="1" smtClean="0"/>
+              <a:t>tijd</a:t>
+            </a:r>
+            <a:endParaRPr lang="en-US" dirty="0"/>
+          </a:p>
+        </p:txBody>
+      </p:sp>
+      <p:sp>
+        <p:nvSpPr>
+          <p:cNvPr id="3" name="Content Placeholder 2"/>
+          <p:cNvSpPr>
+            <a:spLocks noGrp="1"/>
+          </p:cNvSpPr>
+          <p:nvPr>
+            <p:ph idx="1"/>
+          </p:nvPr>
+        </p:nvSpPr>
+        <p:spPr/>
+        <p:txBody>
+          <a:bodyPr/>
+          <a:lstStyle/>
+          <a:p>
+            <a:endParaRPr lang="en-US"/>
+          </a:p>
+        </p:txBody>
+      </p:sp>
+    </p:spTree>
+    <p:extLst>
+      <p:ext uri="{BB962C8B-B14F-4D97-AF65-F5344CB8AC3E}">
+        <p14:creationId xmlns:p14="http://schemas.microsoft.com/office/powerpoint/2010/main" val="2335274681"/>
+      </p:ext>
+    </p:extLst>
+  </p:cSld>
+  <p:clrMapOvr>
+    <a:masterClrMapping/>
+  </p:clrMapOvr>
+  <p:timing>
+    <p:tnLst>
+      <p:par>
+        <p:cTn xmlns:p14="http://schemas.microsoft.com/office/powerpoint/2010/main" id="1" dur="indefinite" restart="never" nodeType="tmRoot"/>
+      </p:par>
+    </p:tnLst>
+  </p:timing>
+</p:sld>
+</file>
+
+<file path=ppt/slides/slide22.xml><?xml version="1.0" encoding="utf-8"?>
+<p:sld xmlns:a="http://schemas.openxmlformats.org/drawingml/2006/main" xmlns:r="http://schemas.openxmlformats.org/officeDocument/2006/relationships" xmlns:p="http://schemas.openxmlformats.org/presentationml/2006/main">
+  <p:cSld>
+    <p:spTree>
+      <p:nvGrpSpPr>
+        <p:cNvPr id="1" name=""/>
+        <p:cNvGrpSpPr/>
+        <p:nvPr/>
+      </p:nvGrpSpPr>
+      <p:grpSpPr>
+        <a:xfrm>
+          <a:off x="0" y="0"/>
+          <a:ext cx="0" cy="0"/>
+          <a:chOff x="0" y="0"/>
+          <a:chExt cx="0" cy="0"/>
+        </a:xfrm>
+      </p:grpSpPr>
+      <p:sp>
+        <p:nvSpPr>
+          <p:cNvPr id="2" name="Title 1"/>
+          <p:cNvSpPr>
+            <a:spLocks noGrp="1"/>
+          </p:cNvSpPr>
+          <p:nvPr>
+            <p:ph type="title"/>
+          </p:nvPr>
+        </p:nvSpPr>
+        <p:spPr/>
+        <p:txBody>
+          <a:bodyPr/>
+          <a:lstStyle/>
+          <a:p>
+            <a:r>
+              <a:rPr lang="en-US" dirty="0" smtClean="0"/>
+              <a:t>Experiment </a:t>
+            </a:r>
+            <a:r>
+              <a:rPr lang="en-US" dirty="0" smtClean="0"/>
+              <a:t>5: Brute force </a:t>
+            </a:r>
+            <a:r>
+              <a:rPr lang="en-US" dirty="0" err="1" smtClean="0"/>
+              <a:t>vs</a:t>
+            </a:r>
+            <a:r>
+              <a:rPr lang="en-US" dirty="0" smtClean="0"/>
+              <a:t> Opt</a:t>
+            </a:r>
+            <a:endParaRPr lang="en-US" dirty="0"/>
+          </a:p>
+        </p:txBody>
+      </p:sp>
+      <p:sp>
+        <p:nvSpPr>
+          <p:cNvPr id="3" name="Content Placeholder 2"/>
+          <p:cNvSpPr>
+            <a:spLocks noGrp="1"/>
+          </p:cNvSpPr>
+          <p:nvPr>
+            <p:ph idx="1"/>
+          </p:nvPr>
+        </p:nvSpPr>
+        <p:spPr/>
+        <p:txBody>
+          <a:bodyPr/>
+          <a:lstStyle/>
+          <a:p>
+            <a:endParaRPr lang="en-US"/>
+          </a:p>
+        </p:txBody>
+      </p:sp>
+    </p:spTree>
+    <p:extLst>
+      <p:ext uri="{BB962C8B-B14F-4D97-AF65-F5344CB8AC3E}">
+        <p14:creationId xmlns:p14="http://schemas.microsoft.com/office/powerpoint/2010/main" val="2335274681"/>
+      </p:ext>
+    </p:extLst>
+  </p:cSld>
+  <p:clrMapOvr>
+    <a:masterClrMapping/>
+  </p:clrMapOvr>
+  <p:timing>
+    <p:tnLst>
+      <p:par>
+        <p:cTn xmlns:p14="http://schemas.microsoft.com/office/powerpoint/2010/main" id="1" dur="indefinite" restart="never" nodeType="tmRoot"/>
+      </p:par>
+    </p:tnLst>
+  </p:timing>
+</p:sld>
+</file>
+
+<file path=ppt/slides/slide23.xml><?xml version="1.0" encoding="utf-8"?>
+<p:sld xmlns:a="http://schemas.openxmlformats.org/drawingml/2006/main" xmlns:r="http://schemas.openxmlformats.org/officeDocument/2006/relationships" xmlns:p="http://schemas.openxmlformats.org/presentationml/2006/main">
+  <p:cSld>
+    <p:spTree>
+      <p:nvGrpSpPr>
+        <p:cNvPr id="1" name=""/>
+        <p:cNvGrpSpPr/>
+        <p:nvPr/>
+      </p:nvGrpSpPr>
+      <p:grpSpPr>
+        <a:xfrm>
+          <a:off x="0" y="0"/>
+          <a:ext cx="0" cy="0"/>
+          <a:chOff x="0" y="0"/>
+          <a:chExt cx="0" cy="0"/>
+        </a:xfrm>
+      </p:grpSpPr>
+      <p:sp>
+        <p:nvSpPr>
+          <p:cNvPr id="2" name="Title 1"/>
+          <p:cNvSpPr>
+            <a:spLocks noGrp="1"/>
+          </p:cNvSpPr>
+          <p:nvPr>
+            <p:ph type="title"/>
+          </p:nvPr>
+        </p:nvSpPr>
+        <p:spPr/>
+        <p:txBody>
+          <a:bodyPr/>
+          <a:lstStyle/>
+          <a:p>
+            <a:r>
+              <a:rPr lang="en-US" dirty="0" err="1" smtClean="0"/>
               <a:t>Succescriteria</a:t>
             </a:r>
             <a:endParaRPr lang="en-US" dirty="0"/>
@@ -22892,278 +23423,6 @@
 </p:sld>
 </file>
 
-<file path=ppt/slides/slide21.xml><?xml version="1.0" encoding="utf-8"?>
-<p:sld xmlns:a="http://schemas.openxmlformats.org/drawingml/2006/main" xmlns:r="http://schemas.openxmlformats.org/officeDocument/2006/relationships" xmlns:p="http://schemas.openxmlformats.org/presentationml/2006/main">
-  <p:cSld>
-    <p:spTree>
-      <p:nvGrpSpPr>
-        <p:cNvPr id="1" name=""/>
-        <p:cNvGrpSpPr/>
-        <p:nvPr/>
-      </p:nvGrpSpPr>
-      <p:grpSpPr>
-        <a:xfrm>
-          <a:off x="0" y="0"/>
-          <a:ext cx="0" cy="0"/>
-          <a:chOff x="0" y="0"/>
-          <a:chExt cx="0" cy="0"/>
-        </a:xfrm>
-      </p:grpSpPr>
-      <p:sp>
-        <p:nvSpPr>
-          <p:cNvPr id="2" name="Title 1"/>
-          <p:cNvSpPr>
-            <a:spLocks noGrp="1"/>
-          </p:cNvSpPr>
-          <p:nvPr>
-            <p:ph type="ctrTitle"/>
-          </p:nvPr>
-        </p:nvSpPr>
-        <p:spPr/>
-        <p:txBody>
-          <a:bodyPr/>
-          <a:lstStyle/>
-          <a:p>
-            <a:r>
-              <a:rPr lang="en-US" dirty="0" smtClean="0"/>
-              <a:t>Conclusie</a:t>
-            </a:r>
-            <a:endParaRPr lang="en-US" dirty="0"/>
-          </a:p>
-        </p:txBody>
-      </p:sp>
-      <p:sp>
-        <p:nvSpPr>
-          <p:cNvPr id="3" name="Subtitle 2"/>
-          <p:cNvSpPr>
-            <a:spLocks noGrp="1"/>
-          </p:cNvSpPr>
-          <p:nvPr>
-            <p:ph type="subTitle" idx="1"/>
-          </p:nvPr>
-        </p:nvSpPr>
-        <p:spPr/>
-        <p:txBody>
-          <a:bodyPr/>
-          <a:lstStyle/>
-          <a:p>
-            <a:endParaRPr lang="en-US" dirty="0"/>
-          </a:p>
-        </p:txBody>
-      </p:sp>
-    </p:spTree>
-    <p:extLst>
-      <p:ext uri="{BB962C8B-B14F-4D97-AF65-F5344CB8AC3E}">
-        <p14:creationId xmlns:p14="http://schemas.microsoft.com/office/powerpoint/2010/main" val="2579041775"/>
-      </p:ext>
-    </p:extLst>
-  </p:cSld>
-  <p:clrMapOvr>
-    <a:masterClrMapping/>
-  </p:clrMapOvr>
-  <p:timing>
-    <p:tnLst>
-      <p:par>
-        <p:cTn xmlns:p14="http://schemas.microsoft.com/office/powerpoint/2010/main" id="1" dur="indefinite" restart="never" nodeType="tmRoot"/>
-      </p:par>
-    </p:tnLst>
-  </p:timing>
-</p:sld>
-</file>
-
-<file path=ppt/slides/slide22.xml><?xml version="1.0" encoding="utf-8"?>
-<p:sld xmlns:a="http://schemas.openxmlformats.org/drawingml/2006/main" xmlns:r="http://schemas.openxmlformats.org/officeDocument/2006/relationships" xmlns:p="http://schemas.openxmlformats.org/presentationml/2006/main">
-  <p:cSld>
-    <p:spTree>
-      <p:nvGrpSpPr>
-        <p:cNvPr id="1" name=""/>
-        <p:cNvGrpSpPr/>
-        <p:nvPr/>
-      </p:nvGrpSpPr>
-      <p:grpSpPr>
-        <a:xfrm>
-          <a:off x="0" y="0"/>
-          <a:ext cx="0" cy="0"/>
-          <a:chOff x="0" y="0"/>
-          <a:chExt cx="0" cy="0"/>
-        </a:xfrm>
-      </p:grpSpPr>
-      <p:sp>
-        <p:nvSpPr>
-          <p:cNvPr id="2" name="Title 1"/>
-          <p:cNvSpPr>
-            <a:spLocks noGrp="1"/>
-          </p:cNvSpPr>
-          <p:nvPr>
-            <p:ph type="ctrTitle"/>
-          </p:nvPr>
-        </p:nvSpPr>
-        <p:spPr/>
-        <p:txBody>
-          <a:bodyPr/>
-          <a:lstStyle/>
-          <a:p>
-            <a:r>
-              <a:rPr lang="en-US" dirty="0" smtClean="0"/>
-              <a:t>Toekomstig </a:t>
-            </a:r>
-            <a:br>
-              <a:rPr lang="en-US" dirty="0" smtClean="0"/>
-            </a:br>
-            <a:r>
-              <a:rPr lang="en-US" dirty="0" smtClean="0"/>
-              <a:t>onderzoek</a:t>
-            </a:r>
-            <a:endParaRPr lang="en-US" dirty="0"/>
-          </a:p>
-        </p:txBody>
-      </p:sp>
-      <p:sp>
-        <p:nvSpPr>
-          <p:cNvPr id="3" name="Subtitle 2"/>
-          <p:cNvSpPr>
-            <a:spLocks noGrp="1"/>
-          </p:cNvSpPr>
-          <p:nvPr>
-            <p:ph type="subTitle" idx="1"/>
-          </p:nvPr>
-        </p:nvSpPr>
-        <p:spPr/>
-        <p:txBody>
-          <a:bodyPr/>
-          <a:lstStyle/>
-          <a:p>
-            <a:r>
-              <a:rPr lang="en-US" dirty="0" smtClean="0"/>
-              <a:t>Mogelijkheden tot verder onderzoek binnen het onderzoeksdomein</a:t>
-            </a:r>
-            <a:endParaRPr lang="en-US" dirty="0"/>
-          </a:p>
-        </p:txBody>
-      </p:sp>
-    </p:spTree>
-    <p:extLst>
-      <p:ext uri="{BB962C8B-B14F-4D97-AF65-F5344CB8AC3E}">
-        <p14:creationId xmlns:p14="http://schemas.microsoft.com/office/powerpoint/2010/main" val="2579041775"/>
-      </p:ext>
-    </p:extLst>
-  </p:cSld>
-  <p:clrMapOvr>
-    <a:masterClrMapping/>
-  </p:clrMapOvr>
-  <p:timing>
-    <p:tnLst>
-      <p:par>
-        <p:cTn xmlns:p14="http://schemas.microsoft.com/office/powerpoint/2010/main" id="1" dur="indefinite" restart="never" nodeType="tmRoot"/>
-      </p:par>
-    </p:tnLst>
-  </p:timing>
-</p:sld>
-</file>
-
-<file path=ppt/slides/slide23.xml><?xml version="1.0" encoding="utf-8"?>
-<p:sld xmlns:a="http://schemas.openxmlformats.org/drawingml/2006/main" xmlns:r="http://schemas.openxmlformats.org/officeDocument/2006/relationships" xmlns:p="http://schemas.openxmlformats.org/presentationml/2006/main">
-  <p:cSld>
-    <p:spTree>
-      <p:nvGrpSpPr>
-        <p:cNvPr id="1" name=""/>
-        <p:cNvGrpSpPr/>
-        <p:nvPr/>
-      </p:nvGrpSpPr>
-      <p:grpSpPr>
-        <a:xfrm>
-          <a:off x="0" y="0"/>
-          <a:ext cx="0" cy="0"/>
-          <a:chOff x="0" y="0"/>
-          <a:chExt cx="0" cy="0"/>
-        </a:xfrm>
-      </p:grpSpPr>
-      <p:sp>
-        <p:nvSpPr>
-          <p:cNvPr id="2" name="Title 1"/>
-          <p:cNvSpPr>
-            <a:spLocks noGrp="1"/>
-          </p:cNvSpPr>
-          <p:nvPr>
-            <p:ph type="title"/>
-          </p:nvPr>
-        </p:nvSpPr>
-        <p:spPr/>
-        <p:txBody>
-          <a:bodyPr/>
-          <a:lstStyle/>
-          <a:p>
-            <a:r>
-              <a:rPr lang="en-US" dirty="0" smtClean="0"/>
-              <a:t>Toekomstig onderzoek</a:t>
-            </a:r>
-            <a:endParaRPr lang="en-US" dirty="0"/>
-          </a:p>
-        </p:txBody>
-      </p:sp>
-      <p:sp>
-        <p:nvSpPr>
-          <p:cNvPr id="3" name="Content Placeholder 2"/>
-          <p:cNvSpPr>
-            <a:spLocks noGrp="1"/>
-          </p:cNvSpPr>
-          <p:nvPr>
-            <p:ph idx="1"/>
-          </p:nvPr>
-        </p:nvSpPr>
-        <p:spPr/>
-        <p:txBody>
-          <a:bodyPr/>
-          <a:lstStyle/>
-          <a:p>
-            <a:r>
-              <a:rPr lang="en-US" dirty="0" smtClean="0"/>
-              <a:t>Zoeken naar een geschikte heuristiek</a:t>
-            </a:r>
-          </a:p>
-          <a:p>
-            <a:r>
-              <a:rPr lang="en-US" dirty="0" smtClean="0"/>
-              <a:t>De implementatie van haakjes</a:t>
-            </a:r>
-          </a:p>
-          <a:p>
-            <a:r>
-              <a:rPr lang="en-US" dirty="0" smtClean="0"/>
-              <a:t>Verdere optimalisaties in het opstellen van de bewerkingsboom</a:t>
-            </a:r>
-          </a:p>
-          <a:p>
-            <a:endParaRPr lang="en-US" dirty="0" smtClean="0"/>
-          </a:p>
-          <a:p>
-            <a:endParaRPr lang="en-US" dirty="0"/>
-          </a:p>
-          <a:p>
-            <a:endParaRPr lang="en-US" dirty="0"/>
-          </a:p>
-        </p:txBody>
-      </p:sp>
-    </p:spTree>
-    <p:extLst>
-      <p:ext uri="{BB962C8B-B14F-4D97-AF65-F5344CB8AC3E}">
-        <p14:creationId xmlns:p14="http://schemas.microsoft.com/office/powerpoint/2010/main" val="972025637"/>
-      </p:ext>
-    </p:extLst>
-  </p:cSld>
-  <p:clrMapOvr>
-    <a:masterClrMapping/>
-  </p:clrMapOvr>
-  <p:timing>
-    <p:tnLst>
-      <p:par>
-        <p:cTn xmlns:p14="http://schemas.microsoft.com/office/powerpoint/2010/main" id="1" dur="indefinite" restart="never" nodeType="tmRoot"/>
-      </p:par>
-    </p:tnLst>
-  </p:timing>
-</p:sld>
-</file>
-
 <file path=ppt/slides/slide24.xml><?xml version="1.0" encoding="utf-8"?>
 <p:sld xmlns:a="http://schemas.openxmlformats.org/drawingml/2006/main" xmlns:r="http://schemas.openxmlformats.org/officeDocument/2006/relationships" xmlns:p="http://schemas.openxmlformats.org/presentationml/2006/main">
   <p:cSld>
@@ -23198,7 +23457,7 @@
           <a:p>
             <a:r>
               <a:rPr lang="en-US" dirty="0" smtClean="0"/>
-              <a:t>Demo</a:t>
+              <a:t>Conclusie</a:t>
             </a:r>
             <a:endParaRPr lang="en-US" dirty="0"/>
           </a:p>
@@ -23219,17 +23478,6 @@
           <a:bodyPr/>
           <a:lstStyle/>
           <a:p>
-            <a:r>
-              <a:rPr lang="en-US" dirty="0" smtClean="0"/>
-              <a:t>Een korte demonstratie </a:t>
-            </a:r>
-            <a:br>
-              <a:rPr lang="en-US" dirty="0" smtClean="0"/>
-            </a:br>
-            <a:r>
-              <a:rPr lang="en-US" dirty="0" smtClean="0"/>
-              <a:t>van de applicatie</a:t>
-            </a:r>
             <a:endParaRPr lang="en-US" dirty="0"/>
           </a:p>
         </p:txBody>
@@ -23237,7 +23485,7 @@
     </p:spTree>
     <p:extLst>
       <p:ext uri="{BB962C8B-B14F-4D97-AF65-F5344CB8AC3E}">
-        <p14:creationId xmlns:p14="http://schemas.microsoft.com/office/powerpoint/2010/main" val="3184497847"/>
+        <p14:creationId xmlns:p14="http://schemas.microsoft.com/office/powerpoint/2010/main" val="2579041775"/>
       </p:ext>
     </p:extLst>
   </p:cSld>
@@ -23287,6 +23535,457 @@
           <a:lstStyle/>
           <a:p>
             <a:r>
+              <a:rPr lang="en-US" dirty="0" err="1" smtClean="0"/>
+              <a:t>Conclusie</a:t>
+            </a:r>
+            <a:endParaRPr lang="en-US" dirty="0"/>
+          </a:p>
+        </p:txBody>
+      </p:sp>
+      <p:sp>
+        <p:nvSpPr>
+          <p:cNvPr id="3" name="Content Placeholder 2"/>
+          <p:cNvSpPr>
+            <a:spLocks noGrp="1"/>
+          </p:cNvSpPr>
+          <p:nvPr>
+            <p:ph idx="1"/>
+          </p:nvPr>
+        </p:nvSpPr>
+        <p:spPr/>
+        <p:txBody>
+          <a:bodyPr/>
+          <a:lstStyle/>
+          <a:p>
+            <a:r>
+              <a:rPr lang="en-US" dirty="0" err="1" smtClean="0"/>
+              <a:t>Veel</a:t>
+            </a:r>
+            <a:r>
+              <a:rPr lang="en-US" dirty="0" smtClean="0"/>
+              <a:t> </a:t>
+            </a:r>
+            <a:r>
+              <a:rPr lang="en-US" dirty="0" err="1" smtClean="0"/>
+              <a:t>sneller</a:t>
+            </a:r>
+            <a:r>
+              <a:rPr lang="en-US" dirty="0" smtClean="0"/>
+              <a:t> </a:t>
+            </a:r>
+            <a:r>
+              <a:rPr lang="en-US" dirty="0" err="1" smtClean="0"/>
+              <a:t>dan</a:t>
+            </a:r>
+            <a:r>
+              <a:rPr lang="en-US" dirty="0" smtClean="0"/>
+              <a:t> de brute force </a:t>
+            </a:r>
+            <a:r>
+              <a:rPr lang="en-US" dirty="0" err="1" smtClean="0"/>
+              <a:t>aanpak</a:t>
+            </a:r>
+            <a:endParaRPr lang="en-US" dirty="0" smtClean="0"/>
+          </a:p>
+          <a:p>
+            <a:r>
+              <a:rPr lang="en-US" dirty="0" err="1" smtClean="0"/>
+              <a:t>Geen</a:t>
+            </a:r>
+            <a:r>
+              <a:rPr lang="en-US" dirty="0" smtClean="0"/>
+              <a:t> 100% </a:t>
+            </a:r>
+            <a:r>
+              <a:rPr lang="en-US" dirty="0" err="1" smtClean="0"/>
+              <a:t>oplossingsgraad</a:t>
+            </a:r>
+            <a:endParaRPr lang="en-US" dirty="0" smtClean="0"/>
+          </a:p>
+          <a:p>
+            <a:r>
+              <a:rPr lang="en-US" dirty="0" err="1" smtClean="0"/>
+              <a:t>Experimenten</a:t>
+            </a:r>
+            <a:r>
+              <a:rPr lang="en-US" dirty="0" smtClean="0"/>
+              <a:t> </a:t>
+            </a:r>
+            <a:r>
+              <a:rPr lang="en-US" dirty="0" err="1" smtClean="0"/>
+              <a:t>afhankelijk</a:t>
+            </a:r>
+            <a:r>
+              <a:rPr lang="en-US" dirty="0" smtClean="0"/>
+              <a:t> van de </a:t>
+            </a:r>
+            <a:r>
+              <a:rPr lang="en-US" dirty="0" err="1" smtClean="0"/>
+              <a:t>randomgenerator</a:t>
+            </a:r>
+            <a:endParaRPr lang="en-US" dirty="0" smtClean="0"/>
+          </a:p>
+          <a:p>
+            <a:r>
+              <a:rPr lang="en-US" dirty="0" err="1" smtClean="0"/>
+              <a:t>Beperkte</a:t>
+            </a:r>
+            <a:r>
+              <a:rPr lang="en-US" dirty="0" smtClean="0"/>
+              <a:t> </a:t>
+            </a:r>
+            <a:r>
+              <a:rPr lang="en-US" dirty="0" err="1" smtClean="0"/>
+              <a:t>diepte</a:t>
+            </a:r>
+            <a:endParaRPr lang="en-US" dirty="0" smtClean="0"/>
+          </a:p>
+          <a:p>
+            <a:r>
+              <a:rPr lang="en-US" dirty="0" err="1" smtClean="0"/>
+              <a:t>Geen</a:t>
+            </a:r>
+            <a:r>
+              <a:rPr lang="en-US" dirty="0" smtClean="0"/>
+              <a:t> </a:t>
+            </a:r>
+            <a:r>
+              <a:rPr lang="en-US" dirty="0" err="1" smtClean="0"/>
+              <a:t>heuristiek</a:t>
+            </a:r>
+            <a:endParaRPr lang="en-US" dirty="0" smtClean="0"/>
+          </a:p>
+        </p:txBody>
+      </p:sp>
+    </p:spTree>
+    <p:extLst>
+      <p:ext uri="{BB962C8B-B14F-4D97-AF65-F5344CB8AC3E}">
+        <p14:creationId xmlns:p14="http://schemas.microsoft.com/office/powerpoint/2010/main" val="3138711606"/>
+      </p:ext>
+    </p:extLst>
+  </p:cSld>
+  <p:clrMapOvr>
+    <a:masterClrMapping/>
+  </p:clrMapOvr>
+</p:sld>
+</file>
+
+<file path=ppt/slides/slide26.xml><?xml version="1.0" encoding="utf-8"?>
+<p:sld xmlns:a="http://schemas.openxmlformats.org/drawingml/2006/main" xmlns:r="http://schemas.openxmlformats.org/officeDocument/2006/relationships" xmlns:p="http://schemas.openxmlformats.org/presentationml/2006/main">
+  <p:cSld>
+    <p:spTree>
+      <p:nvGrpSpPr>
+        <p:cNvPr id="1" name=""/>
+        <p:cNvGrpSpPr/>
+        <p:nvPr/>
+      </p:nvGrpSpPr>
+      <p:grpSpPr>
+        <a:xfrm>
+          <a:off x="0" y="0"/>
+          <a:ext cx="0" cy="0"/>
+          <a:chOff x="0" y="0"/>
+          <a:chExt cx="0" cy="0"/>
+        </a:xfrm>
+      </p:grpSpPr>
+      <p:sp>
+        <p:nvSpPr>
+          <p:cNvPr id="2" name="Title 1"/>
+          <p:cNvSpPr>
+            <a:spLocks noGrp="1"/>
+          </p:cNvSpPr>
+          <p:nvPr>
+            <p:ph type="ctrTitle"/>
+          </p:nvPr>
+        </p:nvSpPr>
+        <p:spPr/>
+        <p:txBody>
+          <a:bodyPr/>
+          <a:lstStyle/>
+          <a:p>
+            <a:r>
+              <a:rPr lang="en-US" dirty="0" smtClean="0"/>
+              <a:t>Toekomstig </a:t>
+            </a:r>
+            <a:br>
+              <a:rPr lang="en-US" dirty="0" smtClean="0"/>
+            </a:br>
+            <a:r>
+              <a:rPr lang="en-US" dirty="0" smtClean="0"/>
+              <a:t>onderzoek</a:t>
+            </a:r>
+            <a:endParaRPr lang="en-US" dirty="0"/>
+          </a:p>
+        </p:txBody>
+      </p:sp>
+      <p:sp>
+        <p:nvSpPr>
+          <p:cNvPr id="3" name="Subtitle 2"/>
+          <p:cNvSpPr>
+            <a:spLocks noGrp="1"/>
+          </p:cNvSpPr>
+          <p:nvPr>
+            <p:ph type="subTitle" idx="1"/>
+          </p:nvPr>
+        </p:nvSpPr>
+        <p:spPr/>
+        <p:txBody>
+          <a:bodyPr/>
+          <a:lstStyle/>
+          <a:p>
+            <a:r>
+              <a:rPr lang="en-US" dirty="0" smtClean="0"/>
+              <a:t>Mogelijkheden tot verder onderzoek binnen het onderzoeksdomein</a:t>
+            </a:r>
+            <a:endParaRPr lang="en-US" dirty="0"/>
+          </a:p>
+        </p:txBody>
+      </p:sp>
+    </p:spTree>
+    <p:extLst>
+      <p:ext uri="{BB962C8B-B14F-4D97-AF65-F5344CB8AC3E}">
+        <p14:creationId xmlns:p14="http://schemas.microsoft.com/office/powerpoint/2010/main" val="2579041775"/>
+      </p:ext>
+    </p:extLst>
+  </p:cSld>
+  <p:clrMapOvr>
+    <a:masterClrMapping/>
+  </p:clrMapOvr>
+  <p:timing>
+    <p:tnLst>
+      <p:par>
+        <p:cTn xmlns:p14="http://schemas.microsoft.com/office/powerpoint/2010/main" id="1" dur="indefinite" restart="never" nodeType="tmRoot"/>
+      </p:par>
+    </p:tnLst>
+  </p:timing>
+</p:sld>
+</file>
+
+<file path=ppt/slides/slide27.xml><?xml version="1.0" encoding="utf-8"?>
+<p:sld xmlns:a="http://schemas.openxmlformats.org/drawingml/2006/main" xmlns:r="http://schemas.openxmlformats.org/officeDocument/2006/relationships" xmlns:p="http://schemas.openxmlformats.org/presentationml/2006/main">
+  <p:cSld>
+    <p:spTree>
+      <p:nvGrpSpPr>
+        <p:cNvPr id="1" name=""/>
+        <p:cNvGrpSpPr/>
+        <p:nvPr/>
+      </p:nvGrpSpPr>
+      <p:grpSpPr>
+        <a:xfrm>
+          <a:off x="0" y="0"/>
+          <a:ext cx="0" cy="0"/>
+          <a:chOff x="0" y="0"/>
+          <a:chExt cx="0" cy="0"/>
+        </a:xfrm>
+      </p:grpSpPr>
+      <p:sp>
+        <p:nvSpPr>
+          <p:cNvPr id="2" name="Title 1"/>
+          <p:cNvSpPr>
+            <a:spLocks noGrp="1"/>
+          </p:cNvSpPr>
+          <p:nvPr>
+            <p:ph type="title"/>
+          </p:nvPr>
+        </p:nvSpPr>
+        <p:spPr/>
+        <p:txBody>
+          <a:bodyPr/>
+          <a:lstStyle/>
+          <a:p>
+            <a:r>
+              <a:rPr lang="en-US" dirty="0" smtClean="0"/>
+              <a:t>Toekomstig onderzoek</a:t>
+            </a:r>
+            <a:endParaRPr lang="en-US" dirty="0"/>
+          </a:p>
+        </p:txBody>
+      </p:sp>
+      <p:sp>
+        <p:nvSpPr>
+          <p:cNvPr id="3" name="Content Placeholder 2"/>
+          <p:cNvSpPr>
+            <a:spLocks noGrp="1"/>
+          </p:cNvSpPr>
+          <p:nvPr>
+            <p:ph idx="1"/>
+          </p:nvPr>
+        </p:nvSpPr>
+        <p:spPr/>
+        <p:txBody>
+          <a:bodyPr/>
+          <a:lstStyle/>
+          <a:p>
+            <a:r>
+              <a:rPr lang="en-US" dirty="0" smtClean="0"/>
+              <a:t>Zoeken naar een geschikte heuristiek</a:t>
+            </a:r>
+          </a:p>
+          <a:p>
+            <a:r>
+              <a:rPr lang="en-US" dirty="0" smtClean="0"/>
+              <a:t>De implementatie van haakjes</a:t>
+            </a:r>
+          </a:p>
+          <a:p>
+            <a:r>
+              <a:rPr lang="en-US" dirty="0" smtClean="0"/>
+              <a:t>Verdere optimalisaties in het opstellen van de bewerkingsboom</a:t>
+            </a:r>
+          </a:p>
+          <a:p>
+            <a:endParaRPr lang="en-US" dirty="0" smtClean="0"/>
+          </a:p>
+          <a:p>
+            <a:endParaRPr lang="en-US" dirty="0"/>
+          </a:p>
+          <a:p>
+            <a:endParaRPr lang="en-US" dirty="0"/>
+          </a:p>
+        </p:txBody>
+      </p:sp>
+    </p:spTree>
+    <p:extLst>
+      <p:ext uri="{BB962C8B-B14F-4D97-AF65-F5344CB8AC3E}">
+        <p14:creationId xmlns:p14="http://schemas.microsoft.com/office/powerpoint/2010/main" val="972025637"/>
+      </p:ext>
+    </p:extLst>
+  </p:cSld>
+  <p:clrMapOvr>
+    <a:masterClrMapping/>
+  </p:clrMapOvr>
+  <p:timing>
+    <p:tnLst>
+      <p:par>
+        <p:cTn xmlns:p14="http://schemas.microsoft.com/office/powerpoint/2010/main" id="1" dur="indefinite" restart="never" nodeType="tmRoot"/>
+      </p:par>
+    </p:tnLst>
+  </p:timing>
+</p:sld>
+</file>
+
+<file path=ppt/slides/slide28.xml><?xml version="1.0" encoding="utf-8"?>
+<p:sld xmlns:a="http://schemas.openxmlformats.org/drawingml/2006/main" xmlns:r="http://schemas.openxmlformats.org/officeDocument/2006/relationships" xmlns:p="http://schemas.openxmlformats.org/presentationml/2006/main">
+  <p:cSld>
+    <p:spTree>
+      <p:nvGrpSpPr>
+        <p:cNvPr id="1" name=""/>
+        <p:cNvGrpSpPr/>
+        <p:nvPr/>
+      </p:nvGrpSpPr>
+      <p:grpSpPr>
+        <a:xfrm>
+          <a:off x="0" y="0"/>
+          <a:ext cx="0" cy="0"/>
+          <a:chOff x="0" y="0"/>
+          <a:chExt cx="0" cy="0"/>
+        </a:xfrm>
+      </p:grpSpPr>
+      <p:sp>
+        <p:nvSpPr>
+          <p:cNvPr id="2" name="Title 1"/>
+          <p:cNvSpPr>
+            <a:spLocks noGrp="1"/>
+          </p:cNvSpPr>
+          <p:nvPr>
+            <p:ph type="ctrTitle"/>
+          </p:nvPr>
+        </p:nvSpPr>
+        <p:spPr/>
+        <p:txBody>
+          <a:bodyPr/>
+          <a:lstStyle/>
+          <a:p>
+            <a:r>
+              <a:rPr lang="en-US" dirty="0" smtClean="0"/>
+              <a:t>Demo</a:t>
+            </a:r>
+            <a:endParaRPr lang="en-US" dirty="0"/>
+          </a:p>
+        </p:txBody>
+      </p:sp>
+      <p:sp>
+        <p:nvSpPr>
+          <p:cNvPr id="3" name="Subtitle 2"/>
+          <p:cNvSpPr>
+            <a:spLocks noGrp="1"/>
+          </p:cNvSpPr>
+          <p:nvPr>
+            <p:ph type="subTitle" idx="1"/>
+          </p:nvPr>
+        </p:nvSpPr>
+        <p:spPr/>
+        <p:txBody>
+          <a:bodyPr/>
+          <a:lstStyle/>
+          <a:p>
+            <a:r>
+              <a:rPr lang="en-US" dirty="0" smtClean="0"/>
+              <a:t>Een korte demonstratie </a:t>
+            </a:r>
+            <a:br>
+              <a:rPr lang="en-US" dirty="0" smtClean="0"/>
+            </a:br>
+            <a:r>
+              <a:rPr lang="en-US" dirty="0" smtClean="0"/>
+              <a:t>van de applicatie</a:t>
+            </a:r>
+            <a:endParaRPr lang="en-US" dirty="0"/>
+          </a:p>
+        </p:txBody>
+      </p:sp>
+    </p:spTree>
+    <p:extLst>
+      <p:ext uri="{BB962C8B-B14F-4D97-AF65-F5344CB8AC3E}">
+        <p14:creationId xmlns:p14="http://schemas.microsoft.com/office/powerpoint/2010/main" val="3184497847"/>
+      </p:ext>
+    </p:extLst>
+  </p:cSld>
+  <p:clrMapOvr>
+    <a:masterClrMapping/>
+  </p:clrMapOvr>
+  <p:timing>
+    <p:tnLst>
+      <p:par>
+        <p:cTn xmlns:p14="http://schemas.microsoft.com/office/powerpoint/2010/main" id="1" dur="indefinite" restart="never" nodeType="tmRoot"/>
+      </p:par>
+    </p:tnLst>
+  </p:timing>
+</p:sld>
+</file>
+
+<file path=ppt/slides/slide29.xml><?xml version="1.0" encoding="utf-8"?>
+<p:sld xmlns:a="http://schemas.openxmlformats.org/drawingml/2006/main" xmlns:r="http://schemas.openxmlformats.org/officeDocument/2006/relationships" xmlns:p="http://schemas.openxmlformats.org/presentationml/2006/main">
+  <p:cSld>
+    <p:spTree>
+      <p:nvGrpSpPr>
+        <p:cNvPr id="1" name=""/>
+        <p:cNvGrpSpPr/>
+        <p:nvPr/>
+      </p:nvGrpSpPr>
+      <p:grpSpPr>
+        <a:xfrm>
+          <a:off x="0" y="0"/>
+          <a:ext cx="0" cy="0"/>
+          <a:chOff x="0" y="0"/>
+          <a:chExt cx="0" cy="0"/>
+        </a:xfrm>
+      </p:grpSpPr>
+      <p:sp>
+        <p:nvSpPr>
+          <p:cNvPr id="2" name="Title 1"/>
+          <p:cNvSpPr>
+            <a:spLocks noGrp="1"/>
+          </p:cNvSpPr>
+          <p:nvPr>
+            <p:ph type="title"/>
+          </p:nvPr>
+        </p:nvSpPr>
+        <p:spPr/>
+        <p:txBody>
+          <a:bodyPr/>
+          <a:lstStyle/>
+          <a:p>
+            <a:r>
               <a:rPr lang="en-US" dirty="0" smtClean="0"/>
               <a:t>Demonstratie</a:t>
             </a:r>
@@ -23333,166 +24032,13 @@
   <p:clrMapOvr>
     <a:masterClrMapping/>
   </p:clrMapOvr>
-</p:sld>
-</file>
-
-<file path=ppt/slides/slide26.xml><?xml version="1.0" encoding="utf-8"?>
-<p:sld xmlns:a="http://schemas.openxmlformats.org/drawingml/2006/main" xmlns:r="http://schemas.openxmlformats.org/officeDocument/2006/relationships" xmlns:p="http://schemas.openxmlformats.org/presentationml/2006/main">
-  <p:cSld>
-    <p:spTree>
-      <p:nvGrpSpPr>
-        <p:cNvPr id="1" name=""/>
-        <p:cNvGrpSpPr/>
-        <p:nvPr/>
-      </p:nvGrpSpPr>
-      <p:grpSpPr>
-        <a:xfrm>
-          <a:off x="0" y="0"/>
-          <a:ext cx="0" cy="0"/>
-          <a:chOff x="0" y="0"/>
-          <a:chExt cx="0" cy="0"/>
-        </a:xfrm>
-      </p:grpSpPr>
-      <p:sp>
-        <p:nvSpPr>
-          <p:cNvPr id="2" name="Title 1"/>
-          <p:cNvSpPr>
-            <a:spLocks noGrp="1"/>
-          </p:cNvSpPr>
-          <p:nvPr>
-            <p:ph type="ctrTitle"/>
-          </p:nvPr>
-        </p:nvSpPr>
-        <p:spPr/>
-        <p:txBody>
-          <a:bodyPr/>
-          <a:lstStyle/>
-          <a:p>
-            <a:r>
-              <a:rPr lang="en-US" dirty="0" smtClean="0"/>
-              <a:t>Vragen?</a:t>
-            </a:r>
-            <a:endParaRPr lang="en-US" dirty="0"/>
-          </a:p>
-        </p:txBody>
-      </p:sp>
-      <p:sp>
-        <p:nvSpPr>
-          <p:cNvPr id="3" name="Subtitle 2"/>
-          <p:cNvSpPr>
-            <a:spLocks noGrp="1"/>
-          </p:cNvSpPr>
-          <p:nvPr>
-            <p:ph type="subTitle" idx="1"/>
-          </p:nvPr>
-        </p:nvSpPr>
-        <p:spPr/>
-        <p:txBody>
-          <a:bodyPr/>
-          <a:lstStyle/>
-          <a:p>
-            <a:endParaRPr lang="en-US" dirty="0"/>
-          </a:p>
-        </p:txBody>
-      </p:sp>
-    </p:spTree>
-    <p:extLst>
-      <p:ext uri="{BB962C8B-B14F-4D97-AF65-F5344CB8AC3E}">
-        <p14:creationId xmlns:p14="http://schemas.microsoft.com/office/powerpoint/2010/main" val="184649616"/>
-      </p:ext>
-    </p:extLst>
-  </p:cSld>
-  <p:clrMapOvr>
-    <a:masterClrMapping/>
-  </p:clrMapOvr>
-</p:sld>
-</file>
-
-<file path=ppt/slides/slide27.xml><?xml version="1.0" encoding="utf-8"?>
-<p:sld xmlns:a="http://schemas.openxmlformats.org/drawingml/2006/main" xmlns:r="http://schemas.openxmlformats.org/officeDocument/2006/relationships" xmlns:p="http://schemas.openxmlformats.org/presentationml/2006/main">
-  <p:cSld>
-    <p:spTree>
-      <p:nvGrpSpPr>
-        <p:cNvPr id="1" name=""/>
-        <p:cNvGrpSpPr/>
-        <p:nvPr/>
-      </p:nvGrpSpPr>
-      <p:grpSpPr>
-        <a:xfrm>
-          <a:off x="0" y="0"/>
-          <a:ext cx="0" cy="0"/>
-          <a:chOff x="0" y="0"/>
-          <a:chExt cx="0" cy="0"/>
-        </a:xfrm>
-      </p:grpSpPr>
-      <p:sp>
-        <p:nvSpPr>
-          <p:cNvPr id="2" name="Title 1"/>
-          <p:cNvSpPr>
-            <a:spLocks noGrp="1"/>
-          </p:cNvSpPr>
-          <p:nvPr>
-            <p:ph type="ctrTitle"/>
-          </p:nvPr>
-        </p:nvSpPr>
-        <p:spPr/>
-        <p:txBody>
-          <a:bodyPr/>
-          <a:lstStyle/>
-          <a:p>
-            <a:r>
-              <a:rPr lang="en-US" dirty="0" err="1" smtClean="0"/>
-              <a:t>Bedankt</a:t>
-            </a:r>
-            <a:r>
-              <a:rPr lang="en-US" dirty="0" smtClean="0"/>
-              <a:t> </a:t>
-            </a:r>
-            <a:r>
-              <a:rPr lang="en-US" dirty="0" err="1" smtClean="0"/>
-              <a:t>voor</a:t>
-            </a:r>
-            <a:r>
-              <a:rPr lang="en-US" dirty="0" smtClean="0"/>
-              <a:t> de </a:t>
-            </a:r>
-            <a:r>
-              <a:rPr lang="en-US" dirty="0" err="1" smtClean="0"/>
-              <a:t>aandacht</a:t>
-            </a:r>
-            <a:endParaRPr lang="en-US" dirty="0"/>
-          </a:p>
-        </p:txBody>
-      </p:sp>
-      <p:sp>
-        <p:nvSpPr>
-          <p:cNvPr id="3" name="Subtitle 2"/>
-          <p:cNvSpPr>
-            <a:spLocks noGrp="1"/>
-          </p:cNvSpPr>
-          <p:nvPr>
-            <p:ph type="subTitle" idx="1"/>
-          </p:nvPr>
-        </p:nvSpPr>
-        <p:spPr/>
-        <p:txBody>
-          <a:bodyPr/>
-          <a:lstStyle/>
-          <a:p>
-            <a:endParaRPr lang="en-US" dirty="0"/>
-          </a:p>
-        </p:txBody>
-      </p:sp>
-    </p:spTree>
-    <p:extLst>
-      <p:ext uri="{BB962C8B-B14F-4D97-AF65-F5344CB8AC3E}">
-        <p14:creationId xmlns:p14="http://schemas.microsoft.com/office/powerpoint/2010/main" val="1063625407"/>
-      </p:ext>
-    </p:extLst>
-  </p:cSld>
-  <p:clrMapOvr>
-    <a:masterClrMapping/>
-  </p:clrMapOvr>
+  <p:timing>
+    <p:tnLst>
+      <p:par>
+        <p:cTn xmlns:p14="http://schemas.microsoft.com/office/powerpoint/2010/main" id="1" dur="indefinite" restart="never" nodeType="tmRoot"/>
+      </p:par>
+    </p:tnLst>
+  </p:timing>
 </p:sld>
 </file>
 
@@ -23563,6 +24109,180 @@
     <p:extLst>
       <p:ext uri="{BB962C8B-B14F-4D97-AF65-F5344CB8AC3E}">
         <p14:creationId xmlns:p14="http://schemas.microsoft.com/office/powerpoint/2010/main" val="2707902490"/>
+      </p:ext>
+    </p:extLst>
+  </p:cSld>
+  <p:clrMapOvr>
+    <a:masterClrMapping/>
+  </p:clrMapOvr>
+  <p:timing>
+    <p:tnLst>
+      <p:par>
+        <p:cTn xmlns:p14="http://schemas.microsoft.com/office/powerpoint/2010/main" id="1" dur="indefinite" restart="never" nodeType="tmRoot"/>
+      </p:par>
+    </p:tnLst>
+  </p:timing>
+</p:sld>
+</file>
+
+<file path=ppt/slides/slide30.xml><?xml version="1.0" encoding="utf-8"?>
+<p:sld xmlns:a="http://schemas.openxmlformats.org/drawingml/2006/main" xmlns:r="http://schemas.openxmlformats.org/officeDocument/2006/relationships" xmlns:p="http://schemas.openxmlformats.org/presentationml/2006/main">
+  <p:cSld>
+    <p:spTree>
+      <p:nvGrpSpPr>
+        <p:cNvPr id="1" name=""/>
+        <p:cNvGrpSpPr/>
+        <p:nvPr/>
+      </p:nvGrpSpPr>
+      <p:grpSpPr>
+        <a:xfrm>
+          <a:off x="0" y="0"/>
+          <a:ext cx="0" cy="0"/>
+          <a:chOff x="0" y="0"/>
+          <a:chExt cx="0" cy="0"/>
+        </a:xfrm>
+      </p:grpSpPr>
+      <p:sp>
+        <p:nvSpPr>
+          <p:cNvPr id="2" name="Title 1"/>
+          <p:cNvSpPr>
+            <a:spLocks noGrp="1"/>
+          </p:cNvSpPr>
+          <p:nvPr>
+            <p:ph type="ctrTitle"/>
+          </p:nvPr>
+        </p:nvSpPr>
+        <p:spPr/>
+        <p:txBody>
+          <a:bodyPr/>
+          <a:lstStyle/>
+          <a:p>
+            <a:r>
+              <a:rPr lang="en-US" dirty="0" smtClean="0"/>
+              <a:t>Vragen?</a:t>
+            </a:r>
+            <a:endParaRPr lang="en-US" dirty="0"/>
+          </a:p>
+        </p:txBody>
+      </p:sp>
+      <p:sp>
+        <p:nvSpPr>
+          <p:cNvPr id="3" name="Subtitle 2"/>
+          <p:cNvSpPr>
+            <a:spLocks noGrp="1"/>
+          </p:cNvSpPr>
+          <p:nvPr>
+            <p:ph type="subTitle" idx="1"/>
+          </p:nvPr>
+        </p:nvSpPr>
+        <p:spPr/>
+        <p:txBody>
+          <a:bodyPr/>
+          <a:lstStyle/>
+          <a:p>
+            <a:endParaRPr lang="en-US" dirty="0"/>
+          </a:p>
+        </p:txBody>
+      </p:sp>
+    </p:spTree>
+    <p:extLst>
+      <p:ext uri="{BB962C8B-B14F-4D97-AF65-F5344CB8AC3E}">
+        <p14:creationId xmlns:p14="http://schemas.microsoft.com/office/powerpoint/2010/main" val="184649616"/>
+      </p:ext>
+    </p:extLst>
+  </p:cSld>
+  <p:clrMapOvr>
+    <a:masterClrMapping/>
+  </p:clrMapOvr>
+  <p:timing>
+    <p:tnLst>
+      <p:par>
+        <p:cTn xmlns:p14="http://schemas.microsoft.com/office/powerpoint/2010/main" id="1" dur="indefinite" restart="never" nodeType="tmRoot"/>
+      </p:par>
+    </p:tnLst>
+  </p:timing>
+</p:sld>
+</file>
+
+<file path=ppt/slides/slide31.xml><?xml version="1.0" encoding="utf-8"?>
+<p:sld xmlns:a="http://schemas.openxmlformats.org/drawingml/2006/main" xmlns:r="http://schemas.openxmlformats.org/officeDocument/2006/relationships" xmlns:p="http://schemas.openxmlformats.org/presentationml/2006/main">
+  <p:cSld>
+    <p:spTree>
+      <p:nvGrpSpPr>
+        <p:cNvPr id="1" name=""/>
+        <p:cNvGrpSpPr/>
+        <p:nvPr/>
+      </p:nvGrpSpPr>
+      <p:grpSpPr>
+        <a:xfrm>
+          <a:off x="0" y="0"/>
+          <a:ext cx="0" cy="0"/>
+          <a:chOff x="0" y="0"/>
+          <a:chExt cx="0" cy="0"/>
+        </a:xfrm>
+      </p:grpSpPr>
+      <p:sp>
+        <p:nvSpPr>
+          <p:cNvPr id="2" name="Title 1"/>
+          <p:cNvSpPr>
+            <a:spLocks noGrp="1"/>
+          </p:cNvSpPr>
+          <p:nvPr>
+            <p:ph type="ctrTitle"/>
+          </p:nvPr>
+        </p:nvSpPr>
+        <p:spPr/>
+        <p:txBody>
+          <a:bodyPr/>
+          <a:lstStyle/>
+          <a:p>
+            <a:r>
+              <a:rPr lang="en-US" dirty="0" err="1" smtClean="0"/>
+              <a:t>Bedankt</a:t>
+            </a:r>
+            <a:r>
+              <a:rPr lang="en-US" dirty="0" smtClean="0"/>
+              <a:t> </a:t>
+            </a:r>
+            <a:r>
+              <a:rPr lang="en-US" dirty="0" err="1" smtClean="0"/>
+              <a:t>voor</a:t>
+            </a:r>
+            <a:r>
+              <a:rPr lang="en-US" dirty="0" smtClean="0"/>
+              <a:t> de </a:t>
+            </a:r>
+            <a:r>
+              <a:rPr lang="en-US" dirty="0" err="1" smtClean="0"/>
+              <a:t>aandacht</a:t>
+            </a:r>
+            <a:endParaRPr lang="en-US" dirty="0"/>
+          </a:p>
+        </p:txBody>
+      </p:sp>
+      <p:sp>
+        <p:nvSpPr>
+          <p:cNvPr id="3" name="Subtitle 2"/>
+          <p:cNvSpPr>
+            <a:spLocks noGrp="1"/>
+          </p:cNvSpPr>
+          <p:nvPr>
+            <p:ph type="subTitle" idx="1"/>
+          </p:nvPr>
+        </p:nvSpPr>
+        <p:spPr/>
+        <p:txBody>
+          <a:bodyPr/>
+          <a:lstStyle/>
+          <a:p>
+            <a:endParaRPr lang="en-US" dirty="0"/>
+          </a:p>
+        </p:txBody>
+      </p:sp>
+    </p:spTree>
+    <p:extLst>
+      <p:ext uri="{BB962C8B-B14F-4D97-AF65-F5344CB8AC3E}">
+        <p14:creationId xmlns:p14="http://schemas.microsoft.com/office/powerpoint/2010/main" val="1063625407"/>
       </p:ext>
     </p:extLst>
   </p:cSld>

--- a/Paper/Finale Presentatie/presentatie.pptx
+++ b/Paper/Finale Presentatie/presentatie.pptx
@@ -31,11 +31,11 @@
     <p:sldId id="267" r:id="rId19"/>
     <p:sldId id="280" r:id="rId20"/>
     <p:sldId id="281" r:id="rId21"/>
-    <p:sldId id="285" r:id="rId22"/>
-    <p:sldId id="286" r:id="rId23"/>
+    <p:sldId id="286" r:id="rId22"/>
+    <p:sldId id="285" r:id="rId23"/>
     <p:sldId id="287" r:id="rId24"/>
-    <p:sldId id="283" r:id="rId25"/>
-    <p:sldId id="272" r:id="rId26"/>
+    <p:sldId id="272" r:id="rId25"/>
+    <p:sldId id="283" r:id="rId26"/>
     <p:sldId id="288" r:id="rId27"/>
     <p:sldId id="271" r:id="rId28"/>
     <p:sldId id="276" r:id="rId29"/>
@@ -300,11 +300,11 @@
           <c:showBubbleSize val="0"/>
         </c:dLbls>
         <c:gapWidth val="150"/>
-        <c:axId val="2124195336"/>
-        <c:axId val="2124185416"/>
+        <c:axId val="2114441688"/>
+        <c:axId val="2114435336"/>
       </c:barChart>
       <c:catAx>
-        <c:axId val="2124195336"/>
+        <c:axId val="2114441688"/>
         <c:scaling>
           <c:orientation val="minMax"/>
         </c:scaling>
@@ -338,7 +338,7 @@
         <c:majorTickMark val="out"/>
         <c:minorTickMark val="none"/>
         <c:tickLblPos val="nextTo"/>
-        <c:crossAx val="2124185416"/>
+        <c:crossAx val="2114435336"/>
         <c:crosses val="autoZero"/>
         <c:auto val="1"/>
         <c:lblAlgn val="ctr"/>
@@ -346,7 +346,7 @@
         <c:noMultiLvlLbl val="0"/>
       </c:catAx>
       <c:valAx>
-        <c:axId val="2124185416"/>
+        <c:axId val="2114435336"/>
         <c:scaling>
           <c:orientation val="minMax"/>
           <c:max val="100.0"/>
@@ -378,7 +378,7 @@
         <c:majorTickMark val="out"/>
         <c:minorTickMark val="none"/>
         <c:tickLblPos val="nextTo"/>
-        <c:crossAx val="2124195336"/>
+        <c:crossAx val="2114441688"/>
         <c:crosses val="autoZero"/>
         <c:crossBetween val="between"/>
       </c:valAx>
@@ -512,11 +512,11 @@
           <c:showBubbleSize val="0"/>
         </c:dLbls>
         <c:gapWidth val="150"/>
-        <c:axId val="2126264216"/>
-        <c:axId val="2126267160"/>
+        <c:axId val="2096433224"/>
+        <c:axId val="2096430264"/>
       </c:barChart>
       <c:catAx>
-        <c:axId val="2126264216"/>
+        <c:axId val="2096433224"/>
         <c:scaling>
           <c:orientation val="minMax"/>
         </c:scaling>
@@ -526,7 +526,7 @@
         <c:majorTickMark val="out"/>
         <c:minorTickMark val="none"/>
         <c:tickLblPos val="nextTo"/>
-        <c:crossAx val="2126267160"/>
+        <c:crossAx val="2096430264"/>
         <c:crosses val="autoZero"/>
         <c:auto val="1"/>
         <c:lblAlgn val="ctr"/>
@@ -534,7 +534,7 @@
         <c:noMultiLvlLbl val="0"/>
       </c:catAx>
       <c:valAx>
-        <c:axId val="2126267160"/>
+        <c:axId val="2096430264"/>
         <c:scaling>
           <c:orientation val="minMax"/>
           <c:max val="100.0"/>
@@ -574,11 +574,766 @@
         <c:majorTickMark val="out"/>
         <c:minorTickMark val="none"/>
         <c:tickLblPos val="nextTo"/>
-        <c:crossAx val="2126264216"/>
+        <c:crossAx val="2096433224"/>
         <c:crosses val="autoZero"/>
         <c:crossBetween val="between"/>
       </c:valAx>
     </c:plotArea>
+    <c:plotVisOnly val="1"/>
+    <c:dispBlanksAs val="gap"/>
+    <c:showDLblsOverMax val="0"/>
+  </c:chart>
+  <c:txPr>
+    <a:bodyPr/>
+    <a:lstStyle/>
+    <a:p>
+      <a:pPr>
+        <a:defRPr sz="1800"/>
+      </a:pPr>
+      <a:endParaRPr lang="en-US"/>
+    </a:p>
+  </c:txPr>
+  <c:externalData r:id="rId1">
+    <c:autoUpdate val="0"/>
+  </c:externalData>
+</c:chartSpace>
+</file>
+
+<file path=ppt/charts/chart3.xml><?xml version="1.0" encoding="utf-8"?>
+<c:chartSpace xmlns:c="http://schemas.openxmlformats.org/drawingml/2006/chart" xmlns:a="http://schemas.openxmlformats.org/drawingml/2006/main" xmlns:r="http://schemas.openxmlformats.org/officeDocument/2006/relationships">
+  <c:date1904 val="0"/>
+  <c:lang val="en-US"/>
+  <c:roundedCorners val="0"/>
+  <mc:AlternateContent xmlns:mc="http://schemas.openxmlformats.org/markup-compatibility/2006">
+    <mc:Choice xmlns:c14="http://schemas.microsoft.com/office/drawing/2007/8/2/chart" Requires="c14">
+      <c14:style val="118"/>
+    </mc:Choice>
+    <mc:Fallback>
+      <c:style val="18"/>
+    </mc:Fallback>
+  </mc:AlternateContent>
+  <c:chart>
+    <c:autoTitleDeleted val="0"/>
+    <c:plotArea>
+      <c:layout/>
+      <c:barChart>
+        <c:barDir val="col"/>
+        <c:grouping val="clustered"/>
+        <c:varyColors val="0"/>
+        <c:ser>
+          <c:idx val="0"/>
+          <c:order val="0"/>
+          <c:tx>
+            <c:strRef>
+              <c:f>Sheet1!$B$1</c:f>
+              <c:strCache>
+                <c:ptCount val="1"/>
+                <c:pt idx="0">
+                  <c:v>noWeights</c:v>
+                </c:pt>
+              </c:strCache>
+            </c:strRef>
+          </c:tx>
+          <c:invertIfNegative val="0"/>
+          <c:cat>
+            <c:strRef>
+              <c:f>Sheet1!$A$2</c:f>
+              <c:strCache>
+                <c:ptCount val="1"/>
+                <c:pt idx="0">
+                  <c:v>Time </c:v>
+                </c:pt>
+              </c:strCache>
+            </c:strRef>
+          </c:cat>
+          <c:val>
+            <c:numRef>
+              <c:f>Sheet1!$B$2</c:f>
+              <c:numCache>
+                <c:formatCode>General</c:formatCode>
+                <c:ptCount val="1"/>
+                <c:pt idx="0">
+                  <c:v>136.0</c:v>
+                </c:pt>
+              </c:numCache>
+            </c:numRef>
+          </c:val>
+        </c:ser>
+        <c:ser>
+          <c:idx val="1"/>
+          <c:order val="1"/>
+          <c:tx>
+            <c:strRef>
+              <c:f>Sheet1!$C$1</c:f>
+              <c:strCache>
+                <c:ptCount val="1"/>
+                <c:pt idx="0">
+                  <c:v>threeWeights</c:v>
+                </c:pt>
+              </c:strCache>
+            </c:strRef>
+          </c:tx>
+          <c:invertIfNegative val="0"/>
+          <c:cat>
+            <c:strRef>
+              <c:f>Sheet1!$A$2</c:f>
+              <c:strCache>
+                <c:ptCount val="1"/>
+                <c:pt idx="0">
+                  <c:v>Time </c:v>
+                </c:pt>
+              </c:strCache>
+            </c:strRef>
+          </c:cat>
+          <c:val>
+            <c:numRef>
+              <c:f>Sheet1!$C$2</c:f>
+              <c:numCache>
+                <c:formatCode>General</c:formatCode>
+                <c:ptCount val="1"/>
+                <c:pt idx="0">
+                  <c:v>694.0</c:v>
+                </c:pt>
+              </c:numCache>
+            </c:numRef>
+          </c:val>
+        </c:ser>
+        <c:ser>
+          <c:idx val="2"/>
+          <c:order val="2"/>
+          <c:tx>
+            <c:strRef>
+              <c:f>Sheet1!$D$1</c:f>
+              <c:strCache>
+                <c:ptCount val="1"/>
+                <c:pt idx="0">
+                  <c:v>primeWeights</c:v>
+                </c:pt>
+              </c:strCache>
+            </c:strRef>
+          </c:tx>
+          <c:invertIfNegative val="0"/>
+          <c:cat>
+            <c:strRef>
+              <c:f>Sheet1!$A$2</c:f>
+              <c:strCache>
+                <c:ptCount val="1"/>
+                <c:pt idx="0">
+                  <c:v>Time </c:v>
+                </c:pt>
+              </c:strCache>
+            </c:strRef>
+          </c:cat>
+          <c:val>
+            <c:numRef>
+              <c:f>Sheet1!$D$2</c:f>
+              <c:numCache>
+                <c:formatCode>General</c:formatCode>
+                <c:ptCount val="1"/>
+                <c:pt idx="0">
+                  <c:v>820.0</c:v>
+                </c:pt>
+              </c:numCache>
+            </c:numRef>
+          </c:val>
+        </c:ser>
+        <c:ser>
+          <c:idx val="3"/>
+          <c:order val="3"/>
+          <c:tx>
+            <c:strRef>
+              <c:f>Sheet1!$E$1</c:f>
+              <c:strCache>
+                <c:ptCount val="1"/>
+                <c:pt idx="0">
+                  <c:v>fiveWeights</c:v>
+                </c:pt>
+              </c:strCache>
+            </c:strRef>
+          </c:tx>
+          <c:invertIfNegative val="0"/>
+          <c:cat>
+            <c:strRef>
+              <c:f>Sheet1!$A$2</c:f>
+              <c:strCache>
+                <c:ptCount val="1"/>
+                <c:pt idx="0">
+                  <c:v>Time </c:v>
+                </c:pt>
+              </c:strCache>
+            </c:strRef>
+          </c:cat>
+          <c:val>
+            <c:numRef>
+              <c:f>Sheet1!$E$2</c:f>
+              <c:numCache>
+                <c:formatCode>General</c:formatCode>
+                <c:ptCount val="1"/>
+                <c:pt idx="0">
+                  <c:v>756.0</c:v>
+                </c:pt>
+              </c:numCache>
+            </c:numRef>
+          </c:val>
+        </c:ser>
+        <c:dLbls>
+          <c:showLegendKey val="0"/>
+          <c:showVal val="0"/>
+          <c:showCatName val="0"/>
+          <c:showSerName val="0"/>
+          <c:showPercent val="0"/>
+          <c:showBubbleSize val="0"/>
+        </c:dLbls>
+        <c:gapWidth val="150"/>
+        <c:axId val="2121811192"/>
+        <c:axId val="2121813096"/>
+      </c:barChart>
+      <c:catAx>
+        <c:axId val="2121811192"/>
+        <c:scaling>
+          <c:orientation val="minMax"/>
+        </c:scaling>
+        <c:delete val="1"/>
+        <c:axPos val="b"/>
+        <c:majorTickMark val="out"/>
+        <c:minorTickMark val="none"/>
+        <c:tickLblPos val="nextTo"/>
+        <c:crossAx val="2121813096"/>
+        <c:crosses val="autoZero"/>
+        <c:auto val="1"/>
+        <c:lblAlgn val="ctr"/>
+        <c:lblOffset val="100"/>
+        <c:noMultiLvlLbl val="0"/>
+      </c:catAx>
+      <c:valAx>
+        <c:axId val="2121813096"/>
+        <c:scaling>
+          <c:orientation val="minMax"/>
+        </c:scaling>
+        <c:delete val="0"/>
+        <c:axPos val="l"/>
+        <c:majorGridlines/>
+        <c:numFmt formatCode="General" sourceLinked="1"/>
+        <c:majorTickMark val="out"/>
+        <c:minorTickMark val="none"/>
+        <c:tickLblPos val="nextTo"/>
+        <c:crossAx val="2121811192"/>
+        <c:crosses val="autoZero"/>
+        <c:crossBetween val="between"/>
+      </c:valAx>
+    </c:plotArea>
+    <c:legend>
+      <c:legendPos val="r"/>
+      <c:layout/>
+      <c:overlay val="0"/>
+    </c:legend>
+    <c:plotVisOnly val="1"/>
+    <c:dispBlanksAs val="gap"/>
+    <c:showDLblsOverMax val="0"/>
+  </c:chart>
+  <c:txPr>
+    <a:bodyPr/>
+    <a:lstStyle/>
+    <a:p>
+      <a:pPr>
+        <a:defRPr sz="1800"/>
+      </a:pPr>
+      <a:endParaRPr lang="en-US"/>
+    </a:p>
+  </c:txPr>
+  <c:externalData r:id="rId1">
+    <c:autoUpdate val="0"/>
+  </c:externalData>
+</c:chartSpace>
+</file>
+
+<file path=ppt/charts/chart4.xml><?xml version="1.0" encoding="utf-8"?>
+<c:chartSpace xmlns:c="http://schemas.openxmlformats.org/drawingml/2006/chart" xmlns:a="http://schemas.openxmlformats.org/drawingml/2006/main" xmlns:r="http://schemas.openxmlformats.org/officeDocument/2006/relationships">
+  <c:date1904 val="0"/>
+  <c:lang val="en-US"/>
+  <c:roundedCorners val="0"/>
+  <mc:AlternateContent xmlns:mc="http://schemas.openxmlformats.org/markup-compatibility/2006">
+    <mc:Choice xmlns:c14="http://schemas.microsoft.com/office/drawing/2007/8/2/chart" Requires="c14">
+      <c14:style val="118"/>
+    </mc:Choice>
+    <mc:Fallback>
+      <c:style val="18"/>
+    </mc:Fallback>
+  </mc:AlternateContent>
+  <c:chart>
+    <c:autoTitleDeleted val="0"/>
+    <c:plotArea>
+      <c:layout/>
+      <c:barChart>
+        <c:barDir val="col"/>
+        <c:grouping val="clustered"/>
+        <c:varyColors val="0"/>
+        <c:ser>
+          <c:idx val="0"/>
+          <c:order val="0"/>
+          <c:tx>
+            <c:strRef>
+              <c:f>Sheet1!$B$1</c:f>
+              <c:strCache>
+                <c:ptCount val="1"/>
+                <c:pt idx="0">
+                  <c:v>noWeights</c:v>
+                </c:pt>
+              </c:strCache>
+            </c:strRef>
+          </c:tx>
+          <c:invertIfNegative val="0"/>
+          <c:cat>
+            <c:numRef>
+              <c:f>Sheet1!$A$2</c:f>
+              <c:numCache>
+                <c:formatCode>General</c:formatCode>
+                <c:ptCount val="1"/>
+              </c:numCache>
+            </c:numRef>
+          </c:cat>
+          <c:val>
+            <c:numRef>
+              <c:f>Sheet1!$B$2</c:f>
+              <c:numCache>
+                <c:formatCode>General</c:formatCode>
+                <c:ptCount val="1"/>
+                <c:pt idx="0">
+                  <c:v>0.54</c:v>
+                </c:pt>
+              </c:numCache>
+            </c:numRef>
+          </c:val>
+        </c:ser>
+        <c:ser>
+          <c:idx val="1"/>
+          <c:order val="1"/>
+          <c:tx>
+            <c:strRef>
+              <c:f>Sheet1!$C$1</c:f>
+              <c:strCache>
+                <c:ptCount val="1"/>
+                <c:pt idx="0">
+                  <c:v>threeWeights</c:v>
+                </c:pt>
+              </c:strCache>
+            </c:strRef>
+          </c:tx>
+          <c:invertIfNegative val="0"/>
+          <c:cat>
+            <c:numRef>
+              <c:f>Sheet1!$A$2</c:f>
+              <c:numCache>
+                <c:formatCode>General</c:formatCode>
+                <c:ptCount val="1"/>
+              </c:numCache>
+            </c:numRef>
+          </c:cat>
+          <c:val>
+            <c:numRef>
+              <c:f>Sheet1!$C$2</c:f>
+              <c:numCache>
+                <c:formatCode>General</c:formatCode>
+                <c:ptCount val="1"/>
+                <c:pt idx="0">
+                  <c:v>0.78</c:v>
+                </c:pt>
+              </c:numCache>
+            </c:numRef>
+          </c:val>
+        </c:ser>
+        <c:ser>
+          <c:idx val="2"/>
+          <c:order val="2"/>
+          <c:tx>
+            <c:strRef>
+              <c:f>Sheet1!$D$1</c:f>
+              <c:strCache>
+                <c:ptCount val="1"/>
+                <c:pt idx="0">
+                  <c:v>primeWeights</c:v>
+                </c:pt>
+              </c:strCache>
+            </c:strRef>
+          </c:tx>
+          <c:invertIfNegative val="0"/>
+          <c:cat>
+            <c:numRef>
+              <c:f>Sheet1!$A$2</c:f>
+              <c:numCache>
+                <c:formatCode>General</c:formatCode>
+                <c:ptCount val="1"/>
+              </c:numCache>
+            </c:numRef>
+          </c:cat>
+          <c:val>
+            <c:numRef>
+              <c:f>Sheet1!$D$2</c:f>
+              <c:numCache>
+                <c:formatCode>General</c:formatCode>
+                <c:ptCount val="1"/>
+                <c:pt idx="0">
+                  <c:v>0.97</c:v>
+                </c:pt>
+              </c:numCache>
+            </c:numRef>
+          </c:val>
+        </c:ser>
+        <c:ser>
+          <c:idx val="3"/>
+          <c:order val="3"/>
+          <c:tx>
+            <c:strRef>
+              <c:f>Sheet1!$E$1</c:f>
+              <c:strCache>
+                <c:ptCount val="1"/>
+                <c:pt idx="0">
+                  <c:v>fiveWeights</c:v>
+                </c:pt>
+              </c:strCache>
+            </c:strRef>
+          </c:tx>
+          <c:invertIfNegative val="0"/>
+          <c:cat>
+            <c:numRef>
+              <c:f>Sheet1!$A$2</c:f>
+              <c:numCache>
+                <c:formatCode>General</c:formatCode>
+                <c:ptCount val="1"/>
+              </c:numCache>
+            </c:numRef>
+          </c:cat>
+          <c:val>
+            <c:numRef>
+              <c:f>Sheet1!$E$2</c:f>
+              <c:numCache>
+                <c:formatCode>General</c:formatCode>
+                <c:ptCount val="1"/>
+                <c:pt idx="0">
+                  <c:v>0.85</c:v>
+                </c:pt>
+              </c:numCache>
+            </c:numRef>
+          </c:val>
+        </c:ser>
+        <c:dLbls>
+          <c:showLegendKey val="0"/>
+          <c:showVal val="0"/>
+          <c:showCatName val="0"/>
+          <c:showSerName val="0"/>
+          <c:showPercent val="0"/>
+          <c:showBubbleSize val="0"/>
+        </c:dLbls>
+        <c:gapWidth val="150"/>
+        <c:axId val="2118227592"/>
+        <c:axId val="2120549496"/>
+      </c:barChart>
+      <c:catAx>
+        <c:axId val="2118227592"/>
+        <c:scaling>
+          <c:orientation val="minMax"/>
+        </c:scaling>
+        <c:delete val="0"/>
+        <c:axPos val="b"/>
+        <c:numFmt formatCode="General" sourceLinked="1"/>
+        <c:majorTickMark val="out"/>
+        <c:minorTickMark val="none"/>
+        <c:tickLblPos val="nextTo"/>
+        <c:crossAx val="2120549496"/>
+        <c:crosses val="autoZero"/>
+        <c:auto val="1"/>
+        <c:lblAlgn val="ctr"/>
+        <c:lblOffset val="100"/>
+        <c:noMultiLvlLbl val="0"/>
+      </c:catAx>
+      <c:valAx>
+        <c:axId val="2120549496"/>
+        <c:scaling>
+          <c:orientation val="minMax"/>
+          <c:max val="1.0"/>
+        </c:scaling>
+        <c:delete val="0"/>
+        <c:axPos val="l"/>
+        <c:majorGridlines/>
+        <c:numFmt formatCode="General" sourceLinked="1"/>
+        <c:majorTickMark val="out"/>
+        <c:minorTickMark val="none"/>
+        <c:tickLblPos val="nextTo"/>
+        <c:crossAx val="2118227592"/>
+        <c:crosses val="autoZero"/>
+        <c:crossBetween val="between"/>
+      </c:valAx>
+    </c:plotArea>
+    <c:legend>
+      <c:legendPos val="r"/>
+      <c:layout/>
+      <c:overlay val="0"/>
+    </c:legend>
+    <c:plotVisOnly val="1"/>
+    <c:dispBlanksAs val="gap"/>
+    <c:showDLblsOverMax val="0"/>
+  </c:chart>
+  <c:txPr>
+    <a:bodyPr/>
+    <a:lstStyle/>
+    <a:p>
+      <a:pPr>
+        <a:defRPr sz="1800"/>
+      </a:pPr>
+      <a:endParaRPr lang="en-US"/>
+    </a:p>
+  </c:txPr>
+  <c:externalData r:id="rId1">
+    <c:autoUpdate val="0"/>
+  </c:externalData>
+</c:chartSpace>
+</file>
+
+<file path=ppt/charts/chart5.xml><?xml version="1.0" encoding="utf-8"?>
+<c:chartSpace xmlns:c="http://schemas.openxmlformats.org/drawingml/2006/chart" xmlns:a="http://schemas.openxmlformats.org/drawingml/2006/main" xmlns:r="http://schemas.openxmlformats.org/officeDocument/2006/relationships">
+  <c:date1904 val="0"/>
+  <c:lang val="en-US"/>
+  <c:roundedCorners val="0"/>
+  <mc:AlternateContent xmlns:mc="http://schemas.openxmlformats.org/markup-compatibility/2006">
+    <mc:Choice xmlns:c14="http://schemas.microsoft.com/office/drawing/2007/8/2/chart" Requires="c14">
+      <c14:style val="118"/>
+    </mc:Choice>
+    <mc:Fallback>
+      <c:style val="18"/>
+    </mc:Fallback>
+  </mc:AlternateContent>
+  <c:chart>
+    <c:autoTitleDeleted val="0"/>
+    <c:plotArea>
+      <c:layout/>
+      <c:lineChart>
+        <c:grouping val="standard"/>
+        <c:varyColors val="0"/>
+        <c:ser>
+          <c:idx val="0"/>
+          <c:order val="0"/>
+          <c:tx>
+            <c:strRef>
+              <c:f>Sheet1!$B$1</c:f>
+              <c:strCache>
+                <c:ptCount val="1"/>
+                <c:pt idx="0">
+                  <c:v> Brute Force</c:v>
+                </c:pt>
+              </c:strCache>
+            </c:strRef>
+          </c:tx>
+          <c:marker>
+            <c:symbol val="none"/>
+          </c:marker>
+          <c:cat>
+            <c:strRef>
+              <c:f>Sheet1!$A$2:$A$6</c:f>
+              <c:strCache>
+                <c:ptCount val="5"/>
+                <c:pt idx="0">
+                  <c:v>Diepte 1</c:v>
+                </c:pt>
+                <c:pt idx="1">
+                  <c:v>Diepte 2</c:v>
+                </c:pt>
+                <c:pt idx="2">
+                  <c:v>Diepte 3</c:v>
+                </c:pt>
+                <c:pt idx="3">
+                  <c:v>Diepte 4</c:v>
+                </c:pt>
+                <c:pt idx="4">
+                  <c:v>Diepte 5</c:v>
+                </c:pt>
+              </c:strCache>
+            </c:strRef>
+          </c:cat>
+          <c:val>
+            <c:numRef>
+              <c:f>Sheet1!$B$2:$B$6</c:f>
+              <c:numCache>
+                <c:formatCode>General</c:formatCode>
+                <c:ptCount val="5"/>
+                <c:pt idx="0">
+                  <c:v>4.0</c:v>
+                </c:pt>
+                <c:pt idx="1">
+                  <c:v>4.0</c:v>
+                </c:pt>
+                <c:pt idx="2">
+                  <c:v>124.0</c:v>
+                </c:pt>
+                <c:pt idx="3">
+                  <c:v>3116.0</c:v>
+                </c:pt>
+                <c:pt idx="4">
+                  <c:v>1.0E6</c:v>
+                </c:pt>
+              </c:numCache>
+            </c:numRef>
+          </c:val>
+          <c:smooth val="0"/>
+        </c:ser>
+        <c:ser>
+          <c:idx val="1"/>
+          <c:order val="1"/>
+          <c:tx>
+            <c:strRef>
+              <c:f>Sheet1!$C$1</c:f>
+              <c:strCache>
+                <c:ptCount val="1"/>
+                <c:pt idx="0">
+                  <c:v> Optimalisatie</c:v>
+                </c:pt>
+              </c:strCache>
+            </c:strRef>
+          </c:tx>
+          <c:spPr>
+            <a:ln>
+              <a:solidFill>
+                <a:srgbClr val="FF0000"/>
+              </a:solidFill>
+            </a:ln>
+          </c:spPr>
+          <c:marker>
+            <c:symbol val="none"/>
+          </c:marker>
+          <c:cat>
+            <c:strRef>
+              <c:f>Sheet1!$A$2:$A$6</c:f>
+              <c:strCache>
+                <c:ptCount val="5"/>
+                <c:pt idx="0">
+                  <c:v>Diepte 1</c:v>
+                </c:pt>
+                <c:pt idx="1">
+                  <c:v>Diepte 2</c:v>
+                </c:pt>
+                <c:pt idx="2">
+                  <c:v>Diepte 3</c:v>
+                </c:pt>
+                <c:pt idx="3">
+                  <c:v>Diepte 4</c:v>
+                </c:pt>
+                <c:pt idx="4">
+                  <c:v>Diepte 5</c:v>
+                </c:pt>
+              </c:strCache>
+            </c:strRef>
+          </c:cat>
+          <c:val>
+            <c:numRef>
+              <c:f>Sheet1!$C$2:$C$6</c:f>
+              <c:numCache>
+                <c:formatCode>General</c:formatCode>
+                <c:ptCount val="5"/>
+                <c:pt idx="0">
+                  <c:v>6.0</c:v>
+                </c:pt>
+                <c:pt idx="1">
+                  <c:v>7.0</c:v>
+                </c:pt>
+                <c:pt idx="2">
+                  <c:v>119.0</c:v>
+                </c:pt>
+                <c:pt idx="3">
+                  <c:v>1056.0</c:v>
+                </c:pt>
+                <c:pt idx="4">
+                  <c:v>50959.0</c:v>
+                </c:pt>
+              </c:numCache>
+            </c:numRef>
+          </c:val>
+          <c:smooth val="0"/>
+        </c:ser>
+        <c:dLbls>
+          <c:showLegendKey val="0"/>
+          <c:showVal val="0"/>
+          <c:showCatName val="0"/>
+          <c:showSerName val="0"/>
+          <c:showPercent val="0"/>
+          <c:showBubbleSize val="0"/>
+        </c:dLbls>
+        <c:marker val="1"/>
+        <c:smooth val="0"/>
+        <c:axId val="2121663384"/>
+        <c:axId val="2119373816"/>
+      </c:lineChart>
+      <c:catAx>
+        <c:axId val="2121663384"/>
+        <c:scaling>
+          <c:orientation val="minMax"/>
+        </c:scaling>
+        <c:delete val="0"/>
+        <c:axPos val="b"/>
+        <c:numFmt formatCode="General" sourceLinked="1"/>
+        <c:majorTickMark val="out"/>
+        <c:minorTickMark val="none"/>
+        <c:tickLblPos val="nextTo"/>
+        <c:crossAx val="2119373816"/>
+        <c:crosses val="autoZero"/>
+        <c:auto val="1"/>
+        <c:lblAlgn val="ctr"/>
+        <c:lblOffset val="100"/>
+        <c:noMultiLvlLbl val="0"/>
+      </c:catAx>
+      <c:valAx>
+        <c:axId val="2119373816"/>
+        <c:scaling>
+          <c:logBase val="10.0"/>
+          <c:orientation val="minMax"/>
+        </c:scaling>
+        <c:delete val="0"/>
+        <c:axPos val="l"/>
+        <c:majorGridlines/>
+        <c:title>
+          <c:tx>
+            <c:rich>
+              <a:bodyPr rot="-5400000" vert="horz"/>
+              <a:lstStyle/>
+              <a:p>
+                <a:pPr>
+                  <a:defRPr/>
+                </a:pPr>
+                <a:r>
+                  <a:rPr lang="en-US" dirty="0" err="1" smtClean="0"/>
+                  <a:t>Tijd</a:t>
+                </a:r>
+                <a:r>
+                  <a:rPr lang="en-US" dirty="0" smtClean="0"/>
+                  <a:t> (</a:t>
+                </a:r>
+                <a:r>
+                  <a:rPr lang="en-US" dirty="0" err="1" smtClean="0"/>
+                  <a:t>ms</a:t>
+                </a:r>
+                <a:r>
+                  <a:rPr lang="en-US" dirty="0" smtClean="0"/>
+                  <a:t>)  </a:t>
+                </a:r>
+                <a:endParaRPr lang="en-US" dirty="0"/>
+              </a:p>
+            </c:rich>
+          </c:tx>
+          <c:layout/>
+          <c:overlay val="0"/>
+        </c:title>
+        <c:numFmt formatCode="General" sourceLinked="1"/>
+        <c:majorTickMark val="out"/>
+        <c:minorTickMark val="none"/>
+        <c:tickLblPos val="nextTo"/>
+        <c:crossAx val="2121663384"/>
+        <c:crosses val="autoZero"/>
+        <c:crossBetween val="between"/>
+      </c:valAx>
+    </c:plotArea>
+    <c:legend>
+      <c:legendPos val="r"/>
+      <c:layout/>
+      <c:overlay val="0"/>
+    </c:legend>
     <c:plotVisOnly val="1"/>
     <c:dispBlanksAs val="gap"/>
     <c:showDLblsOverMax val="0"/>
@@ -4286,19 +5041,19 @@
     </dgm:pt>
   </dgm:ptLst>
   <dgm:cxnLst>
-    <dgm:cxn modelId="{AF1811B6-7CF7-6E42-850B-B391963F719C}" srcId="{EE5621F5-D3D0-8A4B-BBB3-18DDFC4961F6}" destId="{044DDA8A-06B8-924E-86DF-59C2A3D59365}" srcOrd="1" destOrd="0" parTransId="{61D2BACB-E4E1-A64E-ADEA-2D563B4903B1}" sibTransId="{D8EC2DEF-DCAC-4E4D-8A91-E2A62023778B}"/>
     <dgm:cxn modelId="{55BA9C01-8A2A-A447-A178-DCCCBF0E4222}" srcId="{EE5621F5-D3D0-8A4B-BBB3-18DDFC4961F6}" destId="{E299359A-8E52-B94C-AC1A-C43DAD185B70}" srcOrd="5" destOrd="0" parTransId="{CA1ACE5E-2C15-0647-9AE6-AC1879D922B7}" sibTransId="{054A276C-45A8-784A-857C-5D7853540210}"/>
-    <dgm:cxn modelId="{ABC8C94F-516C-AA41-97CD-78F138669DA8}" type="presOf" srcId="{E299359A-8E52-B94C-AC1A-C43DAD185B70}" destId="{B4A11C20-9B1C-964B-864F-DCA00D5098C5}" srcOrd="0" destOrd="0" presId="urn:microsoft.com/office/officeart/2005/8/layout/cycle3"/>
-    <dgm:cxn modelId="{5E8892D4-C13A-3B4C-9BAA-93E04D2988D7}" type="presOf" srcId="{57CB1F47-846C-2F44-9148-892B165E654D}" destId="{C83FF513-1828-5942-8E66-D72525E5F1B4}" srcOrd="0" destOrd="0" presId="urn:microsoft.com/office/officeart/2005/8/layout/cycle3"/>
-    <dgm:cxn modelId="{DDBD3998-EBA1-AA40-8BB0-586C1C4C0A6C}" srcId="{EE5621F5-D3D0-8A4B-BBB3-18DDFC4961F6}" destId="{126EF0F9-53C0-FF42-B00B-34F77F6C97D9}" srcOrd="2" destOrd="0" parTransId="{38E9F39C-9A4F-684F-8A95-DC998CD8A20F}" sibTransId="{26F828FE-D536-244E-846D-1ADFAD46BB6B}"/>
-    <dgm:cxn modelId="{CFFADFD8-BA27-CA40-ADA5-48A6A851E08C}" type="presOf" srcId="{126EF0F9-53C0-FF42-B00B-34F77F6C97D9}" destId="{EFEDE47D-D20C-ED41-BF3A-97BBB4D965AA}" srcOrd="0" destOrd="0" presId="urn:microsoft.com/office/officeart/2005/8/layout/cycle3"/>
-    <dgm:cxn modelId="{3450A335-1B68-184E-8A77-E71FBA6B7DA7}" type="presOf" srcId="{044DDA8A-06B8-924E-86DF-59C2A3D59365}" destId="{E5DE6A9E-920F-3341-89E7-1B5E8A40D6CA}" srcOrd="0" destOrd="0" presId="urn:microsoft.com/office/officeart/2005/8/layout/cycle3"/>
-    <dgm:cxn modelId="{59D9CAB5-B41A-7D47-8C57-B48C7D20DB6F}" srcId="{EE5621F5-D3D0-8A4B-BBB3-18DDFC4961F6}" destId="{57CB1F47-846C-2F44-9148-892B165E654D}" srcOrd="3" destOrd="0" parTransId="{48FFE526-360A-654D-BA4C-CDE1B493CB32}" sibTransId="{02D22CBC-E1F6-1343-88C7-B4CC1055E5F2}"/>
-    <dgm:cxn modelId="{28620401-3794-734E-B069-5500EDFC13E5}" type="presOf" srcId="{5286684A-2838-DA4B-9F9B-3BF50DFB6A52}" destId="{ECD6E261-5965-9545-A3D9-1F4060635496}" srcOrd="0" destOrd="0" presId="urn:microsoft.com/office/officeart/2005/8/layout/cycle3"/>
     <dgm:cxn modelId="{9528BB3E-D702-474A-B55A-C36450AA371F}" type="presOf" srcId="{266B314D-A514-084C-8BD0-F6306A2549E9}" destId="{07B0719F-5044-0446-8C71-9084D3B60B0B}" srcOrd="0" destOrd="0" presId="urn:microsoft.com/office/officeart/2005/8/layout/cycle3"/>
     <dgm:cxn modelId="{8CCF8041-FD3E-2447-9658-9A161C4D01E3}" type="presOf" srcId="{969662E6-715B-0144-95FD-90FCC8806276}" destId="{1544E92F-9B24-5D48-917E-5B9EB93C24BA}" srcOrd="0" destOrd="0" presId="urn:microsoft.com/office/officeart/2005/8/layout/cycle3"/>
+    <dgm:cxn modelId="{5E8892D4-C13A-3B4C-9BAA-93E04D2988D7}" type="presOf" srcId="{57CB1F47-846C-2F44-9148-892B165E654D}" destId="{C83FF513-1828-5942-8E66-D72525E5F1B4}" srcOrd="0" destOrd="0" presId="urn:microsoft.com/office/officeart/2005/8/layout/cycle3"/>
+    <dgm:cxn modelId="{CFFADFD8-BA27-CA40-ADA5-48A6A851E08C}" type="presOf" srcId="{126EF0F9-53C0-FF42-B00B-34F77F6C97D9}" destId="{EFEDE47D-D20C-ED41-BF3A-97BBB4D965AA}" srcOrd="0" destOrd="0" presId="urn:microsoft.com/office/officeart/2005/8/layout/cycle3"/>
+    <dgm:cxn modelId="{B094E3BD-6438-584C-AAE7-197D44B31835}" type="presOf" srcId="{EE5621F5-D3D0-8A4B-BBB3-18DDFC4961F6}" destId="{45588A59-4CA8-674D-BE17-47FFBCFC8C6C}" srcOrd="0" destOrd="0" presId="urn:microsoft.com/office/officeart/2005/8/layout/cycle3"/>
+    <dgm:cxn modelId="{28620401-3794-734E-B069-5500EDFC13E5}" type="presOf" srcId="{5286684A-2838-DA4B-9F9B-3BF50DFB6A52}" destId="{ECD6E261-5965-9545-A3D9-1F4060635496}" srcOrd="0" destOrd="0" presId="urn:microsoft.com/office/officeart/2005/8/layout/cycle3"/>
+    <dgm:cxn modelId="{ABC8C94F-516C-AA41-97CD-78F138669DA8}" type="presOf" srcId="{E299359A-8E52-B94C-AC1A-C43DAD185B70}" destId="{B4A11C20-9B1C-964B-864F-DCA00D5098C5}" srcOrd="0" destOrd="0" presId="urn:microsoft.com/office/officeart/2005/8/layout/cycle3"/>
+    <dgm:cxn modelId="{3450A335-1B68-184E-8A77-E71FBA6B7DA7}" type="presOf" srcId="{044DDA8A-06B8-924E-86DF-59C2A3D59365}" destId="{E5DE6A9E-920F-3341-89E7-1B5E8A40D6CA}" srcOrd="0" destOrd="0" presId="urn:microsoft.com/office/officeart/2005/8/layout/cycle3"/>
+    <dgm:cxn modelId="{AF1811B6-7CF7-6E42-850B-B391963F719C}" srcId="{EE5621F5-D3D0-8A4B-BBB3-18DDFC4961F6}" destId="{044DDA8A-06B8-924E-86DF-59C2A3D59365}" srcOrd="1" destOrd="0" parTransId="{61D2BACB-E4E1-A64E-ADEA-2D563B4903B1}" sibTransId="{D8EC2DEF-DCAC-4E4D-8A91-E2A62023778B}"/>
+    <dgm:cxn modelId="{DDBD3998-EBA1-AA40-8BB0-586C1C4C0A6C}" srcId="{EE5621F5-D3D0-8A4B-BBB3-18DDFC4961F6}" destId="{126EF0F9-53C0-FF42-B00B-34F77F6C97D9}" srcOrd="2" destOrd="0" parTransId="{38E9F39C-9A4F-684F-8A95-DC998CD8A20F}" sibTransId="{26F828FE-D536-244E-846D-1ADFAD46BB6B}"/>
     <dgm:cxn modelId="{9FC6488D-113C-2341-BFE2-CD60DA74B1BD}" srcId="{EE5621F5-D3D0-8A4B-BBB3-18DDFC4961F6}" destId="{266B314D-A514-084C-8BD0-F6306A2549E9}" srcOrd="4" destOrd="0" parTransId="{E650DC2A-9B02-FD41-ACF5-9E881D152F3B}" sibTransId="{29B9791F-4F62-2B49-95E2-B060CDB9E23B}"/>
-    <dgm:cxn modelId="{B094E3BD-6438-584C-AAE7-197D44B31835}" type="presOf" srcId="{EE5621F5-D3D0-8A4B-BBB3-18DDFC4961F6}" destId="{45588A59-4CA8-674D-BE17-47FFBCFC8C6C}" srcOrd="0" destOrd="0" presId="urn:microsoft.com/office/officeart/2005/8/layout/cycle3"/>
+    <dgm:cxn modelId="{59D9CAB5-B41A-7D47-8C57-B48C7D20DB6F}" srcId="{EE5621F5-D3D0-8A4B-BBB3-18DDFC4961F6}" destId="{57CB1F47-846C-2F44-9148-892B165E654D}" srcOrd="3" destOrd="0" parTransId="{48FFE526-360A-654D-BA4C-CDE1B493CB32}" sibTransId="{02D22CBC-E1F6-1343-88C7-B4CC1055E5F2}"/>
     <dgm:cxn modelId="{6CEA2885-2FF7-A84D-92EE-96FB720359EE}" srcId="{EE5621F5-D3D0-8A4B-BBB3-18DDFC4961F6}" destId="{969662E6-715B-0144-95FD-90FCC8806276}" srcOrd="0" destOrd="0" parTransId="{9BB52A8C-F01E-5641-A3B8-A7FFD958FDCD}" sibTransId="{5286684A-2838-DA4B-9F9B-3BF50DFB6A52}"/>
     <dgm:cxn modelId="{1E4232A0-3ADD-E04E-8E8D-CA229766D808}" type="presParOf" srcId="{45588A59-4CA8-674D-BE17-47FFBCFC8C6C}" destId="{D38C4822-5EA9-064B-8944-89C0A442ED98}" srcOrd="0" destOrd="0" presId="urn:microsoft.com/office/officeart/2005/8/layout/cycle3"/>
     <dgm:cxn modelId="{46A22FB4-F77A-9A4F-BFD2-32E0C37BFCD9}" type="presParOf" srcId="{D38C4822-5EA9-064B-8944-89C0A442ED98}" destId="{1544E92F-9B24-5D48-917E-5B9EB93C24BA}" srcOrd="0" destOrd="0" presId="urn:microsoft.com/office/officeart/2005/8/layout/cycle3"/>
@@ -5049,16 +5804,16 @@
     </dgm:pt>
   </dgm:ptLst>
   <dgm:cxnLst>
+    <dgm:cxn modelId="{E3561575-AE16-0D4C-83E3-91AEA32BAAE5}" type="presOf" srcId="{40E33F3A-2E79-4D4D-81A4-E3ED1345B996}" destId="{C210B818-4175-464B-AE3C-BF936A845BC7}" srcOrd="0" destOrd="0" presId="urn:microsoft.com/office/officeart/2005/8/layout/matrix3"/>
+    <dgm:cxn modelId="{C84109C5-8147-CE46-ADE7-91BB3DB667C9}" srcId="{3C6EFF4E-FD32-D04F-B144-9BDCFBE2895C}" destId="{5DB04D1C-2BBE-DE46-A720-627829D235DF}" srcOrd="0" destOrd="0" parTransId="{6D9CB726-0F74-8C49-A68C-17C5A1A9472B}" sibTransId="{D63B15F3-E1DB-1C40-B0FE-709E9F4AF089}"/>
+    <dgm:cxn modelId="{3785FAAC-7F08-6141-A26B-2448153F9C02}" srcId="{3C6EFF4E-FD32-D04F-B144-9BDCFBE2895C}" destId="{ECC118F2-C106-8C45-8D99-C18F317D98E1}" srcOrd="3" destOrd="0" parTransId="{C5801798-1BF1-5A49-B457-B310BD5FC2FC}" sibTransId="{402E0F4F-FD91-554A-B102-A625FF215A1B}"/>
+    <dgm:cxn modelId="{7820B543-90FB-644F-9EEE-9AFDD1154B40}" srcId="{3C6EFF4E-FD32-D04F-B144-9BDCFBE2895C}" destId="{C3BEC5E6-A24F-1D46-B698-1C9CA25EFE58}" srcOrd="4" destOrd="0" parTransId="{5D6C91A8-EC4E-6D47-ABF6-CD9810BBD0D2}" sibTransId="{35917805-E591-C748-A62F-2CEAD06EA408}"/>
+    <dgm:cxn modelId="{582B8E05-03CD-4F49-A4AD-0DAA94A7FF04}" srcId="{3C6EFF4E-FD32-D04F-B144-9BDCFBE2895C}" destId="{E6333DBF-978C-FC40-B03F-FA4E17F8E2C6}" srcOrd="1" destOrd="0" parTransId="{43D1A966-5234-0041-94F6-2636A025819D}" sibTransId="{E8EF61D9-5B3D-6346-BF45-ECC9B51E1A18}"/>
+    <dgm:cxn modelId="{F4B4A9F3-42E3-2F49-8B13-363B32513DA6}" type="presOf" srcId="{ECC118F2-C106-8C45-8D99-C18F317D98E1}" destId="{388E1EC5-025A-1A4F-949B-AC30BD904780}" srcOrd="0" destOrd="0" presId="urn:microsoft.com/office/officeart/2005/8/layout/matrix3"/>
+    <dgm:cxn modelId="{42D03D82-A8A2-5B4C-8488-1AFC1791B9E1}" type="presOf" srcId="{3C6EFF4E-FD32-D04F-B144-9BDCFBE2895C}" destId="{3AA7EB84-FE66-7D49-8A07-07AFFDFBBF65}" srcOrd="0" destOrd="0" presId="urn:microsoft.com/office/officeart/2005/8/layout/matrix3"/>
+    <dgm:cxn modelId="{4F7662BC-8C80-F84C-9910-2803C9934657}" type="presOf" srcId="{E6333DBF-978C-FC40-B03F-FA4E17F8E2C6}" destId="{E264A485-F2F6-254A-8852-F925B0BD37BB}" srcOrd="0" destOrd="0" presId="urn:microsoft.com/office/officeart/2005/8/layout/matrix3"/>
     <dgm:cxn modelId="{B6569F2D-80A7-2F45-B848-886550F022DA}" type="presOf" srcId="{5DB04D1C-2BBE-DE46-A720-627829D235DF}" destId="{9A113BE4-233E-6C42-8E46-82B7C7925864}" srcOrd="0" destOrd="0" presId="urn:microsoft.com/office/officeart/2005/8/layout/matrix3"/>
     <dgm:cxn modelId="{68F6E5A1-B139-B149-BDD7-475BD02F8E60}" srcId="{3C6EFF4E-FD32-D04F-B144-9BDCFBE2895C}" destId="{40E33F3A-2E79-4D4D-81A4-E3ED1345B996}" srcOrd="2" destOrd="0" parTransId="{F2AD1743-7220-0349-BA32-587B17F13A59}" sibTransId="{13820D15-6AFD-A945-B6BA-027610C76114}"/>
-    <dgm:cxn modelId="{F4B4A9F3-42E3-2F49-8B13-363B32513DA6}" type="presOf" srcId="{ECC118F2-C106-8C45-8D99-C18F317D98E1}" destId="{388E1EC5-025A-1A4F-949B-AC30BD904780}" srcOrd="0" destOrd="0" presId="urn:microsoft.com/office/officeart/2005/8/layout/matrix3"/>
-    <dgm:cxn modelId="{42D03D82-A8A2-5B4C-8488-1AFC1791B9E1}" type="presOf" srcId="{3C6EFF4E-FD32-D04F-B144-9BDCFBE2895C}" destId="{3AA7EB84-FE66-7D49-8A07-07AFFDFBBF65}" srcOrd="0" destOrd="0" presId="urn:microsoft.com/office/officeart/2005/8/layout/matrix3"/>
-    <dgm:cxn modelId="{3785FAAC-7F08-6141-A26B-2448153F9C02}" srcId="{3C6EFF4E-FD32-D04F-B144-9BDCFBE2895C}" destId="{ECC118F2-C106-8C45-8D99-C18F317D98E1}" srcOrd="3" destOrd="0" parTransId="{C5801798-1BF1-5A49-B457-B310BD5FC2FC}" sibTransId="{402E0F4F-FD91-554A-B102-A625FF215A1B}"/>
-    <dgm:cxn modelId="{582B8E05-03CD-4F49-A4AD-0DAA94A7FF04}" srcId="{3C6EFF4E-FD32-D04F-B144-9BDCFBE2895C}" destId="{E6333DBF-978C-FC40-B03F-FA4E17F8E2C6}" srcOrd="1" destOrd="0" parTransId="{43D1A966-5234-0041-94F6-2636A025819D}" sibTransId="{E8EF61D9-5B3D-6346-BF45-ECC9B51E1A18}"/>
-    <dgm:cxn modelId="{4F7662BC-8C80-F84C-9910-2803C9934657}" type="presOf" srcId="{E6333DBF-978C-FC40-B03F-FA4E17F8E2C6}" destId="{E264A485-F2F6-254A-8852-F925B0BD37BB}" srcOrd="0" destOrd="0" presId="urn:microsoft.com/office/officeart/2005/8/layout/matrix3"/>
-    <dgm:cxn modelId="{7820B543-90FB-644F-9EEE-9AFDD1154B40}" srcId="{3C6EFF4E-FD32-D04F-B144-9BDCFBE2895C}" destId="{C3BEC5E6-A24F-1D46-B698-1C9CA25EFE58}" srcOrd="4" destOrd="0" parTransId="{5D6C91A8-EC4E-6D47-ABF6-CD9810BBD0D2}" sibTransId="{35917805-E591-C748-A62F-2CEAD06EA408}"/>
-    <dgm:cxn modelId="{C84109C5-8147-CE46-ADE7-91BB3DB667C9}" srcId="{3C6EFF4E-FD32-D04F-B144-9BDCFBE2895C}" destId="{5DB04D1C-2BBE-DE46-A720-627829D235DF}" srcOrd="0" destOrd="0" parTransId="{6D9CB726-0F74-8C49-A68C-17C5A1A9472B}" sibTransId="{D63B15F3-E1DB-1C40-B0FE-709E9F4AF089}"/>
-    <dgm:cxn modelId="{E3561575-AE16-0D4C-83E3-91AEA32BAAE5}" type="presOf" srcId="{40E33F3A-2E79-4D4D-81A4-E3ED1345B996}" destId="{C210B818-4175-464B-AE3C-BF936A845BC7}" srcOrd="0" destOrd="0" presId="urn:microsoft.com/office/officeart/2005/8/layout/matrix3"/>
     <dgm:cxn modelId="{22B530F0-6FDB-5841-9C81-6876D456E8E0}" type="presParOf" srcId="{3AA7EB84-FE66-7D49-8A07-07AFFDFBBF65}" destId="{B6A53276-9D3E-EA46-9422-098F1513B535}" srcOrd="0" destOrd="0" presId="urn:microsoft.com/office/officeart/2005/8/layout/matrix3"/>
     <dgm:cxn modelId="{4184ED0F-3ADF-204D-A89A-76F1B862B3F7}" type="presParOf" srcId="{3AA7EB84-FE66-7D49-8A07-07AFFDFBBF65}" destId="{9A113BE4-233E-6C42-8E46-82B7C7925864}" srcOrd="1" destOrd="0" presId="urn:microsoft.com/office/officeart/2005/8/layout/matrix3"/>
     <dgm:cxn modelId="{68B8E6AC-EC92-5541-A06F-5689DF93A1F0}" type="presParOf" srcId="{3AA7EB84-FE66-7D49-8A07-07AFFDFBBF65}" destId="{E264A485-F2F6-254A-8852-F925B0BD37BB}" srcOrd="2" destOrd="0" presId="urn:microsoft.com/office/officeart/2005/8/layout/matrix3"/>
@@ -12348,7 +13103,7 @@
                 <a:cs typeface="Arial" pitchFamily="34" charset="0"/>
               </a:rPr>
               <a:pPr/>
-              <a:t>03/05/15</a:t>
+              <a:t>04/05/15</a:t>
             </a:fld>
             <a:endParaRPr lang="nl-BE" sz="1000">
               <a:latin typeface="Arial" pitchFamily="34" charset="0"/>
@@ -12528,7 +13283,7 @@
             <a:fld id="{7AF0A2F9-EF49-41B3-9E69-7CDBDC14786A}" type="datetimeFigureOut">
               <a:rPr lang="nl-BE" smtClean="0"/>
               <a:pPr/>
-              <a:t>03/05/15</a:t>
+              <a:t>04/05/15</a:t>
             </a:fld>
             <a:endParaRPr lang="nl-BE"/>
           </a:p>
@@ -22671,7 +23426,6 @@
               <a:rPr lang="nl-BE" dirty="0" smtClean="0"/>
               <a:t>Toekomstig onderzoek</a:t>
             </a:r>
-            <a:endParaRPr lang="nl-BE" dirty="0" smtClean="0"/>
           </a:p>
           <a:p>
             <a:r>
@@ -22781,35 +23535,37 @@
             </a:r>
             <a:r>
               <a:rPr lang="en-US" dirty="0" err="1" smtClean="0"/>
-              <a:t>opl</a:t>
-            </a:r>
-            <a:r>
-              <a:rPr lang="en-US" dirty="0" smtClean="0"/>
-              <a:t>%</a:t>
+              <a:t>tijd</a:t>
             </a:r>
             <a:endParaRPr lang="en-US" dirty="0"/>
           </a:p>
         </p:txBody>
       </p:sp>
-      <p:sp>
-        <p:nvSpPr>
-          <p:cNvPr id="3" name="Content Placeholder 2"/>
-          <p:cNvSpPr>
-            <a:spLocks noGrp="1"/>
-          </p:cNvSpPr>
+      <p:graphicFrame>
+        <p:nvGraphicFramePr>
+          <p:cNvPr id="5" name="Content Placeholder 4"/>
+          <p:cNvGraphicFramePr>
+            <a:graphicFrameLocks noGrp="1"/>
+          </p:cNvGraphicFramePr>
           <p:nvPr>
             <p:ph idx="1"/>
+            <p:extLst>
+              <p:ext uri="{D42A27DB-BD31-4B8C-83A1-F6EECF244321}">
+                <p14:modId xmlns:p14="http://schemas.microsoft.com/office/powerpoint/2010/main" val="2796074222"/>
+              </p:ext>
+            </p:extLst>
           </p:nvPr>
-        </p:nvSpPr>
-        <p:spPr/>
-        <p:txBody>
-          <a:bodyPr/>
-          <a:lstStyle/>
-          <a:p>
-            <a:endParaRPr lang="en-US"/>
-          </a:p>
-        </p:txBody>
-      </p:sp>
+        </p:nvGraphicFramePr>
+        <p:xfrm>
+          <a:off x="395536" y="1349375"/>
+          <a:ext cx="8478589" cy="4429125"/>
+        </p:xfrm>
+        <a:graphic>
+          <a:graphicData uri="http://schemas.openxmlformats.org/drawingml/2006/chart">
+            <c:chart xmlns:c="http://schemas.openxmlformats.org/drawingml/2006/chart" xmlns:r="http://schemas.openxmlformats.org/officeDocument/2006/relationships" r:id="rId2"/>
+          </a:graphicData>
+        </a:graphic>
+      </p:graphicFrame>
     </p:spTree>
     <p:extLst>
       <p:ext uri="{BB962C8B-B14F-4D97-AF65-F5344CB8AC3E}">
@@ -22880,31 +23636,41 @@
             </a:r>
             <a:r>
               <a:rPr lang="en-US" dirty="0" err="1" smtClean="0"/>
-              <a:t>tijd</a:t>
+              <a:t>opl</a:t>
+            </a:r>
+            <a:r>
+              <a:rPr lang="en-US" dirty="0" smtClean="0"/>
+              <a:t>%</a:t>
             </a:r>
             <a:endParaRPr lang="en-US" dirty="0"/>
           </a:p>
         </p:txBody>
       </p:sp>
-      <p:sp>
-        <p:nvSpPr>
-          <p:cNvPr id="3" name="Content Placeholder 2"/>
-          <p:cNvSpPr>
-            <a:spLocks noGrp="1"/>
-          </p:cNvSpPr>
+      <p:graphicFrame>
+        <p:nvGraphicFramePr>
+          <p:cNvPr id="4" name="Content Placeholder 3"/>
+          <p:cNvGraphicFramePr>
+            <a:graphicFrameLocks noGrp="1"/>
+          </p:cNvGraphicFramePr>
           <p:nvPr>
             <p:ph idx="1"/>
+            <p:extLst>
+              <p:ext uri="{D42A27DB-BD31-4B8C-83A1-F6EECF244321}">
+                <p14:modId xmlns:p14="http://schemas.microsoft.com/office/powerpoint/2010/main" val="27159775"/>
+              </p:ext>
+            </p:extLst>
           </p:nvPr>
-        </p:nvSpPr>
-        <p:spPr/>
-        <p:txBody>
-          <a:bodyPr/>
-          <a:lstStyle/>
-          <a:p>
-            <a:endParaRPr lang="en-US"/>
-          </a:p>
-        </p:txBody>
-      </p:sp>
+        </p:nvGraphicFramePr>
+        <p:xfrm>
+          <a:off x="539750" y="1349375"/>
+          <a:ext cx="8334375" cy="4429125"/>
+        </p:xfrm>
+        <a:graphic>
+          <a:graphicData uri="http://schemas.openxmlformats.org/drawingml/2006/chart">
+            <c:chart xmlns:c="http://schemas.openxmlformats.org/drawingml/2006/chart" xmlns:r="http://schemas.openxmlformats.org/officeDocument/2006/relationships" r:id="rId2"/>
+          </a:graphicData>
+        </a:graphic>
+      </p:graphicFrame>
     </p:spTree>
     <p:extLst>
       <p:ext uri="{BB962C8B-B14F-4D97-AF65-F5344CB8AC3E}">
@@ -22959,43 +23725,45 @@
           <a:p>
             <a:r>
               <a:rPr lang="en-US" dirty="0" smtClean="0"/>
-              <a:t>Experiment </a:t>
+              <a:t>Experiment 5: </a:t>
             </a:r>
             <a:r>
               <a:rPr lang="en-US" dirty="0" smtClean="0"/>
-              <a:t>5: Brute force </a:t>
+              <a:t>Finale </a:t>
             </a:r>
             <a:r>
               <a:rPr lang="en-US" dirty="0" err="1" smtClean="0"/>
-              <a:t>vs</a:t>
-            </a:r>
-            <a:r>
-              <a:rPr lang="en-US" dirty="0" smtClean="0"/>
-              <a:t> Opt</a:t>
+              <a:t>vergelijking</a:t>
             </a:r>
             <a:endParaRPr lang="en-US" dirty="0"/>
           </a:p>
         </p:txBody>
       </p:sp>
-      <p:sp>
-        <p:nvSpPr>
-          <p:cNvPr id="3" name="Content Placeholder 2"/>
-          <p:cNvSpPr>
-            <a:spLocks noGrp="1"/>
-          </p:cNvSpPr>
+      <p:graphicFrame>
+        <p:nvGraphicFramePr>
+          <p:cNvPr id="4" name="Content Placeholder 3"/>
+          <p:cNvGraphicFramePr>
+            <a:graphicFrameLocks noGrp="1"/>
+          </p:cNvGraphicFramePr>
           <p:nvPr>
             <p:ph idx="1"/>
+            <p:extLst>
+              <p:ext uri="{D42A27DB-BD31-4B8C-83A1-F6EECF244321}">
+                <p14:modId xmlns:p14="http://schemas.microsoft.com/office/powerpoint/2010/main" val="1842620285"/>
+              </p:ext>
+            </p:extLst>
           </p:nvPr>
-        </p:nvSpPr>
-        <p:spPr/>
-        <p:txBody>
-          <a:bodyPr/>
-          <a:lstStyle/>
-          <a:p>
-            <a:endParaRPr lang="en-US"/>
-          </a:p>
-        </p:txBody>
-      </p:sp>
+        </p:nvGraphicFramePr>
+        <p:xfrm>
+          <a:off x="539750" y="1349375"/>
+          <a:ext cx="8334375" cy="4429125"/>
+        </p:xfrm>
+        <a:graphic>
+          <a:graphicData uri="http://schemas.openxmlformats.org/drawingml/2006/chart">
+            <c:chart xmlns:c="http://schemas.openxmlformats.org/drawingml/2006/chart" xmlns:r="http://schemas.openxmlformats.org/officeDocument/2006/relationships" r:id="rId2"/>
+          </a:graphicData>
+        </a:graphic>
+      </p:graphicFrame>
     </p:spTree>
     <p:extLst>
       <p:ext uri="{BB962C8B-B14F-4D97-AF65-F5344CB8AC3E}">
@@ -23017,6 +23785,85 @@
 </file>
 
 <file path=ppt/slides/slide23.xml><?xml version="1.0" encoding="utf-8"?>
+<p:sld xmlns:a="http://schemas.openxmlformats.org/drawingml/2006/main" xmlns:r="http://schemas.openxmlformats.org/officeDocument/2006/relationships" xmlns:p="http://schemas.openxmlformats.org/presentationml/2006/main">
+  <p:cSld>
+    <p:spTree>
+      <p:nvGrpSpPr>
+        <p:cNvPr id="1" name=""/>
+        <p:cNvGrpSpPr/>
+        <p:nvPr/>
+      </p:nvGrpSpPr>
+      <p:grpSpPr>
+        <a:xfrm>
+          <a:off x="0" y="0"/>
+          <a:ext cx="0" cy="0"/>
+          <a:chOff x="0" y="0"/>
+          <a:chExt cx="0" cy="0"/>
+        </a:xfrm>
+      </p:grpSpPr>
+      <p:sp>
+        <p:nvSpPr>
+          <p:cNvPr id="2" name="Title 1"/>
+          <p:cNvSpPr>
+            <a:spLocks noGrp="1"/>
+          </p:cNvSpPr>
+          <p:nvPr>
+            <p:ph type="ctrTitle"/>
+          </p:nvPr>
+        </p:nvSpPr>
+        <p:spPr/>
+        <p:txBody>
+          <a:bodyPr/>
+          <a:lstStyle/>
+          <a:p>
+            <a:r>
+              <a:rPr lang="en-US" dirty="0" smtClean="0"/>
+              <a:t>Conclusie</a:t>
+            </a:r>
+            <a:endParaRPr lang="en-US" dirty="0"/>
+          </a:p>
+        </p:txBody>
+      </p:sp>
+      <p:sp>
+        <p:nvSpPr>
+          <p:cNvPr id="3" name="Subtitle 2"/>
+          <p:cNvSpPr>
+            <a:spLocks noGrp="1"/>
+          </p:cNvSpPr>
+          <p:nvPr>
+            <p:ph type="subTitle" idx="1"/>
+          </p:nvPr>
+        </p:nvSpPr>
+        <p:spPr/>
+        <p:txBody>
+          <a:bodyPr/>
+          <a:lstStyle/>
+          <a:p>
+            <a:endParaRPr lang="en-US" dirty="0"/>
+          </a:p>
+        </p:txBody>
+      </p:sp>
+    </p:spTree>
+    <p:extLst>
+      <p:ext uri="{BB962C8B-B14F-4D97-AF65-F5344CB8AC3E}">
+        <p14:creationId xmlns:p14="http://schemas.microsoft.com/office/powerpoint/2010/main" val="2579041775"/>
+      </p:ext>
+    </p:extLst>
+  </p:cSld>
+  <p:clrMapOvr>
+    <a:masterClrMapping/>
+  </p:clrMapOvr>
+  <p:timing>
+    <p:tnLst>
+      <p:par>
+        <p:cTn xmlns:p14="http://schemas.microsoft.com/office/powerpoint/2010/main" id="1" dur="indefinite" restart="never" nodeType="tmRoot"/>
+      </p:par>
+    </p:tnLst>
+  </p:timing>
+</p:sld>
+</file>
+
+<file path=ppt/slides/slide24.xml><?xml version="1.0" encoding="utf-8"?>
 <p:sld xmlns:a="http://schemas.openxmlformats.org/drawingml/2006/main" xmlns:r="http://schemas.openxmlformats.org/officeDocument/2006/relationships" xmlns:p="http://schemas.openxmlformats.org/presentationml/2006/main">
   <p:cSld>
     <p:spTree>
@@ -23419,85 +24266,6 @@
       </p:bldGraphic>
       <p:bldP spid="4" grpId="0" animBg="1"/>
     </p:bldLst>
-  </p:timing>
-</p:sld>
-</file>
-
-<file path=ppt/slides/slide24.xml><?xml version="1.0" encoding="utf-8"?>
-<p:sld xmlns:a="http://schemas.openxmlformats.org/drawingml/2006/main" xmlns:r="http://schemas.openxmlformats.org/officeDocument/2006/relationships" xmlns:p="http://schemas.openxmlformats.org/presentationml/2006/main">
-  <p:cSld>
-    <p:spTree>
-      <p:nvGrpSpPr>
-        <p:cNvPr id="1" name=""/>
-        <p:cNvGrpSpPr/>
-        <p:nvPr/>
-      </p:nvGrpSpPr>
-      <p:grpSpPr>
-        <a:xfrm>
-          <a:off x="0" y="0"/>
-          <a:ext cx="0" cy="0"/>
-          <a:chOff x="0" y="0"/>
-          <a:chExt cx="0" cy="0"/>
-        </a:xfrm>
-      </p:grpSpPr>
-      <p:sp>
-        <p:nvSpPr>
-          <p:cNvPr id="2" name="Title 1"/>
-          <p:cNvSpPr>
-            <a:spLocks noGrp="1"/>
-          </p:cNvSpPr>
-          <p:nvPr>
-            <p:ph type="ctrTitle"/>
-          </p:nvPr>
-        </p:nvSpPr>
-        <p:spPr/>
-        <p:txBody>
-          <a:bodyPr/>
-          <a:lstStyle/>
-          <a:p>
-            <a:r>
-              <a:rPr lang="en-US" dirty="0" smtClean="0"/>
-              <a:t>Conclusie</a:t>
-            </a:r>
-            <a:endParaRPr lang="en-US" dirty="0"/>
-          </a:p>
-        </p:txBody>
-      </p:sp>
-      <p:sp>
-        <p:nvSpPr>
-          <p:cNvPr id="3" name="Subtitle 2"/>
-          <p:cNvSpPr>
-            <a:spLocks noGrp="1"/>
-          </p:cNvSpPr>
-          <p:nvPr>
-            <p:ph type="subTitle" idx="1"/>
-          </p:nvPr>
-        </p:nvSpPr>
-        <p:spPr/>
-        <p:txBody>
-          <a:bodyPr/>
-          <a:lstStyle/>
-          <a:p>
-            <a:endParaRPr lang="en-US" dirty="0"/>
-          </a:p>
-        </p:txBody>
-      </p:sp>
-    </p:spTree>
-    <p:extLst>
-      <p:ext uri="{BB962C8B-B14F-4D97-AF65-F5344CB8AC3E}">
-        <p14:creationId xmlns:p14="http://schemas.microsoft.com/office/powerpoint/2010/main" val="2579041775"/>
-      </p:ext>
-    </p:extLst>
-  </p:cSld>
-  <p:clrMapOvr>
-    <a:masterClrMapping/>
-  </p:clrMapOvr>
-  <p:timing>
-    <p:tnLst>
-      <p:par>
-        <p:cTn xmlns:p14="http://schemas.microsoft.com/office/powerpoint/2010/main" id="1" dur="indefinite" restart="never" nodeType="tmRoot"/>
-      </p:par>
-    </p:tnLst>
   </p:timing>
 </p:sld>
 </file>

--- a/Paper/Finale Presentatie/presentatie.pptx
+++ b/Paper/Finale Presentatie/presentatie.pptx
@@ -22623,8 +22623,8 @@
           <a:lstStyle/>
           <a:p>
             <a:r>
-              <a:rPr lang="en-US" dirty="0" smtClean="0"/>
-              <a:t>Oplossings-methoden</a:t>
+              <a:rPr lang="en-US" dirty="0" err="1" smtClean="0"/>
+              <a:t>Aanpak</a:t>
             </a:r>
             <a:endParaRPr lang="en-US" dirty="0"/>
           </a:p>
@@ -22644,6 +22644,36 @@
         <p:txBody>
           <a:bodyPr/>
           <a:lstStyle/>
+          <a:p>
+            <a:r>
+              <a:rPr lang="en-US" dirty="0" smtClean="0"/>
+              <a:t>Hoe </a:t>
+            </a:r>
+            <a:r>
+              <a:rPr lang="en-US" dirty="0" err="1" smtClean="0"/>
+              <a:t>lossen</a:t>
+            </a:r>
+            <a:r>
+              <a:rPr lang="en-US" dirty="0" smtClean="0"/>
+              <a:t> we </a:t>
+            </a:r>
+            <a:r>
+              <a:rPr lang="en-US" dirty="0" err="1" smtClean="0"/>
+              <a:t>dit</a:t>
+            </a:r>
+            <a:r>
+              <a:rPr lang="en-US" dirty="0" smtClean="0"/>
+              <a:t> </a:t>
+            </a:r>
+            <a:r>
+              <a:rPr lang="en-US" dirty="0" err="1" smtClean="0"/>
+              <a:t>probleem</a:t>
+            </a:r>
+            <a:r>
+              <a:rPr lang="en-US" dirty="0" smtClean="0"/>
+              <a:t> op?</a:t>
+            </a:r>
+          </a:p>
           <a:p>
             <a:endParaRPr lang="en-US" dirty="0"/>
           </a:p>
@@ -23406,8 +23436,9 @@
           <a:p>
             <a:r>
               <a:rPr lang="nl-BE" dirty="0" smtClean="0"/>
-              <a:t>Oplossings-methoden</a:t>
+              <a:t>Aanpak</a:t>
             </a:r>
+            <a:endParaRPr lang="nl-BE" dirty="0" smtClean="0"/>
           </a:p>
           <a:p>
             <a:r>
@@ -25162,8 +25193,23 @@
           <a:p>
             <a:r>
               <a:rPr lang="en-US" sz="2400" dirty="0" smtClean="0"/>
-              <a:t>E → E ÷ E</a:t>
+              <a:t>E → E ÷ </a:t>
             </a:r>
+            <a:r>
+              <a:rPr lang="en-US" sz="2400" dirty="0" smtClean="0"/>
+              <a:t>E</a:t>
+            </a:r>
+          </a:p>
+          <a:p>
+            <a:r>
+              <a:rPr lang="en-US" sz="2400" dirty="0" smtClean="0"/>
+              <a:t>E → E</a:t>
+            </a:r>
+            <a:r>
+              <a:rPr lang="en-US" sz="2400" baseline="30000" dirty="0"/>
+              <a:t>E</a:t>
+            </a:r>
+            <a:endParaRPr lang="en-US" sz="2400" dirty="0" smtClean="0"/>
           </a:p>
           <a:p>
             <a:r>
@@ -25173,36 +25219,25 @@
           </a:p>
         </p:txBody>
       </p:sp>
-      <p:pic>
-        <p:nvPicPr>
-          <p:cNvPr id="3" name="Content Placeholder 2" descr="Screen Shot 2015-05-03 at 16.28.18.png"/>
-          <p:cNvPicPr>
-            <a:picLocks noGrp="1" noChangeAspect="1"/>
-          </p:cNvPicPr>
+      <p:sp>
+        <p:nvSpPr>
+          <p:cNvPr id="7" name="Content Placeholder 6"/>
+          <p:cNvSpPr>
+            <a:spLocks noGrp="1"/>
+          </p:cNvSpPr>
           <p:nvPr>
             <p:ph idx="1"/>
           </p:nvPr>
-        </p:nvPicPr>
-        <p:blipFill>
-          <a:blip r:embed="rId2">
-            <a:extLst>
-              <a:ext uri="{28A0092B-C50C-407E-A947-70E740481C1C}">
-                <a14:useLocalDpi xmlns:a14="http://schemas.microsoft.com/office/drawing/2010/main" val="0"/>
-              </a:ext>
-            </a:extLst>
-          </a:blip>
-          <a:srcRect t="-131725" b="-131725"/>
-          <a:stretch>
-            <a:fillRect/>
-          </a:stretch>
-        </p:blipFill>
-        <p:spPr>
-          <a:xfrm>
-            <a:off x="3275129" y="1040785"/>
-            <a:ext cx="5591919" cy="4776431"/>
-          </a:xfrm>
-        </p:spPr>
-      </p:pic>
+        </p:nvSpPr>
+        <p:spPr/>
+        <p:txBody>
+          <a:bodyPr/>
+          <a:lstStyle/>
+          <a:p>
+            <a:endParaRPr lang="en-US" dirty="0"/>
+          </a:p>
+        </p:txBody>
+      </p:sp>
     </p:spTree>
     <p:extLst>
       <p:ext uri="{BB962C8B-B14F-4D97-AF65-F5344CB8AC3E}">
@@ -25267,7 +25302,7 @@
       </p:sp>
       <p:pic>
         <p:nvPicPr>
-          <p:cNvPr id="6" name="Content Placeholder 5" descr="Screen Shot 2015-05-03 at 16.34.13.png"/>
+          <p:cNvPr id="4" name="Content Placeholder 3" descr="LaTeXtree.png"/>
           <p:cNvPicPr>
             <a:picLocks noGrp="1" noChangeAspect="1"/>
           </p:cNvPicPr>
@@ -25277,31 +25312,21 @@
         </p:nvPicPr>
         <p:blipFill>
           <a:blip r:embed="rId2">
-            <a:biLevel thresh="75000"/>
             <a:extLst>
-              <a:ext uri="{BEBA8EAE-BF5A-486C-A8C5-ECC9F3942E4B}">
-                <a14:imgProps xmlns:a14="http://schemas.microsoft.com/office/drawing/2010/main">
-                  <a14:imgLayer r:embed="rId3">
-                    <a14:imgEffect>
-                      <a14:saturation sat="0"/>
-                    </a14:imgEffect>
-                  </a14:imgLayer>
-                </a14:imgProps>
-              </a:ext>
               <a:ext uri="{28A0092B-C50C-407E-A947-70E740481C1C}">
                 <a14:useLocalDpi xmlns:a14="http://schemas.microsoft.com/office/drawing/2010/main" val="0"/>
               </a:ext>
             </a:extLst>
           </a:blip>
-          <a:srcRect t="-167654" b="-167654"/>
+          <a:srcRect t="-283768" b="-283768"/>
           <a:stretch>
             <a:fillRect/>
           </a:stretch>
         </p:blipFill>
         <p:spPr>
           <a:xfrm>
-            <a:off x="1" y="-5154"/>
-            <a:ext cx="9144000" cy="6840759"/>
+            <a:off x="8249" y="-1107504"/>
+            <a:ext cx="9126538" cy="8496944"/>
           </a:xfrm>
         </p:spPr>
       </p:pic>

--- a/Paper/Finale Presentatie/presentatie.pptx
+++ b/Paper/Finale Presentatie/presentatie.pptx
@@ -26,19 +26,19 @@
     <p:sldId id="264" r:id="rId14"/>
     <p:sldId id="266" r:id="rId15"/>
     <p:sldId id="277" r:id="rId16"/>
-    <p:sldId id="279" r:id="rId17"/>
-    <p:sldId id="278" r:id="rId18"/>
+    <p:sldId id="289" r:id="rId17"/>
+    <p:sldId id="279" r:id="rId18"/>
     <p:sldId id="267" r:id="rId19"/>
     <p:sldId id="280" r:id="rId20"/>
     <p:sldId id="281" r:id="rId21"/>
     <p:sldId id="286" r:id="rId22"/>
     <p:sldId id="285" r:id="rId23"/>
     <p:sldId id="287" r:id="rId24"/>
-    <p:sldId id="272" r:id="rId25"/>
-    <p:sldId id="283" r:id="rId26"/>
-    <p:sldId id="288" r:id="rId27"/>
-    <p:sldId id="271" r:id="rId28"/>
-    <p:sldId id="276" r:id="rId29"/>
+    <p:sldId id="271" r:id="rId25"/>
+    <p:sldId id="276" r:id="rId26"/>
+    <p:sldId id="272" r:id="rId27"/>
+    <p:sldId id="283" r:id="rId28"/>
+    <p:sldId id="288" r:id="rId29"/>
     <p:sldId id="273" r:id="rId30"/>
     <p:sldId id="275" r:id="rId31"/>
     <p:sldId id="274" r:id="rId32"/>
@@ -629,7 +629,7 @@
               <c:strCache>
                 <c:ptCount val="1"/>
                 <c:pt idx="0">
-                  <c:v>noWeights</c:v>
+                  <c:v>()</c:v>
                 </c:pt>
               </c:strCache>
             </c:strRef>
@@ -668,7 +668,7 @@
               <c:strCache>
                 <c:ptCount val="1"/>
                 <c:pt idx="0">
-                  <c:v>threeWeights</c:v>
+                  <c:v>(1,2,3)</c:v>
                 </c:pt>
               </c:strCache>
             </c:strRef>
@@ -707,7 +707,7 @@
               <c:strCache>
                 <c:ptCount val="1"/>
                 <c:pt idx="0">
-                  <c:v>primeWeights</c:v>
+                  <c:v>(1,2,3,5,7)</c:v>
                 </c:pt>
               </c:strCache>
             </c:strRef>
@@ -746,7 +746,7 @@
               <c:strCache>
                 <c:ptCount val="1"/>
                 <c:pt idx="0">
-                  <c:v>fiveWeights</c:v>
+                  <c:v>(1,2,3,4,5)</c:v>
                 </c:pt>
               </c:strCache>
             </c:strRef>
@@ -813,6 +813,38 @@
         <c:delete val="0"/>
         <c:axPos val="l"/>
         <c:majorGridlines/>
+        <c:title>
+          <c:tx>
+            <c:rich>
+              <a:bodyPr rot="-5400000" vert="horz"/>
+              <a:lstStyle/>
+              <a:p>
+                <a:pPr>
+                  <a:defRPr/>
+                </a:pPr>
+                <a:r>
+                  <a:rPr lang="en-US" dirty="0" err="1" smtClean="0"/>
+                  <a:t>Tijd</a:t>
+                </a:r>
+                <a:r>
+                  <a:rPr lang="en-US" dirty="0" smtClean="0"/>
+                  <a:t> (</a:t>
+                </a:r>
+                <a:r>
+                  <a:rPr lang="en-US" dirty="0" err="1" smtClean="0"/>
+                  <a:t>ms</a:t>
+                </a:r>
+                <a:r>
+                  <a:rPr lang="en-US" dirty="0" smtClean="0"/>
+                  <a:t>)</a:t>
+                </a:r>
+                <a:endParaRPr lang="en-US" dirty="0"/>
+              </a:p>
+            </c:rich>
+          </c:tx>
+          <c:layout/>
+          <c:overlay val="0"/>
+        </c:title>
         <c:numFmt formatCode="General" sourceLinked="1"/>
         <c:majorTickMark val="out"/>
         <c:minorTickMark val="none"/>
@@ -877,7 +909,7 @@
               <c:strCache>
                 <c:ptCount val="1"/>
                 <c:pt idx="0">
-                  <c:v>noWeights</c:v>
+                  <c:v>()</c:v>
                 </c:pt>
               </c:strCache>
             </c:strRef>
@@ -914,7 +946,7 @@
               <c:strCache>
                 <c:ptCount val="1"/>
                 <c:pt idx="0">
-                  <c:v>threeWeights</c:v>
+                  <c:v>(1,2,3)</c:v>
                 </c:pt>
               </c:strCache>
             </c:strRef>
@@ -951,7 +983,7 @@
               <c:strCache>
                 <c:ptCount val="1"/>
                 <c:pt idx="0">
-                  <c:v>primeWeights</c:v>
+                  <c:v>(1,2,3,5,7)</c:v>
                 </c:pt>
               </c:strCache>
             </c:strRef>
@@ -988,7 +1020,7 @@
               <c:strCache>
                 <c:ptCount val="1"/>
                 <c:pt idx="0">
-                  <c:v>fiveWeights</c:v>
+                  <c:v>(1,2,3,4,5)</c:v>
                 </c:pt>
               </c:strCache>
             </c:strRef>
@@ -1055,6 +1087,45 @@
         <c:delete val="0"/>
         <c:axPos val="l"/>
         <c:majorGridlines/>
+        <c:title>
+          <c:tx>
+            <c:rich>
+              <a:bodyPr rot="-5400000" vert="horz"/>
+              <a:lstStyle/>
+              <a:p>
+                <a:pPr>
+                  <a:defRPr/>
+                </a:pPr>
+                <a:r>
+                  <a:rPr lang="en-US" dirty="0" err="1" smtClean="0"/>
+                  <a:t>Gevonden</a:t>
+                </a:r>
+                <a:r>
+                  <a:rPr lang="en-US" dirty="0" smtClean="0"/>
+                  <a:t> </a:t>
+                </a:r>
+                <a:r>
+                  <a:rPr lang="en-US" dirty="0" err="1" smtClean="0"/>
+                  <a:t>oplossingen</a:t>
+                </a:r>
+                <a:r>
+                  <a:rPr lang="en-US" dirty="0" smtClean="0"/>
+                  <a:t> (%)</a:t>
+                </a:r>
+                <a:endParaRPr lang="en-US" dirty="0"/>
+              </a:p>
+            </c:rich>
+          </c:tx>
+          <c:layout>
+            <c:manualLayout>
+              <c:xMode val="edge"/>
+              <c:yMode val="edge"/>
+              <c:x val="0.00761904761904762"/>
+              <c:y val="0.161543194197499"/>
+            </c:manualLayout>
+          </c:layout>
+          <c:overlay val="0"/>
+        </c:title>
         <c:numFmt formatCode="General" sourceLinked="1"/>
         <c:majorTickMark val="out"/>
         <c:minorTickMark val="none"/>
@@ -3595,753 +3666,6 @@
 </dgm:colorsDef>
 </file>
 
-<file path=ppt/diagrams/colors4.xml><?xml version="1.0" encoding="utf-8"?>
-<dgm:colorsDef xmlns:dgm="http://schemas.openxmlformats.org/drawingml/2006/diagram" xmlns:a="http://schemas.openxmlformats.org/drawingml/2006/main" uniqueId="urn:microsoft.com/office/officeart/2005/8/colors/accent1_2">
-  <dgm:title val=""/>
-  <dgm:desc val=""/>
-  <dgm:catLst>
-    <dgm:cat type="accent1" pri="11200"/>
-  </dgm:catLst>
-  <dgm:styleLbl name="node0">
-    <dgm:fillClrLst meth="repeat">
-      <a:schemeClr val="accent1"/>
-    </dgm:fillClrLst>
-    <dgm:linClrLst meth="repeat">
-      <a:schemeClr val="lt1"/>
-    </dgm:linClrLst>
-    <dgm:effectClrLst/>
-    <dgm:txLinClrLst/>
-    <dgm:txFillClrLst/>
-    <dgm:txEffectClrLst/>
-  </dgm:styleLbl>
-  <dgm:styleLbl name="alignNode1">
-    <dgm:fillClrLst meth="repeat">
-      <a:schemeClr val="accent1"/>
-    </dgm:fillClrLst>
-    <dgm:linClrLst meth="repeat">
-      <a:schemeClr val="accent1"/>
-    </dgm:linClrLst>
-    <dgm:effectClrLst/>
-    <dgm:txLinClrLst/>
-    <dgm:txFillClrLst/>
-    <dgm:txEffectClrLst/>
-  </dgm:styleLbl>
-  <dgm:styleLbl name="node1">
-    <dgm:fillClrLst meth="repeat">
-      <a:schemeClr val="accent1"/>
-    </dgm:fillClrLst>
-    <dgm:linClrLst meth="repeat">
-      <a:schemeClr val="lt1"/>
-    </dgm:linClrLst>
-    <dgm:effectClrLst/>
-    <dgm:txLinClrLst/>
-    <dgm:txFillClrLst/>
-    <dgm:txEffectClrLst/>
-  </dgm:styleLbl>
-  <dgm:styleLbl name="lnNode1">
-    <dgm:fillClrLst meth="repeat">
-      <a:schemeClr val="accent1"/>
-    </dgm:fillClrLst>
-    <dgm:linClrLst meth="repeat">
-      <a:schemeClr val="lt1"/>
-    </dgm:linClrLst>
-    <dgm:effectClrLst/>
-    <dgm:txLinClrLst/>
-    <dgm:txFillClrLst/>
-    <dgm:txEffectClrLst/>
-  </dgm:styleLbl>
-  <dgm:styleLbl name="vennNode1">
-    <dgm:fillClrLst meth="repeat">
-      <a:schemeClr val="accent1">
-        <a:alpha val="50000"/>
-      </a:schemeClr>
-    </dgm:fillClrLst>
-    <dgm:linClrLst meth="repeat">
-      <a:schemeClr val="lt1"/>
-    </dgm:linClrLst>
-    <dgm:effectClrLst/>
-    <dgm:txLinClrLst/>
-    <dgm:txFillClrLst/>
-    <dgm:txEffectClrLst/>
-  </dgm:styleLbl>
-  <dgm:styleLbl name="node2">
-    <dgm:fillClrLst meth="repeat">
-      <a:schemeClr val="accent1"/>
-    </dgm:fillClrLst>
-    <dgm:linClrLst meth="repeat">
-      <a:schemeClr val="lt1"/>
-    </dgm:linClrLst>
-    <dgm:effectClrLst/>
-    <dgm:txLinClrLst/>
-    <dgm:txFillClrLst/>
-    <dgm:txEffectClrLst/>
-  </dgm:styleLbl>
-  <dgm:styleLbl name="node3">
-    <dgm:fillClrLst meth="repeat">
-      <a:schemeClr val="accent1"/>
-    </dgm:fillClrLst>
-    <dgm:linClrLst meth="repeat">
-      <a:schemeClr val="lt1"/>
-    </dgm:linClrLst>
-    <dgm:effectClrLst/>
-    <dgm:txLinClrLst/>
-    <dgm:txFillClrLst/>
-    <dgm:txEffectClrLst/>
-  </dgm:styleLbl>
-  <dgm:styleLbl name="node4">
-    <dgm:fillClrLst meth="repeat">
-      <a:schemeClr val="accent1"/>
-    </dgm:fillClrLst>
-    <dgm:linClrLst meth="repeat">
-      <a:schemeClr val="lt1"/>
-    </dgm:linClrLst>
-    <dgm:effectClrLst/>
-    <dgm:txLinClrLst/>
-    <dgm:txFillClrLst/>
-    <dgm:txEffectClrLst/>
-  </dgm:styleLbl>
-  <dgm:styleLbl name="fgImgPlace1">
-    <dgm:fillClrLst meth="repeat">
-      <a:schemeClr val="accent1">
-        <a:tint val="50000"/>
-      </a:schemeClr>
-    </dgm:fillClrLst>
-    <dgm:linClrLst meth="repeat">
-      <a:schemeClr val="lt1"/>
-    </dgm:linClrLst>
-    <dgm:effectClrLst/>
-    <dgm:txLinClrLst/>
-    <dgm:txFillClrLst meth="repeat">
-      <a:schemeClr val="lt1"/>
-    </dgm:txFillClrLst>
-    <dgm:txEffectClrLst/>
-  </dgm:styleLbl>
-  <dgm:styleLbl name="alignImgPlace1">
-    <dgm:fillClrLst meth="repeat">
-      <a:schemeClr val="accent1">
-        <a:tint val="50000"/>
-      </a:schemeClr>
-    </dgm:fillClrLst>
-    <dgm:linClrLst meth="repeat">
-      <a:schemeClr val="lt1"/>
-    </dgm:linClrLst>
-    <dgm:effectClrLst/>
-    <dgm:txLinClrLst/>
-    <dgm:txFillClrLst meth="repeat">
-      <a:schemeClr val="lt1"/>
-    </dgm:txFillClrLst>
-    <dgm:txEffectClrLst/>
-  </dgm:styleLbl>
-  <dgm:styleLbl name="bgImgPlace1">
-    <dgm:fillClrLst meth="repeat">
-      <a:schemeClr val="accent1">
-        <a:tint val="50000"/>
-      </a:schemeClr>
-    </dgm:fillClrLst>
-    <dgm:linClrLst meth="repeat">
-      <a:schemeClr val="lt1"/>
-    </dgm:linClrLst>
-    <dgm:effectClrLst/>
-    <dgm:txLinClrLst/>
-    <dgm:txFillClrLst meth="repeat">
-      <a:schemeClr val="lt1"/>
-    </dgm:txFillClrLst>
-    <dgm:txEffectClrLst/>
-  </dgm:styleLbl>
-  <dgm:styleLbl name="sibTrans2D1">
-    <dgm:fillClrLst meth="repeat">
-      <a:schemeClr val="accent1">
-        <a:tint val="60000"/>
-      </a:schemeClr>
-    </dgm:fillClrLst>
-    <dgm:linClrLst meth="repeat">
-      <a:schemeClr val="accent1">
-        <a:tint val="60000"/>
-      </a:schemeClr>
-    </dgm:linClrLst>
-    <dgm:effectClrLst/>
-    <dgm:txLinClrLst/>
-    <dgm:txFillClrLst/>
-    <dgm:txEffectClrLst/>
-  </dgm:styleLbl>
-  <dgm:styleLbl name="fgSibTrans2D1">
-    <dgm:fillClrLst meth="repeat">
-      <a:schemeClr val="accent1">
-        <a:tint val="60000"/>
-      </a:schemeClr>
-    </dgm:fillClrLst>
-    <dgm:linClrLst meth="repeat">
-      <a:schemeClr val="accent1">
-        <a:tint val="60000"/>
-      </a:schemeClr>
-    </dgm:linClrLst>
-    <dgm:effectClrLst/>
-    <dgm:txLinClrLst/>
-    <dgm:txFillClrLst/>
-    <dgm:txEffectClrLst/>
-  </dgm:styleLbl>
-  <dgm:styleLbl name="bgSibTrans2D1">
-    <dgm:fillClrLst meth="repeat">
-      <a:schemeClr val="accent1">
-        <a:tint val="60000"/>
-      </a:schemeClr>
-    </dgm:fillClrLst>
-    <dgm:linClrLst meth="repeat">
-      <a:schemeClr val="accent1">
-        <a:tint val="60000"/>
-      </a:schemeClr>
-    </dgm:linClrLst>
-    <dgm:effectClrLst/>
-    <dgm:txLinClrLst/>
-    <dgm:txFillClrLst/>
-    <dgm:txEffectClrLst/>
-  </dgm:styleLbl>
-  <dgm:styleLbl name="sibTrans1D1">
-    <dgm:fillClrLst meth="repeat">
-      <a:schemeClr val="accent1"/>
-    </dgm:fillClrLst>
-    <dgm:linClrLst meth="repeat">
-      <a:schemeClr val="accent1"/>
-    </dgm:linClrLst>
-    <dgm:effectClrLst/>
-    <dgm:txLinClrLst/>
-    <dgm:txFillClrLst meth="repeat">
-      <a:schemeClr val="tx1"/>
-    </dgm:txFillClrLst>
-    <dgm:txEffectClrLst/>
-  </dgm:styleLbl>
-  <dgm:styleLbl name="callout">
-    <dgm:fillClrLst meth="repeat">
-      <a:schemeClr val="accent1"/>
-    </dgm:fillClrLst>
-    <dgm:linClrLst meth="repeat">
-      <a:schemeClr val="accent1">
-        <a:tint val="50000"/>
-      </a:schemeClr>
-    </dgm:linClrLst>
-    <dgm:effectClrLst/>
-    <dgm:txLinClrLst/>
-    <dgm:txFillClrLst meth="repeat">
-      <a:schemeClr val="tx1"/>
-    </dgm:txFillClrLst>
-    <dgm:txEffectClrLst/>
-  </dgm:styleLbl>
-  <dgm:styleLbl name="asst0">
-    <dgm:fillClrLst meth="repeat">
-      <a:schemeClr val="accent1"/>
-    </dgm:fillClrLst>
-    <dgm:linClrLst meth="repeat">
-      <a:schemeClr val="lt1"/>
-    </dgm:linClrLst>
-    <dgm:effectClrLst/>
-    <dgm:txLinClrLst/>
-    <dgm:txFillClrLst/>
-    <dgm:txEffectClrLst/>
-  </dgm:styleLbl>
-  <dgm:styleLbl name="asst1">
-    <dgm:fillClrLst meth="repeat">
-      <a:schemeClr val="accent1"/>
-    </dgm:fillClrLst>
-    <dgm:linClrLst meth="repeat">
-      <a:schemeClr val="lt1"/>
-    </dgm:linClrLst>
-    <dgm:effectClrLst/>
-    <dgm:txLinClrLst/>
-    <dgm:txFillClrLst/>
-    <dgm:txEffectClrLst/>
-  </dgm:styleLbl>
-  <dgm:styleLbl name="asst2">
-    <dgm:fillClrLst meth="repeat">
-      <a:schemeClr val="accent1"/>
-    </dgm:fillClrLst>
-    <dgm:linClrLst meth="repeat">
-      <a:schemeClr val="lt1"/>
-    </dgm:linClrLst>
-    <dgm:effectClrLst/>
-    <dgm:txLinClrLst/>
-    <dgm:txFillClrLst/>
-    <dgm:txEffectClrLst/>
-  </dgm:styleLbl>
-  <dgm:styleLbl name="asst3">
-    <dgm:fillClrLst meth="repeat">
-      <a:schemeClr val="accent1"/>
-    </dgm:fillClrLst>
-    <dgm:linClrLst meth="repeat">
-      <a:schemeClr val="lt1"/>
-    </dgm:linClrLst>
-    <dgm:effectClrLst/>
-    <dgm:txLinClrLst/>
-    <dgm:txFillClrLst/>
-    <dgm:txEffectClrLst/>
-  </dgm:styleLbl>
-  <dgm:styleLbl name="asst4">
-    <dgm:fillClrLst meth="repeat">
-      <a:schemeClr val="accent1"/>
-    </dgm:fillClrLst>
-    <dgm:linClrLst meth="repeat">
-      <a:schemeClr val="lt1"/>
-    </dgm:linClrLst>
-    <dgm:effectClrLst/>
-    <dgm:txLinClrLst/>
-    <dgm:txFillClrLst/>
-    <dgm:txEffectClrLst/>
-  </dgm:styleLbl>
-  <dgm:styleLbl name="parChTrans2D1">
-    <dgm:fillClrLst meth="repeat">
-      <a:schemeClr val="accent1">
-        <a:tint val="60000"/>
-      </a:schemeClr>
-    </dgm:fillClrLst>
-    <dgm:linClrLst meth="repeat">
-      <a:schemeClr val="accent1">
-        <a:tint val="60000"/>
-      </a:schemeClr>
-    </dgm:linClrLst>
-    <dgm:effectClrLst/>
-    <dgm:txLinClrLst/>
-    <dgm:txFillClrLst meth="repeat">
-      <a:schemeClr val="lt1"/>
-    </dgm:txFillClrLst>
-    <dgm:txEffectClrLst/>
-  </dgm:styleLbl>
-  <dgm:styleLbl name="parChTrans2D2">
-    <dgm:fillClrLst meth="repeat">
-      <a:schemeClr val="accent1"/>
-    </dgm:fillClrLst>
-    <dgm:linClrLst meth="repeat">
-      <a:schemeClr val="accent1"/>
-    </dgm:linClrLst>
-    <dgm:effectClrLst/>
-    <dgm:txLinClrLst/>
-    <dgm:txFillClrLst meth="repeat">
-      <a:schemeClr val="lt1"/>
-    </dgm:txFillClrLst>
-    <dgm:txEffectClrLst/>
-  </dgm:styleLbl>
-  <dgm:styleLbl name="parChTrans2D3">
-    <dgm:fillClrLst meth="repeat">
-      <a:schemeClr val="accent1"/>
-    </dgm:fillClrLst>
-    <dgm:linClrLst meth="repeat">
-      <a:schemeClr val="accent1"/>
-    </dgm:linClrLst>
-    <dgm:effectClrLst/>
-    <dgm:txLinClrLst/>
-    <dgm:txFillClrLst meth="repeat">
-      <a:schemeClr val="lt1"/>
-    </dgm:txFillClrLst>
-    <dgm:txEffectClrLst/>
-  </dgm:styleLbl>
-  <dgm:styleLbl name="parChTrans2D4">
-    <dgm:fillClrLst meth="repeat">
-      <a:schemeClr val="accent1"/>
-    </dgm:fillClrLst>
-    <dgm:linClrLst meth="repeat">
-      <a:schemeClr val="accent1"/>
-    </dgm:linClrLst>
-    <dgm:effectClrLst/>
-    <dgm:txLinClrLst/>
-    <dgm:txFillClrLst meth="repeat">
-      <a:schemeClr val="lt1"/>
-    </dgm:txFillClrLst>
-    <dgm:txEffectClrLst/>
-  </dgm:styleLbl>
-  <dgm:styleLbl name="parChTrans1D1">
-    <dgm:fillClrLst meth="repeat">
-      <a:schemeClr val="accent1"/>
-    </dgm:fillClrLst>
-    <dgm:linClrLst meth="repeat">
-      <a:schemeClr val="accent1">
-        <a:shade val="60000"/>
-      </a:schemeClr>
-    </dgm:linClrLst>
-    <dgm:effectClrLst/>
-    <dgm:txLinClrLst/>
-    <dgm:txFillClrLst meth="repeat">
-      <a:schemeClr val="tx1"/>
-    </dgm:txFillClrLst>
-    <dgm:txEffectClrLst/>
-  </dgm:styleLbl>
-  <dgm:styleLbl name="parChTrans1D2">
-    <dgm:fillClrLst meth="repeat">
-      <a:schemeClr val="accent1"/>
-    </dgm:fillClrLst>
-    <dgm:linClrLst meth="repeat">
-      <a:schemeClr val="accent1">
-        <a:shade val="60000"/>
-      </a:schemeClr>
-    </dgm:linClrLst>
-    <dgm:effectClrLst/>
-    <dgm:txLinClrLst/>
-    <dgm:txFillClrLst meth="repeat">
-      <a:schemeClr val="tx1"/>
-    </dgm:txFillClrLst>
-    <dgm:txEffectClrLst/>
-  </dgm:styleLbl>
-  <dgm:styleLbl name="parChTrans1D3">
-    <dgm:fillClrLst meth="repeat">
-      <a:schemeClr val="accent1"/>
-    </dgm:fillClrLst>
-    <dgm:linClrLst meth="repeat">
-      <a:schemeClr val="accent1">
-        <a:shade val="80000"/>
-      </a:schemeClr>
-    </dgm:linClrLst>
-    <dgm:effectClrLst/>
-    <dgm:txLinClrLst/>
-    <dgm:txFillClrLst meth="repeat">
-      <a:schemeClr val="tx1"/>
-    </dgm:txFillClrLst>
-    <dgm:txEffectClrLst/>
-  </dgm:styleLbl>
-  <dgm:styleLbl name="parChTrans1D4">
-    <dgm:fillClrLst meth="repeat">
-      <a:schemeClr val="accent1"/>
-    </dgm:fillClrLst>
-    <dgm:linClrLst meth="repeat">
-      <a:schemeClr val="accent1">
-        <a:shade val="80000"/>
-      </a:schemeClr>
-    </dgm:linClrLst>
-    <dgm:effectClrLst/>
-    <dgm:txLinClrLst/>
-    <dgm:txFillClrLst meth="repeat">
-      <a:schemeClr val="tx1"/>
-    </dgm:txFillClrLst>
-    <dgm:txEffectClrLst/>
-  </dgm:styleLbl>
-  <dgm:styleLbl name="fgAcc1">
-    <dgm:fillClrLst meth="repeat">
-      <a:schemeClr val="lt1">
-        <a:alpha val="90000"/>
-      </a:schemeClr>
-    </dgm:fillClrLst>
-    <dgm:linClrLst meth="repeat">
-      <a:schemeClr val="accent1"/>
-    </dgm:linClrLst>
-    <dgm:effectClrLst/>
-    <dgm:txLinClrLst/>
-    <dgm:txFillClrLst meth="repeat">
-      <a:schemeClr val="dk1"/>
-    </dgm:txFillClrLst>
-    <dgm:txEffectClrLst/>
-  </dgm:styleLbl>
-  <dgm:styleLbl name="conFgAcc1">
-    <dgm:fillClrLst meth="repeat">
-      <a:schemeClr val="lt1">
-        <a:alpha val="90000"/>
-      </a:schemeClr>
-    </dgm:fillClrLst>
-    <dgm:linClrLst meth="repeat">
-      <a:schemeClr val="accent1"/>
-    </dgm:linClrLst>
-    <dgm:effectClrLst/>
-    <dgm:txLinClrLst/>
-    <dgm:txFillClrLst meth="repeat">
-      <a:schemeClr val="dk1"/>
-    </dgm:txFillClrLst>
-    <dgm:txEffectClrLst/>
-  </dgm:styleLbl>
-  <dgm:styleLbl name="alignAcc1">
-    <dgm:fillClrLst meth="repeat">
-      <a:schemeClr val="lt1">
-        <a:alpha val="90000"/>
-      </a:schemeClr>
-    </dgm:fillClrLst>
-    <dgm:linClrLst meth="repeat">
-      <a:schemeClr val="accent1"/>
-    </dgm:linClrLst>
-    <dgm:effectClrLst/>
-    <dgm:txLinClrLst/>
-    <dgm:txFillClrLst meth="repeat">
-      <a:schemeClr val="dk1"/>
-    </dgm:txFillClrLst>
-    <dgm:txEffectClrLst/>
-  </dgm:styleLbl>
-  <dgm:styleLbl name="trAlignAcc1">
-    <dgm:fillClrLst meth="repeat">
-      <a:schemeClr val="lt1">
-        <a:alpha val="40000"/>
-      </a:schemeClr>
-    </dgm:fillClrLst>
-    <dgm:linClrLst meth="repeat">
-      <a:schemeClr val="accent1"/>
-    </dgm:linClrLst>
-    <dgm:effectClrLst/>
-    <dgm:txLinClrLst/>
-    <dgm:txFillClrLst meth="repeat">
-      <a:schemeClr val="dk1"/>
-    </dgm:txFillClrLst>
-    <dgm:txEffectClrLst/>
-  </dgm:styleLbl>
-  <dgm:styleLbl name="bgAcc1">
-    <dgm:fillClrLst meth="repeat">
-      <a:schemeClr val="lt1">
-        <a:alpha val="90000"/>
-      </a:schemeClr>
-    </dgm:fillClrLst>
-    <dgm:linClrLst meth="repeat">
-      <a:schemeClr val="accent1"/>
-    </dgm:linClrLst>
-    <dgm:effectClrLst/>
-    <dgm:txLinClrLst/>
-    <dgm:txFillClrLst meth="repeat">
-      <a:schemeClr val="dk1"/>
-    </dgm:txFillClrLst>
-    <dgm:txEffectClrLst/>
-  </dgm:styleLbl>
-  <dgm:styleLbl name="solidFgAcc1">
-    <dgm:fillClrLst meth="repeat">
-      <a:schemeClr val="lt1"/>
-    </dgm:fillClrLst>
-    <dgm:linClrLst meth="repeat">
-      <a:schemeClr val="accent1"/>
-    </dgm:linClrLst>
-    <dgm:effectClrLst/>
-    <dgm:txLinClrLst/>
-    <dgm:txFillClrLst meth="repeat">
-      <a:schemeClr val="dk1"/>
-    </dgm:txFillClrLst>
-    <dgm:txEffectClrLst/>
-  </dgm:styleLbl>
-  <dgm:styleLbl name="solidAlignAcc1">
-    <dgm:fillClrLst meth="repeat">
-      <a:schemeClr val="lt1"/>
-    </dgm:fillClrLst>
-    <dgm:linClrLst meth="repeat">
-      <a:schemeClr val="accent1"/>
-    </dgm:linClrLst>
-    <dgm:effectClrLst/>
-    <dgm:txLinClrLst/>
-    <dgm:txFillClrLst meth="repeat">
-      <a:schemeClr val="dk1"/>
-    </dgm:txFillClrLst>
-    <dgm:txEffectClrLst/>
-  </dgm:styleLbl>
-  <dgm:styleLbl name="solidBgAcc1">
-    <dgm:fillClrLst meth="repeat">
-      <a:schemeClr val="lt1"/>
-    </dgm:fillClrLst>
-    <dgm:linClrLst meth="repeat">
-      <a:schemeClr val="accent1"/>
-    </dgm:linClrLst>
-    <dgm:effectClrLst/>
-    <dgm:txLinClrLst/>
-    <dgm:txFillClrLst meth="repeat">
-      <a:schemeClr val="dk1"/>
-    </dgm:txFillClrLst>
-    <dgm:txEffectClrLst/>
-  </dgm:styleLbl>
-  <dgm:styleLbl name="fgAccFollowNode1">
-    <dgm:fillClrLst meth="repeat">
-      <a:schemeClr val="accent1">
-        <a:alpha val="90000"/>
-        <a:tint val="40000"/>
-      </a:schemeClr>
-    </dgm:fillClrLst>
-    <dgm:linClrLst meth="repeat">
-      <a:schemeClr val="accent1">
-        <a:alpha val="90000"/>
-        <a:tint val="40000"/>
-      </a:schemeClr>
-    </dgm:linClrLst>
-    <dgm:effectClrLst/>
-    <dgm:txLinClrLst/>
-    <dgm:txFillClrLst meth="repeat">
-      <a:schemeClr val="dk1"/>
-    </dgm:txFillClrLst>
-    <dgm:txEffectClrLst/>
-  </dgm:styleLbl>
-  <dgm:styleLbl name="alignAccFollowNode1">
-    <dgm:fillClrLst meth="repeat">
-      <a:schemeClr val="accent1">
-        <a:alpha val="90000"/>
-        <a:tint val="40000"/>
-      </a:schemeClr>
-    </dgm:fillClrLst>
-    <dgm:linClrLst meth="repeat">
-      <a:schemeClr val="accent1">
-        <a:alpha val="90000"/>
-        <a:tint val="40000"/>
-      </a:schemeClr>
-    </dgm:linClrLst>
-    <dgm:effectClrLst/>
-    <dgm:txLinClrLst/>
-    <dgm:txFillClrLst meth="repeat">
-      <a:schemeClr val="dk1"/>
-    </dgm:txFillClrLst>
-    <dgm:txEffectClrLst/>
-  </dgm:styleLbl>
-  <dgm:styleLbl name="bgAccFollowNode1">
-    <dgm:fillClrLst meth="repeat">
-      <a:schemeClr val="accent1">
-        <a:alpha val="90000"/>
-        <a:tint val="40000"/>
-      </a:schemeClr>
-    </dgm:fillClrLst>
-    <dgm:linClrLst meth="repeat">
-      <a:schemeClr val="accent1">
-        <a:alpha val="90000"/>
-        <a:tint val="40000"/>
-      </a:schemeClr>
-    </dgm:linClrLst>
-    <dgm:effectClrLst/>
-    <dgm:txLinClrLst/>
-    <dgm:txFillClrLst meth="repeat">
-      <a:schemeClr val="dk1"/>
-    </dgm:txFillClrLst>
-    <dgm:txEffectClrLst/>
-  </dgm:styleLbl>
-  <dgm:styleLbl name="fgAcc0">
-    <dgm:fillClrLst meth="repeat">
-      <a:schemeClr val="lt1">
-        <a:alpha val="90000"/>
-      </a:schemeClr>
-    </dgm:fillClrLst>
-    <dgm:linClrLst meth="repeat">
-      <a:schemeClr val="accent1"/>
-    </dgm:linClrLst>
-    <dgm:effectClrLst/>
-    <dgm:txLinClrLst/>
-    <dgm:txFillClrLst meth="repeat">
-      <a:schemeClr val="dk1"/>
-    </dgm:txFillClrLst>
-    <dgm:txEffectClrLst/>
-  </dgm:styleLbl>
-  <dgm:styleLbl name="fgAcc2">
-    <dgm:fillClrLst meth="repeat">
-      <a:schemeClr val="lt1">
-        <a:alpha val="90000"/>
-      </a:schemeClr>
-    </dgm:fillClrLst>
-    <dgm:linClrLst meth="repeat">
-      <a:schemeClr val="accent1"/>
-    </dgm:linClrLst>
-    <dgm:effectClrLst/>
-    <dgm:txLinClrLst/>
-    <dgm:txFillClrLst meth="repeat">
-      <a:schemeClr val="dk1"/>
-    </dgm:txFillClrLst>
-    <dgm:txEffectClrLst/>
-  </dgm:styleLbl>
-  <dgm:styleLbl name="fgAcc3">
-    <dgm:fillClrLst meth="repeat">
-      <a:schemeClr val="lt1">
-        <a:alpha val="90000"/>
-      </a:schemeClr>
-    </dgm:fillClrLst>
-    <dgm:linClrLst meth="repeat">
-      <a:schemeClr val="accent1"/>
-    </dgm:linClrLst>
-    <dgm:effectClrLst/>
-    <dgm:txLinClrLst/>
-    <dgm:txFillClrLst meth="repeat">
-      <a:schemeClr val="dk1"/>
-    </dgm:txFillClrLst>
-    <dgm:txEffectClrLst/>
-  </dgm:styleLbl>
-  <dgm:styleLbl name="fgAcc4">
-    <dgm:fillClrLst meth="repeat">
-      <a:schemeClr val="lt1">
-        <a:alpha val="90000"/>
-      </a:schemeClr>
-    </dgm:fillClrLst>
-    <dgm:linClrLst meth="repeat">
-      <a:schemeClr val="accent1"/>
-    </dgm:linClrLst>
-    <dgm:effectClrLst/>
-    <dgm:txLinClrLst/>
-    <dgm:txFillClrLst meth="repeat">
-      <a:schemeClr val="dk1"/>
-    </dgm:txFillClrLst>
-    <dgm:txEffectClrLst/>
-  </dgm:styleLbl>
-  <dgm:styleLbl name="bgShp">
-    <dgm:fillClrLst meth="repeat">
-      <a:schemeClr val="accent1">
-        <a:tint val="40000"/>
-      </a:schemeClr>
-    </dgm:fillClrLst>
-    <dgm:linClrLst meth="repeat">
-      <a:schemeClr val="accent1"/>
-    </dgm:linClrLst>
-    <dgm:effectClrLst/>
-    <dgm:txLinClrLst/>
-    <dgm:txFillClrLst meth="repeat">
-      <a:schemeClr val="dk1"/>
-    </dgm:txFillClrLst>
-    <dgm:txEffectClrLst/>
-  </dgm:styleLbl>
-  <dgm:styleLbl name="dkBgShp">
-    <dgm:fillClrLst meth="repeat">
-      <a:schemeClr val="accent1">
-        <a:shade val="80000"/>
-      </a:schemeClr>
-    </dgm:fillClrLst>
-    <dgm:linClrLst meth="repeat">
-      <a:schemeClr val="accent1"/>
-    </dgm:linClrLst>
-    <dgm:effectClrLst/>
-    <dgm:txLinClrLst/>
-    <dgm:txFillClrLst meth="repeat">
-      <a:schemeClr val="lt1"/>
-    </dgm:txFillClrLst>
-    <dgm:txEffectClrLst/>
-  </dgm:styleLbl>
-  <dgm:styleLbl name="trBgShp">
-    <dgm:fillClrLst meth="repeat">
-      <a:schemeClr val="accent1">
-        <a:tint val="50000"/>
-        <a:alpha val="40000"/>
-      </a:schemeClr>
-    </dgm:fillClrLst>
-    <dgm:linClrLst meth="repeat">
-      <a:schemeClr val="accent1"/>
-    </dgm:linClrLst>
-    <dgm:effectClrLst/>
-    <dgm:txLinClrLst/>
-    <dgm:txFillClrLst meth="repeat">
-      <a:schemeClr val="lt1"/>
-    </dgm:txFillClrLst>
-    <dgm:txEffectClrLst/>
-  </dgm:styleLbl>
-  <dgm:styleLbl name="fgShp">
-    <dgm:fillClrLst meth="repeat">
-      <a:schemeClr val="accent1">
-        <a:tint val="60000"/>
-      </a:schemeClr>
-    </dgm:fillClrLst>
-    <dgm:linClrLst meth="repeat">
-      <a:schemeClr val="lt1"/>
-    </dgm:linClrLst>
-    <dgm:effectClrLst/>
-    <dgm:txLinClrLst/>
-    <dgm:txFillClrLst meth="repeat">
-      <a:schemeClr val="dk1"/>
-    </dgm:txFillClrLst>
-    <dgm:txEffectClrLst/>
-  </dgm:styleLbl>
-  <dgm:styleLbl name="revTx">
-    <dgm:fillClrLst meth="repeat">
-      <a:schemeClr val="lt1">
-        <a:alpha val="0"/>
-      </a:schemeClr>
-    </dgm:fillClrLst>
-    <dgm:linClrLst meth="repeat">
-      <a:schemeClr val="dk1">
-        <a:alpha val="0"/>
-      </a:schemeClr>
-    </dgm:linClrLst>
-    <dgm:effectClrLst/>
-    <dgm:txLinClrLst/>
-    <dgm:txFillClrLst meth="repeat">
-      <a:schemeClr val="tx1"/>
-    </dgm:txFillClrLst>
-    <dgm:txEffectClrLst/>
-  </dgm:styleLbl>
-</dgm:colorsDef>
-</file>
-
 <file path=ppt/diagrams/data1.xml><?xml version="1.0" encoding="utf-8"?>
 <dgm:dataModel xmlns:dgm="http://schemas.openxmlformats.org/drawingml/2006/diagram" xmlns:a="http://schemas.openxmlformats.org/drawingml/2006/main">
   <dgm:ptLst>
@@ -4508,8 +3832,12 @@
         <a:lstStyle/>
         <a:p>
           <a:r>
-            <a:rPr lang="en-US" dirty="0" smtClean="0"/>
-            <a:t>Gebruiks-vriendelijk</a:t>
+            <a:rPr lang="en-US" dirty="0" err="1" smtClean="0"/>
+            <a:t>Gebruiks-</a:t>
+          </a:r>
+          <a:r>
+            <a:rPr lang="en-US" dirty="0" err="1" smtClean="0"/>
+            <a:t>vriendelijkheid</a:t>
           </a:r>
           <a:endParaRPr lang="en-US" dirty="0"/>
         </a:p>
@@ -4658,7 +3986,7 @@
 <dgm:dataModel xmlns:dgm="http://schemas.openxmlformats.org/drawingml/2006/diagram" xmlns:a="http://schemas.openxmlformats.org/drawingml/2006/main">
   <dgm:ptLst>
     <dgm:pt modelId="{EE5621F5-D3D0-8A4B-BBB3-18DDFC4961F6}" type="doc">
-      <dgm:prSet loTypeId="urn:microsoft.com/office/officeart/2005/8/layout/cycle3" loCatId="" qsTypeId="urn:microsoft.com/office/officeart/2005/8/quickstyle/simple1" qsCatId="simple" csTypeId="urn:microsoft.com/office/officeart/2005/8/colors/accent1_2" csCatId="accent1" phldr="1"/>
+      <dgm:prSet loTypeId="urn:microsoft.com/office/officeart/2005/8/layout/cycle2" loCatId="" qsTypeId="urn:microsoft.com/office/officeart/2005/8/quickstyle/simple1" qsCatId="simple" csTypeId="urn:microsoft.com/office/officeart/2005/8/colors/accent1_2" csCatId="accent1" phldr="1"/>
       <dgm:spPr/>
       <dgm:t>
         <a:bodyPr/>
@@ -4669,17 +3997,29 @@
       </dgm:t>
     </dgm:pt>
     <dgm:pt modelId="{969662E6-715B-0144-95FD-90FCC8806276}">
-      <dgm:prSet phldrT="[Text]"/>
+      <dgm:prSet phldrT="[Text]" custT="1"/>
       <dgm:spPr/>
       <dgm:t>
         <a:bodyPr/>
         <a:lstStyle/>
         <a:p>
           <a:r>
-            <a:rPr lang="en-US" dirty="0" smtClean="0"/>
-            <a:t>Bepalen productieregels</a:t>
+            <a:rPr lang="en-US" sz="1800" dirty="0" err="1" smtClean="0"/>
+            <a:t>Bepalen</a:t>
           </a:r>
-          <a:endParaRPr lang="en-US" dirty="0"/>
+          <a:r>
+            <a:rPr lang="en-US" sz="1800" dirty="0" smtClean="0"/>
+            <a:t> </a:t>
+          </a:r>
+          <a:r>
+            <a:rPr lang="en-US" sz="1800" dirty="0" err="1" smtClean="0"/>
+            <a:t>productie</a:t>
+          </a:r>
+          <a:r>
+            <a:rPr lang="en-US" sz="1800" dirty="0" smtClean="0"/>
+            <a:t>-regels</a:t>
+          </a:r>
+          <a:endParaRPr lang="en-US" sz="1800" dirty="0"/>
         </a:p>
       </dgm:t>
     </dgm:pt>
@@ -4706,17 +4046,29 @@
       </dgm:t>
     </dgm:pt>
     <dgm:pt modelId="{126EF0F9-53C0-FF42-B00B-34F77F6C97D9}">
-      <dgm:prSet phldrT="[Text]"/>
+      <dgm:prSet phldrT="[Text]" custT="1"/>
       <dgm:spPr/>
       <dgm:t>
         <a:bodyPr/>
         <a:lstStyle/>
         <a:p>
           <a:r>
-            <a:rPr lang="en-US" dirty="0" smtClean="0"/>
-            <a:t>Opstellen van de boom</a:t>
+            <a:rPr lang="en-US" sz="1800" dirty="0" err="1" smtClean="0"/>
+            <a:t>Uitbreiden</a:t>
           </a:r>
-          <a:endParaRPr lang="en-US" dirty="0"/>
+          <a:r>
+            <a:rPr lang="en-US" sz="1800" dirty="0" smtClean="0"/>
+            <a:t> en </a:t>
+          </a:r>
+          <a:r>
+            <a:rPr lang="en-US" sz="1800" dirty="0" err="1" smtClean="0"/>
+            <a:t>prunen</a:t>
+          </a:r>
+          <a:r>
+            <a:rPr lang="en-US" sz="1800" dirty="0" smtClean="0"/>
+            <a:t> van de boom</a:t>
+          </a:r>
+          <a:endParaRPr lang="en-US" sz="1800" dirty="0"/>
         </a:p>
       </dgm:t>
     </dgm:pt>
@@ -4743,17 +4095,21 @@
       </dgm:t>
     </dgm:pt>
     <dgm:pt modelId="{57CB1F47-846C-2F44-9148-892B165E654D}">
-      <dgm:prSet phldrT="[Text]"/>
+      <dgm:prSet phldrT="[Text]" custT="1"/>
       <dgm:spPr/>
       <dgm:t>
         <a:bodyPr/>
         <a:lstStyle/>
         <a:p>
           <a:r>
-            <a:rPr lang="en-US" dirty="0" smtClean="0"/>
-            <a:t>Uitwerken van knooppunten</a:t>
+            <a:rPr lang="en-US" sz="1800" dirty="0" smtClean="0"/>
+            <a:t>Uitwerken van </a:t>
           </a:r>
-          <a:endParaRPr lang="en-US" dirty="0"/>
+          <a:r>
+            <a:rPr lang="en-US" sz="1800" dirty="0" err="1" smtClean="0"/>
+            <a:t>knoop-punten</a:t>
+          </a:r>
+          <a:endParaRPr lang="en-US" sz="1800" dirty="0"/>
         </a:p>
       </dgm:t>
     </dgm:pt>
@@ -4780,37 +4136,45 @@
       </dgm:t>
     </dgm:pt>
     <dgm:pt modelId="{266B314D-A514-084C-8BD0-F6306A2549E9}">
-      <dgm:prSet phldrT="[Text]"/>
+      <dgm:prSet phldrT="[Text]" custT="1"/>
       <dgm:spPr/>
       <dgm:t>
         <a:bodyPr/>
         <a:lstStyle/>
         <a:p>
           <a:r>
-            <a:rPr lang="en-US" dirty="0" err="1" smtClean="0"/>
+            <a:rPr lang="en-US" sz="1800" dirty="0" err="1" smtClean="0"/>
             <a:t>Controle</a:t>
           </a:r>
           <a:r>
-            <a:rPr lang="en-US" dirty="0" smtClean="0"/>
+            <a:rPr lang="en-US" sz="1800" dirty="0" smtClean="0"/>
             <a:t> </a:t>
           </a:r>
           <a:r>
-            <a:rPr lang="en-US" dirty="0" err="1" smtClean="0"/>
-            <a:t>mbv</a:t>
+            <a:rPr lang="en-US" sz="1800" dirty="0" smtClean="0"/>
+            <a:t>met </a:t>
           </a:r>
           <a:r>
-            <a:rPr lang="en-US" dirty="0" smtClean="0"/>
+            <a:rPr lang="en-US" sz="1800" dirty="0" err="1" smtClean="0"/>
+            <a:t>behulp</a:t>
+          </a:r>
+          <a:r>
+            <a:rPr lang="en-US" sz="1800" dirty="0" smtClean="0"/>
+            <a:t> van </a:t>
+          </a:r>
+          <a:r>
+            <a:rPr lang="en-US" sz="1800" dirty="0" err="1" smtClean="0"/>
+            <a:t>overige</a:t>
+          </a:r>
+          <a:r>
+            <a:rPr lang="en-US" sz="1800" dirty="0" smtClean="0"/>
             <a:t> </a:t>
           </a:r>
           <a:r>
-            <a:rPr lang="en-US" dirty="0" err="1" smtClean="0"/>
-            <a:t>overige</a:t>
+            <a:rPr lang="en-US" sz="1800" dirty="0" smtClean="0"/>
+            <a:t>vb’en</a:t>
           </a:r>
-          <a:r>
-            <a:rPr lang="en-US" dirty="0" smtClean="0"/>
-            <a:t> vb’en</a:t>
-          </a:r>
-          <a:endParaRPr lang="en-US" dirty="0"/>
+          <a:endParaRPr lang="en-US" sz="1800" dirty="0"/>
         </a:p>
       </dgm:t>
     </dgm:pt>
@@ -4837,17 +4201,17 @@
       </dgm:t>
     </dgm:pt>
     <dgm:pt modelId="{E299359A-8E52-B94C-AC1A-C43DAD185B70}">
-      <dgm:prSet phldrT="[Text]"/>
+      <dgm:prSet phldrT="[Text]" custT="1"/>
       <dgm:spPr/>
       <dgm:t>
         <a:bodyPr/>
         <a:lstStyle/>
         <a:p>
           <a:r>
-            <a:rPr lang="en-US" dirty="0" smtClean="0"/>
+            <a:rPr lang="en-US" sz="1800" dirty="0" smtClean="0"/>
             <a:t>Resultaat</a:t>
           </a:r>
-          <a:endParaRPr lang="en-US" dirty="0"/>
+          <a:endParaRPr lang="en-US" sz="1800" dirty="0"/>
         </a:p>
       </dgm:t>
     </dgm:pt>
@@ -4864,7 +4228,11 @@
     </dgm:pt>
     <dgm:pt modelId="{054A276C-45A8-784A-857C-5D7853540210}" type="sibTrans" cxnId="{55BA9C01-8A2A-A447-A178-DCCCBF0E4222}">
       <dgm:prSet/>
-      <dgm:spPr/>
+      <dgm:spPr>
+        <a:solidFill>
+          <a:schemeClr val="bg1"/>
+        </a:solidFill>
+      </dgm:spPr>
       <dgm:t>
         <a:bodyPr/>
         <a:lstStyle/>
@@ -4874,25 +4242,25 @@
       </dgm:t>
     </dgm:pt>
     <dgm:pt modelId="{044DDA8A-06B8-924E-86DF-59C2A3D59365}">
-      <dgm:prSet phldrT="[Text]"/>
+      <dgm:prSet phldrT="[Text]" custT="1"/>
       <dgm:spPr/>
       <dgm:t>
         <a:bodyPr/>
         <a:lstStyle/>
         <a:p>
           <a:r>
-            <a:rPr lang="en-US" dirty="0" err="1" smtClean="0"/>
+            <a:rPr lang="en-US" sz="1800" dirty="0" err="1" smtClean="0"/>
             <a:t>Toevoegen</a:t>
           </a:r>
           <a:r>
-            <a:rPr lang="en-US" dirty="0" smtClean="0"/>
+            <a:rPr lang="en-US" sz="1800" dirty="0" smtClean="0"/>
             <a:t> van </a:t>
           </a:r>
           <a:r>
-            <a:rPr lang="en-US" dirty="0" err="1" smtClean="0"/>
-            <a:t>voorbeelden</a:t>
+            <a:rPr lang="en-US" sz="1800" dirty="0" err="1" smtClean="0"/>
+            <a:t>vb’en</a:t>
           </a:r>
-          <a:endParaRPr lang="en-US" dirty="0"/>
+          <a:endParaRPr lang="en-US" sz="1800" dirty="0"/>
         </a:p>
       </dgm:t>
     </dgm:pt>
@@ -4918,8 +4286,8 @@
         </a:p>
       </dgm:t>
     </dgm:pt>
-    <dgm:pt modelId="{45588A59-4CA8-674D-BE17-47FFBCFC8C6C}" type="pres">
-      <dgm:prSet presAssocID="{EE5621F5-D3D0-8A4B-BBB3-18DDFC4961F6}" presName="Name0" presStyleCnt="0">
+    <dgm:pt modelId="{D7D5B62E-F064-DB4F-B9F2-605286392C54}" type="pres">
+      <dgm:prSet presAssocID="{EE5621F5-D3D0-8A4B-BBB3-18DDFC4961F6}" presName="cycle" presStyleCnt="0">
         <dgm:presLayoutVars>
           <dgm:dir/>
           <dgm:resizeHandles val="exact"/>
@@ -4934,12 +4302,8 @@
         </a:p>
       </dgm:t>
     </dgm:pt>
-    <dgm:pt modelId="{D38C4822-5EA9-064B-8944-89C0A442ED98}" type="pres">
-      <dgm:prSet presAssocID="{EE5621F5-D3D0-8A4B-BBB3-18DDFC4961F6}" presName="cycle" presStyleCnt="0"/>
-      <dgm:spPr/>
-    </dgm:pt>
-    <dgm:pt modelId="{1544E92F-9B24-5D48-917E-5B9EB93C24BA}" type="pres">
-      <dgm:prSet presAssocID="{969662E6-715B-0144-95FD-90FCC8806276}" presName="nodeFirstNode" presStyleLbl="node1" presStyleIdx="0" presStyleCnt="6">
+    <dgm:pt modelId="{D8D58019-30CF-9A42-AAFB-820ADA78567B}" type="pres">
+      <dgm:prSet presAssocID="{969662E6-715B-0144-95FD-90FCC8806276}" presName="node" presStyleLbl="node1" presStyleIdx="0" presStyleCnt="6" custScaleX="154049" custScaleY="154049" custRadScaleRad="165195" custRadScaleInc="-211447">
         <dgm:presLayoutVars>
           <dgm:bulletEnabled val="1"/>
         </dgm:presLayoutVars>
@@ -4953,8 +4317,8 @@
         </a:p>
       </dgm:t>
     </dgm:pt>
-    <dgm:pt modelId="{ECD6E261-5965-9545-A3D9-1F4060635496}" type="pres">
-      <dgm:prSet presAssocID="{5286684A-2838-DA4B-9F9B-3BF50DFB6A52}" presName="sibTransFirstNode" presStyleLbl="bgShp" presStyleIdx="0" presStyleCnt="1" custScaleX="112503"/>
+    <dgm:pt modelId="{98B67E09-D17F-5842-830B-20D9D1673B12}" type="pres">
+      <dgm:prSet presAssocID="{5286684A-2838-DA4B-9F9B-3BF50DFB6A52}" presName="sibTrans" presStyleLbl="sibTrans2D1" presStyleIdx="0" presStyleCnt="6"/>
       <dgm:spPr/>
       <dgm:t>
         <a:bodyPr/>
@@ -4964,8 +4328,19 @@
         </a:p>
       </dgm:t>
     </dgm:pt>
-    <dgm:pt modelId="{E5DE6A9E-920F-3341-89E7-1B5E8A40D6CA}" type="pres">
-      <dgm:prSet presAssocID="{044DDA8A-06B8-924E-86DF-59C2A3D59365}" presName="nodeFollowingNodes" presStyleLbl="node1" presStyleIdx="1" presStyleCnt="6" custRadScaleRad="114863" custRadScaleInc="8158">
+    <dgm:pt modelId="{115BCBE6-E50D-0B43-A6D1-8CD009FA823D}" type="pres">
+      <dgm:prSet presAssocID="{5286684A-2838-DA4B-9F9B-3BF50DFB6A52}" presName="connectorText" presStyleLbl="sibTrans2D1" presStyleIdx="0" presStyleCnt="6"/>
+      <dgm:spPr/>
+      <dgm:t>
+        <a:bodyPr/>
+        <a:lstStyle/>
+        <a:p>
+          <a:endParaRPr lang="en-US"/>
+        </a:p>
+      </dgm:t>
+    </dgm:pt>
+    <dgm:pt modelId="{FBADAD8C-346F-1946-9AFC-21B444AF4E17}" type="pres">
+      <dgm:prSet presAssocID="{044DDA8A-06B8-924E-86DF-59C2A3D59365}" presName="node" presStyleLbl="node1" presStyleIdx="1" presStyleCnt="6" custScaleX="154049" custScaleY="154049" custRadScaleRad="73993" custRadScaleInc="-189417">
         <dgm:presLayoutVars>
           <dgm:bulletEnabled val="1"/>
         </dgm:presLayoutVars>
@@ -4979,8 +4354,30 @@
         </a:p>
       </dgm:t>
     </dgm:pt>
-    <dgm:pt modelId="{EFEDE47D-D20C-ED41-BF3A-97BBB4D965AA}" type="pres">
-      <dgm:prSet presAssocID="{126EF0F9-53C0-FF42-B00B-34F77F6C97D9}" presName="nodeFollowingNodes" presStyleLbl="node1" presStyleIdx="2" presStyleCnt="6" custRadScaleRad="114863" custRadScaleInc="-8158">
+    <dgm:pt modelId="{8F7157DE-7093-CD46-B53A-D62209D97B40}" type="pres">
+      <dgm:prSet presAssocID="{D8EC2DEF-DCAC-4E4D-8A91-E2A62023778B}" presName="sibTrans" presStyleLbl="sibTrans2D1" presStyleIdx="1" presStyleCnt="6"/>
+      <dgm:spPr/>
+      <dgm:t>
+        <a:bodyPr/>
+        <a:lstStyle/>
+        <a:p>
+          <a:endParaRPr lang="en-US"/>
+        </a:p>
+      </dgm:t>
+    </dgm:pt>
+    <dgm:pt modelId="{65BD6789-CDDA-CE48-9C75-263B47D5227F}" type="pres">
+      <dgm:prSet presAssocID="{D8EC2DEF-DCAC-4E4D-8A91-E2A62023778B}" presName="connectorText" presStyleLbl="sibTrans2D1" presStyleIdx="1" presStyleCnt="6"/>
+      <dgm:spPr/>
+      <dgm:t>
+        <a:bodyPr/>
+        <a:lstStyle/>
+        <a:p>
+          <a:endParaRPr lang="en-US"/>
+        </a:p>
+      </dgm:t>
+    </dgm:pt>
+    <dgm:pt modelId="{DE19F9E7-841B-3548-BF75-BFA1FA9F674D}" type="pres">
+      <dgm:prSet presAssocID="{126EF0F9-53C0-FF42-B00B-34F77F6C97D9}" presName="node" presStyleLbl="node1" presStyleIdx="2" presStyleCnt="6" custScaleX="154049" custScaleY="154049" custRadScaleRad="165184" custRadScaleInc="-188559">
         <dgm:presLayoutVars>
           <dgm:bulletEnabled val="1"/>
         </dgm:presLayoutVars>
@@ -4994,8 +4391,30 @@
         </a:p>
       </dgm:t>
     </dgm:pt>
-    <dgm:pt modelId="{C83FF513-1828-5942-8E66-D72525E5F1B4}" type="pres">
-      <dgm:prSet presAssocID="{57CB1F47-846C-2F44-9148-892B165E654D}" presName="nodeFollowingNodes" presStyleLbl="node1" presStyleIdx="3" presStyleCnt="6">
+    <dgm:pt modelId="{3BEB4A5E-E390-8C48-9B16-47F4D0F546F2}" type="pres">
+      <dgm:prSet presAssocID="{26F828FE-D536-244E-846D-1ADFAD46BB6B}" presName="sibTrans" presStyleLbl="sibTrans2D1" presStyleIdx="2" presStyleCnt="6"/>
+      <dgm:spPr/>
+      <dgm:t>
+        <a:bodyPr/>
+        <a:lstStyle/>
+        <a:p>
+          <a:endParaRPr lang="en-US"/>
+        </a:p>
+      </dgm:t>
+    </dgm:pt>
+    <dgm:pt modelId="{45B79B2D-D3E9-7041-91B0-EB877052A967}" type="pres">
+      <dgm:prSet presAssocID="{26F828FE-D536-244E-846D-1ADFAD46BB6B}" presName="connectorText" presStyleLbl="sibTrans2D1" presStyleIdx="2" presStyleCnt="6"/>
+      <dgm:spPr/>
+      <dgm:t>
+        <a:bodyPr/>
+        <a:lstStyle/>
+        <a:p>
+          <a:endParaRPr lang="en-US"/>
+        </a:p>
+      </dgm:t>
+    </dgm:pt>
+    <dgm:pt modelId="{80CA9273-0D48-F841-A08B-EABB737F7C92}" type="pres">
+      <dgm:prSet presAssocID="{57CB1F47-846C-2F44-9148-892B165E654D}" presName="node" presStyleLbl="node1" presStyleIdx="3" presStyleCnt="6" custScaleX="154049" custScaleY="154049" custRadScaleRad="169015" custRadScaleInc="-203143">
         <dgm:presLayoutVars>
           <dgm:bulletEnabled val="1"/>
         </dgm:presLayoutVars>
@@ -5009,8 +4428,30 @@
         </a:p>
       </dgm:t>
     </dgm:pt>
-    <dgm:pt modelId="{07B0719F-5044-0446-8C71-9084D3B60B0B}" type="pres">
-      <dgm:prSet presAssocID="{266B314D-A514-084C-8BD0-F6306A2549E9}" presName="nodeFollowingNodes" presStyleLbl="node1" presStyleIdx="4" presStyleCnt="6" custRadScaleRad="114863" custRadScaleInc="8158">
+    <dgm:pt modelId="{5B9CE903-A2DC-D84F-A88A-809A189E10EE}" type="pres">
+      <dgm:prSet presAssocID="{02D22CBC-E1F6-1343-88C7-B4CC1055E5F2}" presName="sibTrans" presStyleLbl="sibTrans2D1" presStyleIdx="3" presStyleCnt="6"/>
+      <dgm:spPr/>
+      <dgm:t>
+        <a:bodyPr/>
+        <a:lstStyle/>
+        <a:p>
+          <a:endParaRPr lang="en-US"/>
+        </a:p>
+      </dgm:t>
+    </dgm:pt>
+    <dgm:pt modelId="{D2170222-8273-024E-9305-FB7C6EDCD0C3}" type="pres">
+      <dgm:prSet presAssocID="{02D22CBC-E1F6-1343-88C7-B4CC1055E5F2}" presName="connectorText" presStyleLbl="sibTrans2D1" presStyleIdx="3" presStyleCnt="6"/>
+      <dgm:spPr/>
+      <dgm:t>
+        <a:bodyPr/>
+        <a:lstStyle/>
+        <a:p>
+          <a:endParaRPr lang="en-US"/>
+        </a:p>
+      </dgm:t>
+    </dgm:pt>
+    <dgm:pt modelId="{ECC1FAFA-5C8D-824D-85C0-D272C0AC010D}" type="pres">
+      <dgm:prSet presAssocID="{266B314D-A514-084C-8BD0-F6306A2549E9}" presName="node" presStyleLbl="node1" presStyleIdx="4" presStyleCnt="6" custScaleX="154049" custScaleY="154049" custRadScaleRad="82190" custRadScaleInc="-209528">
         <dgm:presLayoutVars>
           <dgm:bulletEnabled val="1"/>
         </dgm:presLayoutVars>
@@ -5024,8 +4465,30 @@
         </a:p>
       </dgm:t>
     </dgm:pt>
-    <dgm:pt modelId="{B4A11C20-9B1C-964B-864F-DCA00D5098C5}" type="pres">
-      <dgm:prSet presAssocID="{E299359A-8E52-B94C-AC1A-C43DAD185B70}" presName="nodeFollowingNodes" presStyleLbl="node1" presStyleIdx="5" presStyleCnt="6" custRadScaleRad="114863" custRadScaleInc="-8158">
+    <dgm:pt modelId="{E568B70A-E8B2-CE45-9CF0-30AA4AF4642F}" type="pres">
+      <dgm:prSet presAssocID="{29B9791F-4F62-2B49-95E2-B060CDB9E23B}" presName="sibTrans" presStyleLbl="sibTrans2D1" presStyleIdx="4" presStyleCnt="6"/>
+      <dgm:spPr/>
+      <dgm:t>
+        <a:bodyPr/>
+        <a:lstStyle/>
+        <a:p>
+          <a:endParaRPr lang="en-US"/>
+        </a:p>
+      </dgm:t>
+    </dgm:pt>
+    <dgm:pt modelId="{0F9D34A8-18EB-634F-8637-F7ADAC0F11FB}" type="pres">
+      <dgm:prSet presAssocID="{29B9791F-4F62-2B49-95E2-B060CDB9E23B}" presName="connectorText" presStyleLbl="sibTrans2D1" presStyleIdx="4" presStyleCnt="6"/>
+      <dgm:spPr/>
+      <dgm:t>
+        <a:bodyPr/>
+        <a:lstStyle/>
+        <a:p>
+          <a:endParaRPr lang="en-US"/>
+        </a:p>
+      </dgm:t>
+    </dgm:pt>
+    <dgm:pt modelId="{CBA38E7C-B2E8-304B-B0B2-FA496374E710}" type="pres">
+      <dgm:prSet presAssocID="{E299359A-8E52-B94C-AC1A-C43DAD185B70}" presName="node" presStyleLbl="node1" presStyleIdx="5" presStyleCnt="6" custScaleX="154049" custScaleY="154049" custRadScaleRad="169025" custRadScaleInc="-196851">
         <dgm:presLayoutVars>
           <dgm:bulletEnabled val="1"/>
         </dgm:presLayoutVars>
@@ -5039,30 +4502,73 @@
         </a:p>
       </dgm:t>
     </dgm:pt>
+    <dgm:pt modelId="{120A9612-3FC4-0C41-84AB-FE4F7CE18771}" type="pres">
+      <dgm:prSet presAssocID="{054A276C-45A8-784A-857C-5D7853540210}" presName="sibTrans" presStyleLbl="sibTrans2D1" presStyleIdx="5" presStyleCnt="6"/>
+      <dgm:spPr/>
+      <dgm:t>
+        <a:bodyPr/>
+        <a:lstStyle/>
+        <a:p>
+          <a:endParaRPr lang="en-US"/>
+        </a:p>
+      </dgm:t>
+    </dgm:pt>
+    <dgm:pt modelId="{A0C32331-57C6-6C4E-A722-7ECADB0EA54D}" type="pres">
+      <dgm:prSet presAssocID="{054A276C-45A8-784A-857C-5D7853540210}" presName="connectorText" presStyleLbl="sibTrans2D1" presStyleIdx="5" presStyleCnt="6"/>
+      <dgm:spPr/>
+      <dgm:t>
+        <a:bodyPr/>
+        <a:lstStyle/>
+        <a:p>
+          <a:endParaRPr lang="en-US"/>
+        </a:p>
+      </dgm:t>
+    </dgm:pt>
   </dgm:ptLst>
   <dgm:cxnLst>
-    <dgm:cxn modelId="{55BA9C01-8A2A-A447-A178-DCCCBF0E4222}" srcId="{EE5621F5-D3D0-8A4B-BBB3-18DDFC4961F6}" destId="{E299359A-8E52-B94C-AC1A-C43DAD185B70}" srcOrd="5" destOrd="0" parTransId="{CA1ACE5E-2C15-0647-9AE6-AC1879D922B7}" sibTransId="{054A276C-45A8-784A-857C-5D7853540210}"/>
-    <dgm:cxn modelId="{9528BB3E-D702-474A-B55A-C36450AA371F}" type="presOf" srcId="{266B314D-A514-084C-8BD0-F6306A2549E9}" destId="{07B0719F-5044-0446-8C71-9084D3B60B0B}" srcOrd="0" destOrd="0" presId="urn:microsoft.com/office/officeart/2005/8/layout/cycle3"/>
-    <dgm:cxn modelId="{8CCF8041-FD3E-2447-9658-9A161C4D01E3}" type="presOf" srcId="{969662E6-715B-0144-95FD-90FCC8806276}" destId="{1544E92F-9B24-5D48-917E-5B9EB93C24BA}" srcOrd="0" destOrd="0" presId="urn:microsoft.com/office/officeart/2005/8/layout/cycle3"/>
-    <dgm:cxn modelId="{5E8892D4-C13A-3B4C-9BAA-93E04D2988D7}" type="presOf" srcId="{57CB1F47-846C-2F44-9148-892B165E654D}" destId="{C83FF513-1828-5942-8E66-D72525E5F1B4}" srcOrd="0" destOrd="0" presId="urn:microsoft.com/office/officeart/2005/8/layout/cycle3"/>
-    <dgm:cxn modelId="{CFFADFD8-BA27-CA40-ADA5-48A6A851E08C}" type="presOf" srcId="{126EF0F9-53C0-FF42-B00B-34F77F6C97D9}" destId="{EFEDE47D-D20C-ED41-BF3A-97BBB4D965AA}" srcOrd="0" destOrd="0" presId="urn:microsoft.com/office/officeart/2005/8/layout/cycle3"/>
-    <dgm:cxn modelId="{B094E3BD-6438-584C-AAE7-197D44B31835}" type="presOf" srcId="{EE5621F5-D3D0-8A4B-BBB3-18DDFC4961F6}" destId="{45588A59-4CA8-674D-BE17-47FFBCFC8C6C}" srcOrd="0" destOrd="0" presId="urn:microsoft.com/office/officeart/2005/8/layout/cycle3"/>
-    <dgm:cxn modelId="{28620401-3794-734E-B069-5500EDFC13E5}" type="presOf" srcId="{5286684A-2838-DA4B-9F9B-3BF50DFB6A52}" destId="{ECD6E261-5965-9545-A3D9-1F4060635496}" srcOrd="0" destOrd="0" presId="urn:microsoft.com/office/officeart/2005/8/layout/cycle3"/>
-    <dgm:cxn modelId="{ABC8C94F-516C-AA41-97CD-78F138669DA8}" type="presOf" srcId="{E299359A-8E52-B94C-AC1A-C43DAD185B70}" destId="{B4A11C20-9B1C-964B-864F-DCA00D5098C5}" srcOrd="0" destOrd="0" presId="urn:microsoft.com/office/officeart/2005/8/layout/cycle3"/>
-    <dgm:cxn modelId="{3450A335-1B68-184E-8A77-E71FBA6B7DA7}" type="presOf" srcId="{044DDA8A-06B8-924E-86DF-59C2A3D59365}" destId="{E5DE6A9E-920F-3341-89E7-1B5E8A40D6CA}" srcOrd="0" destOrd="0" presId="urn:microsoft.com/office/officeart/2005/8/layout/cycle3"/>
+    <dgm:cxn modelId="{DC2EF31D-DE71-C64A-B221-922DF3547CBD}" type="presOf" srcId="{02D22CBC-E1F6-1343-88C7-B4CC1055E5F2}" destId="{D2170222-8273-024E-9305-FB7C6EDCD0C3}" srcOrd="1" destOrd="0" presId="urn:microsoft.com/office/officeart/2005/8/layout/cycle2"/>
     <dgm:cxn modelId="{AF1811B6-7CF7-6E42-850B-B391963F719C}" srcId="{EE5621F5-D3D0-8A4B-BBB3-18DDFC4961F6}" destId="{044DDA8A-06B8-924E-86DF-59C2A3D59365}" srcOrd="1" destOrd="0" parTransId="{61D2BACB-E4E1-A64E-ADEA-2D563B4903B1}" sibTransId="{D8EC2DEF-DCAC-4E4D-8A91-E2A62023778B}"/>
     <dgm:cxn modelId="{DDBD3998-EBA1-AA40-8BB0-586C1C4C0A6C}" srcId="{EE5621F5-D3D0-8A4B-BBB3-18DDFC4961F6}" destId="{126EF0F9-53C0-FF42-B00B-34F77F6C97D9}" srcOrd="2" destOrd="0" parTransId="{38E9F39C-9A4F-684F-8A95-DC998CD8A20F}" sibTransId="{26F828FE-D536-244E-846D-1ADFAD46BB6B}"/>
+    <dgm:cxn modelId="{3C34ECBE-FDE3-574D-A467-65501EF83EDB}" type="presOf" srcId="{02D22CBC-E1F6-1343-88C7-B4CC1055E5F2}" destId="{5B9CE903-A2DC-D84F-A88A-809A189E10EE}" srcOrd="0" destOrd="0" presId="urn:microsoft.com/office/officeart/2005/8/layout/cycle2"/>
+    <dgm:cxn modelId="{848D7B3F-E295-A040-81A2-FD0BA3769343}" type="presOf" srcId="{5286684A-2838-DA4B-9F9B-3BF50DFB6A52}" destId="{98B67E09-D17F-5842-830B-20D9D1673B12}" srcOrd="0" destOrd="0" presId="urn:microsoft.com/office/officeart/2005/8/layout/cycle2"/>
+    <dgm:cxn modelId="{8B54AA11-34A0-FD4A-9082-0D70FB19D227}" type="presOf" srcId="{5286684A-2838-DA4B-9F9B-3BF50DFB6A52}" destId="{115BCBE6-E50D-0B43-A6D1-8CD009FA823D}" srcOrd="1" destOrd="0" presId="urn:microsoft.com/office/officeart/2005/8/layout/cycle2"/>
+    <dgm:cxn modelId="{6F531274-C863-7345-B7B1-8A9FEFA4E661}" type="presOf" srcId="{044DDA8A-06B8-924E-86DF-59C2A3D59365}" destId="{FBADAD8C-346F-1946-9AFC-21B444AF4E17}" srcOrd="0" destOrd="0" presId="urn:microsoft.com/office/officeart/2005/8/layout/cycle2"/>
+    <dgm:cxn modelId="{CE41B96E-DE99-684F-8FFB-8C16D4B6305E}" type="presOf" srcId="{57CB1F47-846C-2F44-9148-892B165E654D}" destId="{80CA9273-0D48-F841-A08B-EABB737F7C92}" srcOrd="0" destOrd="0" presId="urn:microsoft.com/office/officeart/2005/8/layout/cycle2"/>
+    <dgm:cxn modelId="{55BA9C01-8A2A-A447-A178-DCCCBF0E4222}" srcId="{EE5621F5-D3D0-8A4B-BBB3-18DDFC4961F6}" destId="{E299359A-8E52-B94C-AC1A-C43DAD185B70}" srcOrd="5" destOrd="0" parTransId="{CA1ACE5E-2C15-0647-9AE6-AC1879D922B7}" sibTransId="{054A276C-45A8-784A-857C-5D7853540210}"/>
+    <dgm:cxn modelId="{BA971340-24AC-D84C-856C-BAAEB595A3BB}" type="presOf" srcId="{126EF0F9-53C0-FF42-B00B-34F77F6C97D9}" destId="{DE19F9E7-841B-3548-BF75-BFA1FA9F674D}" srcOrd="0" destOrd="0" presId="urn:microsoft.com/office/officeart/2005/8/layout/cycle2"/>
+    <dgm:cxn modelId="{339DD993-5A9F-EC47-BF20-3133A895F896}" type="presOf" srcId="{969662E6-715B-0144-95FD-90FCC8806276}" destId="{D8D58019-30CF-9A42-AAFB-820ADA78567B}" srcOrd="0" destOrd="0" presId="urn:microsoft.com/office/officeart/2005/8/layout/cycle2"/>
+    <dgm:cxn modelId="{A8F549F5-AF73-FE4C-AEFB-8DA7A3258199}" type="presOf" srcId="{D8EC2DEF-DCAC-4E4D-8A91-E2A62023778B}" destId="{65BD6789-CDDA-CE48-9C75-263B47D5227F}" srcOrd="1" destOrd="0" presId="urn:microsoft.com/office/officeart/2005/8/layout/cycle2"/>
+    <dgm:cxn modelId="{C40883F6-142C-1645-BA40-626EE18A4FD8}" type="presOf" srcId="{26F828FE-D536-244E-846D-1ADFAD46BB6B}" destId="{3BEB4A5E-E390-8C48-9B16-47F4D0F546F2}" srcOrd="0" destOrd="0" presId="urn:microsoft.com/office/officeart/2005/8/layout/cycle2"/>
+    <dgm:cxn modelId="{6CEA2885-2FF7-A84D-92EE-96FB720359EE}" srcId="{EE5621F5-D3D0-8A4B-BBB3-18DDFC4961F6}" destId="{969662E6-715B-0144-95FD-90FCC8806276}" srcOrd="0" destOrd="0" parTransId="{9BB52A8C-F01E-5641-A3B8-A7FFD958FDCD}" sibTransId="{5286684A-2838-DA4B-9F9B-3BF50DFB6A52}"/>
     <dgm:cxn modelId="{9FC6488D-113C-2341-BFE2-CD60DA74B1BD}" srcId="{EE5621F5-D3D0-8A4B-BBB3-18DDFC4961F6}" destId="{266B314D-A514-084C-8BD0-F6306A2549E9}" srcOrd="4" destOrd="0" parTransId="{E650DC2A-9B02-FD41-ACF5-9E881D152F3B}" sibTransId="{29B9791F-4F62-2B49-95E2-B060CDB9E23B}"/>
     <dgm:cxn modelId="{59D9CAB5-B41A-7D47-8C57-B48C7D20DB6F}" srcId="{EE5621F5-D3D0-8A4B-BBB3-18DDFC4961F6}" destId="{57CB1F47-846C-2F44-9148-892B165E654D}" srcOrd="3" destOrd="0" parTransId="{48FFE526-360A-654D-BA4C-CDE1B493CB32}" sibTransId="{02D22CBC-E1F6-1343-88C7-B4CC1055E5F2}"/>
-    <dgm:cxn modelId="{6CEA2885-2FF7-A84D-92EE-96FB720359EE}" srcId="{EE5621F5-D3D0-8A4B-BBB3-18DDFC4961F6}" destId="{969662E6-715B-0144-95FD-90FCC8806276}" srcOrd="0" destOrd="0" parTransId="{9BB52A8C-F01E-5641-A3B8-A7FFD958FDCD}" sibTransId="{5286684A-2838-DA4B-9F9B-3BF50DFB6A52}"/>
-    <dgm:cxn modelId="{1E4232A0-3ADD-E04E-8E8D-CA229766D808}" type="presParOf" srcId="{45588A59-4CA8-674D-BE17-47FFBCFC8C6C}" destId="{D38C4822-5EA9-064B-8944-89C0A442ED98}" srcOrd="0" destOrd="0" presId="urn:microsoft.com/office/officeart/2005/8/layout/cycle3"/>
-    <dgm:cxn modelId="{46A22FB4-F77A-9A4F-BFD2-32E0C37BFCD9}" type="presParOf" srcId="{D38C4822-5EA9-064B-8944-89C0A442ED98}" destId="{1544E92F-9B24-5D48-917E-5B9EB93C24BA}" srcOrd="0" destOrd="0" presId="urn:microsoft.com/office/officeart/2005/8/layout/cycle3"/>
-    <dgm:cxn modelId="{5A9AB961-C819-E44A-85E4-67C407A9EE9E}" type="presParOf" srcId="{D38C4822-5EA9-064B-8944-89C0A442ED98}" destId="{ECD6E261-5965-9545-A3D9-1F4060635496}" srcOrd="1" destOrd="0" presId="urn:microsoft.com/office/officeart/2005/8/layout/cycle3"/>
-    <dgm:cxn modelId="{E502A56C-2DA7-8D4C-9180-C006203C0400}" type="presParOf" srcId="{D38C4822-5EA9-064B-8944-89C0A442ED98}" destId="{E5DE6A9E-920F-3341-89E7-1B5E8A40D6CA}" srcOrd="2" destOrd="0" presId="urn:microsoft.com/office/officeart/2005/8/layout/cycle3"/>
-    <dgm:cxn modelId="{EA4A9A86-D314-E948-96A8-EC9E0645CA6F}" type="presParOf" srcId="{D38C4822-5EA9-064B-8944-89C0A442ED98}" destId="{EFEDE47D-D20C-ED41-BF3A-97BBB4D965AA}" srcOrd="3" destOrd="0" presId="urn:microsoft.com/office/officeart/2005/8/layout/cycle3"/>
-    <dgm:cxn modelId="{E7B88A2A-6EC0-D84D-B7A6-D9FFF83BD6C4}" type="presParOf" srcId="{D38C4822-5EA9-064B-8944-89C0A442ED98}" destId="{C83FF513-1828-5942-8E66-D72525E5F1B4}" srcOrd="4" destOrd="0" presId="urn:microsoft.com/office/officeart/2005/8/layout/cycle3"/>
-    <dgm:cxn modelId="{59F2F34F-CBFE-5B47-9EA6-BCB45AFDEB43}" type="presParOf" srcId="{D38C4822-5EA9-064B-8944-89C0A442ED98}" destId="{07B0719F-5044-0446-8C71-9084D3B60B0B}" srcOrd="5" destOrd="0" presId="urn:microsoft.com/office/officeart/2005/8/layout/cycle3"/>
-    <dgm:cxn modelId="{C1D7464A-E2BD-2A4E-979B-06D3B47D6D85}" type="presParOf" srcId="{D38C4822-5EA9-064B-8944-89C0A442ED98}" destId="{B4A11C20-9B1C-964B-864F-DCA00D5098C5}" srcOrd="6" destOrd="0" presId="urn:microsoft.com/office/officeart/2005/8/layout/cycle3"/>
+    <dgm:cxn modelId="{4765717F-DA57-5E41-AD6A-768240329F77}" type="presOf" srcId="{D8EC2DEF-DCAC-4E4D-8A91-E2A62023778B}" destId="{8F7157DE-7093-CD46-B53A-D62209D97B40}" srcOrd="0" destOrd="0" presId="urn:microsoft.com/office/officeart/2005/8/layout/cycle2"/>
+    <dgm:cxn modelId="{4D2B85E9-6BEE-F44A-A922-DF274782DBE7}" type="presOf" srcId="{29B9791F-4F62-2B49-95E2-B060CDB9E23B}" destId="{E568B70A-E8B2-CE45-9CF0-30AA4AF4642F}" srcOrd="0" destOrd="0" presId="urn:microsoft.com/office/officeart/2005/8/layout/cycle2"/>
+    <dgm:cxn modelId="{AA6BE85C-CBD6-1749-909F-856AC56A371A}" type="presOf" srcId="{266B314D-A514-084C-8BD0-F6306A2549E9}" destId="{ECC1FAFA-5C8D-824D-85C0-D272C0AC010D}" srcOrd="0" destOrd="0" presId="urn:microsoft.com/office/officeart/2005/8/layout/cycle2"/>
+    <dgm:cxn modelId="{F4BE7537-C035-304B-96E9-5F8684B77C1E}" type="presOf" srcId="{EE5621F5-D3D0-8A4B-BBB3-18DDFC4961F6}" destId="{D7D5B62E-F064-DB4F-B9F2-605286392C54}" srcOrd="0" destOrd="0" presId="urn:microsoft.com/office/officeart/2005/8/layout/cycle2"/>
+    <dgm:cxn modelId="{49BE8E6E-A42A-A44E-95B2-D5018126FE5D}" type="presOf" srcId="{054A276C-45A8-784A-857C-5D7853540210}" destId="{120A9612-3FC4-0C41-84AB-FE4F7CE18771}" srcOrd="0" destOrd="0" presId="urn:microsoft.com/office/officeart/2005/8/layout/cycle2"/>
+    <dgm:cxn modelId="{F83F8C17-6FCB-7D4F-BC4D-063279ADFF2C}" type="presOf" srcId="{054A276C-45A8-784A-857C-5D7853540210}" destId="{A0C32331-57C6-6C4E-A722-7ECADB0EA54D}" srcOrd="1" destOrd="0" presId="urn:microsoft.com/office/officeart/2005/8/layout/cycle2"/>
+    <dgm:cxn modelId="{BF582715-C642-F94D-9EA5-53CB92AE8A83}" type="presOf" srcId="{26F828FE-D536-244E-846D-1ADFAD46BB6B}" destId="{45B79B2D-D3E9-7041-91B0-EB877052A967}" srcOrd="1" destOrd="0" presId="urn:microsoft.com/office/officeart/2005/8/layout/cycle2"/>
+    <dgm:cxn modelId="{E1B2C555-CCEF-9B4C-A052-8B3F5236019D}" type="presOf" srcId="{E299359A-8E52-B94C-AC1A-C43DAD185B70}" destId="{CBA38E7C-B2E8-304B-B0B2-FA496374E710}" srcOrd="0" destOrd="0" presId="urn:microsoft.com/office/officeart/2005/8/layout/cycle2"/>
+    <dgm:cxn modelId="{859E32C8-EF6C-FA4F-A25E-9B07D475FAF4}" type="presOf" srcId="{29B9791F-4F62-2B49-95E2-B060CDB9E23B}" destId="{0F9D34A8-18EB-634F-8637-F7ADAC0F11FB}" srcOrd="1" destOrd="0" presId="urn:microsoft.com/office/officeart/2005/8/layout/cycle2"/>
+    <dgm:cxn modelId="{7118B87A-FA29-EB43-A35B-20307B059088}" type="presParOf" srcId="{D7D5B62E-F064-DB4F-B9F2-605286392C54}" destId="{D8D58019-30CF-9A42-AAFB-820ADA78567B}" srcOrd="0" destOrd="0" presId="urn:microsoft.com/office/officeart/2005/8/layout/cycle2"/>
+    <dgm:cxn modelId="{F5BDB700-8B3D-3244-A8C2-7FC3614D42CD}" type="presParOf" srcId="{D7D5B62E-F064-DB4F-B9F2-605286392C54}" destId="{98B67E09-D17F-5842-830B-20D9D1673B12}" srcOrd="1" destOrd="0" presId="urn:microsoft.com/office/officeart/2005/8/layout/cycle2"/>
+    <dgm:cxn modelId="{9A873E9F-7D26-164A-BB98-E4B0EA82723E}" type="presParOf" srcId="{98B67E09-D17F-5842-830B-20D9D1673B12}" destId="{115BCBE6-E50D-0B43-A6D1-8CD009FA823D}" srcOrd="0" destOrd="0" presId="urn:microsoft.com/office/officeart/2005/8/layout/cycle2"/>
+    <dgm:cxn modelId="{2364FBD1-351B-E14A-844A-26D0EC101CB5}" type="presParOf" srcId="{D7D5B62E-F064-DB4F-B9F2-605286392C54}" destId="{FBADAD8C-346F-1946-9AFC-21B444AF4E17}" srcOrd="2" destOrd="0" presId="urn:microsoft.com/office/officeart/2005/8/layout/cycle2"/>
+    <dgm:cxn modelId="{52120C17-6E39-0943-9C97-7AF933E27A9B}" type="presParOf" srcId="{D7D5B62E-F064-DB4F-B9F2-605286392C54}" destId="{8F7157DE-7093-CD46-B53A-D62209D97B40}" srcOrd="3" destOrd="0" presId="urn:microsoft.com/office/officeart/2005/8/layout/cycle2"/>
+    <dgm:cxn modelId="{957BDF09-D589-AE47-AB3B-A0A5C76B7A55}" type="presParOf" srcId="{8F7157DE-7093-CD46-B53A-D62209D97B40}" destId="{65BD6789-CDDA-CE48-9C75-263B47D5227F}" srcOrd="0" destOrd="0" presId="urn:microsoft.com/office/officeart/2005/8/layout/cycle2"/>
+    <dgm:cxn modelId="{22902797-C4B6-C847-A939-85657573E2DA}" type="presParOf" srcId="{D7D5B62E-F064-DB4F-B9F2-605286392C54}" destId="{DE19F9E7-841B-3548-BF75-BFA1FA9F674D}" srcOrd="4" destOrd="0" presId="urn:microsoft.com/office/officeart/2005/8/layout/cycle2"/>
+    <dgm:cxn modelId="{27658F9E-C0EF-5C4F-9717-32B971A99E18}" type="presParOf" srcId="{D7D5B62E-F064-DB4F-B9F2-605286392C54}" destId="{3BEB4A5E-E390-8C48-9B16-47F4D0F546F2}" srcOrd="5" destOrd="0" presId="urn:microsoft.com/office/officeart/2005/8/layout/cycle2"/>
+    <dgm:cxn modelId="{CEF8AAD1-15EA-E64F-AE49-AB930173D601}" type="presParOf" srcId="{3BEB4A5E-E390-8C48-9B16-47F4D0F546F2}" destId="{45B79B2D-D3E9-7041-91B0-EB877052A967}" srcOrd="0" destOrd="0" presId="urn:microsoft.com/office/officeart/2005/8/layout/cycle2"/>
+    <dgm:cxn modelId="{21ACB970-3329-F849-AB81-C43E0153148B}" type="presParOf" srcId="{D7D5B62E-F064-DB4F-B9F2-605286392C54}" destId="{80CA9273-0D48-F841-A08B-EABB737F7C92}" srcOrd="6" destOrd="0" presId="urn:microsoft.com/office/officeart/2005/8/layout/cycle2"/>
+    <dgm:cxn modelId="{C458DCD9-61CA-A24A-B9B8-D1FDD18AE7D7}" type="presParOf" srcId="{D7D5B62E-F064-DB4F-B9F2-605286392C54}" destId="{5B9CE903-A2DC-D84F-A88A-809A189E10EE}" srcOrd="7" destOrd="0" presId="urn:microsoft.com/office/officeart/2005/8/layout/cycle2"/>
+    <dgm:cxn modelId="{4599F46A-96DA-8842-A33C-2BED4DC02AA5}" type="presParOf" srcId="{5B9CE903-A2DC-D84F-A88A-809A189E10EE}" destId="{D2170222-8273-024E-9305-FB7C6EDCD0C3}" srcOrd="0" destOrd="0" presId="urn:microsoft.com/office/officeart/2005/8/layout/cycle2"/>
+    <dgm:cxn modelId="{08BCC79C-311E-474C-9696-68DC7AC7B7FF}" type="presParOf" srcId="{D7D5B62E-F064-DB4F-B9F2-605286392C54}" destId="{ECC1FAFA-5C8D-824D-85C0-D272C0AC010D}" srcOrd="8" destOrd="0" presId="urn:microsoft.com/office/officeart/2005/8/layout/cycle2"/>
+    <dgm:cxn modelId="{9B02EA2D-2203-854A-A411-707C177DACC8}" type="presParOf" srcId="{D7D5B62E-F064-DB4F-B9F2-605286392C54}" destId="{E568B70A-E8B2-CE45-9CF0-30AA4AF4642F}" srcOrd="9" destOrd="0" presId="urn:microsoft.com/office/officeart/2005/8/layout/cycle2"/>
+    <dgm:cxn modelId="{A46D79A7-CB05-2F42-A675-5A88BCA2B1F4}" type="presParOf" srcId="{E568B70A-E8B2-CE45-9CF0-30AA4AF4642F}" destId="{0F9D34A8-18EB-634F-8637-F7ADAC0F11FB}" srcOrd="0" destOrd="0" presId="urn:microsoft.com/office/officeart/2005/8/layout/cycle2"/>
+    <dgm:cxn modelId="{E1BFD56C-7D9E-D84D-BA0C-BF80CF10031D}" type="presParOf" srcId="{D7D5B62E-F064-DB4F-B9F2-605286392C54}" destId="{CBA38E7C-B2E8-304B-B0B2-FA496374E710}" srcOrd="10" destOrd="0" presId="urn:microsoft.com/office/officeart/2005/8/layout/cycle2"/>
+    <dgm:cxn modelId="{8E34AB1F-7DE0-0340-A4D9-123ADE228A42}" type="presParOf" srcId="{D7D5B62E-F064-DB4F-B9F2-605286392C54}" destId="{120A9612-3FC4-0C41-84AB-FE4F7CE18771}" srcOrd="11" destOrd="0" presId="urn:microsoft.com/office/officeart/2005/8/layout/cycle2"/>
+    <dgm:cxn modelId="{C8FAFFA5-0226-524C-BECB-9A0E8098E6E8}" type="presParOf" srcId="{120A9612-3FC4-0C41-84AB-FE4F7CE18771}" destId="{A0C32331-57C6-6C4E-A722-7ECADB0EA54D}" srcOrd="0" destOrd="0" presId="urn:microsoft.com/office/officeart/2005/8/layout/cycle2"/>
   </dgm:cxnLst>
   <dgm:bg/>
   <dgm:whole/>
@@ -5075,434 +4581,6 @@
 </file>
 
 <file path=ppt/diagrams/data3.xml><?xml version="1.0" encoding="utf-8"?>
-<dgm:dataModel xmlns:dgm="http://schemas.openxmlformats.org/drawingml/2006/diagram" xmlns:a="http://schemas.openxmlformats.org/drawingml/2006/main">
-  <dgm:ptLst>
-    <dgm:pt modelId="{EE5621F5-D3D0-8A4B-BBB3-18DDFC4961F6}" type="doc">
-      <dgm:prSet loTypeId="urn:microsoft.com/office/officeart/2005/8/layout/cycle3" loCatId="" qsTypeId="urn:microsoft.com/office/officeart/2005/8/quickstyle/simple1" qsCatId="simple" csTypeId="urn:microsoft.com/office/officeart/2005/8/colors/accent1_2" csCatId="accent1" phldr="1"/>
-      <dgm:spPr/>
-      <dgm:t>
-        <a:bodyPr/>
-        <a:lstStyle/>
-        <a:p>
-          <a:endParaRPr lang="en-US"/>
-        </a:p>
-      </dgm:t>
-    </dgm:pt>
-    <dgm:pt modelId="{969662E6-715B-0144-95FD-90FCC8806276}">
-      <dgm:prSet phldrT="[Text]"/>
-      <dgm:spPr/>
-      <dgm:t>
-        <a:bodyPr/>
-        <a:lstStyle/>
-        <a:p>
-          <a:r>
-            <a:rPr lang="en-US" dirty="0" smtClean="0"/>
-            <a:t>Bepalen productieregels</a:t>
-          </a:r>
-          <a:endParaRPr lang="en-US" dirty="0"/>
-        </a:p>
-      </dgm:t>
-    </dgm:pt>
-    <dgm:pt modelId="{9BB52A8C-F01E-5641-A3B8-A7FFD958FDCD}" type="parTrans" cxnId="{6CEA2885-2FF7-A84D-92EE-96FB720359EE}">
-      <dgm:prSet/>
-      <dgm:spPr/>
-      <dgm:t>
-        <a:bodyPr/>
-        <a:lstStyle/>
-        <a:p>
-          <a:endParaRPr lang="en-US"/>
-        </a:p>
-      </dgm:t>
-    </dgm:pt>
-    <dgm:pt modelId="{5286684A-2838-DA4B-9F9B-3BF50DFB6A52}" type="sibTrans" cxnId="{6CEA2885-2FF7-A84D-92EE-96FB720359EE}">
-      <dgm:prSet/>
-      <dgm:spPr/>
-      <dgm:t>
-        <a:bodyPr/>
-        <a:lstStyle/>
-        <a:p>
-          <a:endParaRPr lang="en-US"/>
-        </a:p>
-      </dgm:t>
-    </dgm:pt>
-    <dgm:pt modelId="{126EF0F9-53C0-FF42-B00B-34F77F6C97D9}">
-      <dgm:prSet phldrT="[Text]"/>
-      <dgm:spPr/>
-      <dgm:t>
-        <a:bodyPr/>
-        <a:lstStyle/>
-        <a:p>
-          <a:r>
-            <a:rPr lang="en-US" dirty="0" smtClean="0"/>
-            <a:t>Opstellen van de </a:t>
-          </a:r>
-          <a:r>
-            <a:rPr lang="en-US" b="1" dirty="0" smtClean="0"/>
-            <a:t>BOOM</a:t>
-          </a:r>
-          <a:endParaRPr lang="en-US" b="1" dirty="0"/>
-        </a:p>
-      </dgm:t>
-    </dgm:pt>
-    <dgm:pt modelId="{38E9F39C-9A4F-684F-8A95-DC998CD8A20F}" type="parTrans" cxnId="{DDBD3998-EBA1-AA40-8BB0-586C1C4C0A6C}">
-      <dgm:prSet/>
-      <dgm:spPr/>
-      <dgm:t>
-        <a:bodyPr/>
-        <a:lstStyle/>
-        <a:p>
-          <a:endParaRPr lang="en-US"/>
-        </a:p>
-      </dgm:t>
-    </dgm:pt>
-    <dgm:pt modelId="{26F828FE-D536-244E-846D-1ADFAD46BB6B}" type="sibTrans" cxnId="{DDBD3998-EBA1-AA40-8BB0-586C1C4C0A6C}">
-      <dgm:prSet/>
-      <dgm:spPr/>
-      <dgm:t>
-        <a:bodyPr/>
-        <a:lstStyle/>
-        <a:p>
-          <a:endParaRPr lang="en-US"/>
-        </a:p>
-      </dgm:t>
-    </dgm:pt>
-    <dgm:pt modelId="{57CB1F47-846C-2F44-9148-892B165E654D}">
-      <dgm:prSet phldrT="[Text]"/>
-      <dgm:spPr/>
-      <dgm:t>
-        <a:bodyPr/>
-        <a:lstStyle/>
-        <a:p>
-          <a:r>
-            <a:rPr lang="en-US" dirty="0" err="1" smtClean="0"/>
-            <a:t>Evaluatie</a:t>
-          </a:r>
-          <a:r>
-            <a:rPr lang="en-US" dirty="0" smtClean="0"/>
-            <a:t> van de knooppunten</a:t>
-          </a:r>
-          <a:endParaRPr lang="en-US" dirty="0"/>
-        </a:p>
-      </dgm:t>
-    </dgm:pt>
-    <dgm:pt modelId="{48FFE526-360A-654D-BA4C-CDE1B493CB32}" type="parTrans" cxnId="{59D9CAB5-B41A-7D47-8C57-B48C7D20DB6F}">
-      <dgm:prSet/>
-      <dgm:spPr/>
-      <dgm:t>
-        <a:bodyPr/>
-        <a:lstStyle/>
-        <a:p>
-          <a:endParaRPr lang="en-US"/>
-        </a:p>
-      </dgm:t>
-    </dgm:pt>
-    <dgm:pt modelId="{02D22CBC-E1F6-1343-88C7-B4CC1055E5F2}" type="sibTrans" cxnId="{59D9CAB5-B41A-7D47-8C57-B48C7D20DB6F}">
-      <dgm:prSet/>
-      <dgm:spPr/>
-      <dgm:t>
-        <a:bodyPr/>
-        <a:lstStyle/>
-        <a:p>
-          <a:endParaRPr lang="en-US"/>
-        </a:p>
-      </dgm:t>
-    </dgm:pt>
-    <dgm:pt modelId="{266B314D-A514-084C-8BD0-F6306A2549E9}">
-      <dgm:prSet phldrT="[Text]"/>
-      <dgm:spPr/>
-      <dgm:t>
-        <a:bodyPr/>
-        <a:lstStyle/>
-        <a:p>
-          <a:r>
-            <a:rPr lang="en-US" dirty="0" err="1" smtClean="0"/>
-            <a:t>Controle</a:t>
-          </a:r>
-          <a:r>
-            <a:rPr lang="en-US" dirty="0" smtClean="0"/>
-            <a:t> </a:t>
-          </a:r>
-          <a:r>
-            <a:rPr lang="en-US" dirty="0" err="1" smtClean="0"/>
-            <a:t>mbv</a:t>
-          </a:r>
-          <a:r>
-            <a:rPr lang="en-US" dirty="0" smtClean="0"/>
-            <a:t> </a:t>
-          </a:r>
-          <a:r>
-            <a:rPr lang="en-US" dirty="0" err="1" smtClean="0"/>
-            <a:t>overige</a:t>
-          </a:r>
-          <a:r>
-            <a:rPr lang="en-US" dirty="0" smtClean="0"/>
-            <a:t> vb’en</a:t>
-          </a:r>
-          <a:endParaRPr lang="en-US" dirty="0"/>
-        </a:p>
-      </dgm:t>
-    </dgm:pt>
-    <dgm:pt modelId="{E650DC2A-9B02-FD41-ACF5-9E881D152F3B}" type="parTrans" cxnId="{9FC6488D-113C-2341-BFE2-CD60DA74B1BD}">
-      <dgm:prSet/>
-      <dgm:spPr/>
-      <dgm:t>
-        <a:bodyPr/>
-        <a:lstStyle/>
-        <a:p>
-          <a:endParaRPr lang="en-US"/>
-        </a:p>
-      </dgm:t>
-    </dgm:pt>
-    <dgm:pt modelId="{29B9791F-4F62-2B49-95E2-B060CDB9E23B}" type="sibTrans" cxnId="{9FC6488D-113C-2341-BFE2-CD60DA74B1BD}">
-      <dgm:prSet/>
-      <dgm:spPr/>
-      <dgm:t>
-        <a:bodyPr/>
-        <a:lstStyle/>
-        <a:p>
-          <a:endParaRPr lang="en-US"/>
-        </a:p>
-      </dgm:t>
-    </dgm:pt>
-    <dgm:pt modelId="{E299359A-8E52-B94C-AC1A-C43DAD185B70}">
-      <dgm:prSet phldrT="[Text]"/>
-      <dgm:spPr/>
-      <dgm:t>
-        <a:bodyPr/>
-        <a:lstStyle/>
-        <a:p>
-          <a:r>
-            <a:rPr lang="en-US" dirty="0" smtClean="0"/>
-            <a:t>Resultaat</a:t>
-          </a:r>
-          <a:endParaRPr lang="en-US" dirty="0"/>
-        </a:p>
-      </dgm:t>
-    </dgm:pt>
-    <dgm:pt modelId="{CA1ACE5E-2C15-0647-9AE6-AC1879D922B7}" type="parTrans" cxnId="{55BA9C01-8A2A-A447-A178-DCCCBF0E4222}">
-      <dgm:prSet/>
-      <dgm:spPr/>
-      <dgm:t>
-        <a:bodyPr/>
-        <a:lstStyle/>
-        <a:p>
-          <a:endParaRPr lang="en-US"/>
-        </a:p>
-      </dgm:t>
-    </dgm:pt>
-    <dgm:pt modelId="{054A276C-45A8-784A-857C-5D7853540210}" type="sibTrans" cxnId="{55BA9C01-8A2A-A447-A178-DCCCBF0E4222}">
-      <dgm:prSet/>
-      <dgm:spPr/>
-      <dgm:t>
-        <a:bodyPr/>
-        <a:lstStyle/>
-        <a:p>
-          <a:endParaRPr lang="en-US"/>
-        </a:p>
-      </dgm:t>
-    </dgm:pt>
-    <dgm:pt modelId="{044DDA8A-06B8-924E-86DF-59C2A3D59365}">
-      <dgm:prSet phldrT="[Text]"/>
-      <dgm:spPr/>
-      <dgm:t>
-        <a:bodyPr/>
-        <a:lstStyle/>
-        <a:p>
-          <a:r>
-            <a:rPr lang="en-US" dirty="0" err="1" smtClean="0"/>
-            <a:t>Toevoegen</a:t>
-          </a:r>
-          <a:r>
-            <a:rPr lang="en-US" dirty="0" smtClean="0"/>
-            <a:t> van </a:t>
-          </a:r>
-          <a:r>
-            <a:rPr lang="en-US" dirty="0" err="1" smtClean="0"/>
-            <a:t>voorbeelden</a:t>
-          </a:r>
-          <a:endParaRPr lang="en-US" dirty="0"/>
-        </a:p>
-      </dgm:t>
-    </dgm:pt>
-    <dgm:pt modelId="{61D2BACB-E4E1-A64E-ADEA-2D563B4903B1}" type="parTrans" cxnId="{AF1811B6-7CF7-6E42-850B-B391963F719C}">
-      <dgm:prSet/>
-      <dgm:spPr/>
-      <dgm:t>
-        <a:bodyPr/>
-        <a:lstStyle/>
-        <a:p>
-          <a:endParaRPr lang="en-US"/>
-        </a:p>
-      </dgm:t>
-    </dgm:pt>
-    <dgm:pt modelId="{D8EC2DEF-DCAC-4E4D-8A91-E2A62023778B}" type="sibTrans" cxnId="{AF1811B6-7CF7-6E42-850B-B391963F719C}">
-      <dgm:prSet/>
-      <dgm:spPr/>
-      <dgm:t>
-        <a:bodyPr/>
-        <a:lstStyle/>
-        <a:p>
-          <a:endParaRPr lang="en-US"/>
-        </a:p>
-      </dgm:t>
-    </dgm:pt>
-    <dgm:pt modelId="{45588A59-4CA8-674D-BE17-47FFBCFC8C6C}" type="pres">
-      <dgm:prSet presAssocID="{EE5621F5-D3D0-8A4B-BBB3-18DDFC4961F6}" presName="Name0" presStyleCnt="0">
-        <dgm:presLayoutVars>
-          <dgm:dir/>
-          <dgm:resizeHandles val="exact"/>
-        </dgm:presLayoutVars>
-      </dgm:prSet>
-      <dgm:spPr/>
-      <dgm:t>
-        <a:bodyPr/>
-        <a:lstStyle/>
-        <a:p>
-          <a:endParaRPr lang="en-US"/>
-        </a:p>
-      </dgm:t>
-    </dgm:pt>
-    <dgm:pt modelId="{D38C4822-5EA9-064B-8944-89C0A442ED98}" type="pres">
-      <dgm:prSet presAssocID="{EE5621F5-D3D0-8A4B-BBB3-18DDFC4961F6}" presName="cycle" presStyleCnt="0"/>
-      <dgm:spPr/>
-    </dgm:pt>
-    <dgm:pt modelId="{1544E92F-9B24-5D48-917E-5B9EB93C24BA}" type="pres">
-      <dgm:prSet presAssocID="{969662E6-715B-0144-95FD-90FCC8806276}" presName="nodeFirstNode" presStyleLbl="node1" presStyleIdx="0" presStyleCnt="6">
-        <dgm:presLayoutVars>
-          <dgm:bulletEnabled val="1"/>
-        </dgm:presLayoutVars>
-      </dgm:prSet>
-      <dgm:spPr/>
-      <dgm:t>
-        <a:bodyPr/>
-        <a:lstStyle/>
-        <a:p>
-          <a:endParaRPr lang="en-US"/>
-        </a:p>
-      </dgm:t>
-    </dgm:pt>
-    <dgm:pt modelId="{ECD6E261-5965-9545-A3D9-1F4060635496}" type="pres">
-      <dgm:prSet presAssocID="{5286684A-2838-DA4B-9F9B-3BF50DFB6A52}" presName="sibTransFirstNode" presStyleLbl="bgShp" presStyleIdx="0" presStyleCnt="1" custScaleX="112503"/>
-      <dgm:spPr/>
-      <dgm:t>
-        <a:bodyPr/>
-        <a:lstStyle/>
-        <a:p>
-          <a:endParaRPr lang="en-US"/>
-        </a:p>
-      </dgm:t>
-    </dgm:pt>
-    <dgm:pt modelId="{E5DE6A9E-920F-3341-89E7-1B5E8A40D6CA}" type="pres">
-      <dgm:prSet presAssocID="{044DDA8A-06B8-924E-86DF-59C2A3D59365}" presName="nodeFollowingNodes" presStyleLbl="node1" presStyleIdx="1" presStyleCnt="6" custRadScaleRad="114863" custRadScaleInc="8158">
-        <dgm:presLayoutVars>
-          <dgm:bulletEnabled val="1"/>
-        </dgm:presLayoutVars>
-      </dgm:prSet>
-      <dgm:spPr/>
-      <dgm:t>
-        <a:bodyPr/>
-        <a:lstStyle/>
-        <a:p>
-          <a:endParaRPr lang="en-US"/>
-        </a:p>
-      </dgm:t>
-    </dgm:pt>
-    <dgm:pt modelId="{EFEDE47D-D20C-ED41-BF3A-97BBB4D965AA}" type="pres">
-      <dgm:prSet presAssocID="{126EF0F9-53C0-FF42-B00B-34F77F6C97D9}" presName="nodeFollowingNodes" presStyleLbl="node1" presStyleIdx="2" presStyleCnt="6" custRadScaleRad="114863" custRadScaleInc="-8158">
-        <dgm:presLayoutVars>
-          <dgm:bulletEnabled val="1"/>
-        </dgm:presLayoutVars>
-      </dgm:prSet>
-      <dgm:spPr/>
-      <dgm:t>
-        <a:bodyPr/>
-        <a:lstStyle/>
-        <a:p>
-          <a:endParaRPr lang="en-US"/>
-        </a:p>
-      </dgm:t>
-    </dgm:pt>
-    <dgm:pt modelId="{C83FF513-1828-5942-8E66-D72525E5F1B4}" type="pres">
-      <dgm:prSet presAssocID="{57CB1F47-846C-2F44-9148-892B165E654D}" presName="nodeFollowingNodes" presStyleLbl="node1" presStyleIdx="3" presStyleCnt="6">
-        <dgm:presLayoutVars>
-          <dgm:bulletEnabled val="1"/>
-        </dgm:presLayoutVars>
-      </dgm:prSet>
-      <dgm:spPr/>
-      <dgm:t>
-        <a:bodyPr/>
-        <a:lstStyle/>
-        <a:p>
-          <a:endParaRPr lang="en-US"/>
-        </a:p>
-      </dgm:t>
-    </dgm:pt>
-    <dgm:pt modelId="{07B0719F-5044-0446-8C71-9084D3B60B0B}" type="pres">
-      <dgm:prSet presAssocID="{266B314D-A514-084C-8BD0-F6306A2549E9}" presName="nodeFollowingNodes" presStyleLbl="node1" presStyleIdx="4" presStyleCnt="6" custRadScaleRad="114863" custRadScaleInc="8158">
-        <dgm:presLayoutVars>
-          <dgm:bulletEnabled val="1"/>
-        </dgm:presLayoutVars>
-      </dgm:prSet>
-      <dgm:spPr/>
-      <dgm:t>
-        <a:bodyPr/>
-        <a:lstStyle/>
-        <a:p>
-          <a:endParaRPr lang="en-US"/>
-        </a:p>
-      </dgm:t>
-    </dgm:pt>
-    <dgm:pt modelId="{B4A11C20-9B1C-964B-864F-DCA00D5098C5}" type="pres">
-      <dgm:prSet presAssocID="{E299359A-8E52-B94C-AC1A-C43DAD185B70}" presName="nodeFollowingNodes" presStyleLbl="node1" presStyleIdx="5" presStyleCnt="6" custRadScaleRad="114863" custRadScaleInc="-8158">
-        <dgm:presLayoutVars>
-          <dgm:bulletEnabled val="1"/>
-        </dgm:presLayoutVars>
-      </dgm:prSet>
-      <dgm:spPr/>
-      <dgm:t>
-        <a:bodyPr/>
-        <a:lstStyle/>
-        <a:p>
-          <a:endParaRPr lang="en-US"/>
-        </a:p>
-      </dgm:t>
-    </dgm:pt>
-  </dgm:ptLst>
-  <dgm:cxnLst>
-    <dgm:cxn modelId="{2B6E4F18-C9F4-C646-BB5D-05A28ADAD252}" type="presOf" srcId="{126EF0F9-53C0-FF42-B00B-34F77F6C97D9}" destId="{EFEDE47D-D20C-ED41-BF3A-97BBB4D965AA}" srcOrd="0" destOrd="0" presId="urn:microsoft.com/office/officeart/2005/8/layout/cycle3"/>
-    <dgm:cxn modelId="{AF1811B6-7CF7-6E42-850B-B391963F719C}" srcId="{EE5621F5-D3D0-8A4B-BBB3-18DDFC4961F6}" destId="{044DDA8A-06B8-924E-86DF-59C2A3D59365}" srcOrd="1" destOrd="0" parTransId="{61D2BACB-E4E1-A64E-ADEA-2D563B4903B1}" sibTransId="{D8EC2DEF-DCAC-4E4D-8A91-E2A62023778B}"/>
-    <dgm:cxn modelId="{DE5B1C8F-41C2-264D-9604-CB879F59A0F9}" type="presOf" srcId="{EE5621F5-D3D0-8A4B-BBB3-18DDFC4961F6}" destId="{45588A59-4CA8-674D-BE17-47FFBCFC8C6C}" srcOrd="0" destOrd="0" presId="urn:microsoft.com/office/officeart/2005/8/layout/cycle3"/>
-    <dgm:cxn modelId="{55BA9C01-8A2A-A447-A178-DCCCBF0E4222}" srcId="{EE5621F5-D3D0-8A4B-BBB3-18DDFC4961F6}" destId="{E299359A-8E52-B94C-AC1A-C43DAD185B70}" srcOrd="5" destOrd="0" parTransId="{CA1ACE5E-2C15-0647-9AE6-AC1879D922B7}" sibTransId="{054A276C-45A8-784A-857C-5D7853540210}"/>
-    <dgm:cxn modelId="{77F73529-FAC7-C340-B346-EDB908801401}" type="presOf" srcId="{044DDA8A-06B8-924E-86DF-59C2A3D59365}" destId="{E5DE6A9E-920F-3341-89E7-1B5E8A40D6CA}" srcOrd="0" destOrd="0" presId="urn:microsoft.com/office/officeart/2005/8/layout/cycle3"/>
-    <dgm:cxn modelId="{D03D3171-DCA6-6048-AC37-8FC8633CA607}" type="presOf" srcId="{969662E6-715B-0144-95FD-90FCC8806276}" destId="{1544E92F-9B24-5D48-917E-5B9EB93C24BA}" srcOrd="0" destOrd="0" presId="urn:microsoft.com/office/officeart/2005/8/layout/cycle3"/>
-    <dgm:cxn modelId="{DDBD3998-EBA1-AA40-8BB0-586C1C4C0A6C}" srcId="{EE5621F5-D3D0-8A4B-BBB3-18DDFC4961F6}" destId="{126EF0F9-53C0-FF42-B00B-34F77F6C97D9}" srcOrd="2" destOrd="0" parTransId="{38E9F39C-9A4F-684F-8A95-DC998CD8A20F}" sibTransId="{26F828FE-D536-244E-846D-1ADFAD46BB6B}"/>
-    <dgm:cxn modelId="{57B40380-01EE-CB42-A3E3-C624F0409BE4}" type="presOf" srcId="{5286684A-2838-DA4B-9F9B-3BF50DFB6A52}" destId="{ECD6E261-5965-9545-A3D9-1F4060635496}" srcOrd="0" destOrd="0" presId="urn:microsoft.com/office/officeart/2005/8/layout/cycle3"/>
-    <dgm:cxn modelId="{59D9CAB5-B41A-7D47-8C57-B48C7D20DB6F}" srcId="{EE5621F5-D3D0-8A4B-BBB3-18DDFC4961F6}" destId="{57CB1F47-846C-2F44-9148-892B165E654D}" srcOrd="3" destOrd="0" parTransId="{48FFE526-360A-654D-BA4C-CDE1B493CB32}" sibTransId="{02D22CBC-E1F6-1343-88C7-B4CC1055E5F2}"/>
-    <dgm:cxn modelId="{ED553B92-3685-C04F-A2F5-951FED1D219A}" type="presOf" srcId="{266B314D-A514-084C-8BD0-F6306A2549E9}" destId="{07B0719F-5044-0446-8C71-9084D3B60B0B}" srcOrd="0" destOrd="0" presId="urn:microsoft.com/office/officeart/2005/8/layout/cycle3"/>
-    <dgm:cxn modelId="{E3D37DAD-547D-9C47-A23F-400331EDF431}" type="presOf" srcId="{E299359A-8E52-B94C-AC1A-C43DAD185B70}" destId="{B4A11C20-9B1C-964B-864F-DCA00D5098C5}" srcOrd="0" destOrd="0" presId="urn:microsoft.com/office/officeart/2005/8/layout/cycle3"/>
-    <dgm:cxn modelId="{E74BD979-0E58-D04D-9BD4-D0426B32EBCB}" type="presOf" srcId="{57CB1F47-846C-2F44-9148-892B165E654D}" destId="{C83FF513-1828-5942-8E66-D72525E5F1B4}" srcOrd="0" destOrd="0" presId="urn:microsoft.com/office/officeart/2005/8/layout/cycle3"/>
-    <dgm:cxn modelId="{9FC6488D-113C-2341-BFE2-CD60DA74B1BD}" srcId="{EE5621F5-D3D0-8A4B-BBB3-18DDFC4961F6}" destId="{266B314D-A514-084C-8BD0-F6306A2549E9}" srcOrd="4" destOrd="0" parTransId="{E650DC2A-9B02-FD41-ACF5-9E881D152F3B}" sibTransId="{29B9791F-4F62-2B49-95E2-B060CDB9E23B}"/>
-    <dgm:cxn modelId="{6CEA2885-2FF7-A84D-92EE-96FB720359EE}" srcId="{EE5621F5-D3D0-8A4B-BBB3-18DDFC4961F6}" destId="{969662E6-715B-0144-95FD-90FCC8806276}" srcOrd="0" destOrd="0" parTransId="{9BB52A8C-F01E-5641-A3B8-A7FFD958FDCD}" sibTransId="{5286684A-2838-DA4B-9F9B-3BF50DFB6A52}"/>
-    <dgm:cxn modelId="{805B51A5-3B7E-6F46-8C31-9FCF8CFD4DD7}" type="presParOf" srcId="{45588A59-4CA8-674D-BE17-47FFBCFC8C6C}" destId="{D38C4822-5EA9-064B-8944-89C0A442ED98}" srcOrd="0" destOrd="0" presId="urn:microsoft.com/office/officeart/2005/8/layout/cycle3"/>
-    <dgm:cxn modelId="{5EC7D182-F1D4-B24F-AF2E-73698E30C7FD}" type="presParOf" srcId="{D38C4822-5EA9-064B-8944-89C0A442ED98}" destId="{1544E92F-9B24-5D48-917E-5B9EB93C24BA}" srcOrd="0" destOrd="0" presId="urn:microsoft.com/office/officeart/2005/8/layout/cycle3"/>
-    <dgm:cxn modelId="{01F2B5C5-1014-4442-A272-F40DA3E78C82}" type="presParOf" srcId="{D38C4822-5EA9-064B-8944-89C0A442ED98}" destId="{ECD6E261-5965-9545-A3D9-1F4060635496}" srcOrd="1" destOrd="0" presId="urn:microsoft.com/office/officeart/2005/8/layout/cycle3"/>
-    <dgm:cxn modelId="{DFDD373E-2363-4D42-A499-A951AE511F6B}" type="presParOf" srcId="{D38C4822-5EA9-064B-8944-89C0A442ED98}" destId="{E5DE6A9E-920F-3341-89E7-1B5E8A40D6CA}" srcOrd="2" destOrd="0" presId="urn:microsoft.com/office/officeart/2005/8/layout/cycle3"/>
-    <dgm:cxn modelId="{CC6DD533-DFFF-914E-B649-E2CC58EFA857}" type="presParOf" srcId="{D38C4822-5EA9-064B-8944-89C0A442ED98}" destId="{EFEDE47D-D20C-ED41-BF3A-97BBB4D965AA}" srcOrd="3" destOrd="0" presId="urn:microsoft.com/office/officeart/2005/8/layout/cycle3"/>
-    <dgm:cxn modelId="{7A37E5EC-5CEB-394F-A3B5-88B87CB2A329}" type="presParOf" srcId="{D38C4822-5EA9-064B-8944-89C0A442ED98}" destId="{C83FF513-1828-5942-8E66-D72525E5F1B4}" srcOrd="4" destOrd="0" presId="urn:microsoft.com/office/officeart/2005/8/layout/cycle3"/>
-    <dgm:cxn modelId="{5299DFCC-C0AC-4C43-84A5-F42640660396}" type="presParOf" srcId="{D38C4822-5EA9-064B-8944-89C0A442ED98}" destId="{07B0719F-5044-0446-8C71-9084D3B60B0B}" srcOrd="5" destOrd="0" presId="urn:microsoft.com/office/officeart/2005/8/layout/cycle3"/>
-    <dgm:cxn modelId="{65A06FE4-A3EB-544E-92D1-B65629D866E8}" type="presParOf" srcId="{D38C4822-5EA9-064B-8944-89C0A442ED98}" destId="{B4A11C20-9B1C-964B-864F-DCA00D5098C5}" srcOrd="6" destOrd="0" presId="urn:microsoft.com/office/officeart/2005/8/layout/cycle3"/>
-  </dgm:cxnLst>
-  <dgm:bg/>
-  <dgm:whole/>
-  <dgm:extLst>
-    <a:ext uri="http://schemas.microsoft.com/office/drawing/2008/diagram">
-      <dsp:dataModelExt xmlns:dsp="http://schemas.microsoft.com/office/drawing/2008/diagram" relId="rId6" minVer="http://schemas.openxmlformats.org/drawingml/2006/diagram"/>
-    </a:ext>
-  </dgm:extLst>
-</dgm:dataModel>
-</file>
-
-<file path=ppt/diagrams/data4.xml><?xml version="1.0" encoding="utf-8"?>
 <dgm:dataModel xmlns:dgm="http://schemas.openxmlformats.org/drawingml/2006/diagram" xmlns:a="http://schemas.openxmlformats.org/drawingml/2006/main">
   <dgm:ptLst>
     <dgm:pt modelId="{3C6EFF4E-FD32-D04F-B144-9BDCFBE2895C}" type="doc">
@@ -5927,12 +5005,12 @@
         </a:fontRef>
       </dsp:style>
       <dsp:txBody>
-        <a:bodyPr spcFirstLastPara="0" vert="horz" wrap="square" lIns="87630" tIns="87630" rIns="87630" bIns="87630" numCol="1" spcCol="1270" anchor="ctr" anchorCtr="0">
+        <a:bodyPr spcFirstLastPara="0" vert="horz" wrap="square" lIns="91440" tIns="91440" rIns="91440" bIns="91440" numCol="1" spcCol="1270" anchor="ctr" anchorCtr="0">
           <a:noAutofit/>
         </a:bodyPr>
         <a:lstStyle/>
         <a:p>
-          <a:pPr lvl="0" algn="ctr" defTabSz="1022350">
+          <a:pPr lvl="0" algn="ctr" defTabSz="1066800">
             <a:lnSpc>
               <a:spcPct val="90000"/>
             </a:lnSpc>
@@ -5944,10 +5022,10 @@
             </a:spcAft>
           </a:pPr>
           <a:r>
-            <a:rPr lang="en-US" sz="2300" kern="1200" dirty="0" smtClean="0"/>
+            <a:rPr lang="en-US" sz="2400" kern="1200" dirty="0" smtClean="0"/>
             <a:t>Correctheid</a:t>
           </a:r>
-          <a:endParaRPr lang="en-US" sz="2300" kern="1200" dirty="0"/>
+          <a:endParaRPr lang="en-US" sz="2400" kern="1200" dirty="0"/>
         </a:p>
       </dsp:txBody>
       <dsp:txXfrm>
@@ -6004,12 +5082,12 @@
         </a:fontRef>
       </dsp:style>
       <dsp:txBody>
-        <a:bodyPr spcFirstLastPara="0" vert="horz" wrap="square" lIns="87630" tIns="87630" rIns="87630" bIns="87630" numCol="1" spcCol="1270" anchor="ctr" anchorCtr="0">
+        <a:bodyPr spcFirstLastPara="0" vert="horz" wrap="square" lIns="91440" tIns="91440" rIns="91440" bIns="91440" numCol="1" spcCol="1270" anchor="ctr" anchorCtr="0">
           <a:noAutofit/>
         </a:bodyPr>
         <a:lstStyle/>
         <a:p>
-          <a:pPr lvl="0" algn="ctr" defTabSz="1022350">
+          <a:pPr lvl="0" algn="ctr" defTabSz="1066800">
             <a:lnSpc>
               <a:spcPct val="90000"/>
             </a:lnSpc>
@@ -6021,10 +5099,10 @@
             </a:spcAft>
           </a:pPr>
           <a:r>
-            <a:rPr lang="en-US" sz="2300" kern="1200" dirty="0" smtClean="0"/>
+            <a:rPr lang="en-US" sz="2400" kern="1200" dirty="0" smtClean="0"/>
             <a:t>Snelheid</a:t>
           </a:r>
-          <a:endParaRPr lang="en-US" sz="2300" kern="1200" dirty="0"/>
+          <a:endParaRPr lang="en-US" sz="2400" kern="1200" dirty="0"/>
         </a:p>
       </dsp:txBody>
       <dsp:txXfrm>
@@ -6098,8 +5176,12 @@
             </a:spcAft>
           </a:pPr>
           <a:r>
-            <a:rPr lang="en-US" sz="2300" kern="1200" dirty="0" smtClean="0"/>
-            <a:t>Gebruiks-vriendelijk</a:t>
+            <a:rPr lang="en-US" sz="2300" kern="1200" dirty="0" err="1" smtClean="0"/>
+            <a:t>Gebruiks-</a:t>
+          </a:r>
+          <a:r>
+            <a:rPr lang="en-US" sz="2300" kern="1200" dirty="0" err="1" smtClean="0"/>
+            <a:t>vriendelijkheid</a:t>
           </a:r>
           <a:endParaRPr lang="en-US" sz="2300" kern="1200" dirty="0"/>
         </a:p>
@@ -6198,63 +5280,17 @@
       <dsp:cNvGrpSpPr/>
     </dsp:nvGrpSpPr>
     <dsp:grpSpPr/>
-    <dsp:sp modelId="{ECD6E261-5965-9545-A3D9-1F4060635496}">
+    <dsp:sp modelId="{D8D58019-30CF-9A42-AAFB-820ADA78567B}">
       <dsp:nvSpPr>
         <dsp:cNvPr id="0" name=""/>
         <dsp:cNvSpPr/>
       </dsp:nvSpPr>
       <dsp:spPr>
         <a:xfrm>
-          <a:off x="1152119" y="-3154"/>
-          <a:ext cx="5256601" cy="4672410"/>
+          <a:off x="288024" y="144014"/>
+          <a:ext cx="1800000" cy="1800000"/>
         </a:xfrm>
-        <a:prstGeom prst="circularArrow">
-          <a:avLst>
-            <a:gd name="adj1" fmla="val 5274"/>
-            <a:gd name="adj2" fmla="val 312630"/>
-            <a:gd name="adj3" fmla="val 14236112"/>
-            <a:gd name="adj4" fmla="val 17122350"/>
-            <a:gd name="adj5" fmla="val 5477"/>
-          </a:avLst>
-        </a:prstGeom>
-        <a:solidFill>
-          <a:schemeClr val="accent1">
-            <a:tint val="40000"/>
-            <a:hueOff val="0"/>
-            <a:satOff val="0"/>
-            <a:lumOff val="0"/>
-            <a:alphaOff val="0"/>
-          </a:schemeClr>
-        </a:solidFill>
-        <a:ln>
-          <a:noFill/>
-        </a:ln>
-        <a:effectLst/>
-      </dsp:spPr>
-      <dsp:style>
-        <a:lnRef idx="0">
-          <a:scrgbClr r="0" g="0" b="0"/>
-        </a:lnRef>
-        <a:fillRef idx="1">
-          <a:scrgbClr r="0" g="0" b="0"/>
-        </a:fillRef>
-        <a:effectRef idx="0">
-          <a:scrgbClr r="0" g="0" b="0"/>
-        </a:effectRef>
-        <a:fontRef idx="minor"/>
-      </dsp:style>
-    </dsp:sp>
-    <dsp:sp modelId="{1544E92F-9B24-5D48-917E-5B9EB93C24BA}">
-      <dsp:nvSpPr>
-        <dsp:cNvPr id="0" name=""/>
-        <dsp:cNvSpPr/>
-      </dsp:nvSpPr>
-      <dsp:spPr>
-        <a:xfrm>
-          <a:off x="2896229" y="2663"/>
-          <a:ext cx="1768380" cy="884190"/>
-        </a:xfrm>
-        <a:prstGeom prst="roundRect">
+        <a:prstGeom prst="ellipse">
           <a:avLst/>
         </a:prstGeom>
         <a:solidFill>
@@ -6293,12 +5329,12 @@
         </a:fontRef>
       </dsp:style>
       <dsp:txBody>
-        <a:bodyPr spcFirstLastPara="0" vert="horz" wrap="square" lIns="64770" tIns="64770" rIns="64770" bIns="64770" numCol="1" spcCol="1270" anchor="ctr" anchorCtr="0">
+        <a:bodyPr spcFirstLastPara="0" vert="horz" wrap="square" lIns="22860" tIns="22860" rIns="22860" bIns="22860" numCol="1" spcCol="1270" anchor="ctr" anchorCtr="0">
           <a:noAutofit/>
         </a:bodyPr>
         <a:lstStyle/>
         <a:p>
-          <a:pPr lvl="0" algn="ctr" defTabSz="755650">
+          <a:pPr lvl="0" algn="ctr" defTabSz="800100">
             <a:lnSpc>
               <a:spcPct val="90000"/>
             </a:lnSpc>
@@ -6310,28 +5346,109 @@
             </a:spcAft>
           </a:pPr>
           <a:r>
-            <a:rPr lang="en-US" sz="1700" kern="1200" dirty="0" smtClean="0"/>
-            <a:t>Bepalen productieregels</a:t>
+            <a:rPr lang="en-US" sz="1800" kern="1200" dirty="0" err="1" smtClean="0"/>
+            <a:t>Bepalen</a:t>
           </a:r>
-          <a:endParaRPr lang="en-US" sz="1700" kern="1200" dirty="0"/>
+          <a:r>
+            <a:rPr lang="en-US" sz="1800" kern="1200" dirty="0" smtClean="0"/>
+            <a:t> </a:t>
+          </a:r>
+          <a:r>
+            <a:rPr lang="en-US" sz="1800" kern="1200" dirty="0" err="1" smtClean="0"/>
+            <a:t>productie</a:t>
+          </a:r>
+          <a:r>
+            <a:rPr lang="en-US" sz="1800" kern="1200" dirty="0" smtClean="0"/>
+            <a:t>-regels</a:t>
+          </a:r>
+          <a:endParaRPr lang="en-US" sz="1800" kern="1200" dirty="0"/>
         </a:p>
       </dsp:txBody>
       <dsp:txXfrm>
-        <a:off x="2939392" y="45826"/>
-        <a:ext cx="1682054" cy="797864"/>
+        <a:off x="551628" y="407618"/>
+        <a:ext cx="1272792" cy="1272792"/>
       </dsp:txXfrm>
     </dsp:sp>
-    <dsp:sp modelId="{E5DE6A9E-920F-3341-89E7-1B5E8A40D6CA}">
+    <dsp:sp modelId="{98B67E09-D17F-5842-830B-20D9D1673B12}">
+      <dsp:nvSpPr>
+        <dsp:cNvPr id="0" name=""/>
+        <dsp:cNvSpPr/>
+      </dsp:nvSpPr>
+      <dsp:spPr>
+        <a:xfrm rot="5">
+          <a:off x="2278170" y="846838"/>
+          <a:ext cx="458076" cy="394355"/>
+        </a:xfrm>
+        <a:prstGeom prst="rightArrow">
+          <a:avLst>
+            <a:gd name="adj1" fmla="val 60000"/>
+            <a:gd name="adj2" fmla="val 50000"/>
+          </a:avLst>
+        </a:prstGeom>
+        <a:solidFill>
+          <a:schemeClr val="accent1">
+            <a:tint val="60000"/>
+            <a:hueOff val="0"/>
+            <a:satOff val="0"/>
+            <a:lumOff val="0"/>
+            <a:alphaOff val="0"/>
+          </a:schemeClr>
+        </a:solidFill>
+        <a:ln>
+          <a:noFill/>
+        </a:ln>
+        <a:effectLst/>
+      </dsp:spPr>
+      <dsp:style>
+        <a:lnRef idx="0">
+          <a:scrgbClr r="0" g="0" b="0"/>
+        </a:lnRef>
+        <a:fillRef idx="1">
+          <a:scrgbClr r="0" g="0" b="0"/>
+        </a:fillRef>
+        <a:effectRef idx="0">
+          <a:scrgbClr r="0" g="0" b="0"/>
+        </a:effectRef>
+        <a:fontRef idx="minor">
+          <a:schemeClr val="lt1"/>
+        </a:fontRef>
+      </dsp:style>
+      <dsp:txBody>
+        <a:bodyPr spcFirstLastPara="0" vert="horz" wrap="square" lIns="0" tIns="0" rIns="0" bIns="0" numCol="1" spcCol="1270" anchor="ctr" anchorCtr="0">
+          <a:noAutofit/>
+        </a:bodyPr>
+        <a:lstStyle/>
+        <a:p>
+          <a:pPr lvl="0" algn="ctr" defTabSz="711200">
+            <a:lnSpc>
+              <a:spcPct val="90000"/>
+            </a:lnSpc>
+            <a:spcBef>
+              <a:spcPct val="0"/>
+            </a:spcBef>
+            <a:spcAft>
+              <a:spcPct val="35000"/>
+            </a:spcAft>
+          </a:pPr>
+          <a:endParaRPr lang="en-US" sz="1600" kern="1200"/>
+        </a:p>
+      </dsp:txBody>
+      <dsp:txXfrm>
+        <a:off x="2278170" y="925709"/>
+        <a:ext cx="339770" cy="236613"/>
+      </dsp:txXfrm>
+    </dsp:sp>
+    <dsp:sp modelId="{FBADAD8C-346F-1946-9AFC-21B444AF4E17}">
       <dsp:nvSpPr>
         <dsp:cNvPr id="0" name=""/>
         <dsp:cNvSpPr/>
       </dsp:nvSpPr>
       <dsp:spPr>
         <a:xfrm>
-          <a:off x="4856356" y="950414"/>
-          <a:ext cx="1768380" cy="884190"/>
+          <a:off x="2952321" y="144017"/>
+          <a:ext cx="1800000" cy="1800000"/>
         </a:xfrm>
-        <a:prstGeom prst="roundRect">
+        <a:prstGeom prst="ellipse">
           <a:avLst/>
         </a:prstGeom>
         <a:solidFill>
@@ -6370,12 +5487,12 @@
         </a:fontRef>
       </dsp:style>
       <dsp:txBody>
-        <a:bodyPr spcFirstLastPara="0" vert="horz" wrap="square" lIns="64770" tIns="64770" rIns="64770" bIns="64770" numCol="1" spcCol="1270" anchor="ctr" anchorCtr="0">
+        <a:bodyPr spcFirstLastPara="0" vert="horz" wrap="square" lIns="22860" tIns="22860" rIns="22860" bIns="22860" numCol="1" spcCol="1270" anchor="ctr" anchorCtr="0">
           <a:noAutofit/>
         </a:bodyPr>
         <a:lstStyle/>
         <a:p>
-          <a:pPr lvl="0" algn="ctr" defTabSz="755650">
+          <a:pPr lvl="0" algn="ctr" defTabSz="800100">
             <a:lnSpc>
               <a:spcPct val="90000"/>
             </a:lnSpc>
@@ -6387,36 +5504,105 @@
             </a:spcAft>
           </a:pPr>
           <a:r>
-            <a:rPr lang="en-US" sz="1700" kern="1200" dirty="0" err="1" smtClean="0"/>
+            <a:rPr lang="en-US" sz="1800" kern="1200" dirty="0" err="1" smtClean="0"/>
             <a:t>Toevoegen</a:t>
           </a:r>
           <a:r>
-            <a:rPr lang="en-US" sz="1700" kern="1200" dirty="0" smtClean="0"/>
+            <a:rPr lang="en-US" sz="1800" kern="1200" dirty="0" smtClean="0"/>
             <a:t> van </a:t>
           </a:r>
           <a:r>
-            <a:rPr lang="en-US" sz="1700" kern="1200" dirty="0" err="1" smtClean="0"/>
-            <a:t>voorbeelden</a:t>
+            <a:rPr lang="en-US" sz="1800" kern="1200" dirty="0" err="1" smtClean="0"/>
+            <a:t>vb’en</a:t>
           </a:r>
-          <a:endParaRPr lang="en-US" sz="1700" kern="1200" dirty="0"/>
+          <a:endParaRPr lang="en-US" sz="1800" kern="1200" dirty="0"/>
         </a:p>
       </dsp:txBody>
       <dsp:txXfrm>
-        <a:off x="4899519" y="993577"/>
-        <a:ext cx="1682054" cy="797864"/>
+        <a:off x="3215925" y="407621"/>
+        <a:ext cx="1272792" cy="1272792"/>
       </dsp:txXfrm>
     </dsp:sp>
-    <dsp:sp modelId="{EFEDE47D-D20C-ED41-BF3A-97BBB4D965AA}">
+    <dsp:sp modelId="{8F7157DE-7093-CD46-B53A-D62209D97B40}">
+      <dsp:nvSpPr>
+        <dsp:cNvPr id="0" name=""/>
+        <dsp:cNvSpPr/>
+      </dsp:nvSpPr>
+      <dsp:spPr>
+        <a:xfrm rot="2">
+          <a:off x="4910783" y="846841"/>
+          <a:ext cx="381747" cy="394355"/>
+        </a:xfrm>
+        <a:prstGeom prst="rightArrow">
+          <a:avLst>
+            <a:gd name="adj1" fmla="val 60000"/>
+            <a:gd name="adj2" fmla="val 50000"/>
+          </a:avLst>
+        </a:prstGeom>
+        <a:solidFill>
+          <a:schemeClr val="accent1">
+            <a:tint val="60000"/>
+            <a:hueOff val="0"/>
+            <a:satOff val="0"/>
+            <a:lumOff val="0"/>
+            <a:alphaOff val="0"/>
+          </a:schemeClr>
+        </a:solidFill>
+        <a:ln>
+          <a:noFill/>
+        </a:ln>
+        <a:effectLst/>
+      </dsp:spPr>
+      <dsp:style>
+        <a:lnRef idx="0">
+          <a:scrgbClr r="0" g="0" b="0"/>
+        </a:lnRef>
+        <a:fillRef idx="1">
+          <a:scrgbClr r="0" g="0" b="0"/>
+        </a:fillRef>
+        <a:effectRef idx="0">
+          <a:scrgbClr r="0" g="0" b="0"/>
+        </a:effectRef>
+        <a:fontRef idx="minor">
+          <a:schemeClr val="lt1"/>
+        </a:fontRef>
+      </dsp:style>
+      <dsp:txBody>
+        <a:bodyPr spcFirstLastPara="0" vert="horz" wrap="square" lIns="0" tIns="0" rIns="0" bIns="0" numCol="1" spcCol="1270" anchor="ctr" anchorCtr="0">
+          <a:noAutofit/>
+        </a:bodyPr>
+        <a:lstStyle/>
+        <a:p>
+          <a:pPr lvl="0" algn="ctr" defTabSz="711200">
+            <a:lnSpc>
+              <a:spcPct val="90000"/>
+            </a:lnSpc>
+            <a:spcBef>
+              <a:spcPct val="0"/>
+            </a:spcBef>
+            <a:spcAft>
+              <a:spcPct val="35000"/>
+            </a:spcAft>
+          </a:pPr>
+          <a:endParaRPr lang="en-US" sz="1600" kern="1200"/>
+        </a:p>
+      </dsp:txBody>
+      <dsp:txXfrm>
+        <a:off x="4910783" y="925712"/>
+        <a:ext cx="267223" cy="236613"/>
+      </dsp:txXfrm>
+    </dsp:sp>
+    <dsp:sp modelId="{DE19F9E7-841B-3548-BF75-BFA1FA9F674D}">
       <dsp:nvSpPr>
         <dsp:cNvPr id="0" name=""/>
         <dsp:cNvSpPr/>
       </dsp:nvSpPr>
       <dsp:spPr>
         <a:xfrm>
-          <a:off x="4856356" y="2845915"/>
-          <a:ext cx="1768380" cy="884190"/>
+          <a:off x="5472601" y="144019"/>
+          <a:ext cx="1800000" cy="1800000"/>
         </a:xfrm>
-        <a:prstGeom prst="roundRect">
+        <a:prstGeom prst="ellipse">
           <a:avLst/>
         </a:prstGeom>
         <a:solidFill>
@@ -6455,12 +5641,12 @@
         </a:fontRef>
       </dsp:style>
       <dsp:txBody>
-        <a:bodyPr spcFirstLastPara="0" vert="horz" wrap="square" lIns="64770" tIns="64770" rIns="64770" bIns="64770" numCol="1" spcCol="1270" anchor="ctr" anchorCtr="0">
+        <a:bodyPr spcFirstLastPara="0" vert="horz" wrap="square" lIns="22860" tIns="22860" rIns="22860" bIns="22860" numCol="1" spcCol="1270" anchor="ctr" anchorCtr="0">
           <a:noAutofit/>
         </a:bodyPr>
         <a:lstStyle/>
         <a:p>
-          <a:pPr lvl="0" algn="ctr" defTabSz="755650">
+          <a:pPr lvl="0" algn="ctr" defTabSz="800100">
             <a:lnSpc>
               <a:spcPct val="90000"/>
             </a:lnSpc>
@@ -6472,28 +5658,109 @@
             </a:spcAft>
           </a:pPr>
           <a:r>
-            <a:rPr lang="en-US" sz="1700" kern="1200" dirty="0" smtClean="0"/>
-            <a:t>Opstellen van de boom</a:t>
+            <a:rPr lang="en-US" sz="1800" kern="1200" dirty="0" err="1" smtClean="0"/>
+            <a:t>Uitbreiden</a:t>
           </a:r>
-          <a:endParaRPr lang="en-US" sz="1700" kern="1200" dirty="0"/>
+          <a:r>
+            <a:rPr lang="en-US" sz="1800" kern="1200" dirty="0" smtClean="0"/>
+            <a:t> en </a:t>
+          </a:r>
+          <a:r>
+            <a:rPr lang="en-US" sz="1800" kern="1200" dirty="0" err="1" smtClean="0"/>
+            <a:t>prunen</a:t>
+          </a:r>
+          <a:r>
+            <a:rPr lang="en-US" sz="1800" kern="1200" dirty="0" smtClean="0"/>
+            <a:t> van de boom</a:t>
+          </a:r>
+          <a:endParaRPr lang="en-US" sz="1800" kern="1200" dirty="0"/>
         </a:p>
       </dsp:txBody>
       <dsp:txXfrm>
-        <a:off x="4899519" y="2889078"/>
-        <a:ext cx="1682054" cy="797864"/>
+        <a:off x="5736205" y="407623"/>
+        <a:ext cx="1272792" cy="1272792"/>
       </dsp:txXfrm>
     </dsp:sp>
-    <dsp:sp modelId="{C83FF513-1828-5942-8E66-D72525E5F1B4}">
+    <dsp:sp modelId="{3BEB4A5E-E390-8C48-9B16-47F4D0F546F2}">
+      <dsp:nvSpPr>
+        <dsp:cNvPr id="0" name=""/>
+        <dsp:cNvSpPr/>
+      </dsp:nvSpPr>
+      <dsp:spPr>
+        <a:xfrm rot="5399990">
+          <a:off x="6124434" y="2201041"/>
+          <a:ext cx="496341" cy="394355"/>
+        </a:xfrm>
+        <a:prstGeom prst="rightArrow">
+          <a:avLst>
+            <a:gd name="adj1" fmla="val 60000"/>
+            <a:gd name="adj2" fmla="val 50000"/>
+          </a:avLst>
+        </a:prstGeom>
+        <a:solidFill>
+          <a:schemeClr val="accent1">
+            <a:tint val="60000"/>
+            <a:hueOff val="0"/>
+            <a:satOff val="0"/>
+            <a:lumOff val="0"/>
+            <a:alphaOff val="0"/>
+          </a:schemeClr>
+        </a:solidFill>
+        <a:ln>
+          <a:noFill/>
+        </a:ln>
+        <a:effectLst/>
+      </dsp:spPr>
+      <dsp:style>
+        <a:lnRef idx="0">
+          <a:scrgbClr r="0" g="0" b="0"/>
+        </a:lnRef>
+        <a:fillRef idx="1">
+          <a:scrgbClr r="0" g="0" b="0"/>
+        </a:fillRef>
+        <a:effectRef idx="0">
+          <a:scrgbClr r="0" g="0" b="0"/>
+        </a:effectRef>
+        <a:fontRef idx="minor">
+          <a:schemeClr val="lt1"/>
+        </a:fontRef>
+      </dsp:style>
+      <dsp:txBody>
+        <a:bodyPr spcFirstLastPara="0" vert="horz" wrap="square" lIns="0" tIns="0" rIns="0" bIns="0" numCol="1" spcCol="1270" anchor="ctr" anchorCtr="0">
+          <a:noAutofit/>
+        </a:bodyPr>
+        <a:lstStyle/>
+        <a:p>
+          <a:pPr lvl="0" algn="ctr" defTabSz="711200">
+            <a:lnSpc>
+              <a:spcPct val="90000"/>
+            </a:lnSpc>
+            <a:spcBef>
+              <a:spcPct val="0"/>
+            </a:spcBef>
+            <a:spcAft>
+              <a:spcPct val="35000"/>
+            </a:spcAft>
+          </a:pPr>
+          <a:endParaRPr lang="en-US" sz="1600" kern="1200"/>
+        </a:p>
+      </dsp:txBody>
+      <dsp:txXfrm>
+        <a:off x="6183587" y="2220759"/>
+        <a:ext cx="378035" cy="236613"/>
+      </dsp:txXfrm>
+    </dsp:sp>
+    <dsp:sp modelId="{80CA9273-0D48-F841-A08B-EABB737F7C92}">
       <dsp:nvSpPr>
         <dsp:cNvPr id="0" name=""/>
         <dsp:cNvSpPr/>
       </dsp:nvSpPr>
       <dsp:spPr>
         <a:xfrm>
-          <a:off x="2896229" y="3793666"/>
-          <a:ext cx="1768380" cy="884190"/>
+          <a:off x="5472609" y="2880512"/>
+          <a:ext cx="1800000" cy="1800000"/>
         </a:xfrm>
-        <a:prstGeom prst="roundRect">
+        <a:prstGeom prst="ellipse">
           <a:avLst/>
         </a:prstGeom>
         <a:solidFill>
@@ -6532,12 +5799,12 @@
         </a:fontRef>
       </dsp:style>
       <dsp:txBody>
-        <a:bodyPr spcFirstLastPara="0" vert="horz" wrap="square" lIns="64770" tIns="64770" rIns="64770" bIns="64770" numCol="1" spcCol="1270" anchor="ctr" anchorCtr="0">
+        <a:bodyPr spcFirstLastPara="0" vert="horz" wrap="square" lIns="22860" tIns="22860" rIns="22860" bIns="22860" numCol="1" spcCol="1270" anchor="ctr" anchorCtr="0">
           <a:noAutofit/>
         </a:bodyPr>
         <a:lstStyle/>
         <a:p>
-          <a:pPr lvl="0" algn="ctr" defTabSz="755650">
+          <a:pPr lvl="0" algn="ctr" defTabSz="800100">
             <a:lnSpc>
               <a:spcPct val="90000"/>
             </a:lnSpc>
@@ -6549,28 +5816,101 @@
             </a:spcAft>
           </a:pPr>
           <a:r>
-            <a:rPr lang="en-US" sz="1700" kern="1200" dirty="0" smtClean="0"/>
-            <a:t>Uitwerken van knooppunten</a:t>
+            <a:rPr lang="en-US" sz="1800" kern="1200" dirty="0" smtClean="0"/>
+            <a:t>Uitwerken van </a:t>
           </a:r>
-          <a:endParaRPr lang="en-US" sz="1700" kern="1200" dirty="0"/>
+          <a:r>
+            <a:rPr lang="en-US" sz="1800" kern="1200" dirty="0" err="1" smtClean="0"/>
+            <a:t>knoop-punten</a:t>
+          </a:r>
+          <a:endParaRPr lang="en-US" sz="1800" kern="1200" dirty="0"/>
         </a:p>
       </dsp:txBody>
       <dsp:txXfrm>
-        <a:off x="2939392" y="3836829"/>
-        <a:ext cx="1682054" cy="797864"/>
+        <a:off x="5736213" y="3144116"/>
+        <a:ext cx="1272792" cy="1272792"/>
       </dsp:txXfrm>
     </dsp:sp>
-    <dsp:sp modelId="{07B0719F-5044-0446-8C71-9084D3B60B0B}">
+    <dsp:sp modelId="{5B9CE903-A2DC-D84F-A88A-809A189E10EE}">
+      <dsp:nvSpPr>
+        <dsp:cNvPr id="0" name=""/>
+        <dsp:cNvSpPr/>
+      </dsp:nvSpPr>
+      <dsp:spPr>
+        <a:xfrm rot="10799991">
+          <a:off x="4932401" y="3583338"/>
+          <a:ext cx="381746" cy="394355"/>
+        </a:xfrm>
+        <a:prstGeom prst="rightArrow">
+          <a:avLst>
+            <a:gd name="adj1" fmla="val 60000"/>
+            <a:gd name="adj2" fmla="val 50000"/>
+          </a:avLst>
+        </a:prstGeom>
+        <a:solidFill>
+          <a:schemeClr val="accent1">
+            <a:tint val="60000"/>
+            <a:hueOff val="0"/>
+            <a:satOff val="0"/>
+            <a:lumOff val="0"/>
+            <a:alphaOff val="0"/>
+          </a:schemeClr>
+        </a:solidFill>
+        <a:ln>
+          <a:noFill/>
+        </a:ln>
+        <a:effectLst/>
+      </dsp:spPr>
+      <dsp:style>
+        <a:lnRef idx="0">
+          <a:scrgbClr r="0" g="0" b="0"/>
+        </a:lnRef>
+        <a:fillRef idx="1">
+          <a:scrgbClr r="0" g="0" b="0"/>
+        </a:fillRef>
+        <a:effectRef idx="0">
+          <a:scrgbClr r="0" g="0" b="0"/>
+        </a:effectRef>
+        <a:fontRef idx="minor">
+          <a:schemeClr val="lt1"/>
+        </a:fontRef>
+      </dsp:style>
+      <dsp:txBody>
+        <a:bodyPr spcFirstLastPara="0" vert="horz" wrap="square" lIns="0" tIns="0" rIns="0" bIns="0" numCol="1" spcCol="1270" anchor="ctr" anchorCtr="0">
+          <a:noAutofit/>
+        </a:bodyPr>
+        <a:lstStyle/>
+        <a:p>
+          <a:pPr lvl="0" algn="ctr" defTabSz="711200">
+            <a:lnSpc>
+              <a:spcPct val="90000"/>
+            </a:lnSpc>
+            <a:spcBef>
+              <a:spcPct val="0"/>
+            </a:spcBef>
+            <a:spcAft>
+              <a:spcPct val="35000"/>
+            </a:spcAft>
+          </a:pPr>
+          <a:endParaRPr lang="en-US" sz="1600" kern="1200"/>
+        </a:p>
+      </dsp:txBody>
+      <dsp:txXfrm rot="10800000">
+        <a:off x="5046925" y="3662209"/>
+        <a:ext cx="267222" cy="236613"/>
+      </dsp:txXfrm>
+    </dsp:sp>
+    <dsp:sp modelId="{ECC1FAFA-5C8D-824D-85C0-D272C0AC010D}">
       <dsp:nvSpPr>
         <dsp:cNvPr id="0" name=""/>
         <dsp:cNvSpPr/>
       </dsp:nvSpPr>
       <dsp:spPr>
         <a:xfrm>
-          <a:off x="936103" y="2845915"/>
-          <a:ext cx="1768380" cy="884190"/>
+          <a:off x="2952331" y="2880519"/>
+          <a:ext cx="1800000" cy="1800000"/>
         </a:xfrm>
-        <a:prstGeom prst="roundRect">
+        <a:prstGeom prst="ellipse">
           <a:avLst/>
         </a:prstGeom>
         <a:solidFill>
@@ -6609,12 +5949,12 @@
         </a:fontRef>
       </dsp:style>
       <dsp:txBody>
-        <a:bodyPr spcFirstLastPara="0" vert="horz" wrap="square" lIns="64770" tIns="64770" rIns="64770" bIns="64770" numCol="1" spcCol="1270" anchor="ctr" anchorCtr="0">
+        <a:bodyPr spcFirstLastPara="0" vert="horz" wrap="square" lIns="22860" tIns="22860" rIns="22860" bIns="22860" numCol="1" spcCol="1270" anchor="ctr" anchorCtr="0">
           <a:noAutofit/>
         </a:bodyPr>
         <a:lstStyle/>
         <a:p>
-          <a:pPr lvl="0" algn="ctr" defTabSz="755650">
+          <a:pPr lvl="0" algn="ctr" defTabSz="800100">
             <a:lnSpc>
               <a:spcPct val="90000"/>
             </a:lnSpc>
@@ -6626,48 +5966,125 @@
             </a:spcAft>
           </a:pPr>
           <a:r>
-            <a:rPr lang="en-US" sz="1700" kern="1200" dirty="0" err="1" smtClean="0"/>
+            <a:rPr lang="en-US" sz="1800" kern="1200" dirty="0" err="1" smtClean="0"/>
             <a:t>Controle</a:t>
           </a:r>
           <a:r>
-            <a:rPr lang="en-US" sz="1700" kern="1200" dirty="0" smtClean="0"/>
+            <a:rPr lang="en-US" sz="1800" kern="1200" dirty="0" smtClean="0"/>
             <a:t> </a:t>
           </a:r>
           <a:r>
-            <a:rPr lang="en-US" sz="1700" kern="1200" dirty="0" err="1" smtClean="0"/>
-            <a:t>mbv</a:t>
+            <a:rPr lang="en-US" sz="1800" kern="1200" dirty="0" smtClean="0"/>
+            <a:t>met </a:t>
           </a:r>
           <a:r>
-            <a:rPr lang="en-US" sz="1700" kern="1200" dirty="0" smtClean="0"/>
+            <a:rPr lang="en-US" sz="1800" kern="1200" dirty="0" err="1" smtClean="0"/>
+            <a:t>behulp</a:t>
+          </a:r>
+          <a:r>
+            <a:rPr lang="en-US" sz="1800" kern="1200" dirty="0" smtClean="0"/>
+            <a:t> van </a:t>
+          </a:r>
+          <a:r>
+            <a:rPr lang="en-US" sz="1800" kern="1200" dirty="0" err="1" smtClean="0"/>
+            <a:t>overige</a:t>
+          </a:r>
+          <a:r>
+            <a:rPr lang="en-US" sz="1800" kern="1200" dirty="0" smtClean="0"/>
             <a:t> </a:t>
           </a:r>
           <a:r>
-            <a:rPr lang="en-US" sz="1700" kern="1200" dirty="0" err="1" smtClean="0"/>
-            <a:t>overige</a:t>
+            <a:rPr lang="en-US" sz="1800" kern="1200" dirty="0" smtClean="0"/>
+            <a:t>vb’en</a:t>
           </a:r>
-          <a:r>
-            <a:rPr lang="en-US" sz="1700" kern="1200" dirty="0" smtClean="0"/>
-            <a:t> vb’en</a:t>
-          </a:r>
-          <a:endParaRPr lang="en-US" sz="1700" kern="1200" dirty="0"/>
+          <a:endParaRPr lang="en-US" sz="1800" kern="1200" dirty="0"/>
         </a:p>
       </dsp:txBody>
       <dsp:txXfrm>
-        <a:off x="979266" y="2889078"/>
-        <a:ext cx="1682054" cy="797864"/>
+        <a:off x="3215935" y="3144123"/>
+        <a:ext cx="1272792" cy="1272792"/>
       </dsp:txXfrm>
     </dsp:sp>
-    <dsp:sp modelId="{B4A11C20-9B1C-964B-864F-DCA00D5098C5}">
+    <dsp:sp modelId="{E568B70A-E8B2-CE45-9CF0-30AA4AF4642F}">
+      <dsp:nvSpPr>
+        <dsp:cNvPr id="0" name=""/>
+        <dsp:cNvSpPr/>
+      </dsp:nvSpPr>
+      <dsp:spPr>
+        <a:xfrm rot="10800003">
+          <a:off x="2304106" y="3583340"/>
+          <a:ext cx="458078" cy="394355"/>
+        </a:xfrm>
+        <a:prstGeom prst="rightArrow">
+          <a:avLst>
+            <a:gd name="adj1" fmla="val 60000"/>
+            <a:gd name="adj2" fmla="val 50000"/>
+          </a:avLst>
+        </a:prstGeom>
+        <a:solidFill>
+          <a:schemeClr val="accent1">
+            <a:tint val="60000"/>
+            <a:hueOff val="0"/>
+            <a:satOff val="0"/>
+            <a:lumOff val="0"/>
+            <a:alphaOff val="0"/>
+          </a:schemeClr>
+        </a:solidFill>
+        <a:ln>
+          <a:noFill/>
+        </a:ln>
+        <a:effectLst/>
+      </dsp:spPr>
+      <dsp:style>
+        <a:lnRef idx="0">
+          <a:scrgbClr r="0" g="0" b="0"/>
+        </a:lnRef>
+        <a:fillRef idx="1">
+          <a:scrgbClr r="0" g="0" b="0"/>
+        </a:fillRef>
+        <a:effectRef idx="0">
+          <a:scrgbClr r="0" g="0" b="0"/>
+        </a:effectRef>
+        <a:fontRef idx="minor">
+          <a:schemeClr val="lt1"/>
+        </a:fontRef>
+      </dsp:style>
+      <dsp:txBody>
+        <a:bodyPr spcFirstLastPara="0" vert="horz" wrap="square" lIns="0" tIns="0" rIns="0" bIns="0" numCol="1" spcCol="1270" anchor="ctr" anchorCtr="0">
+          <a:noAutofit/>
+        </a:bodyPr>
+        <a:lstStyle/>
+        <a:p>
+          <a:pPr lvl="0" algn="ctr" defTabSz="711200">
+            <a:lnSpc>
+              <a:spcPct val="90000"/>
+            </a:lnSpc>
+            <a:spcBef>
+              <a:spcPct val="0"/>
+            </a:spcBef>
+            <a:spcAft>
+              <a:spcPct val="35000"/>
+            </a:spcAft>
+          </a:pPr>
+          <a:endParaRPr lang="en-US" sz="1600" kern="1200"/>
+        </a:p>
+      </dsp:txBody>
+      <dsp:txXfrm rot="10800000">
+        <a:off x="2422412" y="3662211"/>
+        <a:ext cx="339772" cy="236613"/>
+      </dsp:txXfrm>
+    </dsp:sp>
+    <dsp:sp modelId="{CBA38E7C-B2E8-304B-B0B2-FA496374E710}">
       <dsp:nvSpPr>
         <dsp:cNvPr id="0" name=""/>
         <dsp:cNvSpPr/>
       </dsp:nvSpPr>
       <dsp:spPr>
         <a:xfrm>
-          <a:off x="936103" y="950414"/>
-          <a:ext cx="1768380" cy="884190"/>
+          <a:off x="288031" y="2880516"/>
+          <a:ext cx="1800000" cy="1800000"/>
         </a:xfrm>
-        <a:prstGeom prst="roundRect">
+        <a:prstGeom prst="ellipse">
           <a:avLst/>
         </a:prstGeom>
         <a:solidFill>
@@ -6706,12 +6123,12 @@
         </a:fontRef>
       </dsp:style>
       <dsp:txBody>
-        <a:bodyPr spcFirstLastPara="0" vert="horz" wrap="square" lIns="64770" tIns="64770" rIns="64770" bIns="64770" numCol="1" spcCol="1270" anchor="ctr" anchorCtr="0">
+        <a:bodyPr spcFirstLastPara="0" vert="horz" wrap="square" lIns="22860" tIns="22860" rIns="22860" bIns="22860" numCol="1" spcCol="1270" anchor="ctr" anchorCtr="0">
           <a:noAutofit/>
         </a:bodyPr>
         <a:lstStyle/>
         <a:p>
-          <a:pPr lvl="0" algn="ctr" defTabSz="755650">
+          <a:pPr lvl="0" algn="ctr" defTabSz="800100">
             <a:lnSpc>
               <a:spcPct val="90000"/>
             </a:lnSpc>
@@ -6723,56 +6140,35 @@
             </a:spcAft>
           </a:pPr>
           <a:r>
-            <a:rPr lang="en-US" sz="1700" kern="1200" dirty="0" smtClean="0"/>
+            <a:rPr lang="en-US" sz="1800" kern="1200" dirty="0" smtClean="0"/>
             <a:t>Resultaat</a:t>
           </a:r>
-          <a:endParaRPr lang="en-US" sz="1700" kern="1200" dirty="0"/>
+          <a:endParaRPr lang="en-US" sz="1800" kern="1200" dirty="0"/>
         </a:p>
       </dsp:txBody>
       <dsp:txXfrm>
-        <a:off x="979266" y="993577"/>
-        <a:ext cx="1682054" cy="797864"/>
+        <a:off x="551635" y="3144120"/>
+        <a:ext cx="1272792" cy="1272792"/>
       </dsp:txXfrm>
     </dsp:sp>
-  </dsp:spTree>
-</dsp:drawing>
-</file>
-
-<file path=ppt/diagrams/drawing3.xml><?xml version="1.0" encoding="utf-8"?>
-<dsp:drawing xmlns:dgm="http://schemas.openxmlformats.org/drawingml/2006/diagram" xmlns:dsp="http://schemas.microsoft.com/office/drawing/2008/diagram" xmlns:a="http://schemas.openxmlformats.org/drawingml/2006/main">
-  <dsp:spTree>
-    <dsp:nvGrpSpPr>
-      <dsp:cNvPr id="0" name=""/>
-      <dsp:cNvGrpSpPr/>
-    </dsp:nvGrpSpPr>
-    <dsp:grpSpPr/>
-    <dsp:sp modelId="{ECD6E261-5965-9545-A3D9-1F4060635496}">
+    <dsp:sp modelId="{120A9612-3FC4-0C41-84AB-FE4F7CE18771}">
       <dsp:nvSpPr>
         <dsp:cNvPr id="0" name=""/>
         <dsp:cNvSpPr/>
       </dsp:nvSpPr>
       <dsp:spPr>
-        <a:xfrm>
-          <a:off x="1152119" y="-3154"/>
-          <a:ext cx="5256601" cy="4672410"/>
+        <a:xfrm rot="16199992">
+          <a:off x="939855" y="2229135"/>
+          <a:ext cx="496345" cy="394355"/>
         </a:xfrm>
-        <a:prstGeom prst="circularArrow">
+        <a:prstGeom prst="rightArrow">
           <a:avLst>
-            <a:gd name="adj1" fmla="val 5274"/>
-            <a:gd name="adj2" fmla="val 312630"/>
-            <a:gd name="adj3" fmla="val 14236112"/>
-            <a:gd name="adj4" fmla="val 17122350"/>
-            <a:gd name="adj5" fmla="val 5477"/>
+            <a:gd name="adj1" fmla="val 60000"/>
+            <a:gd name="adj2" fmla="val 50000"/>
           </a:avLst>
         </a:prstGeom>
         <a:solidFill>
-          <a:schemeClr val="accent1">
-            <a:tint val="40000"/>
-            <a:hueOff val="0"/>
-            <a:satOff val="0"/>
-            <a:lumOff val="0"/>
-            <a:alphaOff val="0"/>
-          </a:schemeClr>
+          <a:schemeClr val="bg1"/>
         </a:solidFill>
         <a:ln>
           <a:noFill/>
@@ -6789,64 +6185,17 @@
         <a:effectRef idx="0">
           <a:scrgbClr r="0" g="0" b="0"/>
         </a:effectRef>
-        <a:fontRef idx="minor"/>
-      </dsp:style>
-    </dsp:sp>
-    <dsp:sp modelId="{1544E92F-9B24-5D48-917E-5B9EB93C24BA}">
-      <dsp:nvSpPr>
-        <dsp:cNvPr id="0" name=""/>
-        <dsp:cNvSpPr/>
-      </dsp:nvSpPr>
-      <dsp:spPr>
-        <a:xfrm>
-          <a:off x="2896229" y="2663"/>
-          <a:ext cx="1768380" cy="884190"/>
-        </a:xfrm>
-        <a:prstGeom prst="roundRect">
-          <a:avLst/>
-        </a:prstGeom>
-        <a:solidFill>
-          <a:schemeClr val="accent1">
-            <a:hueOff val="0"/>
-            <a:satOff val="0"/>
-            <a:lumOff val="0"/>
-            <a:alphaOff val="0"/>
-          </a:schemeClr>
-        </a:solidFill>
-        <a:ln w="25400" cap="flat" cmpd="sng" algn="ctr">
-          <a:solidFill>
-            <a:schemeClr val="lt1">
-              <a:hueOff val="0"/>
-              <a:satOff val="0"/>
-              <a:lumOff val="0"/>
-              <a:alphaOff val="0"/>
-            </a:schemeClr>
-          </a:solidFill>
-          <a:prstDash val="solid"/>
-        </a:ln>
-        <a:effectLst/>
-      </dsp:spPr>
-      <dsp:style>
-        <a:lnRef idx="2">
-          <a:scrgbClr r="0" g="0" b="0"/>
-        </a:lnRef>
-        <a:fillRef idx="1">
-          <a:scrgbClr r="0" g="0" b="0"/>
-        </a:fillRef>
-        <a:effectRef idx="0">
-          <a:scrgbClr r="0" g="0" b="0"/>
-        </a:effectRef>
         <a:fontRef idx="minor">
           <a:schemeClr val="lt1"/>
         </a:fontRef>
       </dsp:style>
       <dsp:txBody>
-        <a:bodyPr spcFirstLastPara="0" vert="horz" wrap="square" lIns="64770" tIns="64770" rIns="64770" bIns="64770" numCol="1" spcCol="1270" anchor="ctr" anchorCtr="0">
+        <a:bodyPr spcFirstLastPara="0" vert="horz" wrap="square" lIns="0" tIns="0" rIns="0" bIns="0" numCol="1" spcCol="1270" anchor="ctr" anchorCtr="0">
           <a:noAutofit/>
         </a:bodyPr>
         <a:lstStyle/>
         <a:p>
-          <a:pPr lvl="0" algn="ctr" defTabSz="755650">
+          <a:pPr lvl="0" algn="ctr" defTabSz="711200">
             <a:lnSpc>
               <a:spcPct val="90000"/>
             </a:lnSpc>
@@ -6857,444 +6206,19 @@
               <a:spcPct val="35000"/>
             </a:spcAft>
           </a:pPr>
-          <a:r>
-            <a:rPr lang="en-US" sz="1700" kern="1200" dirty="0" smtClean="0"/>
-            <a:t>Bepalen productieregels</a:t>
-          </a:r>
-          <a:endParaRPr lang="en-US" sz="1700" kern="1200" dirty="0"/>
+          <a:endParaRPr lang="en-US" sz="1600" kern="1200"/>
         </a:p>
       </dsp:txBody>
-      <dsp:txXfrm>
-        <a:off x="2939392" y="45826"/>
-        <a:ext cx="1682054" cy="797864"/>
-      </dsp:txXfrm>
-    </dsp:sp>
-    <dsp:sp modelId="{E5DE6A9E-920F-3341-89E7-1B5E8A40D6CA}">
-      <dsp:nvSpPr>
-        <dsp:cNvPr id="0" name=""/>
-        <dsp:cNvSpPr/>
-      </dsp:nvSpPr>
-      <dsp:spPr>
-        <a:xfrm>
-          <a:off x="4856356" y="950414"/>
-          <a:ext cx="1768380" cy="884190"/>
-        </a:xfrm>
-        <a:prstGeom prst="roundRect">
-          <a:avLst/>
-        </a:prstGeom>
-        <a:solidFill>
-          <a:schemeClr val="accent1">
-            <a:hueOff val="0"/>
-            <a:satOff val="0"/>
-            <a:lumOff val="0"/>
-            <a:alphaOff val="0"/>
-          </a:schemeClr>
-        </a:solidFill>
-        <a:ln w="25400" cap="flat" cmpd="sng" algn="ctr">
-          <a:solidFill>
-            <a:schemeClr val="lt1">
-              <a:hueOff val="0"/>
-              <a:satOff val="0"/>
-              <a:lumOff val="0"/>
-              <a:alphaOff val="0"/>
-            </a:schemeClr>
-          </a:solidFill>
-          <a:prstDash val="solid"/>
-        </a:ln>
-        <a:effectLst/>
-      </dsp:spPr>
-      <dsp:style>
-        <a:lnRef idx="2">
-          <a:scrgbClr r="0" g="0" b="0"/>
-        </a:lnRef>
-        <a:fillRef idx="1">
-          <a:scrgbClr r="0" g="0" b="0"/>
-        </a:fillRef>
-        <a:effectRef idx="0">
-          <a:scrgbClr r="0" g="0" b="0"/>
-        </a:effectRef>
-        <a:fontRef idx="minor">
-          <a:schemeClr val="lt1"/>
-        </a:fontRef>
-      </dsp:style>
-      <dsp:txBody>
-        <a:bodyPr spcFirstLastPara="0" vert="horz" wrap="square" lIns="64770" tIns="64770" rIns="64770" bIns="64770" numCol="1" spcCol="1270" anchor="ctr" anchorCtr="0">
-          <a:noAutofit/>
-        </a:bodyPr>
-        <a:lstStyle/>
-        <a:p>
-          <a:pPr lvl="0" algn="ctr" defTabSz="755650">
-            <a:lnSpc>
-              <a:spcPct val="90000"/>
-            </a:lnSpc>
-            <a:spcBef>
-              <a:spcPct val="0"/>
-            </a:spcBef>
-            <a:spcAft>
-              <a:spcPct val="35000"/>
-            </a:spcAft>
-          </a:pPr>
-          <a:r>
-            <a:rPr lang="en-US" sz="1700" kern="1200" dirty="0" err="1" smtClean="0"/>
-            <a:t>Toevoegen</a:t>
-          </a:r>
-          <a:r>
-            <a:rPr lang="en-US" sz="1700" kern="1200" dirty="0" smtClean="0"/>
-            <a:t> van </a:t>
-          </a:r>
-          <a:r>
-            <a:rPr lang="en-US" sz="1700" kern="1200" dirty="0" err="1" smtClean="0"/>
-            <a:t>voorbeelden</a:t>
-          </a:r>
-          <a:endParaRPr lang="en-US" sz="1700" kern="1200" dirty="0"/>
-        </a:p>
-      </dsp:txBody>
-      <dsp:txXfrm>
-        <a:off x="4899519" y="993577"/>
-        <a:ext cx="1682054" cy="797864"/>
-      </dsp:txXfrm>
-    </dsp:sp>
-    <dsp:sp modelId="{EFEDE47D-D20C-ED41-BF3A-97BBB4D965AA}">
-      <dsp:nvSpPr>
-        <dsp:cNvPr id="0" name=""/>
-        <dsp:cNvSpPr/>
-      </dsp:nvSpPr>
-      <dsp:spPr>
-        <a:xfrm>
-          <a:off x="4856356" y="2845915"/>
-          <a:ext cx="1768380" cy="884190"/>
-        </a:xfrm>
-        <a:prstGeom prst="roundRect">
-          <a:avLst/>
-        </a:prstGeom>
-        <a:solidFill>
-          <a:schemeClr val="accent1">
-            <a:hueOff val="0"/>
-            <a:satOff val="0"/>
-            <a:lumOff val="0"/>
-            <a:alphaOff val="0"/>
-          </a:schemeClr>
-        </a:solidFill>
-        <a:ln w="25400" cap="flat" cmpd="sng" algn="ctr">
-          <a:solidFill>
-            <a:schemeClr val="lt1">
-              <a:hueOff val="0"/>
-              <a:satOff val="0"/>
-              <a:lumOff val="0"/>
-              <a:alphaOff val="0"/>
-            </a:schemeClr>
-          </a:solidFill>
-          <a:prstDash val="solid"/>
-        </a:ln>
-        <a:effectLst/>
-      </dsp:spPr>
-      <dsp:style>
-        <a:lnRef idx="2">
-          <a:scrgbClr r="0" g="0" b="0"/>
-        </a:lnRef>
-        <a:fillRef idx="1">
-          <a:scrgbClr r="0" g="0" b="0"/>
-        </a:fillRef>
-        <a:effectRef idx="0">
-          <a:scrgbClr r="0" g="0" b="0"/>
-        </a:effectRef>
-        <a:fontRef idx="minor">
-          <a:schemeClr val="lt1"/>
-        </a:fontRef>
-      </dsp:style>
-      <dsp:txBody>
-        <a:bodyPr spcFirstLastPara="0" vert="horz" wrap="square" lIns="64770" tIns="64770" rIns="64770" bIns="64770" numCol="1" spcCol="1270" anchor="ctr" anchorCtr="0">
-          <a:noAutofit/>
-        </a:bodyPr>
-        <a:lstStyle/>
-        <a:p>
-          <a:pPr lvl="0" algn="ctr" defTabSz="755650">
-            <a:lnSpc>
-              <a:spcPct val="90000"/>
-            </a:lnSpc>
-            <a:spcBef>
-              <a:spcPct val="0"/>
-            </a:spcBef>
-            <a:spcAft>
-              <a:spcPct val="35000"/>
-            </a:spcAft>
-          </a:pPr>
-          <a:r>
-            <a:rPr lang="en-US" sz="1700" kern="1200" dirty="0" smtClean="0"/>
-            <a:t>Opstellen van de </a:t>
-          </a:r>
-          <a:r>
-            <a:rPr lang="en-US" sz="1700" b="1" kern="1200" dirty="0" smtClean="0"/>
-            <a:t>BOOM</a:t>
-          </a:r>
-          <a:endParaRPr lang="en-US" sz="1700" b="1" kern="1200" dirty="0"/>
-        </a:p>
-      </dsp:txBody>
-      <dsp:txXfrm>
-        <a:off x="4899519" y="2889078"/>
-        <a:ext cx="1682054" cy="797864"/>
-      </dsp:txXfrm>
-    </dsp:sp>
-    <dsp:sp modelId="{C83FF513-1828-5942-8E66-D72525E5F1B4}">
-      <dsp:nvSpPr>
-        <dsp:cNvPr id="0" name=""/>
-        <dsp:cNvSpPr/>
-      </dsp:nvSpPr>
-      <dsp:spPr>
-        <a:xfrm>
-          <a:off x="2896229" y="3793666"/>
-          <a:ext cx="1768380" cy="884190"/>
-        </a:xfrm>
-        <a:prstGeom prst="roundRect">
-          <a:avLst/>
-        </a:prstGeom>
-        <a:solidFill>
-          <a:schemeClr val="accent1">
-            <a:hueOff val="0"/>
-            <a:satOff val="0"/>
-            <a:lumOff val="0"/>
-            <a:alphaOff val="0"/>
-          </a:schemeClr>
-        </a:solidFill>
-        <a:ln w="25400" cap="flat" cmpd="sng" algn="ctr">
-          <a:solidFill>
-            <a:schemeClr val="lt1">
-              <a:hueOff val="0"/>
-              <a:satOff val="0"/>
-              <a:lumOff val="0"/>
-              <a:alphaOff val="0"/>
-            </a:schemeClr>
-          </a:solidFill>
-          <a:prstDash val="solid"/>
-        </a:ln>
-        <a:effectLst/>
-      </dsp:spPr>
-      <dsp:style>
-        <a:lnRef idx="2">
-          <a:scrgbClr r="0" g="0" b="0"/>
-        </a:lnRef>
-        <a:fillRef idx="1">
-          <a:scrgbClr r="0" g="0" b="0"/>
-        </a:fillRef>
-        <a:effectRef idx="0">
-          <a:scrgbClr r="0" g="0" b="0"/>
-        </a:effectRef>
-        <a:fontRef idx="minor">
-          <a:schemeClr val="lt1"/>
-        </a:fontRef>
-      </dsp:style>
-      <dsp:txBody>
-        <a:bodyPr spcFirstLastPara="0" vert="horz" wrap="square" lIns="64770" tIns="64770" rIns="64770" bIns="64770" numCol="1" spcCol="1270" anchor="ctr" anchorCtr="0">
-          <a:noAutofit/>
-        </a:bodyPr>
-        <a:lstStyle/>
-        <a:p>
-          <a:pPr lvl="0" algn="ctr" defTabSz="755650">
-            <a:lnSpc>
-              <a:spcPct val="90000"/>
-            </a:lnSpc>
-            <a:spcBef>
-              <a:spcPct val="0"/>
-            </a:spcBef>
-            <a:spcAft>
-              <a:spcPct val="35000"/>
-            </a:spcAft>
-          </a:pPr>
-          <a:r>
-            <a:rPr lang="en-US" sz="1700" kern="1200" dirty="0" err="1" smtClean="0"/>
-            <a:t>Evaluatie</a:t>
-          </a:r>
-          <a:r>
-            <a:rPr lang="en-US" sz="1700" kern="1200" dirty="0" smtClean="0"/>
-            <a:t> van de knooppunten</a:t>
-          </a:r>
-          <a:endParaRPr lang="en-US" sz="1700" kern="1200" dirty="0"/>
-        </a:p>
-      </dsp:txBody>
-      <dsp:txXfrm>
-        <a:off x="2939392" y="3836829"/>
-        <a:ext cx="1682054" cy="797864"/>
-      </dsp:txXfrm>
-    </dsp:sp>
-    <dsp:sp modelId="{07B0719F-5044-0446-8C71-9084D3B60B0B}">
-      <dsp:nvSpPr>
-        <dsp:cNvPr id="0" name=""/>
-        <dsp:cNvSpPr/>
-      </dsp:nvSpPr>
-      <dsp:spPr>
-        <a:xfrm>
-          <a:off x="936103" y="2845915"/>
-          <a:ext cx="1768380" cy="884190"/>
-        </a:xfrm>
-        <a:prstGeom prst="roundRect">
-          <a:avLst/>
-        </a:prstGeom>
-        <a:solidFill>
-          <a:schemeClr val="accent1">
-            <a:hueOff val="0"/>
-            <a:satOff val="0"/>
-            <a:lumOff val="0"/>
-            <a:alphaOff val="0"/>
-          </a:schemeClr>
-        </a:solidFill>
-        <a:ln w="25400" cap="flat" cmpd="sng" algn="ctr">
-          <a:solidFill>
-            <a:schemeClr val="lt1">
-              <a:hueOff val="0"/>
-              <a:satOff val="0"/>
-              <a:lumOff val="0"/>
-              <a:alphaOff val="0"/>
-            </a:schemeClr>
-          </a:solidFill>
-          <a:prstDash val="solid"/>
-        </a:ln>
-        <a:effectLst/>
-      </dsp:spPr>
-      <dsp:style>
-        <a:lnRef idx="2">
-          <a:scrgbClr r="0" g="0" b="0"/>
-        </a:lnRef>
-        <a:fillRef idx="1">
-          <a:scrgbClr r="0" g="0" b="0"/>
-        </a:fillRef>
-        <a:effectRef idx="0">
-          <a:scrgbClr r="0" g="0" b="0"/>
-        </a:effectRef>
-        <a:fontRef idx="minor">
-          <a:schemeClr val="lt1"/>
-        </a:fontRef>
-      </dsp:style>
-      <dsp:txBody>
-        <a:bodyPr spcFirstLastPara="0" vert="horz" wrap="square" lIns="64770" tIns="64770" rIns="64770" bIns="64770" numCol="1" spcCol="1270" anchor="ctr" anchorCtr="0">
-          <a:noAutofit/>
-        </a:bodyPr>
-        <a:lstStyle/>
-        <a:p>
-          <a:pPr lvl="0" algn="ctr" defTabSz="755650">
-            <a:lnSpc>
-              <a:spcPct val="90000"/>
-            </a:lnSpc>
-            <a:spcBef>
-              <a:spcPct val="0"/>
-            </a:spcBef>
-            <a:spcAft>
-              <a:spcPct val="35000"/>
-            </a:spcAft>
-          </a:pPr>
-          <a:r>
-            <a:rPr lang="en-US" sz="1700" kern="1200" dirty="0" err="1" smtClean="0"/>
-            <a:t>Controle</a:t>
-          </a:r>
-          <a:r>
-            <a:rPr lang="en-US" sz="1700" kern="1200" dirty="0" smtClean="0"/>
-            <a:t> </a:t>
-          </a:r>
-          <a:r>
-            <a:rPr lang="en-US" sz="1700" kern="1200" dirty="0" err="1" smtClean="0"/>
-            <a:t>mbv</a:t>
-          </a:r>
-          <a:r>
-            <a:rPr lang="en-US" sz="1700" kern="1200" dirty="0" smtClean="0"/>
-            <a:t> </a:t>
-          </a:r>
-          <a:r>
-            <a:rPr lang="en-US" sz="1700" kern="1200" dirty="0" err="1" smtClean="0"/>
-            <a:t>overige</a:t>
-          </a:r>
-          <a:r>
-            <a:rPr lang="en-US" sz="1700" kern="1200" dirty="0" smtClean="0"/>
-            <a:t> vb’en</a:t>
-          </a:r>
-          <a:endParaRPr lang="en-US" sz="1700" kern="1200" dirty="0"/>
-        </a:p>
-      </dsp:txBody>
-      <dsp:txXfrm>
-        <a:off x="979266" y="2889078"/>
-        <a:ext cx="1682054" cy="797864"/>
-      </dsp:txXfrm>
-    </dsp:sp>
-    <dsp:sp modelId="{B4A11C20-9B1C-964B-864F-DCA00D5098C5}">
-      <dsp:nvSpPr>
-        <dsp:cNvPr id="0" name=""/>
-        <dsp:cNvSpPr/>
-      </dsp:nvSpPr>
-      <dsp:spPr>
-        <a:xfrm>
-          <a:off x="936103" y="950414"/>
-          <a:ext cx="1768380" cy="884190"/>
-        </a:xfrm>
-        <a:prstGeom prst="roundRect">
-          <a:avLst/>
-        </a:prstGeom>
-        <a:solidFill>
-          <a:schemeClr val="accent1">
-            <a:hueOff val="0"/>
-            <a:satOff val="0"/>
-            <a:lumOff val="0"/>
-            <a:alphaOff val="0"/>
-          </a:schemeClr>
-        </a:solidFill>
-        <a:ln w="25400" cap="flat" cmpd="sng" algn="ctr">
-          <a:solidFill>
-            <a:schemeClr val="lt1">
-              <a:hueOff val="0"/>
-              <a:satOff val="0"/>
-              <a:lumOff val="0"/>
-              <a:alphaOff val="0"/>
-            </a:schemeClr>
-          </a:solidFill>
-          <a:prstDash val="solid"/>
-        </a:ln>
-        <a:effectLst/>
-      </dsp:spPr>
-      <dsp:style>
-        <a:lnRef idx="2">
-          <a:scrgbClr r="0" g="0" b="0"/>
-        </a:lnRef>
-        <a:fillRef idx="1">
-          <a:scrgbClr r="0" g="0" b="0"/>
-        </a:fillRef>
-        <a:effectRef idx="0">
-          <a:scrgbClr r="0" g="0" b="0"/>
-        </a:effectRef>
-        <a:fontRef idx="minor">
-          <a:schemeClr val="lt1"/>
-        </a:fontRef>
-      </dsp:style>
-      <dsp:txBody>
-        <a:bodyPr spcFirstLastPara="0" vert="horz" wrap="square" lIns="64770" tIns="64770" rIns="64770" bIns="64770" numCol="1" spcCol="1270" anchor="ctr" anchorCtr="0">
-          <a:noAutofit/>
-        </a:bodyPr>
-        <a:lstStyle/>
-        <a:p>
-          <a:pPr lvl="0" algn="ctr" defTabSz="755650">
-            <a:lnSpc>
-              <a:spcPct val="90000"/>
-            </a:lnSpc>
-            <a:spcBef>
-              <a:spcPct val="0"/>
-            </a:spcBef>
-            <a:spcAft>
-              <a:spcPct val="35000"/>
-            </a:spcAft>
-          </a:pPr>
-          <a:r>
-            <a:rPr lang="en-US" sz="1700" kern="1200" dirty="0" smtClean="0"/>
-            <a:t>Resultaat</a:t>
-          </a:r>
-          <a:endParaRPr lang="en-US" sz="1700" kern="1200" dirty="0"/>
-        </a:p>
-      </dsp:txBody>
-      <dsp:txXfrm>
-        <a:off x="979266" y="993577"/>
-        <a:ext cx="1682054" cy="797864"/>
+      <dsp:txXfrm rot="10800000">
+        <a:off x="999008" y="2367159"/>
+        <a:ext cx="378039" cy="236613"/>
       </dsp:txXfrm>
     </dsp:sp>
   </dsp:spTree>
 </dsp:drawing>
 </file>
 
-<file path=ppt/diagrams/drawing4.xml><?xml version="1.0" encoding="utf-8"?>
+<file path=ppt/diagrams/drawing3.xml><?xml version="1.0" encoding="utf-8"?>
 <dsp:drawing xmlns:dgm="http://schemas.openxmlformats.org/drawingml/2006/diagram" xmlns:dsp="http://schemas.microsoft.com/office/drawing/2008/diagram" xmlns:a="http://schemas.openxmlformats.org/drawingml/2006/main">
   <dsp:spTree>
     <dsp:nvGrpSpPr>
@@ -7854,11 +6778,12 @@
 </file>
 
 <file path=ppt/diagrams/layout2.xml><?xml version="1.0" encoding="utf-8"?>
-<dgm:layoutDef xmlns:dgm="http://schemas.openxmlformats.org/drawingml/2006/diagram" xmlns:a="http://schemas.openxmlformats.org/drawingml/2006/main" uniqueId="urn:microsoft.com/office/officeart/2005/8/layout/cycle3">
+<dgm:layoutDef xmlns:dgm="http://schemas.openxmlformats.org/drawingml/2006/diagram" xmlns:a="http://schemas.openxmlformats.org/drawingml/2006/main" uniqueId="urn:microsoft.com/office/officeart/2005/8/layout/cycle2">
   <dgm:title val=""/>
   <dgm:desc val=""/>
   <dgm:catLst>
-    <dgm:cat type="cycle" pri="5000"/>
+    <dgm:cat type="cycle" pri="1000"/>
+    <dgm:cat type="convert" pri="10000"/>
   </dgm:catLst>
   <dgm:sampData>
     <dgm:dataModel>
@@ -7931,735 +6856,139 @@
       <dgm:whole/>
     </dgm:dataModel>
   </dgm:clrData>
-  <dgm:layoutNode name="Name0">
+  <dgm:layoutNode name="cycle">
     <dgm:varLst>
       <dgm:dir/>
       <dgm:resizeHandles val="exact"/>
     </dgm:varLst>
-    <dgm:choose name="Name1">
-      <dgm:if name="Name2" axis="ch" ptType="node" func="cnt" op="equ" val="2">
-        <dgm:alg type="composite">
-          <dgm:param type="ar" val="0.9"/>
+    <dgm:choose name="Name0">
+      <dgm:if name="Name1" func="var" arg="dir" op="equ" val="norm">
+        <dgm:choose name="Name2">
+          <dgm:if name="Name3" axis="ch" ptType="node" func="cnt" op="gt" val="2">
+            <dgm:alg type="cycle">
+              <dgm:param type="stAng" val="0"/>
+              <dgm:param type="spanAng" val="360"/>
+            </dgm:alg>
+          </dgm:if>
+          <dgm:else name="Name4">
+            <dgm:alg type="cycle">
+              <dgm:param type="stAng" val="-90"/>
+              <dgm:param type="spanAng" val="360"/>
+            </dgm:alg>
+          </dgm:else>
+        </dgm:choose>
+      </dgm:if>
+      <dgm:else name="Name5">
+        <dgm:choose name="Name6">
+          <dgm:if name="Name7" axis="ch" ptType="node" func="cnt" op="gt" val="2">
+            <dgm:alg type="cycle">
+              <dgm:param type="stAng" val="0"/>
+              <dgm:param type="spanAng" val="-360"/>
+            </dgm:alg>
+          </dgm:if>
+          <dgm:else name="Name8">
+            <dgm:alg type="cycle">
+              <dgm:param type="stAng" val="90"/>
+              <dgm:param type="spanAng" val="-360"/>
+            </dgm:alg>
+          </dgm:else>
+        </dgm:choose>
+      </dgm:else>
+    </dgm:choose>
+    <dgm:shape xmlns:r="http://schemas.openxmlformats.org/officeDocument/2006/relationships" r:blip="">
+      <dgm:adjLst/>
+    </dgm:shape>
+    <dgm:presOf/>
+    <dgm:constrLst>
+      <dgm:constr type="w" for="ch" ptType="node" refType="w"/>
+      <dgm:constr type="w" for="ch" ptType="sibTrans" refType="w" refFor="ch" refPtType="node" op="equ" fact="0.25"/>
+      <dgm:constr type="sibSp" refType="w" refFor="ch" refPtType="node" fact="0.5"/>
+      <dgm:constr type="primFontSz" for="ch" ptType="node" op="equ" val="65"/>
+      <dgm:constr type="primFontSz" for="des" forName="connectorText" op="equ" val="55"/>
+      <dgm:constr type="primFontSz" for="des" forName="connectorText" refType="primFontSz" refFor="ch" refPtType="node" op="lte" fact="0.8"/>
+    </dgm:constrLst>
+    <dgm:ruleLst/>
+    <dgm:forEach name="nodesForEach" axis="ch" ptType="node">
+      <dgm:layoutNode name="node">
+        <dgm:varLst>
+          <dgm:bulletEnabled val="1"/>
+        </dgm:varLst>
+        <dgm:alg type="tx">
+          <dgm:param type="txAnchorVertCh" val="mid"/>
         </dgm:alg>
-        <dgm:shape xmlns:r="http://schemas.openxmlformats.org/officeDocument/2006/relationships" r:blip="">
+        <dgm:shape xmlns:r="http://schemas.openxmlformats.org/officeDocument/2006/relationships" type="ellipse" r:blip="">
           <dgm:adjLst/>
         </dgm:shape>
-        <dgm:presOf/>
+        <dgm:presOf axis="desOrSelf" ptType="node"/>
         <dgm:constrLst>
-          <dgm:constr type="primFontSz" for="ch" ptType="node" op="equ" val="65"/>
-          <dgm:constr type="ctrX" for="ch" forName="node1" refType="w" fact="0.5"/>
-          <dgm:constr type="t" for="ch" forName="node1"/>
-          <dgm:constr type="w" for="ch" forName="node1" refType="w" fact="0.8"/>
-          <dgm:constr type="h" for="ch" forName="node1" refType="w" refFor="ch" refForName="node1" fact="0.5"/>
-          <dgm:constr type="ctrX" for="ch" forName="sibTrans" refType="w" fact="0.5"/>
-          <dgm:constr type="t" for="ch" forName="sibTrans"/>
-          <dgm:constr type="w" for="ch" forName="sibTrans" refType="w" fact="0.8"/>
-          <dgm:constr type="h" for="ch" forName="sibTrans" refType="w" refFor="ch" refForName="node1" fact="0.5"/>
-          <dgm:constr type="userA" for="ch" forName="sibTrans" refType="w" fact="1.07"/>
-          <dgm:constr type="ctrX" for="ch" forName="node2" refType="w" fact="0.5"/>
-          <dgm:constr type="b" for="ch" forName="node2" refType="h"/>
-          <dgm:constr type="w" for="ch" forName="node2" refType="w" fact="0.8"/>
-          <dgm:constr type="h" for="ch" forName="node2" refType="w" refFor="ch" refForName="node1" fact="0.5"/>
-          <dgm:constr type="l" for="ch" forName="sp1"/>
-          <dgm:constr type="t" for="ch" forName="sp1" refType="h" fact="0.5"/>
-          <dgm:constr type="w" for="ch" forName="sp1" val="1"/>
-          <dgm:constr type="h" for="ch" forName="sp1" val="1"/>
-          <dgm:constr type="r" for="ch" forName="sp2" refType="w"/>
-          <dgm:constr type="t" for="ch" forName="sp2" refType="h" fact="0.5"/>
-          <dgm:constr type="w" for="ch" forName="sp2" val="1"/>
-          <dgm:constr type="h" for="ch" forName="sp2" val="1"/>
+          <dgm:constr type="h" refType="w"/>
+          <dgm:constr type="lMarg" refType="primFontSz" fact="0.1"/>
+          <dgm:constr type="rMarg" refType="primFontSz" fact="0.1"/>
+          <dgm:constr type="tMarg" refType="primFontSz" fact="0.1"/>
+          <dgm:constr type="bMarg" refType="primFontSz" fact="0.1"/>
         </dgm:constrLst>
-        <dgm:ruleLst/>
-      </dgm:if>
-      <dgm:else name="Name3">
-        <dgm:alg type="composite"/>
-        <dgm:shape xmlns:r="http://schemas.openxmlformats.org/officeDocument/2006/relationships" r:blip="">
-          <dgm:adjLst/>
-        </dgm:shape>
-        <dgm:presOf/>
-        <dgm:constrLst>
-          <dgm:constr type="primFontSz" for="ch" ptType="node" op="equ" val="65"/>
-        </dgm:constrLst>
-        <dgm:ruleLst/>
-      </dgm:else>
-    </dgm:choose>
-    <dgm:choose name="Name4">
-      <dgm:if name="Name5" axis="ch" ptType="node" func="cnt" op="equ" val="2">
-        <dgm:layoutNode name="node1">
-          <dgm:varLst>
-            <dgm:bulletEnabled val="1"/>
-          </dgm:varLst>
-          <dgm:alg type="tx"/>
-          <dgm:shape xmlns:r="http://schemas.openxmlformats.org/officeDocument/2006/relationships" type="roundRect" r:blip="">
-            <dgm:adjLst/>
-          </dgm:shape>
-          <dgm:presOf axis="ch desOrSelf" ptType="node node" st="1 1" cnt="1 0"/>
-          <dgm:constrLst>
-            <dgm:constr type="tMarg" refType="primFontSz" fact="0.3"/>
-            <dgm:constr type="bMarg" refType="primFontSz" fact="0.3"/>
-            <dgm:constr type="lMarg" refType="primFontSz" fact="0.3"/>
-            <dgm:constr type="rMarg" refType="primFontSz" fact="0.3"/>
-          </dgm:constrLst>
-          <dgm:ruleLst>
-            <dgm:rule type="primFontSz" val="5" fact="NaN" max="NaN"/>
-          </dgm:ruleLst>
-        </dgm:layoutNode>
-        <dgm:layoutNode name="sibTrans" styleLbl="bgShp">
-          <dgm:choose name="Name6">
-            <dgm:if name="Name7" func="var" arg="dir" op="equ" val="norm">
-              <dgm:alg type="conn">
-                <dgm:param type="connRout" val="longCurve"/>
-                <dgm:param type="begPts" val="midR"/>
-                <dgm:param type="endPts" val="midL"/>
-                <dgm:param type="dstNode" val="node1"/>
-              </dgm:alg>
-              <dgm:shape xmlns:r="http://schemas.openxmlformats.org/officeDocument/2006/relationships" type="conn" r:blip="" zOrderOff="-2">
+        <dgm:ruleLst>
+          <dgm:rule type="primFontSz" val="5" fact="NaN" max="NaN"/>
+        </dgm:ruleLst>
+      </dgm:layoutNode>
+      <dgm:choose name="Name9">
+        <dgm:if name="Name10" axis="par ch" ptType="doc node" func="cnt" op="gt" val="1">
+          <dgm:forEach name="sibTransForEach" axis="followSib" ptType="sibTrans" hideLastTrans="0" cnt="1">
+            <dgm:layoutNode name="sibTrans">
+              <dgm:choose name="Name11">
+                <dgm:if name="Name12" axis="par ch" ptType="doc node" func="cnt" op="lt" val="3">
+                  <dgm:alg type="conn">
+                    <dgm:param type="begPts" val="radial"/>
+                    <dgm:param type="endPts" val="radial"/>
+                  </dgm:alg>
+                </dgm:if>
+                <dgm:else name="Name13">
+                  <dgm:alg type="conn">
+                    <dgm:param type="begPts" val="auto"/>
+                    <dgm:param type="endPts" val="auto"/>
+                  </dgm:alg>
+                </dgm:else>
+              </dgm:choose>
+              <dgm:shape xmlns:r="http://schemas.openxmlformats.org/officeDocument/2006/relationships" type="conn" r:blip="">
                 <dgm:adjLst/>
               </dgm:shape>
-              <dgm:presOf axis="ch" ptType="sibTrans"/>
+              <dgm:presOf axis="self"/>
               <dgm:constrLst>
-                <dgm:constr type="userA"/>
-                <dgm:constr type="diam" refType="userA" fact="-1"/>
-                <dgm:constr type="wArH" refType="userA" fact="0.05"/>
-                <dgm:constr type="hArH" refType="userA" fact="0.1"/>
-                <dgm:constr type="stemThick" refType="userA" fact="0.06"/>
-                <dgm:constr type="begPad" refType="connDist" fact="-0.2"/>
-                <dgm:constr type="endPad" refType="connDist" fact="0.05"/>
+                <dgm:constr type="h" refType="w" fact="1.35"/>
+                <dgm:constr type="connDist"/>
+                <dgm:constr type="w" for="ch" refType="connDist" fact="0.45"/>
+                <dgm:constr type="h" for="ch" refType="h"/>
               </dgm:constrLst>
-            </dgm:if>
-            <dgm:else name="Name8">
-              <dgm:alg type="conn">
-                <dgm:param type="connRout" val="longCurve"/>
-                <dgm:param type="begPts" val="midL"/>
-                <dgm:param type="endPts" val="midR"/>
-                <dgm:param type="dstNode" val="node1"/>
-              </dgm:alg>
-              <dgm:shape xmlns:r="http://schemas.openxmlformats.org/officeDocument/2006/relationships" type="conn" r:blip="" zOrderOff="-2">
-                <dgm:adjLst/>
-              </dgm:shape>
-              <dgm:presOf axis="ch" ptType="sibTrans"/>
-              <dgm:constrLst>
-                <dgm:constr type="userA"/>
-                <dgm:constr type="diam" refType="userA"/>
-                <dgm:constr type="wArH" refType="userA" fact="0.05"/>
-                <dgm:constr type="hArH" refType="userA" fact="0.1"/>
-                <dgm:constr type="stemThick" refType="userA" fact="0.06"/>
-                <dgm:constr type="begPad" refType="connDist" fact="-0.2"/>
-                <dgm:constr type="endPad" refType="connDist" fact="0.05"/>
-              </dgm:constrLst>
-            </dgm:else>
-          </dgm:choose>
-          <dgm:ruleLst/>
-        </dgm:layoutNode>
-        <dgm:layoutNode name="node2">
-          <dgm:varLst>
-            <dgm:bulletEnabled val="1"/>
-          </dgm:varLst>
-          <dgm:alg type="tx"/>
-          <dgm:shape xmlns:r="http://schemas.openxmlformats.org/officeDocument/2006/relationships" type="roundRect" r:blip="">
-            <dgm:adjLst/>
-          </dgm:shape>
-          <dgm:presOf axis="ch desOrSelf" ptType="node node" st="2 1" cnt="1 0"/>
-          <dgm:constrLst>
-            <dgm:constr type="tMarg" refType="primFontSz" fact="0.3"/>
-            <dgm:constr type="bMarg" refType="primFontSz" fact="0.3"/>
-            <dgm:constr type="lMarg" refType="primFontSz" fact="0.3"/>
-            <dgm:constr type="rMarg" refType="primFontSz" fact="0.3"/>
-          </dgm:constrLst>
-          <dgm:ruleLst>
-            <dgm:rule type="primFontSz" val="5" fact="NaN" max="NaN"/>
-          </dgm:ruleLst>
-        </dgm:layoutNode>
-        <dgm:layoutNode name="sp1">
-          <dgm:alg type="sp"/>
-          <dgm:shape xmlns:r="http://schemas.openxmlformats.org/officeDocument/2006/relationships" r:blip="">
-            <dgm:adjLst/>
-          </dgm:shape>
-          <dgm:presOf/>
-          <dgm:constrLst/>
-          <dgm:ruleLst/>
-        </dgm:layoutNode>
-        <dgm:layoutNode name="sp2">
-          <dgm:alg type="sp"/>
-          <dgm:shape xmlns:r="http://schemas.openxmlformats.org/officeDocument/2006/relationships" r:blip="">
-            <dgm:adjLst/>
-          </dgm:shape>
-          <dgm:presOf/>
-          <dgm:constrLst/>
-          <dgm:ruleLst/>
-        </dgm:layoutNode>
-      </dgm:if>
-      <dgm:else name="Name9">
-        <dgm:layoutNode name="cycle">
-          <dgm:choose name="Name10">
-            <dgm:if name="Name11" func="var" arg="dir" op="equ" val="norm">
-              <dgm:alg type="cycle">
-                <dgm:param type="stAng" val="0"/>
-                <dgm:param type="spanAng" val="360"/>
-              </dgm:alg>
-              <dgm:shape xmlns:r="http://schemas.openxmlformats.org/officeDocument/2006/relationships" r:blip="">
-                <dgm:adjLst/>
-              </dgm:shape>
-              <dgm:presOf/>
-              <dgm:constrLst>
-                <dgm:constr type="diam" refType="w"/>
-                <dgm:constr type="w" for="ch" ptType="node" refType="w"/>
-                <dgm:constr type="sibSp" val="15"/>
-                <dgm:constr type="userA" for="ch" ptType="sibTrans" refType="diam" op="equ" fact="-1"/>
-                <dgm:constr type="wArH" for="ch" ptType="sibTrans" refType="diam" op="equ" fact="0.05"/>
-                <dgm:constr type="hArH" for="ch" ptType="sibTrans" refType="diam" op="equ" fact="0.1"/>
-                <dgm:constr type="stemThick" for="ch" ptType="sibTrans" refType="diam" op="equ" fact="0.065"/>
-                <dgm:constr type="primFontSz" for="ch" ptType="node" op="equ"/>
-              </dgm:constrLst>
-            </dgm:if>
-            <dgm:else name="Name12">
-              <dgm:alg type="cycle">
-                <dgm:param type="stAng" val="0"/>
-                <dgm:param type="spanAng" val="-360"/>
-              </dgm:alg>
-              <dgm:shape xmlns:r="http://schemas.openxmlformats.org/officeDocument/2006/relationships" r:blip="">
-                <dgm:adjLst/>
-              </dgm:shape>
-              <dgm:presOf/>
-              <dgm:constrLst>
-                <dgm:constr type="diam" refType="w"/>
-                <dgm:constr type="w" for="ch" ptType="node" refType="w"/>
-                <dgm:constr type="sibSp" val="15"/>
-                <dgm:constr type="userA" for="ch" ptType="sibTrans" refType="diam" op="equ"/>
-                <dgm:constr type="wArH" for="ch" ptType="sibTrans" refType="diam" op="equ" fact="0.05"/>
-                <dgm:constr type="hArH" for="ch" ptType="sibTrans" refType="diam" op="equ" fact="0.1"/>
-                <dgm:constr type="stemThick" for="ch" ptType="sibTrans" refType="diam" op="equ" fact="0.065"/>
-                <dgm:constr type="primFontSz" for="ch" ptType="node" op="equ"/>
-              </dgm:constrLst>
-            </dgm:else>
-          </dgm:choose>
-          <dgm:ruleLst/>
-          <dgm:forEach name="nodesFirstNodeForEach" axis="ch" ptType="node" cnt="1">
-            <dgm:layoutNode name="nodeFirstNode">
-              <dgm:varLst>
-                <dgm:bulletEnabled val="1"/>
-              </dgm:varLst>
-              <dgm:alg type="tx"/>
-              <dgm:shape xmlns:r="http://schemas.openxmlformats.org/officeDocument/2006/relationships" type="roundRect" r:blip="">
-                <dgm:adjLst/>
-              </dgm:shape>
-              <dgm:presOf axis="desOrSelf" ptType="node"/>
-              <dgm:constrLst>
-                <dgm:constr type="h" refType="w" fact="0.5"/>
-                <dgm:constr type="primFontSz" val="65"/>
-                <dgm:constr type="tMarg" refType="primFontSz" fact="0.3"/>
-                <dgm:constr type="bMarg" refType="primFontSz" fact="0.3"/>
-                <dgm:constr type="lMarg" refType="primFontSz" fact="0.3"/>
-                <dgm:constr type="rMarg" refType="primFontSz" fact="0.3"/>
-              </dgm:constrLst>
-              <dgm:ruleLst>
-                <dgm:rule type="primFontSz" val="5" fact="NaN" max="NaN"/>
-              </dgm:ruleLst>
-            </dgm:layoutNode>
-            <dgm:forEach name="sibTransForEach" axis="followSib" ptType="sibTrans" cnt="1">
-              <dgm:layoutNode name="sibTransFirstNode" styleLbl="bgShp">
-                <dgm:choose name="Name13">
-                  <dgm:if name="Name14" func="var" arg="dir" op="equ" val="norm">
-                    <dgm:alg type="conn">
-                      <dgm:param type="connRout" val="longCurve"/>
-                      <dgm:param type="begPts" val="midR"/>
-                      <dgm:param type="endPts" val="midL"/>
-                      <dgm:param type="dstNode" val="nodeFirstNode"/>
-                    </dgm:alg>
-                  </dgm:if>
-                  <dgm:else name="Name15">
-                    <dgm:alg type="conn">
-                      <dgm:param type="connRout" val="longCurve"/>
-                      <dgm:param type="begPts" val="midL"/>
-                      <dgm:param type="endPts" val="midR"/>
-                      <dgm:param type="dstNode" val="nodeFirstNode"/>
-                    </dgm:alg>
-                  </dgm:else>
-                </dgm:choose>
-                <dgm:shape xmlns:r="http://schemas.openxmlformats.org/officeDocument/2006/relationships" type="conn" r:blip="" zOrderOff="-2">
+              <dgm:ruleLst/>
+              <dgm:layoutNode name="connectorText">
+                <dgm:alg type="tx">
+                  <dgm:param type="autoTxRot" val="grav"/>
+                </dgm:alg>
+                <dgm:shape xmlns:r="http://schemas.openxmlformats.org/officeDocument/2006/relationships" type="conn" r:blip="" hideGeom="1">
                   <dgm:adjLst/>
                 </dgm:shape>
                 <dgm:presOf axis="self"/>
-                <dgm:choose name="Name16">
-                  <dgm:if name="Name17" axis="par ch" ptType="doc node" func="cnt" op="equ" val="3">
-                    <dgm:constrLst>
-                      <dgm:constr type="userA"/>
-                      <dgm:constr type="diam" refType="userA" fact="1.01"/>
-                      <dgm:constr type="begPad" refType="connDist" fact="-0.2"/>
-                      <dgm:constr type="endPad" refType="connDist" fact="0.05"/>
-                    </dgm:constrLst>
-                  </dgm:if>
-                  <dgm:if name="Name18" axis="par ch" ptType="doc node" func="cnt" op="equ" val="4">
-                    <dgm:constrLst>
-                      <dgm:constr type="userA"/>
-                      <dgm:constr type="diam" refType="userA" fact="1.26"/>
-                      <dgm:constr type="begPad" refType="connDist" fact="-0.2"/>
-                      <dgm:constr type="endPad" refType="connDist" fact="0.05"/>
-                    </dgm:constrLst>
-                  </dgm:if>
-                  <dgm:if name="Name19" axis="par ch" ptType="doc node" func="cnt" op="equ" val="5">
-                    <dgm:constrLst>
-                      <dgm:constr type="userA"/>
-                      <dgm:constr type="diam" refType="userA" fact="1.04"/>
-                      <dgm:constr type="begPad" refType="connDist" fact="-0.2"/>
-                      <dgm:constr type="endPad" refType="connDist" fact="0.05"/>
-                    </dgm:constrLst>
-                  </dgm:if>
-                  <dgm:if name="Name20" axis="par ch" ptType="doc node" func="cnt" op="equ" val="6">
-                    <dgm:constrLst>
-                      <dgm:constr type="userA"/>
-                      <dgm:constr type="diam" refType="userA" fact="1.1"/>
-                      <dgm:constr type="begPad" refType="connDist" fact="-0.2"/>
-                      <dgm:constr type="endPad" refType="connDist" fact="0.05"/>
-                    </dgm:constrLst>
-                  </dgm:if>
-                  <dgm:else name="Name21">
-                    <dgm:constrLst>
-                      <dgm:constr type="userA"/>
-                      <dgm:constr type="diam" refType="userA" fact="1.04"/>
-                      <dgm:constr type="begPad" refType="connDist" fact="-0.2"/>
-                      <dgm:constr type="endPad" refType="connDist" fact="0.05"/>
-                    </dgm:constrLst>
-                  </dgm:else>
-                </dgm:choose>
-                <dgm:ruleLst/>
+                <dgm:constrLst>
+                  <dgm:constr type="lMarg"/>
+                  <dgm:constr type="rMarg"/>
+                  <dgm:constr type="tMarg"/>
+                  <dgm:constr type="bMarg"/>
+                </dgm:constrLst>
+                <dgm:ruleLst>
+                  <dgm:rule type="primFontSz" val="5" fact="NaN" max="NaN"/>
+                </dgm:ruleLst>
               </dgm:layoutNode>
-            </dgm:forEach>
-          </dgm:forEach>
-          <dgm:forEach name="followingNodesForEach" axis="ch" ptType="node" st="2">
-            <dgm:layoutNode name="nodeFollowingNodes">
-              <dgm:varLst>
-                <dgm:bulletEnabled val="1"/>
-              </dgm:varLst>
-              <dgm:alg type="tx"/>
-              <dgm:shape xmlns:r="http://schemas.openxmlformats.org/officeDocument/2006/relationships" type="roundRect" r:blip="">
-                <dgm:adjLst/>
-              </dgm:shape>
-              <dgm:presOf axis="desOrSelf" ptType="node"/>
-              <dgm:constrLst>
-                <dgm:constr type="h" refType="w" fact="0.5"/>
-                <dgm:constr type="primFontSz" val="65"/>
-                <dgm:constr type="tMarg" refType="primFontSz" fact="0.3"/>
-                <dgm:constr type="bMarg" refType="primFontSz" fact="0.3"/>
-                <dgm:constr type="lMarg" refType="primFontSz" fact="0.3"/>
-                <dgm:constr type="rMarg" refType="primFontSz" fact="0.3"/>
-              </dgm:constrLst>
-              <dgm:ruleLst>
-                <dgm:rule type="primFontSz" val="5" fact="NaN" max="NaN"/>
-              </dgm:ruleLst>
             </dgm:layoutNode>
           </dgm:forEach>
-        </dgm:layoutNode>
-      </dgm:else>
-    </dgm:choose>
+        </dgm:if>
+        <dgm:else name="Name14"/>
+      </dgm:choose>
+    </dgm:forEach>
   </dgm:layoutNode>
 </dgm:layoutDef>
 </file>
 
 <file path=ppt/diagrams/layout3.xml><?xml version="1.0" encoding="utf-8"?>
-<dgm:layoutDef xmlns:dgm="http://schemas.openxmlformats.org/drawingml/2006/diagram" xmlns:a="http://schemas.openxmlformats.org/drawingml/2006/main" uniqueId="urn:microsoft.com/office/officeart/2005/8/layout/cycle3">
-  <dgm:title val=""/>
-  <dgm:desc val=""/>
-  <dgm:catLst>
-    <dgm:cat type="cycle" pri="5000"/>
-  </dgm:catLst>
-  <dgm:sampData>
-    <dgm:dataModel>
-      <dgm:ptLst>
-        <dgm:pt modelId="0" type="doc"/>
-        <dgm:pt modelId="1">
-          <dgm:prSet phldr="1"/>
-        </dgm:pt>
-        <dgm:pt modelId="2">
-          <dgm:prSet phldr="1"/>
-        </dgm:pt>
-        <dgm:pt modelId="3">
-          <dgm:prSet phldr="1"/>
-        </dgm:pt>
-        <dgm:pt modelId="4">
-          <dgm:prSet phldr="1"/>
-        </dgm:pt>
-        <dgm:pt modelId="5">
-          <dgm:prSet phldr="1"/>
-        </dgm:pt>
-      </dgm:ptLst>
-      <dgm:cxnLst>
-        <dgm:cxn modelId="6" srcId="0" destId="1" srcOrd="0" destOrd="0"/>
-        <dgm:cxn modelId="7" srcId="0" destId="2" srcOrd="1" destOrd="0"/>
-        <dgm:cxn modelId="8" srcId="0" destId="3" srcOrd="2" destOrd="0"/>
-        <dgm:cxn modelId="9" srcId="0" destId="4" srcOrd="3" destOrd="0"/>
-        <dgm:cxn modelId="10" srcId="0" destId="5" srcOrd="4" destOrd="0"/>
-      </dgm:cxnLst>
-      <dgm:bg/>
-      <dgm:whole/>
-    </dgm:dataModel>
-  </dgm:sampData>
-  <dgm:styleData>
-    <dgm:dataModel>
-      <dgm:ptLst>
-        <dgm:pt modelId="0" type="doc"/>
-        <dgm:pt modelId="1"/>
-        <dgm:pt modelId="2"/>
-        <dgm:pt modelId="3"/>
-      </dgm:ptLst>
-      <dgm:cxnLst>
-        <dgm:cxn modelId="4" srcId="0" destId="1" srcOrd="0" destOrd="0"/>
-        <dgm:cxn modelId="5" srcId="0" destId="2" srcOrd="1" destOrd="0"/>
-        <dgm:cxn modelId="6" srcId="0" destId="3" srcOrd="2" destOrd="0"/>
-      </dgm:cxnLst>
-      <dgm:bg/>
-      <dgm:whole/>
-    </dgm:dataModel>
-  </dgm:styleData>
-  <dgm:clrData>
-    <dgm:dataModel>
-      <dgm:ptLst>
-        <dgm:pt modelId="0" type="doc"/>
-        <dgm:pt modelId="1"/>
-        <dgm:pt modelId="2"/>
-        <dgm:pt modelId="3"/>
-        <dgm:pt modelId="4"/>
-        <dgm:pt modelId="5"/>
-        <dgm:pt modelId="6"/>
-      </dgm:ptLst>
-      <dgm:cxnLst>
-        <dgm:cxn modelId="7" srcId="0" destId="1" srcOrd="0" destOrd="0"/>
-        <dgm:cxn modelId="8" srcId="0" destId="2" srcOrd="1" destOrd="0"/>
-        <dgm:cxn modelId="9" srcId="0" destId="3" srcOrd="2" destOrd="0"/>
-        <dgm:cxn modelId="10" srcId="0" destId="4" srcOrd="3" destOrd="0"/>
-        <dgm:cxn modelId="11" srcId="0" destId="5" srcOrd="4" destOrd="0"/>
-        <dgm:cxn modelId="12" srcId="0" destId="6" srcOrd="5" destOrd="0"/>
-      </dgm:cxnLst>
-      <dgm:bg/>
-      <dgm:whole/>
-    </dgm:dataModel>
-  </dgm:clrData>
-  <dgm:layoutNode name="Name0">
-    <dgm:varLst>
-      <dgm:dir/>
-      <dgm:resizeHandles val="exact"/>
-    </dgm:varLst>
-    <dgm:choose name="Name1">
-      <dgm:if name="Name2" axis="ch" ptType="node" func="cnt" op="equ" val="2">
-        <dgm:alg type="composite">
-          <dgm:param type="ar" val="0.9"/>
-        </dgm:alg>
-        <dgm:shape xmlns:r="http://schemas.openxmlformats.org/officeDocument/2006/relationships" r:blip="">
-          <dgm:adjLst/>
-        </dgm:shape>
-        <dgm:presOf/>
-        <dgm:constrLst>
-          <dgm:constr type="primFontSz" for="ch" ptType="node" op="equ" val="65"/>
-          <dgm:constr type="ctrX" for="ch" forName="node1" refType="w" fact="0.5"/>
-          <dgm:constr type="t" for="ch" forName="node1"/>
-          <dgm:constr type="w" for="ch" forName="node1" refType="w" fact="0.8"/>
-          <dgm:constr type="h" for="ch" forName="node1" refType="w" refFor="ch" refForName="node1" fact="0.5"/>
-          <dgm:constr type="ctrX" for="ch" forName="sibTrans" refType="w" fact="0.5"/>
-          <dgm:constr type="t" for="ch" forName="sibTrans"/>
-          <dgm:constr type="w" for="ch" forName="sibTrans" refType="w" fact="0.8"/>
-          <dgm:constr type="h" for="ch" forName="sibTrans" refType="w" refFor="ch" refForName="node1" fact="0.5"/>
-          <dgm:constr type="userA" for="ch" forName="sibTrans" refType="w" fact="1.07"/>
-          <dgm:constr type="ctrX" for="ch" forName="node2" refType="w" fact="0.5"/>
-          <dgm:constr type="b" for="ch" forName="node2" refType="h"/>
-          <dgm:constr type="w" for="ch" forName="node2" refType="w" fact="0.8"/>
-          <dgm:constr type="h" for="ch" forName="node2" refType="w" refFor="ch" refForName="node1" fact="0.5"/>
-          <dgm:constr type="l" for="ch" forName="sp1"/>
-          <dgm:constr type="t" for="ch" forName="sp1" refType="h" fact="0.5"/>
-          <dgm:constr type="w" for="ch" forName="sp1" val="1"/>
-          <dgm:constr type="h" for="ch" forName="sp1" val="1"/>
-          <dgm:constr type="r" for="ch" forName="sp2" refType="w"/>
-          <dgm:constr type="t" for="ch" forName="sp2" refType="h" fact="0.5"/>
-          <dgm:constr type="w" for="ch" forName="sp2" val="1"/>
-          <dgm:constr type="h" for="ch" forName="sp2" val="1"/>
-        </dgm:constrLst>
-        <dgm:ruleLst/>
-      </dgm:if>
-      <dgm:else name="Name3">
-        <dgm:alg type="composite"/>
-        <dgm:shape xmlns:r="http://schemas.openxmlformats.org/officeDocument/2006/relationships" r:blip="">
-          <dgm:adjLst/>
-        </dgm:shape>
-        <dgm:presOf/>
-        <dgm:constrLst>
-          <dgm:constr type="primFontSz" for="ch" ptType="node" op="equ" val="65"/>
-        </dgm:constrLst>
-        <dgm:ruleLst/>
-      </dgm:else>
-    </dgm:choose>
-    <dgm:choose name="Name4">
-      <dgm:if name="Name5" axis="ch" ptType="node" func="cnt" op="equ" val="2">
-        <dgm:layoutNode name="node1">
-          <dgm:varLst>
-            <dgm:bulletEnabled val="1"/>
-          </dgm:varLst>
-          <dgm:alg type="tx"/>
-          <dgm:shape xmlns:r="http://schemas.openxmlformats.org/officeDocument/2006/relationships" type="roundRect" r:blip="">
-            <dgm:adjLst/>
-          </dgm:shape>
-          <dgm:presOf axis="ch desOrSelf" ptType="node node" st="1 1" cnt="1 0"/>
-          <dgm:constrLst>
-            <dgm:constr type="tMarg" refType="primFontSz" fact="0.3"/>
-            <dgm:constr type="bMarg" refType="primFontSz" fact="0.3"/>
-            <dgm:constr type="lMarg" refType="primFontSz" fact="0.3"/>
-            <dgm:constr type="rMarg" refType="primFontSz" fact="0.3"/>
-          </dgm:constrLst>
-          <dgm:ruleLst>
-            <dgm:rule type="primFontSz" val="5" fact="NaN" max="NaN"/>
-          </dgm:ruleLst>
-        </dgm:layoutNode>
-        <dgm:layoutNode name="sibTrans" styleLbl="bgShp">
-          <dgm:choose name="Name6">
-            <dgm:if name="Name7" func="var" arg="dir" op="equ" val="norm">
-              <dgm:alg type="conn">
-                <dgm:param type="connRout" val="longCurve"/>
-                <dgm:param type="begPts" val="midR"/>
-                <dgm:param type="endPts" val="midL"/>
-                <dgm:param type="dstNode" val="node1"/>
-              </dgm:alg>
-              <dgm:shape xmlns:r="http://schemas.openxmlformats.org/officeDocument/2006/relationships" type="conn" r:blip="" zOrderOff="-2">
-                <dgm:adjLst/>
-              </dgm:shape>
-              <dgm:presOf axis="ch" ptType="sibTrans"/>
-              <dgm:constrLst>
-                <dgm:constr type="userA"/>
-                <dgm:constr type="diam" refType="userA" fact="-1"/>
-                <dgm:constr type="wArH" refType="userA" fact="0.05"/>
-                <dgm:constr type="hArH" refType="userA" fact="0.1"/>
-                <dgm:constr type="stemThick" refType="userA" fact="0.06"/>
-                <dgm:constr type="begPad" refType="connDist" fact="-0.2"/>
-                <dgm:constr type="endPad" refType="connDist" fact="0.05"/>
-              </dgm:constrLst>
-            </dgm:if>
-            <dgm:else name="Name8">
-              <dgm:alg type="conn">
-                <dgm:param type="connRout" val="longCurve"/>
-                <dgm:param type="begPts" val="midL"/>
-                <dgm:param type="endPts" val="midR"/>
-                <dgm:param type="dstNode" val="node1"/>
-              </dgm:alg>
-              <dgm:shape xmlns:r="http://schemas.openxmlformats.org/officeDocument/2006/relationships" type="conn" r:blip="" zOrderOff="-2">
-                <dgm:adjLst/>
-              </dgm:shape>
-              <dgm:presOf axis="ch" ptType="sibTrans"/>
-              <dgm:constrLst>
-                <dgm:constr type="userA"/>
-                <dgm:constr type="diam" refType="userA"/>
-                <dgm:constr type="wArH" refType="userA" fact="0.05"/>
-                <dgm:constr type="hArH" refType="userA" fact="0.1"/>
-                <dgm:constr type="stemThick" refType="userA" fact="0.06"/>
-                <dgm:constr type="begPad" refType="connDist" fact="-0.2"/>
-                <dgm:constr type="endPad" refType="connDist" fact="0.05"/>
-              </dgm:constrLst>
-            </dgm:else>
-          </dgm:choose>
-          <dgm:ruleLst/>
-        </dgm:layoutNode>
-        <dgm:layoutNode name="node2">
-          <dgm:varLst>
-            <dgm:bulletEnabled val="1"/>
-          </dgm:varLst>
-          <dgm:alg type="tx"/>
-          <dgm:shape xmlns:r="http://schemas.openxmlformats.org/officeDocument/2006/relationships" type="roundRect" r:blip="">
-            <dgm:adjLst/>
-          </dgm:shape>
-          <dgm:presOf axis="ch desOrSelf" ptType="node node" st="2 1" cnt="1 0"/>
-          <dgm:constrLst>
-            <dgm:constr type="tMarg" refType="primFontSz" fact="0.3"/>
-            <dgm:constr type="bMarg" refType="primFontSz" fact="0.3"/>
-            <dgm:constr type="lMarg" refType="primFontSz" fact="0.3"/>
-            <dgm:constr type="rMarg" refType="primFontSz" fact="0.3"/>
-          </dgm:constrLst>
-          <dgm:ruleLst>
-            <dgm:rule type="primFontSz" val="5" fact="NaN" max="NaN"/>
-          </dgm:ruleLst>
-        </dgm:layoutNode>
-        <dgm:layoutNode name="sp1">
-          <dgm:alg type="sp"/>
-          <dgm:shape xmlns:r="http://schemas.openxmlformats.org/officeDocument/2006/relationships" r:blip="">
-            <dgm:adjLst/>
-          </dgm:shape>
-          <dgm:presOf/>
-          <dgm:constrLst/>
-          <dgm:ruleLst/>
-        </dgm:layoutNode>
-        <dgm:layoutNode name="sp2">
-          <dgm:alg type="sp"/>
-          <dgm:shape xmlns:r="http://schemas.openxmlformats.org/officeDocument/2006/relationships" r:blip="">
-            <dgm:adjLst/>
-          </dgm:shape>
-          <dgm:presOf/>
-          <dgm:constrLst/>
-          <dgm:ruleLst/>
-        </dgm:layoutNode>
-      </dgm:if>
-      <dgm:else name="Name9">
-        <dgm:layoutNode name="cycle">
-          <dgm:choose name="Name10">
-            <dgm:if name="Name11" func="var" arg="dir" op="equ" val="norm">
-              <dgm:alg type="cycle">
-                <dgm:param type="stAng" val="0"/>
-                <dgm:param type="spanAng" val="360"/>
-              </dgm:alg>
-              <dgm:shape xmlns:r="http://schemas.openxmlformats.org/officeDocument/2006/relationships" r:blip="">
-                <dgm:adjLst/>
-              </dgm:shape>
-              <dgm:presOf/>
-              <dgm:constrLst>
-                <dgm:constr type="diam" refType="w"/>
-                <dgm:constr type="w" for="ch" ptType="node" refType="w"/>
-                <dgm:constr type="sibSp" val="15"/>
-                <dgm:constr type="userA" for="ch" ptType="sibTrans" refType="diam" op="equ" fact="-1"/>
-                <dgm:constr type="wArH" for="ch" ptType="sibTrans" refType="diam" op="equ" fact="0.05"/>
-                <dgm:constr type="hArH" for="ch" ptType="sibTrans" refType="diam" op="equ" fact="0.1"/>
-                <dgm:constr type="stemThick" for="ch" ptType="sibTrans" refType="diam" op="equ" fact="0.065"/>
-                <dgm:constr type="primFontSz" for="ch" ptType="node" op="equ"/>
-              </dgm:constrLst>
-            </dgm:if>
-            <dgm:else name="Name12">
-              <dgm:alg type="cycle">
-                <dgm:param type="stAng" val="0"/>
-                <dgm:param type="spanAng" val="-360"/>
-              </dgm:alg>
-              <dgm:shape xmlns:r="http://schemas.openxmlformats.org/officeDocument/2006/relationships" r:blip="">
-                <dgm:adjLst/>
-              </dgm:shape>
-              <dgm:presOf/>
-              <dgm:constrLst>
-                <dgm:constr type="diam" refType="w"/>
-                <dgm:constr type="w" for="ch" ptType="node" refType="w"/>
-                <dgm:constr type="sibSp" val="15"/>
-                <dgm:constr type="userA" for="ch" ptType="sibTrans" refType="diam" op="equ"/>
-                <dgm:constr type="wArH" for="ch" ptType="sibTrans" refType="diam" op="equ" fact="0.05"/>
-                <dgm:constr type="hArH" for="ch" ptType="sibTrans" refType="diam" op="equ" fact="0.1"/>
-                <dgm:constr type="stemThick" for="ch" ptType="sibTrans" refType="diam" op="equ" fact="0.065"/>
-                <dgm:constr type="primFontSz" for="ch" ptType="node" op="equ"/>
-              </dgm:constrLst>
-            </dgm:else>
-          </dgm:choose>
-          <dgm:ruleLst/>
-          <dgm:forEach name="nodesFirstNodeForEach" axis="ch" ptType="node" cnt="1">
-            <dgm:layoutNode name="nodeFirstNode">
-              <dgm:varLst>
-                <dgm:bulletEnabled val="1"/>
-              </dgm:varLst>
-              <dgm:alg type="tx"/>
-              <dgm:shape xmlns:r="http://schemas.openxmlformats.org/officeDocument/2006/relationships" type="roundRect" r:blip="">
-                <dgm:adjLst/>
-              </dgm:shape>
-              <dgm:presOf axis="desOrSelf" ptType="node"/>
-              <dgm:constrLst>
-                <dgm:constr type="h" refType="w" fact="0.5"/>
-                <dgm:constr type="primFontSz" val="65"/>
-                <dgm:constr type="tMarg" refType="primFontSz" fact="0.3"/>
-                <dgm:constr type="bMarg" refType="primFontSz" fact="0.3"/>
-                <dgm:constr type="lMarg" refType="primFontSz" fact="0.3"/>
-                <dgm:constr type="rMarg" refType="primFontSz" fact="0.3"/>
-              </dgm:constrLst>
-              <dgm:ruleLst>
-                <dgm:rule type="primFontSz" val="5" fact="NaN" max="NaN"/>
-              </dgm:ruleLst>
-            </dgm:layoutNode>
-            <dgm:forEach name="sibTransForEach" axis="followSib" ptType="sibTrans" cnt="1">
-              <dgm:layoutNode name="sibTransFirstNode" styleLbl="bgShp">
-                <dgm:choose name="Name13">
-                  <dgm:if name="Name14" func="var" arg="dir" op="equ" val="norm">
-                    <dgm:alg type="conn">
-                      <dgm:param type="connRout" val="longCurve"/>
-                      <dgm:param type="begPts" val="midR"/>
-                      <dgm:param type="endPts" val="midL"/>
-                      <dgm:param type="dstNode" val="nodeFirstNode"/>
-                    </dgm:alg>
-                  </dgm:if>
-                  <dgm:else name="Name15">
-                    <dgm:alg type="conn">
-                      <dgm:param type="connRout" val="longCurve"/>
-                      <dgm:param type="begPts" val="midL"/>
-                      <dgm:param type="endPts" val="midR"/>
-                      <dgm:param type="dstNode" val="nodeFirstNode"/>
-                    </dgm:alg>
-                  </dgm:else>
-                </dgm:choose>
-                <dgm:shape xmlns:r="http://schemas.openxmlformats.org/officeDocument/2006/relationships" type="conn" r:blip="" zOrderOff="-2">
-                  <dgm:adjLst/>
-                </dgm:shape>
-                <dgm:presOf axis="self"/>
-                <dgm:choose name="Name16">
-                  <dgm:if name="Name17" axis="par ch" ptType="doc node" func="cnt" op="equ" val="3">
-                    <dgm:constrLst>
-                      <dgm:constr type="userA"/>
-                      <dgm:constr type="diam" refType="userA" fact="1.01"/>
-                      <dgm:constr type="begPad" refType="connDist" fact="-0.2"/>
-                      <dgm:constr type="endPad" refType="connDist" fact="0.05"/>
-                    </dgm:constrLst>
-                  </dgm:if>
-                  <dgm:if name="Name18" axis="par ch" ptType="doc node" func="cnt" op="equ" val="4">
-                    <dgm:constrLst>
-                      <dgm:constr type="userA"/>
-                      <dgm:constr type="diam" refType="userA" fact="1.26"/>
-                      <dgm:constr type="begPad" refType="connDist" fact="-0.2"/>
-                      <dgm:constr type="endPad" refType="connDist" fact="0.05"/>
-                    </dgm:constrLst>
-                  </dgm:if>
-                  <dgm:if name="Name19" axis="par ch" ptType="doc node" func="cnt" op="equ" val="5">
-                    <dgm:constrLst>
-                      <dgm:constr type="userA"/>
-                      <dgm:constr type="diam" refType="userA" fact="1.04"/>
-                      <dgm:constr type="begPad" refType="connDist" fact="-0.2"/>
-                      <dgm:constr type="endPad" refType="connDist" fact="0.05"/>
-                    </dgm:constrLst>
-                  </dgm:if>
-                  <dgm:if name="Name20" axis="par ch" ptType="doc node" func="cnt" op="equ" val="6">
-                    <dgm:constrLst>
-                      <dgm:constr type="userA"/>
-                      <dgm:constr type="diam" refType="userA" fact="1.1"/>
-                      <dgm:constr type="begPad" refType="connDist" fact="-0.2"/>
-                      <dgm:constr type="endPad" refType="connDist" fact="0.05"/>
-                    </dgm:constrLst>
-                  </dgm:if>
-                  <dgm:else name="Name21">
-                    <dgm:constrLst>
-                      <dgm:constr type="userA"/>
-                      <dgm:constr type="diam" refType="userA" fact="1.04"/>
-                      <dgm:constr type="begPad" refType="connDist" fact="-0.2"/>
-                      <dgm:constr type="endPad" refType="connDist" fact="0.05"/>
-                    </dgm:constrLst>
-                  </dgm:else>
-                </dgm:choose>
-                <dgm:ruleLst/>
-              </dgm:layoutNode>
-            </dgm:forEach>
-          </dgm:forEach>
-          <dgm:forEach name="followingNodesForEach" axis="ch" ptType="node" st="2">
-            <dgm:layoutNode name="nodeFollowingNodes">
-              <dgm:varLst>
-                <dgm:bulletEnabled val="1"/>
-              </dgm:varLst>
-              <dgm:alg type="tx"/>
-              <dgm:shape xmlns:r="http://schemas.openxmlformats.org/officeDocument/2006/relationships" type="roundRect" r:blip="">
-                <dgm:adjLst/>
-              </dgm:shape>
-              <dgm:presOf axis="desOrSelf" ptType="node"/>
-              <dgm:constrLst>
-                <dgm:constr type="h" refType="w" fact="0.5"/>
-                <dgm:constr type="primFontSz" val="65"/>
-                <dgm:constr type="tMarg" refType="primFontSz" fact="0.3"/>
-                <dgm:constr type="bMarg" refType="primFontSz" fact="0.3"/>
-                <dgm:constr type="lMarg" refType="primFontSz" fact="0.3"/>
-                <dgm:constr type="rMarg" refType="primFontSz" fact="0.3"/>
-              </dgm:constrLst>
-              <dgm:ruleLst>
-                <dgm:rule type="primFontSz" val="5" fact="NaN" max="NaN"/>
-              </dgm:ruleLst>
-            </dgm:layoutNode>
-          </dgm:forEach>
-        </dgm:layoutNode>
-      </dgm:else>
-    </dgm:choose>
-  </dgm:layoutNode>
-</dgm:layoutDef>
-</file>
-
-<file path=ppt/diagrams/layout4.xml><?xml version="1.0" encoding="utf-8"?>
 <dgm:layoutDef xmlns:dgm="http://schemas.openxmlformats.org/drawingml/2006/diagram" xmlns:a="http://schemas.openxmlformats.org/drawingml/2006/main" uniqueId="urn:microsoft.com/office/officeart/2005/8/layout/matrix3">
   <dgm:title val=""/>
   <dgm:desc val=""/>
@@ -10947,1040 +9276,6 @@
 </file>
 
 <file path=ppt/diagrams/quickStyle3.xml><?xml version="1.0" encoding="utf-8"?>
-<dgm:styleDef xmlns:dgm="http://schemas.openxmlformats.org/drawingml/2006/diagram" xmlns:a="http://schemas.openxmlformats.org/drawingml/2006/main" uniqueId="urn:microsoft.com/office/officeart/2005/8/quickstyle/simple1">
-  <dgm:title val=""/>
-  <dgm:desc val=""/>
-  <dgm:catLst>
-    <dgm:cat type="simple" pri="10100"/>
-  </dgm:catLst>
-  <dgm:scene3d>
-    <a:camera prst="orthographicFront"/>
-    <a:lightRig rig="threePt" dir="t"/>
-  </dgm:scene3d>
-  <dgm:styleLbl name="node0">
-    <dgm:scene3d>
-      <a:camera prst="orthographicFront"/>
-      <a:lightRig rig="threePt" dir="t"/>
-    </dgm:scene3d>
-    <dgm:sp3d/>
-    <dgm:txPr/>
-    <dgm:style>
-      <a:lnRef idx="2">
-        <a:scrgbClr r="0" g="0" b="0"/>
-      </a:lnRef>
-      <a:fillRef idx="1">
-        <a:scrgbClr r="0" g="0" b="0"/>
-      </a:fillRef>
-      <a:effectRef idx="0">
-        <a:scrgbClr r="0" g="0" b="0"/>
-      </a:effectRef>
-      <a:fontRef idx="minor">
-        <a:schemeClr val="lt1"/>
-      </a:fontRef>
-    </dgm:style>
-  </dgm:styleLbl>
-  <dgm:styleLbl name="lnNode1">
-    <dgm:scene3d>
-      <a:camera prst="orthographicFront"/>
-      <a:lightRig rig="threePt" dir="t"/>
-    </dgm:scene3d>
-    <dgm:sp3d/>
-    <dgm:txPr/>
-    <dgm:style>
-      <a:lnRef idx="2">
-        <a:scrgbClr r="0" g="0" b="0"/>
-      </a:lnRef>
-      <a:fillRef idx="1">
-        <a:scrgbClr r="0" g="0" b="0"/>
-      </a:fillRef>
-      <a:effectRef idx="0">
-        <a:scrgbClr r="0" g="0" b="0"/>
-      </a:effectRef>
-      <a:fontRef idx="minor">
-        <a:schemeClr val="lt1"/>
-      </a:fontRef>
-    </dgm:style>
-  </dgm:styleLbl>
-  <dgm:styleLbl name="vennNode1">
-    <dgm:scene3d>
-      <a:camera prst="orthographicFront"/>
-      <a:lightRig rig="threePt" dir="t"/>
-    </dgm:scene3d>
-    <dgm:sp3d/>
-    <dgm:txPr/>
-    <dgm:style>
-      <a:lnRef idx="2">
-        <a:scrgbClr r="0" g="0" b="0"/>
-      </a:lnRef>
-      <a:fillRef idx="1">
-        <a:scrgbClr r="0" g="0" b="0"/>
-      </a:fillRef>
-      <a:effectRef idx="0">
-        <a:scrgbClr r="0" g="0" b="0"/>
-      </a:effectRef>
-      <a:fontRef idx="minor">
-        <a:schemeClr val="tx1"/>
-      </a:fontRef>
-    </dgm:style>
-  </dgm:styleLbl>
-  <dgm:styleLbl name="alignNode1">
-    <dgm:scene3d>
-      <a:camera prst="orthographicFront"/>
-      <a:lightRig rig="threePt" dir="t"/>
-    </dgm:scene3d>
-    <dgm:sp3d/>
-    <dgm:txPr/>
-    <dgm:style>
-      <a:lnRef idx="2">
-        <a:scrgbClr r="0" g="0" b="0"/>
-      </a:lnRef>
-      <a:fillRef idx="1">
-        <a:scrgbClr r="0" g="0" b="0"/>
-      </a:fillRef>
-      <a:effectRef idx="0">
-        <a:scrgbClr r="0" g="0" b="0"/>
-      </a:effectRef>
-      <a:fontRef idx="minor">
-        <a:schemeClr val="lt1"/>
-      </a:fontRef>
-    </dgm:style>
-  </dgm:styleLbl>
-  <dgm:styleLbl name="node1">
-    <dgm:scene3d>
-      <a:camera prst="orthographicFront"/>
-      <a:lightRig rig="threePt" dir="t"/>
-    </dgm:scene3d>
-    <dgm:sp3d/>
-    <dgm:txPr/>
-    <dgm:style>
-      <a:lnRef idx="2">
-        <a:scrgbClr r="0" g="0" b="0"/>
-      </a:lnRef>
-      <a:fillRef idx="1">
-        <a:scrgbClr r="0" g="0" b="0"/>
-      </a:fillRef>
-      <a:effectRef idx="0">
-        <a:scrgbClr r="0" g="0" b="0"/>
-      </a:effectRef>
-      <a:fontRef idx="minor">
-        <a:schemeClr val="lt1"/>
-      </a:fontRef>
-    </dgm:style>
-  </dgm:styleLbl>
-  <dgm:styleLbl name="node2">
-    <dgm:scene3d>
-      <a:camera prst="orthographicFront"/>
-      <a:lightRig rig="threePt" dir="t"/>
-    </dgm:scene3d>
-    <dgm:sp3d/>
-    <dgm:txPr/>
-    <dgm:style>
-      <a:lnRef idx="2">
-        <a:scrgbClr r="0" g="0" b="0"/>
-      </a:lnRef>
-      <a:fillRef idx="1">
-        <a:scrgbClr r="0" g="0" b="0"/>
-      </a:fillRef>
-      <a:effectRef idx="0">
-        <a:scrgbClr r="0" g="0" b="0"/>
-      </a:effectRef>
-      <a:fontRef idx="minor">
-        <a:schemeClr val="lt1"/>
-      </a:fontRef>
-    </dgm:style>
-  </dgm:styleLbl>
-  <dgm:styleLbl name="node3">
-    <dgm:scene3d>
-      <a:camera prst="orthographicFront"/>
-      <a:lightRig rig="threePt" dir="t"/>
-    </dgm:scene3d>
-    <dgm:sp3d/>
-    <dgm:txPr/>
-    <dgm:style>
-      <a:lnRef idx="2">
-        <a:scrgbClr r="0" g="0" b="0"/>
-      </a:lnRef>
-      <a:fillRef idx="1">
-        <a:scrgbClr r="0" g="0" b="0"/>
-      </a:fillRef>
-      <a:effectRef idx="0">
-        <a:scrgbClr r="0" g="0" b="0"/>
-      </a:effectRef>
-      <a:fontRef idx="minor">
-        <a:schemeClr val="lt1"/>
-      </a:fontRef>
-    </dgm:style>
-  </dgm:styleLbl>
-  <dgm:styleLbl name="node4">
-    <dgm:scene3d>
-      <a:camera prst="orthographicFront"/>
-      <a:lightRig rig="threePt" dir="t"/>
-    </dgm:scene3d>
-    <dgm:sp3d/>
-    <dgm:txPr/>
-    <dgm:style>
-      <a:lnRef idx="2">
-        <a:scrgbClr r="0" g="0" b="0"/>
-      </a:lnRef>
-      <a:fillRef idx="1">
-        <a:scrgbClr r="0" g="0" b="0"/>
-      </a:fillRef>
-      <a:effectRef idx="0">
-        <a:scrgbClr r="0" g="0" b="0"/>
-      </a:effectRef>
-      <a:fontRef idx="minor">
-        <a:schemeClr val="lt1"/>
-      </a:fontRef>
-    </dgm:style>
-  </dgm:styleLbl>
-  <dgm:styleLbl name="fgImgPlace1">
-    <dgm:scene3d>
-      <a:camera prst="orthographicFront"/>
-      <a:lightRig rig="threePt" dir="t"/>
-    </dgm:scene3d>
-    <dgm:sp3d/>
-    <dgm:txPr/>
-    <dgm:style>
-      <a:lnRef idx="2">
-        <a:scrgbClr r="0" g="0" b="0"/>
-      </a:lnRef>
-      <a:fillRef idx="1">
-        <a:scrgbClr r="0" g="0" b="0"/>
-      </a:fillRef>
-      <a:effectRef idx="0">
-        <a:scrgbClr r="0" g="0" b="0"/>
-      </a:effectRef>
-      <a:fontRef idx="minor"/>
-    </dgm:style>
-  </dgm:styleLbl>
-  <dgm:styleLbl name="alignImgPlace1">
-    <dgm:scene3d>
-      <a:camera prst="orthographicFront"/>
-      <a:lightRig rig="threePt" dir="t"/>
-    </dgm:scene3d>
-    <dgm:sp3d/>
-    <dgm:txPr/>
-    <dgm:style>
-      <a:lnRef idx="2">
-        <a:scrgbClr r="0" g="0" b="0"/>
-      </a:lnRef>
-      <a:fillRef idx="1">
-        <a:scrgbClr r="0" g="0" b="0"/>
-      </a:fillRef>
-      <a:effectRef idx="0">
-        <a:scrgbClr r="0" g="0" b="0"/>
-      </a:effectRef>
-      <a:fontRef idx="minor"/>
-    </dgm:style>
-  </dgm:styleLbl>
-  <dgm:styleLbl name="bgImgPlace1">
-    <dgm:scene3d>
-      <a:camera prst="orthographicFront"/>
-      <a:lightRig rig="threePt" dir="t"/>
-    </dgm:scene3d>
-    <dgm:sp3d/>
-    <dgm:txPr/>
-    <dgm:style>
-      <a:lnRef idx="2">
-        <a:scrgbClr r="0" g="0" b="0"/>
-      </a:lnRef>
-      <a:fillRef idx="1">
-        <a:scrgbClr r="0" g="0" b="0"/>
-      </a:fillRef>
-      <a:effectRef idx="0">
-        <a:scrgbClr r="0" g="0" b="0"/>
-      </a:effectRef>
-      <a:fontRef idx="minor"/>
-    </dgm:style>
-  </dgm:styleLbl>
-  <dgm:styleLbl name="sibTrans2D1">
-    <dgm:scene3d>
-      <a:camera prst="orthographicFront"/>
-      <a:lightRig rig="threePt" dir="t"/>
-    </dgm:scene3d>
-    <dgm:sp3d/>
-    <dgm:txPr/>
-    <dgm:style>
-      <a:lnRef idx="0">
-        <a:scrgbClr r="0" g="0" b="0"/>
-      </a:lnRef>
-      <a:fillRef idx="1">
-        <a:scrgbClr r="0" g="0" b="0"/>
-      </a:fillRef>
-      <a:effectRef idx="0">
-        <a:scrgbClr r="0" g="0" b="0"/>
-      </a:effectRef>
-      <a:fontRef idx="minor">
-        <a:schemeClr val="lt1"/>
-      </a:fontRef>
-    </dgm:style>
-  </dgm:styleLbl>
-  <dgm:styleLbl name="fgSibTrans2D1">
-    <dgm:scene3d>
-      <a:camera prst="orthographicFront"/>
-      <a:lightRig rig="threePt" dir="t"/>
-    </dgm:scene3d>
-    <dgm:sp3d/>
-    <dgm:txPr/>
-    <dgm:style>
-      <a:lnRef idx="0">
-        <a:scrgbClr r="0" g="0" b="0"/>
-      </a:lnRef>
-      <a:fillRef idx="1">
-        <a:scrgbClr r="0" g="0" b="0"/>
-      </a:fillRef>
-      <a:effectRef idx="0">
-        <a:scrgbClr r="0" g="0" b="0"/>
-      </a:effectRef>
-      <a:fontRef idx="minor">
-        <a:schemeClr val="lt1"/>
-      </a:fontRef>
-    </dgm:style>
-  </dgm:styleLbl>
-  <dgm:styleLbl name="bgSibTrans2D1">
-    <dgm:scene3d>
-      <a:camera prst="orthographicFront"/>
-      <a:lightRig rig="threePt" dir="t"/>
-    </dgm:scene3d>
-    <dgm:sp3d/>
-    <dgm:txPr/>
-    <dgm:style>
-      <a:lnRef idx="0">
-        <a:scrgbClr r="0" g="0" b="0"/>
-      </a:lnRef>
-      <a:fillRef idx="1">
-        <a:scrgbClr r="0" g="0" b="0"/>
-      </a:fillRef>
-      <a:effectRef idx="0">
-        <a:scrgbClr r="0" g="0" b="0"/>
-      </a:effectRef>
-      <a:fontRef idx="minor">
-        <a:schemeClr val="lt1"/>
-      </a:fontRef>
-    </dgm:style>
-  </dgm:styleLbl>
-  <dgm:styleLbl name="sibTrans1D1">
-    <dgm:scene3d>
-      <a:camera prst="orthographicFront"/>
-      <a:lightRig rig="threePt" dir="t"/>
-    </dgm:scene3d>
-    <dgm:sp3d/>
-    <dgm:txPr/>
-    <dgm:style>
-      <a:lnRef idx="1">
-        <a:scrgbClr r="0" g="0" b="0"/>
-      </a:lnRef>
-      <a:fillRef idx="0">
-        <a:scrgbClr r="0" g="0" b="0"/>
-      </a:fillRef>
-      <a:effectRef idx="0">
-        <a:scrgbClr r="0" g="0" b="0"/>
-      </a:effectRef>
-      <a:fontRef idx="minor"/>
-    </dgm:style>
-  </dgm:styleLbl>
-  <dgm:styleLbl name="callout">
-    <dgm:scene3d>
-      <a:camera prst="orthographicFront"/>
-      <a:lightRig rig="threePt" dir="t"/>
-    </dgm:scene3d>
-    <dgm:sp3d/>
-    <dgm:txPr/>
-    <dgm:style>
-      <a:lnRef idx="2">
-        <a:scrgbClr r="0" g="0" b="0"/>
-      </a:lnRef>
-      <a:fillRef idx="1">
-        <a:scrgbClr r="0" g="0" b="0"/>
-      </a:fillRef>
-      <a:effectRef idx="0">
-        <a:scrgbClr r="0" g="0" b="0"/>
-      </a:effectRef>
-      <a:fontRef idx="minor"/>
-    </dgm:style>
-  </dgm:styleLbl>
-  <dgm:styleLbl name="asst0">
-    <dgm:scene3d>
-      <a:camera prst="orthographicFront"/>
-      <a:lightRig rig="threePt" dir="t"/>
-    </dgm:scene3d>
-    <dgm:sp3d/>
-    <dgm:txPr/>
-    <dgm:style>
-      <a:lnRef idx="2">
-        <a:scrgbClr r="0" g="0" b="0"/>
-      </a:lnRef>
-      <a:fillRef idx="1">
-        <a:scrgbClr r="0" g="0" b="0"/>
-      </a:fillRef>
-      <a:effectRef idx="0">
-        <a:scrgbClr r="0" g="0" b="0"/>
-      </a:effectRef>
-      <a:fontRef idx="minor">
-        <a:schemeClr val="lt1"/>
-      </a:fontRef>
-    </dgm:style>
-  </dgm:styleLbl>
-  <dgm:styleLbl name="asst1">
-    <dgm:scene3d>
-      <a:camera prst="orthographicFront"/>
-      <a:lightRig rig="threePt" dir="t"/>
-    </dgm:scene3d>
-    <dgm:sp3d/>
-    <dgm:txPr/>
-    <dgm:style>
-      <a:lnRef idx="2">
-        <a:scrgbClr r="0" g="0" b="0"/>
-      </a:lnRef>
-      <a:fillRef idx="1">
-        <a:scrgbClr r="0" g="0" b="0"/>
-      </a:fillRef>
-      <a:effectRef idx="0">
-        <a:scrgbClr r="0" g="0" b="0"/>
-      </a:effectRef>
-      <a:fontRef idx="minor">
-        <a:schemeClr val="lt1"/>
-      </a:fontRef>
-    </dgm:style>
-  </dgm:styleLbl>
-  <dgm:styleLbl name="asst2">
-    <dgm:scene3d>
-      <a:camera prst="orthographicFront"/>
-      <a:lightRig rig="threePt" dir="t"/>
-    </dgm:scene3d>
-    <dgm:sp3d/>
-    <dgm:txPr/>
-    <dgm:style>
-      <a:lnRef idx="2">
-        <a:scrgbClr r="0" g="0" b="0"/>
-      </a:lnRef>
-      <a:fillRef idx="1">
-        <a:scrgbClr r="0" g="0" b="0"/>
-      </a:fillRef>
-      <a:effectRef idx="0">
-        <a:scrgbClr r="0" g="0" b="0"/>
-      </a:effectRef>
-      <a:fontRef idx="minor">
-        <a:schemeClr val="lt1"/>
-      </a:fontRef>
-    </dgm:style>
-  </dgm:styleLbl>
-  <dgm:styleLbl name="asst3">
-    <dgm:scene3d>
-      <a:camera prst="orthographicFront"/>
-      <a:lightRig rig="threePt" dir="t"/>
-    </dgm:scene3d>
-    <dgm:sp3d/>
-    <dgm:txPr/>
-    <dgm:style>
-      <a:lnRef idx="2">
-        <a:scrgbClr r="0" g="0" b="0"/>
-      </a:lnRef>
-      <a:fillRef idx="1">
-        <a:scrgbClr r="0" g="0" b="0"/>
-      </a:fillRef>
-      <a:effectRef idx="0">
-        <a:scrgbClr r="0" g="0" b="0"/>
-      </a:effectRef>
-      <a:fontRef idx="minor">
-        <a:schemeClr val="lt1"/>
-      </a:fontRef>
-    </dgm:style>
-  </dgm:styleLbl>
-  <dgm:styleLbl name="asst4">
-    <dgm:scene3d>
-      <a:camera prst="orthographicFront"/>
-      <a:lightRig rig="threePt" dir="t"/>
-    </dgm:scene3d>
-    <dgm:sp3d/>
-    <dgm:txPr/>
-    <dgm:style>
-      <a:lnRef idx="2">
-        <a:scrgbClr r="0" g="0" b="0"/>
-      </a:lnRef>
-      <a:fillRef idx="1">
-        <a:scrgbClr r="0" g="0" b="0"/>
-      </a:fillRef>
-      <a:effectRef idx="0">
-        <a:scrgbClr r="0" g="0" b="0"/>
-      </a:effectRef>
-      <a:fontRef idx="minor">
-        <a:schemeClr val="lt1"/>
-      </a:fontRef>
-    </dgm:style>
-  </dgm:styleLbl>
-  <dgm:styleLbl name="parChTrans2D1">
-    <dgm:scene3d>
-      <a:camera prst="orthographicFront"/>
-      <a:lightRig rig="threePt" dir="t"/>
-    </dgm:scene3d>
-    <dgm:sp3d/>
-    <dgm:txPr/>
-    <dgm:style>
-      <a:lnRef idx="2">
-        <a:scrgbClr r="0" g="0" b="0"/>
-      </a:lnRef>
-      <a:fillRef idx="1">
-        <a:scrgbClr r="0" g="0" b="0"/>
-      </a:fillRef>
-      <a:effectRef idx="0">
-        <a:scrgbClr r="0" g="0" b="0"/>
-      </a:effectRef>
-      <a:fontRef idx="minor">
-        <a:schemeClr val="lt1"/>
-      </a:fontRef>
-    </dgm:style>
-  </dgm:styleLbl>
-  <dgm:styleLbl name="parChTrans2D2">
-    <dgm:scene3d>
-      <a:camera prst="orthographicFront"/>
-      <a:lightRig rig="threePt" dir="t"/>
-    </dgm:scene3d>
-    <dgm:sp3d/>
-    <dgm:txPr/>
-    <dgm:style>
-      <a:lnRef idx="2">
-        <a:scrgbClr r="0" g="0" b="0"/>
-      </a:lnRef>
-      <a:fillRef idx="1">
-        <a:scrgbClr r="0" g="0" b="0"/>
-      </a:fillRef>
-      <a:effectRef idx="0">
-        <a:scrgbClr r="0" g="0" b="0"/>
-      </a:effectRef>
-      <a:fontRef idx="minor">
-        <a:schemeClr val="lt1"/>
-      </a:fontRef>
-    </dgm:style>
-  </dgm:styleLbl>
-  <dgm:styleLbl name="parChTrans2D3">
-    <dgm:scene3d>
-      <a:camera prst="orthographicFront"/>
-      <a:lightRig rig="threePt" dir="t"/>
-    </dgm:scene3d>
-    <dgm:sp3d/>
-    <dgm:txPr/>
-    <dgm:style>
-      <a:lnRef idx="2">
-        <a:scrgbClr r="0" g="0" b="0"/>
-      </a:lnRef>
-      <a:fillRef idx="1">
-        <a:scrgbClr r="0" g="0" b="0"/>
-      </a:fillRef>
-      <a:effectRef idx="0">
-        <a:scrgbClr r="0" g="0" b="0"/>
-      </a:effectRef>
-      <a:fontRef idx="minor">
-        <a:schemeClr val="lt1"/>
-      </a:fontRef>
-    </dgm:style>
-  </dgm:styleLbl>
-  <dgm:styleLbl name="parChTrans2D4">
-    <dgm:scene3d>
-      <a:camera prst="orthographicFront"/>
-      <a:lightRig rig="threePt" dir="t"/>
-    </dgm:scene3d>
-    <dgm:sp3d/>
-    <dgm:txPr/>
-    <dgm:style>
-      <a:lnRef idx="2">
-        <a:scrgbClr r="0" g="0" b="0"/>
-      </a:lnRef>
-      <a:fillRef idx="1">
-        <a:scrgbClr r="0" g="0" b="0"/>
-      </a:fillRef>
-      <a:effectRef idx="0">
-        <a:scrgbClr r="0" g="0" b="0"/>
-      </a:effectRef>
-      <a:fontRef idx="minor">
-        <a:schemeClr val="lt1"/>
-      </a:fontRef>
-    </dgm:style>
-  </dgm:styleLbl>
-  <dgm:styleLbl name="parChTrans1D1">
-    <dgm:scene3d>
-      <a:camera prst="orthographicFront"/>
-      <a:lightRig rig="threePt" dir="t"/>
-    </dgm:scene3d>
-    <dgm:sp3d/>
-    <dgm:txPr/>
-    <dgm:style>
-      <a:lnRef idx="2">
-        <a:scrgbClr r="0" g="0" b="0"/>
-      </a:lnRef>
-      <a:fillRef idx="0">
-        <a:scrgbClr r="0" g="0" b="0"/>
-      </a:fillRef>
-      <a:effectRef idx="0">
-        <a:scrgbClr r="0" g="0" b="0"/>
-      </a:effectRef>
-      <a:fontRef idx="minor"/>
-    </dgm:style>
-  </dgm:styleLbl>
-  <dgm:styleLbl name="parChTrans1D2">
-    <dgm:scene3d>
-      <a:camera prst="orthographicFront"/>
-      <a:lightRig rig="threePt" dir="t"/>
-    </dgm:scene3d>
-    <dgm:sp3d/>
-    <dgm:txPr/>
-    <dgm:style>
-      <a:lnRef idx="2">
-        <a:scrgbClr r="0" g="0" b="0"/>
-      </a:lnRef>
-      <a:fillRef idx="0">
-        <a:scrgbClr r="0" g="0" b="0"/>
-      </a:fillRef>
-      <a:effectRef idx="0">
-        <a:scrgbClr r="0" g="0" b="0"/>
-      </a:effectRef>
-      <a:fontRef idx="minor"/>
-    </dgm:style>
-  </dgm:styleLbl>
-  <dgm:styleLbl name="parChTrans1D3">
-    <dgm:scene3d>
-      <a:camera prst="orthographicFront"/>
-      <a:lightRig rig="threePt" dir="t"/>
-    </dgm:scene3d>
-    <dgm:sp3d/>
-    <dgm:txPr/>
-    <dgm:style>
-      <a:lnRef idx="2">
-        <a:scrgbClr r="0" g="0" b="0"/>
-      </a:lnRef>
-      <a:fillRef idx="0">
-        <a:scrgbClr r="0" g="0" b="0"/>
-      </a:fillRef>
-      <a:effectRef idx="0">
-        <a:scrgbClr r="0" g="0" b="0"/>
-      </a:effectRef>
-      <a:fontRef idx="minor"/>
-    </dgm:style>
-  </dgm:styleLbl>
-  <dgm:styleLbl name="parChTrans1D4">
-    <dgm:scene3d>
-      <a:camera prst="orthographicFront"/>
-      <a:lightRig rig="threePt" dir="t"/>
-    </dgm:scene3d>
-    <dgm:sp3d/>
-    <dgm:txPr/>
-    <dgm:style>
-      <a:lnRef idx="2">
-        <a:scrgbClr r="0" g="0" b="0"/>
-      </a:lnRef>
-      <a:fillRef idx="0">
-        <a:scrgbClr r="0" g="0" b="0"/>
-      </a:fillRef>
-      <a:effectRef idx="0">
-        <a:scrgbClr r="0" g="0" b="0"/>
-      </a:effectRef>
-      <a:fontRef idx="minor"/>
-    </dgm:style>
-  </dgm:styleLbl>
-  <dgm:styleLbl name="fgAcc1">
-    <dgm:scene3d>
-      <a:camera prst="orthographicFront"/>
-      <a:lightRig rig="threePt" dir="t"/>
-    </dgm:scene3d>
-    <dgm:sp3d/>
-    <dgm:txPr/>
-    <dgm:style>
-      <a:lnRef idx="2">
-        <a:scrgbClr r="0" g="0" b="0"/>
-      </a:lnRef>
-      <a:fillRef idx="1">
-        <a:scrgbClr r="0" g="0" b="0"/>
-      </a:fillRef>
-      <a:effectRef idx="0">
-        <a:scrgbClr r="0" g="0" b="0"/>
-      </a:effectRef>
-      <a:fontRef idx="minor"/>
-    </dgm:style>
-  </dgm:styleLbl>
-  <dgm:styleLbl name="conFgAcc1">
-    <dgm:scene3d>
-      <a:camera prst="orthographicFront"/>
-      <a:lightRig rig="threePt" dir="t"/>
-    </dgm:scene3d>
-    <dgm:sp3d/>
-    <dgm:txPr/>
-    <dgm:style>
-      <a:lnRef idx="2">
-        <a:scrgbClr r="0" g="0" b="0"/>
-      </a:lnRef>
-      <a:fillRef idx="1">
-        <a:scrgbClr r="0" g="0" b="0"/>
-      </a:fillRef>
-      <a:effectRef idx="0">
-        <a:scrgbClr r="0" g="0" b="0"/>
-      </a:effectRef>
-      <a:fontRef idx="minor"/>
-    </dgm:style>
-  </dgm:styleLbl>
-  <dgm:styleLbl name="alignAcc1">
-    <dgm:scene3d>
-      <a:camera prst="orthographicFront"/>
-      <a:lightRig rig="threePt" dir="t"/>
-    </dgm:scene3d>
-    <dgm:sp3d/>
-    <dgm:txPr/>
-    <dgm:style>
-      <a:lnRef idx="2">
-        <a:scrgbClr r="0" g="0" b="0"/>
-      </a:lnRef>
-      <a:fillRef idx="1">
-        <a:scrgbClr r="0" g="0" b="0"/>
-      </a:fillRef>
-      <a:effectRef idx="0">
-        <a:scrgbClr r="0" g="0" b="0"/>
-      </a:effectRef>
-      <a:fontRef idx="minor"/>
-    </dgm:style>
-  </dgm:styleLbl>
-  <dgm:styleLbl name="trAlignAcc1">
-    <dgm:scene3d>
-      <a:camera prst="orthographicFront"/>
-      <a:lightRig rig="threePt" dir="t"/>
-    </dgm:scene3d>
-    <dgm:sp3d/>
-    <dgm:txPr/>
-    <dgm:style>
-      <a:lnRef idx="1">
-        <a:scrgbClr r="0" g="0" b="0"/>
-      </a:lnRef>
-      <a:fillRef idx="1">
-        <a:scrgbClr r="0" g="0" b="0"/>
-      </a:fillRef>
-      <a:effectRef idx="0">
-        <a:scrgbClr r="0" g="0" b="0"/>
-      </a:effectRef>
-      <a:fontRef idx="minor"/>
-    </dgm:style>
-  </dgm:styleLbl>
-  <dgm:styleLbl name="bgAcc1">
-    <dgm:scene3d>
-      <a:camera prst="orthographicFront"/>
-      <a:lightRig rig="threePt" dir="t"/>
-    </dgm:scene3d>
-    <dgm:sp3d/>
-    <dgm:txPr/>
-    <dgm:style>
-      <a:lnRef idx="2">
-        <a:scrgbClr r="0" g="0" b="0"/>
-      </a:lnRef>
-      <a:fillRef idx="1">
-        <a:scrgbClr r="0" g="0" b="0"/>
-      </a:fillRef>
-      <a:effectRef idx="0">
-        <a:scrgbClr r="0" g="0" b="0"/>
-      </a:effectRef>
-      <a:fontRef idx="minor"/>
-    </dgm:style>
-  </dgm:styleLbl>
-  <dgm:styleLbl name="solidFgAcc1">
-    <dgm:scene3d>
-      <a:camera prst="orthographicFront"/>
-      <a:lightRig rig="threePt" dir="t"/>
-    </dgm:scene3d>
-    <dgm:sp3d/>
-    <dgm:txPr/>
-    <dgm:style>
-      <a:lnRef idx="2">
-        <a:scrgbClr r="0" g="0" b="0"/>
-      </a:lnRef>
-      <a:fillRef idx="1">
-        <a:scrgbClr r="0" g="0" b="0"/>
-      </a:fillRef>
-      <a:effectRef idx="0">
-        <a:scrgbClr r="0" g="0" b="0"/>
-      </a:effectRef>
-      <a:fontRef idx="minor"/>
-    </dgm:style>
-  </dgm:styleLbl>
-  <dgm:styleLbl name="solidAlignAcc1">
-    <dgm:scene3d>
-      <a:camera prst="orthographicFront"/>
-      <a:lightRig rig="threePt" dir="t"/>
-    </dgm:scene3d>
-    <dgm:sp3d/>
-    <dgm:txPr/>
-    <dgm:style>
-      <a:lnRef idx="2">
-        <a:scrgbClr r="0" g="0" b="0"/>
-      </a:lnRef>
-      <a:fillRef idx="1">
-        <a:scrgbClr r="0" g="0" b="0"/>
-      </a:fillRef>
-      <a:effectRef idx="0">
-        <a:scrgbClr r="0" g="0" b="0"/>
-      </a:effectRef>
-      <a:fontRef idx="minor"/>
-    </dgm:style>
-  </dgm:styleLbl>
-  <dgm:styleLbl name="solidBgAcc1">
-    <dgm:scene3d>
-      <a:camera prst="orthographicFront"/>
-      <a:lightRig rig="threePt" dir="t"/>
-    </dgm:scene3d>
-    <dgm:sp3d/>
-    <dgm:txPr/>
-    <dgm:style>
-      <a:lnRef idx="2">
-        <a:scrgbClr r="0" g="0" b="0"/>
-      </a:lnRef>
-      <a:fillRef idx="1">
-        <a:scrgbClr r="0" g="0" b="0"/>
-      </a:fillRef>
-      <a:effectRef idx="0">
-        <a:scrgbClr r="0" g="0" b="0"/>
-      </a:effectRef>
-      <a:fontRef idx="minor"/>
-    </dgm:style>
-  </dgm:styleLbl>
-  <dgm:styleLbl name="fgAccFollowNode1">
-    <dgm:scene3d>
-      <a:camera prst="orthographicFront"/>
-      <a:lightRig rig="threePt" dir="t"/>
-    </dgm:scene3d>
-    <dgm:sp3d/>
-    <dgm:txPr/>
-    <dgm:style>
-      <a:lnRef idx="2">
-        <a:scrgbClr r="0" g="0" b="0"/>
-      </a:lnRef>
-      <a:fillRef idx="1">
-        <a:scrgbClr r="0" g="0" b="0"/>
-      </a:fillRef>
-      <a:effectRef idx="0">
-        <a:scrgbClr r="0" g="0" b="0"/>
-      </a:effectRef>
-      <a:fontRef idx="minor"/>
-    </dgm:style>
-  </dgm:styleLbl>
-  <dgm:styleLbl name="alignAccFollowNode1">
-    <dgm:scene3d>
-      <a:camera prst="orthographicFront"/>
-      <a:lightRig rig="threePt" dir="t"/>
-    </dgm:scene3d>
-    <dgm:sp3d/>
-    <dgm:txPr/>
-    <dgm:style>
-      <a:lnRef idx="2">
-        <a:scrgbClr r="0" g="0" b="0"/>
-      </a:lnRef>
-      <a:fillRef idx="1">
-        <a:scrgbClr r="0" g="0" b="0"/>
-      </a:fillRef>
-      <a:effectRef idx="0">
-        <a:scrgbClr r="0" g="0" b="0"/>
-      </a:effectRef>
-      <a:fontRef idx="minor"/>
-    </dgm:style>
-  </dgm:styleLbl>
-  <dgm:styleLbl name="bgAccFollowNode1">
-    <dgm:scene3d>
-      <a:camera prst="orthographicFront"/>
-      <a:lightRig rig="threePt" dir="t"/>
-    </dgm:scene3d>
-    <dgm:sp3d/>
-    <dgm:txPr/>
-    <dgm:style>
-      <a:lnRef idx="2">
-        <a:scrgbClr r="0" g="0" b="0"/>
-      </a:lnRef>
-      <a:fillRef idx="1">
-        <a:scrgbClr r="0" g="0" b="0"/>
-      </a:fillRef>
-      <a:effectRef idx="0">
-        <a:scrgbClr r="0" g="0" b="0"/>
-      </a:effectRef>
-      <a:fontRef idx="minor"/>
-    </dgm:style>
-  </dgm:styleLbl>
-  <dgm:styleLbl name="fgAcc0">
-    <dgm:scene3d>
-      <a:camera prst="orthographicFront"/>
-      <a:lightRig rig="threePt" dir="t"/>
-    </dgm:scene3d>
-    <dgm:sp3d/>
-    <dgm:txPr/>
-    <dgm:style>
-      <a:lnRef idx="2">
-        <a:scrgbClr r="0" g="0" b="0"/>
-      </a:lnRef>
-      <a:fillRef idx="1">
-        <a:scrgbClr r="0" g="0" b="0"/>
-      </a:fillRef>
-      <a:effectRef idx="0">
-        <a:scrgbClr r="0" g="0" b="0"/>
-      </a:effectRef>
-      <a:fontRef idx="minor"/>
-    </dgm:style>
-  </dgm:styleLbl>
-  <dgm:styleLbl name="fgAcc2">
-    <dgm:scene3d>
-      <a:camera prst="orthographicFront"/>
-      <a:lightRig rig="threePt" dir="t"/>
-    </dgm:scene3d>
-    <dgm:sp3d/>
-    <dgm:txPr/>
-    <dgm:style>
-      <a:lnRef idx="2">
-        <a:scrgbClr r="0" g="0" b="0"/>
-      </a:lnRef>
-      <a:fillRef idx="1">
-        <a:scrgbClr r="0" g="0" b="0"/>
-      </a:fillRef>
-      <a:effectRef idx="0">
-        <a:scrgbClr r="0" g="0" b="0"/>
-      </a:effectRef>
-      <a:fontRef idx="minor"/>
-    </dgm:style>
-  </dgm:styleLbl>
-  <dgm:styleLbl name="fgAcc3">
-    <dgm:scene3d>
-      <a:camera prst="orthographicFront"/>
-      <a:lightRig rig="threePt" dir="t"/>
-    </dgm:scene3d>
-    <dgm:sp3d/>
-    <dgm:txPr/>
-    <dgm:style>
-      <a:lnRef idx="2">
-        <a:scrgbClr r="0" g="0" b="0"/>
-      </a:lnRef>
-      <a:fillRef idx="1">
-        <a:scrgbClr r="0" g="0" b="0"/>
-      </a:fillRef>
-      <a:effectRef idx="0">
-        <a:scrgbClr r="0" g="0" b="0"/>
-      </a:effectRef>
-      <a:fontRef idx="minor"/>
-    </dgm:style>
-  </dgm:styleLbl>
-  <dgm:styleLbl name="fgAcc4">
-    <dgm:scene3d>
-      <a:camera prst="orthographicFront"/>
-      <a:lightRig rig="threePt" dir="t"/>
-    </dgm:scene3d>
-    <dgm:sp3d/>
-    <dgm:txPr/>
-    <dgm:style>
-      <a:lnRef idx="2">
-        <a:scrgbClr r="0" g="0" b="0"/>
-      </a:lnRef>
-      <a:fillRef idx="1">
-        <a:scrgbClr r="0" g="0" b="0"/>
-      </a:fillRef>
-      <a:effectRef idx="0">
-        <a:scrgbClr r="0" g="0" b="0"/>
-      </a:effectRef>
-      <a:fontRef idx="minor"/>
-    </dgm:style>
-  </dgm:styleLbl>
-  <dgm:styleLbl name="bgShp">
-    <dgm:scene3d>
-      <a:camera prst="orthographicFront"/>
-      <a:lightRig rig="threePt" dir="t"/>
-    </dgm:scene3d>
-    <dgm:sp3d/>
-    <dgm:txPr/>
-    <dgm:style>
-      <a:lnRef idx="0">
-        <a:scrgbClr r="0" g="0" b="0"/>
-      </a:lnRef>
-      <a:fillRef idx="1">
-        <a:scrgbClr r="0" g="0" b="0"/>
-      </a:fillRef>
-      <a:effectRef idx="0">
-        <a:scrgbClr r="0" g="0" b="0"/>
-      </a:effectRef>
-      <a:fontRef idx="minor"/>
-    </dgm:style>
-  </dgm:styleLbl>
-  <dgm:styleLbl name="dkBgShp">
-    <dgm:scene3d>
-      <a:camera prst="orthographicFront"/>
-      <a:lightRig rig="threePt" dir="t"/>
-    </dgm:scene3d>
-    <dgm:sp3d/>
-    <dgm:txPr/>
-    <dgm:style>
-      <a:lnRef idx="0">
-        <a:scrgbClr r="0" g="0" b="0"/>
-      </a:lnRef>
-      <a:fillRef idx="1">
-        <a:scrgbClr r="0" g="0" b="0"/>
-      </a:fillRef>
-      <a:effectRef idx="0">
-        <a:scrgbClr r="0" g="0" b="0"/>
-      </a:effectRef>
-      <a:fontRef idx="minor"/>
-    </dgm:style>
-  </dgm:styleLbl>
-  <dgm:styleLbl name="trBgShp">
-    <dgm:scene3d>
-      <a:camera prst="orthographicFront"/>
-      <a:lightRig rig="threePt" dir="t"/>
-    </dgm:scene3d>
-    <dgm:sp3d/>
-    <dgm:txPr/>
-    <dgm:style>
-      <a:lnRef idx="0">
-        <a:scrgbClr r="0" g="0" b="0"/>
-      </a:lnRef>
-      <a:fillRef idx="1">
-        <a:scrgbClr r="0" g="0" b="0"/>
-      </a:fillRef>
-      <a:effectRef idx="0">
-        <a:scrgbClr r="0" g="0" b="0"/>
-      </a:effectRef>
-      <a:fontRef idx="minor"/>
-    </dgm:style>
-  </dgm:styleLbl>
-  <dgm:styleLbl name="fgShp">
-    <dgm:scene3d>
-      <a:camera prst="orthographicFront"/>
-      <a:lightRig rig="threePt" dir="t"/>
-    </dgm:scene3d>
-    <dgm:sp3d/>
-    <dgm:txPr/>
-    <dgm:style>
-      <a:lnRef idx="2">
-        <a:scrgbClr r="0" g="0" b="0"/>
-      </a:lnRef>
-      <a:fillRef idx="1">
-        <a:scrgbClr r="0" g="0" b="0"/>
-      </a:fillRef>
-      <a:effectRef idx="0">
-        <a:scrgbClr r="0" g="0" b="0"/>
-      </a:effectRef>
-      <a:fontRef idx="minor"/>
-    </dgm:style>
-  </dgm:styleLbl>
-  <dgm:styleLbl name="revTx">
-    <dgm:scene3d>
-      <a:camera prst="orthographicFront"/>
-      <a:lightRig rig="threePt" dir="t"/>
-    </dgm:scene3d>
-    <dgm:sp3d/>
-    <dgm:txPr/>
-    <dgm:style>
-      <a:lnRef idx="0">
-        <a:scrgbClr r="0" g="0" b="0"/>
-      </a:lnRef>
-      <a:fillRef idx="0">
-        <a:scrgbClr r="0" g="0" b="0"/>
-      </a:fillRef>
-      <a:effectRef idx="0">
-        <a:scrgbClr r="0" g="0" b="0"/>
-      </a:effectRef>
-      <a:fontRef idx="minor"/>
-    </dgm:style>
-  </dgm:styleLbl>
-</dgm:styleDef>
-</file>
-
-<file path=ppt/diagrams/quickStyle4.xml><?xml version="1.0" encoding="utf-8"?>
 <dgm:styleDef xmlns:dgm="http://schemas.openxmlformats.org/drawingml/2006/diagram" xmlns:a="http://schemas.openxmlformats.org/drawingml/2006/main" uniqueId="urn:microsoft.com/office/officeart/2005/8/quickstyle/simple1">
   <dgm:title val=""/>
   <dgm:desc val=""/>
@@ -20241,7 +17536,7 @@
           <p:nvPr>
             <p:extLst>
               <p:ext uri="{D42A27DB-BD31-4B8C-83A1-F6EECF244321}">
-                <p14:modId xmlns:p14="http://schemas.microsoft.com/office/powerpoint/2010/main" val="322804356"/>
+                <p14:modId xmlns:p14="http://schemas.microsoft.com/office/powerpoint/2010/main" val="2378381438"/>
               </p:ext>
             </p:extLst>
           </p:nvPr>
@@ -20363,7 +17658,7 @@
                       <a:pPr algn="ctr"/>
                       <a:r>
                         <a:rPr lang="en-US" dirty="0" smtClean="0"/>
-                        <a:t>5</a:t>
+                        <a:t>2</a:t>
                       </a:r>
                       <a:endParaRPr lang="en-US" dirty="0"/>
                     </a:p>
@@ -20378,7 +17673,7 @@
                       <a:pPr algn="ctr"/>
                       <a:r>
                         <a:rPr lang="en-US" dirty="0" smtClean="0"/>
-                        <a:t>21</a:t>
+                        <a:t>12</a:t>
                       </a:r>
                       <a:endParaRPr lang="en-US" dirty="0"/>
                     </a:p>
@@ -20395,7 +17690,7 @@
                       <a:pPr algn="ctr"/>
                       <a:r>
                         <a:rPr lang="en-US" dirty="0" smtClean="0"/>
-                        <a:t>4</a:t>
+                        <a:t>3</a:t>
                       </a:r>
                       <a:endParaRPr lang="en-US" dirty="0"/>
                     </a:p>
@@ -20440,7 +17735,7 @@
                       <a:pPr algn="ctr"/>
                       <a:r>
                         <a:rPr lang="en-US" dirty="0" smtClean="0"/>
-                        <a:t>17</a:t>
+                        <a:t>1</a:t>
                       </a:r>
                       <a:endParaRPr lang="en-US" dirty="0"/>
                     </a:p>
@@ -20594,8 +17889,55 @@
                   <a:ea typeface="ＭＳ ゴシック"/>
                   <a:cs typeface="ＭＳ ゴシック"/>
                 </a:rPr>
-                <a:t>Er kan een passende vergelijking gevonden worden binnen een beperkte tijdspanne. </a:t>
+                <a:t>Er kan een passende vergelijking gevonden worden binnen een </a:t>
               </a:r>
+              <a:r>
+                <a:rPr lang="en-US" sz="2400" dirty="0" err="1" smtClean="0">
+                  <a:solidFill>
+                    <a:srgbClr val="FFFFFF"/>
+                  </a:solidFill>
+                  <a:ea typeface="ＭＳ ゴシック"/>
+                  <a:cs typeface="ＭＳ ゴシック"/>
+                </a:rPr>
+                <a:t>beperkte</a:t>
+              </a:r>
+              <a:r>
+                <a:rPr lang="en-US" sz="2400" dirty="0" smtClean="0">
+                  <a:solidFill>
+                    <a:srgbClr val="FFFFFF"/>
+                  </a:solidFill>
+                  <a:ea typeface="ＭＳ ゴシック"/>
+                  <a:cs typeface="ＭＳ ゴシック"/>
+                </a:rPr>
+                <a:t> </a:t>
+              </a:r>
+              <a:r>
+                <a:rPr lang="en-US" sz="2400" dirty="0" err="1" smtClean="0">
+                  <a:solidFill>
+                    <a:srgbClr val="FFFFFF"/>
+                  </a:solidFill>
+                  <a:ea typeface="ＭＳ ゴシック"/>
+                  <a:cs typeface="ＭＳ ゴシック"/>
+                </a:rPr>
+                <a:t>tijdspanne</a:t>
+              </a:r>
+              <a:r>
+                <a:rPr lang="en-US" sz="2400" dirty="0" smtClean="0">
+                  <a:solidFill>
+                    <a:srgbClr val="FFFFFF"/>
+                  </a:solidFill>
+                  <a:ea typeface="ＭＳ ゴシック"/>
+                  <a:cs typeface="ＭＳ ゴシック"/>
+                </a:rPr>
+                <a:t>. </a:t>
+              </a:r>
+              <a:endParaRPr lang="en-US" sz="2400" dirty="0" smtClean="0">
+                <a:solidFill>
+                  <a:srgbClr val="FFFFFF"/>
+                </a:solidFill>
+                <a:ea typeface="ＭＳ ゴシック"/>
+                <a:cs typeface="ＭＳ ゴシック"/>
+              </a:endParaRPr>
             </a:p>
           </p:txBody>
         </p:sp>
@@ -20758,7 +18100,7 @@
                   <a:ea typeface="ＭＳ ゴシック"/>
                   <a:cs typeface="ＭＳ ゴシック"/>
                 </a:rPr>
-                <a:t>−AC</a:t>
+                <a:t>−4AC</a:t>
               </a:r>
               <a:endParaRPr lang="en-US" sz="2400" dirty="0">
                 <a:solidFill>
@@ -21188,8 +18530,55 @@
                 <a:ea typeface="ＭＳ ゴシック"/>
                 <a:cs typeface="ＭＳ ゴシック"/>
               </a:rPr>
-              <a:t>Er kan een passende vergelijking gevonden worden binnen een beperkte tijdspanne. </a:t>
+              <a:t>Er kan een passende vergelijking gevonden worden binnen een </a:t>
             </a:r>
+            <a:r>
+              <a:rPr lang="en-US" sz="2400" dirty="0" err="1" smtClean="0">
+                <a:solidFill>
+                  <a:srgbClr val="FFFFFF"/>
+                </a:solidFill>
+                <a:ea typeface="ＭＳ ゴシック"/>
+                <a:cs typeface="ＭＳ ゴシック"/>
+              </a:rPr>
+              <a:t>beperkte</a:t>
+            </a:r>
+            <a:r>
+              <a:rPr lang="en-US" sz="2400" dirty="0" smtClean="0">
+                <a:solidFill>
+                  <a:srgbClr val="FFFFFF"/>
+                </a:solidFill>
+                <a:ea typeface="ＭＳ ゴシック"/>
+                <a:cs typeface="ＭＳ ゴシック"/>
+              </a:rPr>
+              <a:t> </a:t>
+            </a:r>
+            <a:r>
+              <a:rPr lang="en-US" sz="2400" dirty="0" err="1" smtClean="0">
+                <a:solidFill>
+                  <a:srgbClr val="FFFFFF"/>
+                </a:solidFill>
+                <a:ea typeface="ＭＳ ゴシック"/>
+                <a:cs typeface="ＭＳ ゴシック"/>
+              </a:rPr>
+              <a:t>tijdspanne</a:t>
+            </a:r>
+            <a:r>
+              <a:rPr lang="en-US" sz="2400" dirty="0" smtClean="0">
+                <a:solidFill>
+                  <a:srgbClr val="FFFFFF"/>
+                </a:solidFill>
+                <a:ea typeface="ＭＳ ゴシック"/>
+                <a:cs typeface="ＭＳ ゴシック"/>
+              </a:rPr>
+              <a:t>. </a:t>
+            </a:r>
+            <a:endParaRPr lang="en-US" sz="2400" dirty="0" smtClean="0">
+              <a:solidFill>
+                <a:srgbClr val="FFFFFF"/>
+              </a:solidFill>
+              <a:ea typeface="ＭＳ ゴシック"/>
+              <a:cs typeface="ＭＳ ゴシック"/>
+            </a:endParaRPr>
           </a:p>
         </p:txBody>
       </p:sp>
@@ -21639,15 +19028,27 @@
               </a:r>
               <a:r>
                 <a:rPr lang="en-US" dirty="0" smtClean="0"/>
-                <a:t> het </a:t>
+                <a:t> </a:t>
+              </a:r>
+              <a:r>
+                <a:rPr lang="en-US" dirty="0" smtClean="0"/>
+                <a:t>de </a:t>
               </a:r>
               <a:r>
                 <a:rPr lang="en-US" dirty="0" err="1" smtClean="0"/>
                 <a:t>oplossings</a:t>
               </a:r>
               <a:r>
+                <a:rPr lang="en-US" dirty="0" err="1" smtClean="0"/>
+                <a:t>graad</a:t>
+              </a:r>
+              <a:r>
                 <a:rPr lang="en-US" dirty="0" smtClean="0"/>
-                <a:t>% en </a:t>
+                <a:t> </a:t>
+              </a:r>
+              <a:r>
+                <a:rPr lang="en-US" dirty="0" smtClean="0"/>
+                <a:t>en </a:t>
               </a:r>
               <a:br>
                 <a:rPr lang="en-US" dirty="0" smtClean="0"/>
@@ -22233,7 +19634,7 @@
             <p:ph idx="1"/>
             <p:extLst>
               <p:ext uri="{D42A27DB-BD31-4B8C-83A1-F6EECF244321}">
-                <p14:modId xmlns:p14="http://schemas.microsoft.com/office/powerpoint/2010/main" val="3101101609"/>
+                <p14:modId xmlns:p14="http://schemas.microsoft.com/office/powerpoint/2010/main" val="3182586077"/>
               </p:ext>
             </p:extLst>
           </p:nvPr>
@@ -22671,7 +20072,26 @@
             </a:r>
             <a:r>
               <a:rPr lang="en-US" dirty="0" smtClean="0"/>
-              <a:t> op?</a:t>
+              <a:t> </a:t>
+            </a:r>
+            <a:br>
+              <a:rPr lang="en-US" dirty="0" smtClean="0"/>
+            </a:br>
+            <a:r>
+              <a:rPr lang="en-US" dirty="0" err="1" smtClean="0"/>
+              <a:t>effici</a:t>
+            </a:r>
+            <a:r>
+              <a:rPr lang="en-US" dirty="0" err="1" smtClean="0"/>
+              <a:t>ënt</a:t>
+            </a:r>
+            <a:r>
+              <a:rPr lang="en-US" dirty="0" smtClean="0"/>
+              <a:t> </a:t>
+            </a:r>
+            <a:r>
+              <a:rPr lang="en-US" dirty="0" smtClean="0"/>
+              <a:t>op?</a:t>
             </a:r>
           </a:p>
           <a:p>
@@ -22732,8 +20152,8 @@
           <a:lstStyle/>
           <a:p>
             <a:r>
-              <a:rPr lang="en-US" dirty="0" smtClean="0"/>
-              <a:t>Eerste aanpak</a:t>
+              <a:rPr lang="en-US" dirty="0" err="1" smtClean="0"/>
+              <a:t>Aanpak</a:t>
             </a:r>
             <a:endParaRPr lang="en-US" dirty="0"/>
           </a:p>
@@ -22746,7 +20166,7 @@
           <p:nvPr>
             <p:extLst>
               <p:ext uri="{D42A27DB-BD31-4B8C-83A1-F6EECF244321}">
-                <p14:modId xmlns:p14="http://schemas.microsoft.com/office/powerpoint/2010/main" val="142545728"/>
+                <p14:modId xmlns:p14="http://schemas.microsoft.com/office/powerpoint/2010/main" val="563347448"/>
               </p:ext>
             </p:extLst>
           </p:nvPr>
@@ -22761,22 +20181,785 @@
           </a:graphicData>
         </a:graphic>
       </p:graphicFrame>
+      <p:grpSp>
+        <p:nvGrpSpPr>
+          <p:cNvPr id="6" name="Group 5"/>
+          <p:cNvGrpSpPr/>
+          <p:nvPr/>
+        </p:nvGrpSpPr>
+        <p:grpSpPr>
+          <a:xfrm rot="18680605">
+            <a:off x="3080496" y="3491048"/>
+            <a:ext cx="458076" cy="394355"/>
+            <a:chOff x="2278170" y="846838"/>
+            <a:chExt cx="458076" cy="394355"/>
+          </a:xfrm>
+        </p:grpSpPr>
+        <p:sp>
+          <p:nvSpPr>
+            <p:cNvPr id="8" name="Right Arrow 7"/>
+            <p:cNvSpPr/>
+            <p:nvPr/>
+          </p:nvSpPr>
+          <p:spPr>
+            <a:xfrm rot="5">
+              <a:off x="2278170" y="846838"/>
+              <a:ext cx="458076" cy="394355"/>
+            </a:xfrm>
+            <a:prstGeom prst="rightArrow">
+              <a:avLst>
+                <a:gd name="adj1" fmla="val 60000"/>
+                <a:gd name="adj2" fmla="val 50000"/>
+              </a:avLst>
+            </a:prstGeom>
+          </p:spPr>
+          <p:style>
+            <a:lnRef idx="0">
+              <a:schemeClr val="accent1">
+                <a:tint val="60000"/>
+                <a:hueOff val="0"/>
+                <a:satOff val="0"/>
+                <a:lumOff val="0"/>
+                <a:alphaOff val="0"/>
+              </a:schemeClr>
+            </a:lnRef>
+            <a:fillRef idx="1">
+              <a:schemeClr val="accent1">
+                <a:tint val="60000"/>
+                <a:hueOff val="0"/>
+                <a:satOff val="0"/>
+                <a:lumOff val="0"/>
+                <a:alphaOff val="0"/>
+              </a:schemeClr>
+            </a:fillRef>
+            <a:effectRef idx="0">
+              <a:schemeClr val="accent1">
+                <a:tint val="60000"/>
+                <a:hueOff val="0"/>
+                <a:satOff val="0"/>
+                <a:lumOff val="0"/>
+                <a:alphaOff val="0"/>
+              </a:schemeClr>
+            </a:effectRef>
+            <a:fontRef idx="minor">
+              <a:schemeClr val="lt1"/>
+            </a:fontRef>
+          </p:style>
+        </p:sp>
+        <p:sp>
+          <p:nvSpPr>
+            <p:cNvPr id="9" name="Right Arrow 4"/>
+            <p:cNvSpPr/>
+            <p:nvPr/>
+          </p:nvSpPr>
+          <p:spPr>
+            <a:xfrm rot="5">
+              <a:off x="2278170" y="925709"/>
+              <a:ext cx="339770" cy="236613"/>
+            </a:xfrm>
+            <a:prstGeom prst="rect">
+              <a:avLst/>
+            </a:prstGeom>
+          </p:spPr>
+          <p:style>
+            <a:lnRef idx="0">
+              <a:scrgbClr r="0" g="0" b="0"/>
+            </a:lnRef>
+            <a:fillRef idx="0">
+              <a:scrgbClr r="0" g="0" b="0"/>
+            </a:fillRef>
+            <a:effectRef idx="0">
+              <a:scrgbClr r="0" g="0" b="0"/>
+            </a:effectRef>
+            <a:fontRef idx="minor">
+              <a:schemeClr val="lt1"/>
+            </a:fontRef>
+          </p:style>
+          <p:txBody>
+            <a:bodyPr spcFirstLastPara="0" vert="horz" wrap="square" lIns="0" tIns="0" rIns="0" bIns="0" numCol="1" spcCol="1270" anchor="ctr" anchorCtr="0">
+              <a:noAutofit/>
+            </a:bodyPr>
+            <a:lstStyle/>
+            <a:p>
+              <a:pPr lvl="0" algn="ctr" defTabSz="711200">
+                <a:lnSpc>
+                  <a:spcPct val="90000"/>
+                </a:lnSpc>
+                <a:spcBef>
+                  <a:spcPct val="0"/>
+                </a:spcBef>
+                <a:spcAft>
+                  <a:spcPct val="35000"/>
+                </a:spcAft>
+              </a:pPr>
+              <a:endParaRPr lang="en-US" sz="1600" kern="1200"/>
+            </a:p>
+          </p:txBody>
+        </p:sp>
+      </p:grpSp>
+    </p:spTree>
+    <p:extLst>
+      <p:ext uri="{BB962C8B-B14F-4D97-AF65-F5344CB8AC3E}">
+        <p14:creationId xmlns:p14="http://schemas.microsoft.com/office/powerpoint/2010/main" val="1013084160"/>
+      </p:ext>
+    </p:extLst>
+  </p:cSld>
+  <p:clrMapOvr>
+    <a:masterClrMapping/>
+  </p:clrMapOvr>
+  <p:timing>
+    <p:tnLst>
+      <p:par>
+        <p:cTn xmlns:p14="http://schemas.microsoft.com/office/powerpoint/2010/main" id="1" dur="indefinite" restart="never" nodeType="tmRoot">
+          <p:childTnLst>
+            <p:seq concurrent="1" nextAc="seek">
+              <p:cTn id="2" dur="indefinite" nodeType="mainSeq">
+                <p:childTnLst>
+                  <p:par>
+                    <p:cTn id="3" fill="hold">
+                      <p:stCondLst>
+                        <p:cond delay="indefinite"/>
+                      </p:stCondLst>
+                      <p:childTnLst>
+                        <p:par>
+                          <p:cTn id="4" fill="hold">
+                            <p:stCondLst>
+                              <p:cond delay="0"/>
+                            </p:stCondLst>
+                            <p:childTnLst>
+                              <p:par>
+                                <p:cTn id="5" presetID="1" presetClass="entr" presetSubtype="0" fill="hold" grpId="0" nodeType="clickEffect">
+                                  <p:stCondLst>
+                                    <p:cond delay="0"/>
+                                  </p:stCondLst>
+                                  <p:childTnLst>
+                                    <p:set>
+                                      <p:cBhvr>
+                                        <p:cTn id="6" dur="1" fill="hold">
+                                          <p:stCondLst>
+                                            <p:cond delay="0"/>
+                                          </p:stCondLst>
+                                        </p:cTn>
+                                        <p:tgtEl>
+                                          <p:spTgt spid="7">
+                                            <p:graphicEl>
+                                              <a:dgm id="{D8D58019-30CF-9A42-AAFB-820ADA78567B}"/>
+                                            </p:graphicEl>
+                                          </p:spTgt>
+                                        </p:tgtEl>
+                                        <p:attrNameLst>
+                                          <p:attrName>style.visibility</p:attrName>
+                                        </p:attrNameLst>
+                                      </p:cBhvr>
+                                      <p:to>
+                                        <p:strVal val="visible"/>
+                                      </p:to>
+                                    </p:set>
+                                  </p:childTnLst>
+                                </p:cTn>
+                              </p:par>
+                            </p:childTnLst>
+                          </p:cTn>
+                        </p:par>
+                      </p:childTnLst>
+                    </p:cTn>
+                  </p:par>
+                  <p:par>
+                    <p:cTn id="7" fill="hold">
+                      <p:stCondLst>
+                        <p:cond delay="indefinite"/>
+                      </p:stCondLst>
+                      <p:childTnLst>
+                        <p:par>
+                          <p:cTn id="8" fill="hold">
+                            <p:stCondLst>
+                              <p:cond delay="0"/>
+                            </p:stCondLst>
+                            <p:childTnLst>
+                              <p:par>
+                                <p:cTn id="9" presetID="1" presetClass="entr" presetSubtype="0" fill="hold" grpId="0" nodeType="clickEffect">
+                                  <p:stCondLst>
+                                    <p:cond delay="0"/>
+                                  </p:stCondLst>
+                                  <p:childTnLst>
+                                    <p:set>
+                                      <p:cBhvr>
+                                        <p:cTn id="10" dur="1" fill="hold">
+                                          <p:stCondLst>
+                                            <p:cond delay="0"/>
+                                          </p:stCondLst>
+                                        </p:cTn>
+                                        <p:tgtEl>
+                                          <p:spTgt spid="7">
+                                            <p:graphicEl>
+                                              <a:dgm id="{98B67E09-D17F-5842-830B-20D9D1673B12}"/>
+                                            </p:graphicEl>
+                                          </p:spTgt>
+                                        </p:tgtEl>
+                                        <p:attrNameLst>
+                                          <p:attrName>style.visibility</p:attrName>
+                                        </p:attrNameLst>
+                                      </p:cBhvr>
+                                      <p:to>
+                                        <p:strVal val="visible"/>
+                                      </p:to>
+                                    </p:set>
+                                  </p:childTnLst>
+                                </p:cTn>
+                              </p:par>
+                              <p:par>
+                                <p:cTn id="11" presetID="1" presetClass="entr" presetSubtype="0" fill="hold" grpId="0" nodeType="withEffect">
+                                  <p:stCondLst>
+                                    <p:cond delay="0"/>
+                                  </p:stCondLst>
+                                  <p:childTnLst>
+                                    <p:set>
+                                      <p:cBhvr>
+                                        <p:cTn id="12" dur="1" fill="hold">
+                                          <p:stCondLst>
+                                            <p:cond delay="0"/>
+                                          </p:stCondLst>
+                                        </p:cTn>
+                                        <p:tgtEl>
+                                          <p:spTgt spid="7">
+                                            <p:graphicEl>
+                                              <a:dgm id="{FBADAD8C-346F-1946-9AFC-21B444AF4E17}"/>
+                                            </p:graphicEl>
+                                          </p:spTgt>
+                                        </p:tgtEl>
+                                        <p:attrNameLst>
+                                          <p:attrName>style.visibility</p:attrName>
+                                        </p:attrNameLst>
+                                      </p:cBhvr>
+                                      <p:to>
+                                        <p:strVal val="visible"/>
+                                      </p:to>
+                                    </p:set>
+                                  </p:childTnLst>
+                                </p:cTn>
+                              </p:par>
+                            </p:childTnLst>
+                          </p:cTn>
+                        </p:par>
+                      </p:childTnLst>
+                    </p:cTn>
+                  </p:par>
+                  <p:par>
+                    <p:cTn id="13" fill="hold">
+                      <p:stCondLst>
+                        <p:cond delay="indefinite"/>
+                      </p:stCondLst>
+                      <p:childTnLst>
+                        <p:par>
+                          <p:cTn id="14" fill="hold">
+                            <p:stCondLst>
+                              <p:cond delay="0"/>
+                            </p:stCondLst>
+                            <p:childTnLst>
+                              <p:par>
+                                <p:cTn id="15" presetID="1" presetClass="entr" presetSubtype="0" fill="hold" grpId="0" nodeType="clickEffect">
+                                  <p:stCondLst>
+                                    <p:cond delay="0"/>
+                                  </p:stCondLst>
+                                  <p:childTnLst>
+                                    <p:set>
+                                      <p:cBhvr>
+                                        <p:cTn id="16" dur="1" fill="hold">
+                                          <p:stCondLst>
+                                            <p:cond delay="0"/>
+                                          </p:stCondLst>
+                                        </p:cTn>
+                                        <p:tgtEl>
+                                          <p:spTgt spid="7">
+                                            <p:graphicEl>
+                                              <a:dgm id="{8F7157DE-7093-CD46-B53A-D62209D97B40}"/>
+                                            </p:graphicEl>
+                                          </p:spTgt>
+                                        </p:tgtEl>
+                                        <p:attrNameLst>
+                                          <p:attrName>style.visibility</p:attrName>
+                                        </p:attrNameLst>
+                                      </p:cBhvr>
+                                      <p:to>
+                                        <p:strVal val="visible"/>
+                                      </p:to>
+                                    </p:set>
+                                  </p:childTnLst>
+                                </p:cTn>
+                              </p:par>
+                              <p:par>
+                                <p:cTn id="17" presetID="1" presetClass="entr" presetSubtype="0" fill="hold" grpId="0" nodeType="withEffect">
+                                  <p:stCondLst>
+                                    <p:cond delay="0"/>
+                                  </p:stCondLst>
+                                  <p:childTnLst>
+                                    <p:set>
+                                      <p:cBhvr>
+                                        <p:cTn id="18" dur="1" fill="hold">
+                                          <p:stCondLst>
+                                            <p:cond delay="0"/>
+                                          </p:stCondLst>
+                                        </p:cTn>
+                                        <p:tgtEl>
+                                          <p:spTgt spid="7">
+                                            <p:graphicEl>
+                                              <a:dgm id="{DE19F9E7-841B-3548-BF75-BFA1FA9F674D}"/>
+                                            </p:graphicEl>
+                                          </p:spTgt>
+                                        </p:tgtEl>
+                                        <p:attrNameLst>
+                                          <p:attrName>style.visibility</p:attrName>
+                                        </p:attrNameLst>
+                                      </p:cBhvr>
+                                      <p:to>
+                                        <p:strVal val="visible"/>
+                                      </p:to>
+                                    </p:set>
+                                  </p:childTnLst>
+                                </p:cTn>
+                              </p:par>
+                            </p:childTnLst>
+                          </p:cTn>
+                        </p:par>
+                      </p:childTnLst>
+                    </p:cTn>
+                  </p:par>
+                  <p:par>
+                    <p:cTn id="19" fill="hold">
+                      <p:stCondLst>
+                        <p:cond delay="indefinite"/>
+                      </p:stCondLst>
+                      <p:childTnLst>
+                        <p:par>
+                          <p:cTn id="20" fill="hold">
+                            <p:stCondLst>
+                              <p:cond delay="0"/>
+                            </p:stCondLst>
+                            <p:childTnLst>
+                              <p:par>
+                                <p:cTn id="21" presetID="1" presetClass="entr" presetSubtype="0" fill="hold" grpId="0" nodeType="clickEffect">
+                                  <p:stCondLst>
+                                    <p:cond delay="0"/>
+                                  </p:stCondLst>
+                                  <p:childTnLst>
+                                    <p:set>
+                                      <p:cBhvr>
+                                        <p:cTn id="22" dur="1" fill="hold">
+                                          <p:stCondLst>
+                                            <p:cond delay="0"/>
+                                          </p:stCondLst>
+                                        </p:cTn>
+                                        <p:tgtEl>
+                                          <p:spTgt spid="7">
+                                            <p:graphicEl>
+                                              <a:dgm id="{3BEB4A5E-E390-8C48-9B16-47F4D0F546F2}"/>
+                                            </p:graphicEl>
+                                          </p:spTgt>
+                                        </p:tgtEl>
+                                        <p:attrNameLst>
+                                          <p:attrName>style.visibility</p:attrName>
+                                        </p:attrNameLst>
+                                      </p:cBhvr>
+                                      <p:to>
+                                        <p:strVal val="visible"/>
+                                      </p:to>
+                                    </p:set>
+                                  </p:childTnLst>
+                                </p:cTn>
+                              </p:par>
+                              <p:par>
+                                <p:cTn id="23" presetID="1" presetClass="entr" presetSubtype="0" fill="hold" grpId="0" nodeType="withEffect">
+                                  <p:stCondLst>
+                                    <p:cond delay="0"/>
+                                  </p:stCondLst>
+                                  <p:childTnLst>
+                                    <p:set>
+                                      <p:cBhvr>
+                                        <p:cTn id="24" dur="1" fill="hold">
+                                          <p:stCondLst>
+                                            <p:cond delay="0"/>
+                                          </p:stCondLst>
+                                        </p:cTn>
+                                        <p:tgtEl>
+                                          <p:spTgt spid="7">
+                                            <p:graphicEl>
+                                              <a:dgm id="{80CA9273-0D48-F841-A08B-EABB737F7C92}"/>
+                                            </p:graphicEl>
+                                          </p:spTgt>
+                                        </p:tgtEl>
+                                        <p:attrNameLst>
+                                          <p:attrName>style.visibility</p:attrName>
+                                        </p:attrNameLst>
+                                      </p:cBhvr>
+                                      <p:to>
+                                        <p:strVal val="visible"/>
+                                      </p:to>
+                                    </p:set>
+                                  </p:childTnLst>
+                                </p:cTn>
+                              </p:par>
+                            </p:childTnLst>
+                          </p:cTn>
+                        </p:par>
+                      </p:childTnLst>
+                    </p:cTn>
+                  </p:par>
+                  <p:par>
+                    <p:cTn id="25" fill="hold">
+                      <p:stCondLst>
+                        <p:cond delay="indefinite"/>
+                      </p:stCondLst>
+                      <p:childTnLst>
+                        <p:par>
+                          <p:cTn id="26" fill="hold">
+                            <p:stCondLst>
+                              <p:cond delay="0"/>
+                            </p:stCondLst>
+                            <p:childTnLst>
+                              <p:par>
+                                <p:cTn id="27" presetID="1" presetClass="entr" presetSubtype="0" fill="hold" grpId="0" nodeType="clickEffect">
+                                  <p:stCondLst>
+                                    <p:cond delay="0"/>
+                                  </p:stCondLst>
+                                  <p:childTnLst>
+                                    <p:set>
+                                      <p:cBhvr>
+                                        <p:cTn id="28" dur="1" fill="hold">
+                                          <p:stCondLst>
+                                            <p:cond delay="0"/>
+                                          </p:stCondLst>
+                                        </p:cTn>
+                                        <p:tgtEl>
+                                          <p:spTgt spid="7">
+                                            <p:graphicEl>
+                                              <a:dgm id="{5B9CE903-A2DC-D84F-A88A-809A189E10EE}"/>
+                                            </p:graphicEl>
+                                          </p:spTgt>
+                                        </p:tgtEl>
+                                        <p:attrNameLst>
+                                          <p:attrName>style.visibility</p:attrName>
+                                        </p:attrNameLst>
+                                      </p:cBhvr>
+                                      <p:to>
+                                        <p:strVal val="visible"/>
+                                      </p:to>
+                                    </p:set>
+                                  </p:childTnLst>
+                                </p:cTn>
+                              </p:par>
+                              <p:par>
+                                <p:cTn id="29" presetID="1" presetClass="entr" presetSubtype="0" fill="hold" grpId="0" nodeType="withEffect">
+                                  <p:stCondLst>
+                                    <p:cond delay="0"/>
+                                  </p:stCondLst>
+                                  <p:childTnLst>
+                                    <p:set>
+                                      <p:cBhvr>
+                                        <p:cTn id="30" dur="1" fill="hold">
+                                          <p:stCondLst>
+                                            <p:cond delay="0"/>
+                                          </p:stCondLst>
+                                        </p:cTn>
+                                        <p:tgtEl>
+                                          <p:spTgt spid="7">
+                                            <p:graphicEl>
+                                              <a:dgm id="{ECC1FAFA-5C8D-824D-85C0-D272C0AC010D}"/>
+                                            </p:graphicEl>
+                                          </p:spTgt>
+                                        </p:tgtEl>
+                                        <p:attrNameLst>
+                                          <p:attrName>style.visibility</p:attrName>
+                                        </p:attrNameLst>
+                                      </p:cBhvr>
+                                      <p:to>
+                                        <p:strVal val="visible"/>
+                                      </p:to>
+                                    </p:set>
+                                  </p:childTnLst>
+                                </p:cTn>
+                              </p:par>
+                            </p:childTnLst>
+                          </p:cTn>
+                        </p:par>
+                      </p:childTnLst>
+                    </p:cTn>
+                  </p:par>
+                  <p:par>
+                    <p:cTn id="31" fill="hold">
+                      <p:stCondLst>
+                        <p:cond delay="indefinite"/>
+                      </p:stCondLst>
+                      <p:childTnLst>
+                        <p:par>
+                          <p:cTn id="32" fill="hold">
+                            <p:stCondLst>
+                              <p:cond delay="0"/>
+                            </p:stCondLst>
+                            <p:childTnLst>
+                              <p:par>
+                                <p:cTn id="33" presetID="1" presetClass="entr" presetSubtype="0" fill="hold" grpId="0" nodeType="clickEffect">
+                                  <p:stCondLst>
+                                    <p:cond delay="0"/>
+                                  </p:stCondLst>
+                                  <p:childTnLst>
+                                    <p:set>
+                                      <p:cBhvr>
+                                        <p:cTn id="34" dur="1" fill="hold">
+                                          <p:stCondLst>
+                                            <p:cond delay="0"/>
+                                          </p:stCondLst>
+                                        </p:cTn>
+                                        <p:tgtEl>
+                                          <p:spTgt spid="7">
+                                            <p:graphicEl>
+                                              <a:dgm id="{E568B70A-E8B2-CE45-9CF0-30AA4AF4642F}"/>
+                                            </p:graphicEl>
+                                          </p:spTgt>
+                                        </p:tgtEl>
+                                        <p:attrNameLst>
+                                          <p:attrName>style.visibility</p:attrName>
+                                        </p:attrNameLst>
+                                      </p:cBhvr>
+                                      <p:to>
+                                        <p:strVal val="visible"/>
+                                      </p:to>
+                                    </p:set>
+                                  </p:childTnLst>
+                                </p:cTn>
+                              </p:par>
+                              <p:par>
+                                <p:cTn id="35" presetID="1" presetClass="entr" presetSubtype="0" fill="hold" grpId="0" nodeType="withEffect">
+                                  <p:stCondLst>
+                                    <p:cond delay="0"/>
+                                  </p:stCondLst>
+                                  <p:childTnLst>
+                                    <p:set>
+                                      <p:cBhvr>
+                                        <p:cTn id="36" dur="1" fill="hold">
+                                          <p:stCondLst>
+                                            <p:cond delay="0"/>
+                                          </p:stCondLst>
+                                        </p:cTn>
+                                        <p:tgtEl>
+                                          <p:spTgt spid="7">
+                                            <p:graphicEl>
+                                              <a:dgm id="{CBA38E7C-B2E8-304B-B0B2-FA496374E710}"/>
+                                            </p:graphicEl>
+                                          </p:spTgt>
+                                        </p:tgtEl>
+                                        <p:attrNameLst>
+                                          <p:attrName>style.visibility</p:attrName>
+                                        </p:attrNameLst>
+                                      </p:cBhvr>
+                                      <p:to>
+                                        <p:strVal val="visible"/>
+                                      </p:to>
+                                    </p:set>
+                                  </p:childTnLst>
+                                </p:cTn>
+                              </p:par>
+                              <p:par>
+                                <p:cTn id="37" presetID="1" presetClass="entr" presetSubtype="0" fill="hold" grpId="0" nodeType="withEffect">
+                                  <p:stCondLst>
+                                    <p:cond delay="0"/>
+                                  </p:stCondLst>
+                                  <p:childTnLst>
+                                    <p:set>
+                                      <p:cBhvr>
+                                        <p:cTn id="38" dur="1" fill="hold">
+                                          <p:stCondLst>
+                                            <p:cond delay="0"/>
+                                          </p:stCondLst>
+                                        </p:cTn>
+                                        <p:tgtEl>
+                                          <p:spTgt spid="7">
+                                            <p:graphicEl>
+                                              <a:dgm id="{120A9612-3FC4-0C41-84AB-FE4F7CE18771}"/>
+                                            </p:graphicEl>
+                                          </p:spTgt>
+                                        </p:tgtEl>
+                                        <p:attrNameLst>
+                                          <p:attrName>style.visibility</p:attrName>
+                                        </p:attrNameLst>
+                                      </p:cBhvr>
+                                      <p:to>
+                                        <p:strVal val="visible"/>
+                                      </p:to>
+                                    </p:set>
+                                  </p:childTnLst>
+                                </p:cTn>
+                              </p:par>
+                            </p:childTnLst>
+                          </p:cTn>
+                        </p:par>
+                      </p:childTnLst>
+                    </p:cTn>
+                  </p:par>
+                  <p:par>
+                    <p:cTn id="39" fill="hold">
+                      <p:stCondLst>
+                        <p:cond delay="indefinite"/>
+                      </p:stCondLst>
+                      <p:childTnLst>
+                        <p:par>
+                          <p:cTn id="40" fill="hold">
+                            <p:stCondLst>
+                              <p:cond delay="0"/>
+                            </p:stCondLst>
+                            <p:childTnLst>
+                              <p:par>
+                                <p:cTn id="41" presetID="1" presetClass="entr" presetSubtype="0" fill="hold" nodeType="clickEffect">
+                                  <p:stCondLst>
+                                    <p:cond delay="0"/>
+                                  </p:stCondLst>
+                                  <p:childTnLst>
+                                    <p:set>
+                                      <p:cBhvr>
+                                        <p:cTn id="42" dur="1" fill="hold">
+                                          <p:stCondLst>
+                                            <p:cond delay="0"/>
+                                          </p:stCondLst>
+                                        </p:cTn>
+                                        <p:tgtEl>
+                                          <p:spTgt spid="6"/>
+                                        </p:tgtEl>
+                                        <p:attrNameLst>
+                                          <p:attrName>style.visibility</p:attrName>
+                                        </p:attrNameLst>
+                                      </p:cBhvr>
+                                      <p:to>
+                                        <p:strVal val="visible"/>
+                                      </p:to>
+                                    </p:set>
+                                  </p:childTnLst>
+                                </p:cTn>
+                              </p:par>
+                            </p:childTnLst>
+                          </p:cTn>
+                        </p:par>
+                      </p:childTnLst>
+                    </p:cTn>
+                  </p:par>
+                </p:childTnLst>
+              </p:cTn>
+              <p:prevCondLst>
+                <p:cond evt="onPrev" delay="0">
+                  <p:tgtEl>
+                    <p:sldTgt/>
+                  </p:tgtEl>
+                </p:cond>
+              </p:prevCondLst>
+              <p:nextCondLst>
+                <p:cond evt="onNext" delay="0">
+                  <p:tgtEl>
+                    <p:sldTgt/>
+                  </p:tgtEl>
+                </p:cond>
+              </p:nextCondLst>
+            </p:seq>
+          </p:childTnLst>
+        </p:cTn>
+      </p:par>
+    </p:tnLst>
+    <p:bldLst>
+      <p:bldGraphic spid="7" grpId="0">
+        <p:bldSub>
+          <a:bldDgm bld="one"/>
+        </p:bldSub>
+      </p:bldGraphic>
+    </p:bldLst>
+  </p:timing>
+</p:sld>
+</file>
+
+<file path=ppt/slides/slide15.xml><?xml version="1.0" encoding="utf-8"?>
+<p:sld xmlns:a="http://schemas.openxmlformats.org/drawingml/2006/main" xmlns:r="http://schemas.openxmlformats.org/officeDocument/2006/relationships" xmlns:p="http://schemas.openxmlformats.org/presentationml/2006/main">
+  <p:cSld>
+    <p:spTree>
+      <p:nvGrpSpPr>
+        <p:cNvPr id="1" name=""/>
+        <p:cNvGrpSpPr/>
+        <p:nvPr/>
+      </p:nvGrpSpPr>
+      <p:grpSpPr>
+        <a:xfrm>
+          <a:off x="0" y="0"/>
+          <a:ext cx="0" cy="0"/>
+          <a:chOff x="0" y="0"/>
+          <a:chExt cx="0" cy="0"/>
+        </a:xfrm>
+      </p:grpSpPr>
+      <p:pic>
+        <p:nvPicPr>
+          <p:cNvPr id="4" name="Content Placeholder 3" descr="LaTeXtree.png"/>
+          <p:cNvPicPr>
+            <a:picLocks noGrp="1" noChangeAspect="1"/>
+          </p:cNvPicPr>
+          <p:nvPr>
+            <p:ph idx="1"/>
+          </p:nvPr>
+        </p:nvPicPr>
+        <p:blipFill rotWithShape="1">
+          <a:blip r:embed="rId2">
+            <a:extLst>
+              <a:ext uri="{28A0092B-C50C-407E-A947-70E740481C1C}">
+                <a14:useLocalDpi xmlns:a14="http://schemas.microsoft.com/office/drawing/2010/main" val="0"/>
+              </a:ext>
+            </a:extLst>
+          </a:blip>
+          <a:srcRect t="-150156" b="-172266"/>
+          <a:stretch/>
+        </p:blipFill>
+        <p:spPr>
+          <a:xfrm>
+            <a:off x="8248" y="-1107505"/>
+            <a:ext cx="12196600" cy="9204423"/>
+          </a:xfrm>
+        </p:spPr>
+      </p:pic>
       <p:sp>
         <p:nvSpPr>
-          <p:cNvPr id="5" name="Rectangle 4"/>
+          <p:cNvPr id="2" name="Title 1"/>
+          <p:cNvSpPr>
+            <a:spLocks noGrp="1"/>
+          </p:cNvSpPr>
+          <p:nvPr>
+            <p:ph type="title"/>
+          </p:nvPr>
+        </p:nvSpPr>
+        <p:spPr/>
+        <p:txBody>
+          <a:bodyPr>
+            <a:normAutofit/>
+          </a:bodyPr>
+          <a:lstStyle/>
+          <a:p>
+            <a:r>
+              <a:rPr lang="en-US" dirty="0" smtClean="0"/>
+              <a:t>Pruning boom (1)</a:t>
+            </a:r>
+            <a:endParaRPr lang="en-US" sz="3600" b="0" dirty="0"/>
+          </a:p>
+        </p:txBody>
+      </p:sp>
+      <p:sp>
+        <p:nvSpPr>
+          <p:cNvPr id="8" name="Multiply 7"/>
           <p:cNvSpPr/>
           <p:nvPr/>
         </p:nvSpPr>
         <p:spPr>
           <a:xfrm>
-            <a:off x="1547664" y="1268760"/>
-            <a:ext cx="2088232" cy="936104"/>
+            <a:off x="2915816" y="3895367"/>
+            <a:ext cx="1080120" cy="324000"/>
           </a:xfrm>
-          <a:prstGeom prst="rect">
+          <a:prstGeom prst="mathMultiply">
             <a:avLst/>
           </a:prstGeom>
           <a:solidFill>
-            <a:schemeClr val="bg1"/>
+            <a:srgbClr val="FF6600">
+              <a:alpha val="50000"/>
+            </a:srgbClr>
           </a:solidFill>
           <a:ln>
             <a:noFill/>
@@ -22803,14 +20986,224 @@
           <a:lstStyle/>
           <a:p>
             <a:pPr algn="ctr"/>
-            <a:endParaRPr lang="en-US"/>
+            <a:endParaRPr lang="en-US">
+              <a:ln w="38100" cmpd="sng">
+                <a:solidFill>
+                  <a:schemeClr val="tx1"/>
+                </a:solidFill>
+              </a:ln>
+              <a:solidFill>
+                <a:srgbClr val="FF6600"/>
+              </a:solidFill>
+            </a:endParaRPr>
+          </a:p>
+        </p:txBody>
+      </p:sp>
+      <p:sp>
+        <p:nvSpPr>
+          <p:cNvPr id="11" name="Multiply 10"/>
+          <p:cNvSpPr/>
+          <p:nvPr/>
+        </p:nvSpPr>
+        <p:spPr>
+          <a:xfrm>
+            <a:off x="5940152" y="3895367"/>
+            <a:ext cx="1080120" cy="324000"/>
+          </a:xfrm>
+          <a:prstGeom prst="mathMultiply">
+            <a:avLst/>
+          </a:prstGeom>
+          <a:solidFill>
+            <a:srgbClr val="FF6600">
+              <a:alpha val="50000"/>
+            </a:srgbClr>
+          </a:solidFill>
+          <a:ln>
+            <a:noFill/>
+          </a:ln>
+        </p:spPr>
+        <p:style>
+          <a:lnRef idx="2">
+            <a:schemeClr val="accent1">
+              <a:shade val="50000"/>
+            </a:schemeClr>
+          </a:lnRef>
+          <a:fillRef idx="1">
+            <a:schemeClr val="accent1"/>
+          </a:fillRef>
+          <a:effectRef idx="0">
+            <a:schemeClr val="accent1"/>
+          </a:effectRef>
+          <a:fontRef idx="minor">
+            <a:schemeClr val="lt1"/>
+          </a:fontRef>
+        </p:style>
+        <p:txBody>
+          <a:bodyPr rtlCol="0" anchor="ctr"/>
+          <a:lstStyle/>
+          <a:p>
+            <a:pPr algn="ctr"/>
+            <a:endParaRPr lang="en-US">
+              <a:ln w="38100" cmpd="sng">
+                <a:solidFill>
+                  <a:schemeClr val="tx1"/>
+                </a:solidFill>
+              </a:ln>
+              <a:solidFill>
+                <a:srgbClr val="FF6600"/>
+              </a:solidFill>
+            </a:endParaRPr>
+          </a:p>
+        </p:txBody>
+      </p:sp>
+      <p:sp>
+        <p:nvSpPr>
+          <p:cNvPr id="12" name="Multiply 11"/>
+          <p:cNvSpPr/>
+          <p:nvPr/>
+        </p:nvSpPr>
+        <p:spPr>
+          <a:xfrm>
+            <a:off x="6732240" y="3895367"/>
+            <a:ext cx="1080120" cy="324000"/>
+          </a:xfrm>
+          <a:prstGeom prst="mathMultiply">
+            <a:avLst/>
+          </a:prstGeom>
+          <a:solidFill>
+            <a:srgbClr val="FF6600">
+              <a:alpha val="50000"/>
+            </a:srgbClr>
+          </a:solidFill>
+          <a:ln>
+            <a:noFill/>
+          </a:ln>
+        </p:spPr>
+        <p:style>
+          <a:lnRef idx="2">
+            <a:schemeClr val="accent1">
+              <a:shade val="50000"/>
+            </a:schemeClr>
+          </a:lnRef>
+          <a:fillRef idx="1">
+            <a:schemeClr val="accent1"/>
+          </a:fillRef>
+          <a:effectRef idx="0">
+            <a:schemeClr val="accent1"/>
+          </a:effectRef>
+          <a:fontRef idx="minor">
+            <a:schemeClr val="lt1"/>
+          </a:fontRef>
+        </p:style>
+        <p:txBody>
+          <a:bodyPr rtlCol="0" anchor="ctr"/>
+          <a:lstStyle/>
+          <a:p>
+            <a:pPr algn="ctr"/>
+            <a:endParaRPr lang="en-US">
+              <a:ln w="38100" cmpd="sng">
+                <a:solidFill>
+                  <a:schemeClr val="tx1"/>
+                </a:solidFill>
+              </a:ln>
+              <a:solidFill>
+                <a:srgbClr val="FF6600"/>
+              </a:solidFill>
+            </a:endParaRPr>
+          </a:p>
+        </p:txBody>
+      </p:sp>
+      <p:pic>
+        <p:nvPicPr>
+          <p:cNvPr id="3" name="Picture 2" descr="11186466_965454133485466_1102590381_n.jpg"/>
+          <p:cNvPicPr>
+            <a:picLocks noChangeAspect="1"/>
+          </p:cNvPicPr>
+          <p:nvPr/>
+        </p:nvPicPr>
+        <p:blipFill>
+          <a:blip r:embed="rId3">
+            <a:extLst>
+              <a:ext uri="{28A0092B-C50C-407E-A947-70E740481C1C}">
+                <a14:useLocalDpi xmlns:a14="http://schemas.microsoft.com/office/drawing/2010/main" val="0"/>
+              </a:ext>
+            </a:extLst>
+          </a:blip>
+          <a:stretch>
+            <a:fillRect/>
+          </a:stretch>
+        </p:blipFill>
+        <p:spPr>
+          <a:xfrm>
+            <a:off x="395536" y="5039929"/>
+            <a:ext cx="7200800" cy="545515"/>
+          </a:xfrm>
+          <a:prstGeom prst="rect">
+            <a:avLst/>
+          </a:prstGeom>
+        </p:spPr>
+      </p:pic>
+      <p:sp>
+        <p:nvSpPr>
+          <p:cNvPr id="14" name="Multiply 13"/>
+          <p:cNvSpPr/>
+          <p:nvPr/>
+        </p:nvSpPr>
+        <p:spPr>
+          <a:xfrm>
+            <a:off x="3347864" y="5039929"/>
+            <a:ext cx="5526136" cy="545515"/>
+          </a:xfrm>
+          <a:prstGeom prst="mathMultiply">
+            <a:avLst/>
+          </a:prstGeom>
+          <a:solidFill>
+            <a:srgbClr val="FF0000">
+              <a:alpha val="50000"/>
+            </a:srgbClr>
+          </a:solidFill>
+          <a:ln>
+            <a:noFill/>
+          </a:ln>
+        </p:spPr>
+        <p:style>
+          <a:lnRef idx="2">
+            <a:schemeClr val="accent1">
+              <a:shade val="50000"/>
+            </a:schemeClr>
+          </a:lnRef>
+          <a:fillRef idx="1">
+            <a:schemeClr val="accent1"/>
+          </a:fillRef>
+          <a:effectRef idx="0">
+            <a:schemeClr val="accent1"/>
+          </a:effectRef>
+          <a:fontRef idx="minor">
+            <a:schemeClr val="lt1"/>
+          </a:fontRef>
+        </p:style>
+        <p:txBody>
+          <a:bodyPr rtlCol="0" anchor="ctr"/>
+          <a:lstStyle/>
+          <a:p>
+            <a:pPr algn="ctr"/>
+            <a:endParaRPr lang="en-US">
+              <a:ln w="38100" cmpd="sng">
+                <a:solidFill>
+                  <a:schemeClr val="tx1"/>
+                </a:solidFill>
+              </a:ln>
+              <a:solidFill>
+                <a:srgbClr val="FF6600"/>
+              </a:solidFill>
+            </a:endParaRPr>
           </a:p>
         </p:txBody>
       </p:sp>
     </p:spTree>
     <p:extLst>
       <p:ext uri="{BB962C8B-B14F-4D97-AF65-F5344CB8AC3E}">
-        <p14:creationId xmlns:p14="http://schemas.microsoft.com/office/powerpoint/2010/main" val="1013084160"/>
+        <p14:creationId xmlns:p14="http://schemas.microsoft.com/office/powerpoint/2010/main" val="1533653204"/>
       </p:ext>
     </p:extLst>
   </p:cSld>
@@ -22820,204 +21213,227 @@
   <p:timing>
     <p:tnLst>
       <p:par>
-        <p:cTn xmlns:p14="http://schemas.microsoft.com/office/powerpoint/2010/main" id="1" dur="indefinite" restart="never" nodeType="tmRoot"/>
+        <p:cTn xmlns:p14="http://schemas.microsoft.com/office/powerpoint/2010/main" id="1" dur="indefinite" restart="never" nodeType="tmRoot">
+          <p:childTnLst>
+            <p:seq concurrent="1" nextAc="seek">
+              <p:cTn id="2" dur="indefinite" nodeType="mainSeq">
+                <p:childTnLst>
+                  <p:par>
+                    <p:cTn id="3" fill="hold">
+                      <p:stCondLst>
+                        <p:cond delay="indefinite"/>
+                      </p:stCondLst>
+                      <p:childTnLst>
+                        <p:par>
+                          <p:cTn id="4" fill="hold">
+                            <p:stCondLst>
+                              <p:cond delay="0"/>
+                            </p:stCondLst>
+                            <p:childTnLst>
+                              <p:par>
+                                <p:cTn id="5" presetID="1" presetClass="entr" presetSubtype="0" fill="hold" grpId="0" nodeType="clickEffect">
+                                  <p:stCondLst>
+                                    <p:cond delay="0"/>
+                                  </p:stCondLst>
+                                  <p:childTnLst>
+                                    <p:set>
+                                      <p:cBhvr>
+                                        <p:cTn id="6" dur="1" fill="hold">
+                                          <p:stCondLst>
+                                            <p:cond delay="0"/>
+                                          </p:stCondLst>
+                                        </p:cTn>
+                                        <p:tgtEl>
+                                          <p:spTgt spid="8"/>
+                                        </p:tgtEl>
+                                        <p:attrNameLst>
+                                          <p:attrName>style.visibility</p:attrName>
+                                        </p:attrNameLst>
+                                      </p:cBhvr>
+                                      <p:to>
+                                        <p:strVal val="visible"/>
+                                      </p:to>
+                                    </p:set>
+                                  </p:childTnLst>
+                                </p:cTn>
+                              </p:par>
+                              <p:par>
+                                <p:cTn id="7" presetID="1" presetClass="entr" presetSubtype="0" fill="hold" grpId="0" nodeType="withEffect">
+                                  <p:stCondLst>
+                                    <p:cond delay="0"/>
+                                  </p:stCondLst>
+                                  <p:childTnLst>
+                                    <p:set>
+                                      <p:cBhvr>
+                                        <p:cTn id="8" dur="1" fill="hold">
+                                          <p:stCondLst>
+                                            <p:cond delay="0"/>
+                                          </p:stCondLst>
+                                        </p:cTn>
+                                        <p:tgtEl>
+                                          <p:spTgt spid="11"/>
+                                        </p:tgtEl>
+                                        <p:attrNameLst>
+                                          <p:attrName>style.visibility</p:attrName>
+                                        </p:attrNameLst>
+                                      </p:cBhvr>
+                                      <p:to>
+                                        <p:strVal val="visible"/>
+                                      </p:to>
+                                    </p:set>
+                                  </p:childTnLst>
+                                </p:cTn>
+                              </p:par>
+                              <p:par>
+                                <p:cTn id="9" presetID="1" presetClass="entr" presetSubtype="0" fill="hold" grpId="0" nodeType="withEffect">
+                                  <p:stCondLst>
+                                    <p:cond delay="0"/>
+                                  </p:stCondLst>
+                                  <p:childTnLst>
+                                    <p:set>
+                                      <p:cBhvr>
+                                        <p:cTn id="10" dur="1" fill="hold">
+                                          <p:stCondLst>
+                                            <p:cond delay="0"/>
+                                          </p:stCondLst>
+                                        </p:cTn>
+                                        <p:tgtEl>
+                                          <p:spTgt spid="12"/>
+                                        </p:tgtEl>
+                                        <p:attrNameLst>
+                                          <p:attrName>style.visibility</p:attrName>
+                                        </p:attrNameLst>
+                                      </p:cBhvr>
+                                      <p:to>
+                                        <p:strVal val="visible"/>
+                                      </p:to>
+                                    </p:set>
+                                  </p:childTnLst>
+                                </p:cTn>
+                              </p:par>
+                            </p:childTnLst>
+                          </p:cTn>
+                        </p:par>
+                      </p:childTnLst>
+                    </p:cTn>
+                  </p:par>
+                  <p:par>
+                    <p:cTn id="11" fill="hold">
+                      <p:stCondLst>
+                        <p:cond delay="indefinite"/>
+                      </p:stCondLst>
+                      <p:childTnLst>
+                        <p:par>
+                          <p:cTn id="12" fill="hold">
+                            <p:stCondLst>
+                              <p:cond delay="0"/>
+                            </p:stCondLst>
+                            <p:childTnLst>
+                              <p:par>
+                                <p:cTn id="13" presetID="1" presetClass="entr" presetSubtype="0" fill="hold" nodeType="clickEffect">
+                                  <p:stCondLst>
+                                    <p:cond delay="0"/>
+                                  </p:stCondLst>
+                                  <p:childTnLst>
+                                    <p:set>
+                                      <p:cBhvr>
+                                        <p:cTn id="14" dur="1" fill="hold">
+                                          <p:stCondLst>
+                                            <p:cond delay="0"/>
+                                          </p:stCondLst>
+                                        </p:cTn>
+                                        <p:tgtEl>
+                                          <p:spTgt spid="3"/>
+                                        </p:tgtEl>
+                                        <p:attrNameLst>
+                                          <p:attrName>style.visibility</p:attrName>
+                                        </p:attrNameLst>
+                                      </p:cBhvr>
+                                      <p:to>
+                                        <p:strVal val="visible"/>
+                                      </p:to>
+                                    </p:set>
+                                  </p:childTnLst>
+                                </p:cTn>
+                              </p:par>
+                            </p:childTnLst>
+                          </p:cTn>
+                        </p:par>
+                      </p:childTnLst>
+                    </p:cTn>
+                  </p:par>
+                  <p:par>
+                    <p:cTn id="15" fill="hold">
+                      <p:stCondLst>
+                        <p:cond delay="indefinite"/>
+                      </p:stCondLst>
+                      <p:childTnLst>
+                        <p:par>
+                          <p:cTn id="16" fill="hold">
+                            <p:stCondLst>
+                              <p:cond delay="0"/>
+                            </p:stCondLst>
+                            <p:childTnLst>
+                              <p:par>
+                                <p:cTn id="17" presetID="1" presetClass="entr" presetSubtype="0" fill="hold" grpId="0" nodeType="clickEffect">
+                                  <p:stCondLst>
+                                    <p:cond delay="0"/>
+                                  </p:stCondLst>
+                                  <p:childTnLst>
+                                    <p:set>
+                                      <p:cBhvr>
+                                        <p:cTn id="18" dur="1" fill="hold">
+                                          <p:stCondLst>
+                                            <p:cond delay="0"/>
+                                          </p:stCondLst>
+                                        </p:cTn>
+                                        <p:tgtEl>
+                                          <p:spTgt spid="14"/>
+                                        </p:tgtEl>
+                                        <p:attrNameLst>
+                                          <p:attrName>style.visibility</p:attrName>
+                                        </p:attrNameLst>
+                                      </p:cBhvr>
+                                      <p:to>
+                                        <p:strVal val="visible"/>
+                                      </p:to>
+                                    </p:set>
+                                  </p:childTnLst>
+                                </p:cTn>
+                              </p:par>
+                            </p:childTnLst>
+                          </p:cTn>
+                        </p:par>
+                      </p:childTnLst>
+                    </p:cTn>
+                  </p:par>
+                </p:childTnLst>
+              </p:cTn>
+              <p:prevCondLst>
+                <p:cond evt="onPrev" delay="0">
+                  <p:tgtEl>
+                    <p:sldTgt/>
+                  </p:tgtEl>
+                </p:cond>
+              </p:prevCondLst>
+              <p:nextCondLst>
+                <p:cond evt="onNext" delay="0">
+                  <p:tgtEl>
+                    <p:sldTgt/>
+                  </p:tgtEl>
+                </p:cond>
+              </p:nextCondLst>
+            </p:seq>
+          </p:childTnLst>
+        </p:cTn>
       </p:par>
     </p:tnLst>
-  </p:timing>
-</p:sld>
-</file>
-
-<file path=ppt/slides/slide15.xml><?xml version="1.0" encoding="utf-8"?>
-<p:sld xmlns:a="http://schemas.openxmlformats.org/drawingml/2006/main" xmlns:r="http://schemas.openxmlformats.org/officeDocument/2006/relationships" xmlns:p="http://schemas.openxmlformats.org/presentationml/2006/main">
-  <p:cSld>
-    <p:spTree>
-      <p:nvGrpSpPr>
-        <p:cNvPr id="1" name=""/>
-        <p:cNvGrpSpPr/>
-        <p:nvPr/>
-      </p:nvGrpSpPr>
-      <p:grpSpPr>
-        <a:xfrm>
-          <a:off x="0" y="0"/>
-          <a:ext cx="0" cy="0"/>
-          <a:chOff x="0" y="0"/>
-          <a:chExt cx="0" cy="0"/>
-        </a:xfrm>
-      </p:grpSpPr>
-      <p:sp>
-        <p:nvSpPr>
-          <p:cNvPr id="2" name="Title 1"/>
-          <p:cNvSpPr>
-            <a:spLocks noGrp="1"/>
-          </p:cNvSpPr>
-          <p:nvPr>
-            <p:ph type="title"/>
-          </p:nvPr>
-        </p:nvSpPr>
-        <p:spPr/>
-        <p:txBody>
-          <a:bodyPr/>
-          <a:lstStyle/>
-          <a:p>
-            <a:r>
-              <a:rPr lang="en-US" dirty="0" err="1" smtClean="0"/>
-              <a:t>Tweede</a:t>
-            </a:r>
-            <a:r>
-              <a:rPr lang="en-US" dirty="0" smtClean="0"/>
-              <a:t> aanpak (1)</a:t>
-            </a:r>
-            <a:endParaRPr lang="en-US" dirty="0"/>
-          </a:p>
-        </p:txBody>
-      </p:sp>
-      <p:grpSp>
-        <p:nvGrpSpPr>
-          <p:cNvPr id="12" name="Group 11"/>
-          <p:cNvGrpSpPr/>
-          <p:nvPr/>
-        </p:nvGrpSpPr>
-        <p:grpSpPr>
-          <a:xfrm>
-            <a:off x="1498640" y="1170410"/>
-            <a:ext cx="6480720" cy="4608512"/>
-            <a:chOff x="2296916" y="1844824"/>
-            <a:chExt cx="4461334" cy="3317526"/>
-          </a:xfrm>
-        </p:grpSpPr>
-        <p:pic>
-          <p:nvPicPr>
-            <p:cNvPr id="7" name="Picture 6" descr="Screen Shot 2015-05-03 at 17.09.11.png"/>
-            <p:cNvPicPr>
-              <a:picLocks noChangeAspect="1"/>
-            </p:cNvPicPr>
-            <p:nvPr/>
-          </p:nvPicPr>
-          <p:blipFill rotWithShape="1">
-            <a:blip r:embed="rId2">
-              <a:extLst>
-                <a:ext uri="{28A0092B-C50C-407E-A947-70E740481C1C}">
-                  <a14:useLocalDpi xmlns:a14="http://schemas.microsoft.com/office/drawing/2010/main" val="0"/>
-                </a:ext>
-              </a:extLst>
-            </a:blip>
-            <a:srcRect l="1756" t="9293" r="2184" b="11570"/>
-            <a:stretch/>
-          </p:blipFill>
-          <p:spPr>
-            <a:xfrm>
-              <a:off x="2356042" y="1844824"/>
-              <a:ext cx="4343082" cy="793982"/>
-            </a:xfrm>
-            <a:prstGeom prst="rect">
-              <a:avLst/>
-            </a:prstGeom>
-          </p:spPr>
-        </p:pic>
-        <p:pic>
-          <p:nvPicPr>
-            <p:cNvPr id="8" name="Picture 7" descr="Screen Shot 2015-05-03 at 17.10.57.png"/>
-            <p:cNvPicPr>
-              <a:picLocks noChangeAspect="1"/>
-            </p:cNvPicPr>
-            <p:nvPr/>
-          </p:nvPicPr>
-          <p:blipFill rotWithShape="1">
-            <a:blip r:embed="rId3">
-              <a:extLst>
-                <a:ext uri="{28A0092B-C50C-407E-A947-70E740481C1C}">
-                  <a14:useLocalDpi xmlns:a14="http://schemas.microsoft.com/office/drawing/2010/main" val="0"/>
-                </a:ext>
-              </a:extLst>
-            </a:blip>
-            <a:srcRect l="1398" t="4842" r="1932" b="15007"/>
-            <a:stretch/>
-          </p:blipFill>
-          <p:spPr>
-            <a:xfrm>
-              <a:off x="2342275" y="2638806"/>
-              <a:ext cx="4370617" cy="793982"/>
-            </a:xfrm>
-            <a:prstGeom prst="rect">
-              <a:avLst/>
-            </a:prstGeom>
-          </p:spPr>
-        </p:pic>
-        <p:pic>
-          <p:nvPicPr>
-            <p:cNvPr id="9" name="Picture 8" descr="Screen Shot 2015-05-03 at 17.11.21.png"/>
-            <p:cNvPicPr>
-              <a:picLocks noChangeAspect="1"/>
-            </p:cNvPicPr>
-            <p:nvPr/>
-          </p:nvPicPr>
-          <p:blipFill rotWithShape="1">
-            <a:blip r:embed="rId4">
-              <a:extLst>
-                <a:ext uri="{28A0092B-C50C-407E-A947-70E740481C1C}">
-                  <a14:useLocalDpi xmlns:a14="http://schemas.microsoft.com/office/drawing/2010/main" val="0"/>
-                </a:ext>
-              </a:extLst>
-            </a:blip>
-            <a:srcRect l="2231" t="8843" r="2103" b="8914"/>
-            <a:stretch/>
-          </p:blipFill>
-          <p:spPr>
-            <a:xfrm>
-              <a:off x="2316354" y="3432788"/>
-              <a:ext cx="4422459" cy="793815"/>
-            </a:xfrm>
-            <a:prstGeom prst="rect">
-              <a:avLst/>
-            </a:prstGeom>
-          </p:spPr>
-        </p:pic>
-        <p:pic>
-          <p:nvPicPr>
-            <p:cNvPr id="10" name="Picture 9" descr="Screen Shot 2015-05-03 at 17.11.46.png"/>
-            <p:cNvPicPr>
-              <a:picLocks noChangeAspect="1"/>
-            </p:cNvPicPr>
-            <p:nvPr/>
-          </p:nvPicPr>
-          <p:blipFill rotWithShape="1">
-            <a:blip r:embed="rId5">
-              <a:extLst>
-                <a:ext uri="{28A0092B-C50C-407E-A947-70E740481C1C}">
-                  <a14:useLocalDpi xmlns:a14="http://schemas.microsoft.com/office/drawing/2010/main" val="0"/>
-                </a:ext>
-              </a:extLst>
-            </a:blip>
-            <a:srcRect l="1684" t="9078" r="1809" b="8411"/>
-            <a:stretch/>
-          </p:blipFill>
-          <p:spPr>
-            <a:xfrm>
-              <a:off x="2296916" y="4334513"/>
-              <a:ext cx="4461334" cy="827837"/>
-            </a:xfrm>
-            <a:prstGeom prst="rect">
-              <a:avLst/>
-            </a:prstGeom>
-          </p:spPr>
-        </p:pic>
-      </p:grpSp>
-    </p:spTree>
-    <p:extLst>
-      <p:ext uri="{BB962C8B-B14F-4D97-AF65-F5344CB8AC3E}">
-        <p14:creationId xmlns:p14="http://schemas.microsoft.com/office/powerpoint/2010/main" val="3415874292"/>
-      </p:ext>
-    </p:extLst>
-  </p:cSld>
-  <p:clrMapOvr>
-    <a:masterClrMapping/>
-  </p:clrMapOvr>
-  <p:timing>
-    <p:tnLst>
-      <p:par>
-        <p:cTn xmlns:p14="http://schemas.microsoft.com/office/powerpoint/2010/main" id="1" dur="indefinite" restart="never" nodeType="tmRoot"/>
-      </p:par>
-    </p:tnLst>
+    <p:bldLst>
+      <p:bldP spid="8" grpId="0" animBg="1"/>
+      <p:bldP spid="11" grpId="0" animBg="1"/>
+      <p:bldP spid="12" grpId="0" animBg="1"/>
+      <p:bldP spid="14" grpId="0" animBg="1"/>
+    </p:bldLst>
   </p:timing>
 </p:sld>
 </file>
@@ -23055,43 +21471,1225 @@
           <a:lstStyle/>
           <a:p>
             <a:r>
+              <a:rPr lang="en-US" dirty="0" smtClean="0"/>
+              <a:t>Pruning </a:t>
+            </a:r>
+            <a:r>
               <a:rPr lang="en-US" dirty="0" err="1" smtClean="0"/>
-              <a:t>Tweede</a:t>
+              <a:t>bomen</a:t>
             </a:r>
             <a:r>
               <a:rPr lang="en-US" dirty="0" smtClean="0"/>
-              <a:t> aanpak (2)</a:t>
+              <a:t> (2)</a:t>
             </a:r>
             <a:endParaRPr lang="en-US" dirty="0"/>
           </a:p>
         </p:txBody>
       </p:sp>
-      <p:graphicFrame>
-        <p:nvGraphicFramePr>
-          <p:cNvPr id="7" name="Diagram 6"/>
-          <p:cNvGraphicFramePr/>
-          <p:nvPr>
-            <p:extLst>
-              <p:ext uri="{D42A27DB-BD31-4B8C-83A1-F6EECF244321}">
-                <p14:modId xmlns:p14="http://schemas.microsoft.com/office/powerpoint/2010/main" val="3905053859"/>
-              </p:ext>
-            </p:extLst>
-          </p:nvPr>
-        </p:nvGraphicFramePr>
-        <p:xfrm>
-          <a:off x="827584" y="1268760"/>
-          <a:ext cx="7560840" cy="4680520"/>
-        </p:xfrm>
-        <a:graphic>
-          <a:graphicData uri="http://schemas.openxmlformats.org/drawingml/2006/diagram">
-            <dgm:relIds xmlns:dgm="http://schemas.openxmlformats.org/drawingml/2006/diagram" xmlns:r="http://schemas.openxmlformats.org/officeDocument/2006/relationships" r:dm="rId2" r:lo="rId3" r:qs="rId4" r:cs="rId5"/>
-          </a:graphicData>
-        </a:graphic>
-      </p:graphicFrame>
+      <p:pic>
+        <p:nvPicPr>
+          <p:cNvPr id="3" name="Picture 2" descr="11201470_965448483486031_2033789898_o.jpg"/>
+          <p:cNvPicPr>
+            <a:picLocks noChangeAspect="1"/>
+          </p:cNvPicPr>
+          <p:nvPr/>
+        </p:nvPicPr>
+        <p:blipFill>
+          <a:blip r:embed="rId2">
+            <a:extLst>
+              <a:ext uri="{28A0092B-C50C-407E-A947-70E740481C1C}">
+                <a14:useLocalDpi xmlns:a14="http://schemas.microsoft.com/office/drawing/2010/main" val="0"/>
+              </a:ext>
+            </a:extLst>
+          </a:blip>
+          <a:stretch>
+            <a:fillRect/>
+          </a:stretch>
+        </p:blipFill>
+        <p:spPr>
+          <a:xfrm>
+            <a:off x="10067" y="1106981"/>
+            <a:ext cx="9144000" cy="1146875"/>
+          </a:xfrm>
+          <a:prstGeom prst="rect">
+            <a:avLst/>
+          </a:prstGeom>
+        </p:spPr>
+      </p:pic>
+      <p:pic>
+        <p:nvPicPr>
+          <p:cNvPr id="4" name="Picture 3" descr="11232007_965448493486030_689967306_o.jpg"/>
+          <p:cNvPicPr>
+            <a:picLocks noChangeAspect="1"/>
+          </p:cNvPicPr>
+          <p:nvPr/>
+        </p:nvPicPr>
+        <p:blipFill>
+          <a:blip r:embed="rId3">
+            <a:extLst>
+              <a:ext uri="{28A0092B-C50C-407E-A947-70E740481C1C}">
+                <a14:useLocalDpi xmlns:a14="http://schemas.microsoft.com/office/drawing/2010/main" val="0"/>
+              </a:ext>
+            </a:extLst>
+          </a:blip>
+          <a:stretch>
+            <a:fillRect/>
+          </a:stretch>
+        </p:blipFill>
+        <p:spPr>
+          <a:xfrm>
+            <a:off x="0" y="2348880"/>
+            <a:ext cx="9144000" cy="1092631"/>
+          </a:xfrm>
+          <a:prstGeom prst="rect">
+            <a:avLst/>
+          </a:prstGeom>
+        </p:spPr>
+      </p:pic>
+      <p:pic>
+        <p:nvPicPr>
+          <p:cNvPr id="5" name="Picture 4" descr="11207888_965448490152697_2099284178_o.jpg"/>
+          <p:cNvPicPr>
+            <a:picLocks noChangeAspect="1"/>
+          </p:cNvPicPr>
+          <p:nvPr/>
+        </p:nvPicPr>
+        <p:blipFill>
+          <a:blip r:embed="rId4">
+            <a:extLst>
+              <a:ext uri="{28A0092B-C50C-407E-A947-70E740481C1C}">
+                <a14:useLocalDpi xmlns:a14="http://schemas.microsoft.com/office/drawing/2010/main" val="0"/>
+              </a:ext>
+            </a:extLst>
+          </a:blip>
+          <a:stretch>
+            <a:fillRect/>
+          </a:stretch>
+        </p:blipFill>
+        <p:spPr>
+          <a:xfrm>
+            <a:off x="-19543" y="3717032"/>
+            <a:ext cx="9144000" cy="1139203"/>
+          </a:xfrm>
+          <a:prstGeom prst="rect">
+            <a:avLst/>
+          </a:prstGeom>
+        </p:spPr>
+      </p:pic>
+      <p:pic>
+        <p:nvPicPr>
+          <p:cNvPr id="6" name="Picture 5" descr="11231970_965448486819364_1424205660_o.jpg"/>
+          <p:cNvPicPr>
+            <a:picLocks noChangeAspect="1"/>
+          </p:cNvPicPr>
+          <p:nvPr/>
+        </p:nvPicPr>
+        <p:blipFill>
+          <a:blip r:embed="rId5">
+            <a:extLst>
+              <a:ext uri="{28A0092B-C50C-407E-A947-70E740481C1C}">
+                <a14:useLocalDpi xmlns:a14="http://schemas.microsoft.com/office/drawing/2010/main" val="0"/>
+              </a:ext>
+            </a:extLst>
+          </a:blip>
+          <a:stretch>
+            <a:fillRect/>
+          </a:stretch>
+        </p:blipFill>
+        <p:spPr>
+          <a:xfrm>
+            <a:off x="-6930" y="4968147"/>
+            <a:ext cx="9144000" cy="1182348"/>
+          </a:xfrm>
+          <a:prstGeom prst="rect">
+            <a:avLst/>
+          </a:prstGeom>
+        </p:spPr>
+      </p:pic>
+      <p:sp>
+        <p:nvSpPr>
+          <p:cNvPr id="11" name="Multiply 10"/>
+          <p:cNvSpPr/>
+          <p:nvPr/>
+        </p:nvSpPr>
+        <p:spPr>
+          <a:xfrm>
+            <a:off x="-113841" y="1916832"/>
+            <a:ext cx="1152128" cy="324000"/>
+          </a:xfrm>
+          <a:prstGeom prst="mathMultiply">
+            <a:avLst/>
+          </a:prstGeom>
+          <a:solidFill>
+            <a:srgbClr val="FF0000">
+              <a:alpha val="50000"/>
+            </a:srgbClr>
+          </a:solidFill>
+          <a:ln>
+            <a:noFill/>
+          </a:ln>
+        </p:spPr>
+        <p:style>
+          <a:lnRef idx="2">
+            <a:schemeClr val="accent1">
+              <a:shade val="50000"/>
+            </a:schemeClr>
+          </a:lnRef>
+          <a:fillRef idx="1">
+            <a:schemeClr val="accent1"/>
+          </a:fillRef>
+          <a:effectRef idx="0">
+            <a:schemeClr val="accent1"/>
+          </a:effectRef>
+          <a:fontRef idx="minor">
+            <a:schemeClr val="lt1"/>
+          </a:fontRef>
+        </p:style>
+        <p:txBody>
+          <a:bodyPr rtlCol="0" anchor="ctr"/>
+          <a:lstStyle/>
+          <a:p>
+            <a:pPr algn="ctr"/>
+            <a:endParaRPr lang="en-US">
+              <a:ln w="38100" cmpd="sng">
+                <a:solidFill>
+                  <a:schemeClr val="tx1"/>
+                </a:solidFill>
+              </a:ln>
+            </a:endParaRPr>
+          </a:p>
+        </p:txBody>
+      </p:sp>
+      <p:sp>
+        <p:nvSpPr>
+          <p:cNvPr id="15" name="Multiply 14"/>
+          <p:cNvSpPr/>
+          <p:nvPr/>
+        </p:nvSpPr>
+        <p:spPr>
+          <a:xfrm>
+            <a:off x="4644008" y="1907232"/>
+            <a:ext cx="1152128" cy="324000"/>
+          </a:xfrm>
+          <a:prstGeom prst="mathMultiply">
+            <a:avLst/>
+          </a:prstGeom>
+          <a:solidFill>
+            <a:srgbClr val="FF0000">
+              <a:alpha val="50000"/>
+            </a:srgbClr>
+          </a:solidFill>
+          <a:ln>
+            <a:noFill/>
+          </a:ln>
+        </p:spPr>
+        <p:style>
+          <a:lnRef idx="2">
+            <a:schemeClr val="accent1">
+              <a:shade val="50000"/>
+            </a:schemeClr>
+          </a:lnRef>
+          <a:fillRef idx="1">
+            <a:schemeClr val="accent1"/>
+          </a:fillRef>
+          <a:effectRef idx="0">
+            <a:schemeClr val="accent1"/>
+          </a:effectRef>
+          <a:fontRef idx="minor">
+            <a:schemeClr val="lt1"/>
+          </a:fontRef>
+        </p:style>
+        <p:txBody>
+          <a:bodyPr rtlCol="0" anchor="ctr"/>
+          <a:lstStyle/>
+          <a:p>
+            <a:pPr algn="ctr"/>
+            <a:endParaRPr lang="en-US">
+              <a:ln w="38100" cmpd="sng">
+                <a:solidFill>
+                  <a:schemeClr val="tx1"/>
+                </a:solidFill>
+              </a:ln>
+            </a:endParaRPr>
+          </a:p>
+        </p:txBody>
+      </p:sp>
+      <p:sp>
+        <p:nvSpPr>
+          <p:cNvPr id="16" name="Multiply 15"/>
+          <p:cNvSpPr/>
+          <p:nvPr/>
+        </p:nvSpPr>
+        <p:spPr>
+          <a:xfrm>
+            <a:off x="4644008" y="3117511"/>
+            <a:ext cx="1152128" cy="324000"/>
+          </a:xfrm>
+          <a:prstGeom prst="mathMultiply">
+            <a:avLst/>
+          </a:prstGeom>
+          <a:solidFill>
+            <a:srgbClr val="FF0000">
+              <a:alpha val="50000"/>
+            </a:srgbClr>
+          </a:solidFill>
+          <a:ln>
+            <a:noFill/>
+          </a:ln>
+        </p:spPr>
+        <p:style>
+          <a:lnRef idx="2">
+            <a:schemeClr val="accent1">
+              <a:shade val="50000"/>
+            </a:schemeClr>
+          </a:lnRef>
+          <a:fillRef idx="1">
+            <a:schemeClr val="accent1"/>
+          </a:fillRef>
+          <a:effectRef idx="0">
+            <a:schemeClr val="accent1"/>
+          </a:effectRef>
+          <a:fontRef idx="minor">
+            <a:schemeClr val="lt1"/>
+          </a:fontRef>
+        </p:style>
+        <p:txBody>
+          <a:bodyPr rtlCol="0" anchor="ctr"/>
+          <a:lstStyle/>
+          <a:p>
+            <a:pPr algn="ctr"/>
+            <a:endParaRPr lang="en-US">
+              <a:ln w="38100" cmpd="sng">
+                <a:solidFill>
+                  <a:schemeClr val="tx1"/>
+                </a:solidFill>
+              </a:ln>
+            </a:endParaRPr>
+          </a:p>
+        </p:txBody>
+      </p:sp>
+      <p:sp>
+        <p:nvSpPr>
+          <p:cNvPr id="17" name="Multiply 16"/>
+          <p:cNvSpPr/>
+          <p:nvPr/>
+        </p:nvSpPr>
+        <p:spPr>
+          <a:xfrm>
+            <a:off x="-113841" y="3100254"/>
+            <a:ext cx="1152128" cy="324000"/>
+          </a:xfrm>
+          <a:prstGeom prst="mathMultiply">
+            <a:avLst/>
+          </a:prstGeom>
+          <a:solidFill>
+            <a:srgbClr val="FF0000">
+              <a:alpha val="50000"/>
+            </a:srgbClr>
+          </a:solidFill>
+          <a:ln>
+            <a:noFill/>
+          </a:ln>
+        </p:spPr>
+        <p:style>
+          <a:lnRef idx="2">
+            <a:schemeClr val="accent1">
+              <a:shade val="50000"/>
+            </a:schemeClr>
+          </a:lnRef>
+          <a:fillRef idx="1">
+            <a:schemeClr val="accent1"/>
+          </a:fillRef>
+          <a:effectRef idx="0">
+            <a:schemeClr val="accent1"/>
+          </a:effectRef>
+          <a:fontRef idx="minor">
+            <a:schemeClr val="lt1"/>
+          </a:fontRef>
+        </p:style>
+        <p:txBody>
+          <a:bodyPr rtlCol="0" anchor="ctr"/>
+          <a:lstStyle/>
+          <a:p>
+            <a:pPr algn="ctr"/>
+            <a:endParaRPr lang="en-US">
+              <a:ln w="38100" cmpd="sng">
+                <a:solidFill>
+                  <a:schemeClr val="tx1"/>
+                </a:solidFill>
+              </a:ln>
+            </a:endParaRPr>
+          </a:p>
+        </p:txBody>
+      </p:sp>
+      <p:sp>
+        <p:nvSpPr>
+          <p:cNvPr id="18" name="Multiply 17"/>
+          <p:cNvSpPr/>
+          <p:nvPr/>
+        </p:nvSpPr>
+        <p:spPr>
+          <a:xfrm>
+            <a:off x="1038287" y="3122934"/>
+            <a:ext cx="1152128" cy="324000"/>
+          </a:xfrm>
+          <a:prstGeom prst="mathMultiply">
+            <a:avLst/>
+          </a:prstGeom>
+          <a:solidFill>
+            <a:srgbClr val="FF0000">
+              <a:alpha val="50000"/>
+            </a:srgbClr>
+          </a:solidFill>
+          <a:ln>
+            <a:noFill/>
+          </a:ln>
+        </p:spPr>
+        <p:style>
+          <a:lnRef idx="2">
+            <a:schemeClr val="accent1">
+              <a:shade val="50000"/>
+            </a:schemeClr>
+          </a:lnRef>
+          <a:fillRef idx="1">
+            <a:schemeClr val="accent1"/>
+          </a:fillRef>
+          <a:effectRef idx="0">
+            <a:schemeClr val="accent1"/>
+          </a:effectRef>
+          <a:fontRef idx="minor">
+            <a:schemeClr val="lt1"/>
+          </a:fontRef>
+        </p:style>
+        <p:txBody>
+          <a:bodyPr rtlCol="0" anchor="ctr"/>
+          <a:lstStyle/>
+          <a:p>
+            <a:pPr algn="ctr"/>
+            <a:endParaRPr lang="en-US">
+              <a:ln w="38100" cmpd="sng">
+                <a:solidFill>
+                  <a:schemeClr val="tx1"/>
+                </a:solidFill>
+              </a:ln>
+            </a:endParaRPr>
+          </a:p>
+        </p:txBody>
+      </p:sp>
+      <p:sp>
+        <p:nvSpPr>
+          <p:cNvPr id="19" name="Multiply 18"/>
+          <p:cNvSpPr/>
+          <p:nvPr/>
+        </p:nvSpPr>
+        <p:spPr>
+          <a:xfrm>
+            <a:off x="5796136" y="3122934"/>
+            <a:ext cx="1152128" cy="324000"/>
+          </a:xfrm>
+          <a:prstGeom prst="mathMultiply">
+            <a:avLst/>
+          </a:prstGeom>
+          <a:solidFill>
+            <a:srgbClr val="FF0000">
+              <a:alpha val="50000"/>
+            </a:srgbClr>
+          </a:solidFill>
+          <a:ln>
+            <a:noFill/>
+          </a:ln>
+        </p:spPr>
+        <p:style>
+          <a:lnRef idx="2">
+            <a:schemeClr val="accent1">
+              <a:shade val="50000"/>
+            </a:schemeClr>
+          </a:lnRef>
+          <a:fillRef idx="1">
+            <a:schemeClr val="accent1"/>
+          </a:fillRef>
+          <a:effectRef idx="0">
+            <a:schemeClr val="accent1"/>
+          </a:effectRef>
+          <a:fontRef idx="minor">
+            <a:schemeClr val="lt1"/>
+          </a:fontRef>
+        </p:style>
+        <p:txBody>
+          <a:bodyPr rtlCol="0" anchor="ctr"/>
+          <a:lstStyle/>
+          <a:p>
+            <a:pPr algn="ctr"/>
+            <a:endParaRPr lang="en-US">
+              <a:ln w="38100" cmpd="sng">
+                <a:solidFill>
+                  <a:schemeClr val="tx1"/>
+                </a:solidFill>
+              </a:ln>
+            </a:endParaRPr>
+          </a:p>
+        </p:txBody>
+      </p:sp>
+      <p:sp>
+        <p:nvSpPr>
+          <p:cNvPr id="20" name="Multiply 19"/>
+          <p:cNvSpPr/>
+          <p:nvPr/>
+        </p:nvSpPr>
+        <p:spPr>
+          <a:xfrm>
+            <a:off x="-22503" y="4520401"/>
+            <a:ext cx="1152128" cy="324000"/>
+          </a:xfrm>
+          <a:prstGeom prst="mathMultiply">
+            <a:avLst/>
+          </a:prstGeom>
+          <a:solidFill>
+            <a:srgbClr val="FF0000">
+              <a:alpha val="50000"/>
+            </a:srgbClr>
+          </a:solidFill>
+          <a:ln>
+            <a:noFill/>
+          </a:ln>
+        </p:spPr>
+        <p:style>
+          <a:lnRef idx="2">
+            <a:schemeClr val="accent1">
+              <a:shade val="50000"/>
+            </a:schemeClr>
+          </a:lnRef>
+          <a:fillRef idx="1">
+            <a:schemeClr val="accent1"/>
+          </a:fillRef>
+          <a:effectRef idx="0">
+            <a:schemeClr val="accent1"/>
+          </a:effectRef>
+          <a:fontRef idx="minor">
+            <a:schemeClr val="lt1"/>
+          </a:fontRef>
+        </p:style>
+        <p:txBody>
+          <a:bodyPr rtlCol="0" anchor="ctr"/>
+          <a:lstStyle/>
+          <a:p>
+            <a:pPr algn="ctr"/>
+            <a:endParaRPr lang="en-US">
+              <a:ln w="38100" cmpd="sng">
+                <a:solidFill>
+                  <a:schemeClr val="tx1"/>
+                </a:solidFill>
+              </a:ln>
+            </a:endParaRPr>
+          </a:p>
+        </p:txBody>
+      </p:sp>
+      <p:sp>
+        <p:nvSpPr>
+          <p:cNvPr id="21" name="Multiply 20"/>
+          <p:cNvSpPr/>
+          <p:nvPr/>
+        </p:nvSpPr>
+        <p:spPr>
+          <a:xfrm>
+            <a:off x="1129625" y="4510801"/>
+            <a:ext cx="1152128" cy="324000"/>
+          </a:xfrm>
+          <a:prstGeom prst="mathMultiply">
+            <a:avLst/>
+          </a:prstGeom>
+          <a:solidFill>
+            <a:srgbClr val="FF0000">
+              <a:alpha val="50000"/>
+            </a:srgbClr>
+          </a:solidFill>
+          <a:ln>
+            <a:noFill/>
+          </a:ln>
+        </p:spPr>
+        <p:style>
+          <a:lnRef idx="2">
+            <a:schemeClr val="accent1">
+              <a:shade val="50000"/>
+            </a:schemeClr>
+          </a:lnRef>
+          <a:fillRef idx="1">
+            <a:schemeClr val="accent1"/>
+          </a:fillRef>
+          <a:effectRef idx="0">
+            <a:schemeClr val="accent1"/>
+          </a:effectRef>
+          <a:fontRef idx="minor">
+            <a:schemeClr val="lt1"/>
+          </a:fontRef>
+        </p:style>
+        <p:txBody>
+          <a:bodyPr rtlCol="0" anchor="ctr"/>
+          <a:lstStyle/>
+          <a:p>
+            <a:pPr algn="ctr"/>
+            <a:endParaRPr lang="en-US">
+              <a:ln w="38100" cmpd="sng">
+                <a:solidFill>
+                  <a:schemeClr val="tx1"/>
+                </a:solidFill>
+              </a:ln>
+            </a:endParaRPr>
+          </a:p>
+        </p:txBody>
+      </p:sp>
+      <p:sp>
+        <p:nvSpPr>
+          <p:cNvPr id="22" name="Multiply 21"/>
+          <p:cNvSpPr/>
+          <p:nvPr/>
+        </p:nvSpPr>
+        <p:spPr>
+          <a:xfrm>
+            <a:off x="2281753" y="4524267"/>
+            <a:ext cx="1152128" cy="324000"/>
+          </a:xfrm>
+          <a:prstGeom prst="mathMultiply">
+            <a:avLst/>
+          </a:prstGeom>
+          <a:solidFill>
+            <a:srgbClr val="FF0000">
+              <a:alpha val="50000"/>
+            </a:srgbClr>
+          </a:solidFill>
+          <a:ln>
+            <a:noFill/>
+          </a:ln>
+        </p:spPr>
+        <p:style>
+          <a:lnRef idx="2">
+            <a:schemeClr val="accent1">
+              <a:shade val="50000"/>
+            </a:schemeClr>
+          </a:lnRef>
+          <a:fillRef idx="1">
+            <a:schemeClr val="accent1"/>
+          </a:fillRef>
+          <a:effectRef idx="0">
+            <a:schemeClr val="accent1"/>
+          </a:effectRef>
+          <a:fontRef idx="minor">
+            <a:schemeClr val="lt1"/>
+          </a:fontRef>
+        </p:style>
+        <p:txBody>
+          <a:bodyPr rtlCol="0" anchor="ctr"/>
+          <a:lstStyle/>
+          <a:p>
+            <a:pPr algn="ctr"/>
+            <a:endParaRPr lang="en-US">
+              <a:ln w="38100" cmpd="sng">
+                <a:solidFill>
+                  <a:schemeClr val="tx1"/>
+                </a:solidFill>
+              </a:ln>
+            </a:endParaRPr>
+          </a:p>
+        </p:txBody>
+      </p:sp>
+      <p:sp>
+        <p:nvSpPr>
+          <p:cNvPr id="24" name="Multiply 23"/>
+          <p:cNvSpPr/>
+          <p:nvPr/>
+        </p:nvSpPr>
+        <p:spPr>
+          <a:xfrm>
+            <a:off x="4657422" y="4541835"/>
+            <a:ext cx="1152128" cy="324000"/>
+          </a:xfrm>
+          <a:prstGeom prst="mathMultiply">
+            <a:avLst/>
+          </a:prstGeom>
+          <a:solidFill>
+            <a:srgbClr val="FF0000">
+              <a:alpha val="50000"/>
+            </a:srgbClr>
+          </a:solidFill>
+          <a:ln>
+            <a:noFill/>
+          </a:ln>
+        </p:spPr>
+        <p:style>
+          <a:lnRef idx="2">
+            <a:schemeClr val="accent1">
+              <a:shade val="50000"/>
+            </a:schemeClr>
+          </a:lnRef>
+          <a:fillRef idx="1">
+            <a:schemeClr val="accent1"/>
+          </a:fillRef>
+          <a:effectRef idx="0">
+            <a:schemeClr val="accent1"/>
+          </a:effectRef>
+          <a:fontRef idx="minor">
+            <a:schemeClr val="lt1"/>
+          </a:fontRef>
+        </p:style>
+        <p:txBody>
+          <a:bodyPr rtlCol="0" anchor="ctr"/>
+          <a:lstStyle/>
+          <a:p>
+            <a:pPr algn="ctr"/>
+            <a:endParaRPr lang="en-US">
+              <a:ln w="38100" cmpd="sng">
+                <a:solidFill>
+                  <a:schemeClr val="tx1"/>
+                </a:solidFill>
+              </a:ln>
+            </a:endParaRPr>
+          </a:p>
+        </p:txBody>
+      </p:sp>
+      <p:sp>
+        <p:nvSpPr>
+          <p:cNvPr id="25" name="Multiply 24"/>
+          <p:cNvSpPr/>
+          <p:nvPr/>
+        </p:nvSpPr>
+        <p:spPr>
+          <a:xfrm>
+            <a:off x="5809550" y="4532235"/>
+            <a:ext cx="1152128" cy="324000"/>
+          </a:xfrm>
+          <a:prstGeom prst="mathMultiply">
+            <a:avLst/>
+          </a:prstGeom>
+          <a:solidFill>
+            <a:srgbClr val="FF0000">
+              <a:alpha val="50000"/>
+            </a:srgbClr>
+          </a:solidFill>
+          <a:ln>
+            <a:noFill/>
+          </a:ln>
+        </p:spPr>
+        <p:style>
+          <a:lnRef idx="2">
+            <a:schemeClr val="accent1">
+              <a:shade val="50000"/>
+            </a:schemeClr>
+          </a:lnRef>
+          <a:fillRef idx="1">
+            <a:schemeClr val="accent1"/>
+          </a:fillRef>
+          <a:effectRef idx="0">
+            <a:schemeClr val="accent1"/>
+          </a:effectRef>
+          <a:fontRef idx="minor">
+            <a:schemeClr val="lt1"/>
+          </a:fontRef>
+        </p:style>
+        <p:txBody>
+          <a:bodyPr rtlCol="0" anchor="ctr"/>
+          <a:lstStyle/>
+          <a:p>
+            <a:pPr algn="ctr"/>
+            <a:endParaRPr lang="en-US">
+              <a:ln w="38100" cmpd="sng">
+                <a:solidFill>
+                  <a:schemeClr val="tx1"/>
+                </a:solidFill>
+              </a:ln>
+            </a:endParaRPr>
+          </a:p>
+        </p:txBody>
+      </p:sp>
+      <p:sp>
+        <p:nvSpPr>
+          <p:cNvPr id="26" name="Multiply 25"/>
+          <p:cNvSpPr/>
+          <p:nvPr/>
+        </p:nvSpPr>
+        <p:spPr>
+          <a:xfrm>
+            <a:off x="6961678" y="4545701"/>
+            <a:ext cx="1152128" cy="324000"/>
+          </a:xfrm>
+          <a:prstGeom prst="mathMultiply">
+            <a:avLst/>
+          </a:prstGeom>
+          <a:solidFill>
+            <a:srgbClr val="FF0000">
+              <a:alpha val="50000"/>
+            </a:srgbClr>
+          </a:solidFill>
+          <a:ln>
+            <a:noFill/>
+          </a:ln>
+        </p:spPr>
+        <p:style>
+          <a:lnRef idx="2">
+            <a:schemeClr val="accent1">
+              <a:shade val="50000"/>
+            </a:schemeClr>
+          </a:lnRef>
+          <a:fillRef idx="1">
+            <a:schemeClr val="accent1"/>
+          </a:fillRef>
+          <a:effectRef idx="0">
+            <a:schemeClr val="accent1"/>
+          </a:effectRef>
+          <a:fontRef idx="minor">
+            <a:schemeClr val="lt1"/>
+          </a:fontRef>
+        </p:style>
+        <p:txBody>
+          <a:bodyPr rtlCol="0" anchor="ctr"/>
+          <a:lstStyle/>
+          <a:p>
+            <a:pPr algn="ctr"/>
+            <a:endParaRPr lang="en-US">
+              <a:ln w="38100" cmpd="sng">
+                <a:solidFill>
+                  <a:schemeClr val="tx1"/>
+                </a:solidFill>
+              </a:ln>
+            </a:endParaRPr>
+          </a:p>
+        </p:txBody>
+      </p:sp>
+      <p:sp>
+        <p:nvSpPr>
+          <p:cNvPr id="27" name="Multiply 26"/>
+          <p:cNvSpPr/>
+          <p:nvPr/>
+        </p:nvSpPr>
+        <p:spPr>
+          <a:xfrm>
+            <a:off x="-123651" y="5729390"/>
+            <a:ext cx="1152128" cy="324000"/>
+          </a:xfrm>
+          <a:prstGeom prst="mathMultiply">
+            <a:avLst/>
+          </a:prstGeom>
+          <a:solidFill>
+            <a:srgbClr val="FF0000">
+              <a:alpha val="50000"/>
+            </a:srgbClr>
+          </a:solidFill>
+          <a:ln>
+            <a:noFill/>
+          </a:ln>
+        </p:spPr>
+        <p:style>
+          <a:lnRef idx="2">
+            <a:schemeClr val="accent1">
+              <a:shade val="50000"/>
+            </a:schemeClr>
+          </a:lnRef>
+          <a:fillRef idx="1">
+            <a:schemeClr val="accent1"/>
+          </a:fillRef>
+          <a:effectRef idx="0">
+            <a:schemeClr val="accent1"/>
+          </a:effectRef>
+          <a:fontRef idx="minor">
+            <a:schemeClr val="lt1"/>
+          </a:fontRef>
+        </p:style>
+        <p:txBody>
+          <a:bodyPr rtlCol="0" anchor="ctr"/>
+          <a:lstStyle/>
+          <a:p>
+            <a:pPr algn="ctr"/>
+            <a:endParaRPr lang="en-US">
+              <a:ln w="38100" cmpd="sng">
+                <a:solidFill>
+                  <a:schemeClr val="tx1"/>
+                </a:solidFill>
+              </a:ln>
+            </a:endParaRPr>
+          </a:p>
+        </p:txBody>
+      </p:sp>
+      <p:sp>
+        <p:nvSpPr>
+          <p:cNvPr id="28" name="Multiply 27"/>
+          <p:cNvSpPr/>
+          <p:nvPr/>
+        </p:nvSpPr>
+        <p:spPr>
+          <a:xfrm>
+            <a:off x="1028477" y="5719790"/>
+            <a:ext cx="1152128" cy="324000"/>
+          </a:xfrm>
+          <a:prstGeom prst="mathMultiply">
+            <a:avLst/>
+          </a:prstGeom>
+          <a:solidFill>
+            <a:srgbClr val="FF0000">
+              <a:alpha val="50000"/>
+            </a:srgbClr>
+          </a:solidFill>
+          <a:ln>
+            <a:noFill/>
+          </a:ln>
+        </p:spPr>
+        <p:style>
+          <a:lnRef idx="2">
+            <a:schemeClr val="accent1">
+              <a:shade val="50000"/>
+            </a:schemeClr>
+          </a:lnRef>
+          <a:fillRef idx="1">
+            <a:schemeClr val="accent1"/>
+          </a:fillRef>
+          <a:effectRef idx="0">
+            <a:schemeClr val="accent1"/>
+          </a:effectRef>
+          <a:fontRef idx="minor">
+            <a:schemeClr val="lt1"/>
+          </a:fontRef>
+        </p:style>
+        <p:txBody>
+          <a:bodyPr rtlCol="0" anchor="ctr"/>
+          <a:lstStyle/>
+          <a:p>
+            <a:pPr algn="ctr"/>
+            <a:endParaRPr lang="en-US">
+              <a:ln w="38100" cmpd="sng">
+                <a:solidFill>
+                  <a:schemeClr val="tx1"/>
+                </a:solidFill>
+              </a:ln>
+            </a:endParaRPr>
+          </a:p>
+        </p:txBody>
+      </p:sp>
+      <p:sp>
+        <p:nvSpPr>
+          <p:cNvPr id="29" name="Multiply 28"/>
+          <p:cNvSpPr/>
+          <p:nvPr/>
+        </p:nvSpPr>
+        <p:spPr>
+          <a:xfrm>
+            <a:off x="2180605" y="5733256"/>
+            <a:ext cx="1152128" cy="324000"/>
+          </a:xfrm>
+          <a:prstGeom prst="mathMultiply">
+            <a:avLst/>
+          </a:prstGeom>
+          <a:solidFill>
+            <a:srgbClr val="FF0000">
+              <a:alpha val="50000"/>
+            </a:srgbClr>
+          </a:solidFill>
+          <a:ln>
+            <a:noFill/>
+          </a:ln>
+        </p:spPr>
+        <p:style>
+          <a:lnRef idx="2">
+            <a:schemeClr val="accent1">
+              <a:shade val="50000"/>
+            </a:schemeClr>
+          </a:lnRef>
+          <a:fillRef idx="1">
+            <a:schemeClr val="accent1"/>
+          </a:fillRef>
+          <a:effectRef idx="0">
+            <a:schemeClr val="accent1"/>
+          </a:effectRef>
+          <a:fontRef idx="minor">
+            <a:schemeClr val="lt1"/>
+          </a:fontRef>
+        </p:style>
+        <p:txBody>
+          <a:bodyPr rtlCol="0" anchor="ctr"/>
+          <a:lstStyle/>
+          <a:p>
+            <a:pPr algn="ctr"/>
+            <a:endParaRPr lang="en-US">
+              <a:ln w="38100" cmpd="sng">
+                <a:solidFill>
+                  <a:schemeClr val="tx1"/>
+                </a:solidFill>
+              </a:ln>
+            </a:endParaRPr>
+          </a:p>
+        </p:txBody>
+      </p:sp>
+      <p:sp>
+        <p:nvSpPr>
+          <p:cNvPr id="30" name="Multiply 29"/>
+          <p:cNvSpPr/>
+          <p:nvPr/>
+        </p:nvSpPr>
+        <p:spPr>
+          <a:xfrm>
+            <a:off x="3440574" y="5761031"/>
+            <a:ext cx="1152128" cy="324000"/>
+          </a:xfrm>
+          <a:prstGeom prst="mathMultiply">
+            <a:avLst/>
+          </a:prstGeom>
+          <a:solidFill>
+            <a:srgbClr val="FF0000">
+              <a:alpha val="50000"/>
+            </a:srgbClr>
+          </a:solidFill>
+          <a:ln>
+            <a:noFill/>
+          </a:ln>
+        </p:spPr>
+        <p:style>
+          <a:lnRef idx="2">
+            <a:schemeClr val="accent1">
+              <a:shade val="50000"/>
+            </a:schemeClr>
+          </a:lnRef>
+          <a:fillRef idx="1">
+            <a:schemeClr val="accent1"/>
+          </a:fillRef>
+          <a:effectRef idx="0">
+            <a:schemeClr val="accent1"/>
+          </a:effectRef>
+          <a:fontRef idx="minor">
+            <a:schemeClr val="lt1"/>
+          </a:fontRef>
+        </p:style>
+        <p:txBody>
+          <a:bodyPr rtlCol="0" anchor="ctr"/>
+          <a:lstStyle/>
+          <a:p>
+            <a:pPr algn="ctr"/>
+            <a:endParaRPr lang="en-US">
+              <a:ln w="38100" cmpd="sng">
+                <a:solidFill>
+                  <a:schemeClr val="tx1"/>
+                </a:solidFill>
+              </a:ln>
+            </a:endParaRPr>
+          </a:p>
+        </p:txBody>
+      </p:sp>
+      <p:sp>
+        <p:nvSpPr>
+          <p:cNvPr id="31" name="Multiply 30"/>
+          <p:cNvSpPr/>
+          <p:nvPr/>
+        </p:nvSpPr>
+        <p:spPr>
+          <a:xfrm>
+            <a:off x="4592702" y="5751431"/>
+            <a:ext cx="1152128" cy="324000"/>
+          </a:xfrm>
+          <a:prstGeom prst="mathMultiply">
+            <a:avLst/>
+          </a:prstGeom>
+          <a:solidFill>
+            <a:srgbClr val="FF0000">
+              <a:alpha val="50000"/>
+            </a:srgbClr>
+          </a:solidFill>
+          <a:ln>
+            <a:noFill/>
+          </a:ln>
+        </p:spPr>
+        <p:style>
+          <a:lnRef idx="2">
+            <a:schemeClr val="accent1">
+              <a:shade val="50000"/>
+            </a:schemeClr>
+          </a:lnRef>
+          <a:fillRef idx="1">
+            <a:schemeClr val="accent1"/>
+          </a:fillRef>
+          <a:effectRef idx="0">
+            <a:schemeClr val="accent1"/>
+          </a:effectRef>
+          <a:fontRef idx="minor">
+            <a:schemeClr val="lt1"/>
+          </a:fontRef>
+        </p:style>
+        <p:txBody>
+          <a:bodyPr rtlCol="0" anchor="ctr"/>
+          <a:lstStyle/>
+          <a:p>
+            <a:pPr algn="ctr"/>
+            <a:endParaRPr lang="en-US">
+              <a:ln w="38100" cmpd="sng">
+                <a:solidFill>
+                  <a:schemeClr val="tx1"/>
+                </a:solidFill>
+              </a:ln>
+            </a:endParaRPr>
+          </a:p>
+        </p:txBody>
+      </p:sp>
+      <p:sp>
+        <p:nvSpPr>
+          <p:cNvPr id="32" name="Multiply 31"/>
+          <p:cNvSpPr/>
+          <p:nvPr/>
+        </p:nvSpPr>
+        <p:spPr>
+          <a:xfrm>
+            <a:off x="5744830" y="5764897"/>
+            <a:ext cx="1152128" cy="324000"/>
+          </a:xfrm>
+          <a:prstGeom prst="mathMultiply">
+            <a:avLst/>
+          </a:prstGeom>
+          <a:solidFill>
+            <a:srgbClr val="FF0000">
+              <a:alpha val="50000"/>
+            </a:srgbClr>
+          </a:solidFill>
+          <a:ln>
+            <a:noFill/>
+          </a:ln>
+        </p:spPr>
+        <p:style>
+          <a:lnRef idx="2">
+            <a:schemeClr val="accent1">
+              <a:shade val="50000"/>
+            </a:schemeClr>
+          </a:lnRef>
+          <a:fillRef idx="1">
+            <a:schemeClr val="accent1"/>
+          </a:fillRef>
+          <a:effectRef idx="0">
+            <a:schemeClr val="accent1"/>
+          </a:effectRef>
+          <a:fontRef idx="minor">
+            <a:schemeClr val="lt1"/>
+          </a:fontRef>
+        </p:style>
+        <p:txBody>
+          <a:bodyPr rtlCol="0" anchor="ctr"/>
+          <a:lstStyle/>
+          <a:p>
+            <a:pPr algn="ctr"/>
+            <a:endParaRPr lang="en-US">
+              <a:ln w="38100" cmpd="sng">
+                <a:solidFill>
+                  <a:schemeClr val="tx1"/>
+                </a:solidFill>
+              </a:ln>
+            </a:endParaRPr>
+          </a:p>
+        </p:txBody>
+      </p:sp>
+      <p:sp>
+        <p:nvSpPr>
+          <p:cNvPr id="33" name="Multiply 32"/>
+          <p:cNvSpPr/>
+          <p:nvPr/>
+        </p:nvSpPr>
+        <p:spPr>
+          <a:xfrm>
+            <a:off x="6961678" y="5747565"/>
+            <a:ext cx="1152128" cy="324000"/>
+          </a:xfrm>
+          <a:prstGeom prst="mathMultiply">
+            <a:avLst/>
+          </a:prstGeom>
+          <a:solidFill>
+            <a:srgbClr val="FF0000">
+              <a:alpha val="50000"/>
+            </a:srgbClr>
+          </a:solidFill>
+          <a:ln>
+            <a:noFill/>
+          </a:ln>
+        </p:spPr>
+        <p:style>
+          <a:lnRef idx="2">
+            <a:schemeClr val="accent1">
+              <a:shade val="50000"/>
+            </a:schemeClr>
+          </a:lnRef>
+          <a:fillRef idx="1">
+            <a:schemeClr val="accent1"/>
+          </a:fillRef>
+          <a:effectRef idx="0">
+            <a:schemeClr val="accent1"/>
+          </a:effectRef>
+          <a:fontRef idx="minor">
+            <a:schemeClr val="lt1"/>
+          </a:fontRef>
+        </p:style>
+        <p:txBody>
+          <a:bodyPr rtlCol="0" anchor="ctr"/>
+          <a:lstStyle/>
+          <a:p>
+            <a:pPr algn="ctr"/>
+            <a:endParaRPr lang="en-US">
+              <a:ln w="38100" cmpd="sng">
+                <a:solidFill>
+                  <a:schemeClr val="tx1"/>
+                </a:solidFill>
+              </a:ln>
+            </a:endParaRPr>
+          </a:p>
+        </p:txBody>
+      </p:sp>
+      <p:sp>
+        <p:nvSpPr>
+          <p:cNvPr id="34" name="Multiply 33"/>
+          <p:cNvSpPr/>
+          <p:nvPr/>
+        </p:nvSpPr>
+        <p:spPr>
+          <a:xfrm>
+            <a:off x="8113806" y="5761031"/>
+            <a:ext cx="1152128" cy="324000"/>
+          </a:xfrm>
+          <a:prstGeom prst="mathMultiply">
+            <a:avLst/>
+          </a:prstGeom>
+          <a:solidFill>
+            <a:srgbClr val="FF0000">
+              <a:alpha val="50000"/>
+            </a:srgbClr>
+          </a:solidFill>
+          <a:ln>
+            <a:noFill/>
+          </a:ln>
+        </p:spPr>
+        <p:style>
+          <a:lnRef idx="2">
+            <a:schemeClr val="accent1">
+              <a:shade val="50000"/>
+            </a:schemeClr>
+          </a:lnRef>
+          <a:fillRef idx="1">
+            <a:schemeClr val="accent1"/>
+          </a:fillRef>
+          <a:effectRef idx="0">
+            <a:schemeClr val="accent1"/>
+          </a:effectRef>
+          <a:fontRef idx="minor">
+            <a:schemeClr val="lt1"/>
+          </a:fontRef>
+        </p:style>
+        <p:txBody>
+          <a:bodyPr rtlCol="0" anchor="ctr"/>
+          <a:lstStyle/>
+          <a:p>
+            <a:pPr algn="ctr"/>
+            <a:endParaRPr lang="en-US">
+              <a:ln w="38100" cmpd="sng">
+                <a:solidFill>
+                  <a:schemeClr val="tx1"/>
+                </a:solidFill>
+              </a:ln>
+            </a:endParaRPr>
+          </a:p>
+        </p:txBody>
+      </p:sp>
     </p:spTree>
     <p:extLst>
       <p:ext uri="{BB962C8B-B14F-4D97-AF65-F5344CB8AC3E}">
-        <p14:creationId xmlns:p14="http://schemas.microsoft.com/office/powerpoint/2010/main" val="1969342844"/>
+        <p14:creationId xmlns:p14="http://schemas.microsoft.com/office/powerpoint/2010/main" val="3415874292"/>
       </p:ext>
     </p:extLst>
   </p:cSld>
@@ -23101,9 +22699,612 @@
   <p:timing>
     <p:tnLst>
       <p:par>
-        <p:cTn xmlns:p14="http://schemas.microsoft.com/office/powerpoint/2010/main" id="1" dur="indefinite" restart="never" nodeType="tmRoot"/>
+        <p:cTn xmlns:p14="http://schemas.microsoft.com/office/powerpoint/2010/main" id="1" dur="indefinite" restart="never" nodeType="tmRoot">
+          <p:childTnLst>
+            <p:seq concurrent="1" nextAc="seek">
+              <p:cTn id="2" dur="indefinite" nodeType="mainSeq">
+                <p:childTnLst>
+                  <p:par>
+                    <p:cTn id="3" fill="hold">
+                      <p:stCondLst>
+                        <p:cond delay="indefinite"/>
+                      </p:stCondLst>
+                      <p:childTnLst>
+                        <p:par>
+                          <p:cTn id="4" fill="hold">
+                            <p:stCondLst>
+                              <p:cond delay="0"/>
+                            </p:stCondLst>
+                            <p:childTnLst>
+                              <p:par>
+                                <p:cTn id="5" presetID="1" presetClass="entr" presetSubtype="0" fill="hold" grpId="0" nodeType="clickEffect">
+                                  <p:stCondLst>
+                                    <p:cond delay="0"/>
+                                  </p:stCondLst>
+                                  <p:childTnLst>
+                                    <p:set>
+                                      <p:cBhvr>
+                                        <p:cTn id="6" dur="1" fill="hold">
+                                          <p:stCondLst>
+                                            <p:cond delay="0"/>
+                                          </p:stCondLst>
+                                        </p:cTn>
+                                        <p:tgtEl>
+                                          <p:spTgt spid="33"/>
+                                        </p:tgtEl>
+                                        <p:attrNameLst>
+                                          <p:attrName>style.visibility</p:attrName>
+                                        </p:attrNameLst>
+                                      </p:cBhvr>
+                                      <p:to>
+                                        <p:strVal val="visible"/>
+                                      </p:to>
+                                    </p:set>
+                                  </p:childTnLst>
+                                </p:cTn>
+                              </p:par>
+                              <p:par>
+                                <p:cTn id="7" presetID="1" presetClass="entr" presetSubtype="0" fill="hold" grpId="0" nodeType="withEffect">
+                                  <p:stCondLst>
+                                    <p:cond delay="0"/>
+                                  </p:stCondLst>
+                                  <p:childTnLst>
+                                    <p:set>
+                                      <p:cBhvr>
+                                        <p:cTn id="8" dur="1" fill="hold">
+                                          <p:stCondLst>
+                                            <p:cond delay="0"/>
+                                          </p:stCondLst>
+                                        </p:cTn>
+                                        <p:tgtEl>
+                                          <p:spTgt spid="34"/>
+                                        </p:tgtEl>
+                                        <p:attrNameLst>
+                                          <p:attrName>style.visibility</p:attrName>
+                                        </p:attrNameLst>
+                                      </p:cBhvr>
+                                      <p:to>
+                                        <p:strVal val="visible"/>
+                                      </p:to>
+                                    </p:set>
+                                  </p:childTnLst>
+                                </p:cTn>
+                              </p:par>
+                              <p:par>
+                                <p:cTn id="9" presetID="1" presetClass="entr" presetSubtype="0" fill="hold" grpId="0" nodeType="withEffect">
+                                  <p:stCondLst>
+                                    <p:cond delay="0"/>
+                                  </p:stCondLst>
+                                  <p:childTnLst>
+                                    <p:set>
+                                      <p:cBhvr>
+                                        <p:cTn id="10" dur="1" fill="hold">
+                                          <p:stCondLst>
+                                            <p:cond delay="0"/>
+                                          </p:stCondLst>
+                                        </p:cTn>
+                                        <p:tgtEl>
+                                          <p:spTgt spid="32"/>
+                                        </p:tgtEl>
+                                        <p:attrNameLst>
+                                          <p:attrName>style.visibility</p:attrName>
+                                        </p:attrNameLst>
+                                      </p:cBhvr>
+                                      <p:to>
+                                        <p:strVal val="visible"/>
+                                      </p:to>
+                                    </p:set>
+                                  </p:childTnLst>
+                                </p:cTn>
+                              </p:par>
+                              <p:par>
+                                <p:cTn id="11" presetID="1" presetClass="entr" presetSubtype="0" fill="hold" grpId="0" nodeType="withEffect">
+                                  <p:stCondLst>
+                                    <p:cond delay="0"/>
+                                  </p:stCondLst>
+                                  <p:childTnLst>
+                                    <p:set>
+                                      <p:cBhvr>
+                                        <p:cTn id="12" dur="1" fill="hold">
+                                          <p:stCondLst>
+                                            <p:cond delay="0"/>
+                                          </p:stCondLst>
+                                        </p:cTn>
+                                        <p:tgtEl>
+                                          <p:spTgt spid="31"/>
+                                        </p:tgtEl>
+                                        <p:attrNameLst>
+                                          <p:attrName>style.visibility</p:attrName>
+                                        </p:attrNameLst>
+                                      </p:cBhvr>
+                                      <p:to>
+                                        <p:strVal val="visible"/>
+                                      </p:to>
+                                    </p:set>
+                                  </p:childTnLst>
+                                </p:cTn>
+                              </p:par>
+                              <p:par>
+                                <p:cTn id="13" presetID="1" presetClass="entr" presetSubtype="0" fill="hold" grpId="0" nodeType="withEffect">
+                                  <p:stCondLst>
+                                    <p:cond delay="0"/>
+                                  </p:stCondLst>
+                                  <p:childTnLst>
+                                    <p:set>
+                                      <p:cBhvr>
+                                        <p:cTn id="14" dur="1" fill="hold">
+                                          <p:stCondLst>
+                                            <p:cond delay="0"/>
+                                          </p:stCondLst>
+                                        </p:cTn>
+                                        <p:tgtEl>
+                                          <p:spTgt spid="30"/>
+                                        </p:tgtEl>
+                                        <p:attrNameLst>
+                                          <p:attrName>style.visibility</p:attrName>
+                                        </p:attrNameLst>
+                                      </p:cBhvr>
+                                      <p:to>
+                                        <p:strVal val="visible"/>
+                                      </p:to>
+                                    </p:set>
+                                  </p:childTnLst>
+                                </p:cTn>
+                              </p:par>
+                              <p:par>
+                                <p:cTn id="15" presetID="1" presetClass="entr" presetSubtype="0" fill="hold" grpId="0" nodeType="withEffect">
+                                  <p:stCondLst>
+                                    <p:cond delay="0"/>
+                                  </p:stCondLst>
+                                  <p:childTnLst>
+                                    <p:set>
+                                      <p:cBhvr>
+                                        <p:cTn id="16" dur="1" fill="hold">
+                                          <p:stCondLst>
+                                            <p:cond delay="0"/>
+                                          </p:stCondLst>
+                                        </p:cTn>
+                                        <p:tgtEl>
+                                          <p:spTgt spid="29"/>
+                                        </p:tgtEl>
+                                        <p:attrNameLst>
+                                          <p:attrName>style.visibility</p:attrName>
+                                        </p:attrNameLst>
+                                      </p:cBhvr>
+                                      <p:to>
+                                        <p:strVal val="visible"/>
+                                      </p:to>
+                                    </p:set>
+                                  </p:childTnLst>
+                                </p:cTn>
+                              </p:par>
+                              <p:par>
+                                <p:cTn id="17" presetID="1" presetClass="entr" presetSubtype="0" fill="hold" grpId="0" nodeType="withEffect">
+                                  <p:stCondLst>
+                                    <p:cond delay="0"/>
+                                  </p:stCondLst>
+                                  <p:childTnLst>
+                                    <p:set>
+                                      <p:cBhvr>
+                                        <p:cTn id="18" dur="1" fill="hold">
+                                          <p:stCondLst>
+                                            <p:cond delay="0"/>
+                                          </p:stCondLst>
+                                        </p:cTn>
+                                        <p:tgtEl>
+                                          <p:spTgt spid="28"/>
+                                        </p:tgtEl>
+                                        <p:attrNameLst>
+                                          <p:attrName>style.visibility</p:attrName>
+                                        </p:attrNameLst>
+                                      </p:cBhvr>
+                                      <p:to>
+                                        <p:strVal val="visible"/>
+                                      </p:to>
+                                    </p:set>
+                                  </p:childTnLst>
+                                </p:cTn>
+                              </p:par>
+                              <p:par>
+                                <p:cTn id="19" presetID="1" presetClass="entr" presetSubtype="0" fill="hold" grpId="0" nodeType="withEffect">
+                                  <p:stCondLst>
+                                    <p:cond delay="0"/>
+                                  </p:stCondLst>
+                                  <p:childTnLst>
+                                    <p:set>
+                                      <p:cBhvr>
+                                        <p:cTn id="20" dur="1" fill="hold">
+                                          <p:stCondLst>
+                                            <p:cond delay="0"/>
+                                          </p:stCondLst>
+                                        </p:cTn>
+                                        <p:tgtEl>
+                                          <p:spTgt spid="27"/>
+                                        </p:tgtEl>
+                                        <p:attrNameLst>
+                                          <p:attrName>style.visibility</p:attrName>
+                                        </p:attrNameLst>
+                                      </p:cBhvr>
+                                      <p:to>
+                                        <p:strVal val="visible"/>
+                                      </p:to>
+                                    </p:set>
+                                  </p:childTnLst>
+                                </p:cTn>
+                              </p:par>
+                              <p:par>
+                                <p:cTn id="21" presetID="1" presetClass="entr" presetSubtype="0" fill="hold" grpId="0" nodeType="withEffect">
+                                  <p:stCondLst>
+                                    <p:cond delay="0"/>
+                                  </p:stCondLst>
+                                  <p:childTnLst>
+                                    <p:set>
+                                      <p:cBhvr>
+                                        <p:cTn id="22" dur="1" fill="hold">
+                                          <p:stCondLst>
+                                            <p:cond delay="0"/>
+                                          </p:stCondLst>
+                                        </p:cTn>
+                                        <p:tgtEl>
+                                          <p:spTgt spid="20"/>
+                                        </p:tgtEl>
+                                        <p:attrNameLst>
+                                          <p:attrName>style.visibility</p:attrName>
+                                        </p:attrNameLst>
+                                      </p:cBhvr>
+                                      <p:to>
+                                        <p:strVal val="visible"/>
+                                      </p:to>
+                                    </p:set>
+                                  </p:childTnLst>
+                                </p:cTn>
+                              </p:par>
+                              <p:par>
+                                <p:cTn id="23" presetID="1" presetClass="entr" presetSubtype="0" fill="hold" grpId="0" nodeType="withEffect">
+                                  <p:stCondLst>
+                                    <p:cond delay="0"/>
+                                  </p:stCondLst>
+                                  <p:childTnLst>
+                                    <p:set>
+                                      <p:cBhvr>
+                                        <p:cTn id="24" dur="1" fill="hold">
+                                          <p:stCondLst>
+                                            <p:cond delay="0"/>
+                                          </p:stCondLst>
+                                        </p:cTn>
+                                        <p:tgtEl>
+                                          <p:spTgt spid="21"/>
+                                        </p:tgtEl>
+                                        <p:attrNameLst>
+                                          <p:attrName>style.visibility</p:attrName>
+                                        </p:attrNameLst>
+                                      </p:cBhvr>
+                                      <p:to>
+                                        <p:strVal val="visible"/>
+                                      </p:to>
+                                    </p:set>
+                                  </p:childTnLst>
+                                </p:cTn>
+                              </p:par>
+                              <p:par>
+                                <p:cTn id="25" presetID="1" presetClass="entr" presetSubtype="0" fill="hold" grpId="0" nodeType="withEffect">
+                                  <p:stCondLst>
+                                    <p:cond delay="0"/>
+                                  </p:stCondLst>
+                                  <p:childTnLst>
+                                    <p:set>
+                                      <p:cBhvr>
+                                        <p:cTn id="26" dur="1" fill="hold">
+                                          <p:stCondLst>
+                                            <p:cond delay="0"/>
+                                          </p:stCondLst>
+                                        </p:cTn>
+                                        <p:tgtEl>
+                                          <p:spTgt spid="22"/>
+                                        </p:tgtEl>
+                                        <p:attrNameLst>
+                                          <p:attrName>style.visibility</p:attrName>
+                                        </p:attrNameLst>
+                                      </p:cBhvr>
+                                      <p:to>
+                                        <p:strVal val="visible"/>
+                                      </p:to>
+                                    </p:set>
+                                  </p:childTnLst>
+                                </p:cTn>
+                              </p:par>
+                              <p:par>
+                                <p:cTn id="27" presetID="1" presetClass="entr" presetSubtype="0" fill="hold" grpId="0" nodeType="withEffect">
+                                  <p:stCondLst>
+                                    <p:cond delay="0"/>
+                                  </p:stCondLst>
+                                  <p:childTnLst>
+                                    <p:set>
+                                      <p:cBhvr>
+                                        <p:cTn id="28" dur="1" fill="hold">
+                                          <p:stCondLst>
+                                            <p:cond delay="0"/>
+                                          </p:stCondLst>
+                                        </p:cTn>
+                                        <p:tgtEl>
+                                          <p:spTgt spid="24"/>
+                                        </p:tgtEl>
+                                        <p:attrNameLst>
+                                          <p:attrName>style.visibility</p:attrName>
+                                        </p:attrNameLst>
+                                      </p:cBhvr>
+                                      <p:to>
+                                        <p:strVal val="visible"/>
+                                      </p:to>
+                                    </p:set>
+                                  </p:childTnLst>
+                                </p:cTn>
+                              </p:par>
+                              <p:par>
+                                <p:cTn id="29" presetID="1" presetClass="entr" presetSubtype="0" fill="hold" grpId="0" nodeType="withEffect">
+                                  <p:stCondLst>
+                                    <p:cond delay="0"/>
+                                  </p:stCondLst>
+                                  <p:childTnLst>
+                                    <p:set>
+                                      <p:cBhvr>
+                                        <p:cTn id="30" dur="1" fill="hold">
+                                          <p:stCondLst>
+                                            <p:cond delay="0"/>
+                                          </p:stCondLst>
+                                        </p:cTn>
+                                        <p:tgtEl>
+                                          <p:spTgt spid="25"/>
+                                        </p:tgtEl>
+                                        <p:attrNameLst>
+                                          <p:attrName>style.visibility</p:attrName>
+                                        </p:attrNameLst>
+                                      </p:cBhvr>
+                                      <p:to>
+                                        <p:strVal val="visible"/>
+                                      </p:to>
+                                    </p:set>
+                                  </p:childTnLst>
+                                </p:cTn>
+                              </p:par>
+                              <p:par>
+                                <p:cTn id="31" presetID="1" presetClass="entr" presetSubtype="0" fill="hold" grpId="0" nodeType="withEffect">
+                                  <p:stCondLst>
+                                    <p:cond delay="0"/>
+                                  </p:stCondLst>
+                                  <p:childTnLst>
+                                    <p:set>
+                                      <p:cBhvr>
+                                        <p:cTn id="32" dur="1" fill="hold">
+                                          <p:stCondLst>
+                                            <p:cond delay="0"/>
+                                          </p:stCondLst>
+                                        </p:cTn>
+                                        <p:tgtEl>
+                                          <p:spTgt spid="26"/>
+                                        </p:tgtEl>
+                                        <p:attrNameLst>
+                                          <p:attrName>style.visibility</p:attrName>
+                                        </p:attrNameLst>
+                                      </p:cBhvr>
+                                      <p:to>
+                                        <p:strVal val="visible"/>
+                                      </p:to>
+                                    </p:set>
+                                  </p:childTnLst>
+                                </p:cTn>
+                              </p:par>
+                              <p:par>
+                                <p:cTn id="33" presetID="1" presetClass="entr" presetSubtype="0" fill="hold" grpId="0" nodeType="withEffect">
+                                  <p:stCondLst>
+                                    <p:cond delay="0"/>
+                                  </p:stCondLst>
+                                  <p:childTnLst>
+                                    <p:set>
+                                      <p:cBhvr>
+                                        <p:cTn id="34" dur="1" fill="hold">
+                                          <p:stCondLst>
+                                            <p:cond delay="0"/>
+                                          </p:stCondLst>
+                                        </p:cTn>
+                                        <p:tgtEl>
+                                          <p:spTgt spid="16"/>
+                                        </p:tgtEl>
+                                        <p:attrNameLst>
+                                          <p:attrName>style.visibility</p:attrName>
+                                        </p:attrNameLst>
+                                      </p:cBhvr>
+                                      <p:to>
+                                        <p:strVal val="visible"/>
+                                      </p:to>
+                                    </p:set>
+                                  </p:childTnLst>
+                                </p:cTn>
+                              </p:par>
+                              <p:par>
+                                <p:cTn id="35" presetID="1" presetClass="entr" presetSubtype="0" fill="hold" grpId="0" nodeType="withEffect">
+                                  <p:stCondLst>
+                                    <p:cond delay="0"/>
+                                  </p:stCondLst>
+                                  <p:childTnLst>
+                                    <p:set>
+                                      <p:cBhvr>
+                                        <p:cTn id="36" dur="1" fill="hold">
+                                          <p:stCondLst>
+                                            <p:cond delay="0"/>
+                                          </p:stCondLst>
+                                        </p:cTn>
+                                        <p:tgtEl>
+                                          <p:spTgt spid="19"/>
+                                        </p:tgtEl>
+                                        <p:attrNameLst>
+                                          <p:attrName>style.visibility</p:attrName>
+                                        </p:attrNameLst>
+                                      </p:cBhvr>
+                                      <p:to>
+                                        <p:strVal val="visible"/>
+                                      </p:to>
+                                    </p:set>
+                                  </p:childTnLst>
+                                </p:cTn>
+                              </p:par>
+                              <p:par>
+                                <p:cTn id="37" presetID="1" presetClass="entr" presetSubtype="0" fill="hold" grpId="0" nodeType="withEffect">
+                                  <p:stCondLst>
+                                    <p:cond delay="0"/>
+                                  </p:stCondLst>
+                                  <p:childTnLst>
+                                    <p:set>
+                                      <p:cBhvr>
+                                        <p:cTn id="38" dur="1" fill="hold">
+                                          <p:stCondLst>
+                                            <p:cond delay="0"/>
+                                          </p:stCondLst>
+                                        </p:cTn>
+                                        <p:tgtEl>
+                                          <p:spTgt spid="18"/>
+                                        </p:tgtEl>
+                                        <p:attrNameLst>
+                                          <p:attrName>style.visibility</p:attrName>
+                                        </p:attrNameLst>
+                                      </p:cBhvr>
+                                      <p:to>
+                                        <p:strVal val="visible"/>
+                                      </p:to>
+                                    </p:set>
+                                  </p:childTnLst>
+                                </p:cTn>
+                              </p:par>
+                              <p:par>
+                                <p:cTn id="39" presetID="1" presetClass="entr" presetSubtype="0" fill="hold" grpId="0" nodeType="withEffect">
+                                  <p:stCondLst>
+                                    <p:cond delay="0"/>
+                                  </p:stCondLst>
+                                  <p:childTnLst>
+                                    <p:set>
+                                      <p:cBhvr>
+                                        <p:cTn id="40" dur="1" fill="hold">
+                                          <p:stCondLst>
+                                            <p:cond delay="0"/>
+                                          </p:stCondLst>
+                                        </p:cTn>
+                                        <p:tgtEl>
+                                          <p:spTgt spid="17"/>
+                                        </p:tgtEl>
+                                        <p:attrNameLst>
+                                          <p:attrName>style.visibility</p:attrName>
+                                        </p:attrNameLst>
+                                      </p:cBhvr>
+                                      <p:to>
+                                        <p:strVal val="visible"/>
+                                      </p:to>
+                                    </p:set>
+                                  </p:childTnLst>
+                                </p:cTn>
+                              </p:par>
+                              <p:par>
+                                <p:cTn id="41" presetID="1" presetClass="entr" presetSubtype="0" fill="hold" grpId="0" nodeType="withEffect">
+                                  <p:stCondLst>
+                                    <p:cond delay="0"/>
+                                  </p:stCondLst>
+                                  <p:childTnLst>
+                                    <p:set>
+                                      <p:cBhvr>
+                                        <p:cTn id="42" dur="1" fill="hold">
+                                          <p:stCondLst>
+                                            <p:cond delay="0"/>
+                                          </p:stCondLst>
+                                        </p:cTn>
+                                        <p:tgtEl>
+                                          <p:spTgt spid="11"/>
+                                        </p:tgtEl>
+                                        <p:attrNameLst>
+                                          <p:attrName>style.visibility</p:attrName>
+                                        </p:attrNameLst>
+                                      </p:cBhvr>
+                                      <p:to>
+                                        <p:strVal val="visible"/>
+                                      </p:to>
+                                    </p:set>
+                                  </p:childTnLst>
+                                </p:cTn>
+                              </p:par>
+                              <p:par>
+                                <p:cTn id="43" presetID="1" presetClass="entr" presetSubtype="0" fill="hold" grpId="0" nodeType="withEffect">
+                                  <p:stCondLst>
+                                    <p:cond delay="0"/>
+                                  </p:stCondLst>
+                                  <p:childTnLst>
+                                    <p:set>
+                                      <p:cBhvr>
+                                        <p:cTn id="44" dur="1" fill="hold">
+                                          <p:stCondLst>
+                                            <p:cond delay="0"/>
+                                          </p:stCondLst>
+                                        </p:cTn>
+                                        <p:tgtEl>
+                                          <p:spTgt spid="15"/>
+                                        </p:tgtEl>
+                                        <p:attrNameLst>
+                                          <p:attrName>style.visibility</p:attrName>
+                                        </p:attrNameLst>
+                                      </p:cBhvr>
+                                      <p:to>
+                                        <p:strVal val="visible"/>
+                                      </p:to>
+                                    </p:set>
+                                  </p:childTnLst>
+                                </p:cTn>
+                              </p:par>
+                            </p:childTnLst>
+                          </p:cTn>
+                        </p:par>
+                      </p:childTnLst>
+                    </p:cTn>
+                  </p:par>
+                </p:childTnLst>
+              </p:cTn>
+              <p:prevCondLst>
+                <p:cond evt="onPrev" delay="0">
+                  <p:tgtEl>
+                    <p:sldTgt/>
+                  </p:tgtEl>
+                </p:cond>
+              </p:prevCondLst>
+              <p:nextCondLst>
+                <p:cond evt="onNext" delay="0">
+                  <p:tgtEl>
+                    <p:sldTgt/>
+                  </p:tgtEl>
+                </p:cond>
+              </p:nextCondLst>
+            </p:seq>
+          </p:childTnLst>
+        </p:cTn>
       </p:par>
     </p:tnLst>
+    <p:bldLst>
+      <p:bldP spid="11" grpId="0" animBg="1"/>
+      <p:bldP spid="15" grpId="0" animBg="1"/>
+      <p:bldP spid="16" grpId="0" animBg="1"/>
+      <p:bldP spid="17" grpId="0" animBg="1"/>
+      <p:bldP spid="18" grpId="0" animBg="1"/>
+      <p:bldP spid="19" grpId="0" animBg="1"/>
+      <p:bldP spid="20" grpId="0" animBg="1"/>
+      <p:bldP spid="21" grpId="0" animBg="1"/>
+      <p:bldP spid="22" grpId="0" animBg="1"/>
+      <p:bldP spid="24" grpId="0" animBg="1"/>
+      <p:bldP spid="25" grpId="0" animBg="1"/>
+      <p:bldP spid="26" grpId="0" animBg="1"/>
+      <p:bldP spid="27" grpId="0" animBg="1"/>
+      <p:bldP spid="28" grpId="0" animBg="1"/>
+      <p:bldP spid="29" grpId="0" animBg="1"/>
+      <p:bldP spid="30" grpId="0" animBg="1"/>
+      <p:bldP spid="31" grpId="0" animBg="1"/>
+      <p:bldP spid="32" grpId="0" animBg="1"/>
+      <p:bldP spid="33" grpId="0" animBg="1"/>
+      <p:bldP spid="34" grpId="0" animBg="1"/>
+    </p:bldLst>
   </p:timing>
 </p:sld>
 </file>
@@ -23461,8 +23662,9 @@
           <a:p>
             <a:r>
               <a:rPr lang="nl-BE" dirty="0" smtClean="0"/>
-              <a:t>Demonstratie</a:t>
+              <a:t>Demo</a:t>
             </a:r>
+            <a:endParaRPr lang="nl-BE" dirty="0" smtClean="0"/>
           </a:p>
         </p:txBody>
       </p:sp>
@@ -23558,7 +23760,7 @@
             </a:r>
             <a:r>
               <a:rPr lang="en-US" dirty="0" err="1" smtClean="0"/>
-              <a:t>Gewichten</a:t>
+              <a:t>Benodigde</a:t>
             </a:r>
             <a:r>
               <a:rPr lang="en-US" dirty="0" smtClean="0"/>
@@ -23582,7 +23784,7 @@
             <p:ph idx="1"/>
             <p:extLst>
               <p:ext uri="{D42A27DB-BD31-4B8C-83A1-F6EECF244321}">
-                <p14:modId xmlns:p14="http://schemas.microsoft.com/office/powerpoint/2010/main" val="2796074222"/>
+                <p14:modId xmlns:p14="http://schemas.microsoft.com/office/powerpoint/2010/main" val="1202508419"/>
               </p:ext>
             </p:extLst>
           </p:nvPr>
@@ -23659,19 +23861,7 @@
             </a:r>
             <a:r>
               <a:rPr lang="en-US" dirty="0" err="1" smtClean="0"/>
-              <a:t>Gewichten</a:t>
-            </a:r>
-            <a:r>
-              <a:rPr lang="en-US" dirty="0" smtClean="0"/>
-              <a:t> </a:t>
-            </a:r>
-            <a:r>
-              <a:rPr lang="en-US" dirty="0" err="1" smtClean="0"/>
-              <a:t>opl</a:t>
-            </a:r>
-            <a:r>
-              <a:rPr lang="en-US" dirty="0" smtClean="0"/>
-              <a:t>%</a:t>
+              <a:t>Oplossingsgraad</a:t>
             </a:r>
             <a:endParaRPr lang="en-US" dirty="0"/>
           </a:p>
@@ -23687,7 +23877,7 @@
             <p:ph idx="1"/>
             <p:extLst>
               <p:ext uri="{D42A27DB-BD31-4B8C-83A1-F6EECF244321}">
-                <p14:modId xmlns:p14="http://schemas.microsoft.com/office/powerpoint/2010/main" val="27159775"/>
+                <p14:modId xmlns:p14="http://schemas.microsoft.com/office/powerpoint/2010/main" val="1689824358"/>
               </p:ext>
             </p:extLst>
           </p:nvPr>
@@ -23757,10 +23947,6 @@
             <a:r>
               <a:rPr lang="en-US" dirty="0" smtClean="0"/>
               <a:t>Experiment 5: </a:t>
-            </a:r>
-            <a:r>
-              <a:rPr lang="en-US" dirty="0" smtClean="0"/>
-              <a:t>Finale </a:t>
             </a:r>
             <a:r>
               <a:rPr lang="en-US" dirty="0" err="1" smtClean="0"/>
@@ -23849,7 +24035,14 @@
           <a:p>
             <a:r>
               <a:rPr lang="en-US" dirty="0" smtClean="0"/>
-              <a:t>Conclusie</a:t>
+              <a:t>Toekomstig </a:t>
+            </a:r>
+            <a:br>
+              <a:rPr lang="en-US" dirty="0" smtClean="0"/>
+            </a:br>
+            <a:r>
+              <a:rPr lang="en-US" dirty="0" smtClean="0"/>
+              <a:t>onderzoek</a:t>
             </a:r>
             <a:endParaRPr lang="en-US" dirty="0"/>
           </a:p>
@@ -23870,6 +24063,10 @@
           <a:bodyPr/>
           <a:lstStyle/>
           <a:p>
+            <a:r>
+              <a:rPr lang="en-US" dirty="0" smtClean="0"/>
+              <a:t>Mogelijkheden tot verder onderzoek binnen het onderzoeksdomein</a:t>
+            </a:r>
             <a:endParaRPr lang="en-US" dirty="0"/>
           </a:p>
         </p:txBody>
@@ -23895,6 +24092,233 @@
 </file>
 
 <file path=ppt/slides/slide24.xml><?xml version="1.0" encoding="utf-8"?>
+<p:sld xmlns:a="http://schemas.openxmlformats.org/drawingml/2006/main" xmlns:r="http://schemas.openxmlformats.org/officeDocument/2006/relationships" xmlns:p="http://schemas.openxmlformats.org/presentationml/2006/main">
+  <p:cSld>
+    <p:spTree>
+      <p:nvGrpSpPr>
+        <p:cNvPr id="1" name=""/>
+        <p:cNvGrpSpPr/>
+        <p:nvPr/>
+      </p:nvGrpSpPr>
+      <p:grpSpPr>
+        <a:xfrm>
+          <a:off x="0" y="0"/>
+          <a:ext cx="0" cy="0"/>
+          <a:chOff x="0" y="0"/>
+          <a:chExt cx="0" cy="0"/>
+        </a:xfrm>
+      </p:grpSpPr>
+      <p:sp>
+        <p:nvSpPr>
+          <p:cNvPr id="2" name="Title 1"/>
+          <p:cNvSpPr>
+            <a:spLocks noGrp="1"/>
+          </p:cNvSpPr>
+          <p:nvPr>
+            <p:ph type="title"/>
+          </p:nvPr>
+        </p:nvSpPr>
+        <p:spPr/>
+        <p:txBody>
+          <a:bodyPr/>
+          <a:lstStyle/>
+          <a:p>
+            <a:r>
+              <a:rPr lang="en-US" dirty="0" smtClean="0"/>
+              <a:t>Toekomstig onderzoek</a:t>
+            </a:r>
+            <a:endParaRPr lang="en-US" dirty="0"/>
+          </a:p>
+        </p:txBody>
+      </p:sp>
+      <p:sp>
+        <p:nvSpPr>
+          <p:cNvPr id="3" name="Content Placeholder 2"/>
+          <p:cNvSpPr>
+            <a:spLocks noGrp="1"/>
+          </p:cNvSpPr>
+          <p:nvPr>
+            <p:ph idx="1"/>
+          </p:nvPr>
+        </p:nvSpPr>
+        <p:spPr/>
+        <p:txBody>
+          <a:bodyPr/>
+          <a:lstStyle/>
+          <a:p>
+            <a:r>
+              <a:rPr lang="en-US" dirty="0" smtClean="0"/>
+              <a:t>Zoeken naar een geschikte heuristiek</a:t>
+            </a:r>
+          </a:p>
+          <a:p>
+            <a:r>
+              <a:rPr lang="en-US" dirty="0" smtClean="0"/>
+              <a:t>De implementatie van haakjes</a:t>
+            </a:r>
+          </a:p>
+          <a:p>
+            <a:r>
+              <a:rPr lang="en-US" dirty="0" err="1" smtClean="0"/>
+              <a:t>Berekenen</a:t>
+            </a:r>
+            <a:r>
+              <a:rPr lang="en-US" dirty="0" smtClean="0"/>
+              <a:t> van </a:t>
+            </a:r>
+            <a:r>
+              <a:rPr lang="en-US" dirty="0" err="1" smtClean="0"/>
+              <a:t>éé</a:t>
+            </a:r>
+            <a:r>
+              <a:rPr lang="en-US" dirty="0" err="1" smtClean="0"/>
+              <a:t>n</a:t>
+            </a:r>
+            <a:r>
+              <a:rPr lang="en-US" dirty="0" smtClean="0"/>
+              <a:t> </a:t>
+            </a:r>
+            <a:r>
+              <a:rPr lang="en-US" dirty="0" err="1" smtClean="0"/>
+              <a:t>losstaande</a:t>
+            </a:r>
+            <a:r>
+              <a:rPr lang="en-US" dirty="0" smtClean="0"/>
+              <a:t> </a:t>
+            </a:r>
+            <a:r>
+              <a:rPr lang="en-US" dirty="0" err="1" smtClean="0"/>
+              <a:t>constante</a:t>
+            </a:r>
+            <a:endParaRPr lang="en-US" dirty="0" smtClean="0"/>
+          </a:p>
+          <a:p>
+            <a:endParaRPr lang="en-US" dirty="0"/>
+          </a:p>
+          <a:p>
+            <a:endParaRPr lang="en-US" dirty="0"/>
+          </a:p>
+        </p:txBody>
+      </p:sp>
+    </p:spTree>
+    <p:extLst>
+      <p:ext uri="{BB962C8B-B14F-4D97-AF65-F5344CB8AC3E}">
+        <p14:creationId xmlns:p14="http://schemas.microsoft.com/office/powerpoint/2010/main" val="972025637"/>
+      </p:ext>
+    </p:extLst>
+  </p:cSld>
+  <p:clrMapOvr>
+    <a:masterClrMapping/>
+  </p:clrMapOvr>
+  <p:timing>
+    <p:tnLst>
+      <p:par>
+        <p:cTn xmlns:p14="http://schemas.microsoft.com/office/powerpoint/2010/main" id="1" dur="indefinite" restart="never" nodeType="tmRoot"/>
+      </p:par>
+    </p:tnLst>
+  </p:timing>
+</p:sld>
+</file>
+
+<file path=ppt/slides/slide25.xml><?xml version="1.0" encoding="utf-8"?>
+<p:sld xmlns:a="http://schemas.openxmlformats.org/drawingml/2006/main" xmlns:r="http://schemas.openxmlformats.org/officeDocument/2006/relationships" xmlns:p="http://schemas.openxmlformats.org/presentationml/2006/main">
+  <p:cSld>
+    <p:spTree>
+      <p:nvGrpSpPr>
+        <p:cNvPr id="1" name=""/>
+        <p:cNvGrpSpPr/>
+        <p:nvPr/>
+      </p:nvGrpSpPr>
+      <p:grpSpPr>
+        <a:xfrm>
+          <a:off x="0" y="0"/>
+          <a:ext cx="0" cy="0"/>
+          <a:chOff x="0" y="0"/>
+          <a:chExt cx="0" cy="0"/>
+        </a:xfrm>
+      </p:grpSpPr>
+      <p:sp>
+        <p:nvSpPr>
+          <p:cNvPr id="2" name="Title 1"/>
+          <p:cNvSpPr>
+            <a:spLocks noGrp="1"/>
+          </p:cNvSpPr>
+          <p:nvPr>
+            <p:ph type="ctrTitle"/>
+          </p:nvPr>
+        </p:nvSpPr>
+        <p:spPr/>
+        <p:txBody>
+          <a:bodyPr/>
+          <a:lstStyle/>
+          <a:p>
+            <a:r>
+              <a:rPr lang="en-US" dirty="0" smtClean="0"/>
+              <a:t>Conclusie</a:t>
+            </a:r>
+            <a:endParaRPr lang="en-US" dirty="0"/>
+          </a:p>
+        </p:txBody>
+      </p:sp>
+      <p:sp>
+        <p:nvSpPr>
+          <p:cNvPr id="3" name="Subtitle 2"/>
+          <p:cNvSpPr>
+            <a:spLocks noGrp="1"/>
+          </p:cNvSpPr>
+          <p:nvPr>
+            <p:ph type="subTitle" idx="1"/>
+          </p:nvPr>
+        </p:nvSpPr>
+        <p:spPr/>
+        <p:txBody>
+          <a:bodyPr/>
+          <a:lstStyle/>
+          <a:p>
+            <a:r>
+              <a:rPr lang="en-US" dirty="0" smtClean="0"/>
+              <a:t>De </a:t>
+            </a:r>
+            <a:r>
+              <a:rPr lang="en-US" dirty="0" err="1" smtClean="0"/>
+              <a:t>resultaten</a:t>
+            </a:r>
+            <a:r>
+              <a:rPr lang="en-US" dirty="0" smtClean="0"/>
+              <a:t> van het </a:t>
+            </a:r>
+            <a:br>
+              <a:rPr lang="en-US" dirty="0" smtClean="0"/>
+            </a:br>
+            <a:r>
+              <a:rPr lang="en-US" dirty="0" err="1" smtClean="0"/>
+              <a:t>onderzoek</a:t>
+            </a:r>
+            <a:endParaRPr lang="en-US" dirty="0"/>
+          </a:p>
+        </p:txBody>
+      </p:sp>
+    </p:spTree>
+    <p:extLst>
+      <p:ext uri="{BB962C8B-B14F-4D97-AF65-F5344CB8AC3E}">
+        <p14:creationId xmlns:p14="http://schemas.microsoft.com/office/powerpoint/2010/main" val="2579041775"/>
+      </p:ext>
+    </p:extLst>
+  </p:cSld>
+  <p:clrMapOvr>
+    <a:masterClrMapping/>
+  </p:clrMapOvr>
+  <p:timing>
+    <p:tnLst>
+      <p:par>
+        <p:cTn xmlns:p14="http://schemas.microsoft.com/office/powerpoint/2010/main" id="1" dur="indefinite" restart="never" nodeType="tmRoot"/>
+      </p:par>
+    </p:tnLst>
+  </p:timing>
+</p:sld>
+</file>
+
+<file path=ppt/slides/slide26.xml><?xml version="1.0" encoding="utf-8"?>
 <p:sld xmlns:a="http://schemas.openxmlformats.org/drawingml/2006/main" xmlns:r="http://schemas.openxmlformats.org/officeDocument/2006/relationships" xmlns:p="http://schemas.openxmlformats.org/presentationml/2006/main">
   <p:cSld>
     <p:spTree>
@@ -24301,264 +24725,6 @@
 </p:sld>
 </file>
 
-<file path=ppt/slides/slide25.xml><?xml version="1.0" encoding="utf-8"?>
-<p:sld xmlns:a="http://schemas.openxmlformats.org/drawingml/2006/main" xmlns:r="http://schemas.openxmlformats.org/officeDocument/2006/relationships" xmlns:p="http://schemas.openxmlformats.org/presentationml/2006/main">
-  <p:cSld>
-    <p:spTree>
-      <p:nvGrpSpPr>
-        <p:cNvPr id="1" name=""/>
-        <p:cNvGrpSpPr/>
-        <p:nvPr/>
-      </p:nvGrpSpPr>
-      <p:grpSpPr>
-        <a:xfrm>
-          <a:off x="0" y="0"/>
-          <a:ext cx="0" cy="0"/>
-          <a:chOff x="0" y="0"/>
-          <a:chExt cx="0" cy="0"/>
-        </a:xfrm>
-      </p:grpSpPr>
-      <p:sp>
-        <p:nvSpPr>
-          <p:cNvPr id="2" name="Title 1"/>
-          <p:cNvSpPr>
-            <a:spLocks noGrp="1"/>
-          </p:cNvSpPr>
-          <p:nvPr>
-            <p:ph type="title"/>
-          </p:nvPr>
-        </p:nvSpPr>
-        <p:spPr/>
-        <p:txBody>
-          <a:bodyPr/>
-          <a:lstStyle/>
-          <a:p>
-            <a:r>
-              <a:rPr lang="en-US" dirty="0" err="1" smtClean="0"/>
-              <a:t>Conclusie</a:t>
-            </a:r>
-            <a:endParaRPr lang="en-US" dirty="0"/>
-          </a:p>
-        </p:txBody>
-      </p:sp>
-      <p:sp>
-        <p:nvSpPr>
-          <p:cNvPr id="3" name="Content Placeholder 2"/>
-          <p:cNvSpPr>
-            <a:spLocks noGrp="1"/>
-          </p:cNvSpPr>
-          <p:nvPr>
-            <p:ph idx="1"/>
-          </p:nvPr>
-        </p:nvSpPr>
-        <p:spPr/>
-        <p:txBody>
-          <a:bodyPr/>
-          <a:lstStyle/>
-          <a:p>
-            <a:r>
-              <a:rPr lang="en-US" dirty="0" err="1" smtClean="0"/>
-              <a:t>Veel</a:t>
-            </a:r>
-            <a:r>
-              <a:rPr lang="en-US" dirty="0" smtClean="0"/>
-              <a:t> </a:t>
-            </a:r>
-            <a:r>
-              <a:rPr lang="en-US" dirty="0" err="1" smtClean="0"/>
-              <a:t>sneller</a:t>
-            </a:r>
-            <a:r>
-              <a:rPr lang="en-US" dirty="0" smtClean="0"/>
-              <a:t> </a:t>
-            </a:r>
-            <a:r>
-              <a:rPr lang="en-US" dirty="0" err="1" smtClean="0"/>
-              <a:t>dan</a:t>
-            </a:r>
-            <a:r>
-              <a:rPr lang="en-US" dirty="0" smtClean="0"/>
-              <a:t> de brute force </a:t>
-            </a:r>
-            <a:r>
-              <a:rPr lang="en-US" dirty="0" err="1" smtClean="0"/>
-              <a:t>aanpak</a:t>
-            </a:r>
-            <a:endParaRPr lang="en-US" dirty="0" smtClean="0"/>
-          </a:p>
-          <a:p>
-            <a:r>
-              <a:rPr lang="en-US" dirty="0" err="1" smtClean="0"/>
-              <a:t>Geen</a:t>
-            </a:r>
-            <a:r>
-              <a:rPr lang="en-US" dirty="0" smtClean="0"/>
-              <a:t> 100% </a:t>
-            </a:r>
-            <a:r>
-              <a:rPr lang="en-US" dirty="0" err="1" smtClean="0"/>
-              <a:t>oplossingsgraad</a:t>
-            </a:r>
-            <a:endParaRPr lang="en-US" dirty="0" smtClean="0"/>
-          </a:p>
-          <a:p>
-            <a:r>
-              <a:rPr lang="en-US" dirty="0" err="1" smtClean="0"/>
-              <a:t>Experimenten</a:t>
-            </a:r>
-            <a:r>
-              <a:rPr lang="en-US" dirty="0" smtClean="0"/>
-              <a:t> </a:t>
-            </a:r>
-            <a:r>
-              <a:rPr lang="en-US" dirty="0" err="1" smtClean="0"/>
-              <a:t>afhankelijk</a:t>
-            </a:r>
-            <a:r>
-              <a:rPr lang="en-US" dirty="0" smtClean="0"/>
-              <a:t> van de </a:t>
-            </a:r>
-            <a:r>
-              <a:rPr lang="en-US" dirty="0" err="1" smtClean="0"/>
-              <a:t>randomgenerator</a:t>
-            </a:r>
-            <a:endParaRPr lang="en-US" dirty="0" smtClean="0"/>
-          </a:p>
-          <a:p>
-            <a:r>
-              <a:rPr lang="en-US" dirty="0" err="1" smtClean="0"/>
-              <a:t>Beperkte</a:t>
-            </a:r>
-            <a:r>
-              <a:rPr lang="en-US" dirty="0" smtClean="0"/>
-              <a:t> </a:t>
-            </a:r>
-            <a:r>
-              <a:rPr lang="en-US" dirty="0" err="1" smtClean="0"/>
-              <a:t>diepte</a:t>
-            </a:r>
-            <a:endParaRPr lang="en-US" dirty="0" smtClean="0"/>
-          </a:p>
-          <a:p>
-            <a:r>
-              <a:rPr lang="en-US" dirty="0" err="1" smtClean="0"/>
-              <a:t>Geen</a:t>
-            </a:r>
-            <a:r>
-              <a:rPr lang="en-US" dirty="0" smtClean="0"/>
-              <a:t> </a:t>
-            </a:r>
-            <a:r>
-              <a:rPr lang="en-US" dirty="0" err="1" smtClean="0"/>
-              <a:t>heuristiek</a:t>
-            </a:r>
-            <a:endParaRPr lang="en-US" dirty="0" smtClean="0"/>
-          </a:p>
-        </p:txBody>
-      </p:sp>
-    </p:spTree>
-    <p:extLst>
-      <p:ext uri="{BB962C8B-B14F-4D97-AF65-F5344CB8AC3E}">
-        <p14:creationId xmlns:p14="http://schemas.microsoft.com/office/powerpoint/2010/main" val="3138711606"/>
-      </p:ext>
-    </p:extLst>
-  </p:cSld>
-  <p:clrMapOvr>
-    <a:masterClrMapping/>
-  </p:clrMapOvr>
-</p:sld>
-</file>
-
-<file path=ppt/slides/slide26.xml><?xml version="1.0" encoding="utf-8"?>
-<p:sld xmlns:a="http://schemas.openxmlformats.org/drawingml/2006/main" xmlns:r="http://schemas.openxmlformats.org/officeDocument/2006/relationships" xmlns:p="http://schemas.openxmlformats.org/presentationml/2006/main">
-  <p:cSld>
-    <p:spTree>
-      <p:nvGrpSpPr>
-        <p:cNvPr id="1" name=""/>
-        <p:cNvGrpSpPr/>
-        <p:nvPr/>
-      </p:nvGrpSpPr>
-      <p:grpSpPr>
-        <a:xfrm>
-          <a:off x="0" y="0"/>
-          <a:ext cx="0" cy="0"/>
-          <a:chOff x="0" y="0"/>
-          <a:chExt cx="0" cy="0"/>
-        </a:xfrm>
-      </p:grpSpPr>
-      <p:sp>
-        <p:nvSpPr>
-          <p:cNvPr id="2" name="Title 1"/>
-          <p:cNvSpPr>
-            <a:spLocks noGrp="1"/>
-          </p:cNvSpPr>
-          <p:nvPr>
-            <p:ph type="ctrTitle"/>
-          </p:nvPr>
-        </p:nvSpPr>
-        <p:spPr/>
-        <p:txBody>
-          <a:bodyPr/>
-          <a:lstStyle/>
-          <a:p>
-            <a:r>
-              <a:rPr lang="en-US" dirty="0" smtClean="0"/>
-              <a:t>Toekomstig </a:t>
-            </a:r>
-            <a:br>
-              <a:rPr lang="en-US" dirty="0" smtClean="0"/>
-            </a:br>
-            <a:r>
-              <a:rPr lang="en-US" dirty="0" smtClean="0"/>
-              <a:t>onderzoek</a:t>
-            </a:r>
-            <a:endParaRPr lang="en-US" dirty="0"/>
-          </a:p>
-        </p:txBody>
-      </p:sp>
-      <p:sp>
-        <p:nvSpPr>
-          <p:cNvPr id="3" name="Subtitle 2"/>
-          <p:cNvSpPr>
-            <a:spLocks noGrp="1"/>
-          </p:cNvSpPr>
-          <p:nvPr>
-            <p:ph type="subTitle" idx="1"/>
-          </p:nvPr>
-        </p:nvSpPr>
-        <p:spPr/>
-        <p:txBody>
-          <a:bodyPr/>
-          <a:lstStyle/>
-          <a:p>
-            <a:r>
-              <a:rPr lang="en-US" dirty="0" smtClean="0"/>
-              <a:t>Mogelijkheden tot verder onderzoek binnen het onderzoeksdomein</a:t>
-            </a:r>
-            <a:endParaRPr lang="en-US" dirty="0"/>
-          </a:p>
-        </p:txBody>
-      </p:sp>
-    </p:spTree>
-    <p:extLst>
-      <p:ext uri="{BB962C8B-B14F-4D97-AF65-F5344CB8AC3E}">
-        <p14:creationId xmlns:p14="http://schemas.microsoft.com/office/powerpoint/2010/main" val="2579041775"/>
-      </p:ext>
-    </p:extLst>
-  </p:cSld>
-  <p:clrMapOvr>
-    <a:masterClrMapping/>
-  </p:clrMapOvr>
-  <p:timing>
-    <p:tnLst>
-      <p:par>
-        <p:cTn xmlns:p14="http://schemas.microsoft.com/office/powerpoint/2010/main" id="1" dur="indefinite" restart="never" nodeType="tmRoot"/>
-      </p:par>
-    </p:tnLst>
-  </p:timing>
-</p:sld>
-</file>
-
 <file path=ppt/slides/slide27.xml><?xml version="1.0" encoding="utf-8"?>
 <p:sld xmlns:a="http://schemas.openxmlformats.org/drawingml/2006/main" xmlns:r="http://schemas.openxmlformats.org/officeDocument/2006/relationships" xmlns:p="http://schemas.openxmlformats.org/presentationml/2006/main">
   <p:cSld>
@@ -24592,8 +24758,8 @@
           <a:lstStyle/>
           <a:p>
             <a:r>
-              <a:rPr lang="en-US" dirty="0" smtClean="0"/>
-              <a:t>Toekomstig onderzoek</a:t>
+              <a:rPr lang="en-US" dirty="0" err="1" smtClean="0"/>
+              <a:t>Conclusie</a:t>
             </a:r>
             <a:endParaRPr lang="en-US" dirty="0"/>
           </a:p>
@@ -24615,37 +24781,149 @@
           <a:lstStyle/>
           <a:p>
             <a:r>
-              <a:rPr lang="en-US" dirty="0" smtClean="0"/>
-              <a:t>Zoeken naar een geschikte heuristiek</a:t>
+              <a:rPr lang="en-US" dirty="0" err="1" smtClean="0"/>
+              <a:t>Veel</a:t>
             </a:r>
-          </a:p>
-          <a:p>
             <a:r>
               <a:rPr lang="en-US" dirty="0" smtClean="0"/>
-              <a:t>De implementatie van haakjes</a:t>
+              <a:t> </a:t>
             </a:r>
-          </a:p>
-          <a:p>
+            <a:r>
+              <a:rPr lang="en-US" dirty="0" err="1" smtClean="0"/>
+              <a:t>sneller</a:t>
+            </a:r>
             <a:r>
               <a:rPr lang="en-US" dirty="0" smtClean="0"/>
-              <a:t>Verdere optimalisaties in het opstellen van de bewerkingsboom</a:t>
+              <a:t> </a:t>
             </a:r>
-          </a:p>
-          <a:p>
+            <a:r>
+              <a:rPr lang="en-US" dirty="0" err="1" smtClean="0"/>
+              <a:t>dan</a:t>
+            </a:r>
+            <a:r>
+              <a:rPr lang="en-US" dirty="0" smtClean="0"/>
+              <a:t> de brute force </a:t>
+            </a:r>
+            <a:r>
+              <a:rPr lang="en-US" dirty="0" err="1" smtClean="0"/>
+              <a:t>aanpak</a:t>
+            </a:r>
             <a:endParaRPr lang="en-US" dirty="0" smtClean="0"/>
           </a:p>
           <a:p>
-            <a:endParaRPr lang="en-US" dirty="0"/>
-          </a:p>
-          <a:p>
-            <a:endParaRPr lang="en-US" dirty="0"/>
+            <a:pPr lvl="1"/>
+            <a:r>
+              <a:rPr lang="en-US" dirty="0" err="1" smtClean="0"/>
+              <a:t>Nog</a:t>
+            </a:r>
+            <a:r>
+              <a:rPr lang="en-US" dirty="0" smtClean="0"/>
+              <a:t> steeds </a:t>
+            </a:r>
+            <a:r>
+              <a:rPr lang="en-US" dirty="0" err="1" smtClean="0"/>
+              <a:t>exponentieel</a:t>
+            </a:r>
+            <a:endParaRPr lang="en-US" dirty="0" smtClean="0"/>
+          </a:p>
+          <a:p>
+            <a:r>
+              <a:rPr lang="en-US" dirty="0" err="1" smtClean="0"/>
+              <a:t>Geen</a:t>
+            </a:r>
+            <a:r>
+              <a:rPr lang="en-US" dirty="0" smtClean="0"/>
+              <a:t> 100% </a:t>
+            </a:r>
+            <a:r>
+              <a:rPr lang="en-US" dirty="0" err="1" smtClean="0"/>
+              <a:t>oplossingsgraad</a:t>
+            </a:r>
+            <a:endParaRPr lang="en-US" dirty="0" smtClean="0"/>
+          </a:p>
+          <a:p>
+            <a:pPr lvl="1"/>
+            <a:r>
+              <a:rPr lang="en-US" dirty="0" err="1" smtClean="0"/>
+              <a:t>Afhankelijk</a:t>
+            </a:r>
+            <a:r>
+              <a:rPr lang="en-US" dirty="0" smtClean="0"/>
+              <a:t> </a:t>
+            </a:r>
+            <a:r>
+              <a:rPr lang="en-US" dirty="0" err="1" smtClean="0"/>
+              <a:t>gezochte</a:t>
+            </a:r>
+            <a:r>
+              <a:rPr lang="en-US" dirty="0" smtClean="0"/>
+              <a:t> </a:t>
+            </a:r>
+            <a:r>
+              <a:rPr lang="en-US" dirty="0" err="1" smtClean="0"/>
+              <a:t>lengte</a:t>
+            </a:r>
+            <a:endParaRPr lang="en-US" dirty="0" smtClean="0"/>
+          </a:p>
+          <a:p>
+            <a:r>
+              <a:rPr lang="en-US" dirty="0" err="1" smtClean="0"/>
+              <a:t>Experimenten</a:t>
+            </a:r>
+            <a:r>
+              <a:rPr lang="en-US" dirty="0" smtClean="0"/>
+              <a:t> </a:t>
+            </a:r>
+            <a:r>
+              <a:rPr lang="en-US" dirty="0" err="1" smtClean="0"/>
+              <a:t>afhankelijk</a:t>
+            </a:r>
+            <a:r>
+              <a:rPr lang="en-US" dirty="0" smtClean="0"/>
+              <a:t> van de </a:t>
+            </a:r>
+            <a:r>
+              <a:rPr lang="en-US" dirty="0" err="1" smtClean="0"/>
+              <a:t>randomgenerator</a:t>
+            </a:r>
+            <a:endParaRPr lang="en-US" dirty="0" smtClean="0"/>
+          </a:p>
+          <a:p>
+            <a:r>
+              <a:rPr lang="en-US" dirty="0" err="1" smtClean="0"/>
+              <a:t>Beperkte</a:t>
+            </a:r>
+            <a:r>
+              <a:rPr lang="en-US" dirty="0" smtClean="0"/>
+              <a:t> </a:t>
+            </a:r>
+            <a:r>
+              <a:rPr lang="en-US" dirty="0" err="1" smtClean="0"/>
+              <a:t>diepte</a:t>
+            </a:r>
+            <a:endParaRPr lang="en-US" dirty="0" smtClean="0"/>
+          </a:p>
+          <a:p>
+            <a:r>
+              <a:rPr lang="en-US" dirty="0" err="1" smtClean="0"/>
+              <a:t>Geen</a:t>
+            </a:r>
+            <a:r>
+              <a:rPr lang="en-US" dirty="0" smtClean="0"/>
+              <a:t> </a:t>
+            </a:r>
+            <a:r>
+              <a:rPr lang="en-US" dirty="0" err="1" smtClean="0"/>
+              <a:t>heuristiek</a:t>
+            </a:r>
+            <a:endParaRPr lang="en-US" dirty="0" smtClean="0"/>
           </a:p>
         </p:txBody>
       </p:sp>
     </p:spTree>
     <p:extLst>
       <p:ext uri="{BB962C8B-B14F-4D97-AF65-F5344CB8AC3E}">
-        <p14:creationId xmlns:p14="http://schemas.microsoft.com/office/powerpoint/2010/main" val="972025637"/>
+        <p14:creationId xmlns:p14="http://schemas.microsoft.com/office/powerpoint/2010/main" val="3138711606"/>
       </p:ext>
     </p:extLst>
   </p:cSld>
@@ -24898,7 +25176,15 @@
           <a:p>
             <a:r>
               <a:rPr lang="nl-BE" dirty="0" smtClean="0"/>
-              <a:t>Herhaling context-vrije grammatica</a:t>
+              <a:t>Herhaling </a:t>
+            </a:r>
+            <a:r>
+              <a:rPr lang="nl-BE" dirty="0" smtClean="0"/>
+              <a:t>contextvrije </a:t>
+            </a:r>
+            <a:r>
+              <a:rPr lang="nl-BE" dirty="0" smtClean="0"/>
+              <a:t>grammatica</a:t>
             </a:r>
             <a:endParaRPr lang="nl-BE" dirty="0"/>
           </a:p>
@@ -25138,8 +25424,16 @@
           <a:lstStyle/>
           <a:p>
             <a:r>
+              <a:rPr lang="en-US" sz="3600" b="0" dirty="0" err="1" smtClean="0"/>
+              <a:t>Contextvrije</a:t>
+            </a:r>
+            <a:r>
               <a:rPr lang="en-US" sz="3600" b="0" dirty="0" smtClean="0"/>
-              <a:t>Context-vrije grammatica</a:t>
+              <a:t> </a:t>
+            </a:r>
+            <a:r>
+              <a:rPr lang="en-US" sz="3600" b="0" dirty="0" smtClean="0"/>
+              <a:t>grammatica</a:t>
             </a:r>
             <a:endParaRPr lang="en-US" sz="3600" b="0" dirty="0"/>
           </a:p>
@@ -25155,7 +25449,12 @@
             <p:ph type="body" sz="half" idx="2"/>
           </p:nvPr>
         </p:nvSpPr>
-        <p:spPr/>
+        <p:spPr>
+          <a:xfrm>
+            <a:off x="539552" y="1435101"/>
+            <a:ext cx="8208912" cy="4356000"/>
+          </a:xfrm>
+        </p:spPr>
         <p:txBody>
           <a:bodyPr/>
           <a:lstStyle/>
@@ -25170,27 +25469,32 @@
             </a:r>
           </a:p>
           <a:p>
+            <a:pPr algn="ctr"/>
             <a:endParaRPr lang="en-US" sz="2000" dirty="0"/>
           </a:p>
           <a:p>
+            <a:pPr algn="ctr"/>
             <a:r>
               <a:rPr lang="en-US" sz="2400" dirty="0" smtClean="0"/>
               <a:t>E → E + E</a:t>
             </a:r>
           </a:p>
           <a:p>
+            <a:pPr algn="ctr"/>
             <a:r>
               <a:rPr lang="en-US" sz="2400" dirty="0" smtClean="0"/>
               <a:t>E → E – E  </a:t>
             </a:r>
           </a:p>
           <a:p>
+            <a:pPr algn="ctr"/>
             <a:r>
               <a:rPr lang="en-US" sz="2400" dirty="0" smtClean="0"/>
               <a:t>E → E × E </a:t>
             </a:r>
           </a:p>
           <a:p>
+            <a:pPr algn="ctr"/>
             <a:r>
               <a:rPr lang="en-US" sz="2400" dirty="0" smtClean="0"/>
               <a:t>E → E ÷ </a:t>
@@ -25201,40 +25505,19 @@
             </a:r>
           </a:p>
           <a:p>
+            <a:pPr algn="ctr"/>
             <a:r>
               <a:rPr lang="en-US" sz="2400" dirty="0" smtClean="0"/>
-              <a:t>E → E</a:t>
-            </a:r>
-            <a:r>
-              <a:rPr lang="en-US" sz="2400" baseline="30000" dirty="0"/>
-              <a:t>E</a:t>
+              <a:t>E → E^E</a:t>
             </a:r>
             <a:endParaRPr lang="en-US" sz="2400" dirty="0" smtClean="0"/>
           </a:p>
           <a:p>
+            <a:pPr algn="ctr"/>
             <a:r>
               <a:rPr lang="en-US" sz="2400" dirty="0" smtClean="0"/>
               <a:t>E → a | b | c | …</a:t>
             </a:r>
-          </a:p>
-        </p:txBody>
-      </p:sp>
-      <p:sp>
-        <p:nvSpPr>
-          <p:cNvPr id="7" name="Content Placeholder 6"/>
-          <p:cNvSpPr>
-            <a:spLocks noGrp="1"/>
-          </p:cNvSpPr>
-          <p:nvPr>
-            <p:ph idx="1"/>
-          </p:nvPr>
-        </p:nvSpPr>
-        <p:spPr/>
-        <p:txBody>
-          <a:bodyPr/>
-          <a:lstStyle/>
-          <a:p>
-            <a:endParaRPr lang="en-US" dirty="0"/>
           </a:p>
         </p:txBody>
       </p:sp>
@@ -26044,8 +26327,9 @@
           <a:p>
             <a:r>
               <a:rPr lang="nl-BE" dirty="0" smtClean="0"/>
-              <a:t>Onderzoekshypthese </a:t>
+              <a:t>Onderzoekshypothese </a:t>
             </a:r>
+            <a:endParaRPr lang="nl-BE" dirty="0" smtClean="0"/>
           </a:p>
           <a:p>
             <a:r>
